--- a/README.pptx
+++ b/README.pptx
@@ -3011,11 +3011,7 @@
           <a:p>
             <a:r>
               <a:rPr lang="en-US" dirty="0" smtClean="0"/>
-              <a:t>PW</a:t>
-            </a:r>
-            <a:r>
-              <a:rPr lang="en-US" dirty="0" smtClean="0"/>
-              <a:t>-pipeline</a:t>
+              <a:t>PW-pipeline</a:t>
             </a:r>
             <a:endParaRPr lang="en-GB" dirty="0"/>
           </a:p>
@@ -3065,6 +3061,13 @@
   <p:clrMapOvr>
     <a:masterClrMapping/>
   </p:clrMapOvr>
+  <p:timing>
+    <p:tnLst>
+      <p:par>
+        <p:cTn id="1" dur="indefinite" restart="never" nodeType="tmRoot"/>
+      </p:par>
+    </p:tnLst>
+  </p:timing>
 </p:sld>
 </file>
 
@@ -3153,7 +3156,7 @@
             </a:pPr>
             <a:r>
               <a:rPr lang="en-GB" dirty="0" smtClean="0"/>
-              <a:t>Consider correlations between them, </a:t>
+              <a:t>Investigate their correlations, </a:t>
             </a:r>
             <a:endParaRPr lang="en-GB" dirty="0"/>
           </a:p>
@@ -3163,8 +3166,20 @@
               <a:buAutoNum type="arabicPeriod"/>
             </a:pPr>
             <a:r>
+              <a:rPr lang="en-GB" smtClean="0"/>
+              <a:t>Mirror </a:t>
+            </a:r>
+            <a:r>
               <a:rPr lang="en-GB" dirty="0" smtClean="0"/>
-              <a:t>Link these connections to known pathways and functions.</a:t>
+              <a:t>these </a:t>
+            </a:r>
+            <a:r>
+              <a:rPr lang="en-GB" dirty="0" smtClean="0"/>
+              <a:t>to </a:t>
+            </a:r>
+            <a:r>
+              <a:rPr lang="en-GB" dirty="0" smtClean="0"/>
+              <a:t>known pathways and functions.</a:t>
             </a:r>
             <a:endParaRPr lang="en-GB" dirty="0"/>
           </a:p>
@@ -3192,11 +3207,7 @@
             </a:r>
             <a:r>
               <a:rPr lang="en-GB" dirty="0" smtClean="0"/>
-              <a:t>P values or FDRs</a:t>
-            </a:r>
-            <a:r>
-              <a:rPr lang="en-GB" dirty="0" smtClean="0"/>
-              <a:t>.</a:t>
+              <a:t>P values or FDRs.</a:t>
             </a:r>
             <a:endParaRPr lang="en-GB" dirty="0"/>
           </a:p>
@@ -3212,6 +3223,13 @@
   <p:clrMapOvr>
     <a:masterClrMapping/>
   </p:clrMapOvr>
+  <p:timing>
+    <p:tnLst>
+      <p:par>
+        <p:cTn id="1" dur="indefinite" restart="never" nodeType="tmRoot"/>
+      </p:par>
+    </p:tnLst>
+  </p:timing>
 </p:sld>
 </file>
 
@@ -3286,15 +3304,7 @@
             </a:r>
             <a:r>
               <a:rPr lang="en-GB" dirty="0" smtClean="0"/>
-              <a:t>different software require different formats with respect to GWAS summar</a:t>
-            </a:r>
-            <a:r>
-              <a:rPr lang="en-GB" dirty="0" smtClean="0"/>
-              <a:t>y statistics and pathway databases</a:t>
-            </a:r>
-            <a:r>
-              <a:rPr lang="en-GB" dirty="0" smtClean="0"/>
-              <a:t>.</a:t>
+              <a:t>different software require different formats with respect to GWAS summary statistics and pathway databases.</a:t>
             </a:r>
             <a:endParaRPr lang="en-GB" dirty="0"/>
           </a:p>
@@ -3328,6 +3338,13 @@
   <p:clrMapOvr>
     <a:masterClrMapping/>
   </p:clrMapOvr>
+  <p:timing>
+    <p:tnLst>
+      <p:par>
+        <p:cTn id="1" dur="indefinite" restart="never" nodeType="tmRoot"/>
+      </p:par>
+    </p:tnLst>
+  </p:timing>
 </p:sld>
 </file>
 
@@ -3927,6 +3944,13 @@
   <p:clrMapOvr>
     <a:masterClrMapping/>
   </p:clrMapOvr>
+  <p:timing>
+    <p:tnLst>
+      <p:par>
+        <p:cTn id="1" dur="indefinite" restart="never" nodeType="tmRoot"/>
+      </p:par>
+    </p:tnLst>
+  </p:timing>
 </p:sld>
 </file>
 
@@ -4079,6 +4103,13 @@
   <p:clrMapOvr>
     <a:masterClrMapping/>
   </p:clrMapOvr>
+  <p:timing>
+    <p:tnLst>
+      <p:par>
+        <p:cTn id="1" dur="indefinite" restart="never" nodeType="tmRoot"/>
+      </p:par>
+    </p:tnLst>
+  </p:timing>
 </p:sld>
 </file>
 
@@ -4295,6 +4326,13 @@
   <p:clrMapOvr>
     <a:masterClrMapping/>
   </p:clrMapOvr>
+  <p:timing>
+    <p:tnLst>
+      <p:par>
+        <p:cTn id="1" dur="indefinite" restart="never" nodeType="tmRoot"/>
+      </p:par>
+    </p:tnLst>
+  </p:timing>
 </p:sld>
 </file>
 
@@ -4390,6 +4428,13 @@
   <p:clrMapOvr>
     <a:masterClrMapping/>
   </p:clrMapOvr>
+  <p:timing>
+    <p:tnLst>
+      <p:par>
+        <p:cTn id="1" dur="indefinite" restart="never" nodeType="tmRoot"/>
+      </p:par>
+    </p:tnLst>
+  </p:timing>
 </p:sld>
 </file>
 

--- a/README.pptx
+++ b/README.pptx
@@ -3166,20 +3166,20 @@
               <a:buAutoNum type="arabicPeriod"/>
             </a:pPr>
             <a:r>
+              <a:rPr lang="en-GB" dirty="0" smtClean="0"/>
+              <a:t>Mirror these to </a:t>
+            </a:r>
+            <a:r>
               <a:rPr lang="en-GB" smtClean="0"/>
-              <a:t>Mirror </a:t>
+              <a:t>known </a:t>
+            </a:r>
+            <a:r>
+              <a:rPr lang="en-GB" smtClean="0"/>
+              <a:t>biological pathways </a:t>
             </a:r>
             <a:r>
               <a:rPr lang="en-GB" dirty="0" smtClean="0"/>
-              <a:t>these </a:t>
-            </a:r>
-            <a:r>
-              <a:rPr lang="en-GB" dirty="0" smtClean="0"/>
-              <a:t>to </a:t>
-            </a:r>
-            <a:r>
-              <a:rPr lang="en-GB" dirty="0" smtClean="0"/>
-              <a:t>known pathways and functions.</a:t>
+              <a:t>and functions.</a:t>
             </a:r>
             <a:endParaRPr lang="en-GB" dirty="0"/>
           </a:p>

--- a/README.pptx
+++ b/README.pptx
@@ -264,7 +264,7 @@
           <a:p>
             <a:fld id="{377D33B0-C84D-48FE-B2B4-1B6631A21FD0}" type="datetimeFigureOut">
               <a:rPr lang="en-GB" smtClean="0"/>
-              <a:t>18/11/2017</a:t>
+              <a:t>19/11/2017</a:t>
             </a:fld>
             <a:endParaRPr lang="en-GB"/>
           </a:p>
@@ -434,7 +434,7 @@
           <a:p>
             <a:fld id="{377D33B0-C84D-48FE-B2B4-1B6631A21FD0}" type="datetimeFigureOut">
               <a:rPr lang="en-GB" smtClean="0"/>
-              <a:t>18/11/2017</a:t>
+              <a:t>19/11/2017</a:t>
             </a:fld>
             <a:endParaRPr lang="en-GB"/>
           </a:p>
@@ -614,7 +614,7 @@
           <a:p>
             <a:fld id="{377D33B0-C84D-48FE-B2B4-1B6631A21FD0}" type="datetimeFigureOut">
               <a:rPr lang="en-GB" smtClean="0"/>
-              <a:t>18/11/2017</a:t>
+              <a:t>19/11/2017</a:t>
             </a:fld>
             <a:endParaRPr lang="en-GB"/>
           </a:p>
@@ -784,7 +784,7 @@
           <a:p>
             <a:fld id="{377D33B0-C84D-48FE-B2B4-1B6631A21FD0}" type="datetimeFigureOut">
               <a:rPr lang="en-GB" smtClean="0"/>
-              <a:t>18/11/2017</a:t>
+              <a:t>19/11/2017</a:t>
             </a:fld>
             <a:endParaRPr lang="en-GB"/>
           </a:p>
@@ -1030,7 +1030,7 @@
           <a:p>
             <a:fld id="{377D33B0-C84D-48FE-B2B4-1B6631A21FD0}" type="datetimeFigureOut">
               <a:rPr lang="en-GB" smtClean="0"/>
-              <a:t>18/11/2017</a:t>
+              <a:t>19/11/2017</a:t>
             </a:fld>
             <a:endParaRPr lang="en-GB"/>
           </a:p>
@@ -1262,7 +1262,7 @@
           <a:p>
             <a:fld id="{377D33B0-C84D-48FE-B2B4-1B6631A21FD0}" type="datetimeFigureOut">
               <a:rPr lang="en-GB" smtClean="0"/>
-              <a:t>18/11/2017</a:t>
+              <a:t>19/11/2017</a:t>
             </a:fld>
             <a:endParaRPr lang="en-GB"/>
           </a:p>
@@ -1629,7 +1629,7 @@
           <a:p>
             <a:fld id="{377D33B0-C84D-48FE-B2B4-1B6631A21FD0}" type="datetimeFigureOut">
               <a:rPr lang="en-GB" smtClean="0"/>
-              <a:t>18/11/2017</a:t>
+              <a:t>19/11/2017</a:t>
             </a:fld>
             <a:endParaRPr lang="en-GB"/>
           </a:p>
@@ -1747,7 +1747,7 @@
           <a:p>
             <a:fld id="{377D33B0-C84D-48FE-B2B4-1B6631A21FD0}" type="datetimeFigureOut">
               <a:rPr lang="en-GB" smtClean="0"/>
-              <a:t>18/11/2017</a:t>
+              <a:t>19/11/2017</a:t>
             </a:fld>
             <a:endParaRPr lang="en-GB"/>
           </a:p>
@@ -1842,7 +1842,7 @@
           <a:p>
             <a:fld id="{377D33B0-C84D-48FE-B2B4-1B6631A21FD0}" type="datetimeFigureOut">
               <a:rPr lang="en-GB" smtClean="0"/>
-              <a:t>18/11/2017</a:t>
+              <a:t>19/11/2017</a:t>
             </a:fld>
             <a:endParaRPr lang="en-GB"/>
           </a:p>
@@ -2119,7 +2119,7 @@
           <a:p>
             <a:fld id="{377D33B0-C84D-48FE-B2B4-1B6631A21FD0}" type="datetimeFigureOut">
               <a:rPr lang="en-GB" smtClean="0"/>
-              <a:t>18/11/2017</a:t>
+              <a:t>19/11/2017</a:t>
             </a:fld>
             <a:endParaRPr lang="en-GB"/>
           </a:p>
@@ -2376,7 +2376,7 @@
           <a:p>
             <a:fld id="{377D33B0-C84D-48FE-B2B4-1B6631A21FD0}" type="datetimeFigureOut">
               <a:rPr lang="en-GB" smtClean="0"/>
-              <a:t>18/11/2017</a:t>
+              <a:t>19/11/2017</a:t>
             </a:fld>
             <a:endParaRPr lang="en-GB"/>
           </a:p>
@@ -2589,7 +2589,7 @@
           <a:p>
             <a:fld id="{377D33B0-C84D-48FE-B2B4-1B6631A21FD0}" type="datetimeFigureOut">
               <a:rPr lang="en-GB" smtClean="0"/>
-              <a:t>18/11/2017</a:t>
+              <a:t>19/11/2017</a:t>
             </a:fld>
             <a:endParaRPr lang="en-GB"/>
           </a:p>
@@ -3010,7 +3010,7 @@
           <a:lstStyle/>
           <a:p>
             <a:r>
-              <a:rPr lang="en-US" dirty="0" smtClean="0"/>
+              <a:rPr lang="en-US" dirty="0"/>
               <a:t>PW-pipeline</a:t>
             </a:r>
             <a:endParaRPr lang="en-GB" dirty="0"/>
@@ -3037,16 +3037,12 @@
               <a:t>A </a:t>
             </a:r>
             <a:r>
-              <a:rPr lang="en-GB" dirty="0" err="1" smtClean="0"/>
+              <a:rPr lang="en-GB" dirty="0" err="1"/>
               <a:t>PathWay</a:t>
             </a:r>
             <a:r>
-              <a:rPr lang="en-GB" dirty="0" smtClean="0"/>
-              <a:t> </a:t>
-            </a:r>
-            <a:r>
               <a:rPr lang="en-GB" dirty="0"/>
-              <a:t>pipeline</a:t>
+              <a:t> pipeline</a:t>
             </a:r>
           </a:p>
         </p:txBody>
@@ -3061,13 +3057,6 @@
   <p:clrMapOvr>
     <a:masterClrMapping/>
   </p:clrMapOvr>
-  <p:timing>
-    <p:tnLst>
-      <p:par>
-        <p:cTn id="1" dur="indefinite" restart="never" nodeType="tmRoot"/>
-      </p:par>
-    </p:tnLst>
-  </p:timing>
 </p:sld>
 </file>
 
@@ -3133,10 +3122,9 @@
               <a:buNone/>
             </a:pPr>
             <a:r>
-              <a:rPr lang="en-GB" dirty="0" smtClean="0"/>
+              <a:rPr lang="en-GB" dirty="0"/>
               <a:t>Pathway analysis using GWAS summary statistics conceptually involves several steps,</a:t>
             </a:r>
-            <a:endParaRPr lang="en-GB" dirty="0"/>
           </a:p>
           <a:p>
             <a:pPr marL="514350" indent="-514350">
@@ -3144,10 +3132,9 @@
               <a:buAutoNum type="arabicPeriod"/>
             </a:pPr>
             <a:r>
-              <a:rPr lang="en-GB" dirty="0" smtClean="0"/>
+              <a:rPr lang="en-GB" dirty="0"/>
               <a:t>Associate SNP-based results with genes, </a:t>
             </a:r>
-            <a:endParaRPr lang="en-GB" dirty="0"/>
           </a:p>
           <a:p>
             <a:pPr marL="514350" indent="-514350">
@@ -3155,10 +3142,9 @@
               <a:buAutoNum type="arabicPeriod"/>
             </a:pPr>
             <a:r>
-              <a:rPr lang="en-GB" dirty="0" smtClean="0"/>
+              <a:rPr lang="en-GB" dirty="0"/>
               <a:t>Investigate their correlations, </a:t>
             </a:r>
-            <a:endParaRPr lang="en-GB" dirty="0"/>
           </a:p>
           <a:p>
             <a:pPr marL="514350" indent="-514350">
@@ -3166,22 +3152,9 @@
               <a:buAutoNum type="arabicPeriod"/>
             </a:pPr>
             <a:r>
-              <a:rPr lang="en-GB" dirty="0" smtClean="0"/>
-              <a:t>Mirror these to </a:t>
-            </a:r>
-            <a:r>
-              <a:rPr lang="en-GB" smtClean="0"/>
-              <a:t>known </a:t>
-            </a:r>
-            <a:r>
-              <a:rPr lang="en-GB" smtClean="0"/>
-              <a:t>biological pathways </a:t>
-            </a:r>
-            <a:r>
-              <a:rPr lang="en-GB" dirty="0" smtClean="0"/>
-              <a:t>and functions.</a:t>
-            </a:r>
-            <a:endParaRPr lang="en-GB" dirty="0"/>
+              <a:rPr lang="en-GB" dirty="0"/>
+              <a:t>Mirror these to known biological pathways and functions.</a:t>
+            </a:r>
           </a:p>
           <a:p>
             <a:pPr marL="0" indent="0">
@@ -3195,21 +3168,16 @@
             </a:pPr>
             <a:r>
               <a:rPr lang="en-GB" dirty="0"/>
-              <a:t>The </a:t>
-            </a:r>
-            <a:r>
-              <a:rPr lang="en-GB" dirty="0" smtClean="0"/>
-              <a:t>statistical significance is </a:t>
+              <a:t>The statistical significance is assessed </a:t>
+            </a:r>
+            <a:r>
+              <a:rPr lang="en-GB"/>
+              <a:t>typically via P </a:t>
             </a:r>
             <a:r>
               <a:rPr lang="en-GB" dirty="0"/>
-              <a:t>typically </a:t>
-            </a:r>
-            <a:r>
-              <a:rPr lang="en-GB" dirty="0" smtClean="0"/>
-              <a:t>P values or FDRs.</a:t>
-            </a:r>
-            <a:endParaRPr lang="en-GB" dirty="0"/>
+              <a:t>values or FDRs.</a:t>
+            </a:r>
           </a:p>
         </p:txBody>
       </p:sp>
@@ -3223,13 +3191,6 @@
   <p:clrMapOvr>
     <a:masterClrMapping/>
   </p:clrMapOvr>
-  <p:timing>
-    <p:tnLst>
-      <p:par>
-        <p:cTn id="1" dur="indefinite" restart="never" nodeType="tmRoot"/>
-      </p:par>
-    </p:tnLst>
-  </p:timing>
 </p:sld>
 </file>
 
@@ -3292,39 +3253,25 @@
           <a:p>
             <a:r>
               <a:rPr lang="en-GB" dirty="0"/>
-              <a:t>A primary rationale is to </a:t>
-            </a:r>
-            <a:r>
-              <a:rPr lang="en-GB" dirty="0" smtClean="0"/>
-              <a:t>facilitate </a:t>
-            </a:r>
+              <a:t>A primary rationale is to facilitate analysis esp. different software require different formats with respect to GWAS summary statistics and pathway databases.</a:t>
+            </a:r>
+          </a:p>
+          <a:p>
             <a:r>
               <a:rPr lang="en-GB" dirty="0"/>
-              <a:t>analysis esp. </a:t>
-            </a:r>
-            <a:r>
-              <a:rPr lang="en-GB" dirty="0" smtClean="0"/>
-              <a:t>different software require different formats with respect to GWAS summary statistics and pathway databases.</a:t>
+              <a:t>To perform many secondary analyses using results from pathway analyses. These may or may not </a:t>
+            </a:r>
+            <a:r>
+              <a:rPr lang="en-GB"/>
+              <a:t>be familiar to everyone.</a:t>
             </a:r>
             <a:endParaRPr lang="en-GB" dirty="0"/>
           </a:p>
           <a:p>
             <a:r>
-              <a:rPr lang="en-GB" dirty="0" smtClean="0"/>
-              <a:t>To perform many secondary analyses using results from pathway analyses. These may or may not </a:t>
-            </a:r>
-            <a:r>
-              <a:rPr lang="en-GB" smtClean="0"/>
-              <a:t>be familiar to everyone.</a:t>
-            </a:r>
-            <a:endParaRPr lang="en-GB" dirty="0"/>
-          </a:p>
-          <a:p>
-            <a:r>
-              <a:rPr lang="en-GB" dirty="0" smtClean="0"/>
+              <a:rPr lang="en-GB" dirty="0"/>
               <a:t>Practically, the simple interface also facilitate high performance computing. For instance MAGENTA and PASCAL could be very time-consuming for interactive use. Most often one needs to make a copy of MAGENTA rather than a centrally available version, but a pipeline will do away with this.</a:t>
             </a:r>
-            <a:endParaRPr lang="en-GB" dirty="0"/>
           </a:p>
         </p:txBody>
       </p:sp>
@@ -3338,13 +3285,6 @@
   <p:clrMapOvr>
     <a:masterClrMapping/>
   </p:clrMapOvr>
-  <p:timing>
-    <p:tnLst>
-      <p:par>
-        <p:cTn id="1" dur="indefinite" restart="never" nodeType="tmRoot"/>
-      </p:par>
-    </p:tnLst>
-  </p:timing>
 </p:sld>
 </file>
 
@@ -3944,13 +3884,6 @@
   <p:clrMapOvr>
     <a:masterClrMapping/>
   </p:clrMapOvr>
-  <p:timing>
-    <p:tnLst>
-      <p:par>
-        <p:cTn id="1" dur="indefinite" restart="never" nodeType="tmRoot"/>
-      </p:par>
-    </p:tnLst>
-  </p:timing>
 </p:sld>
 </file>
 
@@ -4015,12 +3948,8 @@
               <a:buNone/>
             </a:pPr>
             <a:r>
-              <a:rPr lang="en-GB" dirty="0" smtClean="0"/>
-              <a:t>INPUT. GWAS </a:t>
-            </a:r>
-            <a:r>
               <a:rPr lang="en-GB" dirty="0"/>
-              <a:t>summary statistics </a:t>
+              <a:t>INPUT. GWAS summary statistics </a:t>
             </a:r>
             <a:r>
               <a:rPr lang="en-GB" b="1" dirty="0"/>
@@ -4054,27 +3983,19 @@
             <a:pPr marL="0" indent="0">
               <a:buNone/>
             </a:pPr>
-            <a:endParaRPr lang="en-GB" dirty="0" smtClean="0"/>
+            <a:endParaRPr lang="en-GB" dirty="0"/>
           </a:p>
           <a:p>
             <a:pPr marL="0" indent="0">
               <a:buNone/>
             </a:pPr>
             <a:r>
-              <a:rPr lang="en-GB" dirty="0" smtClean="0"/>
-              <a:t>SYNTAX</a:t>
-            </a:r>
-            <a:r>
               <a:rPr lang="en-GB" dirty="0"/>
-              <a:t>. </a:t>
-            </a:r>
-            <a:r>
-              <a:rPr lang="en-GB" b="1" dirty="0" smtClean="0"/>
-              <a:t>pwp.sh </a:t>
+              <a:t>SYNTAX. </a:t>
             </a:r>
             <a:r>
               <a:rPr lang="en-GB" b="1" dirty="0"/>
-              <a:t>repro.txt</a:t>
+              <a:t>pwp.sh repro.txt</a:t>
             </a:r>
           </a:p>
           <a:p>
@@ -4083,13 +4004,8 @@
             </a:pPr>
             <a:r>
               <a:rPr lang="en-GB" dirty="0"/>
-              <a:t>OUTPUT. One can choose software, e.g</a:t>
-            </a:r>
-            <a:r>
-              <a:rPr lang="en-GB" dirty="0" smtClean="0"/>
-              <a:t>., MAGENTA, MAGMA.</a:t>
-            </a:r>
-            <a:endParaRPr lang="en-GB" dirty="0"/>
+              <a:t>OUTPUT. One can choose software, e.g., MAGENTA, MAGMA.</a:t>
+            </a:r>
           </a:p>
         </p:txBody>
       </p:sp>
@@ -4103,13 +4019,6 @@
   <p:clrMapOvr>
     <a:masterClrMapping/>
   </p:clrMapOvr>
-  <p:timing>
-    <p:tnLst>
-      <p:par>
-        <p:cTn id="1" dur="indefinite" restart="never" nodeType="tmRoot"/>
-      </p:par>
-    </p:tnLst>
-  </p:timing>
 </p:sld>
 </file>
 
@@ -4172,16 +4081,12 @@
           <a:lstStyle/>
           <a:p>
             <a:r>
-              <a:rPr lang="en-US" dirty="0" err="1" smtClean="0"/>
+              <a:rPr lang="en-US" dirty="0" err="1"/>
               <a:t>Pers</a:t>
             </a:r>
             <a:r>
-              <a:rPr lang="en-US" dirty="0" smtClean="0"/>
-              <a:t> </a:t>
-            </a:r>
-            <a:r>
               <a:rPr lang="en-US" dirty="0"/>
-              <a:t>TH et al.(2015) Biological interpretation of genome-wide association studies using predicted gene functions. Nat </a:t>
+              <a:t> TH et al.(2015) Biological interpretation of genome-wide association studies using predicted gene functions. Nat </a:t>
             </a:r>
             <a:r>
               <a:rPr lang="en-US" dirty="0" err="1"/>
@@ -4203,12 +4108,8 @@
           </a:p>
           <a:p>
             <a:r>
-              <a:rPr lang="en-US" dirty="0" smtClean="0"/>
-              <a:t>Segre </a:t>
-            </a:r>
-            <a:r>
               <a:rPr lang="en-US" dirty="0"/>
-              <a:t>AV, et al (2010). Common Inherited Variation in Mitochondrial Genes Is Not Enriched for Associations with Type 2 Diabetes or Related Glycemic Traits. </a:t>
+              <a:t>Segre AV, et al (2010). Common Inherited Variation in Mitochondrial Genes Is Not Enriched for Associations with Type 2 Diabetes or Related Glycemic Traits. </a:t>
             </a:r>
             <a:r>
               <a:rPr lang="en-US" dirty="0" err="1"/>
@@ -4238,7 +4139,7 @@
           </a:p>
           <a:p>
             <a:r>
-              <a:rPr lang="en-US" dirty="0" smtClean="0"/>
+              <a:rPr lang="en-US" dirty="0"/>
               <a:t>de </a:t>
             </a:r>
             <a:r>
@@ -4277,16 +4178,12 @@
           </a:p>
           <a:p>
             <a:r>
-              <a:rPr lang="en-US" dirty="0" err="1" smtClean="0"/>
+              <a:rPr lang="en-US" dirty="0" err="1"/>
               <a:t>Lamparter</a:t>
             </a:r>
             <a:r>
-              <a:rPr lang="en-US" dirty="0" smtClean="0"/>
-              <a:t> </a:t>
-            </a:r>
-            <a:r>
               <a:rPr lang="en-US" dirty="0"/>
-              <a:t>D, et al. (2016) Fast and Rigorous Computation of Gene and Pathway Scores from SNP-Based Summary Statistics. </a:t>
+              <a:t> D, et al. (2016) Fast and Rigorous Computation of Gene and Pathway Scores from SNP-Based Summary Statistics. </a:t>
             </a:r>
             <a:r>
               <a:rPr lang="en-US" dirty="0" err="1"/>
@@ -4326,13 +4223,6 @@
   <p:clrMapOvr>
     <a:masterClrMapping/>
   </p:clrMapOvr>
-  <p:timing>
-    <p:tnLst>
-      <p:par>
-        <p:cTn id="1" dur="indefinite" restart="never" nodeType="tmRoot"/>
-      </p:par>
-    </p:tnLst>
-  </p:timing>
 </p:sld>
 </file>
 
@@ -4370,22 +4260,17 @@
           <a:p>
             <a:pPr algn="ctr"/>
             <a:r>
-              <a:rPr lang="en-GB" dirty="0" smtClean="0"/>
+              <a:rPr lang="en-GB" dirty="0"/>
               <a:t>A sketch (</a:t>
             </a:r>
             <a:r>
               <a:rPr lang="en-GB" dirty="0" err="1"/>
-              <a:t>C</a:t>
-            </a:r>
-            <a:r>
-              <a:rPr lang="en-GB" dirty="0" err="1" smtClean="0"/>
-              <a:t>ytoScape</a:t>
-            </a:r>
-            <a:r>
-              <a:rPr lang="en-GB" dirty="0" smtClean="0"/>
+              <a:t>CytoScape</a:t>
+            </a:r>
+            <a:r>
+              <a:rPr lang="en-GB" dirty="0"/>
               <a:t>)</a:t>
             </a:r>
-            <a:endParaRPr lang="en-GB" dirty="0"/>
           </a:p>
         </p:txBody>
       </p:sp>
@@ -4428,13 +4313,6 @@
   <p:clrMapOvr>
     <a:masterClrMapping/>
   </p:clrMapOvr>
-  <p:timing>
-    <p:tnLst>
-      <p:par>
-        <p:cTn id="1" dur="indefinite" restart="never" nodeType="tmRoot"/>
-      </p:par>
-    </p:tnLst>
-  </p:timing>
 </p:sld>
 </file>
 

--- a/README.pptx
+++ b/README.pptx
@@ -112,7 +112,7 @@
   </p:defaultTextStyle>
   <p:extLst>
     <p:ext uri="{EFAFB233-063F-42B5-8137-9DF3F51BA10A}">
-      <p15:sldGuideLst xmlns:p15="http://schemas.microsoft.com/office/powerpoint/2012/main">
+      <p15:sldGuideLst xmlns:p15="http://schemas.microsoft.com/office/powerpoint/2012/main" xmlns="">
         <p15:guide id="1" orient="horz" pos="2160">
           <p15:clr>
             <a:srgbClr val="A4A3A4"/>
@@ -264,7 +264,7 @@
           <a:p>
             <a:fld id="{377D33B0-C84D-48FE-B2B4-1B6631A21FD0}" type="datetimeFigureOut">
               <a:rPr lang="en-GB" smtClean="0"/>
-              <a:t>19/11/2017</a:t>
+              <a:t>13/12/2017</a:t>
             </a:fld>
             <a:endParaRPr lang="en-GB"/>
           </a:p>
@@ -434,7 +434,7 @@
           <a:p>
             <a:fld id="{377D33B0-C84D-48FE-B2B4-1B6631A21FD0}" type="datetimeFigureOut">
               <a:rPr lang="en-GB" smtClean="0"/>
-              <a:t>19/11/2017</a:t>
+              <a:t>13/12/2017</a:t>
             </a:fld>
             <a:endParaRPr lang="en-GB"/>
           </a:p>
@@ -614,7 +614,7 @@
           <a:p>
             <a:fld id="{377D33B0-C84D-48FE-B2B4-1B6631A21FD0}" type="datetimeFigureOut">
               <a:rPr lang="en-GB" smtClean="0"/>
-              <a:t>19/11/2017</a:t>
+              <a:t>13/12/2017</a:t>
             </a:fld>
             <a:endParaRPr lang="en-GB"/>
           </a:p>
@@ -784,7 +784,7 @@
           <a:p>
             <a:fld id="{377D33B0-C84D-48FE-B2B4-1B6631A21FD0}" type="datetimeFigureOut">
               <a:rPr lang="en-GB" smtClean="0"/>
-              <a:t>19/11/2017</a:t>
+              <a:t>13/12/2017</a:t>
             </a:fld>
             <a:endParaRPr lang="en-GB"/>
           </a:p>
@@ -1030,7 +1030,7 @@
           <a:p>
             <a:fld id="{377D33B0-C84D-48FE-B2B4-1B6631A21FD0}" type="datetimeFigureOut">
               <a:rPr lang="en-GB" smtClean="0"/>
-              <a:t>19/11/2017</a:t>
+              <a:t>13/12/2017</a:t>
             </a:fld>
             <a:endParaRPr lang="en-GB"/>
           </a:p>
@@ -1262,7 +1262,7 @@
           <a:p>
             <a:fld id="{377D33B0-C84D-48FE-B2B4-1B6631A21FD0}" type="datetimeFigureOut">
               <a:rPr lang="en-GB" smtClean="0"/>
-              <a:t>19/11/2017</a:t>
+              <a:t>13/12/2017</a:t>
             </a:fld>
             <a:endParaRPr lang="en-GB"/>
           </a:p>
@@ -1629,7 +1629,7 @@
           <a:p>
             <a:fld id="{377D33B0-C84D-48FE-B2B4-1B6631A21FD0}" type="datetimeFigureOut">
               <a:rPr lang="en-GB" smtClean="0"/>
-              <a:t>19/11/2017</a:t>
+              <a:t>13/12/2017</a:t>
             </a:fld>
             <a:endParaRPr lang="en-GB"/>
           </a:p>
@@ -1747,7 +1747,7 @@
           <a:p>
             <a:fld id="{377D33B0-C84D-48FE-B2B4-1B6631A21FD0}" type="datetimeFigureOut">
               <a:rPr lang="en-GB" smtClean="0"/>
-              <a:t>19/11/2017</a:t>
+              <a:t>13/12/2017</a:t>
             </a:fld>
             <a:endParaRPr lang="en-GB"/>
           </a:p>
@@ -1842,7 +1842,7 @@
           <a:p>
             <a:fld id="{377D33B0-C84D-48FE-B2B4-1B6631A21FD0}" type="datetimeFigureOut">
               <a:rPr lang="en-GB" smtClean="0"/>
-              <a:t>19/11/2017</a:t>
+              <a:t>13/12/2017</a:t>
             </a:fld>
             <a:endParaRPr lang="en-GB"/>
           </a:p>
@@ -2119,7 +2119,7 @@
           <a:p>
             <a:fld id="{377D33B0-C84D-48FE-B2B4-1B6631A21FD0}" type="datetimeFigureOut">
               <a:rPr lang="en-GB" smtClean="0"/>
-              <a:t>19/11/2017</a:t>
+              <a:t>13/12/2017</a:t>
             </a:fld>
             <a:endParaRPr lang="en-GB"/>
           </a:p>
@@ -2376,7 +2376,7 @@
           <a:p>
             <a:fld id="{377D33B0-C84D-48FE-B2B4-1B6631A21FD0}" type="datetimeFigureOut">
               <a:rPr lang="en-GB" smtClean="0"/>
-              <a:t>19/11/2017</a:t>
+              <a:t>13/12/2017</a:t>
             </a:fld>
             <a:endParaRPr lang="en-GB"/>
           </a:p>
@@ -2589,7 +2589,7 @@
           <a:p>
             <a:fld id="{377D33B0-C84D-48FE-B2B4-1B6631A21FD0}" type="datetimeFigureOut">
               <a:rPr lang="en-GB" smtClean="0"/>
-              <a:t>19/11/2017</a:t>
+              <a:t>13/12/2017</a:t>
             </a:fld>
             <a:endParaRPr lang="en-GB"/>
           </a:p>
@@ -3228,9 +3228,10 @@
           <a:p>
             <a:pPr algn="ctr"/>
             <a:r>
-              <a:rPr lang="en-GB" dirty="0"/>
-              <a:t>Why it is necessary</a:t>
-            </a:r>
+              <a:rPr lang="en-GB" dirty="0" smtClean="0"/>
+              <a:t>Rationale</a:t>
+            </a:r>
+            <a:endParaRPr lang="en-GB" dirty="0"/>
           </a:p>
         </p:txBody>
       </p:sp>
@@ -3253,25 +3254,111 @@
           <a:p>
             <a:r>
               <a:rPr lang="en-GB" dirty="0"/>
-              <a:t>A primary rationale is to facilitate analysis esp. different software require different formats with respect to GWAS summary statistics and pathway databases.</a:t>
-            </a:r>
-          </a:p>
-          <a:p>
+              <a:t>To facilitate use of </a:t>
+            </a:r>
+            <a:r>
+              <a:rPr lang="en-GB" dirty="0" smtClean="0"/>
+              <a:t>software whose setup is difficult for many. </a:t>
+            </a:r>
+          </a:p>
+          <a:p>
+            <a:pPr lvl="1"/>
+            <a:r>
+              <a:rPr lang="en-GB" dirty="0" smtClean="0"/>
+              <a:t>MAGENTA is in </a:t>
+            </a:r>
+            <a:r>
+              <a:rPr lang="en-GB" dirty="0" err="1" smtClean="0"/>
+              <a:t>Matlab</a:t>
+            </a:r>
+            <a:r>
+              <a:rPr lang="en-GB" dirty="0" smtClean="0"/>
+              <a:t> and largely requires user copy and interactive use.</a:t>
+            </a:r>
+          </a:p>
+          <a:p>
+            <a:pPr lvl="1"/>
+            <a:r>
+              <a:rPr lang="en-GB" dirty="0" smtClean="0"/>
+              <a:t>DEPICT would needs user-specific setup of Python.</a:t>
+            </a:r>
+          </a:p>
+          <a:p>
+            <a:pPr lvl="1"/>
+            <a:r>
+              <a:rPr lang="en-GB" dirty="0" smtClean="0"/>
+              <a:t>PASCAL needs a more recent version of </a:t>
+            </a:r>
+            <a:r>
+              <a:rPr lang="en-GB" dirty="0" err="1" smtClean="0"/>
+              <a:t>OpenBLAS</a:t>
+            </a:r>
+            <a:r>
+              <a:rPr lang="en-GB" dirty="0" smtClean="0"/>
+              <a:t> than provided</a:t>
+            </a:r>
+          </a:p>
+          <a:p>
+            <a:pPr lvl="1"/>
+            <a:r>
+              <a:rPr lang="en-GB" dirty="0" smtClean="0"/>
+              <a:t>MAGENTA </a:t>
+            </a:r>
             <a:r>
               <a:rPr lang="en-GB" dirty="0"/>
-              <a:t>To perform many secondary analyses using results from pathway analyses. These may or may not </a:t>
-            </a:r>
-            <a:r>
-              <a:rPr lang="en-GB"/>
-              <a:t>be familiar to everyone.</a:t>
+              <a:t>and PASCAL could be very </a:t>
+            </a:r>
+            <a:r>
+              <a:rPr lang="en-GB" dirty="0" smtClean="0"/>
+              <a:t>time-consuming and are ideally run on clusters.</a:t>
             </a:r>
             <a:endParaRPr lang="en-GB" dirty="0"/>
           </a:p>
           <a:p>
             <a:r>
+              <a:rPr lang="en-GB" dirty="0" smtClean="0"/>
+              <a:t>To accommodate input of GWAS </a:t>
+            </a:r>
+            <a:r>
               <a:rPr lang="en-GB" dirty="0"/>
-              <a:t>Practically, the simple interface also facilitate high performance computing. For instance MAGENTA and PASCAL could be very time-consuming for interactive use. Most often one needs to make a copy of MAGENTA rather than a centrally available version, but a pipeline will do away with this.</a:t>
-            </a:r>
+              <a:t>summary </a:t>
+            </a:r>
+            <a:r>
+              <a:rPr lang="en-GB" dirty="0" smtClean="0"/>
+              <a:t>statistics</a:t>
+            </a:r>
+            <a:r>
+              <a:rPr lang="en-GB" dirty="0"/>
+              <a:t>, pathway databases </a:t>
+            </a:r>
+            <a:r>
+              <a:rPr lang="en-GB" dirty="0" smtClean="0"/>
+              <a:t>and software outputs, which allow for comparisons.</a:t>
+            </a:r>
+            <a:endParaRPr lang="en-GB" dirty="0"/>
+          </a:p>
+          <a:p>
+            <a:r>
+              <a:rPr lang="en-GB" dirty="0"/>
+              <a:t>To perform </a:t>
+            </a:r>
+            <a:r>
+              <a:rPr lang="en-GB" dirty="0" smtClean="0"/>
+              <a:t>additional</a:t>
+            </a:r>
+            <a:r>
+              <a:rPr lang="en-GB" dirty="0" smtClean="0"/>
+              <a:t> </a:t>
+            </a:r>
+            <a:r>
+              <a:rPr lang="en-GB" dirty="0"/>
+              <a:t>analyses </a:t>
+            </a:r>
+            <a:r>
+              <a:rPr lang="en-GB" dirty="0" smtClean="0"/>
+              <a:t>such as FDR and network analysis, which could be another barrier to users.</a:t>
+            </a:r>
+            <a:endParaRPr lang="en-GB" dirty="0"/>
           </a:p>
         </p:txBody>
       </p:sp>
@@ -3322,9 +3409,10 @@
           <a:p>
             <a:pPr algn="ctr"/>
             <a:r>
-              <a:rPr lang="en-GB" dirty="0"/>
-              <a:t>Software included in the pipeline</a:t>
-            </a:r>
+              <a:rPr lang="en-GB" dirty="0" smtClean="0"/>
+              <a:t>Software details</a:t>
+            </a:r>
+            <a:endParaRPr lang="en-GB" dirty="0"/>
           </a:p>
         </p:txBody>
       </p:sp>
@@ -3357,21 +3445,21 @@
                 <a:gridCol w="5054600">
                   <a:extLst>
                     <a:ext uri="{9D8B030D-6E8A-4147-A177-3AD203B41FA5}">
-                      <a16:colId xmlns:a16="http://schemas.microsoft.com/office/drawing/2014/main" val="865145431"/>
+                      <a16:colId xmlns:a16="http://schemas.microsoft.com/office/drawing/2014/main" xmlns="" val="865145431"/>
                     </a:ext>
                   </a:extLst>
                 </a:gridCol>
                 <a:gridCol w="1955800">
                   <a:extLst>
                     <a:ext uri="{9D8B030D-6E8A-4147-A177-3AD203B41FA5}">
-                      <a16:colId xmlns:a16="http://schemas.microsoft.com/office/drawing/2014/main" val="2266813503"/>
+                      <a16:colId xmlns:a16="http://schemas.microsoft.com/office/drawing/2014/main" xmlns="" val="2266813503"/>
                     </a:ext>
                   </a:extLst>
                 </a:gridCol>
                 <a:gridCol w="3505200">
                   <a:extLst>
                     <a:ext uri="{9D8B030D-6E8A-4147-A177-3AD203B41FA5}">
-                      <a16:colId xmlns:a16="http://schemas.microsoft.com/office/drawing/2014/main" val="3616348924"/>
+                      <a16:colId xmlns:a16="http://schemas.microsoft.com/office/drawing/2014/main" xmlns="" val="3616348924"/>
                     </a:ext>
                   </a:extLst>
                 </a:gridCol>
@@ -3466,7 +3554,7 @@
                 </a:tc>
                 <a:extLst>
                   <a:ext uri="{0D108BD9-81ED-4DB2-BD59-A6C34878D82A}">
-                    <a16:rowId xmlns:a16="http://schemas.microsoft.com/office/drawing/2014/main" val="4029533971"/>
+                    <a16:rowId xmlns:a16="http://schemas.microsoft.com/office/drawing/2014/main" xmlns="" val="4029533971"/>
                   </a:ext>
                 </a:extLst>
               </a:tr>
@@ -3572,7 +3660,7 @@
                 </a:tc>
                 <a:extLst>
                   <a:ext uri="{0D108BD9-81ED-4DB2-BD59-A6C34878D82A}">
-                    <a16:rowId xmlns:a16="http://schemas.microsoft.com/office/drawing/2014/main" val="3242111933"/>
+                    <a16:rowId xmlns:a16="http://schemas.microsoft.com/office/drawing/2014/main" xmlns="" val="3242111933"/>
                   </a:ext>
                 </a:extLst>
               </a:tr>
@@ -3666,7 +3754,7 @@
                 </a:tc>
                 <a:extLst>
                   <a:ext uri="{0D108BD9-81ED-4DB2-BD59-A6C34878D82A}">
-                    <a16:rowId xmlns:a16="http://schemas.microsoft.com/office/drawing/2014/main" val="3758837373"/>
+                    <a16:rowId xmlns:a16="http://schemas.microsoft.com/office/drawing/2014/main" xmlns="" val="3758837373"/>
                   </a:ext>
                 </a:extLst>
               </a:tr>
@@ -3766,7 +3854,7 @@
                 </a:tc>
                 <a:extLst>
                   <a:ext uri="{0D108BD9-81ED-4DB2-BD59-A6C34878D82A}">
-                    <a16:rowId xmlns:a16="http://schemas.microsoft.com/office/drawing/2014/main" val="2712992702"/>
+                    <a16:rowId xmlns:a16="http://schemas.microsoft.com/office/drawing/2014/main" xmlns="" val="2712992702"/>
                   </a:ext>
                 </a:extLst>
               </a:tr>
@@ -3866,7 +3954,7 @@
                 </a:tc>
                 <a:extLst>
                   <a:ext uri="{0D108BD9-81ED-4DB2-BD59-A6C34878D82A}">
-                    <a16:rowId xmlns:a16="http://schemas.microsoft.com/office/drawing/2014/main" val="1529562622"/>
+                    <a16:rowId xmlns:a16="http://schemas.microsoft.com/office/drawing/2014/main" xmlns="" val="1529562622"/>
                   </a:ext>
                 </a:extLst>
               </a:tr>
@@ -4004,8 +4092,36 @@
             </a:pPr>
             <a:r>
               <a:rPr lang="en-GB" dirty="0"/>
-              <a:t>OUTPUT. One can choose software, e.g., MAGENTA, MAGMA.</a:t>
-            </a:r>
+              <a:t>OUTPUT. One can choose software, e.g., MAGENTA, MAGMA</a:t>
+            </a:r>
+            <a:r>
+              <a:rPr lang="en-GB" dirty="0" smtClean="0"/>
+              <a:t>.</a:t>
+            </a:r>
+          </a:p>
+          <a:p>
+            <a:pPr marL="0" indent="0">
+              <a:buNone/>
+            </a:pPr>
+            <a:endParaRPr lang="en-GB" dirty="0"/>
+          </a:p>
+          <a:p>
+            <a:pPr marL="0" indent="0">
+              <a:buNone/>
+            </a:pPr>
+            <a:r>
+              <a:rPr lang="en-GB" dirty="0" smtClean="0"/>
+              <a:t>Examples are given to get SNP </a:t>
+            </a:r>
+            <a:r>
+              <a:rPr lang="en-GB" smtClean="0"/>
+              <a:t>positions from specific </a:t>
+            </a:r>
+            <a:r>
+              <a:rPr lang="en-GB" dirty="0" smtClean="0"/>
+              <a:t>builds.</a:t>
+            </a:r>
+            <a:endParaRPr lang="en-GB" dirty="0"/>
           </a:p>
         </p:txBody>
       </p:sp>
@@ -4571,7 +4687,7 @@
   <a:extraClrSchemeLst/>
   <a:extLst>
     <a:ext uri="{05A4C25C-085E-4340-85A3-A5531E510DB2}">
-      <thm15:themeFamily xmlns:thm15="http://schemas.microsoft.com/office/thememl/2012/main" name="Office Theme" id="{62F939B6-93AF-4DB8-9C6B-D6C7DFDC589F}" vid="{4A3C46E8-61CC-4603-A589-7422A47A8E4A}"/>
+      <thm15:themeFamily xmlns:thm15="http://schemas.microsoft.com/office/thememl/2012/main" xmlns="" name="Office Theme" id="{62F939B6-93AF-4DB8-9C6B-D6C7DFDC589F}" vid="{4A3C46E8-61CC-4603-A589-7422A47A8E4A}"/>
     </a:ext>
   </a:extLst>
 </a:theme>

--- a/README.pptx
+++ b/README.pptx
@@ -1,17 +1,23 @@
 
 <file path=ppt/presentation.xml><?xml version="1.0" encoding="utf-8"?>
-<p:presentation xmlns:a="http://schemas.openxmlformats.org/drawingml/2006/main" xmlns:r="http://schemas.openxmlformats.org/officeDocument/2006/relationships" xmlns:p="http://schemas.openxmlformats.org/presentationml/2006/main" saveSubsetFonts="1">
+<p:presentation xmlns:a="http://schemas.openxmlformats.org/drawingml/2006/main" xmlns:r="http://schemas.openxmlformats.org/officeDocument/2006/relationships" xmlns:p="http://schemas.openxmlformats.org/presentationml/2006/main" showSpecialPlsOnTitleSld="0" saveSubsetFonts="1">
   <p:sldMasterIdLst>
     <p:sldMasterId id="2147483660" r:id="rId1"/>
   </p:sldMasterIdLst>
+  <p:notesMasterIdLst>
+    <p:notesMasterId r:id="rId12"/>
+  </p:notesMasterIdLst>
   <p:sldIdLst>
     <p:sldId id="256" r:id="rId2"/>
     <p:sldId id="258" r:id="rId3"/>
-    <p:sldId id="272" r:id="rId4"/>
-    <p:sldId id="259" r:id="rId5"/>
-    <p:sldId id="271" r:id="rId6"/>
-    <p:sldId id="274" r:id="rId7"/>
-    <p:sldId id="262" r:id="rId8"/>
+    <p:sldId id="259" r:id="rId4"/>
+    <p:sldId id="278" r:id="rId5"/>
+    <p:sldId id="272" r:id="rId6"/>
+    <p:sldId id="271" r:id="rId7"/>
+    <p:sldId id="275" r:id="rId8"/>
+    <p:sldId id="276" r:id="rId9"/>
+    <p:sldId id="277" r:id="rId10"/>
+    <p:sldId id="274" r:id="rId11"/>
   </p:sldIdLst>
   <p:sldSz cx="12192000" cy="6858000"/>
   <p:notesSz cx="6858000" cy="9144000"/>
@@ -112,7 +118,7 @@
   </p:defaultTextStyle>
   <p:extLst>
     <p:ext uri="{EFAFB233-063F-42B5-8137-9DF3F51BA10A}">
-      <p15:sldGuideLst xmlns:p15="http://schemas.microsoft.com/office/powerpoint/2012/main" xmlns="">
+      <p15:sldGuideLst xmlns="" xmlns:p15="http://schemas.microsoft.com/office/powerpoint/2012/main">
         <p15:guide id="1" orient="horz" pos="2160">
           <p15:clr>
             <a:srgbClr val="A4A3A4"/>
@@ -131,6 +137,356 @@
 
 <file path=ppt/revisionInfo.xml><?xml version="1.0" encoding="utf-8"?>
 <p1510:revInfo xmlns:a="http://schemas.openxmlformats.org/drawingml/2006/main" xmlns:r="http://schemas.openxmlformats.org/officeDocument/2006/relationships" xmlns:p1510="http://schemas.microsoft.com/office/powerpoint/2015/10/main"/>
+</file>
+
+<file path=ppt/notesMasters/notesMaster1.xml><?xml version="1.0" encoding="utf-8"?>
+<p:notesMaster xmlns:a="http://schemas.openxmlformats.org/drawingml/2006/main" xmlns:r="http://schemas.openxmlformats.org/officeDocument/2006/relationships" xmlns:p="http://schemas.openxmlformats.org/presentationml/2006/main">
+  <p:cSld>
+    <p:bg>
+      <p:bgRef idx="1001">
+        <a:schemeClr val="bg1"/>
+      </p:bgRef>
+    </p:bg>
+    <p:spTree>
+      <p:nvGrpSpPr>
+        <p:cNvPr id="1" name=""/>
+        <p:cNvGrpSpPr/>
+        <p:nvPr/>
+      </p:nvGrpSpPr>
+      <p:grpSpPr>
+        <a:xfrm>
+          <a:off x="0" y="0"/>
+          <a:ext cx="0" cy="0"/>
+          <a:chOff x="0" y="0"/>
+          <a:chExt cx="0" cy="0"/>
+        </a:xfrm>
+      </p:grpSpPr>
+      <p:sp>
+        <p:nvSpPr>
+          <p:cNvPr id="2" name="Header Placeholder 1"/>
+          <p:cNvSpPr>
+            <a:spLocks noGrp="1"/>
+          </p:cNvSpPr>
+          <p:nvPr>
+            <p:ph type="hdr" sz="quarter"/>
+          </p:nvPr>
+        </p:nvSpPr>
+        <p:spPr>
+          <a:xfrm>
+            <a:off x="0" y="0"/>
+            <a:ext cx="2971800" cy="457200"/>
+          </a:xfrm>
+          <a:prstGeom prst="rect">
+            <a:avLst/>
+          </a:prstGeom>
+        </p:spPr>
+        <p:txBody>
+          <a:bodyPr vert="horz" lIns="91440" tIns="45720" rIns="91440" bIns="45720" rtlCol="0"/>
+          <a:lstStyle>
+            <a:lvl1pPr algn="l">
+              <a:defRPr sz="1200"/>
+            </a:lvl1pPr>
+          </a:lstStyle>
+          <a:p>
+            <a:endParaRPr lang="en-GB"/>
+          </a:p>
+        </p:txBody>
+      </p:sp>
+      <p:sp>
+        <p:nvSpPr>
+          <p:cNvPr id="3" name="Date Placeholder 2"/>
+          <p:cNvSpPr>
+            <a:spLocks noGrp="1"/>
+          </p:cNvSpPr>
+          <p:nvPr>
+            <p:ph type="dt" idx="1"/>
+          </p:nvPr>
+        </p:nvSpPr>
+        <p:spPr>
+          <a:xfrm>
+            <a:off x="3884613" y="0"/>
+            <a:ext cx="2971800" cy="457200"/>
+          </a:xfrm>
+          <a:prstGeom prst="rect">
+            <a:avLst/>
+          </a:prstGeom>
+        </p:spPr>
+        <p:txBody>
+          <a:bodyPr vert="horz" lIns="91440" tIns="45720" rIns="91440" bIns="45720" rtlCol="0"/>
+          <a:lstStyle>
+            <a:lvl1pPr algn="r">
+              <a:defRPr sz="1200"/>
+            </a:lvl1pPr>
+          </a:lstStyle>
+          <a:p>
+            <a:fld id="{66B105AB-0F31-4E31-8256-7841B767E2AE}" type="datetimeFigureOut">
+              <a:rPr lang="en-GB" smtClean="0"/>
+              <a:t>13/12/2017</a:t>
+            </a:fld>
+            <a:endParaRPr lang="en-GB"/>
+          </a:p>
+        </p:txBody>
+      </p:sp>
+      <p:sp>
+        <p:nvSpPr>
+          <p:cNvPr id="4" name="Slide Image Placeholder 3"/>
+          <p:cNvSpPr>
+            <a:spLocks noGrp="1" noRot="1" noChangeAspect="1"/>
+          </p:cNvSpPr>
+          <p:nvPr>
+            <p:ph type="sldImg" idx="2"/>
+          </p:nvPr>
+        </p:nvSpPr>
+        <p:spPr>
+          <a:xfrm>
+            <a:off x="381000" y="685800"/>
+            <a:ext cx="6096000" cy="3429000"/>
+          </a:xfrm>
+          <a:prstGeom prst="rect">
+            <a:avLst/>
+          </a:prstGeom>
+          <a:noFill/>
+          <a:ln w="12700">
+            <a:solidFill>
+              <a:prstClr val="black"/>
+            </a:solidFill>
+          </a:ln>
+        </p:spPr>
+        <p:txBody>
+          <a:bodyPr vert="horz" lIns="91440" tIns="45720" rIns="91440" bIns="45720" rtlCol="0" anchor="ctr"/>
+          <a:lstStyle/>
+          <a:p>
+            <a:endParaRPr lang="en-GB"/>
+          </a:p>
+        </p:txBody>
+      </p:sp>
+      <p:sp>
+        <p:nvSpPr>
+          <p:cNvPr id="5" name="Notes Placeholder 4"/>
+          <p:cNvSpPr>
+            <a:spLocks noGrp="1"/>
+          </p:cNvSpPr>
+          <p:nvPr>
+            <p:ph type="body" sz="quarter" idx="3"/>
+          </p:nvPr>
+        </p:nvSpPr>
+        <p:spPr>
+          <a:xfrm>
+            <a:off x="685800" y="4343400"/>
+            <a:ext cx="5486400" cy="4114800"/>
+          </a:xfrm>
+          <a:prstGeom prst="rect">
+            <a:avLst/>
+          </a:prstGeom>
+        </p:spPr>
+        <p:txBody>
+          <a:bodyPr vert="horz" lIns="91440" tIns="45720" rIns="91440" bIns="45720" rtlCol="0"/>
+          <a:lstStyle/>
+          <a:p>
+            <a:pPr lvl="0"/>
+            <a:r>
+              <a:rPr lang="en-US" smtClean="0"/>
+              <a:t>Click to edit Master text styles</a:t>
+            </a:r>
+          </a:p>
+          <a:p>
+            <a:pPr lvl="1"/>
+            <a:r>
+              <a:rPr lang="en-US" smtClean="0"/>
+              <a:t>Second level</a:t>
+            </a:r>
+          </a:p>
+          <a:p>
+            <a:pPr lvl="2"/>
+            <a:r>
+              <a:rPr lang="en-US" smtClean="0"/>
+              <a:t>Third level</a:t>
+            </a:r>
+          </a:p>
+          <a:p>
+            <a:pPr lvl="3"/>
+            <a:r>
+              <a:rPr lang="en-US" smtClean="0"/>
+              <a:t>Fourth level</a:t>
+            </a:r>
+          </a:p>
+          <a:p>
+            <a:pPr lvl="4"/>
+            <a:r>
+              <a:rPr lang="en-US" smtClean="0"/>
+              <a:t>Fifth level</a:t>
+            </a:r>
+            <a:endParaRPr lang="en-GB"/>
+          </a:p>
+        </p:txBody>
+      </p:sp>
+      <p:sp>
+        <p:nvSpPr>
+          <p:cNvPr id="6" name="Footer Placeholder 5"/>
+          <p:cNvSpPr>
+            <a:spLocks noGrp="1"/>
+          </p:cNvSpPr>
+          <p:nvPr>
+            <p:ph type="ftr" sz="quarter" idx="4"/>
+          </p:nvPr>
+        </p:nvSpPr>
+        <p:spPr>
+          <a:xfrm>
+            <a:off x="0" y="8685213"/>
+            <a:ext cx="2971800" cy="457200"/>
+          </a:xfrm>
+          <a:prstGeom prst="rect">
+            <a:avLst/>
+          </a:prstGeom>
+        </p:spPr>
+        <p:txBody>
+          <a:bodyPr vert="horz" lIns="91440" tIns="45720" rIns="91440" bIns="45720" rtlCol="0" anchor="b"/>
+          <a:lstStyle>
+            <a:lvl1pPr algn="l">
+              <a:defRPr sz="1200"/>
+            </a:lvl1pPr>
+          </a:lstStyle>
+          <a:p>
+            <a:endParaRPr lang="en-GB"/>
+          </a:p>
+        </p:txBody>
+      </p:sp>
+      <p:sp>
+        <p:nvSpPr>
+          <p:cNvPr id="7" name="Slide Number Placeholder 6"/>
+          <p:cNvSpPr>
+            <a:spLocks noGrp="1"/>
+          </p:cNvSpPr>
+          <p:nvPr>
+            <p:ph type="sldNum" sz="quarter" idx="5"/>
+          </p:nvPr>
+        </p:nvSpPr>
+        <p:spPr>
+          <a:xfrm>
+            <a:off x="3884613" y="8685213"/>
+            <a:ext cx="2971800" cy="457200"/>
+          </a:xfrm>
+          <a:prstGeom prst="rect">
+            <a:avLst/>
+          </a:prstGeom>
+        </p:spPr>
+        <p:txBody>
+          <a:bodyPr vert="horz" lIns="91440" tIns="45720" rIns="91440" bIns="45720" rtlCol="0" anchor="b"/>
+          <a:lstStyle>
+            <a:lvl1pPr algn="r">
+              <a:defRPr sz="1200"/>
+            </a:lvl1pPr>
+          </a:lstStyle>
+          <a:p>
+            <a:fld id="{74F1160B-C87A-48CE-A6BE-EF3514BDBF8C}" type="slidenum">
+              <a:rPr lang="en-GB" smtClean="0"/>
+              <a:t>‹#›</a:t>
+            </a:fld>
+            <a:endParaRPr lang="en-GB"/>
+          </a:p>
+        </p:txBody>
+      </p:sp>
+    </p:spTree>
+    <p:extLst>
+      <p:ext uri="{BB962C8B-B14F-4D97-AF65-F5344CB8AC3E}">
+        <p14:creationId xmlns:p14="http://schemas.microsoft.com/office/powerpoint/2010/main" val="2049288879"/>
+      </p:ext>
+    </p:extLst>
+  </p:cSld>
+  <p:clrMap bg1="lt1" tx1="dk1" bg2="lt2" tx2="dk2" accent1="accent1" accent2="accent2" accent3="accent3" accent4="accent4" accent5="accent5" accent6="accent6" hlink="hlink" folHlink="folHlink"/>
+  <p:notesStyle>
+    <a:lvl1pPr marL="0" algn="l" defTabSz="914400" rtl="0" eaLnBrk="1" latinLnBrk="0" hangingPunct="1">
+      <a:defRPr sz="1200" kern="1200">
+        <a:solidFill>
+          <a:schemeClr val="tx1"/>
+        </a:solidFill>
+        <a:latin typeface="+mn-lt"/>
+        <a:ea typeface="+mn-ea"/>
+        <a:cs typeface="+mn-cs"/>
+      </a:defRPr>
+    </a:lvl1pPr>
+    <a:lvl2pPr marL="457200" algn="l" defTabSz="914400" rtl="0" eaLnBrk="1" latinLnBrk="0" hangingPunct="1">
+      <a:defRPr sz="1200" kern="1200">
+        <a:solidFill>
+          <a:schemeClr val="tx1"/>
+        </a:solidFill>
+        <a:latin typeface="+mn-lt"/>
+        <a:ea typeface="+mn-ea"/>
+        <a:cs typeface="+mn-cs"/>
+      </a:defRPr>
+    </a:lvl2pPr>
+    <a:lvl3pPr marL="914400" algn="l" defTabSz="914400" rtl="0" eaLnBrk="1" latinLnBrk="0" hangingPunct="1">
+      <a:defRPr sz="1200" kern="1200">
+        <a:solidFill>
+          <a:schemeClr val="tx1"/>
+        </a:solidFill>
+        <a:latin typeface="+mn-lt"/>
+        <a:ea typeface="+mn-ea"/>
+        <a:cs typeface="+mn-cs"/>
+      </a:defRPr>
+    </a:lvl3pPr>
+    <a:lvl4pPr marL="1371600" algn="l" defTabSz="914400" rtl="0" eaLnBrk="1" latinLnBrk="0" hangingPunct="1">
+      <a:defRPr sz="1200" kern="1200">
+        <a:solidFill>
+          <a:schemeClr val="tx1"/>
+        </a:solidFill>
+        <a:latin typeface="+mn-lt"/>
+        <a:ea typeface="+mn-ea"/>
+        <a:cs typeface="+mn-cs"/>
+      </a:defRPr>
+    </a:lvl4pPr>
+    <a:lvl5pPr marL="1828800" algn="l" defTabSz="914400" rtl="0" eaLnBrk="1" latinLnBrk="0" hangingPunct="1">
+      <a:defRPr sz="1200" kern="1200">
+        <a:solidFill>
+          <a:schemeClr val="tx1"/>
+        </a:solidFill>
+        <a:latin typeface="+mn-lt"/>
+        <a:ea typeface="+mn-ea"/>
+        <a:cs typeface="+mn-cs"/>
+      </a:defRPr>
+    </a:lvl5pPr>
+    <a:lvl6pPr marL="2286000" algn="l" defTabSz="914400" rtl="0" eaLnBrk="1" latinLnBrk="0" hangingPunct="1">
+      <a:defRPr sz="1200" kern="1200">
+        <a:solidFill>
+          <a:schemeClr val="tx1"/>
+        </a:solidFill>
+        <a:latin typeface="+mn-lt"/>
+        <a:ea typeface="+mn-ea"/>
+        <a:cs typeface="+mn-cs"/>
+      </a:defRPr>
+    </a:lvl6pPr>
+    <a:lvl7pPr marL="2743200" algn="l" defTabSz="914400" rtl="0" eaLnBrk="1" latinLnBrk="0" hangingPunct="1">
+      <a:defRPr sz="1200" kern="1200">
+        <a:solidFill>
+          <a:schemeClr val="tx1"/>
+        </a:solidFill>
+        <a:latin typeface="+mn-lt"/>
+        <a:ea typeface="+mn-ea"/>
+        <a:cs typeface="+mn-cs"/>
+      </a:defRPr>
+    </a:lvl7pPr>
+    <a:lvl8pPr marL="3200400" algn="l" defTabSz="914400" rtl="0" eaLnBrk="1" latinLnBrk="0" hangingPunct="1">
+      <a:defRPr sz="1200" kern="1200">
+        <a:solidFill>
+          <a:schemeClr val="tx1"/>
+        </a:solidFill>
+        <a:latin typeface="+mn-lt"/>
+        <a:ea typeface="+mn-ea"/>
+        <a:cs typeface="+mn-cs"/>
+      </a:defRPr>
+    </a:lvl8pPr>
+    <a:lvl9pPr marL="3657600" algn="l" defTabSz="914400" rtl="0" eaLnBrk="1" latinLnBrk="0" hangingPunct="1">
+      <a:defRPr sz="1200" kern="1200">
+        <a:solidFill>
+          <a:schemeClr val="tx1"/>
+        </a:solidFill>
+        <a:latin typeface="+mn-lt"/>
+        <a:ea typeface="+mn-ea"/>
+        <a:cs typeface="+mn-cs"/>
+      </a:defRPr>
+    </a:lvl9pPr>
+  </p:notesStyle>
+</p:notesMaster>
 </file>
 
 <file path=ppt/slideLayouts/slideLayout1.xml><?xml version="1.0" encoding="utf-8"?>
@@ -262,7 +618,7 @@
           <a:bodyPr/>
           <a:lstStyle/>
           <a:p>
-            <a:fld id="{377D33B0-C84D-48FE-B2B4-1B6631A21FD0}" type="datetimeFigureOut">
+            <a:fld id="{0AF9AB42-7754-4A39-B895-9BE60049DFCC}" type="datetime1">
               <a:rPr lang="en-GB" smtClean="0"/>
               <a:t>13/12/2017</a:t>
             </a:fld>
@@ -285,6 +641,10 @@
           <a:bodyPr/>
           <a:lstStyle/>
           <a:p>
+            <a:r>
+              <a:rPr lang="en-GB" smtClean="0"/>
+              <a:t>PW-pipeline</a:t>
+            </a:r>
             <a:endParaRPr lang="en-GB"/>
           </a:p>
         </p:txBody>
@@ -432,7 +792,7 @@
           <a:bodyPr/>
           <a:lstStyle/>
           <a:p>
-            <a:fld id="{377D33B0-C84D-48FE-B2B4-1B6631A21FD0}" type="datetimeFigureOut">
+            <a:fld id="{C5FDF58E-A694-4923-8F74-566E8A32B1C7}" type="datetime1">
               <a:rPr lang="en-GB" smtClean="0"/>
               <a:t>13/12/2017</a:t>
             </a:fld>
@@ -455,6 +815,10 @@
           <a:bodyPr/>
           <a:lstStyle/>
           <a:p>
+            <a:r>
+              <a:rPr lang="en-GB" smtClean="0"/>
+              <a:t>PW-pipeline</a:t>
+            </a:r>
             <a:endParaRPr lang="en-GB"/>
           </a:p>
         </p:txBody>
@@ -612,7 +976,7 @@
           <a:bodyPr/>
           <a:lstStyle/>
           <a:p>
-            <a:fld id="{377D33B0-C84D-48FE-B2B4-1B6631A21FD0}" type="datetimeFigureOut">
+            <a:fld id="{CF68D6DF-1A30-4D8A-AD28-036908FB51B2}" type="datetime1">
               <a:rPr lang="en-GB" smtClean="0"/>
               <a:t>13/12/2017</a:t>
             </a:fld>
@@ -635,6 +999,10 @@
           <a:bodyPr/>
           <a:lstStyle/>
           <a:p>
+            <a:r>
+              <a:rPr lang="en-GB" smtClean="0"/>
+              <a:t>PW-pipeline</a:t>
+            </a:r>
             <a:endParaRPr lang="en-GB"/>
           </a:p>
         </p:txBody>
@@ -782,7 +1150,7 @@
           <a:bodyPr/>
           <a:lstStyle/>
           <a:p>
-            <a:fld id="{377D33B0-C84D-48FE-B2B4-1B6631A21FD0}" type="datetimeFigureOut">
+            <a:fld id="{235352D1-08A9-4200-902D-1DD15FE1C897}" type="datetime1">
               <a:rPr lang="en-GB" smtClean="0"/>
               <a:t>13/12/2017</a:t>
             </a:fld>
@@ -805,6 +1173,10 @@
           <a:bodyPr/>
           <a:lstStyle/>
           <a:p>
+            <a:r>
+              <a:rPr lang="en-GB" smtClean="0"/>
+              <a:t>PW-pipeline</a:t>
+            </a:r>
             <a:endParaRPr lang="en-GB"/>
           </a:p>
         </p:txBody>
@@ -1028,7 +1400,7 @@
           <a:bodyPr/>
           <a:lstStyle/>
           <a:p>
-            <a:fld id="{377D33B0-C84D-48FE-B2B4-1B6631A21FD0}" type="datetimeFigureOut">
+            <a:fld id="{BC1E5517-5DEB-4E83-8CC9-210D2FB0C171}" type="datetime1">
               <a:rPr lang="en-GB" smtClean="0"/>
               <a:t>13/12/2017</a:t>
             </a:fld>
@@ -1051,6 +1423,10 @@
           <a:bodyPr/>
           <a:lstStyle/>
           <a:p>
+            <a:r>
+              <a:rPr lang="en-GB" smtClean="0"/>
+              <a:t>PW-pipeline</a:t>
+            </a:r>
             <a:endParaRPr lang="en-GB"/>
           </a:p>
         </p:txBody>
@@ -1260,7 +1636,7 @@
           <a:bodyPr/>
           <a:lstStyle/>
           <a:p>
-            <a:fld id="{377D33B0-C84D-48FE-B2B4-1B6631A21FD0}" type="datetimeFigureOut">
+            <a:fld id="{6B54F2A8-ED5D-432B-8631-E3E5FE5C7B6C}" type="datetime1">
               <a:rPr lang="en-GB" smtClean="0"/>
               <a:t>13/12/2017</a:t>
             </a:fld>
@@ -1283,6 +1659,10 @@
           <a:bodyPr/>
           <a:lstStyle/>
           <a:p>
+            <a:r>
+              <a:rPr lang="en-GB" smtClean="0"/>
+              <a:t>PW-pipeline</a:t>
+            </a:r>
             <a:endParaRPr lang="en-GB"/>
           </a:p>
         </p:txBody>
@@ -1627,7 +2007,7 @@
           <a:bodyPr/>
           <a:lstStyle/>
           <a:p>
-            <a:fld id="{377D33B0-C84D-48FE-B2B4-1B6631A21FD0}" type="datetimeFigureOut">
+            <a:fld id="{71CC12EE-FF40-472C-8B7F-33B252D7C98B}" type="datetime1">
               <a:rPr lang="en-GB" smtClean="0"/>
               <a:t>13/12/2017</a:t>
             </a:fld>
@@ -1650,6 +2030,10 @@
           <a:bodyPr/>
           <a:lstStyle/>
           <a:p>
+            <a:r>
+              <a:rPr lang="en-GB" smtClean="0"/>
+              <a:t>PW-pipeline</a:t>
+            </a:r>
             <a:endParaRPr lang="en-GB"/>
           </a:p>
         </p:txBody>
@@ -1745,7 +2129,7 @@
           <a:bodyPr/>
           <a:lstStyle/>
           <a:p>
-            <a:fld id="{377D33B0-C84D-48FE-B2B4-1B6631A21FD0}" type="datetimeFigureOut">
+            <a:fld id="{C6B4B3F9-D2D6-4447-9135-E8F618E102B4}" type="datetime1">
               <a:rPr lang="en-GB" smtClean="0"/>
               <a:t>13/12/2017</a:t>
             </a:fld>
@@ -1768,6 +2152,10 @@
           <a:bodyPr/>
           <a:lstStyle/>
           <a:p>
+            <a:r>
+              <a:rPr lang="en-GB" smtClean="0"/>
+              <a:t>PW-pipeline</a:t>
+            </a:r>
             <a:endParaRPr lang="en-GB"/>
           </a:p>
         </p:txBody>
@@ -1840,7 +2228,7 @@
           <a:bodyPr/>
           <a:lstStyle/>
           <a:p>
-            <a:fld id="{377D33B0-C84D-48FE-B2B4-1B6631A21FD0}" type="datetimeFigureOut">
+            <a:fld id="{F61E7703-DFF0-48A9-BB88-68238BB724D2}" type="datetime1">
               <a:rPr lang="en-GB" smtClean="0"/>
               <a:t>13/12/2017</a:t>
             </a:fld>
@@ -1863,6 +2251,10 @@
           <a:bodyPr/>
           <a:lstStyle/>
           <a:p>
+            <a:r>
+              <a:rPr lang="en-GB" smtClean="0"/>
+              <a:t>PW-pipeline</a:t>
+            </a:r>
             <a:endParaRPr lang="en-GB"/>
           </a:p>
         </p:txBody>
@@ -2117,7 +2509,7 @@
           <a:bodyPr/>
           <a:lstStyle/>
           <a:p>
-            <a:fld id="{377D33B0-C84D-48FE-B2B4-1B6631A21FD0}" type="datetimeFigureOut">
+            <a:fld id="{C926F3A9-D135-485E-9A68-C7FCD6B30DAF}" type="datetime1">
               <a:rPr lang="en-GB" smtClean="0"/>
               <a:t>13/12/2017</a:t>
             </a:fld>
@@ -2140,6 +2532,10 @@
           <a:bodyPr/>
           <a:lstStyle/>
           <a:p>
+            <a:r>
+              <a:rPr lang="en-GB" smtClean="0"/>
+              <a:t>PW-pipeline</a:t>
+            </a:r>
             <a:endParaRPr lang="en-GB"/>
           </a:p>
         </p:txBody>
@@ -2374,7 +2770,7 @@
           <a:bodyPr/>
           <a:lstStyle/>
           <a:p>
-            <a:fld id="{377D33B0-C84D-48FE-B2B4-1B6631A21FD0}" type="datetimeFigureOut">
+            <a:fld id="{6001CE5A-4101-43EE-BFB2-58C7A7024D00}" type="datetime1">
               <a:rPr lang="en-GB" smtClean="0"/>
               <a:t>13/12/2017</a:t>
             </a:fld>
@@ -2397,6 +2793,10 @@
           <a:bodyPr/>
           <a:lstStyle/>
           <a:p>
+            <a:r>
+              <a:rPr lang="en-GB" smtClean="0"/>
+              <a:t>PW-pipeline</a:t>
+            </a:r>
             <a:endParaRPr lang="en-GB"/>
           </a:p>
         </p:txBody>
@@ -2587,7 +2987,7 @@
             </a:lvl1pPr>
           </a:lstStyle>
           <a:p>
-            <a:fld id="{377D33B0-C84D-48FE-B2B4-1B6631A21FD0}" type="datetimeFigureOut">
+            <a:fld id="{E124F8CC-8761-4124-A389-6C6DCCB38D99}" type="datetime1">
               <a:rPr lang="en-GB" smtClean="0"/>
               <a:t>13/12/2017</a:t>
             </a:fld>
@@ -2628,6 +3028,10 @@
             </a:lvl1pPr>
           </a:lstStyle>
           <a:p>
+            <a:r>
+              <a:rPr lang="en-GB" smtClean="0"/>
+              <a:t>PW-pipeline</a:t>
+            </a:r>
             <a:endParaRPr lang="en-GB"/>
           </a:p>
         </p:txBody>
@@ -2694,6 +3098,7 @@
     <p:sldLayoutId id="2147483670" r:id="rId10"/>
     <p:sldLayoutId id="2147483671" r:id="rId11"/>
   </p:sldLayoutIdLst>
+  <p:hf hdr="0" dt="0"/>
   <p:txStyles>
     <p:titleStyle>
       <a:lvl1pPr algn="l" defTabSz="914400" rtl="0" eaLnBrk="1" latinLnBrk="0" hangingPunct="1">
@@ -3042,8 +3447,13 @@
             </a:r>
             <a:r>
               <a:rPr lang="en-GB" dirty="0"/>
-              <a:t> pipeline</a:t>
-            </a:r>
+              <a:t> </a:t>
+            </a:r>
+            <a:r>
+              <a:rPr lang="en-GB" dirty="0" smtClean="0"/>
+              <a:t>pipeline for GWAS summary statistics</a:t>
+            </a:r>
+            <a:endParaRPr lang="en-GB" dirty="0"/>
           </a:p>
         </p:txBody>
       </p:sp>
@@ -3051,6 +3461,256 @@
     <p:extLst>
       <p:ext uri="{BB962C8B-B14F-4D97-AF65-F5344CB8AC3E}">
         <p14:creationId xmlns:p14="http://schemas.microsoft.com/office/powerpoint/2010/main" val="1899350934"/>
+      </p:ext>
+    </p:extLst>
+  </p:cSld>
+  <p:clrMapOvr>
+    <a:masterClrMapping/>
+  </p:clrMapOvr>
+</p:sld>
+</file>
+
+<file path=ppt/slides/slide10.xml><?xml version="1.0" encoding="utf-8"?>
+<p:sld xmlns:a="http://schemas.openxmlformats.org/drawingml/2006/main" xmlns:r="http://schemas.openxmlformats.org/officeDocument/2006/relationships" xmlns:p="http://schemas.openxmlformats.org/presentationml/2006/main">
+  <p:cSld>
+    <p:spTree>
+      <p:nvGrpSpPr>
+        <p:cNvPr id="1" name=""/>
+        <p:cNvGrpSpPr/>
+        <p:nvPr/>
+      </p:nvGrpSpPr>
+      <p:grpSpPr>
+        <a:xfrm>
+          <a:off x="0" y="0"/>
+          <a:ext cx="0" cy="0"/>
+          <a:chOff x="0" y="0"/>
+          <a:chExt cx="0" cy="0"/>
+        </a:xfrm>
+      </p:grpSpPr>
+      <p:sp>
+        <p:nvSpPr>
+          <p:cNvPr id="2" name="Title 1"/>
+          <p:cNvSpPr>
+            <a:spLocks noGrp="1"/>
+          </p:cNvSpPr>
+          <p:nvPr>
+            <p:ph type="title"/>
+          </p:nvPr>
+        </p:nvSpPr>
+        <p:spPr/>
+        <p:txBody>
+          <a:bodyPr/>
+          <a:lstStyle/>
+          <a:p>
+            <a:pPr algn="ctr"/>
+            <a:r>
+              <a:rPr lang="en-US" dirty="0"/>
+              <a:t>References</a:t>
+            </a:r>
+            <a:endParaRPr lang="en-GB" dirty="0"/>
+          </a:p>
+        </p:txBody>
+      </p:sp>
+      <p:sp>
+        <p:nvSpPr>
+          <p:cNvPr id="3" name="Content Placeholder 2"/>
+          <p:cNvSpPr>
+            <a:spLocks noGrp="1"/>
+          </p:cNvSpPr>
+          <p:nvPr>
+            <p:ph idx="1"/>
+          </p:nvPr>
+        </p:nvSpPr>
+        <p:spPr/>
+        <p:txBody>
+          <a:bodyPr>
+            <a:normAutofit fontScale="92500" lnSpcReduction="20000"/>
+          </a:bodyPr>
+          <a:lstStyle/>
+          <a:p>
+            <a:r>
+              <a:rPr lang="en-US" dirty="0" err="1"/>
+              <a:t>Pers</a:t>
+            </a:r>
+            <a:r>
+              <a:rPr lang="en-US" dirty="0"/>
+              <a:t> TH et al.(2015) Biological interpretation of genome-wide association studies using predicted gene functions. Nat </a:t>
+            </a:r>
+            <a:r>
+              <a:rPr lang="en-US" dirty="0" err="1"/>
+              <a:t>Commun</a:t>
+            </a:r>
+            <a:r>
+              <a:rPr lang="en-US" dirty="0"/>
+              <a:t>. 6:5890. </a:t>
+            </a:r>
+            <a:r>
+              <a:rPr lang="en-US" dirty="0" err="1"/>
+              <a:t>doi</a:t>
+            </a:r>
+            <a:r>
+              <a:rPr lang="en-US" dirty="0"/>
+              <a:t>: 10.1038/ncomms6890.</a:t>
+            </a:r>
+            <a:endParaRPr lang="en-GB" dirty="0"/>
+          </a:p>
+          <a:p>
+            <a:r>
+              <a:rPr lang="en-US" dirty="0"/>
+              <a:t>Segre AV, et al (2010). Common Inherited Variation in Mitochondrial Genes Is Not Enriched for Associations with Type 2 Diabetes or Related Glycemic Traits. </a:t>
+            </a:r>
+            <a:r>
+              <a:rPr lang="en-US" dirty="0" err="1"/>
+              <a:t>PLoS</a:t>
+            </a:r>
+            <a:r>
+              <a:rPr lang="en-US" dirty="0"/>
+              <a:t> Genet. 12;6(8). </a:t>
+            </a:r>
+            <a:r>
+              <a:rPr lang="en-US" dirty="0" err="1"/>
+              <a:t>pii</a:t>
+            </a:r>
+            <a:r>
+              <a:rPr lang="en-US" dirty="0"/>
+              <a:t>: e1001058. </a:t>
+            </a:r>
+            <a:r>
+              <a:rPr lang="en-US" dirty="0" err="1"/>
+              <a:t>doi</a:t>
+            </a:r>
+            <a:r>
+              <a:rPr lang="en-US" dirty="0"/>
+              <a:t>: 10.1371/journal.pgen.1001058</a:t>
+            </a:r>
+            <a:endParaRPr lang="en-GB" dirty="0"/>
+          </a:p>
+          <a:p>
+            <a:r>
+              <a:rPr lang="en-US" dirty="0"/>
+              <a:t>de </a:t>
+            </a:r>
+            <a:r>
+              <a:rPr lang="en-US" dirty="0" err="1"/>
+              <a:t>Leeuw</a:t>
+            </a:r>
+            <a:r>
+              <a:rPr lang="en-US" dirty="0"/>
+              <a:t> C, et al. (2015) MAGMA: Generalized Gene-Set Analysis of GWAS Data. </a:t>
+            </a:r>
+            <a:r>
+              <a:rPr lang="en-US" dirty="0" err="1"/>
+              <a:t>PLoS</a:t>
+            </a:r>
+            <a:r>
+              <a:rPr lang="en-US" dirty="0"/>
+              <a:t> </a:t>
+            </a:r>
+            <a:r>
+              <a:rPr lang="en-US" dirty="0" err="1"/>
+              <a:t>Comput</a:t>
+            </a:r>
+            <a:r>
+              <a:rPr lang="en-US" dirty="0"/>
+              <a:t> Biol. 11(4): e1004219. </a:t>
+            </a:r>
+            <a:r>
+              <a:rPr lang="en-US" dirty="0" err="1"/>
+              <a:t>doi</a:t>
+            </a:r>
+            <a:r>
+              <a:rPr lang="en-US" dirty="0"/>
+              <a:t>: 10.1371/journal.pcbi.1004219</a:t>
+            </a:r>
+            <a:endParaRPr lang="en-GB" dirty="0"/>
+          </a:p>
+          <a:p>
+            <a:r>
+              <a:rPr lang="en-US" dirty="0" err="1"/>
+              <a:t>Lamparter</a:t>
+            </a:r>
+            <a:r>
+              <a:rPr lang="en-US" dirty="0"/>
+              <a:t> D, et al. (2016) Fast and Rigorous Computation of Gene and Pathway Scores from SNP-Based Summary Statistics. </a:t>
+            </a:r>
+            <a:r>
+              <a:rPr lang="en-US" dirty="0" err="1"/>
+              <a:t>PLoS</a:t>
+            </a:r>
+            <a:r>
+              <a:rPr lang="en-US" dirty="0"/>
+              <a:t> </a:t>
+            </a:r>
+            <a:r>
+              <a:rPr lang="en-US" dirty="0" err="1"/>
+              <a:t>Comput</a:t>
+            </a:r>
+            <a:r>
+              <a:rPr lang="en-US" dirty="0"/>
+              <a:t> Biol. 2016 Jan 25;12(1):e1004714. </a:t>
+            </a:r>
+            <a:r>
+              <a:rPr lang="en-US" dirty="0" err="1"/>
+              <a:t>doi</a:t>
+            </a:r>
+            <a:r>
+              <a:rPr lang="en-US" dirty="0"/>
+              <a:t>: 10.1371/journal.pcbi.1004714</a:t>
+            </a:r>
+            <a:endParaRPr lang="en-GB" dirty="0"/>
+          </a:p>
+        </p:txBody>
+      </p:sp>
+      <p:sp>
+        <p:nvSpPr>
+          <p:cNvPr id="6" name="Footer Placeholder 5"/>
+          <p:cNvSpPr>
+            <a:spLocks noGrp="1"/>
+          </p:cNvSpPr>
+          <p:nvPr>
+            <p:ph type="ftr" sz="quarter" idx="11"/>
+          </p:nvPr>
+        </p:nvSpPr>
+        <p:spPr/>
+        <p:txBody>
+          <a:bodyPr/>
+          <a:lstStyle/>
+          <a:p>
+            <a:r>
+              <a:rPr lang="en-GB" smtClean="0"/>
+              <a:t>PW-pipeline</a:t>
+            </a:r>
+            <a:endParaRPr lang="en-GB"/>
+          </a:p>
+        </p:txBody>
+      </p:sp>
+      <p:sp>
+        <p:nvSpPr>
+          <p:cNvPr id="7" name="Slide Number Placeholder 6"/>
+          <p:cNvSpPr>
+            <a:spLocks noGrp="1"/>
+          </p:cNvSpPr>
+          <p:nvPr>
+            <p:ph type="sldNum" sz="quarter" idx="12"/>
+          </p:nvPr>
+        </p:nvSpPr>
+        <p:spPr/>
+        <p:txBody>
+          <a:bodyPr/>
+          <a:lstStyle/>
+          <a:p>
+            <a:fld id="{1FB4BD47-2A83-4A56-970D-480688504C1B}" type="slidenum">
+              <a:rPr lang="en-GB" smtClean="0"/>
+              <a:t>10</a:t>
+            </a:fld>
+            <a:endParaRPr lang="en-GB"/>
+          </a:p>
+        </p:txBody>
+      </p:sp>
+    </p:spTree>
+    <p:extLst>
+      <p:ext uri="{BB962C8B-B14F-4D97-AF65-F5344CB8AC3E}">
+        <p14:creationId xmlns:p14="http://schemas.microsoft.com/office/powerpoint/2010/main" val="2744547979"/>
       </p:ext>
     </p:extLst>
   </p:cSld>
@@ -3168,16 +3828,54 @@
             </a:pPr>
             <a:r>
               <a:rPr lang="en-GB" dirty="0"/>
-              <a:t>The statistical significance is assessed </a:t>
-            </a:r>
-            <a:r>
-              <a:rPr lang="en-GB"/>
-              <a:t>typically via P </a:t>
-            </a:r>
-            <a:r>
-              <a:rPr lang="en-GB" dirty="0"/>
-              <a:t>values or FDRs.</a:t>
-            </a:r>
+              <a:t>The statistical significance is assessed typically via P values or FDRs.</a:t>
+            </a:r>
+          </a:p>
+        </p:txBody>
+      </p:sp>
+      <p:sp>
+        <p:nvSpPr>
+          <p:cNvPr id="6" name="Footer Placeholder 5"/>
+          <p:cNvSpPr>
+            <a:spLocks noGrp="1"/>
+          </p:cNvSpPr>
+          <p:nvPr>
+            <p:ph type="ftr" sz="quarter" idx="11"/>
+          </p:nvPr>
+        </p:nvSpPr>
+        <p:spPr/>
+        <p:txBody>
+          <a:bodyPr/>
+          <a:lstStyle/>
+          <a:p>
+            <a:r>
+              <a:rPr lang="en-GB" smtClean="0"/>
+              <a:t>PW-pipeline</a:t>
+            </a:r>
+            <a:endParaRPr lang="en-GB"/>
+          </a:p>
+        </p:txBody>
+      </p:sp>
+      <p:sp>
+        <p:nvSpPr>
+          <p:cNvPr id="7" name="Slide Number Placeholder 6"/>
+          <p:cNvSpPr>
+            <a:spLocks noGrp="1"/>
+          </p:cNvSpPr>
+          <p:nvPr>
+            <p:ph type="sldNum" sz="quarter" idx="12"/>
+          </p:nvPr>
+        </p:nvSpPr>
+        <p:spPr/>
+        <p:txBody>
+          <a:bodyPr/>
+          <a:lstStyle/>
+          <a:p>
+            <a:fld id="{1FB4BD47-2A83-4A56-970D-480688504C1B}" type="slidenum">
+              <a:rPr lang="en-GB" smtClean="0"/>
+              <a:t>2</a:t>
+            </a:fld>
+            <a:endParaRPr lang="en-GB"/>
           </a:p>
         </p:txBody>
       </p:sp>
@@ -3229,143 +3927,608 @@
             <a:pPr algn="ctr"/>
             <a:r>
               <a:rPr lang="en-GB" dirty="0" smtClean="0"/>
-              <a:t>Rationale</a:t>
+              <a:t>Software</a:t>
             </a:r>
             <a:endParaRPr lang="en-GB" dirty="0"/>
           </a:p>
         </p:txBody>
       </p:sp>
-      <p:sp>
-        <p:nvSpPr>
-          <p:cNvPr id="3" name="Content Placeholder 2"/>
-          <p:cNvSpPr>
-            <a:spLocks noGrp="1"/>
-          </p:cNvSpPr>
+      <p:graphicFrame>
+        <p:nvGraphicFramePr>
+          <p:cNvPr id="7" name="Content Placeholder 6"/>
+          <p:cNvGraphicFramePr>
+            <a:graphicFrameLocks noGrp="1"/>
+          </p:cNvGraphicFramePr>
           <p:nvPr>
             <p:ph idx="1"/>
+            <p:extLst>
+              <p:ext uri="{D42A27DB-BD31-4B8C-83A1-F6EECF244321}">
+                <p14:modId xmlns:p14="http://schemas.microsoft.com/office/powerpoint/2010/main" val="42670582"/>
+              </p:ext>
+            </p:extLst>
+          </p:nvPr>
+        </p:nvGraphicFramePr>
+        <p:xfrm>
+          <a:off x="838200" y="1690688"/>
+          <a:ext cx="10515600" cy="3121890"/>
+        </p:xfrm>
+        <a:graphic>
+          <a:graphicData uri="http://schemas.openxmlformats.org/drawingml/2006/table">
+            <a:tbl>
+              <a:tblPr firstRow="1" bandRow="1">
+                <a:tableStyleId>{5C22544A-7EE6-4342-B048-85BDC9FD1C3A}</a:tableStyleId>
+              </a:tblPr>
+              <a:tblGrid>
+                <a:gridCol w="5054600">
+                  <a:extLst>
+                    <a:ext uri="{9D8B030D-6E8A-4147-A177-3AD203B41FA5}">
+                      <a16:colId xmlns="" xmlns:a16="http://schemas.microsoft.com/office/drawing/2014/main" val="865145431"/>
+                    </a:ext>
+                  </a:extLst>
+                </a:gridCol>
+                <a:gridCol w="1955800">
+                  <a:extLst>
+                    <a:ext uri="{9D8B030D-6E8A-4147-A177-3AD203B41FA5}">
+                      <a16:colId xmlns="" xmlns:a16="http://schemas.microsoft.com/office/drawing/2014/main" val="2266813503"/>
+                    </a:ext>
+                  </a:extLst>
+                </a:gridCol>
+                <a:gridCol w="3505200">
+                  <a:extLst>
+                    <a:ext uri="{9D8B030D-6E8A-4147-A177-3AD203B41FA5}">
+                      <a16:colId xmlns="" xmlns:a16="http://schemas.microsoft.com/office/drawing/2014/main" val="3616348924"/>
+                    </a:ext>
+                  </a:extLst>
+                </a:gridCol>
+              </a:tblGrid>
+              <a:tr h="444498">
+                <a:tc>
+                  <a:txBody>
+                    <a:bodyPr/>
+                    <a:lstStyle/>
+                    <a:p>
+                      <a:pPr>
+                        <a:spcBef>
+                          <a:spcPts val="180"/>
+                        </a:spcBef>
+                        <a:spcAft>
+                          <a:spcPts val="180"/>
+                        </a:spcAft>
+                      </a:pPr>
+                      <a:r>
+                        <a:rPr lang="en-US" sz="2400" dirty="0">
+                          <a:effectLst/>
+                        </a:rPr>
+                        <a:t>Full name</a:t>
+                      </a:r>
+                      <a:endParaRPr lang="en-GB" sz="2400" dirty="0">
+                        <a:effectLst/>
+                        <a:latin typeface="Cambria" panose="02040503050406030204" pitchFamily="18" charset="0"/>
+                        <a:ea typeface="Cambria" panose="02040503050406030204" pitchFamily="18" charset="0"/>
+                        <a:cs typeface="Times New Roman" panose="02020603050405020304" pitchFamily="18" charset="0"/>
+                      </a:endParaRPr>
+                    </a:p>
+                  </a:txBody>
+                  <a:tcPr marL="68580" marR="68580" marT="0" marB="0" anchor="b"/>
+                </a:tc>
+                <a:tc>
+                  <a:txBody>
+                    <a:bodyPr/>
+                    <a:lstStyle/>
+                    <a:p>
+                      <a:pPr>
+                        <a:spcBef>
+                          <a:spcPts val="180"/>
+                        </a:spcBef>
+                        <a:spcAft>
+                          <a:spcPts val="180"/>
+                        </a:spcAft>
+                      </a:pPr>
+                      <a:r>
+                        <a:rPr lang="en-US" sz="2400" dirty="0">
+                          <a:effectLst/>
+                        </a:rPr>
+                        <a:t>Abbreviation</a:t>
+                      </a:r>
+                      <a:endParaRPr lang="en-GB" sz="2400" dirty="0">
+                        <a:effectLst/>
+                        <a:latin typeface="Cambria" panose="02040503050406030204" pitchFamily="18" charset="0"/>
+                        <a:ea typeface="Cambria" panose="02040503050406030204" pitchFamily="18" charset="0"/>
+                        <a:cs typeface="Times New Roman" panose="02020603050405020304" pitchFamily="18" charset="0"/>
+                      </a:endParaRPr>
+                    </a:p>
+                  </a:txBody>
+                  <a:tcPr marL="68580" marR="68580" marT="0" marB="0" anchor="b"/>
+                </a:tc>
+                <a:tc>
+                  <a:txBody>
+                    <a:bodyPr/>
+                    <a:lstStyle/>
+                    <a:p>
+                      <a:pPr>
+                        <a:spcBef>
+                          <a:spcPts val="180"/>
+                        </a:spcBef>
+                        <a:spcAft>
+                          <a:spcPts val="180"/>
+                        </a:spcAft>
+                      </a:pPr>
+                      <a:r>
+                        <a:rPr lang="en-US" sz="2400" dirty="0">
+                          <a:effectLst/>
+                        </a:rPr>
+                        <a:t>Reference</a:t>
+                      </a:r>
+                      <a:endParaRPr lang="en-GB" sz="2400" dirty="0">
+                        <a:effectLst/>
+                        <a:latin typeface="Cambria" panose="02040503050406030204" pitchFamily="18" charset="0"/>
+                        <a:ea typeface="Cambria" panose="02040503050406030204" pitchFamily="18" charset="0"/>
+                        <a:cs typeface="Times New Roman" panose="02020603050405020304" pitchFamily="18" charset="0"/>
+                      </a:endParaRPr>
+                    </a:p>
+                  </a:txBody>
+                  <a:tcPr marL="68580" marR="68580" marT="0" marB="0" anchor="b"/>
+                </a:tc>
+                <a:extLst>
+                  <a:ext uri="{0D108BD9-81ED-4DB2-BD59-A6C34878D82A}">
+                    <a16:rowId xmlns="" xmlns:a16="http://schemas.microsoft.com/office/drawing/2014/main" val="4029533971"/>
+                  </a:ext>
+                </a:extLst>
+              </a:tr>
+              <a:tr h="669348">
+                <a:tc>
+                  <a:txBody>
+                    <a:bodyPr/>
+                    <a:lstStyle/>
+                    <a:p>
+                      <a:pPr>
+                        <a:spcBef>
+                          <a:spcPts val="180"/>
+                        </a:spcBef>
+                        <a:spcAft>
+                          <a:spcPts val="180"/>
+                        </a:spcAft>
+                      </a:pPr>
+                      <a:r>
+                        <a:rPr lang="en-US" sz="2000" dirty="0">
+                          <a:effectLst/>
+                        </a:rPr>
+                        <a:t>Meta-Analysis Gene-set Enrichment of </a:t>
+                      </a:r>
+                      <a:r>
+                        <a:rPr lang="en-US" sz="2000" dirty="0" err="1">
+                          <a:effectLst/>
+                        </a:rPr>
+                        <a:t>variaNT</a:t>
+                      </a:r>
+                      <a:r>
+                        <a:rPr lang="en-US" sz="2000" dirty="0">
+                          <a:effectLst/>
+                        </a:rPr>
+                        <a:t> Associations</a:t>
+                      </a:r>
+                      <a:endParaRPr lang="en-GB" sz="2000" dirty="0">
+                        <a:effectLst/>
+                        <a:latin typeface="Cambria" panose="02040503050406030204" pitchFamily="18" charset="0"/>
+                        <a:ea typeface="Cambria" panose="02040503050406030204" pitchFamily="18" charset="0"/>
+                        <a:cs typeface="Times New Roman" panose="02020603050405020304" pitchFamily="18" charset="0"/>
+                      </a:endParaRPr>
+                    </a:p>
+                  </a:txBody>
+                  <a:tcPr marL="68580" marR="68580" marT="0" marB="0"/>
+                </a:tc>
+                <a:tc>
+                  <a:txBody>
+                    <a:bodyPr/>
+                    <a:lstStyle/>
+                    <a:p>
+                      <a:pPr>
+                        <a:spcBef>
+                          <a:spcPts val="180"/>
+                        </a:spcBef>
+                        <a:spcAft>
+                          <a:spcPts val="180"/>
+                        </a:spcAft>
+                      </a:pPr>
+                      <a:r>
+                        <a:rPr lang="en-US" sz="2000" dirty="0">
+                          <a:effectLst/>
+                        </a:rPr>
+                        <a:t>MAGENTA</a:t>
+                      </a:r>
+                      <a:endParaRPr lang="en-GB" sz="2000" dirty="0">
+                        <a:effectLst/>
+                        <a:latin typeface="Cambria" panose="02040503050406030204" pitchFamily="18" charset="0"/>
+                        <a:ea typeface="Cambria" panose="02040503050406030204" pitchFamily="18" charset="0"/>
+                        <a:cs typeface="Times New Roman" panose="02020603050405020304" pitchFamily="18" charset="0"/>
+                      </a:endParaRPr>
+                    </a:p>
+                  </a:txBody>
+                  <a:tcPr marL="68580" marR="68580" marT="0" marB="0"/>
+                </a:tc>
+                <a:tc>
+                  <a:txBody>
+                    <a:bodyPr/>
+                    <a:lstStyle/>
+                    <a:p>
+                      <a:pPr>
+                        <a:spcBef>
+                          <a:spcPts val="180"/>
+                        </a:spcBef>
+                        <a:spcAft>
+                          <a:spcPts val="180"/>
+                        </a:spcAft>
+                      </a:pPr>
+                      <a:r>
+                        <a:rPr lang="en-US" sz="2000">
+                          <a:effectLst/>
+                        </a:rPr>
+                        <a:t>Segre, et al. (2010)</a:t>
+                      </a:r>
+                      <a:endParaRPr lang="en-GB" sz="2000">
+                        <a:effectLst/>
+                        <a:latin typeface="Cambria" panose="02040503050406030204" pitchFamily="18" charset="0"/>
+                        <a:ea typeface="Cambria" panose="02040503050406030204" pitchFamily="18" charset="0"/>
+                        <a:cs typeface="Times New Roman" panose="02020603050405020304" pitchFamily="18" charset="0"/>
+                      </a:endParaRPr>
+                    </a:p>
+                  </a:txBody>
+                  <a:tcPr marL="68580" marR="68580" marT="0" marB="0"/>
+                </a:tc>
+                <a:extLst>
+                  <a:ext uri="{0D108BD9-81ED-4DB2-BD59-A6C34878D82A}">
+                    <a16:rowId xmlns="" xmlns:a16="http://schemas.microsoft.com/office/drawing/2014/main" val="3242111933"/>
+                  </a:ext>
+                </a:extLst>
+              </a:tr>
+              <a:tr h="669348">
+                <a:tc>
+                  <a:txBody>
+                    <a:bodyPr/>
+                    <a:lstStyle/>
+                    <a:p>
+                      <a:pPr>
+                        <a:spcBef>
+                          <a:spcPts val="180"/>
+                        </a:spcBef>
+                        <a:spcAft>
+                          <a:spcPts val="180"/>
+                        </a:spcAft>
+                      </a:pPr>
+                      <a:r>
+                        <a:rPr lang="en-US" sz="2000">
+                          <a:effectLst/>
+                        </a:rPr>
+                        <a:t>Generalized Gene-Set Analysis of GWAS Data</a:t>
+                      </a:r>
+                      <a:endParaRPr lang="en-GB" sz="2000">
+                        <a:effectLst/>
+                        <a:latin typeface="Cambria" panose="02040503050406030204" pitchFamily="18" charset="0"/>
+                        <a:ea typeface="Cambria" panose="02040503050406030204" pitchFamily="18" charset="0"/>
+                        <a:cs typeface="Times New Roman" panose="02020603050405020304" pitchFamily="18" charset="0"/>
+                      </a:endParaRPr>
+                    </a:p>
+                  </a:txBody>
+                  <a:tcPr marL="68580" marR="68580" marT="0" marB="0"/>
+                </a:tc>
+                <a:tc>
+                  <a:txBody>
+                    <a:bodyPr/>
+                    <a:lstStyle/>
+                    <a:p>
+                      <a:pPr>
+                        <a:spcBef>
+                          <a:spcPts val="180"/>
+                        </a:spcBef>
+                        <a:spcAft>
+                          <a:spcPts val="180"/>
+                        </a:spcAft>
+                      </a:pPr>
+                      <a:r>
+                        <a:rPr lang="en-US" sz="2000" dirty="0">
+                          <a:effectLst/>
+                        </a:rPr>
+                        <a:t>MAGMA</a:t>
+                      </a:r>
+                      <a:endParaRPr lang="en-GB" sz="2000" dirty="0">
+                        <a:effectLst/>
+                        <a:latin typeface="Cambria" panose="02040503050406030204" pitchFamily="18" charset="0"/>
+                        <a:ea typeface="Cambria" panose="02040503050406030204" pitchFamily="18" charset="0"/>
+                        <a:cs typeface="Times New Roman" panose="02020603050405020304" pitchFamily="18" charset="0"/>
+                      </a:endParaRPr>
+                    </a:p>
+                  </a:txBody>
+                  <a:tcPr marL="68580" marR="68580" marT="0" marB="0"/>
+                </a:tc>
+                <a:tc>
+                  <a:txBody>
+                    <a:bodyPr/>
+                    <a:lstStyle/>
+                    <a:p>
+                      <a:pPr>
+                        <a:spcBef>
+                          <a:spcPts val="180"/>
+                        </a:spcBef>
+                        <a:spcAft>
+                          <a:spcPts val="180"/>
+                        </a:spcAft>
+                      </a:pPr>
+                      <a:r>
+                        <a:rPr lang="en-US" sz="2000">
+                          <a:effectLst/>
+                        </a:rPr>
+                        <a:t>de Leeuw, et al. (2015)</a:t>
+                      </a:r>
+                      <a:endParaRPr lang="en-GB" sz="2000">
+                        <a:effectLst/>
+                        <a:latin typeface="Cambria" panose="02040503050406030204" pitchFamily="18" charset="0"/>
+                        <a:ea typeface="Cambria" panose="02040503050406030204" pitchFamily="18" charset="0"/>
+                        <a:cs typeface="Times New Roman" panose="02020603050405020304" pitchFamily="18" charset="0"/>
+                      </a:endParaRPr>
+                    </a:p>
+                  </a:txBody>
+                  <a:tcPr marL="68580" marR="68580" marT="0" marB="0"/>
+                </a:tc>
+                <a:extLst>
+                  <a:ext uri="{0D108BD9-81ED-4DB2-BD59-A6C34878D82A}">
+                    <a16:rowId xmlns="" xmlns:a16="http://schemas.microsoft.com/office/drawing/2014/main" val="3758837373"/>
+                  </a:ext>
+                </a:extLst>
+              </a:tr>
+              <a:tr h="669348">
+                <a:tc>
+                  <a:txBody>
+                    <a:bodyPr/>
+                    <a:lstStyle/>
+                    <a:p>
+                      <a:pPr>
+                        <a:spcBef>
+                          <a:spcPts val="180"/>
+                        </a:spcBef>
+                        <a:spcAft>
+                          <a:spcPts val="180"/>
+                        </a:spcAft>
+                      </a:pPr>
+                      <a:r>
+                        <a:rPr lang="en-US" sz="2000">
+                          <a:effectLst/>
+                        </a:rPr>
+                        <a:t>Pathway scoring algorithm</a:t>
+                      </a:r>
+                      <a:endParaRPr lang="en-GB" sz="2000">
+                        <a:effectLst/>
+                        <a:latin typeface="Cambria" panose="02040503050406030204" pitchFamily="18" charset="0"/>
+                        <a:ea typeface="Cambria" panose="02040503050406030204" pitchFamily="18" charset="0"/>
+                        <a:cs typeface="Times New Roman" panose="02020603050405020304" pitchFamily="18" charset="0"/>
+                      </a:endParaRPr>
+                    </a:p>
+                  </a:txBody>
+                  <a:tcPr marL="68580" marR="68580" marT="0" marB="0"/>
+                </a:tc>
+                <a:tc>
+                  <a:txBody>
+                    <a:bodyPr/>
+                    <a:lstStyle/>
+                    <a:p>
+                      <a:pPr>
+                        <a:spcBef>
+                          <a:spcPts val="180"/>
+                        </a:spcBef>
+                        <a:spcAft>
+                          <a:spcPts val="180"/>
+                        </a:spcAft>
+                      </a:pPr>
+                      <a:r>
+                        <a:rPr lang="en-US" sz="2000" dirty="0">
+                          <a:effectLst/>
+                        </a:rPr>
+                        <a:t>PASCAL</a:t>
+                      </a:r>
+                      <a:endParaRPr lang="en-GB" sz="2000" dirty="0">
+                        <a:effectLst/>
+                        <a:latin typeface="Cambria" panose="02040503050406030204" pitchFamily="18" charset="0"/>
+                        <a:ea typeface="Cambria" panose="02040503050406030204" pitchFamily="18" charset="0"/>
+                        <a:cs typeface="Times New Roman" panose="02020603050405020304" pitchFamily="18" charset="0"/>
+                      </a:endParaRPr>
+                    </a:p>
+                  </a:txBody>
+                  <a:tcPr marL="68580" marR="68580" marT="0" marB="0"/>
+                </a:tc>
+                <a:tc>
+                  <a:txBody>
+                    <a:bodyPr/>
+                    <a:lstStyle/>
+                    <a:p>
+                      <a:pPr>
+                        <a:spcBef>
+                          <a:spcPts val="180"/>
+                        </a:spcBef>
+                        <a:spcAft>
+                          <a:spcPts val="180"/>
+                        </a:spcAft>
+                      </a:pPr>
+                      <a:r>
+                        <a:rPr lang="en-US" sz="2000" dirty="0" err="1">
+                          <a:effectLst/>
+                        </a:rPr>
+                        <a:t>Lamparter</a:t>
+                      </a:r>
+                      <a:r>
+                        <a:rPr lang="en-US" sz="2000" dirty="0">
+                          <a:effectLst/>
+                        </a:rPr>
+                        <a:t>, et al. (2016)</a:t>
+                      </a:r>
+                      <a:endParaRPr lang="en-GB" sz="2000" dirty="0">
+                        <a:effectLst/>
+                        <a:latin typeface="Cambria" panose="02040503050406030204" pitchFamily="18" charset="0"/>
+                        <a:ea typeface="Cambria" panose="02040503050406030204" pitchFamily="18" charset="0"/>
+                        <a:cs typeface="Times New Roman" panose="02020603050405020304" pitchFamily="18" charset="0"/>
+                      </a:endParaRPr>
+                    </a:p>
+                  </a:txBody>
+                  <a:tcPr marL="68580" marR="68580" marT="0" marB="0"/>
+                </a:tc>
+                <a:extLst>
+                  <a:ext uri="{0D108BD9-81ED-4DB2-BD59-A6C34878D82A}">
+                    <a16:rowId xmlns="" xmlns:a16="http://schemas.microsoft.com/office/drawing/2014/main" val="2712992702"/>
+                  </a:ext>
+                </a:extLst>
+              </a:tr>
+              <a:tr h="669348">
+                <a:tc>
+                  <a:txBody>
+                    <a:bodyPr/>
+                    <a:lstStyle/>
+                    <a:p>
+                      <a:pPr>
+                        <a:spcBef>
+                          <a:spcPts val="180"/>
+                        </a:spcBef>
+                        <a:spcAft>
+                          <a:spcPts val="180"/>
+                        </a:spcAft>
+                      </a:pPr>
+                      <a:r>
+                        <a:rPr lang="en-US" sz="2000">
+                          <a:effectLst/>
+                        </a:rPr>
+                        <a:t>Data-Driven Expression Prioritized Integration for Complex Traits</a:t>
+                      </a:r>
+                      <a:endParaRPr lang="en-GB" sz="2000">
+                        <a:effectLst/>
+                        <a:latin typeface="Cambria" panose="02040503050406030204" pitchFamily="18" charset="0"/>
+                        <a:ea typeface="Cambria" panose="02040503050406030204" pitchFamily="18" charset="0"/>
+                        <a:cs typeface="Times New Roman" panose="02020603050405020304" pitchFamily="18" charset="0"/>
+                      </a:endParaRPr>
+                    </a:p>
+                  </a:txBody>
+                  <a:tcPr marL="68580" marR="68580" marT="0" marB="0"/>
+                </a:tc>
+                <a:tc>
+                  <a:txBody>
+                    <a:bodyPr/>
+                    <a:lstStyle/>
+                    <a:p>
+                      <a:pPr>
+                        <a:spcBef>
+                          <a:spcPts val="180"/>
+                        </a:spcBef>
+                        <a:spcAft>
+                          <a:spcPts val="180"/>
+                        </a:spcAft>
+                      </a:pPr>
+                      <a:r>
+                        <a:rPr lang="en-US" sz="2000">
+                          <a:effectLst/>
+                        </a:rPr>
+                        <a:t>DEPICT</a:t>
+                      </a:r>
+                      <a:endParaRPr lang="en-GB" sz="2000">
+                        <a:effectLst/>
+                        <a:latin typeface="Cambria" panose="02040503050406030204" pitchFamily="18" charset="0"/>
+                        <a:ea typeface="Cambria" panose="02040503050406030204" pitchFamily="18" charset="0"/>
+                        <a:cs typeface="Times New Roman" panose="02020603050405020304" pitchFamily="18" charset="0"/>
+                      </a:endParaRPr>
+                    </a:p>
+                  </a:txBody>
+                  <a:tcPr marL="68580" marR="68580" marT="0" marB="0"/>
+                </a:tc>
+                <a:tc>
+                  <a:txBody>
+                    <a:bodyPr/>
+                    <a:lstStyle/>
+                    <a:p>
+                      <a:pPr>
+                        <a:spcBef>
+                          <a:spcPts val="180"/>
+                        </a:spcBef>
+                        <a:spcAft>
+                          <a:spcPts val="180"/>
+                        </a:spcAft>
+                      </a:pPr>
+                      <a:r>
+                        <a:rPr lang="en-US" sz="2000" dirty="0" err="1">
+                          <a:effectLst/>
+                        </a:rPr>
+                        <a:t>Pers</a:t>
+                      </a:r>
+                      <a:r>
+                        <a:rPr lang="en-US" sz="2000" dirty="0">
+                          <a:effectLst/>
+                        </a:rPr>
+                        <a:t>, et al.(2015)</a:t>
+                      </a:r>
+                      <a:endParaRPr lang="en-GB" sz="2000" dirty="0">
+                        <a:effectLst/>
+                        <a:latin typeface="Cambria" panose="02040503050406030204" pitchFamily="18" charset="0"/>
+                        <a:ea typeface="Cambria" panose="02040503050406030204" pitchFamily="18" charset="0"/>
+                        <a:cs typeface="Times New Roman" panose="02020603050405020304" pitchFamily="18" charset="0"/>
+                      </a:endParaRPr>
+                    </a:p>
+                  </a:txBody>
+                  <a:tcPr marL="68580" marR="68580" marT="0" marB="0"/>
+                </a:tc>
+                <a:extLst>
+                  <a:ext uri="{0D108BD9-81ED-4DB2-BD59-A6C34878D82A}">
+                    <a16:rowId xmlns="" xmlns:a16="http://schemas.microsoft.com/office/drawing/2014/main" val="1529562622"/>
+                  </a:ext>
+                </a:extLst>
+              </a:tr>
+            </a:tbl>
+          </a:graphicData>
+        </a:graphic>
+      </p:graphicFrame>
+      <p:sp>
+        <p:nvSpPr>
+          <p:cNvPr id="5" name="Footer Placeholder 4"/>
+          <p:cNvSpPr>
+            <a:spLocks noGrp="1"/>
+          </p:cNvSpPr>
+          <p:nvPr>
+            <p:ph type="ftr" sz="quarter" idx="11"/>
           </p:nvPr>
         </p:nvSpPr>
         <p:spPr/>
         <p:txBody>
-          <a:bodyPr>
-            <a:normAutofit/>
-          </a:bodyPr>
-          <a:lstStyle/>
-          <a:p>
-            <a:r>
-              <a:rPr lang="en-GB" dirty="0"/>
-              <a:t>To facilitate use of </a:t>
-            </a:r>
-            <a:r>
-              <a:rPr lang="en-GB" dirty="0" smtClean="0"/>
-              <a:t>software whose setup is difficult for many. </a:t>
-            </a:r>
-          </a:p>
-          <a:p>
-            <a:pPr lvl="1"/>
-            <a:r>
-              <a:rPr lang="en-GB" dirty="0" smtClean="0"/>
-              <a:t>MAGENTA is in </a:t>
-            </a:r>
-            <a:r>
-              <a:rPr lang="en-GB" dirty="0" err="1" smtClean="0"/>
-              <a:t>Matlab</a:t>
-            </a:r>
-            <a:r>
-              <a:rPr lang="en-GB" dirty="0" smtClean="0"/>
-              <a:t> and largely requires user copy and interactive use.</a:t>
-            </a:r>
-          </a:p>
-          <a:p>
-            <a:pPr lvl="1"/>
-            <a:r>
-              <a:rPr lang="en-GB" dirty="0" smtClean="0"/>
-              <a:t>DEPICT would needs user-specific setup of Python.</a:t>
-            </a:r>
-          </a:p>
-          <a:p>
-            <a:pPr lvl="1"/>
-            <a:r>
-              <a:rPr lang="en-GB" dirty="0" smtClean="0"/>
-              <a:t>PASCAL needs a more recent version of </a:t>
-            </a:r>
-            <a:r>
-              <a:rPr lang="en-GB" dirty="0" err="1" smtClean="0"/>
-              <a:t>OpenBLAS</a:t>
-            </a:r>
-            <a:r>
-              <a:rPr lang="en-GB" dirty="0" smtClean="0"/>
-              <a:t> than provided</a:t>
-            </a:r>
-          </a:p>
-          <a:p>
-            <a:pPr lvl="1"/>
-            <a:r>
-              <a:rPr lang="en-GB" dirty="0" smtClean="0"/>
-              <a:t>MAGENTA </a:t>
-            </a:r>
-            <a:r>
-              <a:rPr lang="en-GB" dirty="0"/>
-              <a:t>and PASCAL could be very </a:t>
-            </a:r>
-            <a:r>
-              <a:rPr lang="en-GB" dirty="0" smtClean="0"/>
-              <a:t>time-consuming and are ideally run on clusters.</a:t>
-            </a:r>
-            <a:endParaRPr lang="en-GB" dirty="0"/>
-          </a:p>
-          <a:p>
-            <a:r>
-              <a:rPr lang="en-GB" dirty="0" smtClean="0"/>
-              <a:t>To accommodate input of GWAS </a:t>
-            </a:r>
-            <a:r>
-              <a:rPr lang="en-GB" dirty="0"/>
-              <a:t>summary </a:t>
-            </a:r>
-            <a:r>
-              <a:rPr lang="en-GB" dirty="0" smtClean="0"/>
-              <a:t>statistics</a:t>
-            </a:r>
-            <a:r>
-              <a:rPr lang="en-GB" dirty="0"/>
-              <a:t>, pathway databases </a:t>
-            </a:r>
-            <a:r>
-              <a:rPr lang="en-GB" dirty="0" smtClean="0"/>
-              <a:t>and software outputs, which allow for comparisons.</a:t>
-            </a:r>
-            <a:endParaRPr lang="en-GB" dirty="0"/>
-          </a:p>
-          <a:p>
-            <a:r>
-              <a:rPr lang="en-GB" dirty="0"/>
-              <a:t>To perform </a:t>
-            </a:r>
-            <a:r>
-              <a:rPr lang="en-GB" dirty="0" smtClean="0"/>
-              <a:t>additional</a:t>
-            </a:r>
-            <a:r>
-              <a:rPr lang="en-GB" dirty="0" smtClean="0"/>
-              <a:t> </a:t>
-            </a:r>
-            <a:r>
-              <a:rPr lang="en-GB" dirty="0"/>
-              <a:t>analyses </a:t>
-            </a:r>
-            <a:r>
-              <a:rPr lang="en-GB" dirty="0" smtClean="0"/>
-              <a:t>such as FDR and network analysis, which could be another barrier to users.</a:t>
-            </a:r>
-            <a:endParaRPr lang="en-GB" dirty="0"/>
+          <a:bodyPr/>
+          <a:lstStyle/>
+          <a:p>
+            <a:r>
+              <a:rPr lang="en-GB" smtClean="0"/>
+              <a:t>PW-pipeline</a:t>
+            </a:r>
+            <a:endParaRPr lang="en-GB"/>
+          </a:p>
+        </p:txBody>
+      </p:sp>
+      <p:sp>
+        <p:nvSpPr>
+          <p:cNvPr id="6" name="Slide Number Placeholder 5"/>
+          <p:cNvSpPr>
+            <a:spLocks noGrp="1"/>
+          </p:cNvSpPr>
+          <p:nvPr>
+            <p:ph type="sldNum" sz="quarter" idx="12"/>
+          </p:nvPr>
+        </p:nvSpPr>
+        <p:spPr/>
+        <p:txBody>
+          <a:bodyPr/>
+          <a:lstStyle/>
+          <a:p>
+            <a:fld id="{1FB4BD47-2A83-4A56-970D-480688504C1B}" type="slidenum">
+              <a:rPr lang="en-GB" smtClean="0"/>
+              <a:t>3</a:t>
+            </a:fld>
+            <a:endParaRPr lang="en-GB"/>
           </a:p>
         </p:txBody>
       </p:sp>
     </p:spTree>
     <p:extLst>
       <p:ext uri="{BB962C8B-B14F-4D97-AF65-F5344CB8AC3E}">
-        <p14:creationId xmlns:p14="http://schemas.microsoft.com/office/powerpoint/2010/main" val="499625257"/>
+        <p14:creationId xmlns:p14="http://schemas.microsoft.com/office/powerpoint/2010/main" val="3512096537"/>
       </p:ext>
     </p:extLst>
   </p:cSld>
@@ -3410,562 +4573,131 @@
             <a:pPr algn="ctr"/>
             <a:r>
               <a:rPr lang="en-GB" dirty="0" smtClean="0"/>
-              <a:t>Software details</a:t>
+              <a:t>Features of software</a:t>
             </a:r>
             <a:endParaRPr lang="en-GB" dirty="0"/>
           </a:p>
         </p:txBody>
       </p:sp>
-      <p:graphicFrame>
-        <p:nvGraphicFramePr>
-          <p:cNvPr id="7" name="Content Placeholder 6"/>
-          <p:cNvGraphicFramePr>
-            <a:graphicFrameLocks noGrp="1"/>
-          </p:cNvGraphicFramePr>
+      <p:sp>
+        <p:nvSpPr>
+          <p:cNvPr id="3" name="Content Placeholder 2"/>
+          <p:cNvSpPr>
+            <a:spLocks noGrp="1"/>
+          </p:cNvSpPr>
           <p:nvPr>
             <p:ph idx="1"/>
-            <p:extLst>
-              <p:ext uri="{D42A27DB-BD31-4B8C-83A1-F6EECF244321}">
-                <p14:modId xmlns:p14="http://schemas.microsoft.com/office/powerpoint/2010/main" val="42670582"/>
-              </p:ext>
-            </p:extLst>
-          </p:nvPr>
-        </p:nvGraphicFramePr>
-        <p:xfrm>
-          <a:off x="838200" y="1690688"/>
-          <a:ext cx="10515600" cy="3121890"/>
-        </p:xfrm>
-        <a:graphic>
-          <a:graphicData uri="http://schemas.openxmlformats.org/drawingml/2006/table">
-            <a:tbl>
-              <a:tblPr firstRow="1" bandRow="1">
-                <a:tableStyleId>{5C22544A-7EE6-4342-B048-85BDC9FD1C3A}</a:tableStyleId>
-              </a:tblPr>
-              <a:tblGrid>
-                <a:gridCol w="5054600">
-                  <a:extLst>
-                    <a:ext uri="{9D8B030D-6E8A-4147-A177-3AD203B41FA5}">
-                      <a16:colId xmlns:a16="http://schemas.microsoft.com/office/drawing/2014/main" xmlns="" val="865145431"/>
-                    </a:ext>
-                  </a:extLst>
-                </a:gridCol>
-                <a:gridCol w="1955800">
-                  <a:extLst>
-                    <a:ext uri="{9D8B030D-6E8A-4147-A177-3AD203B41FA5}">
-                      <a16:colId xmlns:a16="http://schemas.microsoft.com/office/drawing/2014/main" xmlns="" val="2266813503"/>
-                    </a:ext>
-                  </a:extLst>
-                </a:gridCol>
-                <a:gridCol w="3505200">
-                  <a:extLst>
-                    <a:ext uri="{9D8B030D-6E8A-4147-A177-3AD203B41FA5}">
-                      <a16:colId xmlns:a16="http://schemas.microsoft.com/office/drawing/2014/main" xmlns="" val="3616348924"/>
-                    </a:ext>
-                  </a:extLst>
-                </a:gridCol>
-              </a:tblGrid>
-              <a:tr h="444498">
-                <a:tc>
-                  <a:txBody>
-                    <a:bodyPr/>
-                    <a:lstStyle/>
-                    <a:p>
-                      <a:pPr>
-                        <a:spcBef>
-                          <a:spcPts val="180"/>
-                        </a:spcBef>
-                        <a:spcAft>
-                          <a:spcPts val="180"/>
-                        </a:spcAft>
-                      </a:pPr>
-                      <a:r>
-                        <a:rPr lang="en-US" sz="2400" dirty="0">
-                          <a:effectLst/>
-                        </a:rPr>
-                        <a:t>Full name</a:t>
-                      </a:r>
-                      <a:endParaRPr lang="en-GB" sz="2400" dirty="0">
-                        <a:effectLst/>
-                        <a:latin typeface="Cambria" panose="02040503050406030204" pitchFamily="18" charset="0"/>
-                        <a:ea typeface="Cambria" panose="02040503050406030204" pitchFamily="18" charset="0"/>
-                        <a:cs typeface="Times New Roman" panose="02020603050405020304" pitchFamily="18" charset="0"/>
-                      </a:endParaRPr>
-                    </a:p>
-                  </a:txBody>
-                  <a:tcPr marL="68580" marR="68580" marT="0" marB="0" anchor="b"/>
-                </a:tc>
-                <a:tc>
-                  <a:txBody>
-                    <a:bodyPr/>
-                    <a:lstStyle/>
-                    <a:p>
-                      <a:pPr>
-                        <a:spcBef>
-                          <a:spcPts val="180"/>
-                        </a:spcBef>
-                        <a:spcAft>
-                          <a:spcPts val="180"/>
-                        </a:spcAft>
-                      </a:pPr>
-                      <a:r>
-                        <a:rPr lang="en-US" sz="2400" dirty="0">
-                          <a:effectLst/>
-                        </a:rPr>
-                        <a:t>Abbreviation</a:t>
-                      </a:r>
-                      <a:endParaRPr lang="en-GB" sz="2400" dirty="0">
-                        <a:effectLst/>
-                        <a:latin typeface="Cambria" panose="02040503050406030204" pitchFamily="18" charset="0"/>
-                        <a:ea typeface="Cambria" panose="02040503050406030204" pitchFamily="18" charset="0"/>
-                        <a:cs typeface="Times New Roman" panose="02020603050405020304" pitchFamily="18" charset="0"/>
-                      </a:endParaRPr>
-                    </a:p>
-                  </a:txBody>
-                  <a:tcPr marL="68580" marR="68580" marT="0" marB="0" anchor="b"/>
-                </a:tc>
-                <a:tc>
-                  <a:txBody>
-                    <a:bodyPr/>
-                    <a:lstStyle/>
-                    <a:p>
-                      <a:pPr>
-                        <a:spcBef>
-                          <a:spcPts val="180"/>
-                        </a:spcBef>
-                        <a:spcAft>
-                          <a:spcPts val="180"/>
-                        </a:spcAft>
-                      </a:pPr>
-                      <a:r>
-                        <a:rPr lang="en-US" sz="2400" dirty="0">
-                          <a:effectLst/>
-                        </a:rPr>
-                        <a:t>Reference</a:t>
-                      </a:r>
-                      <a:endParaRPr lang="en-GB" sz="2400" dirty="0">
-                        <a:effectLst/>
-                        <a:latin typeface="Cambria" panose="02040503050406030204" pitchFamily="18" charset="0"/>
-                        <a:ea typeface="Cambria" panose="02040503050406030204" pitchFamily="18" charset="0"/>
-                        <a:cs typeface="Times New Roman" panose="02020603050405020304" pitchFamily="18" charset="0"/>
-                      </a:endParaRPr>
-                    </a:p>
-                  </a:txBody>
-                  <a:tcPr marL="68580" marR="68580" marT="0" marB="0" anchor="b"/>
-                </a:tc>
-                <a:extLst>
-                  <a:ext uri="{0D108BD9-81ED-4DB2-BD59-A6C34878D82A}">
-                    <a16:rowId xmlns:a16="http://schemas.microsoft.com/office/drawing/2014/main" xmlns="" val="4029533971"/>
-                  </a:ext>
-                </a:extLst>
-              </a:tr>
-              <a:tr h="669348">
-                <a:tc>
-                  <a:txBody>
-                    <a:bodyPr/>
-                    <a:lstStyle/>
-                    <a:p>
-                      <a:pPr>
-                        <a:spcBef>
-                          <a:spcPts val="180"/>
-                        </a:spcBef>
-                        <a:spcAft>
-                          <a:spcPts val="180"/>
-                        </a:spcAft>
-                      </a:pPr>
-                      <a:r>
-                        <a:rPr lang="en-US" sz="2000" dirty="0">
-                          <a:effectLst/>
-                        </a:rPr>
-                        <a:t>Meta-Analysis Gene-set Enrichment of </a:t>
-                      </a:r>
-                      <a:r>
-                        <a:rPr lang="en-US" sz="2000" dirty="0" err="1">
-                          <a:effectLst/>
-                        </a:rPr>
-                        <a:t>variaNT</a:t>
-                      </a:r>
-                      <a:r>
-                        <a:rPr lang="en-US" sz="2000" dirty="0">
-                          <a:effectLst/>
-                        </a:rPr>
-                        <a:t> Associations</a:t>
-                      </a:r>
-                      <a:endParaRPr lang="en-GB" sz="2000" dirty="0">
-                        <a:effectLst/>
-                        <a:latin typeface="Cambria" panose="02040503050406030204" pitchFamily="18" charset="0"/>
-                        <a:ea typeface="Cambria" panose="02040503050406030204" pitchFamily="18" charset="0"/>
-                        <a:cs typeface="Times New Roman" panose="02020603050405020304" pitchFamily="18" charset="0"/>
-                      </a:endParaRPr>
-                    </a:p>
-                  </a:txBody>
-                  <a:tcPr marL="68580" marR="68580" marT="0" marB="0"/>
-                </a:tc>
-                <a:tc>
-                  <a:txBody>
-                    <a:bodyPr/>
-                    <a:lstStyle/>
-                    <a:p>
-                      <a:pPr>
-                        <a:spcBef>
-                          <a:spcPts val="180"/>
-                        </a:spcBef>
-                        <a:spcAft>
-                          <a:spcPts val="180"/>
-                        </a:spcAft>
-                      </a:pPr>
-                      <a:r>
-                        <a:rPr lang="en-US" sz="2000" dirty="0">
-                          <a:effectLst/>
-                        </a:rPr>
-                        <a:t>MAGENTA</a:t>
-                      </a:r>
-                      <a:endParaRPr lang="en-GB" sz="2000" dirty="0">
-                        <a:effectLst/>
-                        <a:latin typeface="Cambria" panose="02040503050406030204" pitchFamily="18" charset="0"/>
-                        <a:ea typeface="Cambria" panose="02040503050406030204" pitchFamily="18" charset="0"/>
-                        <a:cs typeface="Times New Roman" panose="02020603050405020304" pitchFamily="18" charset="0"/>
-                      </a:endParaRPr>
-                    </a:p>
-                  </a:txBody>
-                  <a:tcPr marL="68580" marR="68580" marT="0" marB="0"/>
-                </a:tc>
-                <a:tc>
-                  <a:txBody>
-                    <a:bodyPr/>
-                    <a:lstStyle/>
-                    <a:p>
-                      <a:pPr>
-                        <a:spcBef>
-                          <a:spcPts val="180"/>
-                        </a:spcBef>
-                        <a:spcAft>
-                          <a:spcPts val="180"/>
-                        </a:spcAft>
-                      </a:pPr>
-                      <a:r>
-                        <a:rPr lang="en-US" sz="2000">
-                          <a:effectLst/>
-                        </a:rPr>
-                        <a:t>Segre, et al. (2010)</a:t>
-                      </a:r>
-                      <a:endParaRPr lang="en-GB" sz="2000">
-                        <a:effectLst/>
-                        <a:latin typeface="Cambria" panose="02040503050406030204" pitchFamily="18" charset="0"/>
-                        <a:ea typeface="Cambria" panose="02040503050406030204" pitchFamily="18" charset="0"/>
-                        <a:cs typeface="Times New Roman" panose="02020603050405020304" pitchFamily="18" charset="0"/>
-                      </a:endParaRPr>
-                    </a:p>
-                  </a:txBody>
-                  <a:tcPr marL="68580" marR="68580" marT="0" marB="0"/>
-                </a:tc>
-                <a:extLst>
-                  <a:ext uri="{0D108BD9-81ED-4DB2-BD59-A6C34878D82A}">
-                    <a16:rowId xmlns:a16="http://schemas.microsoft.com/office/drawing/2014/main" xmlns="" val="3242111933"/>
-                  </a:ext>
-                </a:extLst>
-              </a:tr>
-              <a:tr h="669348">
-                <a:tc>
-                  <a:txBody>
-                    <a:bodyPr/>
-                    <a:lstStyle/>
-                    <a:p>
-                      <a:pPr>
-                        <a:spcBef>
-                          <a:spcPts val="180"/>
-                        </a:spcBef>
-                        <a:spcAft>
-                          <a:spcPts val="180"/>
-                        </a:spcAft>
-                      </a:pPr>
-                      <a:r>
-                        <a:rPr lang="en-US" sz="2000">
-                          <a:effectLst/>
-                        </a:rPr>
-                        <a:t>Generalized Gene-Set Analysis of GWAS Data</a:t>
-                      </a:r>
-                      <a:endParaRPr lang="en-GB" sz="2000">
-                        <a:effectLst/>
-                        <a:latin typeface="Cambria" panose="02040503050406030204" pitchFamily="18" charset="0"/>
-                        <a:ea typeface="Cambria" panose="02040503050406030204" pitchFamily="18" charset="0"/>
-                        <a:cs typeface="Times New Roman" panose="02020603050405020304" pitchFamily="18" charset="0"/>
-                      </a:endParaRPr>
-                    </a:p>
-                  </a:txBody>
-                  <a:tcPr marL="68580" marR="68580" marT="0" marB="0"/>
-                </a:tc>
-                <a:tc>
-                  <a:txBody>
-                    <a:bodyPr/>
-                    <a:lstStyle/>
-                    <a:p>
-                      <a:pPr>
-                        <a:spcBef>
-                          <a:spcPts val="180"/>
-                        </a:spcBef>
-                        <a:spcAft>
-                          <a:spcPts val="180"/>
-                        </a:spcAft>
-                      </a:pPr>
-                      <a:r>
-                        <a:rPr lang="en-US" sz="2000" dirty="0">
-                          <a:effectLst/>
-                        </a:rPr>
-                        <a:t>MAGMA</a:t>
-                      </a:r>
-                      <a:endParaRPr lang="en-GB" sz="2000" dirty="0">
-                        <a:effectLst/>
-                        <a:latin typeface="Cambria" panose="02040503050406030204" pitchFamily="18" charset="0"/>
-                        <a:ea typeface="Cambria" panose="02040503050406030204" pitchFamily="18" charset="0"/>
-                        <a:cs typeface="Times New Roman" panose="02020603050405020304" pitchFamily="18" charset="0"/>
-                      </a:endParaRPr>
-                    </a:p>
-                  </a:txBody>
-                  <a:tcPr marL="68580" marR="68580" marT="0" marB="0"/>
-                </a:tc>
-                <a:tc>
-                  <a:txBody>
-                    <a:bodyPr/>
-                    <a:lstStyle/>
-                    <a:p>
-                      <a:pPr>
-                        <a:spcBef>
-                          <a:spcPts val="180"/>
-                        </a:spcBef>
-                        <a:spcAft>
-                          <a:spcPts val="180"/>
-                        </a:spcAft>
-                      </a:pPr>
-                      <a:r>
-                        <a:rPr lang="en-US" sz="2000">
-                          <a:effectLst/>
-                        </a:rPr>
-                        <a:t>de Leeuw, et al. (2015)</a:t>
-                      </a:r>
-                      <a:endParaRPr lang="en-GB" sz="2000">
-                        <a:effectLst/>
-                        <a:latin typeface="Cambria" panose="02040503050406030204" pitchFamily="18" charset="0"/>
-                        <a:ea typeface="Cambria" panose="02040503050406030204" pitchFamily="18" charset="0"/>
-                        <a:cs typeface="Times New Roman" panose="02020603050405020304" pitchFamily="18" charset="0"/>
-                      </a:endParaRPr>
-                    </a:p>
-                  </a:txBody>
-                  <a:tcPr marL="68580" marR="68580" marT="0" marB="0"/>
-                </a:tc>
-                <a:extLst>
-                  <a:ext uri="{0D108BD9-81ED-4DB2-BD59-A6C34878D82A}">
-                    <a16:rowId xmlns:a16="http://schemas.microsoft.com/office/drawing/2014/main" xmlns="" val="3758837373"/>
-                  </a:ext>
-                </a:extLst>
-              </a:tr>
-              <a:tr h="669348">
-                <a:tc>
-                  <a:txBody>
-                    <a:bodyPr/>
-                    <a:lstStyle/>
-                    <a:p>
-                      <a:pPr>
-                        <a:spcBef>
-                          <a:spcPts val="180"/>
-                        </a:spcBef>
-                        <a:spcAft>
-                          <a:spcPts val="180"/>
-                        </a:spcAft>
-                      </a:pPr>
-                      <a:r>
-                        <a:rPr lang="en-US" sz="2000">
-                          <a:effectLst/>
-                        </a:rPr>
-                        <a:t>Pathway scoring algorithm</a:t>
-                      </a:r>
-                      <a:endParaRPr lang="en-GB" sz="2000">
-                        <a:effectLst/>
-                        <a:latin typeface="Cambria" panose="02040503050406030204" pitchFamily="18" charset="0"/>
-                        <a:ea typeface="Cambria" panose="02040503050406030204" pitchFamily="18" charset="0"/>
-                        <a:cs typeface="Times New Roman" panose="02020603050405020304" pitchFamily="18" charset="0"/>
-                      </a:endParaRPr>
-                    </a:p>
-                  </a:txBody>
-                  <a:tcPr marL="68580" marR="68580" marT="0" marB="0"/>
-                </a:tc>
-                <a:tc>
-                  <a:txBody>
-                    <a:bodyPr/>
-                    <a:lstStyle/>
-                    <a:p>
-                      <a:pPr>
-                        <a:spcBef>
-                          <a:spcPts val="180"/>
-                        </a:spcBef>
-                        <a:spcAft>
-                          <a:spcPts val="180"/>
-                        </a:spcAft>
-                      </a:pPr>
-                      <a:r>
-                        <a:rPr lang="en-US" sz="2000" dirty="0">
-                          <a:effectLst/>
-                        </a:rPr>
-                        <a:t>PASCAL</a:t>
-                      </a:r>
-                      <a:endParaRPr lang="en-GB" sz="2000" dirty="0">
-                        <a:effectLst/>
-                        <a:latin typeface="Cambria" panose="02040503050406030204" pitchFamily="18" charset="0"/>
-                        <a:ea typeface="Cambria" panose="02040503050406030204" pitchFamily="18" charset="0"/>
-                        <a:cs typeface="Times New Roman" panose="02020603050405020304" pitchFamily="18" charset="0"/>
-                      </a:endParaRPr>
-                    </a:p>
-                  </a:txBody>
-                  <a:tcPr marL="68580" marR="68580" marT="0" marB="0"/>
-                </a:tc>
-                <a:tc>
-                  <a:txBody>
-                    <a:bodyPr/>
-                    <a:lstStyle/>
-                    <a:p>
-                      <a:pPr>
-                        <a:spcBef>
-                          <a:spcPts val="180"/>
-                        </a:spcBef>
-                        <a:spcAft>
-                          <a:spcPts val="180"/>
-                        </a:spcAft>
-                      </a:pPr>
-                      <a:r>
-                        <a:rPr lang="en-US" sz="2000" dirty="0" err="1">
-                          <a:effectLst/>
-                        </a:rPr>
-                        <a:t>Lamparter</a:t>
-                      </a:r>
-                      <a:r>
-                        <a:rPr lang="en-US" sz="2000" dirty="0">
-                          <a:effectLst/>
-                        </a:rPr>
-                        <a:t>, et al. (2016)</a:t>
-                      </a:r>
-                      <a:endParaRPr lang="en-GB" sz="2000" dirty="0">
-                        <a:effectLst/>
-                        <a:latin typeface="Cambria" panose="02040503050406030204" pitchFamily="18" charset="0"/>
-                        <a:ea typeface="Cambria" panose="02040503050406030204" pitchFamily="18" charset="0"/>
-                        <a:cs typeface="Times New Roman" panose="02020603050405020304" pitchFamily="18" charset="0"/>
-                      </a:endParaRPr>
-                    </a:p>
-                  </a:txBody>
-                  <a:tcPr marL="68580" marR="68580" marT="0" marB="0"/>
-                </a:tc>
-                <a:extLst>
-                  <a:ext uri="{0D108BD9-81ED-4DB2-BD59-A6C34878D82A}">
-                    <a16:rowId xmlns:a16="http://schemas.microsoft.com/office/drawing/2014/main" xmlns="" val="2712992702"/>
-                  </a:ext>
-                </a:extLst>
-              </a:tr>
-              <a:tr h="669348">
-                <a:tc>
-                  <a:txBody>
-                    <a:bodyPr/>
-                    <a:lstStyle/>
-                    <a:p>
-                      <a:pPr>
-                        <a:spcBef>
-                          <a:spcPts val="180"/>
-                        </a:spcBef>
-                        <a:spcAft>
-                          <a:spcPts val="180"/>
-                        </a:spcAft>
-                      </a:pPr>
-                      <a:r>
-                        <a:rPr lang="en-US" sz="2000">
-                          <a:effectLst/>
-                        </a:rPr>
-                        <a:t>Data-Driven Expression Prioritized Integration for Complex Traits</a:t>
-                      </a:r>
-                      <a:endParaRPr lang="en-GB" sz="2000">
-                        <a:effectLst/>
-                        <a:latin typeface="Cambria" panose="02040503050406030204" pitchFamily="18" charset="0"/>
-                        <a:ea typeface="Cambria" panose="02040503050406030204" pitchFamily="18" charset="0"/>
-                        <a:cs typeface="Times New Roman" panose="02020603050405020304" pitchFamily="18" charset="0"/>
-                      </a:endParaRPr>
-                    </a:p>
-                  </a:txBody>
-                  <a:tcPr marL="68580" marR="68580" marT="0" marB="0"/>
-                </a:tc>
-                <a:tc>
-                  <a:txBody>
-                    <a:bodyPr/>
-                    <a:lstStyle/>
-                    <a:p>
-                      <a:pPr>
-                        <a:spcBef>
-                          <a:spcPts val="180"/>
-                        </a:spcBef>
-                        <a:spcAft>
-                          <a:spcPts val="180"/>
-                        </a:spcAft>
-                      </a:pPr>
-                      <a:r>
-                        <a:rPr lang="en-US" sz="2000">
-                          <a:effectLst/>
-                        </a:rPr>
-                        <a:t>DEPICT</a:t>
-                      </a:r>
-                      <a:endParaRPr lang="en-GB" sz="2000">
-                        <a:effectLst/>
-                        <a:latin typeface="Cambria" panose="02040503050406030204" pitchFamily="18" charset="0"/>
-                        <a:ea typeface="Cambria" panose="02040503050406030204" pitchFamily="18" charset="0"/>
-                        <a:cs typeface="Times New Roman" panose="02020603050405020304" pitchFamily="18" charset="0"/>
-                      </a:endParaRPr>
-                    </a:p>
-                  </a:txBody>
-                  <a:tcPr marL="68580" marR="68580" marT="0" marB="0"/>
-                </a:tc>
-                <a:tc>
-                  <a:txBody>
-                    <a:bodyPr/>
-                    <a:lstStyle/>
-                    <a:p>
-                      <a:pPr>
-                        <a:spcBef>
-                          <a:spcPts val="180"/>
-                        </a:spcBef>
-                        <a:spcAft>
-                          <a:spcPts val="180"/>
-                        </a:spcAft>
-                      </a:pPr>
-                      <a:r>
-                        <a:rPr lang="en-US" sz="2000" dirty="0" err="1">
-                          <a:effectLst/>
-                        </a:rPr>
-                        <a:t>Pers</a:t>
-                      </a:r>
-                      <a:r>
-                        <a:rPr lang="en-US" sz="2000" dirty="0">
-                          <a:effectLst/>
-                        </a:rPr>
-                        <a:t>, et al.(2015)</a:t>
-                      </a:r>
-                      <a:endParaRPr lang="en-GB" sz="2000" dirty="0">
-                        <a:effectLst/>
-                        <a:latin typeface="Cambria" panose="02040503050406030204" pitchFamily="18" charset="0"/>
-                        <a:ea typeface="Cambria" panose="02040503050406030204" pitchFamily="18" charset="0"/>
-                        <a:cs typeface="Times New Roman" panose="02020603050405020304" pitchFamily="18" charset="0"/>
-                      </a:endParaRPr>
-                    </a:p>
-                  </a:txBody>
-                  <a:tcPr marL="68580" marR="68580" marT="0" marB="0"/>
-                </a:tc>
-                <a:extLst>
-                  <a:ext uri="{0D108BD9-81ED-4DB2-BD59-A6C34878D82A}">
-                    <a16:rowId xmlns:a16="http://schemas.microsoft.com/office/drawing/2014/main" xmlns="" val="1529562622"/>
-                  </a:ext>
-                </a:extLst>
-              </a:tr>
-            </a:tbl>
-          </a:graphicData>
-        </a:graphic>
-      </p:graphicFrame>
+          </p:nvPr>
+        </p:nvSpPr>
+        <p:spPr>
+          <a:xfrm>
+            <a:off x="838200" y="1817876"/>
+            <a:ext cx="10515600" cy="4351338"/>
+          </a:xfrm>
+        </p:spPr>
+        <p:txBody>
+          <a:bodyPr/>
+          <a:lstStyle/>
+          <a:p>
+            <a:r>
+              <a:rPr lang="en-GB" dirty="0"/>
+              <a:t>MAGENTA. </a:t>
+            </a:r>
+            <a:r>
+              <a:rPr lang="en-GB" dirty="0" smtClean="0"/>
+              <a:t>Confounding </a:t>
+            </a:r>
+            <a:r>
+              <a:rPr lang="en-GB" dirty="0"/>
+              <a:t>effects on gene association scores are identified and corrected for, without requiring genotype </a:t>
+            </a:r>
+            <a:r>
+              <a:rPr lang="en-GB" dirty="0" smtClean="0"/>
+              <a:t>data.</a:t>
+            </a:r>
+          </a:p>
+          <a:p>
+            <a:r>
+              <a:rPr lang="en-GB" dirty="0" smtClean="0"/>
+              <a:t>MAGMA. Similar to MAGENTA.</a:t>
+            </a:r>
+          </a:p>
+          <a:p>
+            <a:r>
+              <a:rPr lang="en-GB" dirty="0"/>
+              <a:t>PASCAL. Gene scores are obtained by aggregating SNP p-values from a GWAS meta-analysis while correcting for LD using a reference </a:t>
+            </a:r>
+            <a:r>
+              <a:rPr lang="en-GB" dirty="0" smtClean="0"/>
+              <a:t>population.</a:t>
+            </a:r>
+          </a:p>
+          <a:p>
+            <a:r>
+              <a:rPr lang="en-GB" dirty="0"/>
+              <a:t>DEPICT. </a:t>
+            </a:r>
+            <a:r>
+              <a:rPr lang="en-GB" dirty="0" smtClean="0"/>
+              <a:t>It </a:t>
+            </a:r>
+            <a:r>
+              <a:rPr lang="en-GB" dirty="0"/>
+              <a:t>is a computational framework for gene prioritization, GSEA and tissue/cell type enrichment analysis. </a:t>
+            </a:r>
+          </a:p>
+        </p:txBody>
+      </p:sp>
+      <p:sp>
+        <p:nvSpPr>
+          <p:cNvPr id="6" name="Footer Placeholder 5"/>
+          <p:cNvSpPr>
+            <a:spLocks noGrp="1"/>
+          </p:cNvSpPr>
+          <p:nvPr>
+            <p:ph type="ftr" sz="quarter" idx="11"/>
+          </p:nvPr>
+        </p:nvSpPr>
+        <p:spPr/>
+        <p:txBody>
+          <a:bodyPr/>
+          <a:lstStyle/>
+          <a:p>
+            <a:r>
+              <a:rPr lang="en-GB" smtClean="0"/>
+              <a:t>PW-pipeline</a:t>
+            </a:r>
+            <a:endParaRPr lang="en-GB"/>
+          </a:p>
+        </p:txBody>
+      </p:sp>
+      <p:sp>
+        <p:nvSpPr>
+          <p:cNvPr id="7" name="Slide Number Placeholder 6"/>
+          <p:cNvSpPr>
+            <a:spLocks noGrp="1"/>
+          </p:cNvSpPr>
+          <p:nvPr>
+            <p:ph type="sldNum" sz="quarter" idx="12"/>
+          </p:nvPr>
+        </p:nvSpPr>
+        <p:spPr/>
+        <p:txBody>
+          <a:bodyPr/>
+          <a:lstStyle/>
+          <a:p>
+            <a:fld id="{1FB4BD47-2A83-4A56-970D-480688504C1B}" type="slidenum">
+              <a:rPr lang="en-GB" smtClean="0"/>
+              <a:t>4</a:t>
+            </a:fld>
+            <a:endParaRPr lang="en-GB"/>
+          </a:p>
+        </p:txBody>
+      </p:sp>
     </p:spTree>
     <p:extLst>
       <p:ext uri="{BB962C8B-B14F-4D97-AF65-F5344CB8AC3E}">
-        <p14:creationId xmlns:p14="http://schemas.microsoft.com/office/powerpoint/2010/main" val="3512096537"/>
+        <p14:creationId xmlns:p14="http://schemas.microsoft.com/office/powerpoint/2010/main" val="2494285474"/>
       </p:ext>
     </p:extLst>
   </p:cSld>
@@ -4009,9 +4741,10 @@
           <a:p>
             <a:pPr algn="ctr"/>
             <a:r>
-              <a:rPr lang="en-GB" dirty="0"/>
-              <a:t>USAGE</a:t>
-            </a:r>
+              <a:rPr lang="en-GB" dirty="0" smtClean="0"/>
+              <a:t>Rationale</a:t>
+            </a:r>
+            <a:endParaRPr lang="en-GB" dirty="0"/>
           </a:p>
         </p:txBody>
       </p:sp>
@@ -4032,103 +4765,162 @@
           </a:bodyPr>
           <a:lstStyle/>
           <a:p>
-            <a:pPr marL="0" indent="0">
-              <a:buNone/>
-            </a:pPr>
             <a:r>
               <a:rPr lang="en-GB" dirty="0"/>
-              <a:t>INPUT. GWAS summary statistics </a:t>
-            </a:r>
-            <a:r>
-              <a:rPr lang="en-GB" b="1" dirty="0"/>
-              <a:t>(repro.txt),</a:t>
+              <a:t>To facilitate use of </a:t>
+            </a:r>
+            <a:r>
+              <a:rPr lang="en-GB" dirty="0" smtClean="0"/>
+              <a:t>software whose setup is difficult for many. </a:t>
+            </a:r>
+          </a:p>
+          <a:p>
+            <a:pPr lvl="1"/>
+            <a:r>
+              <a:rPr lang="en-GB" dirty="0" smtClean="0"/>
+              <a:t>MAGENTA is in </a:t>
+            </a:r>
+            <a:r>
+              <a:rPr lang="en-GB" dirty="0" err="1" smtClean="0"/>
+              <a:t>Matlab</a:t>
+            </a:r>
+            <a:r>
+              <a:rPr lang="en-GB" dirty="0" smtClean="0"/>
+              <a:t> and largely requires user copy and interactive use.</a:t>
+            </a:r>
+          </a:p>
+          <a:p>
+            <a:pPr lvl="1"/>
+            <a:r>
+              <a:rPr lang="en-GB" dirty="0" smtClean="0"/>
+              <a:t>DEPICT would needs user-specific setup of Python.</a:t>
+            </a:r>
+          </a:p>
+          <a:p>
+            <a:pPr lvl="1"/>
+            <a:r>
+              <a:rPr lang="en-GB" dirty="0" smtClean="0"/>
+              <a:t>PASCAL needs a more recent version of </a:t>
+            </a:r>
+            <a:r>
+              <a:rPr lang="en-GB" dirty="0" err="1" smtClean="0"/>
+              <a:t>OpenBLAS</a:t>
+            </a:r>
+            <a:r>
+              <a:rPr lang="en-GB" dirty="0" smtClean="0"/>
+              <a:t> than provided</a:t>
+            </a:r>
+          </a:p>
+          <a:p>
+            <a:pPr lvl="1"/>
+            <a:r>
+              <a:rPr lang="en-GB" dirty="0" smtClean="0"/>
+              <a:t>MAGENTA </a:t>
             </a:r>
             <a:r>
               <a:rPr lang="en-GB" dirty="0"/>
-              <a:t> e.g., </a:t>
-            </a:r>
-          </a:p>
-          <a:p>
-            <a:pPr marL="0" indent="0">
-              <a:buNone/>
-            </a:pPr>
-            <a:r>
-              <a:rPr lang="pt-BR" dirty="0"/>
-              <a:t>SNP A1 A2 freqA1 beta se P N chr pos</a:t>
+              <a:t>and PASCAL could be very </a:t>
+            </a:r>
+            <a:r>
+              <a:rPr lang="en-GB" dirty="0" smtClean="0"/>
+              <a:t>time-consuming and are ideally run on clusters.</a:t>
             </a:r>
             <a:endParaRPr lang="en-GB" dirty="0"/>
           </a:p>
           <a:p>
-            <a:pPr marL="0" indent="0">
-              <a:buNone/>
-            </a:pPr>
+            <a:r>
+              <a:rPr lang="en-GB" dirty="0" smtClean="0"/>
+              <a:t>To accommodate input of GWAS </a:t>
+            </a:r>
             <a:r>
               <a:rPr lang="en-GB" dirty="0"/>
-              <a:t>rs4970634 a g 0.6730 -0.1970 0.0216 6.433e-20 70423 1 39364617</a:t>
-            </a:r>
-          </a:p>
-          <a:p>
-            <a:pPr marL="0" indent="0">
-              <a:buNone/>
-            </a:pPr>
+              <a:t>summary </a:t>
+            </a:r>
+            <a:r>
+              <a:rPr lang="en-GB" dirty="0" smtClean="0"/>
+              <a:t>statistics</a:t>
+            </a:r>
+            <a:r>
+              <a:rPr lang="en-GB" dirty="0"/>
+              <a:t>, pathway databases </a:t>
+            </a:r>
+            <a:r>
+              <a:rPr lang="en-GB" dirty="0" smtClean="0"/>
+              <a:t>and software outputs, which allow for comparisons.</a:t>
+            </a:r>
             <a:endParaRPr lang="en-GB" dirty="0"/>
           </a:p>
           <a:p>
-            <a:pPr marL="0" indent="0">
-              <a:buNone/>
-            </a:pPr>
             <a:r>
               <a:rPr lang="en-GB" dirty="0"/>
-              <a:t>SYNTAX. </a:t>
-            </a:r>
-            <a:r>
-              <a:rPr lang="en-GB" b="1" dirty="0"/>
-              <a:t>pwp.sh repro.txt</a:t>
-            </a:r>
-          </a:p>
-          <a:p>
-            <a:pPr marL="0" indent="0">
-              <a:buNone/>
-            </a:pPr>
+              <a:t>To perform </a:t>
+            </a:r>
+            <a:r>
+              <a:rPr lang="en-GB" dirty="0" smtClean="0"/>
+              <a:t>additional </a:t>
+            </a:r>
             <a:r>
               <a:rPr lang="en-GB" dirty="0"/>
-              <a:t>OUTPUT. One can choose software, e.g., MAGENTA, MAGMA</a:t>
+              <a:t>analyses </a:t>
             </a:r>
             <a:r>
               <a:rPr lang="en-GB" dirty="0" smtClean="0"/>
-              <a:t>.</a:t>
-            </a:r>
-          </a:p>
-          <a:p>
-            <a:pPr marL="0" indent="0">
-              <a:buNone/>
-            </a:pPr>
+              <a:t>such as FDR and network analysis, which could be another barrier to users.</a:t>
+            </a:r>
             <a:endParaRPr lang="en-GB" dirty="0"/>
           </a:p>
-          <a:p>
-            <a:pPr marL="0" indent="0">
-              <a:buNone/>
-            </a:pPr>
-            <a:r>
-              <a:rPr lang="en-GB" dirty="0" smtClean="0"/>
-              <a:t>Examples are given to get SNP </a:t>
-            </a:r>
+        </p:txBody>
+      </p:sp>
+      <p:sp>
+        <p:nvSpPr>
+          <p:cNvPr id="6" name="Footer Placeholder 5"/>
+          <p:cNvSpPr>
+            <a:spLocks noGrp="1"/>
+          </p:cNvSpPr>
+          <p:nvPr>
+            <p:ph type="ftr" sz="quarter" idx="11"/>
+          </p:nvPr>
+        </p:nvSpPr>
+        <p:spPr/>
+        <p:txBody>
+          <a:bodyPr/>
+          <a:lstStyle/>
+          <a:p>
             <a:r>
               <a:rPr lang="en-GB" smtClean="0"/>
-              <a:t>positions from specific </a:t>
-            </a:r>
-            <a:r>
-              <a:rPr lang="en-GB" dirty="0" smtClean="0"/>
-              <a:t>builds.</a:t>
-            </a:r>
-            <a:endParaRPr lang="en-GB" dirty="0"/>
+              <a:t>PW-pipeline</a:t>
+            </a:r>
+            <a:endParaRPr lang="en-GB"/>
+          </a:p>
+        </p:txBody>
+      </p:sp>
+      <p:sp>
+        <p:nvSpPr>
+          <p:cNvPr id="7" name="Slide Number Placeholder 6"/>
+          <p:cNvSpPr>
+            <a:spLocks noGrp="1"/>
+          </p:cNvSpPr>
+          <p:nvPr>
+            <p:ph type="sldNum" sz="quarter" idx="12"/>
+          </p:nvPr>
+        </p:nvSpPr>
+        <p:spPr/>
+        <p:txBody>
+          <a:bodyPr/>
+          <a:lstStyle/>
+          <a:p>
+            <a:fld id="{1FB4BD47-2A83-4A56-970D-480688504C1B}" type="slidenum">
+              <a:rPr lang="en-GB" smtClean="0"/>
+              <a:t>5</a:t>
+            </a:fld>
+            <a:endParaRPr lang="en-GB"/>
           </a:p>
         </p:txBody>
       </p:sp>
     </p:spTree>
     <p:extLst>
       <p:ext uri="{BB962C8B-B14F-4D97-AF65-F5344CB8AC3E}">
-        <p14:creationId xmlns:p14="http://schemas.microsoft.com/office/powerpoint/2010/main" val="666038601"/>
+        <p14:creationId xmlns:p14="http://schemas.microsoft.com/office/powerpoint/2010/main" val="499625257"/>
       </p:ext>
     </p:extLst>
   </p:cSld>
@@ -4172,167 +4964,172 @@
           <a:p>
             <a:pPr algn="ctr"/>
             <a:r>
-              <a:rPr lang="en-US" dirty="0"/>
-              <a:t>References</a:t>
+              <a:rPr lang="en-GB" dirty="0"/>
+              <a:t>USAGE</a:t>
+            </a:r>
+          </a:p>
+        </p:txBody>
+      </p:sp>
+      <p:sp>
+        <p:nvSpPr>
+          <p:cNvPr id="3" name="Content Placeholder 2"/>
+          <p:cNvSpPr>
+            <a:spLocks noGrp="1"/>
+          </p:cNvSpPr>
+          <p:nvPr>
+            <p:ph idx="1"/>
+          </p:nvPr>
+        </p:nvSpPr>
+        <p:spPr/>
+        <p:txBody>
+          <a:bodyPr>
+            <a:normAutofit/>
+          </a:bodyPr>
+          <a:lstStyle/>
+          <a:p>
+            <a:pPr marL="0" indent="0">
+              <a:buNone/>
+            </a:pPr>
+            <a:r>
+              <a:rPr lang="en-GB" dirty="0"/>
+              <a:t>INPUT. GWAS summary statistics </a:t>
+            </a:r>
+            <a:r>
+              <a:rPr lang="en-GB" b="1" dirty="0"/>
+              <a:t>(repro.txt),</a:t>
+            </a:r>
+            <a:r>
+              <a:rPr lang="en-GB" dirty="0"/>
+              <a:t> e.g., </a:t>
+            </a:r>
+          </a:p>
+          <a:p>
+            <a:pPr marL="0" indent="0">
+              <a:buNone/>
+            </a:pPr>
+            <a:r>
+              <a:rPr lang="pt-BR" dirty="0"/>
+              <a:t>SNP A1 A2 freqA1 beta se P N chr pos</a:t>
             </a:r>
             <a:endParaRPr lang="en-GB" dirty="0"/>
           </a:p>
-        </p:txBody>
-      </p:sp>
-      <p:sp>
-        <p:nvSpPr>
-          <p:cNvPr id="3" name="Content Placeholder 2"/>
-          <p:cNvSpPr>
-            <a:spLocks noGrp="1"/>
-          </p:cNvSpPr>
-          <p:nvPr>
-            <p:ph idx="1"/>
+          <a:p>
+            <a:pPr marL="0" indent="0">
+              <a:buNone/>
+            </a:pPr>
+            <a:r>
+              <a:rPr lang="en-GB" dirty="0"/>
+              <a:t>rs4970634 a g 0.6730 -0.1970 0.0216 6.433e-20 70423 1 39364617</a:t>
+            </a:r>
+          </a:p>
+          <a:p>
+            <a:pPr marL="0" indent="0">
+              <a:buNone/>
+            </a:pPr>
+            <a:endParaRPr lang="en-GB" dirty="0"/>
+          </a:p>
+          <a:p>
+            <a:pPr marL="0" indent="0">
+              <a:buNone/>
+            </a:pPr>
+            <a:r>
+              <a:rPr lang="en-GB" dirty="0"/>
+              <a:t>SYNTAX. </a:t>
+            </a:r>
+            <a:r>
+              <a:rPr lang="en-GB" b="1" dirty="0"/>
+              <a:t>pwp.sh repro.txt</a:t>
+            </a:r>
+          </a:p>
+          <a:p>
+            <a:pPr marL="0" indent="0">
+              <a:buNone/>
+            </a:pPr>
+            <a:r>
+              <a:rPr lang="en-GB" dirty="0"/>
+              <a:t>OUTPUT. One can choose software, e.g., MAGENTA, MAGMA</a:t>
+            </a:r>
+            <a:r>
+              <a:rPr lang="en-GB" dirty="0" smtClean="0"/>
+              <a:t>.</a:t>
+            </a:r>
+          </a:p>
+          <a:p>
+            <a:pPr marL="0" indent="0">
+              <a:buNone/>
+            </a:pPr>
+            <a:endParaRPr lang="en-GB" dirty="0"/>
+          </a:p>
+          <a:p>
+            <a:pPr marL="0" indent="0">
+              <a:buNone/>
+            </a:pPr>
+            <a:r>
+              <a:rPr lang="en-GB" dirty="0" smtClean="0"/>
+              <a:t>Examples are given to get SNP </a:t>
+            </a:r>
+            <a:r>
+              <a:rPr lang="en-GB" smtClean="0"/>
+              <a:t>positions from specific </a:t>
+            </a:r>
+            <a:r>
+              <a:rPr lang="en-GB" dirty="0" smtClean="0"/>
+              <a:t>builds.</a:t>
+            </a:r>
+            <a:endParaRPr lang="en-GB" dirty="0"/>
+          </a:p>
+        </p:txBody>
+      </p:sp>
+      <p:sp>
+        <p:nvSpPr>
+          <p:cNvPr id="6" name="Footer Placeholder 5"/>
+          <p:cNvSpPr>
+            <a:spLocks noGrp="1"/>
+          </p:cNvSpPr>
+          <p:nvPr>
+            <p:ph type="ftr" sz="quarter" idx="11"/>
           </p:nvPr>
         </p:nvSpPr>
         <p:spPr/>
         <p:txBody>
-          <a:bodyPr>
-            <a:normAutofit fontScale="92500" lnSpcReduction="20000"/>
-          </a:bodyPr>
-          <a:lstStyle/>
-          <a:p>
-            <a:r>
-              <a:rPr lang="en-US" dirty="0" err="1"/>
-              <a:t>Pers</a:t>
-            </a:r>
-            <a:r>
-              <a:rPr lang="en-US" dirty="0"/>
-              <a:t> TH et al.(2015) Biological interpretation of genome-wide association studies using predicted gene functions. Nat </a:t>
-            </a:r>
-            <a:r>
-              <a:rPr lang="en-US" dirty="0" err="1"/>
-              <a:t>Commun</a:t>
-            </a:r>
-            <a:r>
-              <a:rPr lang="en-US" dirty="0"/>
-              <a:t>. 6:5890. </a:t>
-            </a:r>
-            <a:r>
-              <a:rPr lang="en-US" dirty="0" err="1"/>
-              <a:t>doi</a:t>
-            </a:r>
-            <a:r>
-              <a:rPr lang="en-US" dirty="0"/>
-              <a:t>: 10.1038/ncomms6890.</a:t>
-            </a:r>
-            <a:endParaRPr lang="en-GB" dirty="0"/>
-          </a:p>
-          <a:p>
-            <a:r>
-              <a:rPr lang="en-US" dirty="0"/>
-              <a:t>Segre AV, et al (2010). Common Inherited Variation in Mitochondrial Genes Is Not Enriched for Associations with Type 2 Diabetes or Related Glycemic Traits. </a:t>
-            </a:r>
-            <a:r>
-              <a:rPr lang="en-US" dirty="0" err="1"/>
-              <a:t>PLoS</a:t>
-            </a:r>
-            <a:r>
-              <a:rPr lang="en-US" dirty="0"/>
-              <a:t> Genet. 12;6(8). </a:t>
-            </a:r>
-            <a:r>
-              <a:rPr lang="en-US" dirty="0" err="1"/>
-              <a:t>pii</a:t>
-            </a:r>
-            <a:r>
-              <a:rPr lang="en-US" dirty="0"/>
-              <a:t>: e1001058. </a:t>
-            </a:r>
-            <a:r>
-              <a:rPr lang="en-US" dirty="0" err="1"/>
-              <a:t>doi</a:t>
-            </a:r>
-            <a:r>
-              <a:rPr lang="en-US" dirty="0"/>
-              <a:t>: 10.1371/journal.pgen.1001058</a:t>
-            </a:r>
-            <a:endParaRPr lang="en-GB" dirty="0"/>
-          </a:p>
-          <a:p>
-            <a:r>
-              <a:rPr lang="en-US" dirty="0"/>
-              <a:t>de </a:t>
-            </a:r>
-            <a:r>
-              <a:rPr lang="en-US" dirty="0" err="1"/>
-              <a:t>Leeuw</a:t>
-            </a:r>
-            <a:r>
-              <a:rPr lang="en-US" dirty="0"/>
-              <a:t> C, et al. (2015) MAGMA: Generalized Gene-Set Analysis of GWAS Data. </a:t>
-            </a:r>
-            <a:r>
-              <a:rPr lang="en-US" dirty="0" err="1"/>
-              <a:t>PLoS</a:t>
-            </a:r>
-            <a:r>
-              <a:rPr lang="en-US" dirty="0"/>
-              <a:t> </a:t>
-            </a:r>
-            <a:r>
-              <a:rPr lang="en-US" dirty="0" err="1"/>
-              <a:t>Comput</a:t>
-            </a:r>
-            <a:r>
-              <a:rPr lang="en-US" dirty="0"/>
-              <a:t> Biol. 11(4): e1004219. </a:t>
-            </a:r>
-            <a:r>
-              <a:rPr lang="en-US" dirty="0" err="1"/>
-              <a:t>doi</a:t>
-            </a:r>
-            <a:r>
-              <a:rPr lang="en-US" dirty="0"/>
-              <a:t>: 10.1371/journal.pcbi.1004219</a:t>
-            </a:r>
-            <a:endParaRPr lang="en-GB" dirty="0"/>
-          </a:p>
-          <a:p>
-            <a:r>
-              <a:rPr lang="en-US" dirty="0" err="1"/>
-              <a:t>Lamparter</a:t>
-            </a:r>
-            <a:r>
-              <a:rPr lang="en-US" dirty="0"/>
-              <a:t> D, et al. (2016) Fast and Rigorous Computation of Gene and Pathway Scores from SNP-Based Summary Statistics. </a:t>
-            </a:r>
-            <a:r>
-              <a:rPr lang="en-US" dirty="0" err="1"/>
-              <a:t>PLoS</a:t>
-            </a:r>
-            <a:r>
-              <a:rPr lang="en-US" dirty="0"/>
-              <a:t> </a:t>
-            </a:r>
-            <a:r>
-              <a:rPr lang="en-US" dirty="0" err="1"/>
-              <a:t>Comput</a:t>
-            </a:r>
-            <a:r>
-              <a:rPr lang="en-US" dirty="0"/>
-              <a:t> Biol. 2016 Jan 25;12(1):e1004714. </a:t>
-            </a:r>
-            <a:r>
-              <a:rPr lang="en-US" dirty="0" err="1"/>
-              <a:t>doi</a:t>
-            </a:r>
-            <a:r>
-              <a:rPr lang="en-US" dirty="0"/>
-              <a:t>: 10.1371/journal.pcbi.1004714</a:t>
-            </a:r>
-            <a:endParaRPr lang="en-GB" dirty="0"/>
+          <a:bodyPr/>
+          <a:lstStyle/>
+          <a:p>
+            <a:r>
+              <a:rPr lang="en-GB" smtClean="0"/>
+              <a:t>PW-pipeline</a:t>
+            </a:r>
+            <a:endParaRPr lang="en-GB"/>
+          </a:p>
+        </p:txBody>
+      </p:sp>
+      <p:sp>
+        <p:nvSpPr>
+          <p:cNvPr id="7" name="Slide Number Placeholder 6"/>
+          <p:cNvSpPr>
+            <a:spLocks noGrp="1"/>
+          </p:cNvSpPr>
+          <p:nvPr>
+            <p:ph type="sldNum" sz="quarter" idx="12"/>
+          </p:nvPr>
+        </p:nvSpPr>
+        <p:spPr/>
+        <p:txBody>
+          <a:bodyPr/>
+          <a:lstStyle/>
+          <a:p>
+            <a:fld id="{1FB4BD47-2A83-4A56-970D-480688504C1B}" type="slidenum">
+              <a:rPr lang="en-GB" smtClean="0"/>
+              <a:t>6</a:t>
+            </a:fld>
+            <a:endParaRPr lang="en-GB"/>
           </a:p>
         </p:txBody>
       </p:sp>
     </p:spTree>
     <p:extLst>
       <p:ext uri="{BB962C8B-B14F-4D97-AF65-F5344CB8AC3E}">
-        <p14:creationId xmlns:p14="http://schemas.microsoft.com/office/powerpoint/2010/main" val="2744547979"/>
+        <p14:creationId xmlns:p14="http://schemas.microsoft.com/office/powerpoint/2010/main" val="666038601"/>
       </p:ext>
     </p:extLst>
   </p:cSld>
@@ -4376,53 +5173,2341 @@
           <a:p>
             <a:pPr algn="ctr"/>
             <a:r>
-              <a:rPr lang="en-GB" dirty="0"/>
-              <a:t>A sketch (</a:t>
-            </a:r>
-            <a:r>
-              <a:rPr lang="en-GB" dirty="0" err="1"/>
-              <a:t>CytoScape</a:t>
-            </a:r>
-            <a:r>
-              <a:rPr lang="en-GB" dirty="0"/>
-              <a:t>)</a:t>
-            </a:r>
-          </a:p>
-        </p:txBody>
-      </p:sp>
-      <p:pic>
-        <p:nvPicPr>
-          <p:cNvPr id="9" name="Content Placeholder 8"/>
-          <p:cNvPicPr>
-            <a:picLocks noGrp="1" noChangeAspect="1"/>
-          </p:cNvPicPr>
+              <a:rPr lang="en-GB" dirty="0" smtClean="0"/>
+              <a:t>Database by software</a:t>
+            </a:r>
+            <a:endParaRPr lang="en-GB" dirty="0"/>
+          </a:p>
+        </p:txBody>
+      </p:sp>
+      <p:graphicFrame>
+        <p:nvGraphicFramePr>
+          <p:cNvPr id="4" name="Content Placeholder 3"/>
+          <p:cNvGraphicFramePr>
+            <a:graphicFrameLocks noGrp="1"/>
+          </p:cNvGraphicFramePr>
           <p:nvPr>
             <p:ph idx="1"/>
-          </p:nvPr>
-        </p:nvPicPr>
-        <p:blipFill>
-          <a:blip r:embed="rId2">
-            <a:extLst>
-              <a:ext uri="{28A0092B-C50C-407E-A947-70E740481C1C}">
-                <a14:useLocalDpi xmlns:a14="http://schemas.microsoft.com/office/drawing/2010/main" val="0"/>
-              </a:ext>
-            </a:extLst>
-          </a:blip>
-          <a:stretch>
-            <a:fillRect/>
-          </a:stretch>
-        </p:blipFill>
-        <p:spPr>
-          <a:xfrm>
-            <a:off x="2000384" y="1825625"/>
-            <a:ext cx="8191231" cy="4351338"/>
-          </a:xfrm>
-        </p:spPr>
-      </p:pic>
+            <p:extLst>
+              <p:ext uri="{D42A27DB-BD31-4B8C-83A1-F6EECF244321}">
+                <p14:modId xmlns:p14="http://schemas.microsoft.com/office/powerpoint/2010/main" val="1293208450"/>
+              </p:ext>
+            </p:extLst>
+          </p:nvPr>
+        </p:nvGraphicFramePr>
+        <p:xfrm>
+          <a:off x="838200" y="1825625"/>
+          <a:ext cx="10515600" cy="4450080"/>
+        </p:xfrm>
+        <a:graphic>
+          <a:graphicData uri="http://schemas.openxmlformats.org/drawingml/2006/table">
+            <a:tbl>
+              <a:tblPr firstRow="1" bandRow="1">
+                <a:tableStyleId>{5C22544A-7EE6-4342-B048-85BDC9FD1C3A}</a:tableStyleId>
+              </a:tblPr>
+              <a:tblGrid>
+                <a:gridCol w="2974383"/>
+                <a:gridCol w="968644"/>
+                <a:gridCol w="1433593"/>
+                <a:gridCol w="1836549"/>
+                <a:gridCol w="1455185"/>
+                <a:gridCol w="1847246"/>
+              </a:tblGrid>
+              <a:tr h="370840">
+                <a:tc>
+                  <a:txBody>
+                    <a:bodyPr/>
+                    <a:lstStyle/>
+                    <a:p>
+                      <a:r>
+                        <a:rPr lang="en-GB" dirty="0" smtClean="0"/>
+                        <a:t>Databases</a:t>
+                      </a:r>
+                      <a:endParaRPr lang="en-GB" dirty="0"/>
+                    </a:p>
+                  </a:txBody>
+                  <a:tcPr/>
+                </a:tc>
+                <a:tc>
+                  <a:txBody>
+                    <a:bodyPr/>
+                    <a:lstStyle/>
+                    <a:p>
+                      <a:pPr algn="ctr"/>
+                      <a:endParaRPr lang="en-GB" dirty="0"/>
+                    </a:p>
+                  </a:txBody>
+                  <a:tcPr/>
+                </a:tc>
+                <a:tc>
+                  <a:txBody>
+                    <a:bodyPr/>
+                    <a:lstStyle/>
+                    <a:p>
+                      <a:pPr algn="ctr"/>
+                      <a:r>
+                        <a:rPr lang="en-GB" dirty="0" smtClean="0"/>
+                        <a:t>MAGENTA</a:t>
+                      </a:r>
+                      <a:endParaRPr lang="en-GB" dirty="0"/>
+                    </a:p>
+                  </a:txBody>
+                  <a:tcPr/>
+                </a:tc>
+                <a:tc>
+                  <a:txBody>
+                    <a:bodyPr/>
+                    <a:lstStyle/>
+                    <a:p>
+                      <a:pPr algn="ctr"/>
+                      <a:r>
+                        <a:rPr lang="en-GB" dirty="0" smtClean="0"/>
+                        <a:t>MAGMA</a:t>
+                      </a:r>
+                      <a:endParaRPr lang="en-GB" dirty="0"/>
+                    </a:p>
+                  </a:txBody>
+                  <a:tcPr/>
+                </a:tc>
+                <a:tc>
+                  <a:txBody>
+                    <a:bodyPr/>
+                    <a:lstStyle/>
+                    <a:p>
+                      <a:pPr algn="ctr"/>
+                      <a:r>
+                        <a:rPr lang="en-GB" dirty="0" smtClean="0"/>
+                        <a:t>PASCAL</a:t>
+                      </a:r>
+                      <a:endParaRPr lang="en-GB" dirty="0"/>
+                    </a:p>
+                  </a:txBody>
+                  <a:tcPr/>
+                </a:tc>
+                <a:tc>
+                  <a:txBody>
+                    <a:bodyPr/>
+                    <a:lstStyle/>
+                    <a:p>
+                      <a:pPr algn="ctr"/>
+                      <a:r>
+                        <a:rPr lang="en-GB" dirty="0" smtClean="0"/>
+                        <a:t>DEPICT</a:t>
+                      </a:r>
+                      <a:endParaRPr lang="en-GB" dirty="0"/>
+                    </a:p>
+                  </a:txBody>
+                  <a:tcPr/>
+                </a:tc>
+              </a:tr>
+              <a:tr h="370840">
+                <a:tc>
+                  <a:txBody>
+                    <a:bodyPr/>
+                    <a:lstStyle/>
+                    <a:p>
+                      <a:r>
+                        <a:rPr lang="en-GB" dirty="0" err="1"/>
+                        <a:t>GO_terms_BioProc_MolFunc</a:t>
+                      </a:r>
+                      <a:endParaRPr lang="en-GB" dirty="0"/>
+                    </a:p>
+                  </a:txBody>
+                  <a:tcPr anchor="ctr"/>
+                </a:tc>
+                <a:tc>
+                  <a:txBody>
+                    <a:bodyPr/>
+                    <a:lstStyle/>
+                    <a:p>
+                      <a:pPr algn="ctr"/>
+                      <a:r>
+                        <a:rPr lang="en-GB" dirty="0"/>
+                        <a:t>9,433</a:t>
+                      </a:r>
+                    </a:p>
+                  </a:txBody>
+                  <a:tcPr anchor="ctr"/>
+                </a:tc>
+                <a:tc>
+                  <a:txBody>
+                    <a:bodyPr/>
+                    <a:lstStyle/>
+                    <a:p>
+                      <a:endParaRPr lang="en-GB"/>
+                    </a:p>
+                  </a:txBody>
+                  <a:tcPr anchor="ctr"/>
+                </a:tc>
+                <a:tc>
+                  <a:txBody>
+                    <a:bodyPr/>
+                    <a:lstStyle/>
+                    <a:p>
+                      <a:pPr algn="ctr"/>
+                      <a:endParaRPr lang="en-GB" dirty="0"/>
+                    </a:p>
+                  </a:txBody>
+                  <a:tcPr/>
+                </a:tc>
+                <a:tc>
+                  <a:txBody>
+                    <a:bodyPr/>
+                    <a:lstStyle/>
+                    <a:p>
+                      <a:pPr algn="ctr"/>
+                      <a:endParaRPr lang="en-GB" dirty="0"/>
+                    </a:p>
+                  </a:txBody>
+                  <a:tcPr/>
+                </a:tc>
+                <a:tc>
+                  <a:txBody>
+                    <a:bodyPr/>
+                    <a:lstStyle/>
+                    <a:p>
+                      <a:pPr algn="ctr"/>
+                      <a:endParaRPr lang="en-GB" dirty="0"/>
+                    </a:p>
+                  </a:txBody>
+                  <a:tcPr/>
+                </a:tc>
+              </a:tr>
+              <a:tr h="370840">
+                <a:tc>
+                  <a:txBody>
+                    <a:bodyPr/>
+                    <a:lstStyle/>
+                    <a:p>
+                      <a:r>
+                        <a:rPr lang="en-GB" dirty="0" err="1"/>
+                        <a:t>Ingenuity_pathways</a:t>
+                      </a:r>
+                      <a:endParaRPr lang="en-GB" dirty="0"/>
+                    </a:p>
+                  </a:txBody>
+                  <a:tcPr anchor="ctr"/>
+                </a:tc>
+                <a:tc>
+                  <a:txBody>
+                    <a:bodyPr/>
+                    <a:lstStyle/>
+                    <a:p>
+                      <a:pPr algn="ctr"/>
+                      <a:r>
+                        <a:rPr lang="en-GB" dirty="0"/>
+                        <a:t>92</a:t>
+                      </a:r>
+                    </a:p>
+                  </a:txBody>
+                  <a:tcPr anchor="ctr"/>
+                </a:tc>
+                <a:tc>
+                  <a:txBody>
+                    <a:bodyPr/>
+                    <a:lstStyle/>
+                    <a:p>
+                      <a:endParaRPr lang="en-GB" dirty="0"/>
+                    </a:p>
+                  </a:txBody>
+                  <a:tcPr anchor="ctr"/>
+                </a:tc>
+                <a:tc>
+                  <a:txBody>
+                    <a:bodyPr/>
+                    <a:lstStyle/>
+                    <a:p>
+                      <a:pPr algn="ctr"/>
+                      <a:endParaRPr lang="en-GB"/>
+                    </a:p>
+                  </a:txBody>
+                  <a:tcPr/>
+                </a:tc>
+                <a:tc>
+                  <a:txBody>
+                    <a:bodyPr/>
+                    <a:lstStyle/>
+                    <a:p>
+                      <a:pPr algn="ctr"/>
+                      <a:endParaRPr lang="en-GB"/>
+                    </a:p>
+                  </a:txBody>
+                  <a:tcPr/>
+                </a:tc>
+                <a:tc>
+                  <a:txBody>
+                    <a:bodyPr/>
+                    <a:lstStyle/>
+                    <a:p>
+                      <a:pPr algn="ctr"/>
+                      <a:endParaRPr lang="en-GB" dirty="0"/>
+                    </a:p>
+                  </a:txBody>
+                  <a:tcPr/>
+                </a:tc>
+              </a:tr>
+              <a:tr h="370840">
+                <a:tc>
+                  <a:txBody>
+                    <a:bodyPr/>
+                    <a:lstStyle/>
+                    <a:p>
+                      <a:r>
+                        <a:rPr lang="en-GB" dirty="0" err="1"/>
+                        <a:t>KEGG_pathways</a:t>
+                      </a:r>
+                      <a:endParaRPr lang="en-GB" dirty="0"/>
+                    </a:p>
+                  </a:txBody>
+                  <a:tcPr anchor="ctr"/>
+                </a:tc>
+                <a:tc>
+                  <a:txBody>
+                    <a:bodyPr/>
+                    <a:lstStyle/>
+                    <a:p>
+                      <a:pPr algn="ctr"/>
+                      <a:r>
+                        <a:rPr lang="en-GB" dirty="0"/>
+                        <a:t>168</a:t>
+                      </a:r>
+                    </a:p>
+                  </a:txBody>
+                  <a:tcPr anchor="ctr"/>
+                </a:tc>
+                <a:tc>
+                  <a:txBody>
+                    <a:bodyPr/>
+                    <a:lstStyle/>
+                    <a:p>
+                      <a:endParaRPr lang="en-GB" dirty="0"/>
+                    </a:p>
+                  </a:txBody>
+                  <a:tcPr anchor="ctr"/>
+                </a:tc>
+                <a:tc>
+                  <a:txBody>
+                    <a:bodyPr/>
+                    <a:lstStyle/>
+                    <a:p>
+                      <a:pPr algn="ctr"/>
+                      <a:endParaRPr lang="en-GB"/>
+                    </a:p>
+                  </a:txBody>
+                  <a:tcPr/>
+                </a:tc>
+                <a:tc>
+                  <a:txBody>
+                    <a:bodyPr/>
+                    <a:lstStyle/>
+                    <a:p>
+                      <a:pPr algn="ctr"/>
+                      <a:endParaRPr lang="en-GB"/>
+                    </a:p>
+                  </a:txBody>
+                  <a:tcPr/>
+                </a:tc>
+                <a:tc>
+                  <a:txBody>
+                    <a:bodyPr/>
+                    <a:lstStyle/>
+                    <a:p>
+                      <a:pPr algn="ctr"/>
+                      <a:endParaRPr lang="en-GB" dirty="0"/>
+                    </a:p>
+                  </a:txBody>
+                  <a:tcPr/>
+                </a:tc>
+              </a:tr>
+              <a:tr h="370840">
+                <a:tc>
+                  <a:txBody>
+                    <a:bodyPr/>
+                    <a:lstStyle/>
+                    <a:p>
+                      <a:r>
+                        <a:rPr lang="en-GB" dirty="0" err="1"/>
+                        <a:t>PANTHER_BioProc</a:t>
+                      </a:r>
+                      <a:endParaRPr lang="en-GB" dirty="0"/>
+                    </a:p>
+                  </a:txBody>
+                  <a:tcPr anchor="ctr"/>
+                </a:tc>
+                <a:tc>
+                  <a:txBody>
+                    <a:bodyPr/>
+                    <a:lstStyle/>
+                    <a:p>
+                      <a:pPr algn="ctr"/>
+                      <a:r>
+                        <a:rPr lang="en-GB" dirty="0"/>
+                        <a:t>241</a:t>
+                      </a:r>
+                    </a:p>
+                  </a:txBody>
+                  <a:tcPr anchor="ctr"/>
+                </a:tc>
+                <a:tc>
+                  <a:txBody>
+                    <a:bodyPr/>
+                    <a:lstStyle/>
+                    <a:p>
+                      <a:endParaRPr lang="en-GB" dirty="0"/>
+                    </a:p>
+                  </a:txBody>
+                  <a:tcPr anchor="ctr"/>
+                </a:tc>
+                <a:tc>
+                  <a:txBody>
+                    <a:bodyPr/>
+                    <a:lstStyle/>
+                    <a:p>
+                      <a:pPr algn="ctr"/>
+                      <a:endParaRPr lang="en-GB"/>
+                    </a:p>
+                  </a:txBody>
+                  <a:tcPr/>
+                </a:tc>
+                <a:tc>
+                  <a:txBody>
+                    <a:bodyPr/>
+                    <a:lstStyle/>
+                    <a:p>
+                      <a:pPr algn="ctr"/>
+                      <a:endParaRPr lang="en-GB"/>
+                    </a:p>
+                  </a:txBody>
+                  <a:tcPr/>
+                </a:tc>
+                <a:tc>
+                  <a:txBody>
+                    <a:bodyPr/>
+                    <a:lstStyle/>
+                    <a:p>
+                      <a:pPr algn="ctr"/>
+                      <a:endParaRPr lang="en-GB" dirty="0"/>
+                    </a:p>
+                  </a:txBody>
+                  <a:tcPr/>
+                </a:tc>
+              </a:tr>
+              <a:tr h="370840">
+                <a:tc>
+                  <a:txBody>
+                    <a:bodyPr/>
+                    <a:lstStyle/>
+                    <a:p>
+                      <a:r>
+                        <a:rPr lang="en-GB" dirty="0" err="1"/>
+                        <a:t>PANTHER_MolFunc</a:t>
+                      </a:r>
+                      <a:endParaRPr lang="en-GB" dirty="0"/>
+                    </a:p>
+                  </a:txBody>
+                  <a:tcPr anchor="ctr"/>
+                </a:tc>
+                <a:tc>
+                  <a:txBody>
+                    <a:bodyPr/>
+                    <a:lstStyle/>
+                    <a:p>
+                      <a:pPr algn="ctr"/>
+                      <a:r>
+                        <a:rPr lang="en-GB" dirty="0"/>
+                        <a:t>252</a:t>
+                      </a:r>
+                    </a:p>
+                  </a:txBody>
+                  <a:tcPr anchor="ctr"/>
+                </a:tc>
+                <a:tc>
+                  <a:txBody>
+                    <a:bodyPr/>
+                    <a:lstStyle/>
+                    <a:p>
+                      <a:endParaRPr lang="en-GB" dirty="0"/>
+                    </a:p>
+                  </a:txBody>
+                  <a:tcPr anchor="ctr"/>
+                </a:tc>
+                <a:tc>
+                  <a:txBody>
+                    <a:bodyPr/>
+                    <a:lstStyle/>
+                    <a:p>
+                      <a:pPr algn="ctr"/>
+                      <a:endParaRPr lang="en-GB"/>
+                    </a:p>
+                  </a:txBody>
+                  <a:tcPr/>
+                </a:tc>
+                <a:tc>
+                  <a:txBody>
+                    <a:bodyPr/>
+                    <a:lstStyle/>
+                    <a:p>
+                      <a:pPr algn="ctr"/>
+                      <a:endParaRPr lang="en-GB"/>
+                    </a:p>
+                  </a:txBody>
+                  <a:tcPr/>
+                </a:tc>
+                <a:tc>
+                  <a:txBody>
+                    <a:bodyPr/>
+                    <a:lstStyle/>
+                    <a:p>
+                      <a:pPr algn="ctr"/>
+                      <a:endParaRPr lang="en-GB" dirty="0"/>
+                    </a:p>
+                  </a:txBody>
+                  <a:tcPr/>
+                </a:tc>
+              </a:tr>
+              <a:tr h="370840">
+                <a:tc>
+                  <a:txBody>
+                    <a:bodyPr/>
+                    <a:lstStyle/>
+                    <a:p>
+                      <a:r>
+                        <a:rPr lang="en-GB" dirty="0" err="1"/>
+                        <a:t>PANTHER_pathways</a:t>
+                      </a:r>
+                      <a:endParaRPr lang="en-GB" dirty="0"/>
+                    </a:p>
+                  </a:txBody>
+                  <a:tcPr anchor="ctr"/>
+                </a:tc>
+                <a:tc>
+                  <a:txBody>
+                    <a:bodyPr/>
+                    <a:lstStyle/>
+                    <a:p>
+                      <a:pPr algn="ctr"/>
+                      <a:r>
+                        <a:rPr lang="en-GB" dirty="0"/>
+                        <a:t>141</a:t>
+                      </a:r>
+                    </a:p>
+                  </a:txBody>
+                  <a:tcPr anchor="ctr"/>
+                </a:tc>
+                <a:tc>
+                  <a:txBody>
+                    <a:bodyPr/>
+                    <a:lstStyle/>
+                    <a:p>
+                      <a:endParaRPr lang="en-GB" dirty="0"/>
+                    </a:p>
+                  </a:txBody>
+                  <a:tcPr anchor="ctr"/>
+                </a:tc>
+                <a:tc>
+                  <a:txBody>
+                    <a:bodyPr/>
+                    <a:lstStyle/>
+                    <a:p>
+                      <a:pPr algn="ctr"/>
+                      <a:endParaRPr lang="en-GB"/>
+                    </a:p>
+                  </a:txBody>
+                  <a:tcPr/>
+                </a:tc>
+                <a:tc>
+                  <a:txBody>
+                    <a:bodyPr/>
+                    <a:lstStyle/>
+                    <a:p>
+                      <a:pPr algn="ctr"/>
+                      <a:endParaRPr lang="en-GB"/>
+                    </a:p>
+                  </a:txBody>
+                  <a:tcPr/>
+                </a:tc>
+                <a:tc>
+                  <a:txBody>
+                    <a:bodyPr/>
+                    <a:lstStyle/>
+                    <a:p>
+                      <a:pPr algn="ctr"/>
+                      <a:endParaRPr lang="en-GB" dirty="0"/>
+                    </a:p>
+                  </a:txBody>
+                  <a:tcPr/>
+                </a:tc>
+              </a:tr>
+              <a:tr h="370840">
+                <a:tc>
+                  <a:txBody>
+                    <a:bodyPr/>
+                    <a:lstStyle/>
+                    <a:p>
+                      <a:endParaRPr lang="en-GB" dirty="0"/>
+                    </a:p>
+                  </a:txBody>
+                  <a:tcPr anchor="ctr"/>
+                </a:tc>
+                <a:tc>
+                  <a:txBody>
+                    <a:bodyPr/>
+                    <a:lstStyle/>
+                    <a:p>
+                      <a:pPr algn="ctr"/>
+                      <a:r>
+                        <a:rPr lang="en-GB" dirty="0" smtClean="0"/>
+                        <a:t>10,327</a:t>
+                      </a:r>
+                      <a:endParaRPr lang="en-GB" dirty="0"/>
+                    </a:p>
+                  </a:txBody>
+                  <a:tcPr anchor="ctr"/>
+                </a:tc>
+                <a:tc>
+                  <a:txBody>
+                    <a:bodyPr/>
+                    <a:lstStyle/>
+                    <a:p>
+                      <a:pPr algn="ctr"/>
+                      <a:r>
+                        <a:rPr lang="en-GB" dirty="0" smtClean="0"/>
+                        <a:t>x</a:t>
+                      </a:r>
+                      <a:endParaRPr lang="en-GB" dirty="0"/>
+                    </a:p>
+                  </a:txBody>
+                  <a:tcPr anchor="ctr"/>
+                </a:tc>
+                <a:tc>
+                  <a:txBody>
+                    <a:bodyPr/>
+                    <a:lstStyle/>
+                    <a:p>
+                      <a:pPr algn="ctr"/>
+                      <a:r>
+                        <a:rPr lang="en-GB" dirty="0" smtClean="0"/>
+                        <a:t>x</a:t>
+                      </a:r>
+                      <a:endParaRPr lang="en-GB" dirty="0"/>
+                    </a:p>
+                  </a:txBody>
+                  <a:tcPr/>
+                </a:tc>
+                <a:tc>
+                  <a:txBody>
+                    <a:bodyPr/>
+                    <a:lstStyle/>
+                    <a:p>
+                      <a:pPr algn="ctr"/>
+                      <a:r>
+                        <a:rPr lang="en-GB" dirty="0" smtClean="0"/>
+                        <a:t>x</a:t>
+                      </a:r>
+                      <a:endParaRPr lang="en-GB" dirty="0"/>
+                    </a:p>
+                  </a:txBody>
+                  <a:tcPr/>
+                </a:tc>
+                <a:tc>
+                  <a:txBody>
+                    <a:bodyPr/>
+                    <a:lstStyle/>
+                    <a:p>
+                      <a:pPr algn="ctr"/>
+                      <a:endParaRPr lang="en-GB" dirty="0"/>
+                    </a:p>
+                  </a:txBody>
+                  <a:tcPr/>
+                </a:tc>
+              </a:tr>
+              <a:tr h="370840">
+                <a:tc>
+                  <a:txBody>
+                    <a:bodyPr/>
+                    <a:lstStyle/>
+                    <a:p>
+                      <a:r>
+                        <a:rPr lang="en-GB" dirty="0" err="1" smtClean="0"/>
+                        <a:t>MSigDB</a:t>
+                      </a:r>
+                      <a:r>
+                        <a:rPr lang="en-GB" dirty="0" smtClean="0"/>
+                        <a:t> v6.0/c2</a:t>
+                      </a:r>
+                      <a:endParaRPr lang="en-GB" dirty="0"/>
+                    </a:p>
+                  </a:txBody>
+                  <a:tcPr/>
+                </a:tc>
+                <a:tc>
+                  <a:txBody>
+                    <a:bodyPr/>
+                    <a:lstStyle/>
+                    <a:p>
+                      <a:pPr algn="ctr"/>
+                      <a:r>
+                        <a:rPr lang="en-GB" dirty="0" smtClean="0"/>
+                        <a:t>4,731</a:t>
+                      </a:r>
+                      <a:endParaRPr lang="en-GB" dirty="0"/>
+                    </a:p>
+                  </a:txBody>
+                  <a:tcPr/>
+                </a:tc>
+                <a:tc>
+                  <a:txBody>
+                    <a:bodyPr/>
+                    <a:lstStyle/>
+                    <a:p>
+                      <a:pPr algn="ctr"/>
+                      <a:r>
+                        <a:rPr lang="en-GB" dirty="0" smtClean="0"/>
+                        <a:t>x</a:t>
+                      </a:r>
+                      <a:endParaRPr lang="en-GB" dirty="0"/>
+                    </a:p>
+                  </a:txBody>
+                  <a:tcPr/>
+                </a:tc>
+                <a:tc>
+                  <a:txBody>
+                    <a:bodyPr/>
+                    <a:lstStyle/>
+                    <a:p>
+                      <a:pPr algn="ctr"/>
+                      <a:r>
+                        <a:rPr lang="en-GB" dirty="0" smtClean="0"/>
+                        <a:t>x</a:t>
+                      </a:r>
+                      <a:endParaRPr lang="en-GB" dirty="0"/>
+                    </a:p>
+                  </a:txBody>
+                  <a:tcPr/>
+                </a:tc>
+                <a:tc>
+                  <a:txBody>
+                    <a:bodyPr/>
+                    <a:lstStyle/>
+                    <a:p>
+                      <a:pPr algn="ctr"/>
+                      <a:r>
+                        <a:rPr lang="en-GB" dirty="0" smtClean="0"/>
+                        <a:t>x</a:t>
+                      </a:r>
+                      <a:endParaRPr lang="en-GB" dirty="0"/>
+                    </a:p>
+                  </a:txBody>
+                  <a:tcPr/>
+                </a:tc>
+                <a:tc>
+                  <a:txBody>
+                    <a:bodyPr/>
+                    <a:lstStyle/>
+                    <a:p>
+                      <a:pPr algn="ctr"/>
+                      <a:endParaRPr lang="en-GB" dirty="0"/>
+                    </a:p>
+                  </a:txBody>
+                  <a:tcPr/>
+                </a:tc>
+              </a:tr>
+              <a:tr h="370840">
+                <a:tc>
+                  <a:txBody>
+                    <a:bodyPr/>
+                    <a:lstStyle/>
+                    <a:p>
+                      <a:r>
+                        <a:rPr lang="en-GB" dirty="0" err="1" smtClean="0"/>
+                        <a:t>MSigDB</a:t>
+                      </a:r>
+                      <a:r>
+                        <a:rPr lang="en-GB" dirty="0" smtClean="0"/>
+                        <a:t> v6.0</a:t>
+                      </a:r>
+                      <a:endParaRPr lang="en-GB" dirty="0"/>
+                    </a:p>
+                  </a:txBody>
+                  <a:tcPr/>
+                </a:tc>
+                <a:tc>
+                  <a:txBody>
+                    <a:bodyPr/>
+                    <a:lstStyle/>
+                    <a:p>
+                      <a:pPr algn="ctr"/>
+                      <a:r>
+                        <a:rPr lang="en-GB" dirty="0" smtClean="0"/>
+                        <a:t>17,779</a:t>
+                      </a:r>
+                      <a:endParaRPr lang="en-GB" dirty="0"/>
+                    </a:p>
+                  </a:txBody>
+                  <a:tcPr/>
+                </a:tc>
+                <a:tc>
+                  <a:txBody>
+                    <a:bodyPr/>
+                    <a:lstStyle/>
+                    <a:p>
+                      <a:pPr algn="ctr"/>
+                      <a:r>
+                        <a:rPr lang="en-GB" dirty="0" smtClean="0"/>
+                        <a:t>x</a:t>
+                      </a:r>
+                      <a:endParaRPr lang="en-GB" dirty="0"/>
+                    </a:p>
+                  </a:txBody>
+                  <a:tcPr/>
+                </a:tc>
+                <a:tc>
+                  <a:txBody>
+                    <a:bodyPr/>
+                    <a:lstStyle/>
+                    <a:p>
+                      <a:pPr algn="ctr"/>
+                      <a:r>
+                        <a:rPr lang="en-GB" dirty="0" smtClean="0"/>
+                        <a:t>x</a:t>
+                      </a:r>
+                      <a:endParaRPr lang="en-GB" dirty="0"/>
+                    </a:p>
+                  </a:txBody>
+                  <a:tcPr/>
+                </a:tc>
+                <a:tc>
+                  <a:txBody>
+                    <a:bodyPr/>
+                    <a:lstStyle/>
+                    <a:p>
+                      <a:pPr algn="ctr"/>
+                      <a:endParaRPr lang="en-GB" dirty="0"/>
+                    </a:p>
+                  </a:txBody>
+                  <a:tcPr/>
+                </a:tc>
+                <a:tc>
+                  <a:txBody>
+                    <a:bodyPr/>
+                    <a:lstStyle/>
+                    <a:p>
+                      <a:pPr algn="ctr"/>
+                      <a:endParaRPr lang="en-GB" dirty="0"/>
+                    </a:p>
+                  </a:txBody>
+                  <a:tcPr/>
+                </a:tc>
+              </a:tr>
+              <a:tr h="370840">
+                <a:tc>
+                  <a:txBody>
+                    <a:bodyPr/>
+                    <a:lstStyle/>
+                    <a:p>
+                      <a:r>
+                        <a:rPr lang="en-GB" dirty="0" smtClean="0"/>
+                        <a:t>depict</a:t>
+                      </a:r>
+                      <a:endParaRPr lang="en-GB" dirty="0"/>
+                    </a:p>
+                  </a:txBody>
+                  <a:tcPr/>
+                </a:tc>
+                <a:tc>
+                  <a:txBody>
+                    <a:bodyPr/>
+                    <a:lstStyle/>
+                    <a:p>
+                      <a:pPr algn="ctr"/>
+                      <a:r>
+                        <a:rPr lang="en-GB" dirty="0" smtClean="0"/>
+                        <a:t>10,968</a:t>
+                      </a:r>
+                      <a:endParaRPr lang="en-GB" dirty="0"/>
+                    </a:p>
+                  </a:txBody>
+                  <a:tcPr/>
+                </a:tc>
+                <a:tc>
+                  <a:txBody>
+                    <a:bodyPr/>
+                    <a:lstStyle/>
+                    <a:p>
+                      <a:pPr algn="ctr"/>
+                      <a:endParaRPr lang="en-GB" dirty="0"/>
+                    </a:p>
+                  </a:txBody>
+                  <a:tcPr/>
+                </a:tc>
+                <a:tc>
+                  <a:txBody>
+                    <a:bodyPr/>
+                    <a:lstStyle/>
+                    <a:p>
+                      <a:pPr algn="ctr"/>
+                      <a:endParaRPr lang="en-GB" dirty="0"/>
+                    </a:p>
+                  </a:txBody>
+                  <a:tcPr/>
+                </a:tc>
+                <a:tc>
+                  <a:txBody>
+                    <a:bodyPr/>
+                    <a:lstStyle/>
+                    <a:p>
+                      <a:pPr algn="ctr"/>
+                      <a:r>
+                        <a:rPr lang="en-GB" dirty="0" smtClean="0"/>
+                        <a:t>x</a:t>
+                      </a:r>
+                      <a:endParaRPr lang="en-GB" dirty="0"/>
+                    </a:p>
+                  </a:txBody>
+                  <a:tcPr/>
+                </a:tc>
+                <a:tc>
+                  <a:txBody>
+                    <a:bodyPr/>
+                    <a:lstStyle/>
+                    <a:p>
+                      <a:pPr algn="ctr"/>
+                      <a:r>
+                        <a:rPr lang="en-GB" dirty="0" smtClean="0"/>
+                        <a:t>x</a:t>
+                      </a:r>
+                      <a:endParaRPr lang="en-GB" dirty="0"/>
+                    </a:p>
+                  </a:txBody>
+                  <a:tcPr/>
+                </a:tc>
+              </a:tr>
+              <a:tr h="370840">
+                <a:tc>
+                  <a:txBody>
+                    <a:bodyPr/>
+                    <a:lstStyle/>
+                    <a:p>
+                      <a:r>
+                        <a:rPr lang="en-GB" dirty="0" smtClean="0"/>
+                        <a:t>depict_discretized_cutoff3.2</a:t>
+                      </a:r>
+                      <a:endParaRPr lang="en-GB" dirty="0"/>
+                    </a:p>
+                  </a:txBody>
+                  <a:tcPr/>
+                </a:tc>
+                <a:tc>
+                  <a:txBody>
+                    <a:bodyPr/>
+                    <a:lstStyle/>
+                    <a:p>
+                      <a:pPr algn="ctr"/>
+                      <a:r>
+                        <a:rPr lang="en-GB" dirty="0" smtClean="0"/>
+                        <a:t>14,462</a:t>
+                      </a:r>
+                      <a:endParaRPr lang="en-GB" dirty="0"/>
+                    </a:p>
+                  </a:txBody>
+                  <a:tcPr/>
+                </a:tc>
+                <a:tc>
+                  <a:txBody>
+                    <a:bodyPr/>
+                    <a:lstStyle/>
+                    <a:p>
+                      <a:pPr algn="ctr"/>
+                      <a:r>
+                        <a:rPr lang="en-GB" dirty="0" smtClean="0"/>
+                        <a:t>x</a:t>
+                      </a:r>
+                      <a:endParaRPr lang="en-GB" dirty="0"/>
+                    </a:p>
+                  </a:txBody>
+                  <a:tcPr/>
+                </a:tc>
+                <a:tc>
+                  <a:txBody>
+                    <a:bodyPr/>
+                    <a:lstStyle/>
+                    <a:p>
+                      <a:pPr algn="ctr"/>
+                      <a:r>
+                        <a:rPr lang="en-GB" dirty="0" smtClean="0"/>
+                        <a:t>x</a:t>
+                      </a:r>
+                      <a:endParaRPr lang="en-GB" dirty="0"/>
+                    </a:p>
+                  </a:txBody>
+                  <a:tcPr/>
+                </a:tc>
+                <a:tc>
+                  <a:txBody>
+                    <a:bodyPr/>
+                    <a:lstStyle/>
+                    <a:p>
+                      <a:pPr algn="ctr"/>
+                      <a:r>
+                        <a:rPr lang="en-GB" dirty="0" smtClean="0"/>
+                        <a:t>x</a:t>
+                      </a:r>
+                      <a:endParaRPr lang="en-GB" dirty="0"/>
+                    </a:p>
+                  </a:txBody>
+                  <a:tcPr/>
+                </a:tc>
+                <a:tc>
+                  <a:txBody>
+                    <a:bodyPr/>
+                    <a:lstStyle/>
+                    <a:p>
+                      <a:pPr algn="ctr"/>
+                      <a:r>
+                        <a:rPr lang="en-GB" dirty="0" smtClean="0"/>
+                        <a:t>x</a:t>
+                      </a:r>
+                      <a:endParaRPr lang="en-GB" dirty="0"/>
+                    </a:p>
+                  </a:txBody>
+                  <a:tcPr/>
+                </a:tc>
+              </a:tr>
+            </a:tbl>
+          </a:graphicData>
+        </a:graphic>
+      </p:graphicFrame>
+      <p:sp>
+        <p:nvSpPr>
+          <p:cNvPr id="7" name="Footer Placeholder 6"/>
+          <p:cNvSpPr>
+            <a:spLocks noGrp="1"/>
+          </p:cNvSpPr>
+          <p:nvPr>
+            <p:ph type="ftr" sz="quarter" idx="11"/>
+          </p:nvPr>
+        </p:nvSpPr>
+        <p:spPr/>
+        <p:txBody>
+          <a:bodyPr/>
+          <a:lstStyle/>
+          <a:p>
+            <a:r>
+              <a:rPr lang="en-GB" smtClean="0"/>
+              <a:t>PW-pipeline</a:t>
+            </a:r>
+            <a:endParaRPr lang="en-GB"/>
+          </a:p>
+        </p:txBody>
+      </p:sp>
+      <p:sp>
+        <p:nvSpPr>
+          <p:cNvPr id="8" name="Slide Number Placeholder 7"/>
+          <p:cNvSpPr>
+            <a:spLocks noGrp="1"/>
+          </p:cNvSpPr>
+          <p:nvPr>
+            <p:ph type="sldNum" sz="quarter" idx="12"/>
+          </p:nvPr>
+        </p:nvSpPr>
+        <p:spPr/>
+        <p:txBody>
+          <a:bodyPr/>
+          <a:lstStyle/>
+          <a:p>
+            <a:fld id="{1FB4BD47-2A83-4A56-970D-480688504C1B}" type="slidenum">
+              <a:rPr lang="en-GB" smtClean="0"/>
+              <a:t>7</a:t>
+            </a:fld>
+            <a:endParaRPr lang="en-GB"/>
+          </a:p>
+        </p:txBody>
+      </p:sp>
     </p:spTree>
     <p:extLst>
       <p:ext uri="{BB962C8B-B14F-4D97-AF65-F5344CB8AC3E}">
-        <p14:creationId xmlns:p14="http://schemas.microsoft.com/office/powerpoint/2010/main" val="191454984"/>
+        <p14:creationId xmlns:p14="http://schemas.microsoft.com/office/powerpoint/2010/main" val="294310541"/>
+      </p:ext>
+    </p:extLst>
+  </p:cSld>
+  <p:clrMapOvr>
+    <a:masterClrMapping/>
+  </p:clrMapOvr>
+</p:sld>
+</file>
+
+<file path=ppt/slides/slide8.xml><?xml version="1.0" encoding="utf-8"?>
+<p:sld xmlns:a="http://schemas.openxmlformats.org/drawingml/2006/main" xmlns:r="http://schemas.openxmlformats.org/officeDocument/2006/relationships" xmlns:p="http://schemas.openxmlformats.org/presentationml/2006/main">
+  <p:cSld>
+    <p:spTree>
+      <p:nvGrpSpPr>
+        <p:cNvPr id="1" name=""/>
+        <p:cNvGrpSpPr/>
+        <p:nvPr/>
+      </p:nvGrpSpPr>
+      <p:grpSpPr>
+        <a:xfrm>
+          <a:off x="0" y="0"/>
+          <a:ext cx="0" cy="0"/>
+          <a:chOff x="0" y="0"/>
+          <a:chExt cx="0" cy="0"/>
+        </a:xfrm>
+      </p:grpSpPr>
+      <p:sp>
+        <p:nvSpPr>
+          <p:cNvPr id="2" name="Title 1"/>
+          <p:cNvSpPr>
+            <a:spLocks noGrp="1"/>
+          </p:cNvSpPr>
+          <p:nvPr>
+            <p:ph type="title"/>
+          </p:nvPr>
+        </p:nvSpPr>
+        <p:spPr/>
+        <p:txBody>
+          <a:bodyPr/>
+          <a:lstStyle/>
+          <a:p>
+            <a:pPr algn="ctr"/>
+            <a:r>
+              <a:rPr lang="en-GB" dirty="0" smtClean="0"/>
+              <a:t>Power comparison</a:t>
+            </a:r>
+            <a:endParaRPr lang="en-GB" dirty="0"/>
+          </a:p>
+        </p:txBody>
+      </p:sp>
+      <p:graphicFrame>
+        <p:nvGraphicFramePr>
+          <p:cNvPr id="4" name="Content Placeholder 3"/>
+          <p:cNvGraphicFramePr>
+            <a:graphicFrameLocks noGrp="1"/>
+          </p:cNvGraphicFramePr>
+          <p:nvPr>
+            <p:ph idx="1"/>
+            <p:extLst>
+              <p:ext uri="{D42A27DB-BD31-4B8C-83A1-F6EECF244321}">
+                <p14:modId xmlns:p14="http://schemas.microsoft.com/office/powerpoint/2010/main" val="1746911084"/>
+              </p:ext>
+            </p:extLst>
+          </p:nvPr>
+        </p:nvGraphicFramePr>
+        <p:xfrm>
+          <a:off x="860166" y="2260273"/>
+          <a:ext cx="10205624" cy="3239322"/>
+        </p:xfrm>
+        <a:graphic>
+          <a:graphicData uri="http://schemas.openxmlformats.org/drawingml/2006/table">
+            <a:tbl>
+              <a:tblPr firstRow="1" firstCol="1" bandRow="1">
+                <a:tableStyleId>{5C22544A-7EE6-4342-B048-85BDC9FD1C3A}</a:tableStyleId>
+              </a:tblPr>
+              <a:tblGrid>
+                <a:gridCol w="2045766"/>
+                <a:gridCol w="1108129"/>
+                <a:gridCol w="1255362"/>
+                <a:gridCol w="1622768"/>
+                <a:gridCol w="2019334"/>
+                <a:gridCol w="2154265"/>
+              </a:tblGrid>
+              <a:tr h="635696">
+                <a:tc>
+                  <a:txBody>
+                    <a:bodyPr/>
+                    <a:lstStyle/>
+                    <a:p>
+                      <a:pPr>
+                        <a:lnSpc>
+                          <a:spcPct val="115000"/>
+                        </a:lnSpc>
+                        <a:spcAft>
+                          <a:spcPts val="0"/>
+                        </a:spcAft>
+                      </a:pPr>
+                      <a:endParaRPr lang="en-GB" sz="1800" dirty="0" smtClean="0">
+                        <a:effectLst/>
+                      </a:endParaRPr>
+                    </a:p>
+                    <a:p>
+                      <a:pPr>
+                        <a:lnSpc>
+                          <a:spcPct val="115000"/>
+                        </a:lnSpc>
+                        <a:spcAft>
+                          <a:spcPts val="0"/>
+                        </a:spcAft>
+                      </a:pPr>
+                      <a:endParaRPr lang="en-GB" sz="1800" dirty="0" smtClean="0">
+                        <a:effectLst/>
+                      </a:endParaRPr>
+                    </a:p>
+                    <a:p>
+                      <a:pPr>
+                        <a:lnSpc>
+                          <a:spcPct val="115000"/>
+                        </a:lnSpc>
+                        <a:spcAft>
+                          <a:spcPts val="0"/>
+                        </a:spcAft>
+                      </a:pPr>
+                      <a:r>
+                        <a:rPr lang="en-GB" sz="1800" dirty="0" smtClean="0">
+                          <a:effectLst/>
+                        </a:rPr>
+                        <a:t>Common </a:t>
+                      </a:r>
+                      <a:r>
+                        <a:rPr lang="en-GB" sz="1800" dirty="0">
+                          <a:effectLst/>
+                        </a:rPr>
+                        <a:t>database</a:t>
+                      </a:r>
+                      <a:endParaRPr lang="en-GB" sz="1800" dirty="0">
+                        <a:effectLst/>
+                        <a:latin typeface="Calibri"/>
+                        <a:ea typeface="SimSun"/>
+                        <a:cs typeface="Times New Roman"/>
+                      </a:endParaRPr>
+                    </a:p>
+                  </a:txBody>
+                  <a:tcPr marL="68580" marR="68580" marT="0" marB="0"/>
+                </a:tc>
+                <a:tc>
+                  <a:txBody>
+                    <a:bodyPr/>
+                    <a:lstStyle/>
+                    <a:p>
+                      <a:pPr algn="ctr">
+                        <a:lnSpc>
+                          <a:spcPct val="115000"/>
+                        </a:lnSpc>
+                        <a:spcAft>
+                          <a:spcPts val="0"/>
+                        </a:spcAft>
+                      </a:pPr>
+                      <a:r>
+                        <a:rPr lang="en-GB" sz="1800" dirty="0">
+                          <a:effectLst/>
+                        </a:rPr>
+                        <a:t> </a:t>
+                      </a:r>
+                      <a:r>
+                        <a:rPr lang="en-GB" sz="1800" dirty="0" smtClean="0">
+                          <a:effectLst/>
+                        </a:rPr>
+                        <a:t>Nominal</a:t>
+                      </a:r>
+                      <a:endParaRPr lang="en-GB" sz="1800" dirty="0">
+                        <a:effectLst/>
+                        <a:latin typeface="Calibri"/>
+                        <a:ea typeface="SimSun"/>
+                        <a:cs typeface="Times New Roman"/>
+                      </a:endParaRPr>
+                    </a:p>
+                  </a:txBody>
+                  <a:tcPr marL="68580" marR="68580" marT="0" marB="0"/>
+                </a:tc>
+                <a:tc>
+                  <a:txBody>
+                    <a:bodyPr/>
+                    <a:lstStyle/>
+                    <a:p>
+                      <a:pPr algn="ctr">
+                        <a:lnSpc>
+                          <a:spcPct val="115000"/>
+                        </a:lnSpc>
+                        <a:spcAft>
+                          <a:spcPts val="0"/>
+                        </a:spcAft>
+                      </a:pPr>
+                      <a:r>
+                        <a:rPr lang="en-GB" sz="1800" dirty="0" err="1" smtClean="0">
+                          <a:effectLst/>
+                        </a:rPr>
+                        <a:t>Bonferroni</a:t>
+                      </a:r>
+                      <a:r>
+                        <a:rPr lang="en-GB" sz="1800" dirty="0">
+                          <a:effectLst/>
+                        </a:rPr>
+                        <a:t> </a:t>
+                      </a:r>
+                      <a:endParaRPr lang="en-GB" sz="1800" dirty="0">
+                        <a:effectLst/>
+                        <a:latin typeface="Calibri"/>
+                        <a:ea typeface="SimSun"/>
+                        <a:cs typeface="Times New Roman"/>
+                      </a:endParaRPr>
+                    </a:p>
+                  </a:txBody>
+                  <a:tcPr marL="68580" marR="68580" marT="0" marB="0"/>
+                </a:tc>
+                <a:tc>
+                  <a:txBody>
+                    <a:bodyPr/>
+                    <a:lstStyle/>
+                    <a:p>
+                      <a:pPr algn="ctr">
+                        <a:lnSpc>
+                          <a:spcPct val="115000"/>
+                        </a:lnSpc>
+                        <a:spcAft>
+                          <a:spcPts val="0"/>
+                        </a:spcAft>
+                      </a:pPr>
+                      <a:r>
+                        <a:rPr lang="en-GB" sz="1800" dirty="0" smtClean="0">
+                          <a:effectLst/>
+                        </a:rPr>
+                        <a:t>FDR&lt;0.05</a:t>
+                      </a:r>
+                      <a:r>
+                        <a:rPr lang="en-GB" sz="1800" dirty="0">
+                          <a:effectLst/>
+                        </a:rPr>
+                        <a:t> </a:t>
+                      </a:r>
+                      <a:r>
+                        <a:rPr lang="en-GB" sz="1800" dirty="0" smtClean="0">
+                          <a:effectLst/>
+                        </a:rPr>
+                        <a:t> from</a:t>
+                      </a:r>
+                      <a:r>
+                        <a:rPr lang="en-GB" sz="1800" baseline="0" dirty="0" smtClean="0">
+                          <a:effectLst/>
+                        </a:rPr>
+                        <a:t> software</a:t>
+                      </a:r>
+                      <a:endParaRPr lang="en-GB" sz="1800" dirty="0">
+                        <a:effectLst/>
+                        <a:latin typeface="Calibri"/>
+                        <a:ea typeface="SimSun"/>
+                        <a:cs typeface="Times New Roman"/>
+                      </a:endParaRPr>
+                    </a:p>
+                  </a:txBody>
+                  <a:tcPr marL="68580" marR="68580" marT="0" marB="0"/>
+                </a:tc>
+                <a:tc>
+                  <a:txBody>
+                    <a:bodyPr/>
+                    <a:lstStyle/>
+                    <a:p>
+                      <a:pPr algn="ctr">
+                        <a:lnSpc>
+                          <a:spcPct val="115000"/>
+                        </a:lnSpc>
+                        <a:spcAft>
+                          <a:spcPts val="0"/>
+                        </a:spcAft>
+                      </a:pPr>
+                      <a:r>
+                        <a:rPr lang="en-GB" sz="1800" dirty="0" smtClean="0">
+                          <a:effectLst/>
+                        </a:rPr>
+                        <a:t>FDR&lt;0.05</a:t>
+                      </a:r>
+                      <a:r>
+                        <a:rPr lang="en-GB" sz="1800" dirty="0">
+                          <a:effectLst/>
+                        </a:rPr>
+                        <a:t> </a:t>
+                      </a:r>
+                      <a:r>
+                        <a:rPr lang="en-GB" sz="1800" baseline="0" dirty="0" smtClean="0">
+                          <a:effectLst/>
+                        </a:rPr>
+                        <a:t> from R</a:t>
+                      </a:r>
+                      <a:endParaRPr lang="en-GB" sz="1800" dirty="0">
+                        <a:effectLst/>
+                        <a:latin typeface="Calibri"/>
+                        <a:ea typeface="SimSun"/>
+                        <a:cs typeface="Times New Roman"/>
+                      </a:endParaRPr>
+                    </a:p>
+                  </a:txBody>
+                  <a:tcPr marL="68580" marR="68580" marT="0" marB="0"/>
+                </a:tc>
+                <a:tc>
+                  <a:txBody>
+                    <a:bodyPr/>
+                    <a:lstStyle/>
+                    <a:p>
+                      <a:pPr algn="ctr">
+                        <a:lnSpc>
+                          <a:spcPct val="115000"/>
+                        </a:lnSpc>
+                        <a:spcAft>
+                          <a:spcPts val="0"/>
+                        </a:spcAft>
+                      </a:pPr>
+                      <a:r>
+                        <a:rPr lang="en-GB" sz="1800" dirty="0" smtClean="0">
+                          <a:effectLst/>
+                        </a:rPr>
+                        <a:t>Running</a:t>
+                      </a:r>
+                      <a:r>
+                        <a:rPr lang="en-GB" sz="1800" baseline="0" dirty="0" smtClean="0">
+                          <a:effectLst/>
+                        </a:rPr>
+                        <a:t> time</a:t>
+                      </a:r>
+                      <a:r>
+                        <a:rPr lang="en-GB" sz="1800" dirty="0">
+                          <a:effectLst/>
+                        </a:rPr>
+                        <a:t> </a:t>
+                      </a:r>
+                      <a:endParaRPr lang="en-GB" sz="1800" dirty="0">
+                        <a:effectLst/>
+                        <a:latin typeface="Calibri"/>
+                        <a:ea typeface="SimSun"/>
+                        <a:cs typeface="Times New Roman"/>
+                      </a:endParaRPr>
+                    </a:p>
+                  </a:txBody>
+                  <a:tcPr marL="68580" marR="68580" marT="0" marB="0"/>
+                </a:tc>
+              </a:tr>
+              <a:tr h="577865">
+                <a:tc>
+                  <a:txBody>
+                    <a:bodyPr/>
+                    <a:lstStyle/>
+                    <a:p>
+                      <a:pPr>
+                        <a:lnSpc>
+                          <a:spcPct val="115000"/>
+                        </a:lnSpc>
+                        <a:spcAft>
+                          <a:spcPts val="0"/>
+                        </a:spcAft>
+                      </a:pPr>
+                      <a:r>
+                        <a:rPr lang="en-GB" sz="1800">
+                          <a:effectLst/>
+                        </a:rPr>
+                        <a:t>MAGENTA</a:t>
+                      </a:r>
+                      <a:endParaRPr lang="en-GB" sz="1800">
+                        <a:effectLst/>
+                        <a:latin typeface="Calibri"/>
+                        <a:ea typeface="SimSun"/>
+                        <a:cs typeface="Times New Roman"/>
+                      </a:endParaRPr>
+                    </a:p>
+                  </a:txBody>
+                  <a:tcPr marL="68580" marR="68580" marT="0" marB="0"/>
+                </a:tc>
+                <a:tc>
+                  <a:txBody>
+                    <a:bodyPr/>
+                    <a:lstStyle/>
+                    <a:p>
+                      <a:pPr algn="ctr">
+                        <a:lnSpc>
+                          <a:spcPct val="115000"/>
+                        </a:lnSpc>
+                        <a:spcAft>
+                          <a:spcPts val="0"/>
+                        </a:spcAft>
+                      </a:pPr>
+                      <a:r>
+                        <a:rPr lang="en-GB" sz="1800" dirty="0">
+                          <a:effectLst/>
+                        </a:rPr>
+                        <a:t>1091</a:t>
+                      </a:r>
+                      <a:endParaRPr lang="en-GB" sz="1800" dirty="0">
+                        <a:effectLst/>
+                        <a:latin typeface="Calibri"/>
+                        <a:ea typeface="SimSun"/>
+                        <a:cs typeface="Times New Roman"/>
+                      </a:endParaRPr>
+                    </a:p>
+                  </a:txBody>
+                  <a:tcPr marL="68580" marR="68580" marT="0" marB="0"/>
+                </a:tc>
+                <a:tc>
+                  <a:txBody>
+                    <a:bodyPr/>
+                    <a:lstStyle/>
+                    <a:p>
+                      <a:pPr algn="ctr">
+                        <a:lnSpc>
+                          <a:spcPct val="115000"/>
+                        </a:lnSpc>
+                        <a:spcAft>
+                          <a:spcPts val="0"/>
+                        </a:spcAft>
+                      </a:pPr>
+                      <a:r>
+                        <a:rPr lang="en-GB" sz="1800">
+                          <a:effectLst/>
+                        </a:rPr>
+                        <a:t>15</a:t>
+                      </a:r>
+                      <a:endParaRPr lang="en-GB" sz="1800">
+                        <a:effectLst/>
+                        <a:latin typeface="Calibri"/>
+                        <a:ea typeface="SimSun"/>
+                        <a:cs typeface="Times New Roman"/>
+                      </a:endParaRPr>
+                    </a:p>
+                  </a:txBody>
+                  <a:tcPr marL="68580" marR="68580" marT="0" marB="0"/>
+                </a:tc>
+                <a:tc>
+                  <a:txBody>
+                    <a:bodyPr/>
+                    <a:lstStyle/>
+                    <a:p>
+                      <a:pPr algn="ctr">
+                        <a:lnSpc>
+                          <a:spcPct val="115000"/>
+                        </a:lnSpc>
+                        <a:spcAft>
+                          <a:spcPts val="0"/>
+                        </a:spcAft>
+                      </a:pPr>
+                      <a:r>
+                        <a:rPr lang="en-GB" sz="1800">
+                          <a:effectLst/>
+                        </a:rPr>
+                        <a:t>265</a:t>
+                      </a:r>
+                      <a:endParaRPr lang="en-GB" sz="1800">
+                        <a:effectLst/>
+                        <a:latin typeface="Calibri"/>
+                        <a:ea typeface="SimSun"/>
+                        <a:cs typeface="Times New Roman"/>
+                      </a:endParaRPr>
+                    </a:p>
+                  </a:txBody>
+                  <a:tcPr marL="68580" marR="68580" marT="0" marB="0"/>
+                </a:tc>
+                <a:tc>
+                  <a:txBody>
+                    <a:bodyPr/>
+                    <a:lstStyle/>
+                    <a:p>
+                      <a:pPr algn="ctr">
+                        <a:lnSpc>
+                          <a:spcPct val="115000"/>
+                        </a:lnSpc>
+                        <a:spcAft>
+                          <a:spcPts val="0"/>
+                        </a:spcAft>
+                      </a:pPr>
+                      <a:r>
+                        <a:rPr lang="en-GB" sz="1800">
+                          <a:effectLst/>
+                        </a:rPr>
+                        <a:t>263</a:t>
+                      </a:r>
+                      <a:endParaRPr lang="en-GB" sz="1800">
+                        <a:effectLst/>
+                        <a:latin typeface="Calibri"/>
+                        <a:ea typeface="SimSun"/>
+                        <a:cs typeface="Times New Roman"/>
+                      </a:endParaRPr>
+                    </a:p>
+                  </a:txBody>
+                  <a:tcPr marL="68580" marR="68580" marT="0" marB="0"/>
+                </a:tc>
+                <a:tc>
+                  <a:txBody>
+                    <a:bodyPr/>
+                    <a:lstStyle/>
+                    <a:p>
+                      <a:pPr algn="ctr">
+                        <a:lnSpc>
+                          <a:spcPct val="115000"/>
+                        </a:lnSpc>
+                        <a:spcAft>
+                          <a:spcPts val="0"/>
+                        </a:spcAft>
+                      </a:pPr>
+                      <a:r>
+                        <a:rPr lang="en-GB" sz="1800">
+                          <a:effectLst/>
+                        </a:rPr>
+                        <a:t>+7 days</a:t>
+                      </a:r>
+                      <a:endParaRPr lang="en-GB" sz="1800">
+                        <a:effectLst/>
+                        <a:latin typeface="Calibri"/>
+                        <a:ea typeface="SimSun"/>
+                        <a:cs typeface="Times New Roman"/>
+                      </a:endParaRPr>
+                    </a:p>
+                  </a:txBody>
+                  <a:tcPr marL="68580" marR="68580" marT="0" marB="0"/>
+                </a:tc>
+              </a:tr>
+              <a:tr h="577865">
+                <a:tc>
+                  <a:txBody>
+                    <a:bodyPr/>
+                    <a:lstStyle/>
+                    <a:p>
+                      <a:pPr>
+                        <a:lnSpc>
+                          <a:spcPct val="115000"/>
+                        </a:lnSpc>
+                        <a:spcAft>
+                          <a:spcPts val="0"/>
+                        </a:spcAft>
+                      </a:pPr>
+                      <a:r>
+                        <a:rPr lang="en-GB" sz="1800">
+                          <a:effectLst/>
+                        </a:rPr>
+                        <a:t>MAGMA</a:t>
+                      </a:r>
+                      <a:endParaRPr lang="en-GB" sz="1800">
+                        <a:effectLst/>
+                        <a:latin typeface="Calibri"/>
+                        <a:ea typeface="SimSun"/>
+                        <a:cs typeface="Times New Roman"/>
+                      </a:endParaRPr>
+                    </a:p>
+                  </a:txBody>
+                  <a:tcPr marL="68580" marR="68580" marT="0" marB="0"/>
+                </a:tc>
+                <a:tc>
+                  <a:txBody>
+                    <a:bodyPr/>
+                    <a:lstStyle/>
+                    <a:p>
+                      <a:pPr algn="ctr">
+                        <a:lnSpc>
+                          <a:spcPct val="115000"/>
+                        </a:lnSpc>
+                        <a:spcAft>
+                          <a:spcPts val="0"/>
+                        </a:spcAft>
+                      </a:pPr>
+                      <a:r>
+                        <a:rPr lang="en-GB" sz="1800">
+                          <a:effectLst/>
+                        </a:rPr>
+                        <a:t>585</a:t>
+                      </a:r>
+                      <a:endParaRPr lang="en-GB" sz="1800">
+                        <a:effectLst/>
+                        <a:latin typeface="Calibri"/>
+                        <a:ea typeface="SimSun"/>
+                        <a:cs typeface="Times New Roman"/>
+                      </a:endParaRPr>
+                    </a:p>
+                  </a:txBody>
+                  <a:tcPr marL="68580" marR="68580" marT="0" marB="0"/>
+                </a:tc>
+                <a:tc>
+                  <a:txBody>
+                    <a:bodyPr/>
+                    <a:lstStyle/>
+                    <a:p>
+                      <a:pPr algn="ctr">
+                        <a:lnSpc>
+                          <a:spcPct val="115000"/>
+                        </a:lnSpc>
+                        <a:spcAft>
+                          <a:spcPts val="0"/>
+                        </a:spcAft>
+                      </a:pPr>
+                      <a:r>
+                        <a:rPr lang="en-GB" sz="1800" dirty="0">
+                          <a:effectLst/>
+                        </a:rPr>
+                        <a:t>0</a:t>
+                      </a:r>
+                      <a:endParaRPr lang="en-GB" sz="1800" dirty="0">
+                        <a:effectLst/>
+                        <a:latin typeface="Calibri"/>
+                        <a:ea typeface="SimSun"/>
+                        <a:cs typeface="Times New Roman"/>
+                      </a:endParaRPr>
+                    </a:p>
+                  </a:txBody>
+                  <a:tcPr marL="68580" marR="68580" marT="0" marB="0"/>
+                </a:tc>
+                <a:tc>
+                  <a:txBody>
+                    <a:bodyPr/>
+                    <a:lstStyle/>
+                    <a:p>
+                      <a:pPr algn="ctr">
+                        <a:lnSpc>
+                          <a:spcPct val="115000"/>
+                        </a:lnSpc>
+                        <a:spcAft>
+                          <a:spcPts val="0"/>
+                        </a:spcAft>
+                      </a:pPr>
+                      <a:r>
+                        <a:rPr lang="en-GB" sz="1800" dirty="0">
+                          <a:effectLst/>
+                        </a:rPr>
+                        <a:t> </a:t>
+                      </a:r>
+                      <a:endParaRPr lang="en-GB" sz="1800" dirty="0">
+                        <a:effectLst/>
+                        <a:latin typeface="Calibri"/>
+                        <a:ea typeface="SimSun"/>
+                        <a:cs typeface="Times New Roman"/>
+                      </a:endParaRPr>
+                    </a:p>
+                  </a:txBody>
+                  <a:tcPr marL="68580" marR="68580" marT="0" marB="0"/>
+                </a:tc>
+                <a:tc>
+                  <a:txBody>
+                    <a:bodyPr/>
+                    <a:lstStyle/>
+                    <a:p>
+                      <a:pPr algn="ctr">
+                        <a:lnSpc>
+                          <a:spcPct val="115000"/>
+                        </a:lnSpc>
+                        <a:spcAft>
+                          <a:spcPts val="0"/>
+                        </a:spcAft>
+                      </a:pPr>
+                      <a:r>
+                        <a:rPr lang="en-GB" sz="1800">
+                          <a:effectLst/>
+                        </a:rPr>
+                        <a:t>0</a:t>
+                      </a:r>
+                      <a:endParaRPr lang="en-GB" sz="1800">
+                        <a:effectLst/>
+                        <a:latin typeface="Calibri"/>
+                        <a:ea typeface="SimSun"/>
+                        <a:cs typeface="Times New Roman"/>
+                      </a:endParaRPr>
+                    </a:p>
+                  </a:txBody>
+                  <a:tcPr marL="68580" marR="68580" marT="0" marB="0"/>
+                </a:tc>
+                <a:tc>
+                  <a:txBody>
+                    <a:bodyPr/>
+                    <a:lstStyle/>
+                    <a:p>
+                      <a:pPr algn="ctr">
+                        <a:lnSpc>
+                          <a:spcPct val="115000"/>
+                        </a:lnSpc>
+                        <a:spcAft>
+                          <a:spcPts val="0"/>
+                        </a:spcAft>
+                      </a:pPr>
+                      <a:r>
+                        <a:rPr lang="en-GB" sz="1800" dirty="0">
+                          <a:effectLst/>
+                        </a:rPr>
+                        <a:t>almost instant</a:t>
+                      </a:r>
+                      <a:endParaRPr lang="en-GB" sz="1800" dirty="0">
+                        <a:effectLst/>
+                        <a:latin typeface="Calibri"/>
+                        <a:ea typeface="SimSun"/>
+                        <a:cs typeface="Times New Roman"/>
+                      </a:endParaRPr>
+                    </a:p>
+                  </a:txBody>
+                  <a:tcPr marL="68580" marR="68580" marT="0" marB="0"/>
+                </a:tc>
+              </a:tr>
+              <a:tr h="577865">
+                <a:tc>
+                  <a:txBody>
+                    <a:bodyPr/>
+                    <a:lstStyle/>
+                    <a:p>
+                      <a:pPr>
+                        <a:lnSpc>
+                          <a:spcPct val="115000"/>
+                        </a:lnSpc>
+                        <a:spcAft>
+                          <a:spcPts val="0"/>
+                        </a:spcAft>
+                      </a:pPr>
+                      <a:r>
+                        <a:rPr lang="en-GB" sz="1800">
+                          <a:effectLst/>
+                        </a:rPr>
+                        <a:t>PASCAL</a:t>
+                      </a:r>
+                      <a:endParaRPr lang="en-GB" sz="1800">
+                        <a:effectLst/>
+                        <a:latin typeface="Calibri"/>
+                        <a:ea typeface="SimSun"/>
+                        <a:cs typeface="Times New Roman"/>
+                      </a:endParaRPr>
+                    </a:p>
+                  </a:txBody>
+                  <a:tcPr marL="68580" marR="68580" marT="0" marB="0"/>
+                </a:tc>
+                <a:tc>
+                  <a:txBody>
+                    <a:bodyPr/>
+                    <a:lstStyle/>
+                    <a:p>
+                      <a:pPr algn="ctr">
+                        <a:lnSpc>
+                          <a:spcPct val="115000"/>
+                        </a:lnSpc>
+                        <a:spcAft>
+                          <a:spcPts val="0"/>
+                        </a:spcAft>
+                      </a:pPr>
+                      <a:r>
+                        <a:rPr lang="en-GB" sz="1800">
+                          <a:effectLst/>
+                        </a:rPr>
+                        <a:t>1896</a:t>
+                      </a:r>
+                      <a:endParaRPr lang="en-GB" sz="1800">
+                        <a:effectLst/>
+                        <a:latin typeface="Calibri"/>
+                        <a:ea typeface="SimSun"/>
+                        <a:cs typeface="Times New Roman"/>
+                      </a:endParaRPr>
+                    </a:p>
+                  </a:txBody>
+                  <a:tcPr marL="68580" marR="68580" marT="0" marB="0"/>
+                </a:tc>
+                <a:tc>
+                  <a:txBody>
+                    <a:bodyPr/>
+                    <a:lstStyle/>
+                    <a:p>
+                      <a:pPr algn="ctr">
+                        <a:lnSpc>
+                          <a:spcPct val="115000"/>
+                        </a:lnSpc>
+                        <a:spcAft>
+                          <a:spcPts val="0"/>
+                        </a:spcAft>
+                      </a:pPr>
+                      <a:r>
+                        <a:rPr lang="en-GB" sz="1800">
+                          <a:effectLst/>
+                        </a:rPr>
+                        <a:t>72</a:t>
+                      </a:r>
+                      <a:endParaRPr lang="en-GB" sz="1800">
+                        <a:effectLst/>
+                        <a:latin typeface="Calibri"/>
+                        <a:ea typeface="SimSun"/>
+                        <a:cs typeface="Times New Roman"/>
+                      </a:endParaRPr>
+                    </a:p>
+                  </a:txBody>
+                  <a:tcPr marL="68580" marR="68580" marT="0" marB="0"/>
+                </a:tc>
+                <a:tc>
+                  <a:txBody>
+                    <a:bodyPr/>
+                    <a:lstStyle/>
+                    <a:p>
+                      <a:pPr algn="ctr">
+                        <a:lnSpc>
+                          <a:spcPct val="115000"/>
+                        </a:lnSpc>
+                        <a:spcAft>
+                          <a:spcPts val="0"/>
+                        </a:spcAft>
+                      </a:pPr>
+                      <a:r>
+                        <a:rPr lang="en-GB" sz="1800" dirty="0">
+                          <a:effectLst/>
+                        </a:rPr>
+                        <a:t> </a:t>
+                      </a:r>
+                      <a:endParaRPr lang="en-GB" sz="1800" dirty="0">
+                        <a:effectLst/>
+                        <a:latin typeface="Calibri"/>
+                        <a:ea typeface="SimSun"/>
+                        <a:cs typeface="Times New Roman"/>
+                      </a:endParaRPr>
+                    </a:p>
+                  </a:txBody>
+                  <a:tcPr marL="68580" marR="68580" marT="0" marB="0"/>
+                </a:tc>
+                <a:tc>
+                  <a:txBody>
+                    <a:bodyPr/>
+                    <a:lstStyle/>
+                    <a:p>
+                      <a:pPr algn="ctr">
+                        <a:lnSpc>
+                          <a:spcPct val="115000"/>
+                        </a:lnSpc>
+                        <a:spcAft>
+                          <a:spcPts val="0"/>
+                        </a:spcAft>
+                      </a:pPr>
+                      <a:r>
+                        <a:rPr lang="en-GB" sz="1800" dirty="0">
+                          <a:effectLst/>
+                        </a:rPr>
+                        <a:t>340</a:t>
+                      </a:r>
+                      <a:endParaRPr lang="en-GB" sz="1800" dirty="0">
+                        <a:effectLst/>
+                        <a:latin typeface="Calibri"/>
+                        <a:ea typeface="SimSun"/>
+                        <a:cs typeface="Times New Roman"/>
+                      </a:endParaRPr>
+                    </a:p>
+                  </a:txBody>
+                  <a:tcPr marL="68580" marR="68580" marT="0" marB="0"/>
+                </a:tc>
+                <a:tc>
+                  <a:txBody>
+                    <a:bodyPr/>
+                    <a:lstStyle/>
+                    <a:p>
+                      <a:pPr algn="ctr">
+                        <a:lnSpc>
+                          <a:spcPct val="115000"/>
+                        </a:lnSpc>
+                        <a:spcAft>
+                          <a:spcPts val="0"/>
+                        </a:spcAft>
+                      </a:pPr>
+                      <a:r>
+                        <a:rPr lang="en-GB" sz="1800">
+                          <a:effectLst/>
+                        </a:rPr>
+                        <a:t>2 days</a:t>
+                      </a:r>
+                      <a:endParaRPr lang="en-GB" sz="1800">
+                        <a:effectLst/>
+                        <a:latin typeface="Calibri"/>
+                        <a:ea typeface="SimSun"/>
+                        <a:cs typeface="Times New Roman"/>
+                      </a:endParaRPr>
+                    </a:p>
+                  </a:txBody>
+                  <a:tcPr marL="68580" marR="68580" marT="0" marB="0"/>
+                </a:tc>
+              </a:tr>
+              <a:tr h="577865">
+                <a:tc>
+                  <a:txBody>
+                    <a:bodyPr/>
+                    <a:lstStyle/>
+                    <a:p>
+                      <a:pPr>
+                        <a:lnSpc>
+                          <a:spcPct val="115000"/>
+                        </a:lnSpc>
+                        <a:spcAft>
+                          <a:spcPts val="0"/>
+                        </a:spcAft>
+                      </a:pPr>
+                      <a:r>
+                        <a:rPr lang="en-GB" sz="1800" dirty="0">
+                          <a:effectLst/>
+                        </a:rPr>
+                        <a:t>DEPICT</a:t>
+                      </a:r>
+                      <a:endParaRPr lang="en-GB" sz="1800" dirty="0">
+                        <a:effectLst/>
+                        <a:latin typeface="Calibri"/>
+                        <a:ea typeface="SimSun"/>
+                        <a:cs typeface="Times New Roman"/>
+                      </a:endParaRPr>
+                    </a:p>
+                  </a:txBody>
+                  <a:tcPr marL="68580" marR="68580" marT="0" marB="0"/>
+                </a:tc>
+                <a:tc>
+                  <a:txBody>
+                    <a:bodyPr/>
+                    <a:lstStyle/>
+                    <a:p>
+                      <a:pPr algn="ctr">
+                        <a:lnSpc>
+                          <a:spcPct val="115000"/>
+                        </a:lnSpc>
+                        <a:spcAft>
+                          <a:spcPts val="0"/>
+                        </a:spcAft>
+                      </a:pPr>
+                      <a:r>
+                        <a:rPr lang="en-GB" sz="1800">
+                          <a:effectLst/>
+                        </a:rPr>
+                        <a:t>2569</a:t>
+                      </a:r>
+                      <a:endParaRPr lang="en-GB" sz="1800">
+                        <a:effectLst/>
+                        <a:latin typeface="Calibri"/>
+                        <a:ea typeface="SimSun"/>
+                        <a:cs typeface="Times New Roman"/>
+                      </a:endParaRPr>
+                    </a:p>
+                  </a:txBody>
+                  <a:tcPr marL="68580" marR="68580" marT="0" marB="0"/>
+                </a:tc>
+                <a:tc>
+                  <a:txBody>
+                    <a:bodyPr/>
+                    <a:lstStyle/>
+                    <a:p>
+                      <a:pPr algn="ctr">
+                        <a:lnSpc>
+                          <a:spcPct val="115000"/>
+                        </a:lnSpc>
+                        <a:spcAft>
+                          <a:spcPts val="0"/>
+                        </a:spcAft>
+                      </a:pPr>
+                      <a:r>
+                        <a:rPr lang="en-GB" sz="1800" dirty="0">
+                          <a:effectLst/>
+                        </a:rPr>
+                        <a:t>93</a:t>
+                      </a:r>
+                      <a:endParaRPr lang="en-GB" sz="1800" dirty="0">
+                        <a:effectLst/>
+                        <a:latin typeface="Calibri"/>
+                        <a:ea typeface="SimSun"/>
+                        <a:cs typeface="Times New Roman"/>
+                      </a:endParaRPr>
+                    </a:p>
+                  </a:txBody>
+                  <a:tcPr marL="68580" marR="68580" marT="0" marB="0"/>
+                </a:tc>
+                <a:tc>
+                  <a:txBody>
+                    <a:bodyPr/>
+                    <a:lstStyle/>
+                    <a:p>
+                      <a:pPr algn="ctr">
+                        <a:lnSpc>
+                          <a:spcPct val="115000"/>
+                        </a:lnSpc>
+                        <a:spcAft>
+                          <a:spcPts val="0"/>
+                        </a:spcAft>
+                      </a:pPr>
+                      <a:r>
+                        <a:rPr lang="en-GB" sz="1800">
+                          <a:effectLst/>
+                        </a:rPr>
+                        <a:t>1418</a:t>
+                      </a:r>
+                      <a:endParaRPr lang="en-GB" sz="1800">
+                        <a:effectLst/>
+                        <a:latin typeface="Calibri"/>
+                        <a:ea typeface="SimSun"/>
+                        <a:cs typeface="Times New Roman"/>
+                      </a:endParaRPr>
+                    </a:p>
+                  </a:txBody>
+                  <a:tcPr marL="68580" marR="68580" marT="0" marB="0"/>
+                </a:tc>
+                <a:tc>
+                  <a:txBody>
+                    <a:bodyPr/>
+                    <a:lstStyle/>
+                    <a:p>
+                      <a:pPr algn="ctr">
+                        <a:lnSpc>
+                          <a:spcPct val="115000"/>
+                        </a:lnSpc>
+                        <a:spcAft>
+                          <a:spcPts val="0"/>
+                        </a:spcAft>
+                      </a:pPr>
+                      <a:r>
+                        <a:rPr lang="en-GB" sz="1800" dirty="0">
+                          <a:effectLst/>
+                        </a:rPr>
+                        <a:t>1272</a:t>
+                      </a:r>
+                      <a:endParaRPr lang="en-GB" sz="1800" dirty="0">
+                        <a:effectLst/>
+                        <a:latin typeface="Calibri"/>
+                        <a:ea typeface="SimSun"/>
+                        <a:cs typeface="Times New Roman"/>
+                      </a:endParaRPr>
+                    </a:p>
+                  </a:txBody>
+                  <a:tcPr marL="68580" marR="68580" marT="0" marB="0"/>
+                </a:tc>
+                <a:tc>
+                  <a:txBody>
+                    <a:bodyPr/>
+                    <a:lstStyle/>
+                    <a:p>
+                      <a:pPr algn="ctr">
+                        <a:lnSpc>
+                          <a:spcPct val="115000"/>
+                        </a:lnSpc>
+                        <a:spcAft>
+                          <a:spcPts val="0"/>
+                        </a:spcAft>
+                      </a:pPr>
+                      <a:r>
+                        <a:rPr lang="en-GB" sz="1800" dirty="0">
+                          <a:effectLst/>
+                        </a:rPr>
+                        <a:t>1hr</a:t>
+                      </a:r>
+                      <a:endParaRPr lang="en-GB" sz="1800" dirty="0">
+                        <a:effectLst/>
+                        <a:latin typeface="Calibri"/>
+                        <a:ea typeface="SimSun"/>
+                        <a:cs typeface="Times New Roman"/>
+                      </a:endParaRPr>
+                    </a:p>
+                  </a:txBody>
+                  <a:tcPr marL="68580" marR="68580" marT="0" marB="0"/>
+                </a:tc>
+              </a:tr>
+            </a:tbl>
+          </a:graphicData>
+        </a:graphic>
+      </p:graphicFrame>
+      <p:sp>
+        <p:nvSpPr>
+          <p:cNvPr id="7" name="Footer Placeholder 6"/>
+          <p:cNvSpPr>
+            <a:spLocks noGrp="1"/>
+          </p:cNvSpPr>
+          <p:nvPr>
+            <p:ph type="ftr" sz="quarter" idx="11"/>
+          </p:nvPr>
+        </p:nvSpPr>
+        <p:spPr/>
+        <p:txBody>
+          <a:bodyPr/>
+          <a:lstStyle/>
+          <a:p>
+            <a:r>
+              <a:rPr lang="en-GB" smtClean="0"/>
+              <a:t>PW-pipeline</a:t>
+            </a:r>
+            <a:endParaRPr lang="en-GB"/>
+          </a:p>
+        </p:txBody>
+      </p:sp>
+      <p:sp>
+        <p:nvSpPr>
+          <p:cNvPr id="8" name="Slide Number Placeholder 7"/>
+          <p:cNvSpPr>
+            <a:spLocks noGrp="1"/>
+          </p:cNvSpPr>
+          <p:nvPr>
+            <p:ph type="sldNum" sz="quarter" idx="12"/>
+          </p:nvPr>
+        </p:nvSpPr>
+        <p:spPr/>
+        <p:txBody>
+          <a:bodyPr/>
+          <a:lstStyle/>
+          <a:p>
+            <a:fld id="{1FB4BD47-2A83-4A56-970D-480688504C1B}" type="slidenum">
+              <a:rPr lang="en-GB" smtClean="0"/>
+              <a:t>8</a:t>
+            </a:fld>
+            <a:endParaRPr lang="en-GB"/>
+          </a:p>
+        </p:txBody>
+      </p:sp>
+    </p:spTree>
+    <p:extLst>
+      <p:ext uri="{BB962C8B-B14F-4D97-AF65-F5344CB8AC3E}">
+        <p14:creationId xmlns:p14="http://schemas.microsoft.com/office/powerpoint/2010/main" val="2068209091"/>
+      </p:ext>
+    </p:extLst>
+  </p:cSld>
+  <p:clrMapOvr>
+    <a:masterClrMapping/>
+  </p:clrMapOvr>
+</p:sld>
+</file>
+
+<file path=ppt/slides/slide9.xml><?xml version="1.0" encoding="utf-8"?>
+<p:sld xmlns:a="http://schemas.openxmlformats.org/drawingml/2006/main" xmlns:r="http://schemas.openxmlformats.org/officeDocument/2006/relationships" xmlns:p="http://schemas.openxmlformats.org/presentationml/2006/main">
+  <p:cSld>
+    <p:spTree>
+      <p:nvGrpSpPr>
+        <p:cNvPr id="1" name=""/>
+        <p:cNvGrpSpPr/>
+        <p:nvPr/>
+      </p:nvGrpSpPr>
+      <p:grpSpPr>
+        <a:xfrm>
+          <a:off x="0" y="0"/>
+          <a:ext cx="0" cy="0"/>
+          <a:chOff x="0" y="0"/>
+          <a:chExt cx="0" cy="0"/>
+        </a:xfrm>
+      </p:grpSpPr>
+      <p:sp>
+        <p:nvSpPr>
+          <p:cNvPr id="2" name="Title 1"/>
+          <p:cNvSpPr>
+            <a:spLocks noGrp="1"/>
+          </p:cNvSpPr>
+          <p:nvPr>
+            <p:ph type="title"/>
+          </p:nvPr>
+        </p:nvSpPr>
+        <p:spPr/>
+        <p:txBody>
+          <a:bodyPr/>
+          <a:lstStyle/>
+          <a:p>
+            <a:pPr algn="ctr"/>
+            <a:r>
+              <a:rPr lang="en-GB" dirty="0" smtClean="0"/>
+              <a:t>Additional remarks</a:t>
+            </a:r>
+            <a:endParaRPr lang="en-GB" dirty="0"/>
+          </a:p>
+        </p:txBody>
+      </p:sp>
+      <p:sp>
+        <p:nvSpPr>
+          <p:cNvPr id="3" name="Content Placeholder 2"/>
+          <p:cNvSpPr>
+            <a:spLocks noGrp="1"/>
+          </p:cNvSpPr>
+          <p:nvPr>
+            <p:ph idx="1"/>
+          </p:nvPr>
+        </p:nvSpPr>
+        <p:spPr/>
+        <p:txBody>
+          <a:bodyPr>
+            <a:normAutofit lnSpcReduction="10000"/>
+          </a:bodyPr>
+          <a:lstStyle/>
+          <a:p>
+            <a:r>
+              <a:rPr lang="en-GB" dirty="0" smtClean="0"/>
+              <a:t>The common database</a:t>
+            </a:r>
+          </a:p>
+          <a:p>
+            <a:pPr lvl="1"/>
+            <a:r>
+              <a:rPr lang="en-GB" dirty="0" smtClean="0"/>
+              <a:t>facilitates cross-software comparison.</a:t>
+            </a:r>
+          </a:p>
+          <a:p>
+            <a:pPr lvl="1"/>
+            <a:r>
+              <a:rPr lang="en-GB" dirty="0" smtClean="0"/>
+              <a:t>allows for correlation between software to be calculated.</a:t>
+            </a:r>
+          </a:p>
+          <a:p>
+            <a:r>
+              <a:rPr lang="en-GB" dirty="0" smtClean="0"/>
+              <a:t>The pipeline </a:t>
+            </a:r>
+          </a:p>
+          <a:p>
+            <a:pPr lvl="1"/>
+            <a:r>
+              <a:rPr lang="en-GB" dirty="0" smtClean="0"/>
+              <a:t>takes advantage of the database to perform cluster analysis including affinity propagation clustering as well as build networks.</a:t>
+            </a:r>
+          </a:p>
+          <a:p>
+            <a:pPr lvl="1"/>
+            <a:r>
+              <a:rPr lang="en-GB" dirty="0" smtClean="0"/>
+              <a:t>Generates simple interaction format (SIF) and edge list (EL) formats which can be fed into </a:t>
+            </a:r>
+            <a:r>
+              <a:rPr lang="en-GB" dirty="0" err="1" smtClean="0"/>
+              <a:t>Cytoscape</a:t>
+            </a:r>
+            <a:r>
+              <a:rPr lang="en-GB" dirty="0" smtClean="0"/>
+              <a:t> for visualisation using a variety of layouts and analysis through many plugins. Further extensions are possible.</a:t>
+            </a:r>
+          </a:p>
+          <a:p>
+            <a:r>
+              <a:rPr lang="en-GB" dirty="0" smtClean="0"/>
+              <a:t>At the very least, use the setup for GWAS, e.g., MAGENTA + common database + clusters.</a:t>
+            </a:r>
+          </a:p>
+          <a:p>
+            <a:pPr marL="457200" lvl="1" indent="0">
+              <a:buNone/>
+            </a:pPr>
+            <a:endParaRPr lang="en-GB" dirty="0"/>
+          </a:p>
+        </p:txBody>
+      </p:sp>
+      <p:sp>
+        <p:nvSpPr>
+          <p:cNvPr id="6" name="Footer Placeholder 5"/>
+          <p:cNvSpPr>
+            <a:spLocks noGrp="1"/>
+          </p:cNvSpPr>
+          <p:nvPr>
+            <p:ph type="ftr" sz="quarter" idx="11"/>
+          </p:nvPr>
+        </p:nvSpPr>
+        <p:spPr/>
+        <p:txBody>
+          <a:bodyPr/>
+          <a:lstStyle/>
+          <a:p>
+            <a:r>
+              <a:rPr lang="en-GB" smtClean="0"/>
+              <a:t>PW-pipeline</a:t>
+            </a:r>
+            <a:endParaRPr lang="en-GB"/>
+          </a:p>
+        </p:txBody>
+      </p:sp>
+      <p:sp>
+        <p:nvSpPr>
+          <p:cNvPr id="7" name="Slide Number Placeholder 6"/>
+          <p:cNvSpPr>
+            <a:spLocks noGrp="1"/>
+          </p:cNvSpPr>
+          <p:nvPr>
+            <p:ph type="sldNum" sz="quarter" idx="12"/>
+          </p:nvPr>
+        </p:nvSpPr>
+        <p:spPr/>
+        <p:txBody>
+          <a:bodyPr/>
+          <a:lstStyle/>
+          <a:p>
+            <a:fld id="{1FB4BD47-2A83-4A56-970D-480688504C1B}" type="slidenum">
+              <a:rPr lang="en-GB" smtClean="0"/>
+              <a:t>9</a:t>
+            </a:fld>
+            <a:endParaRPr lang="en-GB"/>
+          </a:p>
+        </p:txBody>
+      </p:sp>
+    </p:spTree>
+    <p:extLst>
+      <p:ext uri="{BB962C8B-B14F-4D97-AF65-F5344CB8AC3E}">
+        <p14:creationId xmlns:p14="http://schemas.microsoft.com/office/powerpoint/2010/main" val="943105105"/>
       </p:ext>
     </p:extLst>
   </p:cSld>
@@ -4687,8 +7772,293 @@
   <a:extraClrSchemeLst/>
   <a:extLst>
     <a:ext uri="{05A4C25C-085E-4340-85A3-A5531E510DB2}">
-      <thm15:themeFamily xmlns:thm15="http://schemas.microsoft.com/office/thememl/2012/main" xmlns="" name="Office Theme" id="{62F939B6-93AF-4DB8-9C6B-D6C7DFDC589F}" vid="{4A3C46E8-61CC-4603-A589-7422A47A8E4A}"/>
+      <thm15:themeFamily xmlns="" xmlns:thm15="http://schemas.microsoft.com/office/thememl/2012/main" name="Office Theme" id="{62F939B6-93AF-4DB8-9C6B-D6C7DFDC589F}" vid="{4A3C46E8-61CC-4603-A589-7422A47A8E4A}"/>
     </a:ext>
   </a:extLst>
 </a:theme>
+</file>
+
+<file path=ppt/theme/theme2.xml><?xml version="1.0" encoding="utf-8"?>
+<a:theme xmlns:a="http://schemas.openxmlformats.org/drawingml/2006/main" name="Office Theme">
+  <a:themeElements>
+    <a:clrScheme name="Office">
+      <a:dk1>
+        <a:sysClr val="windowText" lastClr="000000"/>
+      </a:dk1>
+      <a:lt1>
+        <a:sysClr val="window" lastClr="FFFFFF"/>
+      </a:lt1>
+      <a:dk2>
+        <a:srgbClr val="1F497D"/>
+      </a:dk2>
+      <a:lt2>
+        <a:srgbClr val="EEECE1"/>
+      </a:lt2>
+      <a:accent1>
+        <a:srgbClr val="4F81BD"/>
+      </a:accent1>
+      <a:accent2>
+        <a:srgbClr val="C0504D"/>
+      </a:accent2>
+      <a:accent3>
+        <a:srgbClr val="9BBB59"/>
+      </a:accent3>
+      <a:accent4>
+        <a:srgbClr val="8064A2"/>
+      </a:accent4>
+      <a:accent5>
+        <a:srgbClr val="4BACC6"/>
+      </a:accent5>
+      <a:accent6>
+        <a:srgbClr val="F79646"/>
+      </a:accent6>
+      <a:hlink>
+        <a:srgbClr val="0000FF"/>
+      </a:hlink>
+      <a:folHlink>
+        <a:srgbClr val="800080"/>
+      </a:folHlink>
+    </a:clrScheme>
+    <a:fontScheme name="Office">
+      <a:majorFont>
+        <a:latin typeface="Calibri"/>
+        <a:ea typeface=""/>
+        <a:cs typeface=""/>
+        <a:font script="Jpan" typeface="ＭＳ Ｐゴシック"/>
+        <a:font script="Hang" typeface="맑은 고딕"/>
+        <a:font script="Hans" typeface="宋体"/>
+        <a:font script="Hant" typeface="新細明體"/>
+        <a:font script="Arab" typeface="Times New Roman"/>
+        <a:font script="Hebr" typeface="Times New Roman"/>
+        <a:font script="Thai" typeface="Angsana New"/>
+        <a:font script="Ethi" typeface="Nyala"/>
+        <a:font script="Beng" typeface="Vrinda"/>
+        <a:font script="Gujr" typeface="Shruti"/>
+        <a:font script="Khmr" typeface="MoolBoran"/>
+        <a:font script="Knda" typeface="Tunga"/>
+        <a:font script="Guru" typeface="Raavi"/>
+        <a:font script="Cans" typeface="Euphemia"/>
+        <a:font script="Cher" typeface="Plantagenet Cherokee"/>
+        <a:font script="Yiii" typeface="Microsoft Yi Baiti"/>
+        <a:font script="Tibt" typeface="Microsoft Himalaya"/>
+        <a:font script="Thaa" typeface="MV Boli"/>
+        <a:font script="Deva" typeface="Mangal"/>
+        <a:font script="Telu" typeface="Gautami"/>
+        <a:font script="Taml" typeface="Latha"/>
+        <a:font script="Syrc" typeface="Estrangelo Edessa"/>
+        <a:font script="Orya" typeface="Kalinga"/>
+        <a:font script="Mlym" typeface="Kartika"/>
+        <a:font script="Laoo" typeface="DokChampa"/>
+        <a:font script="Sinh" typeface="Iskoola Pota"/>
+        <a:font script="Mong" typeface="Mongolian Baiti"/>
+        <a:font script="Viet" typeface="Times New Roman"/>
+        <a:font script="Uigh" typeface="Microsoft Uighur"/>
+        <a:font script="Geor" typeface="Sylfaen"/>
+      </a:majorFont>
+      <a:minorFont>
+        <a:latin typeface="Calibri"/>
+        <a:ea typeface=""/>
+        <a:cs typeface=""/>
+        <a:font script="Jpan" typeface="ＭＳ Ｐゴシック"/>
+        <a:font script="Hang" typeface="맑은 고딕"/>
+        <a:font script="Hans" typeface="宋体"/>
+        <a:font script="Hant" typeface="新細明體"/>
+        <a:font script="Arab" typeface="Arial"/>
+        <a:font script="Hebr" typeface="Arial"/>
+        <a:font script="Thai" typeface="Cordia New"/>
+        <a:font script="Ethi" typeface="Nyala"/>
+        <a:font script="Beng" typeface="Vrinda"/>
+        <a:font script="Gujr" typeface="Shruti"/>
+        <a:font script="Khmr" typeface="DaunPenh"/>
+        <a:font script="Knda" typeface="Tunga"/>
+        <a:font script="Guru" typeface="Raavi"/>
+        <a:font script="Cans" typeface="Euphemia"/>
+        <a:font script="Cher" typeface="Plantagenet Cherokee"/>
+        <a:font script="Yiii" typeface="Microsoft Yi Baiti"/>
+        <a:font script="Tibt" typeface="Microsoft Himalaya"/>
+        <a:font script="Thaa" typeface="MV Boli"/>
+        <a:font script="Deva" typeface="Mangal"/>
+        <a:font script="Telu" typeface="Gautami"/>
+        <a:font script="Taml" typeface="Latha"/>
+        <a:font script="Syrc" typeface="Estrangelo Edessa"/>
+        <a:font script="Orya" typeface="Kalinga"/>
+        <a:font script="Mlym" typeface="Kartika"/>
+        <a:font script="Laoo" typeface="DokChampa"/>
+        <a:font script="Sinh" typeface="Iskoola Pota"/>
+        <a:font script="Mong" typeface="Mongolian Baiti"/>
+        <a:font script="Viet" typeface="Arial"/>
+        <a:font script="Uigh" typeface="Microsoft Uighur"/>
+        <a:font script="Geor" typeface="Sylfaen"/>
+      </a:minorFont>
+    </a:fontScheme>
+    <a:fmtScheme name="Office">
+      <a:fillStyleLst>
+        <a:solidFill>
+          <a:schemeClr val="phClr"/>
+        </a:solidFill>
+        <a:gradFill rotWithShape="1">
+          <a:gsLst>
+            <a:gs pos="0">
+              <a:schemeClr val="phClr">
+                <a:tint val="50000"/>
+                <a:satMod val="300000"/>
+              </a:schemeClr>
+            </a:gs>
+            <a:gs pos="35000">
+              <a:schemeClr val="phClr">
+                <a:tint val="37000"/>
+                <a:satMod val="300000"/>
+              </a:schemeClr>
+            </a:gs>
+            <a:gs pos="100000">
+              <a:schemeClr val="phClr">
+                <a:tint val="15000"/>
+                <a:satMod val="350000"/>
+              </a:schemeClr>
+            </a:gs>
+          </a:gsLst>
+          <a:lin ang="16200000" scaled="1"/>
+        </a:gradFill>
+        <a:gradFill rotWithShape="1">
+          <a:gsLst>
+            <a:gs pos="0">
+              <a:schemeClr val="phClr">
+                <a:shade val="51000"/>
+                <a:satMod val="130000"/>
+              </a:schemeClr>
+            </a:gs>
+            <a:gs pos="80000">
+              <a:schemeClr val="phClr">
+                <a:shade val="93000"/>
+                <a:satMod val="130000"/>
+              </a:schemeClr>
+            </a:gs>
+            <a:gs pos="100000">
+              <a:schemeClr val="phClr">
+                <a:shade val="94000"/>
+                <a:satMod val="135000"/>
+              </a:schemeClr>
+            </a:gs>
+          </a:gsLst>
+          <a:lin ang="16200000" scaled="0"/>
+        </a:gradFill>
+      </a:fillStyleLst>
+      <a:lnStyleLst>
+        <a:ln w="9525" cap="flat" cmpd="sng" algn="ctr">
+          <a:solidFill>
+            <a:schemeClr val="phClr">
+              <a:shade val="95000"/>
+              <a:satMod val="105000"/>
+            </a:schemeClr>
+          </a:solidFill>
+          <a:prstDash val="solid"/>
+        </a:ln>
+        <a:ln w="25400" cap="flat" cmpd="sng" algn="ctr">
+          <a:solidFill>
+            <a:schemeClr val="phClr"/>
+          </a:solidFill>
+          <a:prstDash val="solid"/>
+        </a:ln>
+        <a:ln w="38100" cap="flat" cmpd="sng" algn="ctr">
+          <a:solidFill>
+            <a:schemeClr val="phClr"/>
+          </a:solidFill>
+          <a:prstDash val="solid"/>
+        </a:ln>
+      </a:lnStyleLst>
+      <a:effectStyleLst>
+        <a:effectStyle>
+          <a:effectLst>
+            <a:outerShdw blurRad="40000" dist="20000" dir="5400000" rotWithShape="0">
+              <a:srgbClr val="000000">
+                <a:alpha val="38000"/>
+              </a:srgbClr>
+            </a:outerShdw>
+          </a:effectLst>
+        </a:effectStyle>
+        <a:effectStyle>
+          <a:effectLst>
+            <a:outerShdw blurRad="40000" dist="23000" dir="5400000" rotWithShape="0">
+              <a:srgbClr val="000000">
+                <a:alpha val="35000"/>
+              </a:srgbClr>
+            </a:outerShdw>
+          </a:effectLst>
+        </a:effectStyle>
+        <a:effectStyle>
+          <a:effectLst>
+            <a:outerShdw blurRad="40000" dist="23000" dir="5400000" rotWithShape="0">
+              <a:srgbClr val="000000">
+                <a:alpha val="35000"/>
+              </a:srgbClr>
+            </a:outerShdw>
+          </a:effectLst>
+          <a:scene3d>
+            <a:camera prst="orthographicFront">
+              <a:rot lat="0" lon="0" rev="0"/>
+            </a:camera>
+            <a:lightRig rig="threePt" dir="t">
+              <a:rot lat="0" lon="0" rev="1200000"/>
+            </a:lightRig>
+          </a:scene3d>
+          <a:sp3d>
+            <a:bevelT w="63500" h="25400"/>
+          </a:sp3d>
+        </a:effectStyle>
+      </a:effectStyleLst>
+      <a:bgFillStyleLst>
+        <a:solidFill>
+          <a:schemeClr val="phClr"/>
+        </a:solidFill>
+        <a:gradFill rotWithShape="1">
+          <a:gsLst>
+            <a:gs pos="0">
+              <a:schemeClr val="phClr">
+                <a:tint val="40000"/>
+                <a:satMod val="350000"/>
+              </a:schemeClr>
+            </a:gs>
+            <a:gs pos="40000">
+              <a:schemeClr val="phClr">
+                <a:tint val="45000"/>
+                <a:shade val="99000"/>
+                <a:satMod val="350000"/>
+              </a:schemeClr>
+            </a:gs>
+            <a:gs pos="100000">
+              <a:schemeClr val="phClr">
+                <a:shade val="20000"/>
+                <a:satMod val="255000"/>
+              </a:schemeClr>
+            </a:gs>
+          </a:gsLst>
+          <a:path path="circle">
+            <a:fillToRect l="50000" t="-80000" r="50000" b="180000"/>
+          </a:path>
+        </a:gradFill>
+        <a:gradFill rotWithShape="1">
+          <a:gsLst>
+            <a:gs pos="0">
+              <a:schemeClr val="phClr">
+                <a:tint val="80000"/>
+                <a:satMod val="300000"/>
+              </a:schemeClr>
+            </a:gs>
+            <a:gs pos="100000">
+              <a:schemeClr val="phClr">
+                <a:shade val="30000"/>
+                <a:satMod val="200000"/>
+              </a:schemeClr>
+            </a:gs>
+          </a:gsLst>
+          <a:path path="circle">
+            <a:fillToRect l="50000" t="50000" r="50000" b="50000"/>
+          </a:path>
+        </a:gradFill>
+      </a:bgFillStyleLst>
+    </a:fmtScheme>
+  </a:themeElements>
+  <a:objectDefaults/>
+  <a:extraClrSchemeLst/>
+</a:theme>
 </file>
--- a/README.pptx
+++ b/README.pptx
@@ -118,7 +118,7 @@
   </p:defaultTextStyle>
   <p:extLst>
     <p:ext uri="{EFAFB233-063F-42B5-8137-9DF3F51BA10A}">
-      <p15:sldGuideLst xmlns="" xmlns:p15="http://schemas.microsoft.com/office/powerpoint/2012/main">
+      <p15:sldGuideLst xmlns:p15="http://schemas.microsoft.com/office/powerpoint/2012/main" xmlns="">
         <p15:guide id="1" orient="horz" pos="2160">
           <p15:clr>
             <a:srgbClr val="A4A3A4"/>
@@ -3409,9 +3409,16 @@
             <p:ph type="ctrTitle"/>
           </p:nvPr>
         </p:nvSpPr>
-        <p:spPr/>
-        <p:txBody>
-          <a:bodyPr/>
+        <p:spPr>
+          <a:xfrm>
+            <a:off x="1051302" y="612181"/>
+            <a:ext cx="9144000" cy="852407"/>
+          </a:xfrm>
+        </p:spPr>
+        <p:txBody>
+          <a:bodyPr>
+            <a:normAutofit fontScale="90000"/>
+          </a:bodyPr>
           <a:lstStyle/>
           <a:p>
             <a:r>
@@ -3432,7 +3439,12 @@
             <p:ph type="subTitle" idx="1"/>
           </p:nvPr>
         </p:nvSpPr>
-        <p:spPr/>
+        <p:spPr>
+          <a:xfrm>
+            <a:off x="1198535" y="1626004"/>
+            <a:ext cx="9144000" cy="450769"/>
+          </a:xfrm>
+        </p:spPr>
         <p:txBody>
           <a:bodyPr/>
           <a:lstStyle/>
@@ -3457,6 +3469,36 @@
           </a:p>
         </p:txBody>
       </p:sp>
+      <p:pic>
+        <p:nvPicPr>
+          <p:cNvPr id="5" name="Picture 4"/>
+          <p:cNvPicPr>
+            <a:picLocks noChangeAspect="1"/>
+          </p:cNvPicPr>
+          <p:nvPr/>
+        </p:nvPicPr>
+        <p:blipFill>
+          <a:blip r:embed="rId2">
+            <a:extLst>
+              <a:ext uri="{28A0092B-C50C-407E-A947-70E740481C1C}">
+                <a14:useLocalDpi xmlns:a14="http://schemas.microsoft.com/office/drawing/2010/main" val="0"/>
+              </a:ext>
+            </a:extLst>
+          </a:blip>
+          <a:stretch>
+            <a:fillRect/>
+          </a:stretch>
+        </p:blipFill>
+        <p:spPr>
+          <a:xfrm>
+            <a:off x="1394202" y="2373178"/>
+            <a:ext cx="8458200" cy="4000500"/>
+          </a:xfrm>
+          <a:prstGeom prst="rect">
+            <a:avLst/>
+          </a:prstGeom>
+        </p:spPr>
+      </p:pic>
     </p:spTree>
     <p:extLst>
       <p:ext uri="{BB962C8B-B14F-4D97-AF65-F5344CB8AC3E}">
@@ -3962,21 +4004,21 @@
                 <a:gridCol w="5054600">
                   <a:extLst>
                     <a:ext uri="{9D8B030D-6E8A-4147-A177-3AD203B41FA5}">
-                      <a16:colId xmlns="" xmlns:a16="http://schemas.microsoft.com/office/drawing/2014/main" val="865145431"/>
+                      <a16:colId xmlns:a16="http://schemas.microsoft.com/office/drawing/2014/main" xmlns="" val="865145431"/>
                     </a:ext>
                   </a:extLst>
                 </a:gridCol>
                 <a:gridCol w="1955800">
                   <a:extLst>
                     <a:ext uri="{9D8B030D-6E8A-4147-A177-3AD203B41FA5}">
-                      <a16:colId xmlns="" xmlns:a16="http://schemas.microsoft.com/office/drawing/2014/main" val="2266813503"/>
+                      <a16:colId xmlns:a16="http://schemas.microsoft.com/office/drawing/2014/main" xmlns="" val="2266813503"/>
                     </a:ext>
                   </a:extLst>
                 </a:gridCol>
                 <a:gridCol w="3505200">
                   <a:extLst>
                     <a:ext uri="{9D8B030D-6E8A-4147-A177-3AD203B41FA5}">
-                      <a16:colId xmlns="" xmlns:a16="http://schemas.microsoft.com/office/drawing/2014/main" val="3616348924"/>
+                      <a16:colId xmlns:a16="http://schemas.microsoft.com/office/drawing/2014/main" xmlns="" val="3616348924"/>
                     </a:ext>
                   </a:extLst>
                 </a:gridCol>
@@ -4071,7 +4113,7 @@
                 </a:tc>
                 <a:extLst>
                   <a:ext uri="{0D108BD9-81ED-4DB2-BD59-A6C34878D82A}">
-                    <a16:rowId xmlns="" xmlns:a16="http://schemas.microsoft.com/office/drawing/2014/main" val="4029533971"/>
+                    <a16:rowId xmlns:a16="http://schemas.microsoft.com/office/drawing/2014/main" xmlns="" val="4029533971"/>
                   </a:ext>
                 </a:extLst>
               </a:tr>
@@ -4177,7 +4219,7 @@
                 </a:tc>
                 <a:extLst>
                   <a:ext uri="{0D108BD9-81ED-4DB2-BD59-A6C34878D82A}">
-                    <a16:rowId xmlns="" xmlns:a16="http://schemas.microsoft.com/office/drawing/2014/main" val="3242111933"/>
+                    <a16:rowId xmlns:a16="http://schemas.microsoft.com/office/drawing/2014/main" xmlns="" val="3242111933"/>
                   </a:ext>
                 </a:extLst>
               </a:tr>
@@ -4271,7 +4313,7 @@
                 </a:tc>
                 <a:extLst>
                   <a:ext uri="{0D108BD9-81ED-4DB2-BD59-A6C34878D82A}">
-                    <a16:rowId xmlns="" xmlns:a16="http://schemas.microsoft.com/office/drawing/2014/main" val="3758837373"/>
+                    <a16:rowId xmlns:a16="http://schemas.microsoft.com/office/drawing/2014/main" xmlns="" val="3758837373"/>
                   </a:ext>
                 </a:extLst>
               </a:tr>
@@ -4371,7 +4413,7 @@
                 </a:tc>
                 <a:extLst>
                   <a:ext uri="{0D108BD9-81ED-4DB2-BD59-A6C34878D82A}">
-                    <a16:rowId xmlns="" xmlns:a16="http://schemas.microsoft.com/office/drawing/2014/main" val="2712992702"/>
+                    <a16:rowId xmlns:a16="http://schemas.microsoft.com/office/drawing/2014/main" xmlns="" val="2712992702"/>
                   </a:ext>
                 </a:extLst>
               </a:tr>
@@ -4471,7 +4513,7 @@
                 </a:tc>
                 <a:extLst>
                   <a:ext uri="{0D108BD9-81ED-4DB2-BD59-A6C34878D82A}">
-                    <a16:rowId xmlns="" xmlns:a16="http://schemas.microsoft.com/office/drawing/2014/main" val="1529562622"/>
+                    <a16:rowId xmlns:a16="http://schemas.microsoft.com/office/drawing/2014/main" xmlns="" val="1529562622"/>
                   </a:ext>
                 </a:extLst>
               </a:tr>
@@ -6294,7 +6336,7 @@
         </p:nvGraphicFramePr>
         <p:xfrm>
           <a:off x="860166" y="2260273"/>
-          <a:ext cx="10205624" cy="3239322"/>
+          <a:ext cx="10205624" cy="3257864"/>
         </p:xfrm>
         <a:graphic>
           <a:graphicData uri="http://schemas.openxmlformats.org/drawingml/2006/table">
@@ -7772,7 +7814,7 @@
   <a:extraClrSchemeLst/>
   <a:extLst>
     <a:ext uri="{05A4C25C-085E-4340-85A3-A5531E510DB2}">
-      <thm15:themeFamily xmlns="" xmlns:thm15="http://schemas.microsoft.com/office/thememl/2012/main" name="Office Theme" id="{62F939B6-93AF-4DB8-9C6B-D6C7DFDC589F}" vid="{4A3C46E8-61CC-4603-A589-7422A47A8E4A}"/>
+      <thm15:themeFamily xmlns:thm15="http://schemas.microsoft.com/office/thememl/2012/main" xmlns="" name="Office Theme" id="{62F939B6-93AF-4DB8-9C6B-D6C7DFDC589F}" vid="{4A3C46E8-61CC-4603-A589-7422A47A8E4A}"/>
     </a:ext>
   </a:extLst>
 </a:theme>

--- a/README.pptx
+++ b/README.pptx
@@ -118,7 +118,7 @@
   </p:defaultTextStyle>
   <p:extLst>
     <p:ext uri="{EFAFB233-063F-42B5-8137-9DF3F51BA10A}">
-      <p15:sldGuideLst xmlns:p15="http://schemas.microsoft.com/office/powerpoint/2012/main" xmlns="">
+      <p15:sldGuideLst xmlns="" xmlns:p15="http://schemas.microsoft.com/office/powerpoint/2012/main">
         <p15:guide id="1" orient="horz" pos="2160">
           <p15:clr>
             <a:srgbClr val="A4A3A4"/>
@@ -221,7 +221,7 @@
           <a:p>
             <a:fld id="{66B105AB-0F31-4E31-8256-7841B767E2AE}" type="datetimeFigureOut">
               <a:rPr lang="en-GB" smtClean="0"/>
-              <a:t>13/12/2017</a:t>
+              <a:t>14/12/2017</a:t>
             </a:fld>
             <a:endParaRPr lang="en-GB"/>
           </a:p>
@@ -620,7 +620,7 @@
           <a:p>
             <a:fld id="{0AF9AB42-7754-4A39-B895-9BE60049DFCC}" type="datetime1">
               <a:rPr lang="en-GB" smtClean="0"/>
-              <a:t>13/12/2017</a:t>
+              <a:t>14/12/2017</a:t>
             </a:fld>
             <a:endParaRPr lang="en-GB"/>
           </a:p>
@@ -794,7 +794,7 @@
           <a:p>
             <a:fld id="{C5FDF58E-A694-4923-8F74-566E8A32B1C7}" type="datetime1">
               <a:rPr lang="en-GB" smtClean="0"/>
-              <a:t>13/12/2017</a:t>
+              <a:t>14/12/2017</a:t>
             </a:fld>
             <a:endParaRPr lang="en-GB"/>
           </a:p>
@@ -978,7 +978,7 @@
           <a:p>
             <a:fld id="{CF68D6DF-1A30-4D8A-AD28-036908FB51B2}" type="datetime1">
               <a:rPr lang="en-GB" smtClean="0"/>
-              <a:t>13/12/2017</a:t>
+              <a:t>14/12/2017</a:t>
             </a:fld>
             <a:endParaRPr lang="en-GB"/>
           </a:p>
@@ -1152,7 +1152,7 @@
           <a:p>
             <a:fld id="{235352D1-08A9-4200-902D-1DD15FE1C897}" type="datetime1">
               <a:rPr lang="en-GB" smtClean="0"/>
-              <a:t>13/12/2017</a:t>
+              <a:t>14/12/2017</a:t>
             </a:fld>
             <a:endParaRPr lang="en-GB"/>
           </a:p>
@@ -1402,7 +1402,7 @@
           <a:p>
             <a:fld id="{BC1E5517-5DEB-4E83-8CC9-210D2FB0C171}" type="datetime1">
               <a:rPr lang="en-GB" smtClean="0"/>
-              <a:t>13/12/2017</a:t>
+              <a:t>14/12/2017</a:t>
             </a:fld>
             <a:endParaRPr lang="en-GB"/>
           </a:p>
@@ -1638,7 +1638,7 @@
           <a:p>
             <a:fld id="{6B54F2A8-ED5D-432B-8631-E3E5FE5C7B6C}" type="datetime1">
               <a:rPr lang="en-GB" smtClean="0"/>
-              <a:t>13/12/2017</a:t>
+              <a:t>14/12/2017</a:t>
             </a:fld>
             <a:endParaRPr lang="en-GB"/>
           </a:p>
@@ -2009,7 +2009,7 @@
           <a:p>
             <a:fld id="{71CC12EE-FF40-472C-8B7F-33B252D7C98B}" type="datetime1">
               <a:rPr lang="en-GB" smtClean="0"/>
-              <a:t>13/12/2017</a:t>
+              <a:t>14/12/2017</a:t>
             </a:fld>
             <a:endParaRPr lang="en-GB"/>
           </a:p>
@@ -2131,7 +2131,7 @@
           <a:p>
             <a:fld id="{C6B4B3F9-D2D6-4447-9135-E8F618E102B4}" type="datetime1">
               <a:rPr lang="en-GB" smtClean="0"/>
-              <a:t>13/12/2017</a:t>
+              <a:t>14/12/2017</a:t>
             </a:fld>
             <a:endParaRPr lang="en-GB"/>
           </a:p>
@@ -2230,7 +2230,7 @@
           <a:p>
             <a:fld id="{F61E7703-DFF0-48A9-BB88-68238BB724D2}" type="datetime1">
               <a:rPr lang="en-GB" smtClean="0"/>
-              <a:t>13/12/2017</a:t>
+              <a:t>14/12/2017</a:t>
             </a:fld>
             <a:endParaRPr lang="en-GB"/>
           </a:p>
@@ -2511,7 +2511,7 @@
           <a:p>
             <a:fld id="{C926F3A9-D135-485E-9A68-C7FCD6B30DAF}" type="datetime1">
               <a:rPr lang="en-GB" smtClean="0"/>
-              <a:t>13/12/2017</a:t>
+              <a:t>14/12/2017</a:t>
             </a:fld>
             <a:endParaRPr lang="en-GB"/>
           </a:p>
@@ -2772,7 +2772,7 @@
           <a:p>
             <a:fld id="{6001CE5A-4101-43EE-BFB2-58C7A7024D00}" type="datetime1">
               <a:rPr lang="en-GB" smtClean="0"/>
-              <a:t>13/12/2017</a:t>
+              <a:t>14/12/2017</a:t>
             </a:fld>
             <a:endParaRPr lang="en-GB"/>
           </a:p>
@@ -2989,7 +2989,7 @@
           <a:p>
             <a:fld id="{E124F8CC-8761-4124-A389-6C6DCCB38D99}" type="datetime1">
               <a:rPr lang="en-GB" smtClean="0"/>
-              <a:t>13/12/2017</a:t>
+              <a:t>14/12/2017</a:t>
             </a:fld>
             <a:endParaRPr lang="en-GB"/>
           </a:p>
@@ -3571,6 +3571,118 @@
           <a:lstStyle/>
           <a:p>
             <a:r>
+              <a:rPr lang="en-US" dirty="0" smtClean="0"/>
+              <a:t>Segre </a:t>
+            </a:r>
+            <a:r>
+              <a:rPr lang="en-US" dirty="0"/>
+              <a:t>AV, et al (2010). Common Inherited Variation in Mitochondrial Genes Is Not Enriched for Associations with Type 2 Diabetes or Related Glycemic Traits. </a:t>
+            </a:r>
+            <a:r>
+              <a:rPr lang="en-US" dirty="0" err="1"/>
+              <a:t>PLoS</a:t>
+            </a:r>
+            <a:r>
+              <a:rPr lang="en-US" dirty="0"/>
+              <a:t> Genet. 12;6(8). </a:t>
+            </a:r>
+            <a:r>
+              <a:rPr lang="en-US" dirty="0" err="1"/>
+              <a:t>pii</a:t>
+            </a:r>
+            <a:r>
+              <a:rPr lang="en-US" dirty="0"/>
+              <a:t>: e1001058. </a:t>
+            </a:r>
+            <a:r>
+              <a:rPr lang="en-US" dirty="0" err="1"/>
+              <a:t>doi</a:t>
+            </a:r>
+            <a:r>
+              <a:rPr lang="en-US" dirty="0"/>
+              <a:t>: 10.1371/journal.pgen.1001058</a:t>
+            </a:r>
+            <a:endParaRPr lang="en-GB" dirty="0"/>
+          </a:p>
+          <a:p>
+            <a:r>
+              <a:rPr lang="en-US" dirty="0"/>
+              <a:t>de </a:t>
+            </a:r>
+            <a:r>
+              <a:rPr lang="en-US" dirty="0" err="1"/>
+              <a:t>Leeuw</a:t>
+            </a:r>
+            <a:r>
+              <a:rPr lang="en-US" dirty="0"/>
+              <a:t> C, et al. (2015) MAGMA: Generalized Gene-Set Analysis of GWAS Data. </a:t>
+            </a:r>
+            <a:r>
+              <a:rPr lang="en-US" dirty="0" err="1"/>
+              <a:t>PLoS</a:t>
+            </a:r>
+            <a:r>
+              <a:rPr lang="en-US" dirty="0"/>
+              <a:t> </a:t>
+            </a:r>
+            <a:r>
+              <a:rPr lang="en-US" dirty="0" err="1"/>
+              <a:t>Comput</a:t>
+            </a:r>
+            <a:r>
+              <a:rPr lang="en-US" dirty="0"/>
+              <a:t> Biol. 11(4): e1004219. </a:t>
+            </a:r>
+            <a:r>
+              <a:rPr lang="en-US" dirty="0" err="1"/>
+              <a:t>doi</a:t>
+            </a:r>
+            <a:r>
+              <a:rPr lang="en-US" dirty="0"/>
+              <a:t>: 10.1371/journal.pcbi.1004219</a:t>
+            </a:r>
+            <a:endParaRPr lang="en-GB" dirty="0"/>
+          </a:p>
+          <a:p>
+            <a:r>
+              <a:rPr lang="en-US" dirty="0" err="1"/>
+              <a:t>Lamparter</a:t>
+            </a:r>
+            <a:r>
+              <a:rPr lang="en-US" dirty="0"/>
+              <a:t> D, et al. (2016) Fast and Rigorous Computation of Gene and Pathway Scores from SNP-Based Summary Statistics. </a:t>
+            </a:r>
+            <a:r>
+              <a:rPr lang="en-US" dirty="0" err="1"/>
+              <a:t>PLoS</a:t>
+            </a:r>
+            <a:r>
+              <a:rPr lang="en-US" dirty="0"/>
+              <a:t> </a:t>
+            </a:r>
+            <a:r>
+              <a:rPr lang="en-US" dirty="0" err="1"/>
+              <a:t>Comput</a:t>
+            </a:r>
+            <a:r>
+              <a:rPr lang="en-US" dirty="0"/>
+              <a:t> Biol. 2016 Jan 25;12(1):e1004714. </a:t>
+            </a:r>
+            <a:r>
+              <a:rPr lang="en-US" dirty="0" err="1"/>
+              <a:t>doi</a:t>
+            </a:r>
+            <a:r>
+              <a:rPr lang="en-US" dirty="0"/>
+              <a:t>: </a:t>
+            </a:r>
+            <a:r>
+              <a:rPr lang="en-US" dirty="0" smtClean="0"/>
+              <a:t>10.1371/journal.pcbi.1004714</a:t>
+            </a:r>
+          </a:p>
+          <a:p>
+            <a:r>
               <a:rPr lang="en-US" dirty="0" err="1"/>
               <a:t>Pers</a:t>
             </a:r>
@@ -3597,108 +3709,6 @@
             <a:endParaRPr lang="en-GB" dirty="0"/>
           </a:p>
           <a:p>
-            <a:r>
-              <a:rPr lang="en-US" dirty="0"/>
-              <a:t>Segre AV, et al (2010). Common Inherited Variation in Mitochondrial Genes Is Not Enriched for Associations with Type 2 Diabetes or Related Glycemic Traits. </a:t>
-            </a:r>
-            <a:r>
-              <a:rPr lang="en-US" dirty="0" err="1"/>
-              <a:t>PLoS</a:t>
-            </a:r>
-            <a:r>
-              <a:rPr lang="en-US" dirty="0"/>
-              <a:t> Genet. 12;6(8). </a:t>
-            </a:r>
-            <a:r>
-              <a:rPr lang="en-US" dirty="0" err="1"/>
-              <a:t>pii</a:t>
-            </a:r>
-            <a:r>
-              <a:rPr lang="en-US" dirty="0"/>
-              <a:t>: e1001058. </a:t>
-            </a:r>
-            <a:r>
-              <a:rPr lang="en-US" dirty="0" err="1"/>
-              <a:t>doi</a:t>
-            </a:r>
-            <a:r>
-              <a:rPr lang="en-US" dirty="0"/>
-              <a:t>: 10.1371/journal.pgen.1001058</a:t>
-            </a:r>
-            <a:endParaRPr lang="en-GB" dirty="0"/>
-          </a:p>
-          <a:p>
-            <a:r>
-              <a:rPr lang="en-US" dirty="0"/>
-              <a:t>de </a:t>
-            </a:r>
-            <a:r>
-              <a:rPr lang="en-US" dirty="0" err="1"/>
-              <a:t>Leeuw</a:t>
-            </a:r>
-            <a:r>
-              <a:rPr lang="en-US" dirty="0"/>
-              <a:t> C, et al. (2015) MAGMA: Generalized Gene-Set Analysis of GWAS Data. </a:t>
-            </a:r>
-            <a:r>
-              <a:rPr lang="en-US" dirty="0" err="1"/>
-              <a:t>PLoS</a:t>
-            </a:r>
-            <a:r>
-              <a:rPr lang="en-US" dirty="0"/>
-              <a:t> </a:t>
-            </a:r>
-            <a:r>
-              <a:rPr lang="en-US" dirty="0" err="1"/>
-              <a:t>Comput</a:t>
-            </a:r>
-            <a:r>
-              <a:rPr lang="en-US" dirty="0"/>
-              <a:t> Biol. 11(4): e1004219. </a:t>
-            </a:r>
-            <a:r>
-              <a:rPr lang="en-US" dirty="0" err="1"/>
-              <a:t>doi</a:t>
-            </a:r>
-            <a:r>
-              <a:rPr lang="en-US" dirty="0"/>
-              <a:t>: 10.1371/journal.pcbi.1004219</a:t>
-            </a:r>
-            <a:endParaRPr lang="en-GB" dirty="0"/>
-          </a:p>
-          <a:p>
-            <a:r>
-              <a:rPr lang="en-US" dirty="0" err="1"/>
-              <a:t>Lamparter</a:t>
-            </a:r>
-            <a:r>
-              <a:rPr lang="en-US" dirty="0"/>
-              <a:t> D, et al. (2016) Fast and Rigorous Computation of Gene and Pathway Scores from SNP-Based Summary Statistics. </a:t>
-            </a:r>
-            <a:r>
-              <a:rPr lang="en-US" dirty="0" err="1"/>
-              <a:t>PLoS</a:t>
-            </a:r>
-            <a:r>
-              <a:rPr lang="en-US" dirty="0"/>
-              <a:t> </a:t>
-            </a:r>
-            <a:r>
-              <a:rPr lang="en-US" dirty="0" err="1"/>
-              <a:t>Comput</a:t>
-            </a:r>
-            <a:r>
-              <a:rPr lang="en-US" dirty="0"/>
-              <a:t> Biol. 2016 Jan 25;12(1):e1004714. </a:t>
-            </a:r>
-            <a:r>
-              <a:rPr lang="en-US" dirty="0" err="1"/>
-              <a:t>doi</a:t>
-            </a:r>
-            <a:r>
-              <a:rPr lang="en-US" dirty="0"/>
-              <a:t>: 10.1371/journal.pcbi.1004714</a:t>
-            </a:r>
             <a:endParaRPr lang="en-GB" dirty="0"/>
           </a:p>
         </p:txBody>
@@ -4004,21 +4014,21 @@
                 <a:gridCol w="5054600">
                   <a:extLst>
                     <a:ext uri="{9D8B030D-6E8A-4147-A177-3AD203B41FA5}">
-                      <a16:colId xmlns:a16="http://schemas.microsoft.com/office/drawing/2014/main" xmlns="" val="865145431"/>
+                      <a16:colId xmlns="" xmlns:a16="http://schemas.microsoft.com/office/drawing/2014/main" val="865145431"/>
                     </a:ext>
                   </a:extLst>
                 </a:gridCol>
                 <a:gridCol w="1955800">
                   <a:extLst>
                     <a:ext uri="{9D8B030D-6E8A-4147-A177-3AD203B41FA5}">
-                      <a16:colId xmlns:a16="http://schemas.microsoft.com/office/drawing/2014/main" xmlns="" val="2266813503"/>
+                      <a16:colId xmlns="" xmlns:a16="http://schemas.microsoft.com/office/drawing/2014/main" val="2266813503"/>
                     </a:ext>
                   </a:extLst>
                 </a:gridCol>
                 <a:gridCol w="3505200">
                   <a:extLst>
                     <a:ext uri="{9D8B030D-6E8A-4147-A177-3AD203B41FA5}">
-                      <a16:colId xmlns:a16="http://schemas.microsoft.com/office/drawing/2014/main" xmlns="" val="3616348924"/>
+                      <a16:colId xmlns="" xmlns:a16="http://schemas.microsoft.com/office/drawing/2014/main" val="3616348924"/>
                     </a:ext>
                   </a:extLst>
                 </a:gridCol>
@@ -4113,7 +4123,7 @@
                 </a:tc>
                 <a:extLst>
                   <a:ext uri="{0D108BD9-81ED-4DB2-BD59-A6C34878D82A}">
-                    <a16:rowId xmlns:a16="http://schemas.microsoft.com/office/drawing/2014/main" xmlns="" val="4029533971"/>
+                    <a16:rowId xmlns="" xmlns:a16="http://schemas.microsoft.com/office/drawing/2014/main" val="4029533971"/>
                   </a:ext>
                 </a:extLst>
               </a:tr>
@@ -4219,7 +4229,7 @@
                 </a:tc>
                 <a:extLst>
                   <a:ext uri="{0D108BD9-81ED-4DB2-BD59-A6C34878D82A}">
-                    <a16:rowId xmlns:a16="http://schemas.microsoft.com/office/drawing/2014/main" xmlns="" val="3242111933"/>
+                    <a16:rowId xmlns="" xmlns:a16="http://schemas.microsoft.com/office/drawing/2014/main" val="3242111933"/>
                   </a:ext>
                 </a:extLst>
               </a:tr>
@@ -4313,7 +4323,7 @@
                 </a:tc>
                 <a:extLst>
                   <a:ext uri="{0D108BD9-81ED-4DB2-BD59-A6C34878D82A}">
-                    <a16:rowId xmlns:a16="http://schemas.microsoft.com/office/drawing/2014/main" xmlns="" val="3758837373"/>
+                    <a16:rowId xmlns="" xmlns:a16="http://schemas.microsoft.com/office/drawing/2014/main" val="3758837373"/>
                   </a:ext>
                 </a:extLst>
               </a:tr>
@@ -4413,7 +4423,7 @@
                 </a:tc>
                 <a:extLst>
                   <a:ext uri="{0D108BD9-81ED-4DB2-BD59-A6C34878D82A}">
-                    <a16:rowId xmlns:a16="http://schemas.microsoft.com/office/drawing/2014/main" xmlns="" val="2712992702"/>
+                    <a16:rowId xmlns="" xmlns:a16="http://schemas.microsoft.com/office/drawing/2014/main" val="2712992702"/>
                   </a:ext>
                 </a:extLst>
               </a:tr>
@@ -4513,7 +4523,7 @@
                 </a:tc>
                 <a:extLst>
                   <a:ext uri="{0D108BD9-81ED-4DB2-BD59-A6C34878D82A}">
-                    <a16:rowId xmlns:a16="http://schemas.microsoft.com/office/drawing/2014/main" xmlns="" val="1529562622"/>
+                    <a16:rowId xmlns="" xmlns:a16="http://schemas.microsoft.com/office/drawing/2014/main" val="1529562622"/>
                   </a:ext>
                 </a:extLst>
               </a:tr>
@@ -4661,8 +4671,13 @@
           <a:p>
             <a:r>
               <a:rPr lang="en-GB" dirty="0" smtClean="0"/>
-              <a:t>MAGMA. Similar to MAGENTA.</a:t>
-            </a:r>
+              <a:t>MAGMA. Similar to </a:t>
+            </a:r>
+            <a:r>
+              <a:rPr lang="en-GB" dirty="0" smtClean="0"/>
+              <a:t>MAGENTA in spirit.</a:t>
+            </a:r>
+            <a:endParaRPr lang="en-GB" dirty="0" smtClean="0"/>
           </a:p>
           <a:p>
             <a:r>
@@ -4784,7 +4799,7 @@
             <a:pPr algn="ctr"/>
             <a:r>
               <a:rPr lang="en-GB" dirty="0" smtClean="0"/>
-              <a:t>Rationale</a:t>
+              <a:t>Rationale for the pipeline</a:t>
             </a:r>
             <a:endParaRPr lang="en-GB" dirty="0"/>
           </a:p>
@@ -5034,15 +5049,11 @@
             </a:pPr>
             <a:r>
               <a:rPr lang="en-GB" dirty="0"/>
-              <a:t>INPUT. GWAS summary statistics </a:t>
+              <a:t>SYNTAX. </a:t>
             </a:r>
             <a:r>
               <a:rPr lang="en-GB" b="1" dirty="0"/>
-              <a:t>(repro.txt),</a:t>
-            </a:r>
-            <a:r>
-              <a:rPr lang="en-GB" dirty="0"/>
-              <a:t> e.g., </a:t>
+              <a:t>pwp.sh repro.txt</a:t>
             </a:r>
           </a:p>
           <a:p>
@@ -5050,73 +5061,99 @@
               <a:buNone/>
             </a:pPr>
             <a:r>
-              <a:rPr lang="pt-BR" dirty="0"/>
-              <a:t>SNP A1 A2 freqA1 beta se P N chr pos</a:t>
-            </a:r>
-            <a:endParaRPr lang="en-GB" dirty="0"/>
+              <a:rPr lang="en-GB" dirty="0" smtClean="0"/>
+              <a:t>INPUT</a:t>
+            </a:r>
+            <a:r>
+              <a:rPr lang="en-GB" dirty="0"/>
+              <a:t>. GWAS summary statistics </a:t>
+            </a:r>
+            <a:r>
+              <a:rPr lang="en-GB" b="1" dirty="0"/>
+              <a:t>(repro.txt),</a:t>
+            </a:r>
+            <a:r>
+              <a:rPr lang="en-GB" dirty="0"/>
+              <a:t> e.g., </a:t>
+            </a:r>
           </a:p>
           <a:p>
             <a:pPr marL="0" indent="0">
               <a:buNone/>
             </a:pPr>
             <a:r>
-              <a:rPr lang="en-GB" dirty="0"/>
-              <a:t>rs4970634 a g 0.6730 -0.1970 0.0216 6.433e-20 70423 1 39364617</a:t>
-            </a:r>
+              <a:rPr lang="pt-BR" dirty="0"/>
+              <a:t>SNP A1 A2 freqA1 beta se P N chr pos</a:t>
+            </a:r>
+            <a:endParaRPr lang="en-GB" dirty="0"/>
           </a:p>
           <a:p>
             <a:pPr marL="0" indent="0">
               <a:buNone/>
             </a:pPr>
-            <a:endParaRPr lang="en-GB" dirty="0"/>
+            <a:r>
+              <a:rPr lang="en-GB" dirty="0"/>
+              <a:t>rs4970634 a g 0.6730 -0.1970 0.0216 6.433e-20 70423 1 39364617</a:t>
+            </a:r>
           </a:p>
           <a:p>
             <a:pPr marL="0" indent="0">
               <a:buNone/>
             </a:pPr>
             <a:r>
+              <a:rPr lang="en-GB" dirty="0" smtClean="0"/>
+              <a:t>OUTPUT</a:t>
+            </a:r>
+            <a:r>
               <a:rPr lang="en-GB" dirty="0"/>
-              <a:t>SYNTAX. </a:t>
-            </a:r>
-            <a:r>
-              <a:rPr lang="en-GB" b="1" dirty="0"/>
-              <a:t>pwp.sh repro.txt</a:t>
+              <a:t>. One can choose software, e.g., MAGENTA, MAGMA</a:t>
+            </a:r>
+            <a:r>
+              <a:rPr lang="en-GB" dirty="0" smtClean="0"/>
+              <a:t>.</a:t>
             </a:r>
           </a:p>
           <a:p>
             <a:pPr marL="0" indent="0">
               <a:buNone/>
             </a:pPr>
-            <a:r>
-              <a:rPr lang="en-GB" dirty="0"/>
-              <a:t>OUTPUT. One can choose software, e.g., MAGENTA, MAGMA</a:t>
-            </a:r>
-            <a:r>
-              <a:rPr lang="en-GB" dirty="0" smtClean="0"/>
-              <a:t>.</a:t>
-            </a:r>
+            <a:endParaRPr lang="en-GB" dirty="0" smtClean="0"/>
           </a:p>
           <a:p>
             <a:pPr marL="0" indent="0">
               <a:buNone/>
             </a:pPr>
-            <a:endParaRPr lang="en-GB" dirty="0"/>
-          </a:p>
-          <a:p>
-            <a:pPr marL="0" indent="0">
-              <a:buNone/>
-            </a:pPr>
             <a:r>
               <a:rPr lang="en-GB" dirty="0" smtClean="0"/>
-              <a:t>Examples are given to get SNP </a:t>
+              <a:t>Examples </a:t>
+            </a:r>
+            <a:r>
+              <a:rPr lang="en-GB" dirty="0" smtClean="0"/>
+              <a:t>are given to get SNP positions from specific </a:t>
+            </a:r>
+            <a:r>
+              <a:rPr lang="en-GB" dirty="0" smtClean="0"/>
+              <a:t>builds base on UCSC; more details are available </a:t>
+            </a:r>
+            <a:r>
+              <a:rPr lang="en-GB"/>
+              <a:t>from </a:t>
             </a:r>
             <a:r>
               <a:rPr lang="en-GB" smtClean="0"/>
-              <a:t>positions from specific </a:t>
-            </a:r>
-            <a:r>
-              <a:rPr lang="en-GB" dirty="0" smtClean="0"/>
-              <a:t>builds.</a:t>
+              <a:t>/genetics/bin/PW-pipeline and https</a:t>
+            </a:r>
+            <a:r>
+              <a:rPr lang="en-GB"/>
+              <a:t>://</a:t>
+            </a:r>
+            <a:r>
+              <a:rPr lang="en-GB" smtClean="0"/>
+              <a:t>github.com/jinghuazhao/PW-pipeline</a:t>
+            </a:r>
+            <a:r>
+              <a:rPr lang="en-GB" smtClean="0"/>
+              <a:t>. </a:t>
             </a:r>
             <a:endParaRPr lang="en-GB" dirty="0"/>
           </a:p>
@@ -6329,14 +6366,14 @@
             <p:ph idx="1"/>
             <p:extLst>
               <p:ext uri="{D42A27DB-BD31-4B8C-83A1-F6EECF244321}">
-                <p14:modId xmlns:p14="http://schemas.microsoft.com/office/powerpoint/2010/main" val="1746911084"/>
+                <p14:modId xmlns:p14="http://schemas.microsoft.com/office/powerpoint/2010/main" val="2146855889"/>
               </p:ext>
             </p:extLst>
           </p:nvPr>
         </p:nvGraphicFramePr>
         <p:xfrm>
           <a:off x="860166" y="2260273"/>
-          <a:ext cx="10205624" cy="3257864"/>
+          <a:ext cx="10205624" cy="3239322"/>
         </p:xfrm>
         <a:graphic>
           <a:graphicData uri="http://schemas.openxmlformats.org/drawingml/2006/table">
@@ -6658,10 +6695,10 @@
                         </a:spcAft>
                       </a:pPr>
                       <a:r>
-                        <a:rPr lang="en-GB" sz="1800" dirty="0">
+                        <a:rPr lang="en-GB" sz="1800" dirty="0" smtClean="0">
                           <a:effectLst/>
                         </a:rPr>
-                        <a:t>1091</a:t>
+                        <a:t>1,091</a:t>
                       </a:r>
                       <a:endParaRPr lang="en-GB" sz="1800" dirty="0">
                         <a:effectLst/>
@@ -7010,12 +7047,12 @@
                         </a:spcAft>
                       </a:pPr>
                       <a:r>
-                        <a:rPr lang="en-GB" sz="1800">
+                        <a:rPr lang="en-GB" sz="1800" dirty="0" smtClean="0">
                           <a:effectLst/>
                         </a:rPr>
-                        <a:t>1896</a:t>
-                      </a:r>
-                      <a:endParaRPr lang="en-GB" sz="1800">
+                        <a:t>1,896</a:t>
+                      </a:r>
+                      <a:endParaRPr lang="en-GB" sz="1800" dirty="0">
                         <a:effectLst/>
                         <a:latin typeface="Calibri"/>
                         <a:ea typeface="SimSun"/>
@@ -7186,12 +7223,12 @@
                         </a:spcAft>
                       </a:pPr>
                       <a:r>
-                        <a:rPr lang="en-GB" sz="1800">
+                        <a:rPr lang="en-GB" sz="1800" dirty="0" smtClean="0">
                           <a:effectLst/>
                         </a:rPr>
-                        <a:t>2569</a:t>
-                      </a:r>
-                      <a:endParaRPr lang="en-GB" sz="1800">
+                        <a:t>2,569</a:t>
+                      </a:r>
+                      <a:endParaRPr lang="en-GB" sz="1800" dirty="0">
                         <a:effectLst/>
                         <a:latin typeface="Calibri"/>
                         <a:ea typeface="SimSun"/>
@@ -7244,12 +7281,12 @@
                         </a:spcAft>
                       </a:pPr>
                       <a:r>
-                        <a:rPr lang="en-GB" sz="1800">
+                        <a:rPr lang="en-GB" sz="1800" dirty="0" smtClean="0">
                           <a:effectLst/>
                         </a:rPr>
-                        <a:t>1418</a:t>
-                      </a:r>
-                      <a:endParaRPr lang="en-GB" sz="1800">
+                        <a:t>1,418</a:t>
+                      </a:r>
+                      <a:endParaRPr lang="en-GB" sz="1800" dirty="0">
                         <a:effectLst/>
                         <a:latin typeface="Calibri"/>
                         <a:ea typeface="SimSun"/>
@@ -7273,10 +7310,10 @@
                         </a:spcAft>
                       </a:pPr>
                       <a:r>
-                        <a:rPr lang="en-GB" sz="1800" dirty="0">
+                        <a:rPr lang="en-GB" sz="1800" dirty="0" smtClean="0">
                           <a:effectLst/>
                         </a:rPr>
-                        <a:t>1272</a:t>
+                        <a:t>1,272</a:t>
                       </a:r>
                       <a:endParaRPr lang="en-GB" sz="1800" dirty="0">
                         <a:effectLst/>
@@ -7302,10 +7339,22 @@
                         </a:spcAft>
                       </a:pPr>
                       <a:r>
-                        <a:rPr lang="en-GB" sz="1800" dirty="0">
+                        <a:rPr lang="en-GB" sz="1800" dirty="0" smtClean="0">
                           <a:effectLst/>
                         </a:rPr>
-                        <a:t>1hr</a:t>
+                        <a:t>~2</a:t>
+                      </a:r>
+                      <a:r>
+                        <a:rPr lang="en-GB" sz="1800" baseline="0" dirty="0" smtClean="0">
+                          <a:effectLst/>
+                        </a:rPr>
+                        <a:t> </a:t>
+                      </a:r>
+                      <a:r>
+                        <a:rPr lang="en-GB" sz="1800" dirty="0" smtClean="0">
+                          <a:effectLst/>
+                        </a:rPr>
+                        <a:t>hrs</a:t>
                       </a:r>
                       <a:endParaRPr lang="en-GB" sz="1800" dirty="0">
                         <a:effectLst/>
@@ -7814,7 +7863,7 @@
   <a:extraClrSchemeLst/>
   <a:extLst>
     <a:ext uri="{05A4C25C-085E-4340-85A3-A5531E510DB2}">
-      <thm15:themeFamily xmlns:thm15="http://schemas.microsoft.com/office/thememl/2012/main" xmlns="" name="Office Theme" id="{62F939B6-93AF-4DB8-9C6B-D6C7DFDC589F}" vid="{4A3C46E8-61CC-4603-A589-7422A47A8E4A}"/>
+      <thm15:themeFamily xmlns="" xmlns:thm15="http://schemas.microsoft.com/office/thememl/2012/main" name="Office Theme" id="{62F939B6-93AF-4DB8-9C6B-D6C7DFDC589F}" vid="{4A3C46E8-61CC-4603-A589-7422A47A8E4A}"/>
     </a:ext>
   </a:extLst>
 </a:theme>

--- a/README.pptx
+++ b/README.pptx
@@ -118,7 +118,7 @@
   </p:defaultTextStyle>
   <p:extLst>
     <p:ext uri="{EFAFB233-063F-42B5-8137-9DF3F51BA10A}">
-      <p15:sldGuideLst xmlns="" xmlns:p15="http://schemas.microsoft.com/office/powerpoint/2012/main">
+      <p15:sldGuideLst xmlns:p15="http://schemas.microsoft.com/office/powerpoint/2012/main" xmlns="">
         <p15:guide id="1" orient="horz" pos="2160">
           <p15:clr>
             <a:srgbClr val="A4A3A4"/>
@@ -4014,21 +4014,21 @@
                 <a:gridCol w="5054600">
                   <a:extLst>
                     <a:ext uri="{9D8B030D-6E8A-4147-A177-3AD203B41FA5}">
-                      <a16:colId xmlns="" xmlns:a16="http://schemas.microsoft.com/office/drawing/2014/main" val="865145431"/>
+                      <a16:colId xmlns:a16="http://schemas.microsoft.com/office/drawing/2014/main" xmlns="" val="865145431"/>
                     </a:ext>
                   </a:extLst>
                 </a:gridCol>
                 <a:gridCol w="1955800">
                   <a:extLst>
                     <a:ext uri="{9D8B030D-6E8A-4147-A177-3AD203B41FA5}">
-                      <a16:colId xmlns="" xmlns:a16="http://schemas.microsoft.com/office/drawing/2014/main" val="2266813503"/>
+                      <a16:colId xmlns:a16="http://schemas.microsoft.com/office/drawing/2014/main" xmlns="" val="2266813503"/>
                     </a:ext>
                   </a:extLst>
                 </a:gridCol>
                 <a:gridCol w="3505200">
                   <a:extLst>
                     <a:ext uri="{9D8B030D-6E8A-4147-A177-3AD203B41FA5}">
-                      <a16:colId xmlns="" xmlns:a16="http://schemas.microsoft.com/office/drawing/2014/main" val="3616348924"/>
+                      <a16:colId xmlns:a16="http://schemas.microsoft.com/office/drawing/2014/main" xmlns="" val="3616348924"/>
                     </a:ext>
                   </a:extLst>
                 </a:gridCol>
@@ -4123,7 +4123,7 @@
                 </a:tc>
                 <a:extLst>
                   <a:ext uri="{0D108BD9-81ED-4DB2-BD59-A6C34878D82A}">
-                    <a16:rowId xmlns="" xmlns:a16="http://schemas.microsoft.com/office/drawing/2014/main" val="4029533971"/>
+                    <a16:rowId xmlns:a16="http://schemas.microsoft.com/office/drawing/2014/main" xmlns="" val="4029533971"/>
                   </a:ext>
                 </a:extLst>
               </a:tr>
@@ -4229,7 +4229,7 @@
                 </a:tc>
                 <a:extLst>
                   <a:ext uri="{0D108BD9-81ED-4DB2-BD59-A6C34878D82A}">
-                    <a16:rowId xmlns="" xmlns:a16="http://schemas.microsoft.com/office/drawing/2014/main" val="3242111933"/>
+                    <a16:rowId xmlns:a16="http://schemas.microsoft.com/office/drawing/2014/main" xmlns="" val="3242111933"/>
                   </a:ext>
                 </a:extLst>
               </a:tr>
@@ -4323,7 +4323,7 @@
                 </a:tc>
                 <a:extLst>
                   <a:ext uri="{0D108BD9-81ED-4DB2-BD59-A6C34878D82A}">
-                    <a16:rowId xmlns="" xmlns:a16="http://schemas.microsoft.com/office/drawing/2014/main" val="3758837373"/>
+                    <a16:rowId xmlns:a16="http://schemas.microsoft.com/office/drawing/2014/main" xmlns="" val="3758837373"/>
                   </a:ext>
                 </a:extLst>
               </a:tr>
@@ -4423,7 +4423,7 @@
                 </a:tc>
                 <a:extLst>
                   <a:ext uri="{0D108BD9-81ED-4DB2-BD59-A6C34878D82A}">
-                    <a16:rowId xmlns="" xmlns:a16="http://schemas.microsoft.com/office/drawing/2014/main" val="2712992702"/>
+                    <a16:rowId xmlns:a16="http://schemas.microsoft.com/office/drawing/2014/main" xmlns="" val="2712992702"/>
                   </a:ext>
                 </a:extLst>
               </a:tr>
@@ -4523,7 +4523,7 @@
                 </a:tc>
                 <a:extLst>
                   <a:ext uri="{0D108BD9-81ED-4DB2-BD59-A6C34878D82A}">
-                    <a16:rowId xmlns="" xmlns:a16="http://schemas.microsoft.com/office/drawing/2014/main" val="1529562622"/>
+                    <a16:rowId xmlns:a16="http://schemas.microsoft.com/office/drawing/2014/main" xmlns="" val="1529562622"/>
                   </a:ext>
                 </a:extLst>
               </a:tr>
@@ -4671,13 +4671,8 @@
           <a:p>
             <a:r>
               <a:rPr lang="en-GB" dirty="0" smtClean="0"/>
-              <a:t>MAGMA. Similar to </a:t>
-            </a:r>
-            <a:r>
-              <a:rPr lang="en-GB" dirty="0" smtClean="0"/>
-              <a:t>MAGENTA in spirit.</a:t>
-            </a:r>
-            <a:endParaRPr lang="en-GB" dirty="0" smtClean="0"/>
+              <a:t>MAGMA. Similar to MAGENTA in spirit.</a:t>
+            </a:r>
           </a:p>
           <a:p>
             <a:r>
@@ -5125,15 +5120,7 @@
             </a:pPr>
             <a:r>
               <a:rPr lang="en-GB" dirty="0" smtClean="0"/>
-              <a:t>Examples </a:t>
-            </a:r>
-            <a:r>
-              <a:rPr lang="en-GB" dirty="0" smtClean="0"/>
-              <a:t>are given to get SNP positions from specific </a:t>
-            </a:r>
-            <a:r>
-              <a:rPr lang="en-GB" dirty="0" smtClean="0"/>
-              <a:t>builds base on UCSC; more details are available </a:t>
+              <a:t>Examples are given to get SNP positions from specific builds base on UCSC; more details are available </a:t>
             </a:r>
             <a:r>
               <a:rPr lang="en-GB"/>
@@ -5149,11 +5136,7 @@
             </a:r>
             <a:r>
               <a:rPr lang="en-GB" smtClean="0"/>
-              <a:t>github.com/jinghuazhao/PW-pipeline</a:t>
-            </a:r>
-            <a:r>
-              <a:rPr lang="en-GB" smtClean="0"/>
-              <a:t>. </a:t>
+              <a:t>github.com/jinghuazhao/PW-pipeline. </a:t>
             </a:r>
             <a:endParaRPr lang="en-GB" dirty="0"/>
           </a:p>
@@ -6366,7 +6349,7 @@
             <p:ph idx="1"/>
             <p:extLst>
               <p:ext uri="{D42A27DB-BD31-4B8C-83A1-F6EECF244321}">
-                <p14:modId xmlns:p14="http://schemas.microsoft.com/office/powerpoint/2010/main" val="2146855889"/>
+                <p14:modId xmlns:p14="http://schemas.microsoft.com/office/powerpoint/2010/main" val="2406193397"/>
               </p:ext>
             </p:extLst>
           </p:nvPr>
@@ -7163,10 +7146,16 @@
                         </a:spcAft>
                       </a:pPr>
                       <a:r>
+                        <a:rPr lang="en-GB" sz="1800" smtClean="0">
+                          <a:effectLst/>
+                        </a:rPr>
+                        <a:t>&lt;3 </a:t>
+                      </a:r>
+                      <a:r>
                         <a:rPr lang="en-GB" sz="1800">
                           <a:effectLst/>
                         </a:rPr>
-                        <a:t>2 days</a:t>
+                        <a:t>days</a:t>
                       </a:r>
                       <a:endParaRPr lang="en-GB" sz="1800">
                         <a:effectLst/>
@@ -7339,22 +7328,16 @@
                         </a:spcAft>
                       </a:pPr>
                       <a:r>
+                        <a:rPr lang="en-GB" sz="1800" baseline="0" dirty="0" smtClean="0">
+                          <a:effectLst/>
+                        </a:rPr>
+                        <a:t>&lt;1 </a:t>
+                      </a:r>
+                      <a:r>
                         <a:rPr lang="en-GB" sz="1800" dirty="0" smtClean="0">
                           <a:effectLst/>
                         </a:rPr>
-                        <a:t>~2</a:t>
-                      </a:r>
-                      <a:r>
-                        <a:rPr lang="en-GB" sz="1800" baseline="0" dirty="0" smtClean="0">
-                          <a:effectLst/>
-                        </a:rPr>
-                        <a:t> </a:t>
-                      </a:r>
-                      <a:r>
-                        <a:rPr lang="en-GB" sz="1800" dirty="0" smtClean="0">
-                          <a:effectLst/>
-                        </a:rPr>
-                        <a:t>hrs</a:t>
+                        <a:t>hr</a:t>
                       </a:r>
                       <a:endParaRPr lang="en-GB" sz="1800" dirty="0">
                         <a:effectLst/>
@@ -7863,7 +7846,7 @@
   <a:extraClrSchemeLst/>
   <a:extLst>
     <a:ext uri="{05A4C25C-085E-4340-85A3-A5531E510DB2}">
-      <thm15:themeFamily xmlns="" xmlns:thm15="http://schemas.microsoft.com/office/thememl/2012/main" name="Office Theme" id="{62F939B6-93AF-4DB8-9C6B-D6C7DFDC589F}" vid="{4A3C46E8-61CC-4603-A589-7422A47A8E4A}"/>
+      <thm15:themeFamily xmlns:thm15="http://schemas.microsoft.com/office/thememl/2012/main" xmlns="" name="Office Theme" id="{62F939B6-93AF-4DB8-9C6B-D6C7DFDC589F}" vid="{4A3C46E8-61CC-4603-A589-7422A47A8E4A}"/>
     </a:ext>
   </a:extLst>
 </a:theme>

--- a/README.pptx
+++ b/README.pptx
@@ -5,19 +5,21 @@
     <p:sldMasterId id="2147483660" r:id="rId1"/>
   </p:sldMasterIdLst>
   <p:notesMasterIdLst>
-    <p:notesMasterId r:id="rId12"/>
+    <p:notesMasterId r:id="rId14"/>
   </p:notesMasterIdLst>
   <p:sldIdLst>
     <p:sldId id="256" r:id="rId2"/>
-    <p:sldId id="258" r:id="rId3"/>
-    <p:sldId id="259" r:id="rId4"/>
-    <p:sldId id="278" r:id="rId5"/>
-    <p:sldId id="272" r:id="rId6"/>
-    <p:sldId id="271" r:id="rId7"/>
-    <p:sldId id="275" r:id="rId8"/>
-    <p:sldId id="276" r:id="rId9"/>
-    <p:sldId id="277" r:id="rId10"/>
-    <p:sldId id="274" r:id="rId11"/>
+    <p:sldId id="272" r:id="rId3"/>
+    <p:sldId id="258" r:id="rId4"/>
+    <p:sldId id="259" r:id="rId5"/>
+    <p:sldId id="271" r:id="rId6"/>
+    <p:sldId id="280" r:id="rId7"/>
+    <p:sldId id="279" r:id="rId8"/>
+    <p:sldId id="278" r:id="rId9"/>
+    <p:sldId id="275" r:id="rId10"/>
+    <p:sldId id="276" r:id="rId11"/>
+    <p:sldId id="277" r:id="rId12"/>
+    <p:sldId id="274" r:id="rId13"/>
   </p:sldIdLst>
   <p:sldSz cx="12192000" cy="6858000"/>
   <p:notesSz cx="6858000" cy="9144000"/>
@@ -118,7 +120,7 @@
   </p:defaultTextStyle>
   <p:extLst>
     <p:ext uri="{EFAFB233-063F-42B5-8137-9DF3F51BA10A}">
-      <p15:sldGuideLst xmlns:p15="http://schemas.microsoft.com/office/powerpoint/2012/main" xmlns="">
+      <p15:sldGuideLst xmlns:p15="http://schemas.microsoft.com/office/powerpoint/2012/main">
         <p15:guide id="1" orient="horz" pos="2160">
           <p15:clr>
             <a:srgbClr val="A4A3A4"/>
@@ -3422,10 +3424,10 @@
           <a:lstStyle/>
           <a:p>
             <a:r>
-              <a:rPr lang="en-US" dirty="0"/>
+              <a:rPr lang="en-US" b="1" dirty="0"/>
               <a:t>PW-pipeline</a:t>
             </a:r>
-            <a:endParaRPr lang="en-GB" dirty="0"/>
+            <a:endParaRPr lang="en-GB" b="1" dirty="0"/>
           </a:p>
         </p:txBody>
       </p:sp>
@@ -3546,10 +3548,1368 @@
           <a:p>
             <a:pPr algn="ctr"/>
             <a:r>
-              <a:rPr lang="en-US" dirty="0"/>
+              <a:rPr lang="en-GB" b="1" dirty="0" smtClean="0"/>
+              <a:t>Power </a:t>
+            </a:r>
+            <a:r>
+              <a:rPr lang="en-GB" b="1" dirty="0" smtClean="0"/>
+              <a:t>comparison using a benchmark</a:t>
+            </a:r>
+            <a:endParaRPr lang="en-GB" b="1" dirty="0"/>
+          </a:p>
+        </p:txBody>
+      </p:sp>
+      <p:graphicFrame>
+        <p:nvGraphicFramePr>
+          <p:cNvPr id="4" name="Content Placeholder 3"/>
+          <p:cNvGraphicFramePr>
+            <a:graphicFrameLocks noGrp="1"/>
+          </p:cNvGraphicFramePr>
+          <p:nvPr>
+            <p:ph idx="1"/>
+            <p:extLst>
+              <p:ext uri="{D42A27DB-BD31-4B8C-83A1-F6EECF244321}">
+                <p14:modId xmlns:p14="http://schemas.microsoft.com/office/powerpoint/2010/main" val="1664255405"/>
+              </p:ext>
+            </p:extLst>
+          </p:nvPr>
+        </p:nvGraphicFramePr>
+        <p:xfrm>
+          <a:off x="993188" y="1973946"/>
+          <a:ext cx="10205624" cy="3257864"/>
+        </p:xfrm>
+        <a:graphic>
+          <a:graphicData uri="http://schemas.openxmlformats.org/drawingml/2006/table">
+            <a:tbl>
+              <a:tblPr firstRow="1" firstCol="1" bandRow="1">
+                <a:tableStyleId>{5C22544A-7EE6-4342-B048-85BDC9FD1C3A}</a:tableStyleId>
+              </a:tblPr>
+              <a:tblGrid>
+                <a:gridCol w="2045766">
+                  <a:extLst>
+                    <a:ext uri="{9D8B030D-6E8A-4147-A177-3AD203B41FA5}">
+                      <a16:colId xmlns:a16="http://schemas.microsoft.com/office/drawing/2014/main" val="20000"/>
+                    </a:ext>
+                  </a:extLst>
+                </a:gridCol>
+                <a:gridCol w="1108129">
+                  <a:extLst>
+                    <a:ext uri="{9D8B030D-6E8A-4147-A177-3AD203B41FA5}">
+                      <a16:colId xmlns:a16="http://schemas.microsoft.com/office/drawing/2014/main" val="20001"/>
+                    </a:ext>
+                  </a:extLst>
+                </a:gridCol>
+                <a:gridCol w="1255362">
+                  <a:extLst>
+                    <a:ext uri="{9D8B030D-6E8A-4147-A177-3AD203B41FA5}">
+                      <a16:colId xmlns:a16="http://schemas.microsoft.com/office/drawing/2014/main" val="20002"/>
+                    </a:ext>
+                  </a:extLst>
+                </a:gridCol>
+                <a:gridCol w="1622768">
+                  <a:extLst>
+                    <a:ext uri="{9D8B030D-6E8A-4147-A177-3AD203B41FA5}">
+                      <a16:colId xmlns:a16="http://schemas.microsoft.com/office/drawing/2014/main" val="20003"/>
+                    </a:ext>
+                  </a:extLst>
+                </a:gridCol>
+                <a:gridCol w="2019334">
+                  <a:extLst>
+                    <a:ext uri="{9D8B030D-6E8A-4147-A177-3AD203B41FA5}">
+                      <a16:colId xmlns:a16="http://schemas.microsoft.com/office/drawing/2014/main" val="20004"/>
+                    </a:ext>
+                  </a:extLst>
+                </a:gridCol>
+                <a:gridCol w="2154265">
+                  <a:extLst>
+                    <a:ext uri="{9D8B030D-6E8A-4147-A177-3AD203B41FA5}">
+                      <a16:colId xmlns:a16="http://schemas.microsoft.com/office/drawing/2014/main" val="20005"/>
+                    </a:ext>
+                  </a:extLst>
+                </a:gridCol>
+              </a:tblGrid>
+              <a:tr h="635696">
+                <a:tc>
+                  <a:txBody>
+                    <a:bodyPr/>
+                    <a:lstStyle/>
+                    <a:p>
+                      <a:pPr>
+                        <a:lnSpc>
+                          <a:spcPct val="115000"/>
+                        </a:lnSpc>
+                        <a:spcAft>
+                          <a:spcPts val="0"/>
+                        </a:spcAft>
+                      </a:pPr>
+                      <a:endParaRPr lang="en-GB" sz="1800" dirty="0" smtClean="0">
+                        <a:effectLst/>
+                      </a:endParaRPr>
+                    </a:p>
+                    <a:p>
+                      <a:pPr>
+                        <a:lnSpc>
+                          <a:spcPct val="115000"/>
+                        </a:lnSpc>
+                        <a:spcAft>
+                          <a:spcPts val="0"/>
+                        </a:spcAft>
+                      </a:pPr>
+                      <a:endParaRPr lang="en-GB" sz="1800" dirty="0" smtClean="0">
+                        <a:effectLst/>
+                      </a:endParaRPr>
+                    </a:p>
+                    <a:p>
+                      <a:pPr>
+                        <a:lnSpc>
+                          <a:spcPct val="115000"/>
+                        </a:lnSpc>
+                        <a:spcAft>
+                          <a:spcPts val="0"/>
+                        </a:spcAft>
+                      </a:pPr>
+                      <a:r>
+                        <a:rPr lang="en-GB" sz="1800" dirty="0" smtClean="0">
+                          <a:effectLst/>
+                        </a:rPr>
+                        <a:t>Common </a:t>
+                      </a:r>
+                      <a:r>
+                        <a:rPr lang="en-GB" sz="1800" dirty="0">
+                          <a:effectLst/>
+                        </a:rPr>
+                        <a:t>database</a:t>
+                      </a:r>
+                      <a:endParaRPr lang="en-GB" sz="1800" dirty="0">
+                        <a:effectLst/>
+                        <a:latin typeface="Calibri"/>
+                        <a:ea typeface="SimSun"/>
+                        <a:cs typeface="Times New Roman"/>
+                      </a:endParaRPr>
+                    </a:p>
+                  </a:txBody>
+                  <a:tcPr marL="68580" marR="68580" marT="0" marB="0"/>
+                </a:tc>
+                <a:tc>
+                  <a:txBody>
+                    <a:bodyPr/>
+                    <a:lstStyle/>
+                    <a:p>
+                      <a:pPr algn="ctr">
+                        <a:lnSpc>
+                          <a:spcPct val="115000"/>
+                        </a:lnSpc>
+                        <a:spcAft>
+                          <a:spcPts val="0"/>
+                        </a:spcAft>
+                      </a:pPr>
+                      <a:r>
+                        <a:rPr lang="en-GB" sz="1800" dirty="0">
+                          <a:effectLst/>
+                        </a:rPr>
+                        <a:t> </a:t>
+                      </a:r>
+                      <a:r>
+                        <a:rPr lang="en-GB" sz="1800" dirty="0" smtClean="0">
+                          <a:effectLst/>
+                        </a:rPr>
+                        <a:t>Nominal</a:t>
+                      </a:r>
+                      <a:endParaRPr lang="en-GB" sz="1800" dirty="0">
+                        <a:effectLst/>
+                        <a:latin typeface="Calibri"/>
+                        <a:ea typeface="SimSun"/>
+                        <a:cs typeface="Times New Roman"/>
+                      </a:endParaRPr>
+                    </a:p>
+                  </a:txBody>
+                  <a:tcPr marL="68580" marR="68580" marT="0" marB="0"/>
+                </a:tc>
+                <a:tc>
+                  <a:txBody>
+                    <a:bodyPr/>
+                    <a:lstStyle/>
+                    <a:p>
+                      <a:pPr algn="ctr">
+                        <a:lnSpc>
+                          <a:spcPct val="115000"/>
+                        </a:lnSpc>
+                        <a:spcAft>
+                          <a:spcPts val="0"/>
+                        </a:spcAft>
+                      </a:pPr>
+                      <a:r>
+                        <a:rPr lang="en-GB" sz="1800" dirty="0" err="1" smtClean="0">
+                          <a:effectLst/>
+                        </a:rPr>
+                        <a:t>Bonferroni</a:t>
+                      </a:r>
+                      <a:r>
+                        <a:rPr lang="en-GB" sz="1800" dirty="0">
+                          <a:effectLst/>
+                        </a:rPr>
+                        <a:t> </a:t>
+                      </a:r>
+                      <a:endParaRPr lang="en-GB" sz="1800" dirty="0">
+                        <a:effectLst/>
+                        <a:latin typeface="Calibri"/>
+                        <a:ea typeface="SimSun"/>
+                        <a:cs typeface="Times New Roman"/>
+                      </a:endParaRPr>
+                    </a:p>
+                  </a:txBody>
+                  <a:tcPr marL="68580" marR="68580" marT="0" marB="0"/>
+                </a:tc>
+                <a:tc>
+                  <a:txBody>
+                    <a:bodyPr/>
+                    <a:lstStyle/>
+                    <a:p>
+                      <a:pPr algn="ctr">
+                        <a:lnSpc>
+                          <a:spcPct val="115000"/>
+                        </a:lnSpc>
+                        <a:spcAft>
+                          <a:spcPts val="0"/>
+                        </a:spcAft>
+                      </a:pPr>
+                      <a:r>
+                        <a:rPr lang="en-GB" sz="1800" dirty="0" smtClean="0">
+                          <a:effectLst/>
+                        </a:rPr>
+                        <a:t>FDR&lt;0.05</a:t>
+                      </a:r>
+                      <a:r>
+                        <a:rPr lang="en-GB" sz="1800" dirty="0">
+                          <a:effectLst/>
+                        </a:rPr>
+                        <a:t> </a:t>
+                      </a:r>
+                      <a:r>
+                        <a:rPr lang="en-GB" sz="1800" dirty="0" smtClean="0">
+                          <a:effectLst/>
+                        </a:rPr>
+                        <a:t> from</a:t>
+                      </a:r>
+                      <a:r>
+                        <a:rPr lang="en-GB" sz="1800" baseline="0" dirty="0" smtClean="0">
+                          <a:effectLst/>
+                        </a:rPr>
+                        <a:t> software</a:t>
+                      </a:r>
+                      <a:endParaRPr lang="en-GB" sz="1800" dirty="0">
+                        <a:effectLst/>
+                        <a:latin typeface="Calibri"/>
+                        <a:ea typeface="SimSun"/>
+                        <a:cs typeface="Times New Roman"/>
+                      </a:endParaRPr>
+                    </a:p>
+                  </a:txBody>
+                  <a:tcPr marL="68580" marR="68580" marT="0" marB="0"/>
+                </a:tc>
+                <a:tc>
+                  <a:txBody>
+                    <a:bodyPr/>
+                    <a:lstStyle/>
+                    <a:p>
+                      <a:pPr algn="ctr">
+                        <a:lnSpc>
+                          <a:spcPct val="115000"/>
+                        </a:lnSpc>
+                        <a:spcAft>
+                          <a:spcPts val="0"/>
+                        </a:spcAft>
+                      </a:pPr>
+                      <a:r>
+                        <a:rPr lang="en-GB" sz="1800" dirty="0" smtClean="0">
+                          <a:effectLst/>
+                        </a:rPr>
+                        <a:t>FDR&lt;0.05</a:t>
+                      </a:r>
+                      <a:r>
+                        <a:rPr lang="en-GB" sz="1800" dirty="0">
+                          <a:effectLst/>
+                        </a:rPr>
+                        <a:t> </a:t>
+                      </a:r>
+                      <a:r>
+                        <a:rPr lang="en-GB" sz="1800" baseline="0" dirty="0" smtClean="0">
+                          <a:effectLst/>
+                        </a:rPr>
+                        <a:t> from R</a:t>
+                      </a:r>
+                      <a:endParaRPr lang="en-GB" sz="1800" dirty="0">
+                        <a:effectLst/>
+                        <a:latin typeface="Calibri"/>
+                        <a:ea typeface="SimSun"/>
+                        <a:cs typeface="Times New Roman"/>
+                      </a:endParaRPr>
+                    </a:p>
+                  </a:txBody>
+                  <a:tcPr marL="68580" marR="68580" marT="0" marB="0"/>
+                </a:tc>
+                <a:tc>
+                  <a:txBody>
+                    <a:bodyPr/>
+                    <a:lstStyle/>
+                    <a:p>
+                      <a:pPr algn="ctr">
+                        <a:lnSpc>
+                          <a:spcPct val="115000"/>
+                        </a:lnSpc>
+                        <a:spcAft>
+                          <a:spcPts val="0"/>
+                        </a:spcAft>
+                      </a:pPr>
+                      <a:r>
+                        <a:rPr lang="en-GB" sz="1800" dirty="0" smtClean="0">
+                          <a:effectLst/>
+                        </a:rPr>
+                        <a:t>Running</a:t>
+                      </a:r>
+                      <a:r>
+                        <a:rPr lang="en-GB" sz="1800" baseline="0" dirty="0" smtClean="0">
+                          <a:effectLst/>
+                        </a:rPr>
+                        <a:t> time</a:t>
+                      </a:r>
+                      <a:r>
+                        <a:rPr lang="en-GB" sz="1800" dirty="0">
+                          <a:effectLst/>
+                        </a:rPr>
+                        <a:t> </a:t>
+                      </a:r>
+                      <a:endParaRPr lang="en-GB" sz="1800" dirty="0">
+                        <a:effectLst/>
+                        <a:latin typeface="Calibri"/>
+                        <a:ea typeface="SimSun"/>
+                        <a:cs typeface="Times New Roman"/>
+                      </a:endParaRPr>
+                    </a:p>
+                  </a:txBody>
+                  <a:tcPr marL="68580" marR="68580" marT="0" marB="0"/>
+                </a:tc>
+                <a:extLst>
+                  <a:ext uri="{0D108BD9-81ED-4DB2-BD59-A6C34878D82A}">
+                    <a16:rowId xmlns:a16="http://schemas.microsoft.com/office/drawing/2014/main" val="10000"/>
+                  </a:ext>
+                </a:extLst>
+              </a:tr>
+              <a:tr h="577865">
+                <a:tc>
+                  <a:txBody>
+                    <a:bodyPr/>
+                    <a:lstStyle/>
+                    <a:p>
+                      <a:pPr>
+                        <a:lnSpc>
+                          <a:spcPct val="115000"/>
+                        </a:lnSpc>
+                        <a:spcAft>
+                          <a:spcPts val="0"/>
+                        </a:spcAft>
+                      </a:pPr>
+                      <a:r>
+                        <a:rPr lang="en-GB" sz="1800" dirty="0">
+                          <a:effectLst/>
+                        </a:rPr>
+                        <a:t>MAGENTA</a:t>
+                      </a:r>
+                      <a:endParaRPr lang="en-GB" sz="1800" dirty="0">
+                        <a:effectLst/>
+                        <a:latin typeface="Calibri"/>
+                        <a:ea typeface="SimSun"/>
+                        <a:cs typeface="Times New Roman"/>
+                      </a:endParaRPr>
+                    </a:p>
+                  </a:txBody>
+                  <a:tcPr marL="68580" marR="68580" marT="0" marB="0"/>
+                </a:tc>
+                <a:tc>
+                  <a:txBody>
+                    <a:bodyPr/>
+                    <a:lstStyle/>
+                    <a:p>
+                      <a:pPr algn="ctr">
+                        <a:lnSpc>
+                          <a:spcPct val="115000"/>
+                        </a:lnSpc>
+                        <a:spcAft>
+                          <a:spcPts val="0"/>
+                        </a:spcAft>
+                      </a:pPr>
+                      <a:r>
+                        <a:rPr lang="en-GB" sz="1800" dirty="0" smtClean="0">
+                          <a:effectLst/>
+                        </a:rPr>
+                        <a:t>1,091</a:t>
+                      </a:r>
+                      <a:endParaRPr lang="en-GB" sz="1800" dirty="0">
+                        <a:effectLst/>
+                        <a:latin typeface="Calibri"/>
+                        <a:ea typeface="SimSun"/>
+                        <a:cs typeface="Times New Roman"/>
+                      </a:endParaRPr>
+                    </a:p>
+                  </a:txBody>
+                  <a:tcPr marL="68580" marR="68580" marT="0" marB="0"/>
+                </a:tc>
+                <a:tc>
+                  <a:txBody>
+                    <a:bodyPr/>
+                    <a:lstStyle/>
+                    <a:p>
+                      <a:pPr algn="ctr">
+                        <a:lnSpc>
+                          <a:spcPct val="115000"/>
+                        </a:lnSpc>
+                        <a:spcAft>
+                          <a:spcPts val="0"/>
+                        </a:spcAft>
+                      </a:pPr>
+                      <a:r>
+                        <a:rPr lang="en-GB" sz="1800" dirty="0">
+                          <a:effectLst/>
+                        </a:rPr>
+                        <a:t>15</a:t>
+                      </a:r>
+                      <a:endParaRPr lang="en-GB" sz="1800" dirty="0">
+                        <a:effectLst/>
+                        <a:latin typeface="Calibri"/>
+                        <a:ea typeface="SimSun"/>
+                        <a:cs typeface="Times New Roman"/>
+                      </a:endParaRPr>
+                    </a:p>
+                  </a:txBody>
+                  <a:tcPr marL="68580" marR="68580" marT="0" marB="0"/>
+                </a:tc>
+                <a:tc>
+                  <a:txBody>
+                    <a:bodyPr/>
+                    <a:lstStyle/>
+                    <a:p>
+                      <a:pPr algn="ctr">
+                        <a:lnSpc>
+                          <a:spcPct val="115000"/>
+                        </a:lnSpc>
+                        <a:spcAft>
+                          <a:spcPts val="0"/>
+                        </a:spcAft>
+                      </a:pPr>
+                      <a:r>
+                        <a:rPr lang="en-GB" sz="1800">
+                          <a:effectLst/>
+                        </a:rPr>
+                        <a:t>265</a:t>
+                      </a:r>
+                      <a:endParaRPr lang="en-GB" sz="1800">
+                        <a:effectLst/>
+                        <a:latin typeface="Calibri"/>
+                        <a:ea typeface="SimSun"/>
+                        <a:cs typeface="Times New Roman"/>
+                      </a:endParaRPr>
+                    </a:p>
+                  </a:txBody>
+                  <a:tcPr marL="68580" marR="68580" marT="0" marB="0"/>
+                </a:tc>
+                <a:tc>
+                  <a:txBody>
+                    <a:bodyPr/>
+                    <a:lstStyle/>
+                    <a:p>
+                      <a:pPr algn="ctr">
+                        <a:lnSpc>
+                          <a:spcPct val="115000"/>
+                        </a:lnSpc>
+                        <a:spcAft>
+                          <a:spcPts val="0"/>
+                        </a:spcAft>
+                      </a:pPr>
+                      <a:r>
+                        <a:rPr lang="en-GB" sz="1800">
+                          <a:effectLst/>
+                        </a:rPr>
+                        <a:t>263</a:t>
+                      </a:r>
+                      <a:endParaRPr lang="en-GB" sz="1800">
+                        <a:effectLst/>
+                        <a:latin typeface="Calibri"/>
+                        <a:ea typeface="SimSun"/>
+                        <a:cs typeface="Times New Roman"/>
+                      </a:endParaRPr>
+                    </a:p>
+                  </a:txBody>
+                  <a:tcPr marL="68580" marR="68580" marT="0" marB="0"/>
+                </a:tc>
+                <a:tc>
+                  <a:txBody>
+                    <a:bodyPr/>
+                    <a:lstStyle/>
+                    <a:p>
+                      <a:pPr algn="ctr">
+                        <a:lnSpc>
+                          <a:spcPct val="115000"/>
+                        </a:lnSpc>
+                        <a:spcAft>
+                          <a:spcPts val="0"/>
+                        </a:spcAft>
+                      </a:pPr>
+                      <a:r>
+                        <a:rPr lang="en-GB" sz="1800">
+                          <a:effectLst/>
+                        </a:rPr>
+                        <a:t>+7 days</a:t>
+                      </a:r>
+                      <a:endParaRPr lang="en-GB" sz="1800">
+                        <a:effectLst/>
+                        <a:latin typeface="Calibri"/>
+                        <a:ea typeface="SimSun"/>
+                        <a:cs typeface="Times New Roman"/>
+                      </a:endParaRPr>
+                    </a:p>
+                  </a:txBody>
+                  <a:tcPr marL="68580" marR="68580" marT="0" marB="0"/>
+                </a:tc>
+                <a:extLst>
+                  <a:ext uri="{0D108BD9-81ED-4DB2-BD59-A6C34878D82A}">
+                    <a16:rowId xmlns:a16="http://schemas.microsoft.com/office/drawing/2014/main" val="10001"/>
+                  </a:ext>
+                </a:extLst>
+              </a:tr>
+              <a:tr h="577865">
+                <a:tc>
+                  <a:txBody>
+                    <a:bodyPr/>
+                    <a:lstStyle/>
+                    <a:p>
+                      <a:pPr>
+                        <a:lnSpc>
+                          <a:spcPct val="115000"/>
+                        </a:lnSpc>
+                        <a:spcAft>
+                          <a:spcPts val="0"/>
+                        </a:spcAft>
+                      </a:pPr>
+                      <a:r>
+                        <a:rPr lang="en-GB" sz="1800" dirty="0">
+                          <a:effectLst/>
+                        </a:rPr>
+                        <a:t>MAGMA</a:t>
+                      </a:r>
+                      <a:endParaRPr lang="en-GB" sz="1800" dirty="0">
+                        <a:effectLst/>
+                        <a:latin typeface="Calibri"/>
+                        <a:ea typeface="SimSun"/>
+                        <a:cs typeface="Times New Roman"/>
+                      </a:endParaRPr>
+                    </a:p>
+                  </a:txBody>
+                  <a:tcPr marL="68580" marR="68580" marT="0" marB="0"/>
+                </a:tc>
+                <a:tc>
+                  <a:txBody>
+                    <a:bodyPr/>
+                    <a:lstStyle/>
+                    <a:p>
+                      <a:pPr algn="ctr">
+                        <a:lnSpc>
+                          <a:spcPct val="115000"/>
+                        </a:lnSpc>
+                        <a:spcAft>
+                          <a:spcPts val="0"/>
+                        </a:spcAft>
+                      </a:pPr>
+                      <a:r>
+                        <a:rPr lang="en-GB" sz="1800" dirty="0">
+                          <a:effectLst/>
+                        </a:rPr>
+                        <a:t>585</a:t>
+                      </a:r>
+                      <a:endParaRPr lang="en-GB" sz="1800" dirty="0">
+                        <a:effectLst/>
+                        <a:latin typeface="Calibri"/>
+                        <a:ea typeface="SimSun"/>
+                        <a:cs typeface="Times New Roman"/>
+                      </a:endParaRPr>
+                    </a:p>
+                  </a:txBody>
+                  <a:tcPr marL="68580" marR="68580" marT="0" marB="0"/>
+                </a:tc>
+                <a:tc>
+                  <a:txBody>
+                    <a:bodyPr/>
+                    <a:lstStyle/>
+                    <a:p>
+                      <a:pPr algn="ctr">
+                        <a:lnSpc>
+                          <a:spcPct val="115000"/>
+                        </a:lnSpc>
+                        <a:spcAft>
+                          <a:spcPts val="0"/>
+                        </a:spcAft>
+                      </a:pPr>
+                      <a:r>
+                        <a:rPr lang="en-GB" sz="1800" dirty="0">
+                          <a:effectLst/>
+                        </a:rPr>
+                        <a:t>0</a:t>
+                      </a:r>
+                      <a:endParaRPr lang="en-GB" sz="1800" dirty="0">
+                        <a:effectLst/>
+                        <a:latin typeface="Calibri"/>
+                        <a:ea typeface="SimSun"/>
+                        <a:cs typeface="Times New Roman"/>
+                      </a:endParaRPr>
+                    </a:p>
+                  </a:txBody>
+                  <a:tcPr marL="68580" marR="68580" marT="0" marB="0"/>
+                </a:tc>
+                <a:tc>
+                  <a:txBody>
+                    <a:bodyPr/>
+                    <a:lstStyle/>
+                    <a:p>
+                      <a:pPr algn="ctr">
+                        <a:lnSpc>
+                          <a:spcPct val="115000"/>
+                        </a:lnSpc>
+                        <a:spcAft>
+                          <a:spcPts val="0"/>
+                        </a:spcAft>
+                      </a:pPr>
+                      <a:r>
+                        <a:rPr lang="en-GB" sz="1800" dirty="0">
+                          <a:effectLst/>
+                        </a:rPr>
+                        <a:t> </a:t>
+                      </a:r>
+                      <a:endParaRPr lang="en-GB" sz="1800" dirty="0">
+                        <a:effectLst/>
+                        <a:latin typeface="Calibri"/>
+                        <a:ea typeface="SimSun"/>
+                        <a:cs typeface="Times New Roman"/>
+                      </a:endParaRPr>
+                    </a:p>
+                  </a:txBody>
+                  <a:tcPr marL="68580" marR="68580" marT="0" marB="0"/>
+                </a:tc>
+                <a:tc>
+                  <a:txBody>
+                    <a:bodyPr/>
+                    <a:lstStyle/>
+                    <a:p>
+                      <a:pPr algn="ctr">
+                        <a:lnSpc>
+                          <a:spcPct val="115000"/>
+                        </a:lnSpc>
+                        <a:spcAft>
+                          <a:spcPts val="0"/>
+                        </a:spcAft>
+                      </a:pPr>
+                      <a:r>
+                        <a:rPr lang="en-GB" sz="1800">
+                          <a:effectLst/>
+                        </a:rPr>
+                        <a:t>0</a:t>
+                      </a:r>
+                      <a:endParaRPr lang="en-GB" sz="1800">
+                        <a:effectLst/>
+                        <a:latin typeface="Calibri"/>
+                        <a:ea typeface="SimSun"/>
+                        <a:cs typeface="Times New Roman"/>
+                      </a:endParaRPr>
+                    </a:p>
+                  </a:txBody>
+                  <a:tcPr marL="68580" marR="68580" marT="0" marB="0"/>
+                </a:tc>
+                <a:tc>
+                  <a:txBody>
+                    <a:bodyPr/>
+                    <a:lstStyle/>
+                    <a:p>
+                      <a:pPr algn="ctr">
+                        <a:lnSpc>
+                          <a:spcPct val="115000"/>
+                        </a:lnSpc>
+                        <a:spcAft>
+                          <a:spcPts val="0"/>
+                        </a:spcAft>
+                      </a:pPr>
+                      <a:r>
+                        <a:rPr lang="en-GB" sz="1800" dirty="0">
+                          <a:effectLst/>
+                        </a:rPr>
+                        <a:t>almost instant</a:t>
+                      </a:r>
+                      <a:endParaRPr lang="en-GB" sz="1800" dirty="0">
+                        <a:effectLst/>
+                        <a:latin typeface="Calibri"/>
+                        <a:ea typeface="SimSun"/>
+                        <a:cs typeface="Times New Roman"/>
+                      </a:endParaRPr>
+                    </a:p>
+                  </a:txBody>
+                  <a:tcPr marL="68580" marR="68580" marT="0" marB="0"/>
+                </a:tc>
+                <a:extLst>
+                  <a:ext uri="{0D108BD9-81ED-4DB2-BD59-A6C34878D82A}">
+                    <a16:rowId xmlns:a16="http://schemas.microsoft.com/office/drawing/2014/main" val="10002"/>
+                  </a:ext>
+                </a:extLst>
+              </a:tr>
+              <a:tr h="577865">
+                <a:tc>
+                  <a:txBody>
+                    <a:bodyPr/>
+                    <a:lstStyle/>
+                    <a:p>
+                      <a:pPr>
+                        <a:lnSpc>
+                          <a:spcPct val="115000"/>
+                        </a:lnSpc>
+                        <a:spcAft>
+                          <a:spcPts val="0"/>
+                        </a:spcAft>
+                      </a:pPr>
+                      <a:r>
+                        <a:rPr lang="en-GB" sz="1800" dirty="0">
+                          <a:effectLst/>
+                        </a:rPr>
+                        <a:t>PASCAL</a:t>
+                      </a:r>
+                      <a:endParaRPr lang="en-GB" sz="1800" dirty="0">
+                        <a:effectLst/>
+                        <a:latin typeface="Calibri"/>
+                        <a:ea typeface="SimSun"/>
+                        <a:cs typeface="Times New Roman"/>
+                      </a:endParaRPr>
+                    </a:p>
+                  </a:txBody>
+                  <a:tcPr marL="68580" marR="68580" marT="0" marB="0"/>
+                </a:tc>
+                <a:tc>
+                  <a:txBody>
+                    <a:bodyPr/>
+                    <a:lstStyle/>
+                    <a:p>
+                      <a:pPr algn="ctr">
+                        <a:lnSpc>
+                          <a:spcPct val="115000"/>
+                        </a:lnSpc>
+                        <a:spcAft>
+                          <a:spcPts val="0"/>
+                        </a:spcAft>
+                      </a:pPr>
+                      <a:r>
+                        <a:rPr lang="en-GB" sz="1800" dirty="0" smtClean="0">
+                          <a:effectLst/>
+                        </a:rPr>
+                        <a:t>1,896</a:t>
+                      </a:r>
+                      <a:endParaRPr lang="en-GB" sz="1800" dirty="0">
+                        <a:effectLst/>
+                        <a:latin typeface="Calibri"/>
+                        <a:ea typeface="SimSun"/>
+                        <a:cs typeface="Times New Roman"/>
+                      </a:endParaRPr>
+                    </a:p>
+                  </a:txBody>
+                  <a:tcPr marL="68580" marR="68580" marT="0" marB="0"/>
+                </a:tc>
+                <a:tc>
+                  <a:txBody>
+                    <a:bodyPr/>
+                    <a:lstStyle/>
+                    <a:p>
+                      <a:pPr algn="ctr">
+                        <a:lnSpc>
+                          <a:spcPct val="115000"/>
+                        </a:lnSpc>
+                        <a:spcAft>
+                          <a:spcPts val="0"/>
+                        </a:spcAft>
+                      </a:pPr>
+                      <a:r>
+                        <a:rPr lang="en-GB" sz="1800">
+                          <a:effectLst/>
+                        </a:rPr>
+                        <a:t>72</a:t>
+                      </a:r>
+                      <a:endParaRPr lang="en-GB" sz="1800">
+                        <a:effectLst/>
+                        <a:latin typeface="Calibri"/>
+                        <a:ea typeface="SimSun"/>
+                        <a:cs typeface="Times New Roman"/>
+                      </a:endParaRPr>
+                    </a:p>
+                  </a:txBody>
+                  <a:tcPr marL="68580" marR="68580" marT="0" marB="0"/>
+                </a:tc>
+                <a:tc>
+                  <a:txBody>
+                    <a:bodyPr/>
+                    <a:lstStyle/>
+                    <a:p>
+                      <a:pPr algn="ctr">
+                        <a:lnSpc>
+                          <a:spcPct val="115000"/>
+                        </a:lnSpc>
+                        <a:spcAft>
+                          <a:spcPts val="0"/>
+                        </a:spcAft>
+                      </a:pPr>
+                      <a:r>
+                        <a:rPr lang="en-GB" sz="1800" dirty="0">
+                          <a:effectLst/>
+                        </a:rPr>
+                        <a:t> </a:t>
+                      </a:r>
+                      <a:endParaRPr lang="en-GB" sz="1800" dirty="0">
+                        <a:effectLst/>
+                        <a:latin typeface="Calibri"/>
+                        <a:ea typeface="SimSun"/>
+                        <a:cs typeface="Times New Roman"/>
+                      </a:endParaRPr>
+                    </a:p>
+                  </a:txBody>
+                  <a:tcPr marL="68580" marR="68580" marT="0" marB="0"/>
+                </a:tc>
+                <a:tc>
+                  <a:txBody>
+                    <a:bodyPr/>
+                    <a:lstStyle/>
+                    <a:p>
+                      <a:pPr algn="ctr">
+                        <a:lnSpc>
+                          <a:spcPct val="115000"/>
+                        </a:lnSpc>
+                        <a:spcAft>
+                          <a:spcPts val="0"/>
+                        </a:spcAft>
+                      </a:pPr>
+                      <a:r>
+                        <a:rPr lang="en-GB" sz="1800" dirty="0">
+                          <a:effectLst/>
+                        </a:rPr>
+                        <a:t>340</a:t>
+                      </a:r>
+                      <a:endParaRPr lang="en-GB" sz="1800" dirty="0">
+                        <a:effectLst/>
+                        <a:latin typeface="Calibri"/>
+                        <a:ea typeface="SimSun"/>
+                        <a:cs typeface="Times New Roman"/>
+                      </a:endParaRPr>
+                    </a:p>
+                  </a:txBody>
+                  <a:tcPr marL="68580" marR="68580" marT="0" marB="0"/>
+                </a:tc>
+                <a:tc>
+                  <a:txBody>
+                    <a:bodyPr/>
+                    <a:lstStyle/>
+                    <a:p>
+                      <a:pPr algn="ctr">
+                        <a:lnSpc>
+                          <a:spcPct val="115000"/>
+                        </a:lnSpc>
+                        <a:spcAft>
+                          <a:spcPts val="0"/>
+                        </a:spcAft>
+                      </a:pPr>
+                      <a:r>
+                        <a:rPr lang="en-GB" sz="1800" smtClean="0">
+                          <a:effectLst/>
+                        </a:rPr>
+                        <a:t>&lt;3 </a:t>
+                      </a:r>
+                      <a:r>
+                        <a:rPr lang="en-GB" sz="1800">
+                          <a:effectLst/>
+                        </a:rPr>
+                        <a:t>days</a:t>
+                      </a:r>
+                      <a:endParaRPr lang="en-GB" sz="1800">
+                        <a:effectLst/>
+                        <a:latin typeface="Calibri"/>
+                        <a:ea typeface="SimSun"/>
+                        <a:cs typeface="Times New Roman"/>
+                      </a:endParaRPr>
+                    </a:p>
+                  </a:txBody>
+                  <a:tcPr marL="68580" marR="68580" marT="0" marB="0"/>
+                </a:tc>
+                <a:extLst>
+                  <a:ext uri="{0D108BD9-81ED-4DB2-BD59-A6C34878D82A}">
+                    <a16:rowId xmlns:a16="http://schemas.microsoft.com/office/drawing/2014/main" val="10003"/>
+                  </a:ext>
+                </a:extLst>
+              </a:tr>
+              <a:tr h="577865">
+                <a:tc>
+                  <a:txBody>
+                    <a:bodyPr/>
+                    <a:lstStyle/>
+                    <a:p>
+                      <a:pPr>
+                        <a:lnSpc>
+                          <a:spcPct val="115000"/>
+                        </a:lnSpc>
+                        <a:spcAft>
+                          <a:spcPts val="0"/>
+                        </a:spcAft>
+                      </a:pPr>
+                      <a:r>
+                        <a:rPr lang="en-GB" sz="1800" dirty="0">
+                          <a:effectLst/>
+                        </a:rPr>
+                        <a:t>DEPICT</a:t>
+                      </a:r>
+                      <a:endParaRPr lang="en-GB" sz="1800" dirty="0">
+                        <a:effectLst/>
+                        <a:latin typeface="Calibri"/>
+                        <a:ea typeface="SimSun"/>
+                        <a:cs typeface="Times New Roman"/>
+                      </a:endParaRPr>
+                    </a:p>
+                  </a:txBody>
+                  <a:tcPr marL="68580" marR="68580" marT="0" marB="0"/>
+                </a:tc>
+                <a:tc>
+                  <a:txBody>
+                    <a:bodyPr/>
+                    <a:lstStyle/>
+                    <a:p>
+                      <a:pPr algn="ctr">
+                        <a:lnSpc>
+                          <a:spcPct val="115000"/>
+                        </a:lnSpc>
+                        <a:spcAft>
+                          <a:spcPts val="0"/>
+                        </a:spcAft>
+                      </a:pPr>
+                      <a:r>
+                        <a:rPr lang="en-GB" sz="1800" dirty="0" smtClean="0">
+                          <a:effectLst/>
+                        </a:rPr>
+                        <a:t>2,569</a:t>
+                      </a:r>
+                      <a:endParaRPr lang="en-GB" sz="1800" dirty="0">
+                        <a:effectLst/>
+                        <a:latin typeface="Calibri"/>
+                        <a:ea typeface="SimSun"/>
+                        <a:cs typeface="Times New Roman"/>
+                      </a:endParaRPr>
+                    </a:p>
+                  </a:txBody>
+                  <a:tcPr marL="68580" marR="68580" marT="0" marB="0"/>
+                </a:tc>
+                <a:tc>
+                  <a:txBody>
+                    <a:bodyPr/>
+                    <a:lstStyle/>
+                    <a:p>
+                      <a:pPr algn="ctr">
+                        <a:lnSpc>
+                          <a:spcPct val="115000"/>
+                        </a:lnSpc>
+                        <a:spcAft>
+                          <a:spcPts val="0"/>
+                        </a:spcAft>
+                      </a:pPr>
+                      <a:r>
+                        <a:rPr lang="en-GB" sz="1800" dirty="0">
+                          <a:effectLst/>
+                        </a:rPr>
+                        <a:t>93</a:t>
+                      </a:r>
+                      <a:endParaRPr lang="en-GB" sz="1800" dirty="0">
+                        <a:effectLst/>
+                        <a:latin typeface="Calibri"/>
+                        <a:ea typeface="SimSun"/>
+                        <a:cs typeface="Times New Roman"/>
+                      </a:endParaRPr>
+                    </a:p>
+                  </a:txBody>
+                  <a:tcPr marL="68580" marR="68580" marT="0" marB="0"/>
+                </a:tc>
+                <a:tc>
+                  <a:txBody>
+                    <a:bodyPr/>
+                    <a:lstStyle/>
+                    <a:p>
+                      <a:pPr algn="ctr">
+                        <a:lnSpc>
+                          <a:spcPct val="115000"/>
+                        </a:lnSpc>
+                        <a:spcAft>
+                          <a:spcPts val="0"/>
+                        </a:spcAft>
+                      </a:pPr>
+                      <a:r>
+                        <a:rPr lang="en-GB" sz="1800" dirty="0" smtClean="0">
+                          <a:effectLst/>
+                        </a:rPr>
+                        <a:t>1,418</a:t>
+                      </a:r>
+                      <a:endParaRPr lang="en-GB" sz="1800" dirty="0">
+                        <a:effectLst/>
+                        <a:latin typeface="Calibri"/>
+                        <a:ea typeface="SimSun"/>
+                        <a:cs typeface="Times New Roman"/>
+                      </a:endParaRPr>
+                    </a:p>
+                  </a:txBody>
+                  <a:tcPr marL="68580" marR="68580" marT="0" marB="0"/>
+                </a:tc>
+                <a:tc>
+                  <a:txBody>
+                    <a:bodyPr/>
+                    <a:lstStyle/>
+                    <a:p>
+                      <a:pPr algn="ctr">
+                        <a:lnSpc>
+                          <a:spcPct val="115000"/>
+                        </a:lnSpc>
+                        <a:spcAft>
+                          <a:spcPts val="0"/>
+                        </a:spcAft>
+                      </a:pPr>
+                      <a:r>
+                        <a:rPr lang="en-GB" sz="1800" dirty="0" smtClean="0">
+                          <a:effectLst/>
+                        </a:rPr>
+                        <a:t>1,272</a:t>
+                      </a:r>
+                      <a:endParaRPr lang="en-GB" sz="1800" dirty="0">
+                        <a:effectLst/>
+                        <a:latin typeface="Calibri"/>
+                        <a:ea typeface="SimSun"/>
+                        <a:cs typeface="Times New Roman"/>
+                      </a:endParaRPr>
+                    </a:p>
+                  </a:txBody>
+                  <a:tcPr marL="68580" marR="68580" marT="0" marB="0"/>
+                </a:tc>
+                <a:tc>
+                  <a:txBody>
+                    <a:bodyPr/>
+                    <a:lstStyle/>
+                    <a:p>
+                      <a:pPr algn="ctr">
+                        <a:lnSpc>
+                          <a:spcPct val="115000"/>
+                        </a:lnSpc>
+                        <a:spcAft>
+                          <a:spcPts val="0"/>
+                        </a:spcAft>
+                      </a:pPr>
+                      <a:r>
+                        <a:rPr lang="en-GB" sz="1800" baseline="0" dirty="0" smtClean="0">
+                          <a:effectLst/>
+                        </a:rPr>
+                        <a:t>&lt;1 </a:t>
+                      </a:r>
+                      <a:r>
+                        <a:rPr lang="en-GB" sz="1800" dirty="0" smtClean="0">
+                          <a:effectLst/>
+                        </a:rPr>
+                        <a:t>hr</a:t>
+                      </a:r>
+                      <a:endParaRPr lang="en-GB" sz="1800" dirty="0">
+                        <a:effectLst/>
+                        <a:latin typeface="Calibri"/>
+                        <a:ea typeface="SimSun"/>
+                        <a:cs typeface="Times New Roman"/>
+                      </a:endParaRPr>
+                    </a:p>
+                  </a:txBody>
+                  <a:tcPr marL="68580" marR="68580" marT="0" marB="0"/>
+                </a:tc>
+                <a:extLst>
+                  <a:ext uri="{0D108BD9-81ED-4DB2-BD59-A6C34878D82A}">
+                    <a16:rowId xmlns:a16="http://schemas.microsoft.com/office/drawing/2014/main" val="10004"/>
+                  </a:ext>
+                </a:extLst>
+              </a:tr>
+            </a:tbl>
+          </a:graphicData>
+        </a:graphic>
+      </p:graphicFrame>
+      <p:sp>
+        <p:nvSpPr>
+          <p:cNvPr id="7" name="Footer Placeholder 6"/>
+          <p:cNvSpPr>
+            <a:spLocks noGrp="1"/>
+          </p:cNvSpPr>
+          <p:nvPr>
+            <p:ph type="ftr" sz="quarter" idx="11"/>
+          </p:nvPr>
+        </p:nvSpPr>
+        <p:spPr/>
+        <p:txBody>
+          <a:bodyPr/>
+          <a:lstStyle/>
+          <a:p>
+            <a:r>
+              <a:rPr lang="en-GB" smtClean="0"/>
+              <a:t>PW-pipeline</a:t>
+            </a:r>
+            <a:endParaRPr lang="en-GB"/>
+          </a:p>
+        </p:txBody>
+      </p:sp>
+      <p:sp>
+        <p:nvSpPr>
+          <p:cNvPr id="8" name="Slide Number Placeholder 7"/>
+          <p:cNvSpPr>
+            <a:spLocks noGrp="1"/>
+          </p:cNvSpPr>
+          <p:nvPr>
+            <p:ph type="sldNum" sz="quarter" idx="12"/>
+          </p:nvPr>
+        </p:nvSpPr>
+        <p:spPr/>
+        <p:txBody>
+          <a:bodyPr/>
+          <a:lstStyle/>
+          <a:p>
+            <a:fld id="{1FB4BD47-2A83-4A56-970D-480688504C1B}" type="slidenum">
+              <a:rPr lang="en-GB" smtClean="0"/>
+              <a:t>10</a:t>
+            </a:fld>
+            <a:endParaRPr lang="en-GB"/>
+          </a:p>
+        </p:txBody>
+      </p:sp>
+    </p:spTree>
+    <p:extLst>
+      <p:ext uri="{BB962C8B-B14F-4D97-AF65-F5344CB8AC3E}">
+        <p14:creationId xmlns:p14="http://schemas.microsoft.com/office/powerpoint/2010/main" val="2068209091"/>
+      </p:ext>
+    </p:extLst>
+  </p:cSld>
+  <p:clrMapOvr>
+    <a:masterClrMapping/>
+  </p:clrMapOvr>
+</p:sld>
+</file>
+
+<file path=ppt/slides/slide11.xml><?xml version="1.0" encoding="utf-8"?>
+<p:sld xmlns:a="http://schemas.openxmlformats.org/drawingml/2006/main" xmlns:r="http://schemas.openxmlformats.org/officeDocument/2006/relationships" xmlns:p="http://schemas.openxmlformats.org/presentationml/2006/main">
+  <p:cSld>
+    <p:spTree>
+      <p:nvGrpSpPr>
+        <p:cNvPr id="1" name=""/>
+        <p:cNvGrpSpPr/>
+        <p:nvPr/>
+      </p:nvGrpSpPr>
+      <p:grpSpPr>
+        <a:xfrm>
+          <a:off x="0" y="0"/>
+          <a:ext cx="0" cy="0"/>
+          <a:chOff x="0" y="0"/>
+          <a:chExt cx="0" cy="0"/>
+        </a:xfrm>
+      </p:grpSpPr>
+      <p:sp>
+        <p:nvSpPr>
+          <p:cNvPr id="2" name="Title 1"/>
+          <p:cNvSpPr>
+            <a:spLocks noGrp="1"/>
+          </p:cNvSpPr>
+          <p:nvPr>
+            <p:ph type="title"/>
+          </p:nvPr>
+        </p:nvSpPr>
+        <p:spPr/>
+        <p:txBody>
+          <a:bodyPr/>
+          <a:lstStyle/>
+          <a:p>
+            <a:pPr algn="ctr"/>
+            <a:r>
+              <a:rPr lang="en-GB" b="1" dirty="0" smtClean="0"/>
+              <a:t>Final remarks</a:t>
+            </a:r>
+            <a:endParaRPr lang="en-GB" b="1" dirty="0"/>
+          </a:p>
+        </p:txBody>
+      </p:sp>
+      <p:sp>
+        <p:nvSpPr>
+          <p:cNvPr id="3" name="Content Placeholder 2"/>
+          <p:cNvSpPr>
+            <a:spLocks noGrp="1"/>
+          </p:cNvSpPr>
+          <p:nvPr>
+            <p:ph idx="1"/>
+          </p:nvPr>
+        </p:nvSpPr>
+        <p:spPr/>
+        <p:txBody>
+          <a:bodyPr>
+            <a:normAutofit lnSpcReduction="10000"/>
+          </a:bodyPr>
+          <a:lstStyle/>
+          <a:p>
+            <a:r>
+              <a:rPr lang="en-GB" dirty="0" smtClean="0"/>
+              <a:t>The common database</a:t>
+            </a:r>
+          </a:p>
+          <a:p>
+            <a:pPr lvl="1"/>
+            <a:r>
+              <a:rPr lang="en-GB" dirty="0" smtClean="0"/>
+              <a:t>facilitates cross-software comparison.</a:t>
+            </a:r>
+          </a:p>
+          <a:p>
+            <a:pPr lvl="1"/>
+            <a:r>
+              <a:rPr lang="en-GB" dirty="0" smtClean="0"/>
+              <a:t>allows for correlation between software to be calculated.</a:t>
+            </a:r>
+          </a:p>
+          <a:p>
+            <a:r>
+              <a:rPr lang="en-GB" dirty="0" smtClean="0"/>
+              <a:t>The pipeline </a:t>
+            </a:r>
+          </a:p>
+          <a:p>
+            <a:pPr lvl="1"/>
+            <a:r>
+              <a:rPr lang="en-GB" dirty="0" smtClean="0"/>
+              <a:t>takes advantage of the database to perform cluster analysis including affinity propagation clustering as well as build networks.</a:t>
+            </a:r>
+          </a:p>
+          <a:p>
+            <a:pPr lvl="1"/>
+            <a:r>
+              <a:rPr lang="en-GB" dirty="0" smtClean="0"/>
+              <a:t>Generates simple interaction format (SIF) and edge list (EL) formats which can be fed into </a:t>
+            </a:r>
+            <a:r>
+              <a:rPr lang="en-GB" dirty="0" err="1" smtClean="0"/>
+              <a:t>Cytoscape</a:t>
+            </a:r>
+            <a:r>
+              <a:rPr lang="en-GB" dirty="0" smtClean="0"/>
+              <a:t> for visualisation using a variety of layouts and analysis through many plugins. Further extensions are possible.</a:t>
+            </a:r>
+          </a:p>
+          <a:p>
+            <a:r>
+              <a:rPr lang="en-GB" dirty="0" smtClean="0"/>
+              <a:t>At the very least, use the setup for GWAS, e.g., MAGENTA + common database + clusters.</a:t>
+            </a:r>
+          </a:p>
+          <a:p>
+            <a:pPr marL="457200" lvl="1" indent="0">
+              <a:buNone/>
+            </a:pPr>
+            <a:endParaRPr lang="en-GB" dirty="0"/>
+          </a:p>
+        </p:txBody>
+      </p:sp>
+      <p:sp>
+        <p:nvSpPr>
+          <p:cNvPr id="6" name="Footer Placeholder 5"/>
+          <p:cNvSpPr>
+            <a:spLocks noGrp="1"/>
+          </p:cNvSpPr>
+          <p:nvPr>
+            <p:ph type="ftr" sz="quarter" idx="11"/>
+          </p:nvPr>
+        </p:nvSpPr>
+        <p:spPr/>
+        <p:txBody>
+          <a:bodyPr/>
+          <a:lstStyle/>
+          <a:p>
+            <a:r>
+              <a:rPr lang="en-GB" smtClean="0"/>
+              <a:t>PW-pipeline</a:t>
+            </a:r>
+            <a:endParaRPr lang="en-GB"/>
+          </a:p>
+        </p:txBody>
+      </p:sp>
+      <p:sp>
+        <p:nvSpPr>
+          <p:cNvPr id="7" name="Slide Number Placeholder 6"/>
+          <p:cNvSpPr>
+            <a:spLocks noGrp="1"/>
+          </p:cNvSpPr>
+          <p:nvPr>
+            <p:ph type="sldNum" sz="quarter" idx="12"/>
+          </p:nvPr>
+        </p:nvSpPr>
+        <p:spPr/>
+        <p:txBody>
+          <a:bodyPr/>
+          <a:lstStyle/>
+          <a:p>
+            <a:fld id="{1FB4BD47-2A83-4A56-970D-480688504C1B}" type="slidenum">
+              <a:rPr lang="en-GB" smtClean="0"/>
+              <a:t>11</a:t>
+            </a:fld>
+            <a:endParaRPr lang="en-GB"/>
+          </a:p>
+        </p:txBody>
+      </p:sp>
+    </p:spTree>
+    <p:extLst>
+      <p:ext uri="{BB962C8B-B14F-4D97-AF65-F5344CB8AC3E}">
+        <p14:creationId xmlns:p14="http://schemas.microsoft.com/office/powerpoint/2010/main" val="943105105"/>
+      </p:ext>
+    </p:extLst>
+  </p:cSld>
+  <p:clrMapOvr>
+    <a:masterClrMapping/>
+  </p:clrMapOvr>
+</p:sld>
+</file>
+
+<file path=ppt/slides/slide12.xml><?xml version="1.0" encoding="utf-8"?>
+<p:sld xmlns:a="http://schemas.openxmlformats.org/drawingml/2006/main" xmlns:r="http://schemas.openxmlformats.org/officeDocument/2006/relationships" xmlns:p="http://schemas.openxmlformats.org/presentationml/2006/main">
+  <p:cSld>
+    <p:spTree>
+      <p:nvGrpSpPr>
+        <p:cNvPr id="1" name=""/>
+        <p:cNvGrpSpPr/>
+        <p:nvPr/>
+      </p:nvGrpSpPr>
+      <p:grpSpPr>
+        <a:xfrm>
+          <a:off x="0" y="0"/>
+          <a:ext cx="0" cy="0"/>
+          <a:chOff x="0" y="0"/>
+          <a:chExt cx="0" cy="0"/>
+        </a:xfrm>
+      </p:grpSpPr>
+      <p:sp>
+        <p:nvSpPr>
+          <p:cNvPr id="2" name="Title 1"/>
+          <p:cNvSpPr>
+            <a:spLocks noGrp="1"/>
+          </p:cNvSpPr>
+          <p:nvPr>
+            <p:ph type="title"/>
+          </p:nvPr>
+        </p:nvSpPr>
+        <p:spPr/>
+        <p:txBody>
+          <a:bodyPr/>
+          <a:lstStyle/>
+          <a:p>
+            <a:pPr algn="ctr"/>
+            <a:r>
+              <a:rPr lang="en-US" b="1" dirty="0"/>
               <a:t>References</a:t>
             </a:r>
-            <a:endParaRPr lang="en-GB" dirty="0"/>
+            <a:endParaRPr lang="en-GB" b="1" dirty="0"/>
           </a:p>
         </p:txBody>
       </p:sp>
@@ -3753,7 +5113,7 @@
           <a:p>
             <a:fld id="{1FB4BD47-2A83-4A56-970D-480688504C1B}" type="slidenum">
               <a:rPr lang="en-GB" smtClean="0"/>
-              <a:t>10</a:t>
+              <a:t>12</a:t>
             </a:fld>
             <a:endParaRPr lang="en-GB"/>
           </a:p>
@@ -3806,10 +5166,10 @@
           <a:p>
             <a:pPr algn="ctr"/>
             <a:r>
-              <a:rPr lang="en-US" dirty="0"/>
-              <a:t>Methods</a:t>
-            </a:r>
-            <a:endParaRPr lang="en-GB" dirty="0"/>
+              <a:rPr lang="en-GB" b="1" dirty="0" smtClean="0"/>
+              <a:t>Rationale for the pipeline</a:t>
+            </a:r>
+            <a:endParaRPr lang="en-GB" b="1" dirty="0"/>
           </a:p>
         </p:txBody>
       </p:sp>
@@ -3830,58 +5190,94 @@
           </a:bodyPr>
           <a:lstStyle/>
           <a:p>
+            <a:r>
+              <a:rPr lang="en-US" dirty="0" smtClean="0"/>
+              <a:t>Named analogously to FM-pipeline introduced earlier, the aim of the pipeline is to</a:t>
+            </a:r>
+          </a:p>
+          <a:p>
             <a:pPr marL="0" indent="0">
               <a:buNone/>
             </a:pPr>
+            <a:endParaRPr lang="en-GB" dirty="0" smtClean="0"/>
+          </a:p>
+          <a:p>
+            <a:pPr lvl="1"/>
+            <a:r>
+              <a:rPr lang="en-GB" dirty="0" smtClean="0"/>
+              <a:t>facilitate setup of software. </a:t>
+            </a:r>
+            <a:endParaRPr lang="en-GB" dirty="0" smtClean="0"/>
+          </a:p>
+          <a:p>
+            <a:pPr lvl="1"/>
+            <a:endParaRPr lang="en-GB" dirty="0" smtClean="0"/>
+          </a:p>
+          <a:p>
+            <a:pPr lvl="1"/>
+            <a:r>
+              <a:rPr lang="en-GB" dirty="0" smtClean="0"/>
+              <a:t>accommodate </a:t>
+            </a:r>
+            <a:r>
+              <a:rPr lang="en-GB" dirty="0" smtClean="0"/>
+              <a:t>input of GWAS </a:t>
+            </a:r>
             <a:r>
               <a:rPr lang="en-GB" dirty="0"/>
-              <a:t>Pathway analysis using GWAS summary statistics conceptually involves several steps,</a:t>
-            </a:r>
-          </a:p>
-          <a:p>
-            <a:pPr marL="514350" indent="-514350">
-              <a:buFont typeface="+mj-lt"/>
-              <a:buAutoNum type="arabicPeriod"/>
-            </a:pPr>
+              <a:t>summary </a:t>
+            </a:r>
+            <a:r>
+              <a:rPr lang="en-GB" dirty="0" smtClean="0"/>
+              <a:t>statistics</a:t>
+            </a:r>
             <a:r>
               <a:rPr lang="en-GB" dirty="0"/>
-              <a:t>Associate SNP-based results with genes, </a:t>
-            </a:r>
-          </a:p>
-          <a:p>
-            <a:pPr marL="514350" indent="-514350">
-              <a:buFont typeface="+mj-lt"/>
-              <a:buAutoNum type="arabicPeriod"/>
-            </a:pPr>
-            <a:r>
-              <a:rPr lang="en-GB" dirty="0"/>
-              <a:t>Investigate their correlations, </a:t>
-            </a:r>
-          </a:p>
-          <a:p>
-            <a:pPr marL="514350" indent="-514350">
-              <a:buFont typeface="+mj-lt"/>
-              <a:buAutoNum type="arabicPeriod"/>
-            </a:pPr>
-            <a:r>
-              <a:rPr lang="en-GB" dirty="0"/>
-              <a:t>Mirror these to known biological pathways and functions.</a:t>
-            </a:r>
-          </a:p>
-          <a:p>
-            <a:pPr marL="0" indent="0">
-              <a:buNone/>
-            </a:pPr>
+              <a:t>, pathway databases </a:t>
+            </a:r>
+            <a:r>
+              <a:rPr lang="en-GB" dirty="0" smtClean="0"/>
+              <a:t>and software outputs, which allow for comparisons.</a:t>
+            </a:r>
             <a:endParaRPr lang="en-GB" dirty="0"/>
           </a:p>
           <a:p>
-            <a:pPr marL="0" indent="0">
-              <a:buNone/>
-            </a:pPr>
-            <a:r>
-              <a:rPr lang="en-GB" dirty="0"/>
-              <a:t>The statistical significance is assessed typically via P values or FDRs.</a:t>
-            </a:r>
+            <a:pPr lvl="1"/>
+            <a:endParaRPr lang="en-GB" dirty="0" smtClean="0"/>
+          </a:p>
+          <a:p>
+            <a:pPr lvl="1"/>
+            <a:r>
+              <a:rPr lang="en-GB" dirty="0" smtClean="0"/>
+              <a:t>obtain additional statistics such </a:t>
+            </a:r>
+            <a:r>
+              <a:rPr lang="en-GB" dirty="0" smtClean="0"/>
+              <a:t>as FDR and </a:t>
+            </a:r>
+            <a:r>
+              <a:rPr lang="en-GB" dirty="0" smtClean="0"/>
+              <a:t>perform network </a:t>
+            </a:r>
+            <a:r>
+              <a:rPr lang="en-GB" dirty="0" smtClean="0"/>
+              <a:t>analysis, which could be </a:t>
+            </a:r>
+            <a:r>
+              <a:rPr lang="en-GB" dirty="0" smtClean="0"/>
+              <a:t>difficult </a:t>
+            </a:r>
+            <a:r>
+              <a:rPr lang="en-GB" dirty="0" smtClean="0"/>
+              <a:t>to users</a:t>
+            </a:r>
+            <a:r>
+              <a:rPr lang="en-GB" dirty="0" smtClean="0"/>
+              <a:t>.</a:t>
+            </a:r>
+          </a:p>
+          <a:p>
+            <a:endParaRPr lang="en-GB" dirty="0"/>
           </a:p>
         </p:txBody>
       </p:sp>
@@ -3934,7 +5330,7 @@
     </p:spTree>
     <p:extLst>
       <p:ext uri="{BB962C8B-B14F-4D97-AF65-F5344CB8AC3E}">
-        <p14:creationId xmlns:p14="http://schemas.microsoft.com/office/powerpoint/2010/main" val="1309448083"/>
+        <p14:creationId xmlns:p14="http://schemas.microsoft.com/office/powerpoint/2010/main" val="499625257"/>
       </p:ext>
     </p:extLst>
   </p:cSld>
@@ -3978,562 +5374,100 @@
           <a:p>
             <a:pPr algn="ctr"/>
             <a:r>
+              <a:rPr lang="en-US" b="1" dirty="0" smtClean="0"/>
+              <a:t>Elements in the pathway analysis</a:t>
+            </a:r>
+            <a:endParaRPr lang="en-GB" b="1" dirty="0"/>
+          </a:p>
+        </p:txBody>
+      </p:sp>
+      <p:sp>
+        <p:nvSpPr>
+          <p:cNvPr id="3" name="Content Placeholder 2"/>
+          <p:cNvSpPr>
+            <a:spLocks noGrp="1"/>
+          </p:cNvSpPr>
+          <p:nvPr>
+            <p:ph idx="1"/>
+          </p:nvPr>
+        </p:nvSpPr>
+        <p:spPr/>
+        <p:txBody>
+          <a:bodyPr>
+            <a:normAutofit/>
+          </a:bodyPr>
+          <a:lstStyle/>
+          <a:p>
+            <a:pPr marL="0" indent="0">
+              <a:buNone/>
+            </a:pPr>
+            <a:r>
               <a:rPr lang="en-GB" dirty="0" smtClean="0"/>
-              <a:t>Software</a:t>
-            </a:r>
+              <a:t>We consider pathway </a:t>
+            </a:r>
+            <a:r>
+              <a:rPr lang="en-GB" dirty="0"/>
+              <a:t>analysis using GWAS summary </a:t>
+            </a:r>
+            <a:r>
+              <a:rPr lang="en-GB" dirty="0" smtClean="0"/>
+              <a:t>statistics, which </a:t>
+            </a:r>
+            <a:r>
+              <a:rPr lang="en-GB" dirty="0"/>
+              <a:t>conceptually involves several steps,</a:t>
+            </a:r>
+          </a:p>
+          <a:p>
+            <a:pPr marL="514350" indent="-514350">
+              <a:buFont typeface="+mj-lt"/>
+              <a:buAutoNum type="arabicPeriod"/>
+            </a:pPr>
+            <a:r>
+              <a:rPr lang="en-GB" dirty="0"/>
+              <a:t>Associate SNP-based results with genes, </a:t>
+            </a:r>
+          </a:p>
+          <a:p>
+            <a:pPr marL="514350" indent="-514350">
+              <a:buFont typeface="+mj-lt"/>
+              <a:buAutoNum type="arabicPeriod"/>
+            </a:pPr>
+            <a:r>
+              <a:rPr lang="en-GB" dirty="0"/>
+              <a:t>Investigate their correlations, </a:t>
+            </a:r>
+          </a:p>
+          <a:p>
+            <a:pPr marL="514350" indent="-514350">
+              <a:buFont typeface="+mj-lt"/>
+              <a:buAutoNum type="arabicPeriod"/>
+            </a:pPr>
+            <a:r>
+              <a:rPr lang="en-GB" dirty="0"/>
+              <a:t>Mirror these to known biological pathways and functions.</a:t>
+            </a:r>
+          </a:p>
+          <a:p>
+            <a:pPr marL="0" indent="0">
+              <a:buNone/>
+            </a:pPr>
             <a:endParaRPr lang="en-GB" dirty="0"/>
           </a:p>
-        </p:txBody>
-      </p:sp>
-      <p:graphicFrame>
-        <p:nvGraphicFramePr>
-          <p:cNvPr id="7" name="Content Placeholder 6"/>
-          <p:cNvGraphicFramePr>
-            <a:graphicFrameLocks noGrp="1"/>
-          </p:cNvGraphicFramePr>
-          <p:nvPr>
-            <p:ph idx="1"/>
-            <p:extLst>
-              <p:ext uri="{D42A27DB-BD31-4B8C-83A1-F6EECF244321}">
-                <p14:modId xmlns:p14="http://schemas.microsoft.com/office/powerpoint/2010/main" val="42670582"/>
-              </p:ext>
-            </p:extLst>
-          </p:nvPr>
-        </p:nvGraphicFramePr>
-        <p:xfrm>
-          <a:off x="838200" y="1690688"/>
-          <a:ext cx="10515600" cy="3121890"/>
-        </p:xfrm>
-        <a:graphic>
-          <a:graphicData uri="http://schemas.openxmlformats.org/drawingml/2006/table">
-            <a:tbl>
-              <a:tblPr firstRow="1" bandRow="1">
-                <a:tableStyleId>{5C22544A-7EE6-4342-B048-85BDC9FD1C3A}</a:tableStyleId>
-              </a:tblPr>
-              <a:tblGrid>
-                <a:gridCol w="5054600">
-                  <a:extLst>
-                    <a:ext uri="{9D8B030D-6E8A-4147-A177-3AD203B41FA5}">
-                      <a16:colId xmlns:a16="http://schemas.microsoft.com/office/drawing/2014/main" xmlns="" val="865145431"/>
-                    </a:ext>
-                  </a:extLst>
-                </a:gridCol>
-                <a:gridCol w="1955800">
-                  <a:extLst>
-                    <a:ext uri="{9D8B030D-6E8A-4147-A177-3AD203B41FA5}">
-                      <a16:colId xmlns:a16="http://schemas.microsoft.com/office/drawing/2014/main" xmlns="" val="2266813503"/>
-                    </a:ext>
-                  </a:extLst>
-                </a:gridCol>
-                <a:gridCol w="3505200">
-                  <a:extLst>
-                    <a:ext uri="{9D8B030D-6E8A-4147-A177-3AD203B41FA5}">
-                      <a16:colId xmlns:a16="http://schemas.microsoft.com/office/drawing/2014/main" xmlns="" val="3616348924"/>
-                    </a:ext>
-                  </a:extLst>
-                </a:gridCol>
-              </a:tblGrid>
-              <a:tr h="444498">
-                <a:tc>
-                  <a:txBody>
-                    <a:bodyPr/>
-                    <a:lstStyle/>
-                    <a:p>
-                      <a:pPr>
-                        <a:spcBef>
-                          <a:spcPts val="180"/>
-                        </a:spcBef>
-                        <a:spcAft>
-                          <a:spcPts val="180"/>
-                        </a:spcAft>
-                      </a:pPr>
-                      <a:r>
-                        <a:rPr lang="en-US" sz="2400" dirty="0">
-                          <a:effectLst/>
-                        </a:rPr>
-                        <a:t>Full name</a:t>
-                      </a:r>
-                      <a:endParaRPr lang="en-GB" sz="2400" dirty="0">
-                        <a:effectLst/>
-                        <a:latin typeface="Cambria" panose="02040503050406030204" pitchFamily="18" charset="0"/>
-                        <a:ea typeface="Cambria" panose="02040503050406030204" pitchFamily="18" charset="0"/>
-                        <a:cs typeface="Times New Roman" panose="02020603050405020304" pitchFamily="18" charset="0"/>
-                      </a:endParaRPr>
-                    </a:p>
-                  </a:txBody>
-                  <a:tcPr marL="68580" marR="68580" marT="0" marB="0" anchor="b"/>
-                </a:tc>
-                <a:tc>
-                  <a:txBody>
-                    <a:bodyPr/>
-                    <a:lstStyle/>
-                    <a:p>
-                      <a:pPr>
-                        <a:spcBef>
-                          <a:spcPts val="180"/>
-                        </a:spcBef>
-                        <a:spcAft>
-                          <a:spcPts val="180"/>
-                        </a:spcAft>
-                      </a:pPr>
-                      <a:r>
-                        <a:rPr lang="en-US" sz="2400" dirty="0">
-                          <a:effectLst/>
-                        </a:rPr>
-                        <a:t>Abbreviation</a:t>
-                      </a:r>
-                      <a:endParaRPr lang="en-GB" sz="2400" dirty="0">
-                        <a:effectLst/>
-                        <a:latin typeface="Cambria" panose="02040503050406030204" pitchFamily="18" charset="0"/>
-                        <a:ea typeface="Cambria" panose="02040503050406030204" pitchFamily="18" charset="0"/>
-                        <a:cs typeface="Times New Roman" panose="02020603050405020304" pitchFamily="18" charset="0"/>
-                      </a:endParaRPr>
-                    </a:p>
-                  </a:txBody>
-                  <a:tcPr marL="68580" marR="68580" marT="0" marB="0" anchor="b"/>
-                </a:tc>
-                <a:tc>
-                  <a:txBody>
-                    <a:bodyPr/>
-                    <a:lstStyle/>
-                    <a:p>
-                      <a:pPr>
-                        <a:spcBef>
-                          <a:spcPts val="180"/>
-                        </a:spcBef>
-                        <a:spcAft>
-                          <a:spcPts val="180"/>
-                        </a:spcAft>
-                      </a:pPr>
-                      <a:r>
-                        <a:rPr lang="en-US" sz="2400" dirty="0">
-                          <a:effectLst/>
-                        </a:rPr>
-                        <a:t>Reference</a:t>
-                      </a:r>
-                      <a:endParaRPr lang="en-GB" sz="2400" dirty="0">
-                        <a:effectLst/>
-                        <a:latin typeface="Cambria" panose="02040503050406030204" pitchFamily="18" charset="0"/>
-                        <a:ea typeface="Cambria" panose="02040503050406030204" pitchFamily="18" charset="0"/>
-                        <a:cs typeface="Times New Roman" panose="02020603050405020304" pitchFamily="18" charset="0"/>
-                      </a:endParaRPr>
-                    </a:p>
-                  </a:txBody>
-                  <a:tcPr marL="68580" marR="68580" marT="0" marB="0" anchor="b"/>
-                </a:tc>
-                <a:extLst>
-                  <a:ext uri="{0D108BD9-81ED-4DB2-BD59-A6C34878D82A}">
-                    <a16:rowId xmlns:a16="http://schemas.microsoft.com/office/drawing/2014/main" xmlns="" val="4029533971"/>
-                  </a:ext>
-                </a:extLst>
-              </a:tr>
-              <a:tr h="669348">
-                <a:tc>
-                  <a:txBody>
-                    <a:bodyPr/>
-                    <a:lstStyle/>
-                    <a:p>
-                      <a:pPr>
-                        <a:spcBef>
-                          <a:spcPts val="180"/>
-                        </a:spcBef>
-                        <a:spcAft>
-                          <a:spcPts val="180"/>
-                        </a:spcAft>
-                      </a:pPr>
-                      <a:r>
-                        <a:rPr lang="en-US" sz="2000" dirty="0">
-                          <a:effectLst/>
-                        </a:rPr>
-                        <a:t>Meta-Analysis Gene-set Enrichment of </a:t>
-                      </a:r>
-                      <a:r>
-                        <a:rPr lang="en-US" sz="2000" dirty="0" err="1">
-                          <a:effectLst/>
-                        </a:rPr>
-                        <a:t>variaNT</a:t>
-                      </a:r>
-                      <a:r>
-                        <a:rPr lang="en-US" sz="2000" dirty="0">
-                          <a:effectLst/>
-                        </a:rPr>
-                        <a:t> Associations</a:t>
-                      </a:r>
-                      <a:endParaRPr lang="en-GB" sz="2000" dirty="0">
-                        <a:effectLst/>
-                        <a:latin typeface="Cambria" panose="02040503050406030204" pitchFamily="18" charset="0"/>
-                        <a:ea typeface="Cambria" panose="02040503050406030204" pitchFamily="18" charset="0"/>
-                        <a:cs typeface="Times New Roman" panose="02020603050405020304" pitchFamily="18" charset="0"/>
-                      </a:endParaRPr>
-                    </a:p>
-                  </a:txBody>
-                  <a:tcPr marL="68580" marR="68580" marT="0" marB="0"/>
-                </a:tc>
-                <a:tc>
-                  <a:txBody>
-                    <a:bodyPr/>
-                    <a:lstStyle/>
-                    <a:p>
-                      <a:pPr>
-                        <a:spcBef>
-                          <a:spcPts val="180"/>
-                        </a:spcBef>
-                        <a:spcAft>
-                          <a:spcPts val="180"/>
-                        </a:spcAft>
-                      </a:pPr>
-                      <a:r>
-                        <a:rPr lang="en-US" sz="2000" dirty="0">
-                          <a:effectLst/>
-                        </a:rPr>
-                        <a:t>MAGENTA</a:t>
-                      </a:r>
-                      <a:endParaRPr lang="en-GB" sz="2000" dirty="0">
-                        <a:effectLst/>
-                        <a:latin typeface="Cambria" panose="02040503050406030204" pitchFamily="18" charset="0"/>
-                        <a:ea typeface="Cambria" panose="02040503050406030204" pitchFamily="18" charset="0"/>
-                        <a:cs typeface="Times New Roman" panose="02020603050405020304" pitchFamily="18" charset="0"/>
-                      </a:endParaRPr>
-                    </a:p>
-                  </a:txBody>
-                  <a:tcPr marL="68580" marR="68580" marT="0" marB="0"/>
-                </a:tc>
-                <a:tc>
-                  <a:txBody>
-                    <a:bodyPr/>
-                    <a:lstStyle/>
-                    <a:p>
-                      <a:pPr>
-                        <a:spcBef>
-                          <a:spcPts val="180"/>
-                        </a:spcBef>
-                        <a:spcAft>
-                          <a:spcPts val="180"/>
-                        </a:spcAft>
-                      </a:pPr>
-                      <a:r>
-                        <a:rPr lang="en-US" sz="2000">
-                          <a:effectLst/>
-                        </a:rPr>
-                        <a:t>Segre, et al. (2010)</a:t>
-                      </a:r>
-                      <a:endParaRPr lang="en-GB" sz="2000">
-                        <a:effectLst/>
-                        <a:latin typeface="Cambria" panose="02040503050406030204" pitchFamily="18" charset="0"/>
-                        <a:ea typeface="Cambria" panose="02040503050406030204" pitchFamily="18" charset="0"/>
-                        <a:cs typeface="Times New Roman" panose="02020603050405020304" pitchFamily="18" charset="0"/>
-                      </a:endParaRPr>
-                    </a:p>
-                  </a:txBody>
-                  <a:tcPr marL="68580" marR="68580" marT="0" marB="0"/>
-                </a:tc>
-                <a:extLst>
-                  <a:ext uri="{0D108BD9-81ED-4DB2-BD59-A6C34878D82A}">
-                    <a16:rowId xmlns:a16="http://schemas.microsoft.com/office/drawing/2014/main" xmlns="" val="3242111933"/>
-                  </a:ext>
-                </a:extLst>
-              </a:tr>
-              <a:tr h="669348">
-                <a:tc>
-                  <a:txBody>
-                    <a:bodyPr/>
-                    <a:lstStyle/>
-                    <a:p>
-                      <a:pPr>
-                        <a:spcBef>
-                          <a:spcPts val="180"/>
-                        </a:spcBef>
-                        <a:spcAft>
-                          <a:spcPts val="180"/>
-                        </a:spcAft>
-                      </a:pPr>
-                      <a:r>
-                        <a:rPr lang="en-US" sz="2000">
-                          <a:effectLst/>
-                        </a:rPr>
-                        <a:t>Generalized Gene-Set Analysis of GWAS Data</a:t>
-                      </a:r>
-                      <a:endParaRPr lang="en-GB" sz="2000">
-                        <a:effectLst/>
-                        <a:latin typeface="Cambria" panose="02040503050406030204" pitchFamily="18" charset="0"/>
-                        <a:ea typeface="Cambria" panose="02040503050406030204" pitchFamily="18" charset="0"/>
-                        <a:cs typeface="Times New Roman" panose="02020603050405020304" pitchFamily="18" charset="0"/>
-                      </a:endParaRPr>
-                    </a:p>
-                  </a:txBody>
-                  <a:tcPr marL="68580" marR="68580" marT="0" marB="0"/>
-                </a:tc>
-                <a:tc>
-                  <a:txBody>
-                    <a:bodyPr/>
-                    <a:lstStyle/>
-                    <a:p>
-                      <a:pPr>
-                        <a:spcBef>
-                          <a:spcPts val="180"/>
-                        </a:spcBef>
-                        <a:spcAft>
-                          <a:spcPts val="180"/>
-                        </a:spcAft>
-                      </a:pPr>
-                      <a:r>
-                        <a:rPr lang="en-US" sz="2000" dirty="0">
-                          <a:effectLst/>
-                        </a:rPr>
-                        <a:t>MAGMA</a:t>
-                      </a:r>
-                      <a:endParaRPr lang="en-GB" sz="2000" dirty="0">
-                        <a:effectLst/>
-                        <a:latin typeface="Cambria" panose="02040503050406030204" pitchFamily="18" charset="0"/>
-                        <a:ea typeface="Cambria" panose="02040503050406030204" pitchFamily="18" charset="0"/>
-                        <a:cs typeface="Times New Roman" panose="02020603050405020304" pitchFamily="18" charset="0"/>
-                      </a:endParaRPr>
-                    </a:p>
-                  </a:txBody>
-                  <a:tcPr marL="68580" marR="68580" marT="0" marB="0"/>
-                </a:tc>
-                <a:tc>
-                  <a:txBody>
-                    <a:bodyPr/>
-                    <a:lstStyle/>
-                    <a:p>
-                      <a:pPr>
-                        <a:spcBef>
-                          <a:spcPts val="180"/>
-                        </a:spcBef>
-                        <a:spcAft>
-                          <a:spcPts val="180"/>
-                        </a:spcAft>
-                      </a:pPr>
-                      <a:r>
-                        <a:rPr lang="en-US" sz="2000">
-                          <a:effectLst/>
-                        </a:rPr>
-                        <a:t>de Leeuw, et al. (2015)</a:t>
-                      </a:r>
-                      <a:endParaRPr lang="en-GB" sz="2000">
-                        <a:effectLst/>
-                        <a:latin typeface="Cambria" panose="02040503050406030204" pitchFamily="18" charset="0"/>
-                        <a:ea typeface="Cambria" panose="02040503050406030204" pitchFamily="18" charset="0"/>
-                        <a:cs typeface="Times New Roman" panose="02020603050405020304" pitchFamily="18" charset="0"/>
-                      </a:endParaRPr>
-                    </a:p>
-                  </a:txBody>
-                  <a:tcPr marL="68580" marR="68580" marT="0" marB="0"/>
-                </a:tc>
-                <a:extLst>
-                  <a:ext uri="{0D108BD9-81ED-4DB2-BD59-A6C34878D82A}">
-                    <a16:rowId xmlns:a16="http://schemas.microsoft.com/office/drawing/2014/main" xmlns="" val="3758837373"/>
-                  </a:ext>
-                </a:extLst>
-              </a:tr>
-              <a:tr h="669348">
-                <a:tc>
-                  <a:txBody>
-                    <a:bodyPr/>
-                    <a:lstStyle/>
-                    <a:p>
-                      <a:pPr>
-                        <a:spcBef>
-                          <a:spcPts val="180"/>
-                        </a:spcBef>
-                        <a:spcAft>
-                          <a:spcPts val="180"/>
-                        </a:spcAft>
-                      </a:pPr>
-                      <a:r>
-                        <a:rPr lang="en-US" sz="2000">
-                          <a:effectLst/>
-                        </a:rPr>
-                        <a:t>Pathway scoring algorithm</a:t>
-                      </a:r>
-                      <a:endParaRPr lang="en-GB" sz="2000">
-                        <a:effectLst/>
-                        <a:latin typeface="Cambria" panose="02040503050406030204" pitchFamily="18" charset="0"/>
-                        <a:ea typeface="Cambria" panose="02040503050406030204" pitchFamily="18" charset="0"/>
-                        <a:cs typeface="Times New Roman" panose="02020603050405020304" pitchFamily="18" charset="0"/>
-                      </a:endParaRPr>
-                    </a:p>
-                  </a:txBody>
-                  <a:tcPr marL="68580" marR="68580" marT="0" marB="0"/>
-                </a:tc>
-                <a:tc>
-                  <a:txBody>
-                    <a:bodyPr/>
-                    <a:lstStyle/>
-                    <a:p>
-                      <a:pPr>
-                        <a:spcBef>
-                          <a:spcPts val="180"/>
-                        </a:spcBef>
-                        <a:spcAft>
-                          <a:spcPts val="180"/>
-                        </a:spcAft>
-                      </a:pPr>
-                      <a:r>
-                        <a:rPr lang="en-US" sz="2000" dirty="0">
-                          <a:effectLst/>
-                        </a:rPr>
-                        <a:t>PASCAL</a:t>
-                      </a:r>
-                      <a:endParaRPr lang="en-GB" sz="2000" dirty="0">
-                        <a:effectLst/>
-                        <a:latin typeface="Cambria" panose="02040503050406030204" pitchFamily="18" charset="0"/>
-                        <a:ea typeface="Cambria" panose="02040503050406030204" pitchFamily="18" charset="0"/>
-                        <a:cs typeface="Times New Roman" panose="02020603050405020304" pitchFamily="18" charset="0"/>
-                      </a:endParaRPr>
-                    </a:p>
-                  </a:txBody>
-                  <a:tcPr marL="68580" marR="68580" marT="0" marB="0"/>
-                </a:tc>
-                <a:tc>
-                  <a:txBody>
-                    <a:bodyPr/>
-                    <a:lstStyle/>
-                    <a:p>
-                      <a:pPr>
-                        <a:spcBef>
-                          <a:spcPts val="180"/>
-                        </a:spcBef>
-                        <a:spcAft>
-                          <a:spcPts val="180"/>
-                        </a:spcAft>
-                      </a:pPr>
-                      <a:r>
-                        <a:rPr lang="en-US" sz="2000" dirty="0" err="1">
-                          <a:effectLst/>
-                        </a:rPr>
-                        <a:t>Lamparter</a:t>
-                      </a:r>
-                      <a:r>
-                        <a:rPr lang="en-US" sz="2000" dirty="0">
-                          <a:effectLst/>
-                        </a:rPr>
-                        <a:t>, et al. (2016)</a:t>
-                      </a:r>
-                      <a:endParaRPr lang="en-GB" sz="2000" dirty="0">
-                        <a:effectLst/>
-                        <a:latin typeface="Cambria" panose="02040503050406030204" pitchFamily="18" charset="0"/>
-                        <a:ea typeface="Cambria" panose="02040503050406030204" pitchFamily="18" charset="0"/>
-                        <a:cs typeface="Times New Roman" panose="02020603050405020304" pitchFamily="18" charset="0"/>
-                      </a:endParaRPr>
-                    </a:p>
-                  </a:txBody>
-                  <a:tcPr marL="68580" marR="68580" marT="0" marB="0"/>
-                </a:tc>
-                <a:extLst>
-                  <a:ext uri="{0D108BD9-81ED-4DB2-BD59-A6C34878D82A}">
-                    <a16:rowId xmlns:a16="http://schemas.microsoft.com/office/drawing/2014/main" xmlns="" val="2712992702"/>
-                  </a:ext>
-                </a:extLst>
-              </a:tr>
-              <a:tr h="669348">
-                <a:tc>
-                  <a:txBody>
-                    <a:bodyPr/>
-                    <a:lstStyle/>
-                    <a:p>
-                      <a:pPr>
-                        <a:spcBef>
-                          <a:spcPts val="180"/>
-                        </a:spcBef>
-                        <a:spcAft>
-                          <a:spcPts val="180"/>
-                        </a:spcAft>
-                      </a:pPr>
-                      <a:r>
-                        <a:rPr lang="en-US" sz="2000">
-                          <a:effectLst/>
-                        </a:rPr>
-                        <a:t>Data-Driven Expression Prioritized Integration for Complex Traits</a:t>
-                      </a:r>
-                      <a:endParaRPr lang="en-GB" sz="2000">
-                        <a:effectLst/>
-                        <a:latin typeface="Cambria" panose="02040503050406030204" pitchFamily="18" charset="0"/>
-                        <a:ea typeface="Cambria" panose="02040503050406030204" pitchFamily="18" charset="0"/>
-                        <a:cs typeface="Times New Roman" panose="02020603050405020304" pitchFamily="18" charset="0"/>
-                      </a:endParaRPr>
-                    </a:p>
-                  </a:txBody>
-                  <a:tcPr marL="68580" marR="68580" marT="0" marB="0"/>
-                </a:tc>
-                <a:tc>
-                  <a:txBody>
-                    <a:bodyPr/>
-                    <a:lstStyle/>
-                    <a:p>
-                      <a:pPr>
-                        <a:spcBef>
-                          <a:spcPts val="180"/>
-                        </a:spcBef>
-                        <a:spcAft>
-                          <a:spcPts val="180"/>
-                        </a:spcAft>
-                      </a:pPr>
-                      <a:r>
-                        <a:rPr lang="en-US" sz="2000">
-                          <a:effectLst/>
-                        </a:rPr>
-                        <a:t>DEPICT</a:t>
-                      </a:r>
-                      <a:endParaRPr lang="en-GB" sz="2000">
-                        <a:effectLst/>
-                        <a:latin typeface="Cambria" panose="02040503050406030204" pitchFamily="18" charset="0"/>
-                        <a:ea typeface="Cambria" panose="02040503050406030204" pitchFamily="18" charset="0"/>
-                        <a:cs typeface="Times New Roman" panose="02020603050405020304" pitchFamily="18" charset="0"/>
-                      </a:endParaRPr>
-                    </a:p>
-                  </a:txBody>
-                  <a:tcPr marL="68580" marR="68580" marT="0" marB="0"/>
-                </a:tc>
-                <a:tc>
-                  <a:txBody>
-                    <a:bodyPr/>
-                    <a:lstStyle/>
-                    <a:p>
-                      <a:pPr>
-                        <a:spcBef>
-                          <a:spcPts val="180"/>
-                        </a:spcBef>
-                        <a:spcAft>
-                          <a:spcPts val="180"/>
-                        </a:spcAft>
-                      </a:pPr>
-                      <a:r>
-                        <a:rPr lang="en-US" sz="2000" dirty="0" err="1">
-                          <a:effectLst/>
-                        </a:rPr>
-                        <a:t>Pers</a:t>
-                      </a:r>
-                      <a:r>
-                        <a:rPr lang="en-US" sz="2000" dirty="0">
-                          <a:effectLst/>
-                        </a:rPr>
-                        <a:t>, et al.(2015)</a:t>
-                      </a:r>
-                      <a:endParaRPr lang="en-GB" sz="2000" dirty="0">
-                        <a:effectLst/>
-                        <a:latin typeface="Cambria" panose="02040503050406030204" pitchFamily="18" charset="0"/>
-                        <a:ea typeface="Cambria" panose="02040503050406030204" pitchFamily="18" charset="0"/>
-                        <a:cs typeface="Times New Roman" panose="02020603050405020304" pitchFamily="18" charset="0"/>
-                      </a:endParaRPr>
-                    </a:p>
-                  </a:txBody>
-                  <a:tcPr marL="68580" marR="68580" marT="0" marB="0"/>
-                </a:tc>
-                <a:extLst>
-                  <a:ext uri="{0D108BD9-81ED-4DB2-BD59-A6C34878D82A}">
-                    <a16:rowId xmlns:a16="http://schemas.microsoft.com/office/drawing/2014/main" xmlns="" val="1529562622"/>
-                  </a:ext>
-                </a:extLst>
-              </a:tr>
-            </a:tbl>
-          </a:graphicData>
-        </a:graphic>
-      </p:graphicFrame>
-      <p:sp>
-        <p:nvSpPr>
-          <p:cNvPr id="5" name="Footer Placeholder 4"/>
+          <a:p>
+            <a:pPr marL="0" indent="0">
+              <a:buNone/>
+            </a:pPr>
+            <a:r>
+              <a:rPr lang="en-GB" dirty="0"/>
+              <a:t>The statistical significance is assessed typically via P values or FDRs.</a:t>
+            </a:r>
+          </a:p>
+        </p:txBody>
+      </p:sp>
+      <p:sp>
+        <p:nvSpPr>
+          <p:cNvPr id="6" name="Footer Placeholder 5"/>
           <p:cNvSpPr>
             <a:spLocks noGrp="1"/>
           </p:cNvSpPr>
@@ -4556,7 +5490,7 @@
       </p:sp>
       <p:sp>
         <p:nvSpPr>
-          <p:cNvPr id="6" name="Slide Number Placeholder 5"/>
+          <p:cNvPr id="7" name="Slide Number Placeholder 6"/>
           <p:cNvSpPr>
             <a:spLocks noGrp="1"/>
           </p:cNvSpPr>
@@ -4580,7 +5514,7 @@
     </p:spTree>
     <p:extLst>
       <p:ext uri="{BB962C8B-B14F-4D97-AF65-F5344CB8AC3E}">
-        <p14:creationId xmlns:p14="http://schemas.microsoft.com/office/powerpoint/2010/main" val="3512096537"/>
+        <p14:creationId xmlns:p14="http://schemas.microsoft.com/office/powerpoint/2010/main" val="1309448083"/>
       </p:ext>
     </p:extLst>
   </p:cSld>
@@ -4624,85 +5558,562 @@
           <a:p>
             <a:pPr algn="ctr"/>
             <a:r>
-              <a:rPr lang="en-GB" dirty="0" smtClean="0"/>
-              <a:t>Features of software</a:t>
-            </a:r>
-            <a:endParaRPr lang="en-GB" dirty="0"/>
-          </a:p>
-        </p:txBody>
-      </p:sp>
-      <p:sp>
-        <p:nvSpPr>
-          <p:cNvPr id="3" name="Content Placeholder 2"/>
-          <p:cNvSpPr>
-            <a:spLocks noGrp="1"/>
-          </p:cNvSpPr>
+              <a:rPr lang="en-GB" b="1" dirty="0" smtClean="0"/>
+              <a:t>Available software for the pipeline</a:t>
+            </a:r>
+            <a:endParaRPr lang="en-GB" b="1" dirty="0"/>
+          </a:p>
+        </p:txBody>
+      </p:sp>
+      <p:graphicFrame>
+        <p:nvGraphicFramePr>
+          <p:cNvPr id="7" name="Content Placeholder 6"/>
+          <p:cNvGraphicFramePr>
+            <a:graphicFrameLocks noGrp="1"/>
+          </p:cNvGraphicFramePr>
           <p:nvPr>
             <p:ph idx="1"/>
-          </p:nvPr>
-        </p:nvSpPr>
-        <p:spPr>
-          <a:xfrm>
-            <a:off x="838200" y="1817876"/>
-            <a:ext cx="10515600" cy="4351338"/>
-          </a:xfrm>
-        </p:spPr>
-        <p:txBody>
-          <a:bodyPr/>
-          <a:lstStyle/>
-          <a:p>
-            <a:r>
-              <a:rPr lang="en-GB" dirty="0"/>
-              <a:t>MAGENTA. </a:t>
-            </a:r>
-            <a:r>
-              <a:rPr lang="en-GB" dirty="0" smtClean="0"/>
-              <a:t>Confounding </a:t>
-            </a:r>
-            <a:r>
-              <a:rPr lang="en-GB" dirty="0"/>
-              <a:t>effects on gene association scores are identified and corrected for, without requiring genotype </a:t>
-            </a:r>
-            <a:r>
-              <a:rPr lang="en-GB" dirty="0" smtClean="0"/>
-              <a:t>data.</a:t>
-            </a:r>
-          </a:p>
-          <a:p>
-            <a:r>
-              <a:rPr lang="en-GB" dirty="0" smtClean="0"/>
-              <a:t>MAGMA. Similar to MAGENTA in spirit.</a:t>
-            </a:r>
-          </a:p>
-          <a:p>
-            <a:r>
-              <a:rPr lang="en-GB" dirty="0"/>
-              <a:t>PASCAL. Gene scores are obtained by aggregating SNP p-values from a GWAS meta-analysis while correcting for LD using a reference </a:t>
-            </a:r>
-            <a:r>
-              <a:rPr lang="en-GB" dirty="0" smtClean="0"/>
-              <a:t>population.</a:t>
-            </a:r>
-          </a:p>
-          <a:p>
-            <a:r>
-              <a:rPr lang="en-GB" dirty="0"/>
-              <a:t>DEPICT. </a:t>
-            </a:r>
-            <a:r>
-              <a:rPr lang="en-GB" dirty="0" smtClean="0"/>
-              <a:t>It </a:t>
-            </a:r>
-            <a:r>
-              <a:rPr lang="en-GB" dirty="0"/>
-              <a:t>is a computational framework for gene prioritization, GSEA and tissue/cell type enrichment analysis. </a:t>
-            </a:r>
-          </a:p>
-        </p:txBody>
-      </p:sp>
-      <p:sp>
-        <p:nvSpPr>
-          <p:cNvPr id="6" name="Footer Placeholder 5"/>
+            <p:extLst>
+              <p:ext uri="{D42A27DB-BD31-4B8C-83A1-F6EECF244321}">
+                <p14:modId xmlns:p14="http://schemas.microsoft.com/office/powerpoint/2010/main" val="42670582"/>
+              </p:ext>
+            </p:extLst>
+          </p:nvPr>
+        </p:nvGraphicFramePr>
+        <p:xfrm>
+          <a:off x="838200" y="1690688"/>
+          <a:ext cx="10515600" cy="3121890"/>
+        </p:xfrm>
+        <a:graphic>
+          <a:graphicData uri="http://schemas.openxmlformats.org/drawingml/2006/table">
+            <a:tbl>
+              <a:tblPr firstRow="1" bandRow="1">
+                <a:tableStyleId>{5C22544A-7EE6-4342-B048-85BDC9FD1C3A}</a:tableStyleId>
+              </a:tblPr>
+              <a:tblGrid>
+                <a:gridCol w="5054600">
+                  <a:extLst>
+                    <a:ext uri="{9D8B030D-6E8A-4147-A177-3AD203B41FA5}">
+                      <a16:colId xmlns:a16="http://schemas.microsoft.com/office/drawing/2014/main" val="865145431"/>
+                    </a:ext>
+                  </a:extLst>
+                </a:gridCol>
+                <a:gridCol w="1955800">
+                  <a:extLst>
+                    <a:ext uri="{9D8B030D-6E8A-4147-A177-3AD203B41FA5}">
+                      <a16:colId xmlns:a16="http://schemas.microsoft.com/office/drawing/2014/main" val="2266813503"/>
+                    </a:ext>
+                  </a:extLst>
+                </a:gridCol>
+                <a:gridCol w="3505200">
+                  <a:extLst>
+                    <a:ext uri="{9D8B030D-6E8A-4147-A177-3AD203B41FA5}">
+                      <a16:colId xmlns:a16="http://schemas.microsoft.com/office/drawing/2014/main" val="3616348924"/>
+                    </a:ext>
+                  </a:extLst>
+                </a:gridCol>
+              </a:tblGrid>
+              <a:tr h="444498">
+                <a:tc>
+                  <a:txBody>
+                    <a:bodyPr/>
+                    <a:lstStyle/>
+                    <a:p>
+                      <a:pPr>
+                        <a:spcBef>
+                          <a:spcPts val="180"/>
+                        </a:spcBef>
+                        <a:spcAft>
+                          <a:spcPts val="180"/>
+                        </a:spcAft>
+                      </a:pPr>
+                      <a:r>
+                        <a:rPr lang="en-US" sz="2400" dirty="0">
+                          <a:effectLst/>
+                        </a:rPr>
+                        <a:t>Full name</a:t>
+                      </a:r>
+                      <a:endParaRPr lang="en-GB" sz="2400" dirty="0">
+                        <a:effectLst/>
+                        <a:latin typeface="Cambria" panose="02040503050406030204" pitchFamily="18" charset="0"/>
+                        <a:ea typeface="Cambria" panose="02040503050406030204" pitchFamily="18" charset="0"/>
+                        <a:cs typeface="Times New Roman" panose="02020603050405020304" pitchFamily="18" charset="0"/>
+                      </a:endParaRPr>
+                    </a:p>
+                  </a:txBody>
+                  <a:tcPr marL="68580" marR="68580" marT="0" marB="0" anchor="b"/>
+                </a:tc>
+                <a:tc>
+                  <a:txBody>
+                    <a:bodyPr/>
+                    <a:lstStyle/>
+                    <a:p>
+                      <a:pPr>
+                        <a:spcBef>
+                          <a:spcPts val="180"/>
+                        </a:spcBef>
+                        <a:spcAft>
+                          <a:spcPts val="180"/>
+                        </a:spcAft>
+                      </a:pPr>
+                      <a:r>
+                        <a:rPr lang="en-US" sz="2400" dirty="0">
+                          <a:effectLst/>
+                        </a:rPr>
+                        <a:t>Abbreviation</a:t>
+                      </a:r>
+                      <a:endParaRPr lang="en-GB" sz="2400" dirty="0">
+                        <a:effectLst/>
+                        <a:latin typeface="Cambria" panose="02040503050406030204" pitchFamily="18" charset="0"/>
+                        <a:ea typeface="Cambria" panose="02040503050406030204" pitchFamily="18" charset="0"/>
+                        <a:cs typeface="Times New Roman" panose="02020603050405020304" pitchFamily="18" charset="0"/>
+                      </a:endParaRPr>
+                    </a:p>
+                  </a:txBody>
+                  <a:tcPr marL="68580" marR="68580" marT="0" marB="0" anchor="b"/>
+                </a:tc>
+                <a:tc>
+                  <a:txBody>
+                    <a:bodyPr/>
+                    <a:lstStyle/>
+                    <a:p>
+                      <a:pPr>
+                        <a:spcBef>
+                          <a:spcPts val="180"/>
+                        </a:spcBef>
+                        <a:spcAft>
+                          <a:spcPts val="180"/>
+                        </a:spcAft>
+                      </a:pPr>
+                      <a:r>
+                        <a:rPr lang="en-US" sz="2400" dirty="0">
+                          <a:effectLst/>
+                        </a:rPr>
+                        <a:t>Reference</a:t>
+                      </a:r>
+                      <a:endParaRPr lang="en-GB" sz="2400" dirty="0">
+                        <a:effectLst/>
+                        <a:latin typeface="Cambria" panose="02040503050406030204" pitchFamily="18" charset="0"/>
+                        <a:ea typeface="Cambria" panose="02040503050406030204" pitchFamily="18" charset="0"/>
+                        <a:cs typeface="Times New Roman" panose="02020603050405020304" pitchFamily="18" charset="0"/>
+                      </a:endParaRPr>
+                    </a:p>
+                  </a:txBody>
+                  <a:tcPr marL="68580" marR="68580" marT="0" marB="0" anchor="b"/>
+                </a:tc>
+                <a:extLst>
+                  <a:ext uri="{0D108BD9-81ED-4DB2-BD59-A6C34878D82A}">
+                    <a16:rowId xmlns:a16="http://schemas.microsoft.com/office/drawing/2014/main" val="4029533971"/>
+                  </a:ext>
+                </a:extLst>
+              </a:tr>
+              <a:tr h="669348">
+                <a:tc>
+                  <a:txBody>
+                    <a:bodyPr/>
+                    <a:lstStyle/>
+                    <a:p>
+                      <a:pPr>
+                        <a:spcBef>
+                          <a:spcPts val="180"/>
+                        </a:spcBef>
+                        <a:spcAft>
+                          <a:spcPts val="180"/>
+                        </a:spcAft>
+                      </a:pPr>
+                      <a:r>
+                        <a:rPr lang="en-US" sz="2000" dirty="0">
+                          <a:effectLst/>
+                        </a:rPr>
+                        <a:t>Meta-Analysis Gene-set Enrichment of </a:t>
+                      </a:r>
+                      <a:r>
+                        <a:rPr lang="en-US" sz="2000" dirty="0" err="1">
+                          <a:effectLst/>
+                        </a:rPr>
+                        <a:t>variaNT</a:t>
+                      </a:r>
+                      <a:r>
+                        <a:rPr lang="en-US" sz="2000" dirty="0">
+                          <a:effectLst/>
+                        </a:rPr>
+                        <a:t> Associations</a:t>
+                      </a:r>
+                      <a:endParaRPr lang="en-GB" sz="2000" dirty="0">
+                        <a:effectLst/>
+                        <a:latin typeface="Cambria" panose="02040503050406030204" pitchFamily="18" charset="0"/>
+                        <a:ea typeface="Cambria" panose="02040503050406030204" pitchFamily="18" charset="0"/>
+                        <a:cs typeface="Times New Roman" panose="02020603050405020304" pitchFamily="18" charset="0"/>
+                      </a:endParaRPr>
+                    </a:p>
+                  </a:txBody>
+                  <a:tcPr marL="68580" marR="68580" marT="0" marB="0"/>
+                </a:tc>
+                <a:tc>
+                  <a:txBody>
+                    <a:bodyPr/>
+                    <a:lstStyle/>
+                    <a:p>
+                      <a:pPr>
+                        <a:spcBef>
+                          <a:spcPts val="180"/>
+                        </a:spcBef>
+                        <a:spcAft>
+                          <a:spcPts val="180"/>
+                        </a:spcAft>
+                      </a:pPr>
+                      <a:r>
+                        <a:rPr lang="en-US" sz="2000" dirty="0">
+                          <a:effectLst/>
+                        </a:rPr>
+                        <a:t>MAGENTA</a:t>
+                      </a:r>
+                      <a:endParaRPr lang="en-GB" sz="2000" dirty="0">
+                        <a:effectLst/>
+                        <a:latin typeface="Cambria" panose="02040503050406030204" pitchFamily="18" charset="0"/>
+                        <a:ea typeface="Cambria" panose="02040503050406030204" pitchFamily="18" charset="0"/>
+                        <a:cs typeface="Times New Roman" panose="02020603050405020304" pitchFamily="18" charset="0"/>
+                      </a:endParaRPr>
+                    </a:p>
+                  </a:txBody>
+                  <a:tcPr marL="68580" marR="68580" marT="0" marB="0"/>
+                </a:tc>
+                <a:tc>
+                  <a:txBody>
+                    <a:bodyPr/>
+                    <a:lstStyle/>
+                    <a:p>
+                      <a:pPr>
+                        <a:spcBef>
+                          <a:spcPts val="180"/>
+                        </a:spcBef>
+                        <a:spcAft>
+                          <a:spcPts val="180"/>
+                        </a:spcAft>
+                      </a:pPr>
+                      <a:r>
+                        <a:rPr lang="en-US" sz="2000">
+                          <a:effectLst/>
+                        </a:rPr>
+                        <a:t>Segre, et al. (2010)</a:t>
+                      </a:r>
+                      <a:endParaRPr lang="en-GB" sz="2000">
+                        <a:effectLst/>
+                        <a:latin typeface="Cambria" panose="02040503050406030204" pitchFamily="18" charset="0"/>
+                        <a:ea typeface="Cambria" panose="02040503050406030204" pitchFamily="18" charset="0"/>
+                        <a:cs typeface="Times New Roman" panose="02020603050405020304" pitchFamily="18" charset="0"/>
+                      </a:endParaRPr>
+                    </a:p>
+                  </a:txBody>
+                  <a:tcPr marL="68580" marR="68580" marT="0" marB="0"/>
+                </a:tc>
+                <a:extLst>
+                  <a:ext uri="{0D108BD9-81ED-4DB2-BD59-A6C34878D82A}">
+                    <a16:rowId xmlns:a16="http://schemas.microsoft.com/office/drawing/2014/main" val="3242111933"/>
+                  </a:ext>
+                </a:extLst>
+              </a:tr>
+              <a:tr h="669348">
+                <a:tc>
+                  <a:txBody>
+                    <a:bodyPr/>
+                    <a:lstStyle/>
+                    <a:p>
+                      <a:pPr>
+                        <a:spcBef>
+                          <a:spcPts val="180"/>
+                        </a:spcBef>
+                        <a:spcAft>
+                          <a:spcPts val="180"/>
+                        </a:spcAft>
+                      </a:pPr>
+                      <a:r>
+                        <a:rPr lang="en-US" sz="2000">
+                          <a:effectLst/>
+                        </a:rPr>
+                        <a:t>Generalized Gene-Set Analysis of GWAS Data</a:t>
+                      </a:r>
+                      <a:endParaRPr lang="en-GB" sz="2000">
+                        <a:effectLst/>
+                        <a:latin typeface="Cambria" panose="02040503050406030204" pitchFamily="18" charset="0"/>
+                        <a:ea typeface="Cambria" panose="02040503050406030204" pitchFamily="18" charset="0"/>
+                        <a:cs typeface="Times New Roman" panose="02020603050405020304" pitchFamily="18" charset="0"/>
+                      </a:endParaRPr>
+                    </a:p>
+                  </a:txBody>
+                  <a:tcPr marL="68580" marR="68580" marT="0" marB="0"/>
+                </a:tc>
+                <a:tc>
+                  <a:txBody>
+                    <a:bodyPr/>
+                    <a:lstStyle/>
+                    <a:p>
+                      <a:pPr>
+                        <a:spcBef>
+                          <a:spcPts val="180"/>
+                        </a:spcBef>
+                        <a:spcAft>
+                          <a:spcPts val="180"/>
+                        </a:spcAft>
+                      </a:pPr>
+                      <a:r>
+                        <a:rPr lang="en-US" sz="2000" dirty="0">
+                          <a:effectLst/>
+                        </a:rPr>
+                        <a:t>MAGMA</a:t>
+                      </a:r>
+                      <a:endParaRPr lang="en-GB" sz="2000" dirty="0">
+                        <a:effectLst/>
+                        <a:latin typeface="Cambria" panose="02040503050406030204" pitchFamily="18" charset="0"/>
+                        <a:ea typeface="Cambria" panose="02040503050406030204" pitchFamily="18" charset="0"/>
+                        <a:cs typeface="Times New Roman" panose="02020603050405020304" pitchFamily="18" charset="0"/>
+                      </a:endParaRPr>
+                    </a:p>
+                  </a:txBody>
+                  <a:tcPr marL="68580" marR="68580" marT="0" marB="0"/>
+                </a:tc>
+                <a:tc>
+                  <a:txBody>
+                    <a:bodyPr/>
+                    <a:lstStyle/>
+                    <a:p>
+                      <a:pPr>
+                        <a:spcBef>
+                          <a:spcPts val="180"/>
+                        </a:spcBef>
+                        <a:spcAft>
+                          <a:spcPts val="180"/>
+                        </a:spcAft>
+                      </a:pPr>
+                      <a:r>
+                        <a:rPr lang="en-US" sz="2000">
+                          <a:effectLst/>
+                        </a:rPr>
+                        <a:t>de Leeuw, et al. (2015)</a:t>
+                      </a:r>
+                      <a:endParaRPr lang="en-GB" sz="2000">
+                        <a:effectLst/>
+                        <a:latin typeface="Cambria" panose="02040503050406030204" pitchFamily="18" charset="0"/>
+                        <a:ea typeface="Cambria" panose="02040503050406030204" pitchFamily="18" charset="0"/>
+                        <a:cs typeface="Times New Roman" panose="02020603050405020304" pitchFamily="18" charset="0"/>
+                      </a:endParaRPr>
+                    </a:p>
+                  </a:txBody>
+                  <a:tcPr marL="68580" marR="68580" marT="0" marB="0"/>
+                </a:tc>
+                <a:extLst>
+                  <a:ext uri="{0D108BD9-81ED-4DB2-BD59-A6C34878D82A}">
+                    <a16:rowId xmlns:a16="http://schemas.microsoft.com/office/drawing/2014/main" val="3758837373"/>
+                  </a:ext>
+                </a:extLst>
+              </a:tr>
+              <a:tr h="669348">
+                <a:tc>
+                  <a:txBody>
+                    <a:bodyPr/>
+                    <a:lstStyle/>
+                    <a:p>
+                      <a:pPr>
+                        <a:spcBef>
+                          <a:spcPts val="180"/>
+                        </a:spcBef>
+                        <a:spcAft>
+                          <a:spcPts val="180"/>
+                        </a:spcAft>
+                      </a:pPr>
+                      <a:r>
+                        <a:rPr lang="en-US" sz="2000">
+                          <a:effectLst/>
+                        </a:rPr>
+                        <a:t>Pathway scoring algorithm</a:t>
+                      </a:r>
+                      <a:endParaRPr lang="en-GB" sz="2000">
+                        <a:effectLst/>
+                        <a:latin typeface="Cambria" panose="02040503050406030204" pitchFamily="18" charset="0"/>
+                        <a:ea typeface="Cambria" panose="02040503050406030204" pitchFamily="18" charset="0"/>
+                        <a:cs typeface="Times New Roman" panose="02020603050405020304" pitchFamily="18" charset="0"/>
+                      </a:endParaRPr>
+                    </a:p>
+                  </a:txBody>
+                  <a:tcPr marL="68580" marR="68580" marT="0" marB="0"/>
+                </a:tc>
+                <a:tc>
+                  <a:txBody>
+                    <a:bodyPr/>
+                    <a:lstStyle/>
+                    <a:p>
+                      <a:pPr>
+                        <a:spcBef>
+                          <a:spcPts val="180"/>
+                        </a:spcBef>
+                        <a:spcAft>
+                          <a:spcPts val="180"/>
+                        </a:spcAft>
+                      </a:pPr>
+                      <a:r>
+                        <a:rPr lang="en-US" sz="2000" dirty="0">
+                          <a:effectLst/>
+                        </a:rPr>
+                        <a:t>PASCAL</a:t>
+                      </a:r>
+                      <a:endParaRPr lang="en-GB" sz="2000" dirty="0">
+                        <a:effectLst/>
+                        <a:latin typeface="Cambria" panose="02040503050406030204" pitchFamily="18" charset="0"/>
+                        <a:ea typeface="Cambria" panose="02040503050406030204" pitchFamily="18" charset="0"/>
+                        <a:cs typeface="Times New Roman" panose="02020603050405020304" pitchFamily="18" charset="0"/>
+                      </a:endParaRPr>
+                    </a:p>
+                  </a:txBody>
+                  <a:tcPr marL="68580" marR="68580" marT="0" marB="0"/>
+                </a:tc>
+                <a:tc>
+                  <a:txBody>
+                    <a:bodyPr/>
+                    <a:lstStyle/>
+                    <a:p>
+                      <a:pPr>
+                        <a:spcBef>
+                          <a:spcPts val="180"/>
+                        </a:spcBef>
+                        <a:spcAft>
+                          <a:spcPts val="180"/>
+                        </a:spcAft>
+                      </a:pPr>
+                      <a:r>
+                        <a:rPr lang="en-US" sz="2000" dirty="0" err="1">
+                          <a:effectLst/>
+                        </a:rPr>
+                        <a:t>Lamparter</a:t>
+                      </a:r>
+                      <a:r>
+                        <a:rPr lang="en-US" sz="2000" dirty="0">
+                          <a:effectLst/>
+                        </a:rPr>
+                        <a:t>, et al. (2016)</a:t>
+                      </a:r>
+                      <a:endParaRPr lang="en-GB" sz="2000" dirty="0">
+                        <a:effectLst/>
+                        <a:latin typeface="Cambria" panose="02040503050406030204" pitchFamily="18" charset="0"/>
+                        <a:ea typeface="Cambria" panose="02040503050406030204" pitchFamily="18" charset="0"/>
+                        <a:cs typeface="Times New Roman" panose="02020603050405020304" pitchFamily="18" charset="0"/>
+                      </a:endParaRPr>
+                    </a:p>
+                  </a:txBody>
+                  <a:tcPr marL="68580" marR="68580" marT="0" marB="0"/>
+                </a:tc>
+                <a:extLst>
+                  <a:ext uri="{0D108BD9-81ED-4DB2-BD59-A6C34878D82A}">
+                    <a16:rowId xmlns:a16="http://schemas.microsoft.com/office/drawing/2014/main" val="2712992702"/>
+                  </a:ext>
+                </a:extLst>
+              </a:tr>
+              <a:tr h="669348">
+                <a:tc>
+                  <a:txBody>
+                    <a:bodyPr/>
+                    <a:lstStyle/>
+                    <a:p>
+                      <a:pPr>
+                        <a:spcBef>
+                          <a:spcPts val="180"/>
+                        </a:spcBef>
+                        <a:spcAft>
+                          <a:spcPts val="180"/>
+                        </a:spcAft>
+                      </a:pPr>
+                      <a:r>
+                        <a:rPr lang="en-US" sz="2000">
+                          <a:effectLst/>
+                        </a:rPr>
+                        <a:t>Data-Driven Expression Prioritized Integration for Complex Traits</a:t>
+                      </a:r>
+                      <a:endParaRPr lang="en-GB" sz="2000">
+                        <a:effectLst/>
+                        <a:latin typeface="Cambria" panose="02040503050406030204" pitchFamily="18" charset="0"/>
+                        <a:ea typeface="Cambria" panose="02040503050406030204" pitchFamily="18" charset="0"/>
+                        <a:cs typeface="Times New Roman" panose="02020603050405020304" pitchFamily="18" charset="0"/>
+                      </a:endParaRPr>
+                    </a:p>
+                  </a:txBody>
+                  <a:tcPr marL="68580" marR="68580" marT="0" marB="0"/>
+                </a:tc>
+                <a:tc>
+                  <a:txBody>
+                    <a:bodyPr/>
+                    <a:lstStyle/>
+                    <a:p>
+                      <a:pPr>
+                        <a:spcBef>
+                          <a:spcPts val="180"/>
+                        </a:spcBef>
+                        <a:spcAft>
+                          <a:spcPts val="180"/>
+                        </a:spcAft>
+                      </a:pPr>
+                      <a:r>
+                        <a:rPr lang="en-US" sz="2000">
+                          <a:effectLst/>
+                        </a:rPr>
+                        <a:t>DEPICT</a:t>
+                      </a:r>
+                      <a:endParaRPr lang="en-GB" sz="2000">
+                        <a:effectLst/>
+                        <a:latin typeface="Cambria" panose="02040503050406030204" pitchFamily="18" charset="0"/>
+                        <a:ea typeface="Cambria" panose="02040503050406030204" pitchFamily="18" charset="0"/>
+                        <a:cs typeface="Times New Roman" panose="02020603050405020304" pitchFamily="18" charset="0"/>
+                      </a:endParaRPr>
+                    </a:p>
+                  </a:txBody>
+                  <a:tcPr marL="68580" marR="68580" marT="0" marB="0"/>
+                </a:tc>
+                <a:tc>
+                  <a:txBody>
+                    <a:bodyPr/>
+                    <a:lstStyle/>
+                    <a:p>
+                      <a:pPr>
+                        <a:spcBef>
+                          <a:spcPts val="180"/>
+                        </a:spcBef>
+                        <a:spcAft>
+                          <a:spcPts val="180"/>
+                        </a:spcAft>
+                      </a:pPr>
+                      <a:r>
+                        <a:rPr lang="en-US" sz="2000" dirty="0" err="1">
+                          <a:effectLst/>
+                        </a:rPr>
+                        <a:t>Pers</a:t>
+                      </a:r>
+                      <a:r>
+                        <a:rPr lang="en-US" sz="2000" dirty="0">
+                          <a:effectLst/>
+                        </a:rPr>
+                        <a:t>, et al.(2015)</a:t>
+                      </a:r>
+                      <a:endParaRPr lang="en-GB" sz="2000" dirty="0">
+                        <a:effectLst/>
+                        <a:latin typeface="Cambria" panose="02040503050406030204" pitchFamily="18" charset="0"/>
+                        <a:ea typeface="Cambria" panose="02040503050406030204" pitchFamily="18" charset="0"/>
+                        <a:cs typeface="Times New Roman" panose="02020603050405020304" pitchFamily="18" charset="0"/>
+                      </a:endParaRPr>
+                    </a:p>
+                  </a:txBody>
+                  <a:tcPr marL="68580" marR="68580" marT="0" marB="0"/>
+                </a:tc>
+                <a:extLst>
+                  <a:ext uri="{0D108BD9-81ED-4DB2-BD59-A6C34878D82A}">
+                    <a16:rowId xmlns:a16="http://schemas.microsoft.com/office/drawing/2014/main" val="1529562622"/>
+                  </a:ext>
+                </a:extLst>
+              </a:tr>
+            </a:tbl>
+          </a:graphicData>
+        </a:graphic>
+      </p:graphicFrame>
+      <p:sp>
+        <p:nvSpPr>
+          <p:cNvPr id="5" name="Footer Placeholder 4"/>
           <p:cNvSpPr>
             <a:spLocks noGrp="1"/>
           </p:cNvSpPr>
@@ -4725,7 +6136,7 @@
       </p:sp>
       <p:sp>
         <p:nvSpPr>
-          <p:cNvPr id="7" name="Slide Number Placeholder 6"/>
+          <p:cNvPr id="6" name="Slide Number Placeholder 5"/>
           <p:cNvSpPr>
             <a:spLocks noGrp="1"/>
           </p:cNvSpPr>
@@ -4749,7 +6160,7 @@
     </p:spTree>
     <p:extLst>
       <p:ext uri="{BB962C8B-B14F-4D97-AF65-F5344CB8AC3E}">
-        <p14:creationId xmlns:p14="http://schemas.microsoft.com/office/powerpoint/2010/main" val="2494285474"/>
+        <p14:creationId xmlns:p14="http://schemas.microsoft.com/office/powerpoint/2010/main" val="3512096537"/>
       </p:ext>
     </p:extLst>
   </p:cSld>
@@ -4793,10 +6204,10 @@
           <a:p>
             <a:pPr algn="ctr"/>
             <a:r>
-              <a:rPr lang="en-GB" dirty="0" smtClean="0"/>
-              <a:t>Rationale for the pipeline</a:t>
-            </a:r>
-            <a:endParaRPr lang="en-GB" dirty="0"/>
+              <a:rPr lang="en-GB" b="1" dirty="0" smtClean="0"/>
+              <a:t>How to use the pipeline</a:t>
+            </a:r>
+            <a:endParaRPr lang="en-GB" b="1" dirty="0"/>
           </a:p>
         </p:txBody>
       </p:sp>
@@ -4817,107 +6228,104 @@
           </a:bodyPr>
           <a:lstStyle/>
           <a:p>
+            <a:pPr marL="0" indent="0">
+              <a:buNone/>
+            </a:pPr>
             <a:r>
               <a:rPr lang="en-GB" dirty="0"/>
-              <a:t>To facilitate use of </a:t>
-            </a:r>
+              <a:t>SYNTAX. </a:t>
+            </a:r>
+            <a:r>
+              <a:rPr lang="en-GB" b="1" dirty="0"/>
+              <a:t>pwp.sh repro.txt</a:t>
+            </a:r>
+          </a:p>
+          <a:p>
+            <a:pPr marL="0" indent="0">
+              <a:buNone/>
+            </a:pPr>
             <a:r>
               <a:rPr lang="en-GB" dirty="0" smtClean="0"/>
-              <a:t>software whose setup is difficult for many. </a:t>
-            </a:r>
-          </a:p>
-          <a:p>
-            <a:pPr lvl="1"/>
+              <a:t>INPUT</a:t>
+            </a:r>
+            <a:r>
+              <a:rPr lang="en-GB" dirty="0"/>
+              <a:t>. GWAS summary statistics </a:t>
+            </a:r>
+            <a:r>
+              <a:rPr lang="en-GB" b="1" dirty="0"/>
+              <a:t>(repro.txt),</a:t>
+            </a:r>
+            <a:r>
+              <a:rPr lang="en-GB" dirty="0"/>
+              <a:t> e.g., </a:t>
+            </a:r>
+          </a:p>
+          <a:p>
+            <a:pPr marL="0" indent="0">
+              <a:buNone/>
+            </a:pPr>
+            <a:r>
+              <a:rPr lang="pt-BR" dirty="0"/>
+              <a:t>SNP A1 A2 freqA1 beta se P N chr pos</a:t>
+            </a:r>
+            <a:endParaRPr lang="en-GB" dirty="0"/>
+          </a:p>
+          <a:p>
+            <a:pPr marL="0" indent="0">
+              <a:buNone/>
+            </a:pPr>
+            <a:r>
+              <a:rPr lang="en-GB" dirty="0"/>
+              <a:t>rs4970634 a g 0.6730 -0.1970 0.0216 6.433e-20 70423 1 39364617</a:t>
+            </a:r>
+          </a:p>
+          <a:p>
+            <a:pPr marL="0" indent="0">
+              <a:buNone/>
+            </a:pPr>
             <a:r>
               <a:rPr lang="en-GB" dirty="0" smtClean="0"/>
-              <a:t>MAGENTA is in </a:t>
-            </a:r>
-            <a:r>
-              <a:rPr lang="en-GB" dirty="0" err="1" smtClean="0"/>
-              <a:t>Matlab</a:t>
+              <a:t>OUTPUT</a:t>
+            </a:r>
+            <a:r>
+              <a:rPr lang="en-GB" dirty="0"/>
+              <a:t>. One can choose software, e.g., MAGENTA, MAGMA</a:t>
             </a:r>
             <a:r>
               <a:rPr lang="en-GB" dirty="0" smtClean="0"/>
-              <a:t> and largely requires user copy and interactive use.</a:t>
-            </a:r>
-          </a:p>
-          <a:p>
-            <a:pPr lvl="1"/>
+              <a:t>.</a:t>
+            </a:r>
+          </a:p>
+          <a:p>
+            <a:pPr marL="0" indent="0">
+              <a:buNone/>
+            </a:pPr>
+            <a:endParaRPr lang="en-GB" dirty="0" smtClean="0"/>
+          </a:p>
+          <a:p>
+            <a:pPr marL="0" indent="0">
+              <a:buNone/>
+            </a:pPr>
             <a:r>
               <a:rPr lang="en-GB" dirty="0" smtClean="0"/>
-              <a:t>DEPICT would needs user-specific setup of Python.</a:t>
-            </a:r>
-          </a:p>
-          <a:p>
-            <a:pPr lvl="1"/>
+              <a:t>Examples are given to get SNP positions from specific builds base on UCSC; more details are available </a:t>
+            </a:r>
+            <a:r>
+              <a:rPr lang="en-GB" dirty="0"/>
+              <a:t>from </a:t>
+            </a:r>
             <a:r>
               <a:rPr lang="en-GB" dirty="0" smtClean="0"/>
-              <a:t>PASCAL needs a more recent version of </a:t>
-            </a:r>
-            <a:r>
-              <a:rPr lang="en-GB" dirty="0" err="1" smtClean="0"/>
-              <a:t>OpenBLAS</a:t>
+              <a:t>/genetics/bin/PW-pipeline and https</a:t>
+            </a:r>
+            <a:r>
+              <a:rPr lang="en-GB" dirty="0"/>
+              <a:t>://</a:t>
             </a:r>
             <a:r>
               <a:rPr lang="en-GB" dirty="0" smtClean="0"/>
-              <a:t> than provided</a:t>
-            </a:r>
-          </a:p>
-          <a:p>
-            <a:pPr lvl="1"/>
-            <a:r>
-              <a:rPr lang="en-GB" dirty="0" smtClean="0"/>
-              <a:t>MAGENTA </a:t>
-            </a:r>
-            <a:r>
-              <a:rPr lang="en-GB" dirty="0"/>
-              <a:t>and PASCAL could be very </a:t>
-            </a:r>
-            <a:r>
-              <a:rPr lang="en-GB" dirty="0" smtClean="0"/>
-              <a:t>time-consuming and are ideally run on clusters.</a:t>
-            </a:r>
-            <a:endParaRPr lang="en-GB" dirty="0"/>
-          </a:p>
-          <a:p>
-            <a:r>
-              <a:rPr lang="en-GB" dirty="0" smtClean="0"/>
-              <a:t>To accommodate input of GWAS </a:t>
-            </a:r>
-            <a:r>
-              <a:rPr lang="en-GB" dirty="0"/>
-              <a:t>summary </a:t>
-            </a:r>
-            <a:r>
-              <a:rPr lang="en-GB" dirty="0" smtClean="0"/>
-              <a:t>statistics</a:t>
-            </a:r>
-            <a:r>
-              <a:rPr lang="en-GB" dirty="0"/>
-              <a:t>, pathway databases </a:t>
-            </a:r>
-            <a:r>
-              <a:rPr lang="en-GB" dirty="0" smtClean="0"/>
-              <a:t>and software outputs, which allow for comparisons.</a:t>
-            </a:r>
-            <a:endParaRPr lang="en-GB" dirty="0"/>
-          </a:p>
-          <a:p>
-            <a:r>
-              <a:rPr lang="en-GB" dirty="0"/>
-              <a:t>To perform </a:t>
-            </a:r>
-            <a:r>
-              <a:rPr lang="en-GB" dirty="0" smtClean="0"/>
-              <a:t>additional </a:t>
-            </a:r>
-            <a:r>
-              <a:rPr lang="en-GB" dirty="0"/>
-              <a:t>analyses </a:t>
-            </a:r>
-            <a:r>
-              <a:rPr lang="en-GB" dirty="0" smtClean="0"/>
-              <a:t>such as FDR and network analysis, which could be another barrier to users.</a:t>
+              <a:t>github.com/jinghuazhao/PW-pipeline. </a:t>
             </a:r>
             <a:endParaRPr lang="en-GB" dirty="0"/>
           </a:p>
@@ -4972,7 +6380,7 @@
     </p:spTree>
     <p:extLst>
       <p:ext uri="{BB962C8B-B14F-4D97-AF65-F5344CB8AC3E}">
-        <p14:creationId xmlns:p14="http://schemas.microsoft.com/office/powerpoint/2010/main" val="499625257"/>
+        <p14:creationId xmlns:p14="http://schemas.microsoft.com/office/powerpoint/2010/main" val="666038601"/>
       </p:ext>
     </p:extLst>
   </p:cSld>
@@ -5016,135 +6424,77 @@
           <a:p>
             <a:pPr algn="ctr"/>
             <a:r>
+              <a:rPr lang="en-US" b="1" dirty="0" smtClean="0"/>
+              <a:t>Issues which we have resolved</a:t>
+            </a:r>
+            <a:endParaRPr lang="en-GB" b="1" dirty="0"/>
+          </a:p>
+        </p:txBody>
+      </p:sp>
+      <p:sp>
+        <p:nvSpPr>
+          <p:cNvPr id="3" name="Content Placeholder 2"/>
+          <p:cNvSpPr>
+            <a:spLocks noGrp="1"/>
+          </p:cNvSpPr>
+          <p:nvPr>
+            <p:ph idx="1"/>
+          </p:nvPr>
+        </p:nvSpPr>
+        <p:spPr/>
+        <p:txBody>
+          <a:bodyPr/>
+          <a:lstStyle/>
+          <a:p>
+            <a:pPr lvl="1"/>
+            <a:r>
               <a:rPr lang="en-GB" dirty="0"/>
-              <a:t>USAGE</a:t>
-            </a:r>
-          </a:p>
-        </p:txBody>
-      </p:sp>
-      <p:sp>
-        <p:nvSpPr>
-          <p:cNvPr id="3" name="Content Placeholder 2"/>
-          <p:cNvSpPr>
-            <a:spLocks noGrp="1"/>
-          </p:cNvSpPr>
-          <p:nvPr>
-            <p:ph idx="1"/>
-          </p:nvPr>
-        </p:nvSpPr>
-        <p:spPr/>
-        <p:txBody>
-          <a:bodyPr>
-            <a:normAutofit/>
-          </a:bodyPr>
-          <a:lstStyle/>
-          <a:p>
-            <a:pPr marL="0" indent="0">
-              <a:buNone/>
-            </a:pPr>
+              <a:t>MAGENTA is in </a:t>
+            </a:r>
+            <a:r>
+              <a:rPr lang="en-GB" dirty="0" err="1"/>
+              <a:t>Matlab</a:t>
+            </a:r>
             <a:r>
               <a:rPr lang="en-GB" dirty="0"/>
-              <a:t>SYNTAX. </a:t>
-            </a:r>
-            <a:r>
-              <a:rPr lang="en-GB" b="1" dirty="0"/>
-              <a:t>pwp.sh repro.txt</a:t>
-            </a:r>
-          </a:p>
-          <a:p>
-            <a:pPr marL="0" indent="0">
-              <a:buNone/>
-            </a:pPr>
-            <a:r>
-              <a:rPr lang="en-GB" dirty="0" smtClean="0"/>
-              <a:t>INPUT</a:t>
-            </a:r>
+              <a:t> and largely requires user copy and interactive use.</a:t>
+            </a:r>
+          </a:p>
+          <a:p>
+            <a:pPr lvl="1"/>
             <a:r>
               <a:rPr lang="en-GB" dirty="0"/>
-              <a:t>. GWAS summary statistics </a:t>
-            </a:r>
-            <a:r>
-              <a:rPr lang="en-GB" b="1" dirty="0"/>
-              <a:t>(repro.txt),</a:t>
-            </a:r>
+              <a:t>DEPICT would needs user-specific setup of Python.</a:t>
+            </a:r>
+          </a:p>
+          <a:p>
+            <a:pPr lvl="1"/>
             <a:r>
               <a:rPr lang="en-GB" dirty="0"/>
-              <a:t> e.g., </a:t>
-            </a:r>
-          </a:p>
-          <a:p>
-            <a:pPr marL="0" indent="0">
-              <a:buNone/>
-            </a:pPr>
-            <a:r>
-              <a:rPr lang="pt-BR" dirty="0"/>
-              <a:t>SNP A1 A2 freqA1 beta se P N chr pos</a:t>
+              <a:t>PASCAL needs a more recent version of </a:t>
+            </a:r>
+            <a:r>
+              <a:rPr lang="en-GB" dirty="0" err="1"/>
+              <a:t>OpenBLAS</a:t>
+            </a:r>
+            <a:r>
+              <a:rPr lang="en-GB" dirty="0"/>
+              <a:t> than provided</a:t>
+            </a:r>
+          </a:p>
+          <a:p>
+            <a:pPr lvl="1"/>
+            <a:r>
+              <a:rPr lang="en-GB" dirty="0"/>
+              <a:t>MAGENTA and PASCAL could be very time-consuming and are ideally run on clusters.</a:t>
             </a:r>
             <a:endParaRPr lang="en-GB" dirty="0"/>
           </a:p>
-          <a:p>
-            <a:pPr marL="0" indent="0">
-              <a:buNone/>
-            </a:pPr>
-            <a:r>
-              <a:rPr lang="en-GB" dirty="0"/>
-              <a:t>rs4970634 a g 0.6730 -0.1970 0.0216 6.433e-20 70423 1 39364617</a:t>
-            </a:r>
-          </a:p>
-          <a:p>
-            <a:pPr marL="0" indent="0">
-              <a:buNone/>
-            </a:pPr>
-            <a:r>
-              <a:rPr lang="en-GB" dirty="0" smtClean="0"/>
-              <a:t>OUTPUT</a:t>
-            </a:r>
-            <a:r>
-              <a:rPr lang="en-GB" dirty="0"/>
-              <a:t>. One can choose software, e.g., MAGENTA, MAGMA</a:t>
-            </a:r>
-            <a:r>
-              <a:rPr lang="en-GB" dirty="0" smtClean="0"/>
-              <a:t>.</a:t>
-            </a:r>
-          </a:p>
-          <a:p>
-            <a:pPr marL="0" indent="0">
-              <a:buNone/>
-            </a:pPr>
-            <a:endParaRPr lang="en-GB" dirty="0" smtClean="0"/>
-          </a:p>
-          <a:p>
-            <a:pPr marL="0" indent="0">
-              <a:buNone/>
-            </a:pPr>
-            <a:r>
-              <a:rPr lang="en-GB" dirty="0" smtClean="0"/>
-              <a:t>Examples are given to get SNP positions from specific builds base on UCSC; more details are available </a:t>
-            </a:r>
-            <a:r>
-              <a:rPr lang="en-GB"/>
-              <a:t>from </a:t>
-            </a:r>
-            <a:r>
-              <a:rPr lang="en-GB" smtClean="0"/>
-              <a:t>/genetics/bin/PW-pipeline and https</a:t>
-            </a:r>
-            <a:r>
-              <a:rPr lang="en-GB"/>
-              <a:t>://</a:t>
-            </a:r>
-            <a:r>
-              <a:rPr lang="en-GB" smtClean="0"/>
-              <a:t>github.com/jinghuazhao/PW-pipeline. </a:t>
-            </a:r>
-            <a:endParaRPr lang="en-GB" dirty="0"/>
-          </a:p>
-        </p:txBody>
-      </p:sp>
-      <p:sp>
-        <p:nvSpPr>
-          <p:cNvPr id="6" name="Footer Placeholder 5"/>
+        </p:txBody>
+      </p:sp>
+      <p:sp>
+        <p:nvSpPr>
+          <p:cNvPr id="4" name="Footer Placeholder 3"/>
           <p:cNvSpPr>
             <a:spLocks noGrp="1"/>
           </p:cNvSpPr>
@@ -5167,7 +6517,7 @@
       </p:sp>
       <p:sp>
         <p:nvSpPr>
-          <p:cNvPr id="7" name="Slide Number Placeholder 6"/>
+          <p:cNvPr id="5" name="Slide Number Placeholder 4"/>
           <p:cNvSpPr>
             <a:spLocks noGrp="1"/>
           </p:cNvSpPr>
@@ -5191,7 +6541,7 @@
     </p:spTree>
     <p:extLst>
       <p:ext uri="{BB962C8B-B14F-4D97-AF65-F5344CB8AC3E}">
-        <p14:creationId xmlns:p14="http://schemas.microsoft.com/office/powerpoint/2010/main" val="666038601"/>
+        <p14:creationId xmlns:p14="http://schemas.microsoft.com/office/powerpoint/2010/main" val="1700323592"/>
       </p:ext>
     </p:extLst>
   </p:cSld>
@@ -5235,1013 +6585,77 @@
           <a:p>
             <a:pPr algn="ctr"/>
             <a:r>
-              <a:rPr lang="en-GB" dirty="0" smtClean="0"/>
-              <a:t>Database by software</a:t>
+              <a:rPr lang="en-US" b="1" dirty="0" smtClean="0"/>
+              <a:t>Features of the pipeline</a:t>
+            </a:r>
+            <a:endParaRPr lang="en-GB" b="1" dirty="0"/>
+          </a:p>
+        </p:txBody>
+      </p:sp>
+      <p:sp>
+        <p:nvSpPr>
+          <p:cNvPr id="3" name="Content Placeholder 2"/>
+          <p:cNvSpPr>
+            <a:spLocks noGrp="1"/>
+          </p:cNvSpPr>
+          <p:nvPr>
+            <p:ph idx="1"/>
+          </p:nvPr>
+        </p:nvSpPr>
+        <p:spPr/>
+        <p:txBody>
+          <a:bodyPr>
+            <a:normAutofit lnSpcReduction="10000"/>
+          </a:bodyPr>
+          <a:lstStyle/>
+          <a:p>
+            <a:r>
+              <a:rPr lang="en-US" dirty="0" err="1" smtClean="0"/>
+              <a:t>mp</a:t>
+            </a:r>
+            <a:r>
+              <a:rPr lang="en-US" dirty="0" smtClean="0"/>
+              <a:t>. Multiple precision flag, when set it will handle very large |z| for which the P-value is zero and –log10(P) infinity.</a:t>
+            </a:r>
+          </a:p>
+          <a:p>
+            <a:r>
+              <a:rPr lang="en-US" dirty="0" err="1" smtClean="0"/>
+              <a:t>min_gs_size</a:t>
+            </a:r>
+            <a:r>
+              <a:rPr lang="en-US" dirty="0" smtClean="0"/>
+              <a:t>. Minimum size of a gene set, which is 10 by default for MAGENTA whereas DEPICT is five.</a:t>
+            </a:r>
+          </a:p>
+          <a:p>
+            <a:r>
+              <a:rPr lang="en-US" dirty="0" err="1" smtClean="0"/>
+              <a:t>p_threshold</a:t>
+            </a:r>
+            <a:r>
+              <a:rPr lang="en-US" dirty="0" smtClean="0"/>
+              <a:t>. This is to compromise the suggestion that DEPICT is needed for both 5E-8 and 5E-5.</a:t>
+            </a:r>
+          </a:p>
+          <a:p>
+            <a:r>
+              <a:rPr lang="en-US" dirty="0" smtClean="0"/>
+              <a:t>It is possible to have an Excel workbook containing results from all software.</a:t>
+            </a:r>
+          </a:p>
+          <a:p>
+            <a:r>
+              <a:rPr lang="en-US" dirty="0" smtClean="0"/>
+              <a:t>Additional analysis such as FDR for PASCAL, and cluster/network analysis.</a:t>
             </a:r>
             <a:endParaRPr lang="en-GB" dirty="0"/>
           </a:p>
         </p:txBody>
       </p:sp>
-      <p:graphicFrame>
-        <p:nvGraphicFramePr>
-          <p:cNvPr id="4" name="Content Placeholder 3"/>
-          <p:cNvGraphicFramePr>
-            <a:graphicFrameLocks noGrp="1"/>
-          </p:cNvGraphicFramePr>
-          <p:nvPr>
-            <p:ph idx="1"/>
-            <p:extLst>
-              <p:ext uri="{D42A27DB-BD31-4B8C-83A1-F6EECF244321}">
-                <p14:modId xmlns:p14="http://schemas.microsoft.com/office/powerpoint/2010/main" val="1293208450"/>
-              </p:ext>
-            </p:extLst>
-          </p:nvPr>
-        </p:nvGraphicFramePr>
-        <p:xfrm>
-          <a:off x="838200" y="1825625"/>
-          <a:ext cx="10515600" cy="4450080"/>
-        </p:xfrm>
-        <a:graphic>
-          <a:graphicData uri="http://schemas.openxmlformats.org/drawingml/2006/table">
-            <a:tbl>
-              <a:tblPr firstRow="1" bandRow="1">
-                <a:tableStyleId>{5C22544A-7EE6-4342-B048-85BDC9FD1C3A}</a:tableStyleId>
-              </a:tblPr>
-              <a:tblGrid>
-                <a:gridCol w="2974383"/>
-                <a:gridCol w="968644"/>
-                <a:gridCol w="1433593"/>
-                <a:gridCol w="1836549"/>
-                <a:gridCol w="1455185"/>
-                <a:gridCol w="1847246"/>
-              </a:tblGrid>
-              <a:tr h="370840">
-                <a:tc>
-                  <a:txBody>
-                    <a:bodyPr/>
-                    <a:lstStyle/>
-                    <a:p>
-                      <a:r>
-                        <a:rPr lang="en-GB" dirty="0" smtClean="0"/>
-                        <a:t>Databases</a:t>
-                      </a:r>
-                      <a:endParaRPr lang="en-GB" dirty="0"/>
-                    </a:p>
-                  </a:txBody>
-                  <a:tcPr/>
-                </a:tc>
-                <a:tc>
-                  <a:txBody>
-                    <a:bodyPr/>
-                    <a:lstStyle/>
-                    <a:p>
-                      <a:pPr algn="ctr"/>
-                      <a:endParaRPr lang="en-GB" dirty="0"/>
-                    </a:p>
-                  </a:txBody>
-                  <a:tcPr/>
-                </a:tc>
-                <a:tc>
-                  <a:txBody>
-                    <a:bodyPr/>
-                    <a:lstStyle/>
-                    <a:p>
-                      <a:pPr algn="ctr"/>
-                      <a:r>
-                        <a:rPr lang="en-GB" dirty="0" smtClean="0"/>
-                        <a:t>MAGENTA</a:t>
-                      </a:r>
-                      <a:endParaRPr lang="en-GB" dirty="0"/>
-                    </a:p>
-                  </a:txBody>
-                  <a:tcPr/>
-                </a:tc>
-                <a:tc>
-                  <a:txBody>
-                    <a:bodyPr/>
-                    <a:lstStyle/>
-                    <a:p>
-                      <a:pPr algn="ctr"/>
-                      <a:r>
-                        <a:rPr lang="en-GB" dirty="0" smtClean="0"/>
-                        <a:t>MAGMA</a:t>
-                      </a:r>
-                      <a:endParaRPr lang="en-GB" dirty="0"/>
-                    </a:p>
-                  </a:txBody>
-                  <a:tcPr/>
-                </a:tc>
-                <a:tc>
-                  <a:txBody>
-                    <a:bodyPr/>
-                    <a:lstStyle/>
-                    <a:p>
-                      <a:pPr algn="ctr"/>
-                      <a:r>
-                        <a:rPr lang="en-GB" dirty="0" smtClean="0"/>
-                        <a:t>PASCAL</a:t>
-                      </a:r>
-                      <a:endParaRPr lang="en-GB" dirty="0"/>
-                    </a:p>
-                  </a:txBody>
-                  <a:tcPr/>
-                </a:tc>
-                <a:tc>
-                  <a:txBody>
-                    <a:bodyPr/>
-                    <a:lstStyle/>
-                    <a:p>
-                      <a:pPr algn="ctr"/>
-                      <a:r>
-                        <a:rPr lang="en-GB" dirty="0" smtClean="0"/>
-                        <a:t>DEPICT</a:t>
-                      </a:r>
-                      <a:endParaRPr lang="en-GB" dirty="0"/>
-                    </a:p>
-                  </a:txBody>
-                  <a:tcPr/>
-                </a:tc>
-              </a:tr>
-              <a:tr h="370840">
-                <a:tc>
-                  <a:txBody>
-                    <a:bodyPr/>
-                    <a:lstStyle/>
-                    <a:p>
-                      <a:r>
-                        <a:rPr lang="en-GB" dirty="0" err="1"/>
-                        <a:t>GO_terms_BioProc_MolFunc</a:t>
-                      </a:r>
-                      <a:endParaRPr lang="en-GB" dirty="0"/>
-                    </a:p>
-                  </a:txBody>
-                  <a:tcPr anchor="ctr"/>
-                </a:tc>
-                <a:tc>
-                  <a:txBody>
-                    <a:bodyPr/>
-                    <a:lstStyle/>
-                    <a:p>
-                      <a:pPr algn="ctr"/>
-                      <a:r>
-                        <a:rPr lang="en-GB" dirty="0"/>
-                        <a:t>9,433</a:t>
-                      </a:r>
-                    </a:p>
-                  </a:txBody>
-                  <a:tcPr anchor="ctr"/>
-                </a:tc>
-                <a:tc>
-                  <a:txBody>
-                    <a:bodyPr/>
-                    <a:lstStyle/>
-                    <a:p>
-                      <a:endParaRPr lang="en-GB"/>
-                    </a:p>
-                  </a:txBody>
-                  <a:tcPr anchor="ctr"/>
-                </a:tc>
-                <a:tc>
-                  <a:txBody>
-                    <a:bodyPr/>
-                    <a:lstStyle/>
-                    <a:p>
-                      <a:pPr algn="ctr"/>
-                      <a:endParaRPr lang="en-GB" dirty="0"/>
-                    </a:p>
-                  </a:txBody>
-                  <a:tcPr/>
-                </a:tc>
-                <a:tc>
-                  <a:txBody>
-                    <a:bodyPr/>
-                    <a:lstStyle/>
-                    <a:p>
-                      <a:pPr algn="ctr"/>
-                      <a:endParaRPr lang="en-GB" dirty="0"/>
-                    </a:p>
-                  </a:txBody>
-                  <a:tcPr/>
-                </a:tc>
-                <a:tc>
-                  <a:txBody>
-                    <a:bodyPr/>
-                    <a:lstStyle/>
-                    <a:p>
-                      <a:pPr algn="ctr"/>
-                      <a:endParaRPr lang="en-GB" dirty="0"/>
-                    </a:p>
-                  </a:txBody>
-                  <a:tcPr/>
-                </a:tc>
-              </a:tr>
-              <a:tr h="370840">
-                <a:tc>
-                  <a:txBody>
-                    <a:bodyPr/>
-                    <a:lstStyle/>
-                    <a:p>
-                      <a:r>
-                        <a:rPr lang="en-GB" dirty="0" err="1"/>
-                        <a:t>Ingenuity_pathways</a:t>
-                      </a:r>
-                      <a:endParaRPr lang="en-GB" dirty="0"/>
-                    </a:p>
-                  </a:txBody>
-                  <a:tcPr anchor="ctr"/>
-                </a:tc>
-                <a:tc>
-                  <a:txBody>
-                    <a:bodyPr/>
-                    <a:lstStyle/>
-                    <a:p>
-                      <a:pPr algn="ctr"/>
-                      <a:r>
-                        <a:rPr lang="en-GB" dirty="0"/>
-                        <a:t>92</a:t>
-                      </a:r>
-                    </a:p>
-                  </a:txBody>
-                  <a:tcPr anchor="ctr"/>
-                </a:tc>
-                <a:tc>
-                  <a:txBody>
-                    <a:bodyPr/>
-                    <a:lstStyle/>
-                    <a:p>
-                      <a:endParaRPr lang="en-GB" dirty="0"/>
-                    </a:p>
-                  </a:txBody>
-                  <a:tcPr anchor="ctr"/>
-                </a:tc>
-                <a:tc>
-                  <a:txBody>
-                    <a:bodyPr/>
-                    <a:lstStyle/>
-                    <a:p>
-                      <a:pPr algn="ctr"/>
-                      <a:endParaRPr lang="en-GB"/>
-                    </a:p>
-                  </a:txBody>
-                  <a:tcPr/>
-                </a:tc>
-                <a:tc>
-                  <a:txBody>
-                    <a:bodyPr/>
-                    <a:lstStyle/>
-                    <a:p>
-                      <a:pPr algn="ctr"/>
-                      <a:endParaRPr lang="en-GB"/>
-                    </a:p>
-                  </a:txBody>
-                  <a:tcPr/>
-                </a:tc>
-                <a:tc>
-                  <a:txBody>
-                    <a:bodyPr/>
-                    <a:lstStyle/>
-                    <a:p>
-                      <a:pPr algn="ctr"/>
-                      <a:endParaRPr lang="en-GB" dirty="0"/>
-                    </a:p>
-                  </a:txBody>
-                  <a:tcPr/>
-                </a:tc>
-              </a:tr>
-              <a:tr h="370840">
-                <a:tc>
-                  <a:txBody>
-                    <a:bodyPr/>
-                    <a:lstStyle/>
-                    <a:p>
-                      <a:r>
-                        <a:rPr lang="en-GB" dirty="0" err="1"/>
-                        <a:t>KEGG_pathways</a:t>
-                      </a:r>
-                      <a:endParaRPr lang="en-GB" dirty="0"/>
-                    </a:p>
-                  </a:txBody>
-                  <a:tcPr anchor="ctr"/>
-                </a:tc>
-                <a:tc>
-                  <a:txBody>
-                    <a:bodyPr/>
-                    <a:lstStyle/>
-                    <a:p>
-                      <a:pPr algn="ctr"/>
-                      <a:r>
-                        <a:rPr lang="en-GB" dirty="0"/>
-                        <a:t>168</a:t>
-                      </a:r>
-                    </a:p>
-                  </a:txBody>
-                  <a:tcPr anchor="ctr"/>
-                </a:tc>
-                <a:tc>
-                  <a:txBody>
-                    <a:bodyPr/>
-                    <a:lstStyle/>
-                    <a:p>
-                      <a:endParaRPr lang="en-GB" dirty="0"/>
-                    </a:p>
-                  </a:txBody>
-                  <a:tcPr anchor="ctr"/>
-                </a:tc>
-                <a:tc>
-                  <a:txBody>
-                    <a:bodyPr/>
-                    <a:lstStyle/>
-                    <a:p>
-                      <a:pPr algn="ctr"/>
-                      <a:endParaRPr lang="en-GB"/>
-                    </a:p>
-                  </a:txBody>
-                  <a:tcPr/>
-                </a:tc>
-                <a:tc>
-                  <a:txBody>
-                    <a:bodyPr/>
-                    <a:lstStyle/>
-                    <a:p>
-                      <a:pPr algn="ctr"/>
-                      <a:endParaRPr lang="en-GB"/>
-                    </a:p>
-                  </a:txBody>
-                  <a:tcPr/>
-                </a:tc>
-                <a:tc>
-                  <a:txBody>
-                    <a:bodyPr/>
-                    <a:lstStyle/>
-                    <a:p>
-                      <a:pPr algn="ctr"/>
-                      <a:endParaRPr lang="en-GB" dirty="0"/>
-                    </a:p>
-                  </a:txBody>
-                  <a:tcPr/>
-                </a:tc>
-              </a:tr>
-              <a:tr h="370840">
-                <a:tc>
-                  <a:txBody>
-                    <a:bodyPr/>
-                    <a:lstStyle/>
-                    <a:p>
-                      <a:r>
-                        <a:rPr lang="en-GB" dirty="0" err="1"/>
-                        <a:t>PANTHER_BioProc</a:t>
-                      </a:r>
-                      <a:endParaRPr lang="en-GB" dirty="0"/>
-                    </a:p>
-                  </a:txBody>
-                  <a:tcPr anchor="ctr"/>
-                </a:tc>
-                <a:tc>
-                  <a:txBody>
-                    <a:bodyPr/>
-                    <a:lstStyle/>
-                    <a:p>
-                      <a:pPr algn="ctr"/>
-                      <a:r>
-                        <a:rPr lang="en-GB" dirty="0"/>
-                        <a:t>241</a:t>
-                      </a:r>
-                    </a:p>
-                  </a:txBody>
-                  <a:tcPr anchor="ctr"/>
-                </a:tc>
-                <a:tc>
-                  <a:txBody>
-                    <a:bodyPr/>
-                    <a:lstStyle/>
-                    <a:p>
-                      <a:endParaRPr lang="en-GB" dirty="0"/>
-                    </a:p>
-                  </a:txBody>
-                  <a:tcPr anchor="ctr"/>
-                </a:tc>
-                <a:tc>
-                  <a:txBody>
-                    <a:bodyPr/>
-                    <a:lstStyle/>
-                    <a:p>
-                      <a:pPr algn="ctr"/>
-                      <a:endParaRPr lang="en-GB"/>
-                    </a:p>
-                  </a:txBody>
-                  <a:tcPr/>
-                </a:tc>
-                <a:tc>
-                  <a:txBody>
-                    <a:bodyPr/>
-                    <a:lstStyle/>
-                    <a:p>
-                      <a:pPr algn="ctr"/>
-                      <a:endParaRPr lang="en-GB"/>
-                    </a:p>
-                  </a:txBody>
-                  <a:tcPr/>
-                </a:tc>
-                <a:tc>
-                  <a:txBody>
-                    <a:bodyPr/>
-                    <a:lstStyle/>
-                    <a:p>
-                      <a:pPr algn="ctr"/>
-                      <a:endParaRPr lang="en-GB" dirty="0"/>
-                    </a:p>
-                  </a:txBody>
-                  <a:tcPr/>
-                </a:tc>
-              </a:tr>
-              <a:tr h="370840">
-                <a:tc>
-                  <a:txBody>
-                    <a:bodyPr/>
-                    <a:lstStyle/>
-                    <a:p>
-                      <a:r>
-                        <a:rPr lang="en-GB" dirty="0" err="1"/>
-                        <a:t>PANTHER_MolFunc</a:t>
-                      </a:r>
-                      <a:endParaRPr lang="en-GB" dirty="0"/>
-                    </a:p>
-                  </a:txBody>
-                  <a:tcPr anchor="ctr"/>
-                </a:tc>
-                <a:tc>
-                  <a:txBody>
-                    <a:bodyPr/>
-                    <a:lstStyle/>
-                    <a:p>
-                      <a:pPr algn="ctr"/>
-                      <a:r>
-                        <a:rPr lang="en-GB" dirty="0"/>
-                        <a:t>252</a:t>
-                      </a:r>
-                    </a:p>
-                  </a:txBody>
-                  <a:tcPr anchor="ctr"/>
-                </a:tc>
-                <a:tc>
-                  <a:txBody>
-                    <a:bodyPr/>
-                    <a:lstStyle/>
-                    <a:p>
-                      <a:endParaRPr lang="en-GB" dirty="0"/>
-                    </a:p>
-                  </a:txBody>
-                  <a:tcPr anchor="ctr"/>
-                </a:tc>
-                <a:tc>
-                  <a:txBody>
-                    <a:bodyPr/>
-                    <a:lstStyle/>
-                    <a:p>
-                      <a:pPr algn="ctr"/>
-                      <a:endParaRPr lang="en-GB"/>
-                    </a:p>
-                  </a:txBody>
-                  <a:tcPr/>
-                </a:tc>
-                <a:tc>
-                  <a:txBody>
-                    <a:bodyPr/>
-                    <a:lstStyle/>
-                    <a:p>
-                      <a:pPr algn="ctr"/>
-                      <a:endParaRPr lang="en-GB"/>
-                    </a:p>
-                  </a:txBody>
-                  <a:tcPr/>
-                </a:tc>
-                <a:tc>
-                  <a:txBody>
-                    <a:bodyPr/>
-                    <a:lstStyle/>
-                    <a:p>
-                      <a:pPr algn="ctr"/>
-                      <a:endParaRPr lang="en-GB" dirty="0"/>
-                    </a:p>
-                  </a:txBody>
-                  <a:tcPr/>
-                </a:tc>
-              </a:tr>
-              <a:tr h="370840">
-                <a:tc>
-                  <a:txBody>
-                    <a:bodyPr/>
-                    <a:lstStyle/>
-                    <a:p>
-                      <a:r>
-                        <a:rPr lang="en-GB" dirty="0" err="1"/>
-                        <a:t>PANTHER_pathways</a:t>
-                      </a:r>
-                      <a:endParaRPr lang="en-GB" dirty="0"/>
-                    </a:p>
-                  </a:txBody>
-                  <a:tcPr anchor="ctr"/>
-                </a:tc>
-                <a:tc>
-                  <a:txBody>
-                    <a:bodyPr/>
-                    <a:lstStyle/>
-                    <a:p>
-                      <a:pPr algn="ctr"/>
-                      <a:r>
-                        <a:rPr lang="en-GB" dirty="0"/>
-                        <a:t>141</a:t>
-                      </a:r>
-                    </a:p>
-                  </a:txBody>
-                  <a:tcPr anchor="ctr"/>
-                </a:tc>
-                <a:tc>
-                  <a:txBody>
-                    <a:bodyPr/>
-                    <a:lstStyle/>
-                    <a:p>
-                      <a:endParaRPr lang="en-GB" dirty="0"/>
-                    </a:p>
-                  </a:txBody>
-                  <a:tcPr anchor="ctr"/>
-                </a:tc>
-                <a:tc>
-                  <a:txBody>
-                    <a:bodyPr/>
-                    <a:lstStyle/>
-                    <a:p>
-                      <a:pPr algn="ctr"/>
-                      <a:endParaRPr lang="en-GB"/>
-                    </a:p>
-                  </a:txBody>
-                  <a:tcPr/>
-                </a:tc>
-                <a:tc>
-                  <a:txBody>
-                    <a:bodyPr/>
-                    <a:lstStyle/>
-                    <a:p>
-                      <a:pPr algn="ctr"/>
-                      <a:endParaRPr lang="en-GB"/>
-                    </a:p>
-                  </a:txBody>
-                  <a:tcPr/>
-                </a:tc>
-                <a:tc>
-                  <a:txBody>
-                    <a:bodyPr/>
-                    <a:lstStyle/>
-                    <a:p>
-                      <a:pPr algn="ctr"/>
-                      <a:endParaRPr lang="en-GB" dirty="0"/>
-                    </a:p>
-                  </a:txBody>
-                  <a:tcPr/>
-                </a:tc>
-              </a:tr>
-              <a:tr h="370840">
-                <a:tc>
-                  <a:txBody>
-                    <a:bodyPr/>
-                    <a:lstStyle/>
-                    <a:p>
-                      <a:endParaRPr lang="en-GB" dirty="0"/>
-                    </a:p>
-                  </a:txBody>
-                  <a:tcPr anchor="ctr"/>
-                </a:tc>
-                <a:tc>
-                  <a:txBody>
-                    <a:bodyPr/>
-                    <a:lstStyle/>
-                    <a:p>
-                      <a:pPr algn="ctr"/>
-                      <a:r>
-                        <a:rPr lang="en-GB" dirty="0" smtClean="0"/>
-                        <a:t>10,327</a:t>
-                      </a:r>
-                      <a:endParaRPr lang="en-GB" dirty="0"/>
-                    </a:p>
-                  </a:txBody>
-                  <a:tcPr anchor="ctr"/>
-                </a:tc>
-                <a:tc>
-                  <a:txBody>
-                    <a:bodyPr/>
-                    <a:lstStyle/>
-                    <a:p>
-                      <a:pPr algn="ctr"/>
-                      <a:r>
-                        <a:rPr lang="en-GB" dirty="0" smtClean="0"/>
-                        <a:t>x</a:t>
-                      </a:r>
-                      <a:endParaRPr lang="en-GB" dirty="0"/>
-                    </a:p>
-                  </a:txBody>
-                  <a:tcPr anchor="ctr"/>
-                </a:tc>
-                <a:tc>
-                  <a:txBody>
-                    <a:bodyPr/>
-                    <a:lstStyle/>
-                    <a:p>
-                      <a:pPr algn="ctr"/>
-                      <a:r>
-                        <a:rPr lang="en-GB" dirty="0" smtClean="0"/>
-                        <a:t>x</a:t>
-                      </a:r>
-                      <a:endParaRPr lang="en-GB" dirty="0"/>
-                    </a:p>
-                  </a:txBody>
-                  <a:tcPr/>
-                </a:tc>
-                <a:tc>
-                  <a:txBody>
-                    <a:bodyPr/>
-                    <a:lstStyle/>
-                    <a:p>
-                      <a:pPr algn="ctr"/>
-                      <a:r>
-                        <a:rPr lang="en-GB" dirty="0" smtClean="0"/>
-                        <a:t>x</a:t>
-                      </a:r>
-                      <a:endParaRPr lang="en-GB" dirty="0"/>
-                    </a:p>
-                  </a:txBody>
-                  <a:tcPr/>
-                </a:tc>
-                <a:tc>
-                  <a:txBody>
-                    <a:bodyPr/>
-                    <a:lstStyle/>
-                    <a:p>
-                      <a:pPr algn="ctr"/>
-                      <a:endParaRPr lang="en-GB" dirty="0"/>
-                    </a:p>
-                  </a:txBody>
-                  <a:tcPr/>
-                </a:tc>
-              </a:tr>
-              <a:tr h="370840">
-                <a:tc>
-                  <a:txBody>
-                    <a:bodyPr/>
-                    <a:lstStyle/>
-                    <a:p>
-                      <a:r>
-                        <a:rPr lang="en-GB" dirty="0" err="1" smtClean="0"/>
-                        <a:t>MSigDB</a:t>
-                      </a:r>
-                      <a:r>
-                        <a:rPr lang="en-GB" dirty="0" smtClean="0"/>
-                        <a:t> v6.0/c2</a:t>
-                      </a:r>
-                      <a:endParaRPr lang="en-GB" dirty="0"/>
-                    </a:p>
-                  </a:txBody>
-                  <a:tcPr/>
-                </a:tc>
-                <a:tc>
-                  <a:txBody>
-                    <a:bodyPr/>
-                    <a:lstStyle/>
-                    <a:p>
-                      <a:pPr algn="ctr"/>
-                      <a:r>
-                        <a:rPr lang="en-GB" dirty="0" smtClean="0"/>
-                        <a:t>4,731</a:t>
-                      </a:r>
-                      <a:endParaRPr lang="en-GB" dirty="0"/>
-                    </a:p>
-                  </a:txBody>
-                  <a:tcPr/>
-                </a:tc>
-                <a:tc>
-                  <a:txBody>
-                    <a:bodyPr/>
-                    <a:lstStyle/>
-                    <a:p>
-                      <a:pPr algn="ctr"/>
-                      <a:r>
-                        <a:rPr lang="en-GB" dirty="0" smtClean="0"/>
-                        <a:t>x</a:t>
-                      </a:r>
-                      <a:endParaRPr lang="en-GB" dirty="0"/>
-                    </a:p>
-                  </a:txBody>
-                  <a:tcPr/>
-                </a:tc>
-                <a:tc>
-                  <a:txBody>
-                    <a:bodyPr/>
-                    <a:lstStyle/>
-                    <a:p>
-                      <a:pPr algn="ctr"/>
-                      <a:r>
-                        <a:rPr lang="en-GB" dirty="0" smtClean="0"/>
-                        <a:t>x</a:t>
-                      </a:r>
-                      <a:endParaRPr lang="en-GB" dirty="0"/>
-                    </a:p>
-                  </a:txBody>
-                  <a:tcPr/>
-                </a:tc>
-                <a:tc>
-                  <a:txBody>
-                    <a:bodyPr/>
-                    <a:lstStyle/>
-                    <a:p>
-                      <a:pPr algn="ctr"/>
-                      <a:r>
-                        <a:rPr lang="en-GB" dirty="0" smtClean="0"/>
-                        <a:t>x</a:t>
-                      </a:r>
-                      <a:endParaRPr lang="en-GB" dirty="0"/>
-                    </a:p>
-                  </a:txBody>
-                  <a:tcPr/>
-                </a:tc>
-                <a:tc>
-                  <a:txBody>
-                    <a:bodyPr/>
-                    <a:lstStyle/>
-                    <a:p>
-                      <a:pPr algn="ctr"/>
-                      <a:endParaRPr lang="en-GB" dirty="0"/>
-                    </a:p>
-                  </a:txBody>
-                  <a:tcPr/>
-                </a:tc>
-              </a:tr>
-              <a:tr h="370840">
-                <a:tc>
-                  <a:txBody>
-                    <a:bodyPr/>
-                    <a:lstStyle/>
-                    <a:p>
-                      <a:r>
-                        <a:rPr lang="en-GB" dirty="0" err="1" smtClean="0"/>
-                        <a:t>MSigDB</a:t>
-                      </a:r>
-                      <a:r>
-                        <a:rPr lang="en-GB" dirty="0" smtClean="0"/>
-                        <a:t> v6.0</a:t>
-                      </a:r>
-                      <a:endParaRPr lang="en-GB" dirty="0"/>
-                    </a:p>
-                  </a:txBody>
-                  <a:tcPr/>
-                </a:tc>
-                <a:tc>
-                  <a:txBody>
-                    <a:bodyPr/>
-                    <a:lstStyle/>
-                    <a:p>
-                      <a:pPr algn="ctr"/>
-                      <a:r>
-                        <a:rPr lang="en-GB" dirty="0" smtClean="0"/>
-                        <a:t>17,779</a:t>
-                      </a:r>
-                      <a:endParaRPr lang="en-GB" dirty="0"/>
-                    </a:p>
-                  </a:txBody>
-                  <a:tcPr/>
-                </a:tc>
-                <a:tc>
-                  <a:txBody>
-                    <a:bodyPr/>
-                    <a:lstStyle/>
-                    <a:p>
-                      <a:pPr algn="ctr"/>
-                      <a:r>
-                        <a:rPr lang="en-GB" dirty="0" smtClean="0"/>
-                        <a:t>x</a:t>
-                      </a:r>
-                      <a:endParaRPr lang="en-GB" dirty="0"/>
-                    </a:p>
-                  </a:txBody>
-                  <a:tcPr/>
-                </a:tc>
-                <a:tc>
-                  <a:txBody>
-                    <a:bodyPr/>
-                    <a:lstStyle/>
-                    <a:p>
-                      <a:pPr algn="ctr"/>
-                      <a:r>
-                        <a:rPr lang="en-GB" dirty="0" smtClean="0"/>
-                        <a:t>x</a:t>
-                      </a:r>
-                      <a:endParaRPr lang="en-GB" dirty="0"/>
-                    </a:p>
-                  </a:txBody>
-                  <a:tcPr/>
-                </a:tc>
-                <a:tc>
-                  <a:txBody>
-                    <a:bodyPr/>
-                    <a:lstStyle/>
-                    <a:p>
-                      <a:pPr algn="ctr"/>
-                      <a:endParaRPr lang="en-GB" dirty="0"/>
-                    </a:p>
-                  </a:txBody>
-                  <a:tcPr/>
-                </a:tc>
-                <a:tc>
-                  <a:txBody>
-                    <a:bodyPr/>
-                    <a:lstStyle/>
-                    <a:p>
-                      <a:pPr algn="ctr"/>
-                      <a:endParaRPr lang="en-GB" dirty="0"/>
-                    </a:p>
-                  </a:txBody>
-                  <a:tcPr/>
-                </a:tc>
-              </a:tr>
-              <a:tr h="370840">
-                <a:tc>
-                  <a:txBody>
-                    <a:bodyPr/>
-                    <a:lstStyle/>
-                    <a:p>
-                      <a:r>
-                        <a:rPr lang="en-GB" dirty="0" smtClean="0"/>
-                        <a:t>depict</a:t>
-                      </a:r>
-                      <a:endParaRPr lang="en-GB" dirty="0"/>
-                    </a:p>
-                  </a:txBody>
-                  <a:tcPr/>
-                </a:tc>
-                <a:tc>
-                  <a:txBody>
-                    <a:bodyPr/>
-                    <a:lstStyle/>
-                    <a:p>
-                      <a:pPr algn="ctr"/>
-                      <a:r>
-                        <a:rPr lang="en-GB" dirty="0" smtClean="0"/>
-                        <a:t>10,968</a:t>
-                      </a:r>
-                      <a:endParaRPr lang="en-GB" dirty="0"/>
-                    </a:p>
-                  </a:txBody>
-                  <a:tcPr/>
-                </a:tc>
-                <a:tc>
-                  <a:txBody>
-                    <a:bodyPr/>
-                    <a:lstStyle/>
-                    <a:p>
-                      <a:pPr algn="ctr"/>
-                      <a:endParaRPr lang="en-GB" dirty="0"/>
-                    </a:p>
-                  </a:txBody>
-                  <a:tcPr/>
-                </a:tc>
-                <a:tc>
-                  <a:txBody>
-                    <a:bodyPr/>
-                    <a:lstStyle/>
-                    <a:p>
-                      <a:pPr algn="ctr"/>
-                      <a:endParaRPr lang="en-GB" dirty="0"/>
-                    </a:p>
-                  </a:txBody>
-                  <a:tcPr/>
-                </a:tc>
-                <a:tc>
-                  <a:txBody>
-                    <a:bodyPr/>
-                    <a:lstStyle/>
-                    <a:p>
-                      <a:pPr algn="ctr"/>
-                      <a:r>
-                        <a:rPr lang="en-GB" dirty="0" smtClean="0"/>
-                        <a:t>x</a:t>
-                      </a:r>
-                      <a:endParaRPr lang="en-GB" dirty="0"/>
-                    </a:p>
-                  </a:txBody>
-                  <a:tcPr/>
-                </a:tc>
-                <a:tc>
-                  <a:txBody>
-                    <a:bodyPr/>
-                    <a:lstStyle/>
-                    <a:p>
-                      <a:pPr algn="ctr"/>
-                      <a:r>
-                        <a:rPr lang="en-GB" dirty="0" smtClean="0"/>
-                        <a:t>x</a:t>
-                      </a:r>
-                      <a:endParaRPr lang="en-GB" dirty="0"/>
-                    </a:p>
-                  </a:txBody>
-                  <a:tcPr/>
-                </a:tc>
-              </a:tr>
-              <a:tr h="370840">
-                <a:tc>
-                  <a:txBody>
-                    <a:bodyPr/>
-                    <a:lstStyle/>
-                    <a:p>
-                      <a:r>
-                        <a:rPr lang="en-GB" dirty="0" smtClean="0"/>
-                        <a:t>depict_discretized_cutoff3.2</a:t>
-                      </a:r>
-                      <a:endParaRPr lang="en-GB" dirty="0"/>
-                    </a:p>
-                  </a:txBody>
-                  <a:tcPr/>
-                </a:tc>
-                <a:tc>
-                  <a:txBody>
-                    <a:bodyPr/>
-                    <a:lstStyle/>
-                    <a:p>
-                      <a:pPr algn="ctr"/>
-                      <a:r>
-                        <a:rPr lang="en-GB" dirty="0" smtClean="0"/>
-                        <a:t>14,462</a:t>
-                      </a:r>
-                      <a:endParaRPr lang="en-GB" dirty="0"/>
-                    </a:p>
-                  </a:txBody>
-                  <a:tcPr/>
-                </a:tc>
-                <a:tc>
-                  <a:txBody>
-                    <a:bodyPr/>
-                    <a:lstStyle/>
-                    <a:p>
-                      <a:pPr algn="ctr"/>
-                      <a:r>
-                        <a:rPr lang="en-GB" dirty="0" smtClean="0"/>
-                        <a:t>x</a:t>
-                      </a:r>
-                      <a:endParaRPr lang="en-GB" dirty="0"/>
-                    </a:p>
-                  </a:txBody>
-                  <a:tcPr/>
-                </a:tc>
-                <a:tc>
-                  <a:txBody>
-                    <a:bodyPr/>
-                    <a:lstStyle/>
-                    <a:p>
-                      <a:pPr algn="ctr"/>
-                      <a:r>
-                        <a:rPr lang="en-GB" dirty="0" smtClean="0"/>
-                        <a:t>x</a:t>
-                      </a:r>
-                      <a:endParaRPr lang="en-GB" dirty="0"/>
-                    </a:p>
-                  </a:txBody>
-                  <a:tcPr/>
-                </a:tc>
-                <a:tc>
-                  <a:txBody>
-                    <a:bodyPr/>
-                    <a:lstStyle/>
-                    <a:p>
-                      <a:pPr algn="ctr"/>
-                      <a:r>
-                        <a:rPr lang="en-GB" dirty="0" smtClean="0"/>
-                        <a:t>x</a:t>
-                      </a:r>
-                      <a:endParaRPr lang="en-GB" dirty="0"/>
-                    </a:p>
-                  </a:txBody>
-                  <a:tcPr/>
-                </a:tc>
-                <a:tc>
-                  <a:txBody>
-                    <a:bodyPr/>
-                    <a:lstStyle/>
-                    <a:p>
-                      <a:pPr algn="ctr"/>
-                      <a:r>
-                        <a:rPr lang="en-GB" dirty="0" smtClean="0"/>
-                        <a:t>x</a:t>
-                      </a:r>
-                      <a:endParaRPr lang="en-GB" dirty="0"/>
-                    </a:p>
-                  </a:txBody>
-                  <a:tcPr/>
-                </a:tc>
-              </a:tr>
-            </a:tbl>
-          </a:graphicData>
-        </a:graphic>
-      </p:graphicFrame>
-      <p:sp>
-        <p:nvSpPr>
-          <p:cNvPr id="7" name="Footer Placeholder 6"/>
+      <p:sp>
+        <p:nvSpPr>
+          <p:cNvPr id="4" name="Footer Placeholder 3"/>
           <p:cNvSpPr>
             <a:spLocks noGrp="1"/>
           </p:cNvSpPr>
@@ -6264,7 +6678,7 @@
       </p:sp>
       <p:sp>
         <p:nvSpPr>
-          <p:cNvPr id="8" name="Slide Number Placeholder 7"/>
+          <p:cNvPr id="5" name="Slide Number Placeholder 4"/>
           <p:cNvSpPr>
             <a:spLocks noGrp="1"/>
           </p:cNvSpPr>
@@ -6288,7 +6702,7 @@
     </p:spTree>
     <p:extLst>
       <p:ext uri="{BB962C8B-B14F-4D97-AF65-F5344CB8AC3E}">
-        <p14:creationId xmlns:p14="http://schemas.microsoft.com/office/powerpoint/2010/main" val="294310541"/>
+        <p14:creationId xmlns:p14="http://schemas.microsoft.com/office/powerpoint/2010/main" val="1413268924"/>
       </p:ext>
     </p:extLst>
   </p:cSld>
@@ -6332,1031 +6746,89 @@
           <a:p>
             <a:pPr algn="ctr"/>
             <a:r>
+              <a:rPr lang="en-GB" b="1" dirty="0" smtClean="0"/>
+              <a:t>Features of </a:t>
+            </a:r>
+            <a:r>
+              <a:rPr lang="en-GB" b="1" dirty="0" smtClean="0"/>
+              <a:t>individual software</a:t>
+            </a:r>
+            <a:endParaRPr lang="en-GB" b="1" dirty="0"/>
+          </a:p>
+        </p:txBody>
+      </p:sp>
+      <p:sp>
+        <p:nvSpPr>
+          <p:cNvPr id="3" name="Content Placeholder 2"/>
+          <p:cNvSpPr>
+            <a:spLocks noGrp="1"/>
+          </p:cNvSpPr>
+          <p:nvPr>
+            <p:ph idx="1"/>
+          </p:nvPr>
+        </p:nvSpPr>
+        <p:spPr>
+          <a:xfrm>
+            <a:off x="838200" y="1817876"/>
+            <a:ext cx="10515600" cy="4351338"/>
+          </a:xfrm>
+        </p:spPr>
+        <p:txBody>
+          <a:bodyPr/>
+          <a:lstStyle/>
+          <a:p>
+            <a:r>
+              <a:rPr lang="en-GB" dirty="0"/>
+              <a:t>MAGENTA. </a:t>
+            </a:r>
+            <a:r>
               <a:rPr lang="en-GB" dirty="0" smtClean="0"/>
-              <a:t>Power comparison</a:t>
-            </a:r>
-            <a:endParaRPr lang="en-GB" dirty="0"/>
-          </a:p>
-        </p:txBody>
-      </p:sp>
-      <p:graphicFrame>
-        <p:nvGraphicFramePr>
-          <p:cNvPr id="4" name="Content Placeholder 3"/>
-          <p:cNvGraphicFramePr>
-            <a:graphicFrameLocks noGrp="1"/>
-          </p:cNvGraphicFramePr>
-          <p:nvPr>
-            <p:ph idx="1"/>
-            <p:extLst>
-              <p:ext uri="{D42A27DB-BD31-4B8C-83A1-F6EECF244321}">
-                <p14:modId xmlns:p14="http://schemas.microsoft.com/office/powerpoint/2010/main" val="2406193397"/>
-              </p:ext>
-            </p:extLst>
-          </p:nvPr>
-        </p:nvGraphicFramePr>
-        <p:xfrm>
-          <a:off x="860166" y="2260273"/>
-          <a:ext cx="10205624" cy="3239322"/>
-        </p:xfrm>
-        <a:graphic>
-          <a:graphicData uri="http://schemas.openxmlformats.org/drawingml/2006/table">
-            <a:tbl>
-              <a:tblPr firstRow="1" firstCol="1" bandRow="1">
-                <a:tableStyleId>{5C22544A-7EE6-4342-B048-85BDC9FD1C3A}</a:tableStyleId>
-              </a:tblPr>
-              <a:tblGrid>
-                <a:gridCol w="2045766"/>
-                <a:gridCol w="1108129"/>
-                <a:gridCol w="1255362"/>
-                <a:gridCol w="1622768"/>
-                <a:gridCol w="2019334"/>
-                <a:gridCol w="2154265"/>
-              </a:tblGrid>
-              <a:tr h="635696">
-                <a:tc>
-                  <a:txBody>
-                    <a:bodyPr/>
-                    <a:lstStyle/>
-                    <a:p>
-                      <a:pPr>
-                        <a:lnSpc>
-                          <a:spcPct val="115000"/>
-                        </a:lnSpc>
-                        <a:spcAft>
-                          <a:spcPts val="0"/>
-                        </a:spcAft>
-                      </a:pPr>
-                      <a:endParaRPr lang="en-GB" sz="1800" dirty="0" smtClean="0">
-                        <a:effectLst/>
-                      </a:endParaRPr>
-                    </a:p>
-                    <a:p>
-                      <a:pPr>
-                        <a:lnSpc>
-                          <a:spcPct val="115000"/>
-                        </a:lnSpc>
-                        <a:spcAft>
-                          <a:spcPts val="0"/>
-                        </a:spcAft>
-                      </a:pPr>
-                      <a:endParaRPr lang="en-GB" sz="1800" dirty="0" smtClean="0">
-                        <a:effectLst/>
-                      </a:endParaRPr>
-                    </a:p>
-                    <a:p>
-                      <a:pPr>
-                        <a:lnSpc>
-                          <a:spcPct val="115000"/>
-                        </a:lnSpc>
-                        <a:spcAft>
-                          <a:spcPts val="0"/>
-                        </a:spcAft>
-                      </a:pPr>
-                      <a:r>
-                        <a:rPr lang="en-GB" sz="1800" dirty="0" smtClean="0">
-                          <a:effectLst/>
-                        </a:rPr>
-                        <a:t>Common </a:t>
-                      </a:r>
-                      <a:r>
-                        <a:rPr lang="en-GB" sz="1800" dirty="0">
-                          <a:effectLst/>
-                        </a:rPr>
-                        <a:t>database</a:t>
-                      </a:r>
-                      <a:endParaRPr lang="en-GB" sz="1800" dirty="0">
-                        <a:effectLst/>
-                        <a:latin typeface="Calibri"/>
-                        <a:ea typeface="SimSun"/>
-                        <a:cs typeface="Times New Roman"/>
-                      </a:endParaRPr>
-                    </a:p>
-                  </a:txBody>
-                  <a:tcPr marL="68580" marR="68580" marT="0" marB="0"/>
-                </a:tc>
-                <a:tc>
-                  <a:txBody>
-                    <a:bodyPr/>
-                    <a:lstStyle/>
-                    <a:p>
-                      <a:pPr algn="ctr">
-                        <a:lnSpc>
-                          <a:spcPct val="115000"/>
-                        </a:lnSpc>
-                        <a:spcAft>
-                          <a:spcPts val="0"/>
-                        </a:spcAft>
-                      </a:pPr>
-                      <a:r>
-                        <a:rPr lang="en-GB" sz="1800" dirty="0">
-                          <a:effectLst/>
-                        </a:rPr>
-                        <a:t> </a:t>
-                      </a:r>
-                      <a:r>
-                        <a:rPr lang="en-GB" sz="1800" dirty="0" smtClean="0">
-                          <a:effectLst/>
-                        </a:rPr>
-                        <a:t>Nominal</a:t>
-                      </a:r>
-                      <a:endParaRPr lang="en-GB" sz="1800" dirty="0">
-                        <a:effectLst/>
-                        <a:latin typeface="Calibri"/>
-                        <a:ea typeface="SimSun"/>
-                        <a:cs typeface="Times New Roman"/>
-                      </a:endParaRPr>
-                    </a:p>
-                  </a:txBody>
-                  <a:tcPr marL="68580" marR="68580" marT="0" marB="0"/>
-                </a:tc>
-                <a:tc>
-                  <a:txBody>
-                    <a:bodyPr/>
-                    <a:lstStyle/>
-                    <a:p>
-                      <a:pPr algn="ctr">
-                        <a:lnSpc>
-                          <a:spcPct val="115000"/>
-                        </a:lnSpc>
-                        <a:spcAft>
-                          <a:spcPts val="0"/>
-                        </a:spcAft>
-                      </a:pPr>
-                      <a:r>
-                        <a:rPr lang="en-GB" sz="1800" dirty="0" err="1" smtClean="0">
-                          <a:effectLst/>
-                        </a:rPr>
-                        <a:t>Bonferroni</a:t>
-                      </a:r>
-                      <a:r>
-                        <a:rPr lang="en-GB" sz="1800" dirty="0">
-                          <a:effectLst/>
-                        </a:rPr>
-                        <a:t> </a:t>
-                      </a:r>
-                      <a:endParaRPr lang="en-GB" sz="1800" dirty="0">
-                        <a:effectLst/>
-                        <a:latin typeface="Calibri"/>
-                        <a:ea typeface="SimSun"/>
-                        <a:cs typeface="Times New Roman"/>
-                      </a:endParaRPr>
-                    </a:p>
-                  </a:txBody>
-                  <a:tcPr marL="68580" marR="68580" marT="0" marB="0"/>
-                </a:tc>
-                <a:tc>
-                  <a:txBody>
-                    <a:bodyPr/>
-                    <a:lstStyle/>
-                    <a:p>
-                      <a:pPr algn="ctr">
-                        <a:lnSpc>
-                          <a:spcPct val="115000"/>
-                        </a:lnSpc>
-                        <a:spcAft>
-                          <a:spcPts val="0"/>
-                        </a:spcAft>
-                      </a:pPr>
-                      <a:r>
-                        <a:rPr lang="en-GB" sz="1800" dirty="0" smtClean="0">
-                          <a:effectLst/>
-                        </a:rPr>
-                        <a:t>FDR&lt;0.05</a:t>
-                      </a:r>
-                      <a:r>
-                        <a:rPr lang="en-GB" sz="1800" dirty="0">
-                          <a:effectLst/>
-                        </a:rPr>
-                        <a:t> </a:t>
-                      </a:r>
-                      <a:r>
-                        <a:rPr lang="en-GB" sz="1800" dirty="0" smtClean="0">
-                          <a:effectLst/>
-                        </a:rPr>
-                        <a:t> from</a:t>
-                      </a:r>
-                      <a:r>
-                        <a:rPr lang="en-GB" sz="1800" baseline="0" dirty="0" smtClean="0">
-                          <a:effectLst/>
-                        </a:rPr>
-                        <a:t> software</a:t>
-                      </a:r>
-                      <a:endParaRPr lang="en-GB" sz="1800" dirty="0">
-                        <a:effectLst/>
-                        <a:latin typeface="Calibri"/>
-                        <a:ea typeface="SimSun"/>
-                        <a:cs typeface="Times New Roman"/>
-                      </a:endParaRPr>
-                    </a:p>
-                  </a:txBody>
-                  <a:tcPr marL="68580" marR="68580" marT="0" marB="0"/>
-                </a:tc>
-                <a:tc>
-                  <a:txBody>
-                    <a:bodyPr/>
-                    <a:lstStyle/>
-                    <a:p>
-                      <a:pPr algn="ctr">
-                        <a:lnSpc>
-                          <a:spcPct val="115000"/>
-                        </a:lnSpc>
-                        <a:spcAft>
-                          <a:spcPts val="0"/>
-                        </a:spcAft>
-                      </a:pPr>
-                      <a:r>
-                        <a:rPr lang="en-GB" sz="1800" dirty="0" smtClean="0">
-                          <a:effectLst/>
-                        </a:rPr>
-                        <a:t>FDR&lt;0.05</a:t>
-                      </a:r>
-                      <a:r>
-                        <a:rPr lang="en-GB" sz="1800" dirty="0">
-                          <a:effectLst/>
-                        </a:rPr>
-                        <a:t> </a:t>
-                      </a:r>
-                      <a:r>
-                        <a:rPr lang="en-GB" sz="1800" baseline="0" dirty="0" smtClean="0">
-                          <a:effectLst/>
-                        </a:rPr>
-                        <a:t> from R</a:t>
-                      </a:r>
-                      <a:endParaRPr lang="en-GB" sz="1800" dirty="0">
-                        <a:effectLst/>
-                        <a:latin typeface="Calibri"/>
-                        <a:ea typeface="SimSun"/>
-                        <a:cs typeface="Times New Roman"/>
-                      </a:endParaRPr>
-                    </a:p>
-                  </a:txBody>
-                  <a:tcPr marL="68580" marR="68580" marT="0" marB="0"/>
-                </a:tc>
-                <a:tc>
-                  <a:txBody>
-                    <a:bodyPr/>
-                    <a:lstStyle/>
-                    <a:p>
-                      <a:pPr algn="ctr">
-                        <a:lnSpc>
-                          <a:spcPct val="115000"/>
-                        </a:lnSpc>
-                        <a:spcAft>
-                          <a:spcPts val="0"/>
-                        </a:spcAft>
-                      </a:pPr>
-                      <a:r>
-                        <a:rPr lang="en-GB" sz="1800" dirty="0" smtClean="0">
-                          <a:effectLst/>
-                        </a:rPr>
-                        <a:t>Running</a:t>
-                      </a:r>
-                      <a:r>
-                        <a:rPr lang="en-GB" sz="1800" baseline="0" dirty="0" smtClean="0">
-                          <a:effectLst/>
-                        </a:rPr>
-                        <a:t> time</a:t>
-                      </a:r>
-                      <a:r>
-                        <a:rPr lang="en-GB" sz="1800" dirty="0">
-                          <a:effectLst/>
-                        </a:rPr>
-                        <a:t> </a:t>
-                      </a:r>
-                      <a:endParaRPr lang="en-GB" sz="1800" dirty="0">
-                        <a:effectLst/>
-                        <a:latin typeface="Calibri"/>
-                        <a:ea typeface="SimSun"/>
-                        <a:cs typeface="Times New Roman"/>
-                      </a:endParaRPr>
-                    </a:p>
-                  </a:txBody>
-                  <a:tcPr marL="68580" marR="68580" marT="0" marB="0"/>
-                </a:tc>
-              </a:tr>
-              <a:tr h="577865">
-                <a:tc>
-                  <a:txBody>
-                    <a:bodyPr/>
-                    <a:lstStyle/>
-                    <a:p>
-                      <a:pPr>
-                        <a:lnSpc>
-                          <a:spcPct val="115000"/>
-                        </a:lnSpc>
-                        <a:spcAft>
-                          <a:spcPts val="0"/>
-                        </a:spcAft>
-                      </a:pPr>
-                      <a:r>
-                        <a:rPr lang="en-GB" sz="1800">
-                          <a:effectLst/>
-                        </a:rPr>
-                        <a:t>MAGENTA</a:t>
-                      </a:r>
-                      <a:endParaRPr lang="en-GB" sz="1800">
-                        <a:effectLst/>
-                        <a:latin typeface="Calibri"/>
-                        <a:ea typeface="SimSun"/>
-                        <a:cs typeface="Times New Roman"/>
-                      </a:endParaRPr>
-                    </a:p>
-                  </a:txBody>
-                  <a:tcPr marL="68580" marR="68580" marT="0" marB="0"/>
-                </a:tc>
-                <a:tc>
-                  <a:txBody>
-                    <a:bodyPr/>
-                    <a:lstStyle/>
-                    <a:p>
-                      <a:pPr algn="ctr">
-                        <a:lnSpc>
-                          <a:spcPct val="115000"/>
-                        </a:lnSpc>
-                        <a:spcAft>
-                          <a:spcPts val="0"/>
-                        </a:spcAft>
-                      </a:pPr>
-                      <a:r>
-                        <a:rPr lang="en-GB" sz="1800" dirty="0" smtClean="0">
-                          <a:effectLst/>
-                        </a:rPr>
-                        <a:t>1,091</a:t>
-                      </a:r>
-                      <a:endParaRPr lang="en-GB" sz="1800" dirty="0">
-                        <a:effectLst/>
-                        <a:latin typeface="Calibri"/>
-                        <a:ea typeface="SimSun"/>
-                        <a:cs typeface="Times New Roman"/>
-                      </a:endParaRPr>
-                    </a:p>
-                  </a:txBody>
-                  <a:tcPr marL="68580" marR="68580" marT="0" marB="0"/>
-                </a:tc>
-                <a:tc>
-                  <a:txBody>
-                    <a:bodyPr/>
-                    <a:lstStyle/>
-                    <a:p>
-                      <a:pPr algn="ctr">
-                        <a:lnSpc>
-                          <a:spcPct val="115000"/>
-                        </a:lnSpc>
-                        <a:spcAft>
-                          <a:spcPts val="0"/>
-                        </a:spcAft>
-                      </a:pPr>
-                      <a:r>
-                        <a:rPr lang="en-GB" sz="1800">
-                          <a:effectLst/>
-                        </a:rPr>
-                        <a:t>15</a:t>
-                      </a:r>
-                      <a:endParaRPr lang="en-GB" sz="1800">
-                        <a:effectLst/>
-                        <a:latin typeface="Calibri"/>
-                        <a:ea typeface="SimSun"/>
-                        <a:cs typeface="Times New Roman"/>
-                      </a:endParaRPr>
-                    </a:p>
-                  </a:txBody>
-                  <a:tcPr marL="68580" marR="68580" marT="0" marB="0"/>
-                </a:tc>
-                <a:tc>
-                  <a:txBody>
-                    <a:bodyPr/>
-                    <a:lstStyle/>
-                    <a:p>
-                      <a:pPr algn="ctr">
-                        <a:lnSpc>
-                          <a:spcPct val="115000"/>
-                        </a:lnSpc>
-                        <a:spcAft>
-                          <a:spcPts val="0"/>
-                        </a:spcAft>
-                      </a:pPr>
-                      <a:r>
-                        <a:rPr lang="en-GB" sz="1800">
-                          <a:effectLst/>
-                        </a:rPr>
-                        <a:t>265</a:t>
-                      </a:r>
-                      <a:endParaRPr lang="en-GB" sz="1800">
-                        <a:effectLst/>
-                        <a:latin typeface="Calibri"/>
-                        <a:ea typeface="SimSun"/>
-                        <a:cs typeface="Times New Roman"/>
-                      </a:endParaRPr>
-                    </a:p>
-                  </a:txBody>
-                  <a:tcPr marL="68580" marR="68580" marT="0" marB="0"/>
-                </a:tc>
-                <a:tc>
-                  <a:txBody>
-                    <a:bodyPr/>
-                    <a:lstStyle/>
-                    <a:p>
-                      <a:pPr algn="ctr">
-                        <a:lnSpc>
-                          <a:spcPct val="115000"/>
-                        </a:lnSpc>
-                        <a:spcAft>
-                          <a:spcPts val="0"/>
-                        </a:spcAft>
-                      </a:pPr>
-                      <a:r>
-                        <a:rPr lang="en-GB" sz="1800">
-                          <a:effectLst/>
-                        </a:rPr>
-                        <a:t>263</a:t>
-                      </a:r>
-                      <a:endParaRPr lang="en-GB" sz="1800">
-                        <a:effectLst/>
-                        <a:latin typeface="Calibri"/>
-                        <a:ea typeface="SimSun"/>
-                        <a:cs typeface="Times New Roman"/>
-                      </a:endParaRPr>
-                    </a:p>
-                  </a:txBody>
-                  <a:tcPr marL="68580" marR="68580" marT="0" marB="0"/>
-                </a:tc>
-                <a:tc>
-                  <a:txBody>
-                    <a:bodyPr/>
-                    <a:lstStyle/>
-                    <a:p>
-                      <a:pPr algn="ctr">
-                        <a:lnSpc>
-                          <a:spcPct val="115000"/>
-                        </a:lnSpc>
-                        <a:spcAft>
-                          <a:spcPts val="0"/>
-                        </a:spcAft>
-                      </a:pPr>
-                      <a:r>
-                        <a:rPr lang="en-GB" sz="1800">
-                          <a:effectLst/>
-                        </a:rPr>
-                        <a:t>+7 days</a:t>
-                      </a:r>
-                      <a:endParaRPr lang="en-GB" sz="1800">
-                        <a:effectLst/>
-                        <a:latin typeface="Calibri"/>
-                        <a:ea typeface="SimSun"/>
-                        <a:cs typeface="Times New Roman"/>
-                      </a:endParaRPr>
-                    </a:p>
-                  </a:txBody>
-                  <a:tcPr marL="68580" marR="68580" marT="0" marB="0"/>
-                </a:tc>
-              </a:tr>
-              <a:tr h="577865">
-                <a:tc>
-                  <a:txBody>
-                    <a:bodyPr/>
-                    <a:lstStyle/>
-                    <a:p>
-                      <a:pPr>
-                        <a:lnSpc>
-                          <a:spcPct val="115000"/>
-                        </a:lnSpc>
-                        <a:spcAft>
-                          <a:spcPts val="0"/>
-                        </a:spcAft>
-                      </a:pPr>
-                      <a:r>
-                        <a:rPr lang="en-GB" sz="1800">
-                          <a:effectLst/>
-                        </a:rPr>
-                        <a:t>MAGMA</a:t>
-                      </a:r>
-                      <a:endParaRPr lang="en-GB" sz="1800">
-                        <a:effectLst/>
-                        <a:latin typeface="Calibri"/>
-                        <a:ea typeface="SimSun"/>
-                        <a:cs typeface="Times New Roman"/>
-                      </a:endParaRPr>
-                    </a:p>
-                  </a:txBody>
-                  <a:tcPr marL="68580" marR="68580" marT="0" marB="0"/>
-                </a:tc>
-                <a:tc>
-                  <a:txBody>
-                    <a:bodyPr/>
-                    <a:lstStyle/>
-                    <a:p>
-                      <a:pPr algn="ctr">
-                        <a:lnSpc>
-                          <a:spcPct val="115000"/>
-                        </a:lnSpc>
-                        <a:spcAft>
-                          <a:spcPts val="0"/>
-                        </a:spcAft>
-                      </a:pPr>
-                      <a:r>
-                        <a:rPr lang="en-GB" sz="1800">
-                          <a:effectLst/>
-                        </a:rPr>
-                        <a:t>585</a:t>
-                      </a:r>
-                      <a:endParaRPr lang="en-GB" sz="1800">
-                        <a:effectLst/>
-                        <a:latin typeface="Calibri"/>
-                        <a:ea typeface="SimSun"/>
-                        <a:cs typeface="Times New Roman"/>
-                      </a:endParaRPr>
-                    </a:p>
-                  </a:txBody>
-                  <a:tcPr marL="68580" marR="68580" marT="0" marB="0"/>
-                </a:tc>
-                <a:tc>
-                  <a:txBody>
-                    <a:bodyPr/>
-                    <a:lstStyle/>
-                    <a:p>
-                      <a:pPr algn="ctr">
-                        <a:lnSpc>
-                          <a:spcPct val="115000"/>
-                        </a:lnSpc>
-                        <a:spcAft>
-                          <a:spcPts val="0"/>
-                        </a:spcAft>
-                      </a:pPr>
-                      <a:r>
-                        <a:rPr lang="en-GB" sz="1800" dirty="0">
-                          <a:effectLst/>
-                        </a:rPr>
-                        <a:t>0</a:t>
-                      </a:r>
-                      <a:endParaRPr lang="en-GB" sz="1800" dirty="0">
-                        <a:effectLst/>
-                        <a:latin typeface="Calibri"/>
-                        <a:ea typeface="SimSun"/>
-                        <a:cs typeface="Times New Roman"/>
-                      </a:endParaRPr>
-                    </a:p>
-                  </a:txBody>
-                  <a:tcPr marL="68580" marR="68580" marT="0" marB="0"/>
-                </a:tc>
-                <a:tc>
-                  <a:txBody>
-                    <a:bodyPr/>
-                    <a:lstStyle/>
-                    <a:p>
-                      <a:pPr algn="ctr">
-                        <a:lnSpc>
-                          <a:spcPct val="115000"/>
-                        </a:lnSpc>
-                        <a:spcAft>
-                          <a:spcPts val="0"/>
-                        </a:spcAft>
-                      </a:pPr>
-                      <a:r>
-                        <a:rPr lang="en-GB" sz="1800" dirty="0">
-                          <a:effectLst/>
-                        </a:rPr>
-                        <a:t> </a:t>
-                      </a:r>
-                      <a:endParaRPr lang="en-GB" sz="1800" dirty="0">
-                        <a:effectLst/>
-                        <a:latin typeface="Calibri"/>
-                        <a:ea typeface="SimSun"/>
-                        <a:cs typeface="Times New Roman"/>
-                      </a:endParaRPr>
-                    </a:p>
-                  </a:txBody>
-                  <a:tcPr marL="68580" marR="68580" marT="0" marB="0"/>
-                </a:tc>
-                <a:tc>
-                  <a:txBody>
-                    <a:bodyPr/>
-                    <a:lstStyle/>
-                    <a:p>
-                      <a:pPr algn="ctr">
-                        <a:lnSpc>
-                          <a:spcPct val="115000"/>
-                        </a:lnSpc>
-                        <a:spcAft>
-                          <a:spcPts val="0"/>
-                        </a:spcAft>
-                      </a:pPr>
-                      <a:r>
-                        <a:rPr lang="en-GB" sz="1800">
-                          <a:effectLst/>
-                        </a:rPr>
-                        <a:t>0</a:t>
-                      </a:r>
-                      <a:endParaRPr lang="en-GB" sz="1800">
-                        <a:effectLst/>
-                        <a:latin typeface="Calibri"/>
-                        <a:ea typeface="SimSun"/>
-                        <a:cs typeface="Times New Roman"/>
-                      </a:endParaRPr>
-                    </a:p>
-                  </a:txBody>
-                  <a:tcPr marL="68580" marR="68580" marT="0" marB="0"/>
-                </a:tc>
-                <a:tc>
-                  <a:txBody>
-                    <a:bodyPr/>
-                    <a:lstStyle/>
-                    <a:p>
-                      <a:pPr algn="ctr">
-                        <a:lnSpc>
-                          <a:spcPct val="115000"/>
-                        </a:lnSpc>
-                        <a:spcAft>
-                          <a:spcPts val="0"/>
-                        </a:spcAft>
-                      </a:pPr>
-                      <a:r>
-                        <a:rPr lang="en-GB" sz="1800" dirty="0">
-                          <a:effectLst/>
-                        </a:rPr>
-                        <a:t>almost instant</a:t>
-                      </a:r>
-                      <a:endParaRPr lang="en-GB" sz="1800" dirty="0">
-                        <a:effectLst/>
-                        <a:latin typeface="Calibri"/>
-                        <a:ea typeface="SimSun"/>
-                        <a:cs typeface="Times New Roman"/>
-                      </a:endParaRPr>
-                    </a:p>
-                  </a:txBody>
-                  <a:tcPr marL="68580" marR="68580" marT="0" marB="0"/>
-                </a:tc>
-              </a:tr>
-              <a:tr h="577865">
-                <a:tc>
-                  <a:txBody>
-                    <a:bodyPr/>
-                    <a:lstStyle/>
-                    <a:p>
-                      <a:pPr>
-                        <a:lnSpc>
-                          <a:spcPct val="115000"/>
-                        </a:lnSpc>
-                        <a:spcAft>
-                          <a:spcPts val="0"/>
-                        </a:spcAft>
-                      </a:pPr>
-                      <a:r>
-                        <a:rPr lang="en-GB" sz="1800">
-                          <a:effectLst/>
-                        </a:rPr>
-                        <a:t>PASCAL</a:t>
-                      </a:r>
-                      <a:endParaRPr lang="en-GB" sz="1800">
-                        <a:effectLst/>
-                        <a:latin typeface="Calibri"/>
-                        <a:ea typeface="SimSun"/>
-                        <a:cs typeface="Times New Roman"/>
-                      </a:endParaRPr>
-                    </a:p>
-                  </a:txBody>
-                  <a:tcPr marL="68580" marR="68580" marT="0" marB="0"/>
-                </a:tc>
-                <a:tc>
-                  <a:txBody>
-                    <a:bodyPr/>
-                    <a:lstStyle/>
-                    <a:p>
-                      <a:pPr algn="ctr">
-                        <a:lnSpc>
-                          <a:spcPct val="115000"/>
-                        </a:lnSpc>
-                        <a:spcAft>
-                          <a:spcPts val="0"/>
-                        </a:spcAft>
-                      </a:pPr>
-                      <a:r>
-                        <a:rPr lang="en-GB" sz="1800" dirty="0" smtClean="0">
-                          <a:effectLst/>
-                        </a:rPr>
-                        <a:t>1,896</a:t>
-                      </a:r>
-                      <a:endParaRPr lang="en-GB" sz="1800" dirty="0">
-                        <a:effectLst/>
-                        <a:latin typeface="Calibri"/>
-                        <a:ea typeface="SimSun"/>
-                        <a:cs typeface="Times New Roman"/>
-                      </a:endParaRPr>
-                    </a:p>
-                  </a:txBody>
-                  <a:tcPr marL="68580" marR="68580" marT="0" marB="0"/>
-                </a:tc>
-                <a:tc>
-                  <a:txBody>
-                    <a:bodyPr/>
-                    <a:lstStyle/>
-                    <a:p>
-                      <a:pPr algn="ctr">
-                        <a:lnSpc>
-                          <a:spcPct val="115000"/>
-                        </a:lnSpc>
-                        <a:spcAft>
-                          <a:spcPts val="0"/>
-                        </a:spcAft>
-                      </a:pPr>
-                      <a:r>
-                        <a:rPr lang="en-GB" sz="1800">
-                          <a:effectLst/>
-                        </a:rPr>
-                        <a:t>72</a:t>
-                      </a:r>
-                      <a:endParaRPr lang="en-GB" sz="1800">
-                        <a:effectLst/>
-                        <a:latin typeface="Calibri"/>
-                        <a:ea typeface="SimSun"/>
-                        <a:cs typeface="Times New Roman"/>
-                      </a:endParaRPr>
-                    </a:p>
-                  </a:txBody>
-                  <a:tcPr marL="68580" marR="68580" marT="0" marB="0"/>
-                </a:tc>
-                <a:tc>
-                  <a:txBody>
-                    <a:bodyPr/>
-                    <a:lstStyle/>
-                    <a:p>
-                      <a:pPr algn="ctr">
-                        <a:lnSpc>
-                          <a:spcPct val="115000"/>
-                        </a:lnSpc>
-                        <a:spcAft>
-                          <a:spcPts val="0"/>
-                        </a:spcAft>
-                      </a:pPr>
-                      <a:r>
-                        <a:rPr lang="en-GB" sz="1800" dirty="0">
-                          <a:effectLst/>
-                        </a:rPr>
-                        <a:t> </a:t>
-                      </a:r>
-                      <a:endParaRPr lang="en-GB" sz="1800" dirty="0">
-                        <a:effectLst/>
-                        <a:latin typeface="Calibri"/>
-                        <a:ea typeface="SimSun"/>
-                        <a:cs typeface="Times New Roman"/>
-                      </a:endParaRPr>
-                    </a:p>
-                  </a:txBody>
-                  <a:tcPr marL="68580" marR="68580" marT="0" marB="0"/>
-                </a:tc>
-                <a:tc>
-                  <a:txBody>
-                    <a:bodyPr/>
-                    <a:lstStyle/>
-                    <a:p>
-                      <a:pPr algn="ctr">
-                        <a:lnSpc>
-                          <a:spcPct val="115000"/>
-                        </a:lnSpc>
-                        <a:spcAft>
-                          <a:spcPts val="0"/>
-                        </a:spcAft>
-                      </a:pPr>
-                      <a:r>
-                        <a:rPr lang="en-GB" sz="1800" dirty="0">
-                          <a:effectLst/>
-                        </a:rPr>
-                        <a:t>340</a:t>
-                      </a:r>
-                      <a:endParaRPr lang="en-GB" sz="1800" dirty="0">
-                        <a:effectLst/>
-                        <a:latin typeface="Calibri"/>
-                        <a:ea typeface="SimSun"/>
-                        <a:cs typeface="Times New Roman"/>
-                      </a:endParaRPr>
-                    </a:p>
-                  </a:txBody>
-                  <a:tcPr marL="68580" marR="68580" marT="0" marB="0"/>
-                </a:tc>
-                <a:tc>
-                  <a:txBody>
-                    <a:bodyPr/>
-                    <a:lstStyle/>
-                    <a:p>
-                      <a:pPr algn="ctr">
-                        <a:lnSpc>
-                          <a:spcPct val="115000"/>
-                        </a:lnSpc>
-                        <a:spcAft>
-                          <a:spcPts val="0"/>
-                        </a:spcAft>
-                      </a:pPr>
-                      <a:r>
-                        <a:rPr lang="en-GB" sz="1800" smtClean="0">
-                          <a:effectLst/>
-                        </a:rPr>
-                        <a:t>&lt;3 </a:t>
-                      </a:r>
-                      <a:r>
-                        <a:rPr lang="en-GB" sz="1800">
-                          <a:effectLst/>
-                        </a:rPr>
-                        <a:t>days</a:t>
-                      </a:r>
-                      <a:endParaRPr lang="en-GB" sz="1800">
-                        <a:effectLst/>
-                        <a:latin typeface="Calibri"/>
-                        <a:ea typeface="SimSun"/>
-                        <a:cs typeface="Times New Roman"/>
-                      </a:endParaRPr>
-                    </a:p>
-                  </a:txBody>
-                  <a:tcPr marL="68580" marR="68580" marT="0" marB="0"/>
-                </a:tc>
-              </a:tr>
-              <a:tr h="577865">
-                <a:tc>
-                  <a:txBody>
-                    <a:bodyPr/>
-                    <a:lstStyle/>
-                    <a:p>
-                      <a:pPr>
-                        <a:lnSpc>
-                          <a:spcPct val="115000"/>
-                        </a:lnSpc>
-                        <a:spcAft>
-                          <a:spcPts val="0"/>
-                        </a:spcAft>
-                      </a:pPr>
-                      <a:r>
-                        <a:rPr lang="en-GB" sz="1800" dirty="0">
-                          <a:effectLst/>
-                        </a:rPr>
-                        <a:t>DEPICT</a:t>
-                      </a:r>
-                      <a:endParaRPr lang="en-GB" sz="1800" dirty="0">
-                        <a:effectLst/>
-                        <a:latin typeface="Calibri"/>
-                        <a:ea typeface="SimSun"/>
-                        <a:cs typeface="Times New Roman"/>
-                      </a:endParaRPr>
-                    </a:p>
-                  </a:txBody>
-                  <a:tcPr marL="68580" marR="68580" marT="0" marB="0"/>
-                </a:tc>
-                <a:tc>
-                  <a:txBody>
-                    <a:bodyPr/>
-                    <a:lstStyle/>
-                    <a:p>
-                      <a:pPr algn="ctr">
-                        <a:lnSpc>
-                          <a:spcPct val="115000"/>
-                        </a:lnSpc>
-                        <a:spcAft>
-                          <a:spcPts val="0"/>
-                        </a:spcAft>
-                      </a:pPr>
-                      <a:r>
-                        <a:rPr lang="en-GB" sz="1800" dirty="0" smtClean="0">
-                          <a:effectLst/>
-                        </a:rPr>
-                        <a:t>2,569</a:t>
-                      </a:r>
-                      <a:endParaRPr lang="en-GB" sz="1800" dirty="0">
-                        <a:effectLst/>
-                        <a:latin typeface="Calibri"/>
-                        <a:ea typeface="SimSun"/>
-                        <a:cs typeface="Times New Roman"/>
-                      </a:endParaRPr>
-                    </a:p>
-                  </a:txBody>
-                  <a:tcPr marL="68580" marR="68580" marT="0" marB="0"/>
-                </a:tc>
-                <a:tc>
-                  <a:txBody>
-                    <a:bodyPr/>
-                    <a:lstStyle/>
-                    <a:p>
-                      <a:pPr algn="ctr">
-                        <a:lnSpc>
-                          <a:spcPct val="115000"/>
-                        </a:lnSpc>
-                        <a:spcAft>
-                          <a:spcPts val="0"/>
-                        </a:spcAft>
-                      </a:pPr>
-                      <a:r>
-                        <a:rPr lang="en-GB" sz="1800" dirty="0">
-                          <a:effectLst/>
-                        </a:rPr>
-                        <a:t>93</a:t>
-                      </a:r>
-                      <a:endParaRPr lang="en-GB" sz="1800" dirty="0">
-                        <a:effectLst/>
-                        <a:latin typeface="Calibri"/>
-                        <a:ea typeface="SimSun"/>
-                        <a:cs typeface="Times New Roman"/>
-                      </a:endParaRPr>
-                    </a:p>
-                  </a:txBody>
-                  <a:tcPr marL="68580" marR="68580" marT="0" marB="0"/>
-                </a:tc>
-                <a:tc>
-                  <a:txBody>
-                    <a:bodyPr/>
-                    <a:lstStyle/>
-                    <a:p>
-                      <a:pPr algn="ctr">
-                        <a:lnSpc>
-                          <a:spcPct val="115000"/>
-                        </a:lnSpc>
-                        <a:spcAft>
-                          <a:spcPts val="0"/>
-                        </a:spcAft>
-                      </a:pPr>
-                      <a:r>
-                        <a:rPr lang="en-GB" sz="1800" dirty="0" smtClean="0">
-                          <a:effectLst/>
-                        </a:rPr>
-                        <a:t>1,418</a:t>
-                      </a:r>
-                      <a:endParaRPr lang="en-GB" sz="1800" dirty="0">
-                        <a:effectLst/>
-                        <a:latin typeface="Calibri"/>
-                        <a:ea typeface="SimSun"/>
-                        <a:cs typeface="Times New Roman"/>
-                      </a:endParaRPr>
-                    </a:p>
-                  </a:txBody>
-                  <a:tcPr marL="68580" marR="68580" marT="0" marB="0"/>
-                </a:tc>
-                <a:tc>
-                  <a:txBody>
-                    <a:bodyPr/>
-                    <a:lstStyle/>
-                    <a:p>
-                      <a:pPr algn="ctr">
-                        <a:lnSpc>
-                          <a:spcPct val="115000"/>
-                        </a:lnSpc>
-                        <a:spcAft>
-                          <a:spcPts val="0"/>
-                        </a:spcAft>
-                      </a:pPr>
-                      <a:r>
-                        <a:rPr lang="en-GB" sz="1800" dirty="0" smtClean="0">
-                          <a:effectLst/>
-                        </a:rPr>
-                        <a:t>1,272</a:t>
-                      </a:r>
-                      <a:endParaRPr lang="en-GB" sz="1800" dirty="0">
-                        <a:effectLst/>
-                        <a:latin typeface="Calibri"/>
-                        <a:ea typeface="SimSun"/>
-                        <a:cs typeface="Times New Roman"/>
-                      </a:endParaRPr>
-                    </a:p>
-                  </a:txBody>
-                  <a:tcPr marL="68580" marR="68580" marT="0" marB="0"/>
-                </a:tc>
-                <a:tc>
-                  <a:txBody>
-                    <a:bodyPr/>
-                    <a:lstStyle/>
-                    <a:p>
-                      <a:pPr algn="ctr">
-                        <a:lnSpc>
-                          <a:spcPct val="115000"/>
-                        </a:lnSpc>
-                        <a:spcAft>
-                          <a:spcPts val="0"/>
-                        </a:spcAft>
-                      </a:pPr>
-                      <a:r>
-                        <a:rPr lang="en-GB" sz="1800" baseline="0" dirty="0" smtClean="0">
-                          <a:effectLst/>
-                        </a:rPr>
-                        <a:t>&lt;1 </a:t>
-                      </a:r>
-                      <a:r>
-                        <a:rPr lang="en-GB" sz="1800" dirty="0" smtClean="0">
-                          <a:effectLst/>
-                        </a:rPr>
-                        <a:t>hr</a:t>
-                      </a:r>
-                      <a:endParaRPr lang="en-GB" sz="1800" dirty="0">
-                        <a:effectLst/>
-                        <a:latin typeface="Calibri"/>
-                        <a:ea typeface="SimSun"/>
-                        <a:cs typeface="Times New Roman"/>
-                      </a:endParaRPr>
-                    </a:p>
-                  </a:txBody>
-                  <a:tcPr marL="68580" marR="68580" marT="0" marB="0"/>
-                </a:tc>
-              </a:tr>
-            </a:tbl>
-          </a:graphicData>
-        </a:graphic>
-      </p:graphicFrame>
-      <p:sp>
-        <p:nvSpPr>
-          <p:cNvPr id="7" name="Footer Placeholder 6"/>
+              <a:t>Confounding </a:t>
+            </a:r>
+            <a:r>
+              <a:rPr lang="en-GB" dirty="0"/>
+              <a:t>effects on gene association scores are identified and corrected for, without requiring genotype </a:t>
+            </a:r>
+            <a:r>
+              <a:rPr lang="en-GB" dirty="0" smtClean="0"/>
+              <a:t>data.</a:t>
+            </a:r>
+          </a:p>
+          <a:p>
+            <a:r>
+              <a:rPr lang="en-GB" dirty="0" smtClean="0"/>
+              <a:t>MAGMA. Similar to MAGENTA in spirit.</a:t>
+            </a:r>
+          </a:p>
+          <a:p>
+            <a:r>
+              <a:rPr lang="en-GB" dirty="0"/>
+              <a:t>PASCAL. Gene scores are obtained by aggregating SNP p-values from a GWAS meta-analysis while correcting for LD using a reference </a:t>
+            </a:r>
+            <a:r>
+              <a:rPr lang="en-GB" dirty="0" smtClean="0"/>
+              <a:t>population.</a:t>
+            </a:r>
+          </a:p>
+          <a:p>
+            <a:r>
+              <a:rPr lang="en-GB" dirty="0"/>
+              <a:t>DEPICT. </a:t>
+            </a:r>
+            <a:r>
+              <a:rPr lang="en-GB" dirty="0" smtClean="0"/>
+              <a:t>It </a:t>
+            </a:r>
+            <a:r>
+              <a:rPr lang="en-GB" dirty="0"/>
+              <a:t>is a computational framework for gene prioritization, GSEA and tissue/cell type enrichment analysis. </a:t>
+            </a:r>
+          </a:p>
+        </p:txBody>
+      </p:sp>
+      <p:sp>
+        <p:nvSpPr>
+          <p:cNvPr id="6" name="Footer Placeholder 5"/>
           <p:cNvSpPr>
             <a:spLocks noGrp="1"/>
           </p:cNvSpPr>
@@ -7379,7 +6851,7 @@
       </p:sp>
       <p:sp>
         <p:nvSpPr>
-          <p:cNvPr id="8" name="Slide Number Placeholder 7"/>
+          <p:cNvPr id="7" name="Slide Number Placeholder 6"/>
           <p:cNvSpPr>
             <a:spLocks noGrp="1"/>
           </p:cNvSpPr>
@@ -7403,7 +6875,7 @@
     </p:spTree>
     <p:extLst>
       <p:ext uri="{BB962C8B-B14F-4D97-AF65-F5344CB8AC3E}">
-        <p14:creationId xmlns:p14="http://schemas.microsoft.com/office/powerpoint/2010/main" val="2068209091"/>
+        <p14:creationId xmlns:p14="http://schemas.microsoft.com/office/powerpoint/2010/main" val="2494285474"/>
       </p:ext>
     </p:extLst>
   </p:cSld>
@@ -7447,94 +6919,1109 @@
           <a:p>
             <a:pPr algn="ctr"/>
             <a:r>
-              <a:rPr lang="en-GB" dirty="0" smtClean="0"/>
-              <a:t>Additional remarks</a:t>
-            </a:r>
-            <a:endParaRPr lang="en-GB" dirty="0"/>
-          </a:p>
-        </p:txBody>
-      </p:sp>
-      <p:sp>
-        <p:nvSpPr>
-          <p:cNvPr id="3" name="Content Placeholder 2"/>
-          <p:cNvSpPr>
-            <a:spLocks noGrp="1"/>
-          </p:cNvSpPr>
+              <a:rPr lang="en-GB" b="1" dirty="0" smtClean="0"/>
+              <a:t>Database by software</a:t>
+            </a:r>
+            <a:endParaRPr lang="en-GB" b="1" dirty="0"/>
+          </a:p>
+        </p:txBody>
+      </p:sp>
+      <p:graphicFrame>
+        <p:nvGraphicFramePr>
+          <p:cNvPr id="4" name="Content Placeholder 3"/>
+          <p:cNvGraphicFramePr>
+            <a:graphicFrameLocks noGrp="1"/>
+          </p:cNvGraphicFramePr>
           <p:nvPr>
             <p:ph idx="1"/>
-          </p:nvPr>
-        </p:nvSpPr>
-        <p:spPr/>
-        <p:txBody>
-          <a:bodyPr>
-            <a:normAutofit lnSpcReduction="10000"/>
-          </a:bodyPr>
-          <a:lstStyle/>
-          <a:p>
-            <a:r>
-              <a:rPr lang="en-GB" dirty="0" smtClean="0"/>
-              <a:t>The common database</a:t>
-            </a:r>
-          </a:p>
-          <a:p>
-            <a:pPr lvl="1"/>
-            <a:r>
-              <a:rPr lang="en-GB" dirty="0" smtClean="0"/>
-              <a:t>facilitates cross-software comparison.</a:t>
-            </a:r>
-          </a:p>
-          <a:p>
-            <a:pPr lvl="1"/>
-            <a:r>
-              <a:rPr lang="en-GB" dirty="0" smtClean="0"/>
-              <a:t>allows for correlation between software to be calculated.</a:t>
-            </a:r>
-          </a:p>
-          <a:p>
-            <a:r>
-              <a:rPr lang="en-GB" dirty="0" smtClean="0"/>
-              <a:t>The pipeline </a:t>
-            </a:r>
-          </a:p>
-          <a:p>
-            <a:pPr lvl="1"/>
-            <a:r>
-              <a:rPr lang="en-GB" dirty="0" smtClean="0"/>
-              <a:t>takes advantage of the database to perform cluster analysis including affinity propagation clustering as well as build networks.</a:t>
-            </a:r>
-          </a:p>
-          <a:p>
-            <a:pPr lvl="1"/>
-            <a:r>
-              <a:rPr lang="en-GB" dirty="0" smtClean="0"/>
-              <a:t>Generates simple interaction format (SIF) and edge list (EL) formats which can be fed into </a:t>
-            </a:r>
-            <a:r>
-              <a:rPr lang="en-GB" dirty="0" err="1" smtClean="0"/>
-              <a:t>Cytoscape</a:t>
-            </a:r>
-            <a:r>
-              <a:rPr lang="en-GB" dirty="0" smtClean="0"/>
-              <a:t> for visualisation using a variety of layouts and analysis through many plugins. Further extensions are possible.</a:t>
-            </a:r>
-          </a:p>
-          <a:p>
-            <a:r>
-              <a:rPr lang="en-GB" dirty="0" smtClean="0"/>
-              <a:t>At the very least, use the setup for GWAS, e.g., MAGENTA + common database + clusters.</a:t>
-            </a:r>
-          </a:p>
-          <a:p>
-            <a:pPr marL="457200" lvl="1" indent="0">
-              <a:buNone/>
-            </a:pPr>
-            <a:endParaRPr lang="en-GB" dirty="0"/>
-          </a:p>
-        </p:txBody>
-      </p:sp>
-      <p:sp>
-        <p:nvSpPr>
-          <p:cNvPr id="6" name="Footer Placeholder 5"/>
+            <p:extLst>
+              <p:ext uri="{D42A27DB-BD31-4B8C-83A1-F6EECF244321}">
+                <p14:modId xmlns:p14="http://schemas.microsoft.com/office/powerpoint/2010/main" val="1293208450"/>
+              </p:ext>
+            </p:extLst>
+          </p:nvPr>
+        </p:nvGraphicFramePr>
+        <p:xfrm>
+          <a:off x="838200" y="1825625"/>
+          <a:ext cx="10515600" cy="4450080"/>
+        </p:xfrm>
+        <a:graphic>
+          <a:graphicData uri="http://schemas.openxmlformats.org/drawingml/2006/table">
+            <a:tbl>
+              <a:tblPr firstRow="1" bandRow="1">
+                <a:tableStyleId>{5C22544A-7EE6-4342-B048-85BDC9FD1C3A}</a:tableStyleId>
+              </a:tblPr>
+              <a:tblGrid>
+                <a:gridCol w="2974383">
+                  <a:extLst>
+                    <a:ext uri="{9D8B030D-6E8A-4147-A177-3AD203B41FA5}">
+                      <a16:colId xmlns:a16="http://schemas.microsoft.com/office/drawing/2014/main" val="20000"/>
+                    </a:ext>
+                  </a:extLst>
+                </a:gridCol>
+                <a:gridCol w="968644">
+                  <a:extLst>
+                    <a:ext uri="{9D8B030D-6E8A-4147-A177-3AD203B41FA5}">
+                      <a16:colId xmlns:a16="http://schemas.microsoft.com/office/drawing/2014/main" val="20001"/>
+                    </a:ext>
+                  </a:extLst>
+                </a:gridCol>
+                <a:gridCol w="1433593">
+                  <a:extLst>
+                    <a:ext uri="{9D8B030D-6E8A-4147-A177-3AD203B41FA5}">
+                      <a16:colId xmlns:a16="http://schemas.microsoft.com/office/drawing/2014/main" val="20002"/>
+                    </a:ext>
+                  </a:extLst>
+                </a:gridCol>
+                <a:gridCol w="1836549">
+                  <a:extLst>
+                    <a:ext uri="{9D8B030D-6E8A-4147-A177-3AD203B41FA5}">
+                      <a16:colId xmlns:a16="http://schemas.microsoft.com/office/drawing/2014/main" val="20003"/>
+                    </a:ext>
+                  </a:extLst>
+                </a:gridCol>
+                <a:gridCol w="1455185">
+                  <a:extLst>
+                    <a:ext uri="{9D8B030D-6E8A-4147-A177-3AD203B41FA5}">
+                      <a16:colId xmlns:a16="http://schemas.microsoft.com/office/drawing/2014/main" val="20004"/>
+                    </a:ext>
+                  </a:extLst>
+                </a:gridCol>
+                <a:gridCol w="1847246">
+                  <a:extLst>
+                    <a:ext uri="{9D8B030D-6E8A-4147-A177-3AD203B41FA5}">
+                      <a16:colId xmlns:a16="http://schemas.microsoft.com/office/drawing/2014/main" val="20005"/>
+                    </a:ext>
+                  </a:extLst>
+                </a:gridCol>
+              </a:tblGrid>
+              <a:tr h="370840">
+                <a:tc>
+                  <a:txBody>
+                    <a:bodyPr/>
+                    <a:lstStyle/>
+                    <a:p>
+                      <a:r>
+                        <a:rPr lang="en-GB" dirty="0" smtClean="0"/>
+                        <a:t>Databases</a:t>
+                      </a:r>
+                      <a:endParaRPr lang="en-GB" dirty="0"/>
+                    </a:p>
+                  </a:txBody>
+                  <a:tcPr/>
+                </a:tc>
+                <a:tc>
+                  <a:txBody>
+                    <a:bodyPr/>
+                    <a:lstStyle/>
+                    <a:p>
+                      <a:pPr algn="ctr"/>
+                      <a:endParaRPr lang="en-GB" dirty="0"/>
+                    </a:p>
+                  </a:txBody>
+                  <a:tcPr/>
+                </a:tc>
+                <a:tc>
+                  <a:txBody>
+                    <a:bodyPr/>
+                    <a:lstStyle/>
+                    <a:p>
+                      <a:pPr algn="ctr"/>
+                      <a:r>
+                        <a:rPr lang="en-GB" dirty="0" smtClean="0"/>
+                        <a:t>MAGENTA</a:t>
+                      </a:r>
+                      <a:endParaRPr lang="en-GB" dirty="0"/>
+                    </a:p>
+                  </a:txBody>
+                  <a:tcPr/>
+                </a:tc>
+                <a:tc>
+                  <a:txBody>
+                    <a:bodyPr/>
+                    <a:lstStyle/>
+                    <a:p>
+                      <a:pPr algn="ctr"/>
+                      <a:r>
+                        <a:rPr lang="en-GB" dirty="0" smtClean="0"/>
+                        <a:t>MAGMA</a:t>
+                      </a:r>
+                      <a:endParaRPr lang="en-GB" dirty="0"/>
+                    </a:p>
+                  </a:txBody>
+                  <a:tcPr/>
+                </a:tc>
+                <a:tc>
+                  <a:txBody>
+                    <a:bodyPr/>
+                    <a:lstStyle/>
+                    <a:p>
+                      <a:pPr algn="ctr"/>
+                      <a:r>
+                        <a:rPr lang="en-GB" dirty="0" smtClean="0"/>
+                        <a:t>PASCAL</a:t>
+                      </a:r>
+                      <a:endParaRPr lang="en-GB" dirty="0"/>
+                    </a:p>
+                  </a:txBody>
+                  <a:tcPr/>
+                </a:tc>
+                <a:tc>
+                  <a:txBody>
+                    <a:bodyPr/>
+                    <a:lstStyle/>
+                    <a:p>
+                      <a:pPr algn="ctr"/>
+                      <a:r>
+                        <a:rPr lang="en-GB" dirty="0" smtClean="0"/>
+                        <a:t>DEPICT</a:t>
+                      </a:r>
+                      <a:endParaRPr lang="en-GB" dirty="0"/>
+                    </a:p>
+                  </a:txBody>
+                  <a:tcPr/>
+                </a:tc>
+                <a:extLst>
+                  <a:ext uri="{0D108BD9-81ED-4DB2-BD59-A6C34878D82A}">
+                    <a16:rowId xmlns:a16="http://schemas.microsoft.com/office/drawing/2014/main" val="10000"/>
+                  </a:ext>
+                </a:extLst>
+              </a:tr>
+              <a:tr h="370840">
+                <a:tc>
+                  <a:txBody>
+                    <a:bodyPr/>
+                    <a:lstStyle/>
+                    <a:p>
+                      <a:r>
+                        <a:rPr lang="en-GB" dirty="0" err="1"/>
+                        <a:t>GO_terms_BioProc_MolFunc</a:t>
+                      </a:r>
+                      <a:endParaRPr lang="en-GB" dirty="0"/>
+                    </a:p>
+                  </a:txBody>
+                  <a:tcPr anchor="ctr"/>
+                </a:tc>
+                <a:tc>
+                  <a:txBody>
+                    <a:bodyPr/>
+                    <a:lstStyle/>
+                    <a:p>
+                      <a:pPr algn="ctr"/>
+                      <a:r>
+                        <a:rPr lang="en-GB" dirty="0"/>
+                        <a:t>9,433</a:t>
+                      </a:r>
+                    </a:p>
+                  </a:txBody>
+                  <a:tcPr anchor="ctr"/>
+                </a:tc>
+                <a:tc>
+                  <a:txBody>
+                    <a:bodyPr/>
+                    <a:lstStyle/>
+                    <a:p>
+                      <a:endParaRPr lang="en-GB"/>
+                    </a:p>
+                  </a:txBody>
+                  <a:tcPr anchor="ctr"/>
+                </a:tc>
+                <a:tc>
+                  <a:txBody>
+                    <a:bodyPr/>
+                    <a:lstStyle/>
+                    <a:p>
+                      <a:pPr algn="ctr"/>
+                      <a:endParaRPr lang="en-GB" dirty="0"/>
+                    </a:p>
+                  </a:txBody>
+                  <a:tcPr/>
+                </a:tc>
+                <a:tc>
+                  <a:txBody>
+                    <a:bodyPr/>
+                    <a:lstStyle/>
+                    <a:p>
+                      <a:pPr algn="ctr"/>
+                      <a:endParaRPr lang="en-GB" dirty="0"/>
+                    </a:p>
+                  </a:txBody>
+                  <a:tcPr/>
+                </a:tc>
+                <a:tc>
+                  <a:txBody>
+                    <a:bodyPr/>
+                    <a:lstStyle/>
+                    <a:p>
+                      <a:pPr algn="ctr"/>
+                      <a:endParaRPr lang="en-GB" dirty="0"/>
+                    </a:p>
+                  </a:txBody>
+                  <a:tcPr/>
+                </a:tc>
+                <a:extLst>
+                  <a:ext uri="{0D108BD9-81ED-4DB2-BD59-A6C34878D82A}">
+                    <a16:rowId xmlns:a16="http://schemas.microsoft.com/office/drawing/2014/main" val="10001"/>
+                  </a:ext>
+                </a:extLst>
+              </a:tr>
+              <a:tr h="370840">
+                <a:tc>
+                  <a:txBody>
+                    <a:bodyPr/>
+                    <a:lstStyle/>
+                    <a:p>
+                      <a:r>
+                        <a:rPr lang="en-GB" dirty="0" err="1"/>
+                        <a:t>Ingenuity_pathways</a:t>
+                      </a:r>
+                      <a:endParaRPr lang="en-GB" dirty="0"/>
+                    </a:p>
+                  </a:txBody>
+                  <a:tcPr anchor="ctr"/>
+                </a:tc>
+                <a:tc>
+                  <a:txBody>
+                    <a:bodyPr/>
+                    <a:lstStyle/>
+                    <a:p>
+                      <a:pPr algn="ctr"/>
+                      <a:r>
+                        <a:rPr lang="en-GB" dirty="0"/>
+                        <a:t>92</a:t>
+                      </a:r>
+                    </a:p>
+                  </a:txBody>
+                  <a:tcPr anchor="ctr"/>
+                </a:tc>
+                <a:tc>
+                  <a:txBody>
+                    <a:bodyPr/>
+                    <a:lstStyle/>
+                    <a:p>
+                      <a:endParaRPr lang="en-GB" dirty="0"/>
+                    </a:p>
+                  </a:txBody>
+                  <a:tcPr anchor="ctr"/>
+                </a:tc>
+                <a:tc>
+                  <a:txBody>
+                    <a:bodyPr/>
+                    <a:lstStyle/>
+                    <a:p>
+                      <a:pPr algn="ctr"/>
+                      <a:endParaRPr lang="en-GB"/>
+                    </a:p>
+                  </a:txBody>
+                  <a:tcPr/>
+                </a:tc>
+                <a:tc>
+                  <a:txBody>
+                    <a:bodyPr/>
+                    <a:lstStyle/>
+                    <a:p>
+                      <a:pPr algn="ctr"/>
+                      <a:endParaRPr lang="en-GB"/>
+                    </a:p>
+                  </a:txBody>
+                  <a:tcPr/>
+                </a:tc>
+                <a:tc>
+                  <a:txBody>
+                    <a:bodyPr/>
+                    <a:lstStyle/>
+                    <a:p>
+                      <a:pPr algn="ctr"/>
+                      <a:endParaRPr lang="en-GB" dirty="0"/>
+                    </a:p>
+                  </a:txBody>
+                  <a:tcPr/>
+                </a:tc>
+                <a:extLst>
+                  <a:ext uri="{0D108BD9-81ED-4DB2-BD59-A6C34878D82A}">
+                    <a16:rowId xmlns:a16="http://schemas.microsoft.com/office/drawing/2014/main" val="10002"/>
+                  </a:ext>
+                </a:extLst>
+              </a:tr>
+              <a:tr h="370840">
+                <a:tc>
+                  <a:txBody>
+                    <a:bodyPr/>
+                    <a:lstStyle/>
+                    <a:p>
+                      <a:r>
+                        <a:rPr lang="en-GB" dirty="0" err="1"/>
+                        <a:t>KEGG_pathways</a:t>
+                      </a:r>
+                      <a:endParaRPr lang="en-GB" dirty="0"/>
+                    </a:p>
+                  </a:txBody>
+                  <a:tcPr anchor="ctr"/>
+                </a:tc>
+                <a:tc>
+                  <a:txBody>
+                    <a:bodyPr/>
+                    <a:lstStyle/>
+                    <a:p>
+                      <a:pPr algn="ctr"/>
+                      <a:r>
+                        <a:rPr lang="en-GB" dirty="0"/>
+                        <a:t>168</a:t>
+                      </a:r>
+                    </a:p>
+                  </a:txBody>
+                  <a:tcPr anchor="ctr"/>
+                </a:tc>
+                <a:tc>
+                  <a:txBody>
+                    <a:bodyPr/>
+                    <a:lstStyle/>
+                    <a:p>
+                      <a:endParaRPr lang="en-GB" dirty="0"/>
+                    </a:p>
+                  </a:txBody>
+                  <a:tcPr anchor="ctr"/>
+                </a:tc>
+                <a:tc>
+                  <a:txBody>
+                    <a:bodyPr/>
+                    <a:lstStyle/>
+                    <a:p>
+                      <a:pPr algn="ctr"/>
+                      <a:endParaRPr lang="en-GB"/>
+                    </a:p>
+                  </a:txBody>
+                  <a:tcPr/>
+                </a:tc>
+                <a:tc>
+                  <a:txBody>
+                    <a:bodyPr/>
+                    <a:lstStyle/>
+                    <a:p>
+                      <a:pPr algn="ctr"/>
+                      <a:endParaRPr lang="en-GB"/>
+                    </a:p>
+                  </a:txBody>
+                  <a:tcPr/>
+                </a:tc>
+                <a:tc>
+                  <a:txBody>
+                    <a:bodyPr/>
+                    <a:lstStyle/>
+                    <a:p>
+                      <a:pPr algn="ctr"/>
+                      <a:endParaRPr lang="en-GB" dirty="0"/>
+                    </a:p>
+                  </a:txBody>
+                  <a:tcPr/>
+                </a:tc>
+                <a:extLst>
+                  <a:ext uri="{0D108BD9-81ED-4DB2-BD59-A6C34878D82A}">
+                    <a16:rowId xmlns:a16="http://schemas.microsoft.com/office/drawing/2014/main" val="10003"/>
+                  </a:ext>
+                </a:extLst>
+              </a:tr>
+              <a:tr h="370840">
+                <a:tc>
+                  <a:txBody>
+                    <a:bodyPr/>
+                    <a:lstStyle/>
+                    <a:p>
+                      <a:r>
+                        <a:rPr lang="en-GB" dirty="0" err="1"/>
+                        <a:t>PANTHER_BioProc</a:t>
+                      </a:r>
+                      <a:endParaRPr lang="en-GB" dirty="0"/>
+                    </a:p>
+                  </a:txBody>
+                  <a:tcPr anchor="ctr"/>
+                </a:tc>
+                <a:tc>
+                  <a:txBody>
+                    <a:bodyPr/>
+                    <a:lstStyle/>
+                    <a:p>
+                      <a:pPr algn="ctr"/>
+                      <a:r>
+                        <a:rPr lang="en-GB" dirty="0"/>
+                        <a:t>241</a:t>
+                      </a:r>
+                    </a:p>
+                  </a:txBody>
+                  <a:tcPr anchor="ctr"/>
+                </a:tc>
+                <a:tc>
+                  <a:txBody>
+                    <a:bodyPr/>
+                    <a:lstStyle/>
+                    <a:p>
+                      <a:endParaRPr lang="en-GB" dirty="0"/>
+                    </a:p>
+                  </a:txBody>
+                  <a:tcPr anchor="ctr"/>
+                </a:tc>
+                <a:tc>
+                  <a:txBody>
+                    <a:bodyPr/>
+                    <a:lstStyle/>
+                    <a:p>
+                      <a:pPr algn="ctr"/>
+                      <a:endParaRPr lang="en-GB"/>
+                    </a:p>
+                  </a:txBody>
+                  <a:tcPr/>
+                </a:tc>
+                <a:tc>
+                  <a:txBody>
+                    <a:bodyPr/>
+                    <a:lstStyle/>
+                    <a:p>
+                      <a:pPr algn="ctr"/>
+                      <a:endParaRPr lang="en-GB"/>
+                    </a:p>
+                  </a:txBody>
+                  <a:tcPr/>
+                </a:tc>
+                <a:tc>
+                  <a:txBody>
+                    <a:bodyPr/>
+                    <a:lstStyle/>
+                    <a:p>
+                      <a:pPr algn="ctr"/>
+                      <a:endParaRPr lang="en-GB" dirty="0"/>
+                    </a:p>
+                  </a:txBody>
+                  <a:tcPr/>
+                </a:tc>
+                <a:extLst>
+                  <a:ext uri="{0D108BD9-81ED-4DB2-BD59-A6C34878D82A}">
+                    <a16:rowId xmlns:a16="http://schemas.microsoft.com/office/drawing/2014/main" val="10004"/>
+                  </a:ext>
+                </a:extLst>
+              </a:tr>
+              <a:tr h="370840">
+                <a:tc>
+                  <a:txBody>
+                    <a:bodyPr/>
+                    <a:lstStyle/>
+                    <a:p>
+                      <a:r>
+                        <a:rPr lang="en-GB" dirty="0" err="1"/>
+                        <a:t>PANTHER_MolFunc</a:t>
+                      </a:r>
+                      <a:endParaRPr lang="en-GB" dirty="0"/>
+                    </a:p>
+                  </a:txBody>
+                  <a:tcPr anchor="ctr"/>
+                </a:tc>
+                <a:tc>
+                  <a:txBody>
+                    <a:bodyPr/>
+                    <a:lstStyle/>
+                    <a:p>
+                      <a:pPr algn="ctr"/>
+                      <a:r>
+                        <a:rPr lang="en-GB" dirty="0"/>
+                        <a:t>252</a:t>
+                      </a:r>
+                    </a:p>
+                  </a:txBody>
+                  <a:tcPr anchor="ctr"/>
+                </a:tc>
+                <a:tc>
+                  <a:txBody>
+                    <a:bodyPr/>
+                    <a:lstStyle/>
+                    <a:p>
+                      <a:endParaRPr lang="en-GB" dirty="0"/>
+                    </a:p>
+                  </a:txBody>
+                  <a:tcPr anchor="ctr"/>
+                </a:tc>
+                <a:tc>
+                  <a:txBody>
+                    <a:bodyPr/>
+                    <a:lstStyle/>
+                    <a:p>
+                      <a:pPr algn="ctr"/>
+                      <a:endParaRPr lang="en-GB"/>
+                    </a:p>
+                  </a:txBody>
+                  <a:tcPr/>
+                </a:tc>
+                <a:tc>
+                  <a:txBody>
+                    <a:bodyPr/>
+                    <a:lstStyle/>
+                    <a:p>
+                      <a:pPr algn="ctr"/>
+                      <a:endParaRPr lang="en-GB"/>
+                    </a:p>
+                  </a:txBody>
+                  <a:tcPr/>
+                </a:tc>
+                <a:tc>
+                  <a:txBody>
+                    <a:bodyPr/>
+                    <a:lstStyle/>
+                    <a:p>
+                      <a:pPr algn="ctr"/>
+                      <a:endParaRPr lang="en-GB" dirty="0"/>
+                    </a:p>
+                  </a:txBody>
+                  <a:tcPr/>
+                </a:tc>
+                <a:extLst>
+                  <a:ext uri="{0D108BD9-81ED-4DB2-BD59-A6C34878D82A}">
+                    <a16:rowId xmlns:a16="http://schemas.microsoft.com/office/drawing/2014/main" val="10005"/>
+                  </a:ext>
+                </a:extLst>
+              </a:tr>
+              <a:tr h="370840">
+                <a:tc>
+                  <a:txBody>
+                    <a:bodyPr/>
+                    <a:lstStyle/>
+                    <a:p>
+                      <a:r>
+                        <a:rPr lang="en-GB" dirty="0" err="1"/>
+                        <a:t>PANTHER_pathways</a:t>
+                      </a:r>
+                      <a:endParaRPr lang="en-GB" dirty="0"/>
+                    </a:p>
+                  </a:txBody>
+                  <a:tcPr anchor="ctr"/>
+                </a:tc>
+                <a:tc>
+                  <a:txBody>
+                    <a:bodyPr/>
+                    <a:lstStyle/>
+                    <a:p>
+                      <a:pPr algn="ctr"/>
+                      <a:r>
+                        <a:rPr lang="en-GB" dirty="0"/>
+                        <a:t>141</a:t>
+                      </a:r>
+                    </a:p>
+                  </a:txBody>
+                  <a:tcPr anchor="ctr"/>
+                </a:tc>
+                <a:tc>
+                  <a:txBody>
+                    <a:bodyPr/>
+                    <a:lstStyle/>
+                    <a:p>
+                      <a:endParaRPr lang="en-GB" dirty="0"/>
+                    </a:p>
+                  </a:txBody>
+                  <a:tcPr anchor="ctr"/>
+                </a:tc>
+                <a:tc>
+                  <a:txBody>
+                    <a:bodyPr/>
+                    <a:lstStyle/>
+                    <a:p>
+                      <a:pPr algn="ctr"/>
+                      <a:endParaRPr lang="en-GB"/>
+                    </a:p>
+                  </a:txBody>
+                  <a:tcPr/>
+                </a:tc>
+                <a:tc>
+                  <a:txBody>
+                    <a:bodyPr/>
+                    <a:lstStyle/>
+                    <a:p>
+                      <a:pPr algn="ctr"/>
+                      <a:endParaRPr lang="en-GB"/>
+                    </a:p>
+                  </a:txBody>
+                  <a:tcPr/>
+                </a:tc>
+                <a:tc>
+                  <a:txBody>
+                    <a:bodyPr/>
+                    <a:lstStyle/>
+                    <a:p>
+                      <a:pPr algn="ctr"/>
+                      <a:endParaRPr lang="en-GB" dirty="0"/>
+                    </a:p>
+                  </a:txBody>
+                  <a:tcPr/>
+                </a:tc>
+                <a:extLst>
+                  <a:ext uri="{0D108BD9-81ED-4DB2-BD59-A6C34878D82A}">
+                    <a16:rowId xmlns:a16="http://schemas.microsoft.com/office/drawing/2014/main" val="10006"/>
+                  </a:ext>
+                </a:extLst>
+              </a:tr>
+              <a:tr h="370840">
+                <a:tc>
+                  <a:txBody>
+                    <a:bodyPr/>
+                    <a:lstStyle/>
+                    <a:p>
+                      <a:endParaRPr lang="en-GB" dirty="0"/>
+                    </a:p>
+                  </a:txBody>
+                  <a:tcPr anchor="ctr"/>
+                </a:tc>
+                <a:tc>
+                  <a:txBody>
+                    <a:bodyPr/>
+                    <a:lstStyle/>
+                    <a:p>
+                      <a:pPr algn="ctr"/>
+                      <a:r>
+                        <a:rPr lang="en-GB" dirty="0" smtClean="0"/>
+                        <a:t>10,327</a:t>
+                      </a:r>
+                      <a:endParaRPr lang="en-GB" dirty="0"/>
+                    </a:p>
+                  </a:txBody>
+                  <a:tcPr anchor="ctr"/>
+                </a:tc>
+                <a:tc>
+                  <a:txBody>
+                    <a:bodyPr/>
+                    <a:lstStyle/>
+                    <a:p>
+                      <a:pPr algn="ctr"/>
+                      <a:r>
+                        <a:rPr lang="en-GB" dirty="0" smtClean="0"/>
+                        <a:t>x</a:t>
+                      </a:r>
+                      <a:endParaRPr lang="en-GB" dirty="0"/>
+                    </a:p>
+                  </a:txBody>
+                  <a:tcPr anchor="ctr"/>
+                </a:tc>
+                <a:tc>
+                  <a:txBody>
+                    <a:bodyPr/>
+                    <a:lstStyle/>
+                    <a:p>
+                      <a:pPr algn="ctr"/>
+                      <a:r>
+                        <a:rPr lang="en-GB" dirty="0" smtClean="0"/>
+                        <a:t>x</a:t>
+                      </a:r>
+                      <a:endParaRPr lang="en-GB" dirty="0"/>
+                    </a:p>
+                  </a:txBody>
+                  <a:tcPr/>
+                </a:tc>
+                <a:tc>
+                  <a:txBody>
+                    <a:bodyPr/>
+                    <a:lstStyle/>
+                    <a:p>
+                      <a:pPr algn="ctr"/>
+                      <a:r>
+                        <a:rPr lang="en-GB" dirty="0" smtClean="0"/>
+                        <a:t>x</a:t>
+                      </a:r>
+                      <a:endParaRPr lang="en-GB" dirty="0"/>
+                    </a:p>
+                  </a:txBody>
+                  <a:tcPr/>
+                </a:tc>
+                <a:tc>
+                  <a:txBody>
+                    <a:bodyPr/>
+                    <a:lstStyle/>
+                    <a:p>
+                      <a:pPr algn="ctr"/>
+                      <a:endParaRPr lang="en-GB" dirty="0"/>
+                    </a:p>
+                  </a:txBody>
+                  <a:tcPr/>
+                </a:tc>
+                <a:extLst>
+                  <a:ext uri="{0D108BD9-81ED-4DB2-BD59-A6C34878D82A}">
+                    <a16:rowId xmlns:a16="http://schemas.microsoft.com/office/drawing/2014/main" val="10007"/>
+                  </a:ext>
+                </a:extLst>
+              </a:tr>
+              <a:tr h="370840">
+                <a:tc>
+                  <a:txBody>
+                    <a:bodyPr/>
+                    <a:lstStyle/>
+                    <a:p>
+                      <a:r>
+                        <a:rPr lang="en-GB" dirty="0" err="1" smtClean="0"/>
+                        <a:t>MSigDB</a:t>
+                      </a:r>
+                      <a:r>
+                        <a:rPr lang="en-GB" dirty="0" smtClean="0"/>
+                        <a:t> v6.0/c2</a:t>
+                      </a:r>
+                      <a:endParaRPr lang="en-GB" dirty="0"/>
+                    </a:p>
+                  </a:txBody>
+                  <a:tcPr/>
+                </a:tc>
+                <a:tc>
+                  <a:txBody>
+                    <a:bodyPr/>
+                    <a:lstStyle/>
+                    <a:p>
+                      <a:pPr algn="ctr"/>
+                      <a:r>
+                        <a:rPr lang="en-GB" dirty="0" smtClean="0"/>
+                        <a:t>4,731</a:t>
+                      </a:r>
+                      <a:endParaRPr lang="en-GB" dirty="0"/>
+                    </a:p>
+                  </a:txBody>
+                  <a:tcPr/>
+                </a:tc>
+                <a:tc>
+                  <a:txBody>
+                    <a:bodyPr/>
+                    <a:lstStyle/>
+                    <a:p>
+                      <a:pPr algn="ctr"/>
+                      <a:r>
+                        <a:rPr lang="en-GB" dirty="0" smtClean="0"/>
+                        <a:t>x</a:t>
+                      </a:r>
+                      <a:endParaRPr lang="en-GB" dirty="0"/>
+                    </a:p>
+                  </a:txBody>
+                  <a:tcPr/>
+                </a:tc>
+                <a:tc>
+                  <a:txBody>
+                    <a:bodyPr/>
+                    <a:lstStyle/>
+                    <a:p>
+                      <a:pPr algn="ctr"/>
+                      <a:r>
+                        <a:rPr lang="en-GB" dirty="0" smtClean="0"/>
+                        <a:t>x</a:t>
+                      </a:r>
+                      <a:endParaRPr lang="en-GB" dirty="0"/>
+                    </a:p>
+                  </a:txBody>
+                  <a:tcPr/>
+                </a:tc>
+                <a:tc>
+                  <a:txBody>
+                    <a:bodyPr/>
+                    <a:lstStyle/>
+                    <a:p>
+                      <a:pPr algn="ctr"/>
+                      <a:r>
+                        <a:rPr lang="en-GB" dirty="0" smtClean="0"/>
+                        <a:t>x</a:t>
+                      </a:r>
+                      <a:endParaRPr lang="en-GB" dirty="0"/>
+                    </a:p>
+                  </a:txBody>
+                  <a:tcPr/>
+                </a:tc>
+                <a:tc>
+                  <a:txBody>
+                    <a:bodyPr/>
+                    <a:lstStyle/>
+                    <a:p>
+                      <a:pPr algn="ctr"/>
+                      <a:endParaRPr lang="en-GB" dirty="0"/>
+                    </a:p>
+                  </a:txBody>
+                  <a:tcPr/>
+                </a:tc>
+                <a:extLst>
+                  <a:ext uri="{0D108BD9-81ED-4DB2-BD59-A6C34878D82A}">
+                    <a16:rowId xmlns:a16="http://schemas.microsoft.com/office/drawing/2014/main" val="10008"/>
+                  </a:ext>
+                </a:extLst>
+              </a:tr>
+              <a:tr h="370840">
+                <a:tc>
+                  <a:txBody>
+                    <a:bodyPr/>
+                    <a:lstStyle/>
+                    <a:p>
+                      <a:r>
+                        <a:rPr lang="en-GB" dirty="0" err="1" smtClean="0"/>
+                        <a:t>MSigDB</a:t>
+                      </a:r>
+                      <a:r>
+                        <a:rPr lang="en-GB" dirty="0" smtClean="0"/>
+                        <a:t> v6.0</a:t>
+                      </a:r>
+                      <a:endParaRPr lang="en-GB" dirty="0"/>
+                    </a:p>
+                  </a:txBody>
+                  <a:tcPr/>
+                </a:tc>
+                <a:tc>
+                  <a:txBody>
+                    <a:bodyPr/>
+                    <a:lstStyle/>
+                    <a:p>
+                      <a:pPr algn="ctr"/>
+                      <a:r>
+                        <a:rPr lang="en-GB" dirty="0" smtClean="0"/>
+                        <a:t>17,779</a:t>
+                      </a:r>
+                      <a:endParaRPr lang="en-GB" dirty="0"/>
+                    </a:p>
+                  </a:txBody>
+                  <a:tcPr/>
+                </a:tc>
+                <a:tc>
+                  <a:txBody>
+                    <a:bodyPr/>
+                    <a:lstStyle/>
+                    <a:p>
+                      <a:pPr algn="ctr"/>
+                      <a:r>
+                        <a:rPr lang="en-GB" dirty="0" smtClean="0"/>
+                        <a:t>x</a:t>
+                      </a:r>
+                      <a:endParaRPr lang="en-GB" dirty="0"/>
+                    </a:p>
+                  </a:txBody>
+                  <a:tcPr/>
+                </a:tc>
+                <a:tc>
+                  <a:txBody>
+                    <a:bodyPr/>
+                    <a:lstStyle/>
+                    <a:p>
+                      <a:pPr algn="ctr"/>
+                      <a:r>
+                        <a:rPr lang="en-GB" dirty="0" smtClean="0"/>
+                        <a:t>x</a:t>
+                      </a:r>
+                      <a:endParaRPr lang="en-GB" dirty="0"/>
+                    </a:p>
+                  </a:txBody>
+                  <a:tcPr/>
+                </a:tc>
+                <a:tc>
+                  <a:txBody>
+                    <a:bodyPr/>
+                    <a:lstStyle/>
+                    <a:p>
+                      <a:pPr algn="ctr"/>
+                      <a:endParaRPr lang="en-GB" dirty="0"/>
+                    </a:p>
+                  </a:txBody>
+                  <a:tcPr/>
+                </a:tc>
+                <a:tc>
+                  <a:txBody>
+                    <a:bodyPr/>
+                    <a:lstStyle/>
+                    <a:p>
+                      <a:pPr algn="ctr"/>
+                      <a:endParaRPr lang="en-GB" dirty="0"/>
+                    </a:p>
+                  </a:txBody>
+                  <a:tcPr/>
+                </a:tc>
+                <a:extLst>
+                  <a:ext uri="{0D108BD9-81ED-4DB2-BD59-A6C34878D82A}">
+                    <a16:rowId xmlns:a16="http://schemas.microsoft.com/office/drawing/2014/main" val="10009"/>
+                  </a:ext>
+                </a:extLst>
+              </a:tr>
+              <a:tr h="370840">
+                <a:tc>
+                  <a:txBody>
+                    <a:bodyPr/>
+                    <a:lstStyle/>
+                    <a:p>
+                      <a:r>
+                        <a:rPr lang="en-GB" dirty="0" smtClean="0"/>
+                        <a:t>depict</a:t>
+                      </a:r>
+                      <a:endParaRPr lang="en-GB" dirty="0"/>
+                    </a:p>
+                  </a:txBody>
+                  <a:tcPr/>
+                </a:tc>
+                <a:tc>
+                  <a:txBody>
+                    <a:bodyPr/>
+                    <a:lstStyle/>
+                    <a:p>
+                      <a:pPr algn="ctr"/>
+                      <a:r>
+                        <a:rPr lang="en-GB" dirty="0" smtClean="0"/>
+                        <a:t>10,968</a:t>
+                      </a:r>
+                      <a:endParaRPr lang="en-GB" dirty="0"/>
+                    </a:p>
+                  </a:txBody>
+                  <a:tcPr/>
+                </a:tc>
+                <a:tc>
+                  <a:txBody>
+                    <a:bodyPr/>
+                    <a:lstStyle/>
+                    <a:p>
+                      <a:pPr algn="ctr"/>
+                      <a:endParaRPr lang="en-GB" dirty="0"/>
+                    </a:p>
+                  </a:txBody>
+                  <a:tcPr/>
+                </a:tc>
+                <a:tc>
+                  <a:txBody>
+                    <a:bodyPr/>
+                    <a:lstStyle/>
+                    <a:p>
+                      <a:pPr algn="ctr"/>
+                      <a:endParaRPr lang="en-GB" dirty="0"/>
+                    </a:p>
+                  </a:txBody>
+                  <a:tcPr/>
+                </a:tc>
+                <a:tc>
+                  <a:txBody>
+                    <a:bodyPr/>
+                    <a:lstStyle/>
+                    <a:p>
+                      <a:pPr algn="ctr"/>
+                      <a:r>
+                        <a:rPr lang="en-GB" dirty="0" smtClean="0"/>
+                        <a:t>x</a:t>
+                      </a:r>
+                      <a:endParaRPr lang="en-GB" dirty="0"/>
+                    </a:p>
+                  </a:txBody>
+                  <a:tcPr/>
+                </a:tc>
+                <a:tc>
+                  <a:txBody>
+                    <a:bodyPr/>
+                    <a:lstStyle/>
+                    <a:p>
+                      <a:pPr algn="ctr"/>
+                      <a:r>
+                        <a:rPr lang="en-GB" dirty="0" smtClean="0"/>
+                        <a:t>x</a:t>
+                      </a:r>
+                      <a:endParaRPr lang="en-GB" dirty="0"/>
+                    </a:p>
+                  </a:txBody>
+                  <a:tcPr/>
+                </a:tc>
+                <a:extLst>
+                  <a:ext uri="{0D108BD9-81ED-4DB2-BD59-A6C34878D82A}">
+                    <a16:rowId xmlns:a16="http://schemas.microsoft.com/office/drawing/2014/main" val="10010"/>
+                  </a:ext>
+                </a:extLst>
+              </a:tr>
+              <a:tr h="370840">
+                <a:tc>
+                  <a:txBody>
+                    <a:bodyPr/>
+                    <a:lstStyle/>
+                    <a:p>
+                      <a:r>
+                        <a:rPr lang="en-GB" dirty="0" smtClean="0"/>
+                        <a:t>depict_discretized_cutoff3.2</a:t>
+                      </a:r>
+                      <a:endParaRPr lang="en-GB" dirty="0"/>
+                    </a:p>
+                  </a:txBody>
+                  <a:tcPr/>
+                </a:tc>
+                <a:tc>
+                  <a:txBody>
+                    <a:bodyPr/>
+                    <a:lstStyle/>
+                    <a:p>
+                      <a:pPr algn="ctr"/>
+                      <a:r>
+                        <a:rPr lang="en-GB" dirty="0" smtClean="0"/>
+                        <a:t>14,462</a:t>
+                      </a:r>
+                      <a:endParaRPr lang="en-GB" dirty="0"/>
+                    </a:p>
+                  </a:txBody>
+                  <a:tcPr/>
+                </a:tc>
+                <a:tc>
+                  <a:txBody>
+                    <a:bodyPr/>
+                    <a:lstStyle/>
+                    <a:p>
+                      <a:pPr algn="ctr"/>
+                      <a:r>
+                        <a:rPr lang="en-GB" dirty="0" smtClean="0"/>
+                        <a:t>x</a:t>
+                      </a:r>
+                      <a:endParaRPr lang="en-GB" dirty="0"/>
+                    </a:p>
+                  </a:txBody>
+                  <a:tcPr/>
+                </a:tc>
+                <a:tc>
+                  <a:txBody>
+                    <a:bodyPr/>
+                    <a:lstStyle/>
+                    <a:p>
+                      <a:pPr algn="ctr"/>
+                      <a:r>
+                        <a:rPr lang="en-GB" dirty="0" smtClean="0"/>
+                        <a:t>x</a:t>
+                      </a:r>
+                      <a:endParaRPr lang="en-GB" dirty="0"/>
+                    </a:p>
+                  </a:txBody>
+                  <a:tcPr/>
+                </a:tc>
+                <a:tc>
+                  <a:txBody>
+                    <a:bodyPr/>
+                    <a:lstStyle/>
+                    <a:p>
+                      <a:pPr algn="ctr"/>
+                      <a:r>
+                        <a:rPr lang="en-GB" dirty="0" smtClean="0"/>
+                        <a:t>x</a:t>
+                      </a:r>
+                      <a:endParaRPr lang="en-GB" dirty="0"/>
+                    </a:p>
+                  </a:txBody>
+                  <a:tcPr/>
+                </a:tc>
+                <a:tc>
+                  <a:txBody>
+                    <a:bodyPr/>
+                    <a:lstStyle/>
+                    <a:p>
+                      <a:pPr algn="ctr"/>
+                      <a:r>
+                        <a:rPr lang="en-GB" dirty="0" smtClean="0"/>
+                        <a:t>x</a:t>
+                      </a:r>
+                      <a:endParaRPr lang="en-GB" dirty="0"/>
+                    </a:p>
+                  </a:txBody>
+                  <a:tcPr/>
+                </a:tc>
+                <a:extLst>
+                  <a:ext uri="{0D108BD9-81ED-4DB2-BD59-A6C34878D82A}">
+                    <a16:rowId xmlns:a16="http://schemas.microsoft.com/office/drawing/2014/main" val="10011"/>
+                  </a:ext>
+                </a:extLst>
+              </a:tr>
+            </a:tbl>
+          </a:graphicData>
+        </a:graphic>
+      </p:graphicFrame>
+      <p:sp>
+        <p:nvSpPr>
+          <p:cNvPr id="7" name="Footer Placeholder 6"/>
           <p:cNvSpPr>
             <a:spLocks noGrp="1"/>
           </p:cNvSpPr>
@@ -7557,7 +8044,7 @@
       </p:sp>
       <p:sp>
         <p:nvSpPr>
-          <p:cNvPr id="7" name="Slide Number Placeholder 6"/>
+          <p:cNvPr id="8" name="Slide Number Placeholder 7"/>
           <p:cNvSpPr>
             <a:spLocks noGrp="1"/>
           </p:cNvSpPr>
@@ -7581,7 +8068,7 @@
     </p:spTree>
     <p:extLst>
       <p:ext uri="{BB962C8B-B14F-4D97-AF65-F5344CB8AC3E}">
-        <p14:creationId xmlns:p14="http://schemas.microsoft.com/office/powerpoint/2010/main" val="943105105"/>
+        <p14:creationId xmlns:p14="http://schemas.microsoft.com/office/powerpoint/2010/main" val="294310541"/>
       </p:ext>
     </p:extLst>
   </p:cSld>
@@ -7846,7 +8333,7 @@
   <a:extraClrSchemeLst/>
   <a:extLst>
     <a:ext uri="{05A4C25C-085E-4340-85A3-A5531E510DB2}">
-      <thm15:themeFamily xmlns:thm15="http://schemas.microsoft.com/office/thememl/2012/main" xmlns="" name="Office Theme" id="{62F939B6-93AF-4DB8-9C6B-D6C7DFDC589F}" vid="{4A3C46E8-61CC-4603-A589-7422A47A8E4A}"/>
+      <thm15:themeFamily xmlns:thm15="http://schemas.microsoft.com/office/thememl/2012/main" name="Office Theme" id="{62F939B6-93AF-4DB8-9C6B-D6C7DFDC589F}" vid="{4A3C46E8-61CC-4603-A589-7422A47A8E4A}"/>
     </a:ext>
   </a:extLst>
 </a:theme>

--- a/README.pptx
+++ b/README.pptx
@@ -120,7 +120,7 @@
   </p:defaultTextStyle>
   <p:extLst>
     <p:ext uri="{EFAFB233-063F-42B5-8137-9DF3F51BA10A}">
-      <p15:sldGuideLst xmlns:p15="http://schemas.microsoft.com/office/powerpoint/2012/main">
+      <p15:sldGuideLst xmlns:p15="http://schemas.microsoft.com/office/powerpoint/2012/main" xmlns="">
         <p15:guide id="1" orient="horz" pos="2160">
           <p15:clr>
             <a:srgbClr val="A4A3A4"/>
@@ -223,7 +223,7 @@
           <a:p>
             <a:fld id="{66B105AB-0F31-4E31-8256-7841B767E2AE}" type="datetimeFigureOut">
               <a:rPr lang="en-GB" smtClean="0"/>
-              <a:t>14/12/2017</a:t>
+              <a:t>16/12/2017</a:t>
             </a:fld>
             <a:endParaRPr lang="en-GB"/>
           </a:p>
@@ -622,7 +622,7 @@
           <a:p>
             <a:fld id="{0AF9AB42-7754-4A39-B895-9BE60049DFCC}" type="datetime1">
               <a:rPr lang="en-GB" smtClean="0"/>
-              <a:t>14/12/2017</a:t>
+              <a:t>16/12/2017</a:t>
             </a:fld>
             <a:endParaRPr lang="en-GB"/>
           </a:p>
@@ -796,7 +796,7 @@
           <a:p>
             <a:fld id="{C5FDF58E-A694-4923-8F74-566E8A32B1C7}" type="datetime1">
               <a:rPr lang="en-GB" smtClean="0"/>
-              <a:t>14/12/2017</a:t>
+              <a:t>16/12/2017</a:t>
             </a:fld>
             <a:endParaRPr lang="en-GB"/>
           </a:p>
@@ -980,7 +980,7 @@
           <a:p>
             <a:fld id="{CF68D6DF-1A30-4D8A-AD28-036908FB51B2}" type="datetime1">
               <a:rPr lang="en-GB" smtClean="0"/>
-              <a:t>14/12/2017</a:t>
+              <a:t>16/12/2017</a:t>
             </a:fld>
             <a:endParaRPr lang="en-GB"/>
           </a:p>
@@ -1154,7 +1154,7 @@
           <a:p>
             <a:fld id="{235352D1-08A9-4200-902D-1DD15FE1C897}" type="datetime1">
               <a:rPr lang="en-GB" smtClean="0"/>
-              <a:t>14/12/2017</a:t>
+              <a:t>16/12/2017</a:t>
             </a:fld>
             <a:endParaRPr lang="en-GB"/>
           </a:p>
@@ -1404,7 +1404,7 @@
           <a:p>
             <a:fld id="{BC1E5517-5DEB-4E83-8CC9-210D2FB0C171}" type="datetime1">
               <a:rPr lang="en-GB" smtClean="0"/>
-              <a:t>14/12/2017</a:t>
+              <a:t>16/12/2017</a:t>
             </a:fld>
             <a:endParaRPr lang="en-GB"/>
           </a:p>
@@ -1640,7 +1640,7 @@
           <a:p>
             <a:fld id="{6B54F2A8-ED5D-432B-8631-E3E5FE5C7B6C}" type="datetime1">
               <a:rPr lang="en-GB" smtClean="0"/>
-              <a:t>14/12/2017</a:t>
+              <a:t>16/12/2017</a:t>
             </a:fld>
             <a:endParaRPr lang="en-GB"/>
           </a:p>
@@ -2011,7 +2011,7 @@
           <a:p>
             <a:fld id="{71CC12EE-FF40-472C-8B7F-33B252D7C98B}" type="datetime1">
               <a:rPr lang="en-GB" smtClean="0"/>
-              <a:t>14/12/2017</a:t>
+              <a:t>16/12/2017</a:t>
             </a:fld>
             <a:endParaRPr lang="en-GB"/>
           </a:p>
@@ -2133,7 +2133,7 @@
           <a:p>
             <a:fld id="{C6B4B3F9-D2D6-4447-9135-E8F618E102B4}" type="datetime1">
               <a:rPr lang="en-GB" smtClean="0"/>
-              <a:t>14/12/2017</a:t>
+              <a:t>16/12/2017</a:t>
             </a:fld>
             <a:endParaRPr lang="en-GB"/>
           </a:p>
@@ -2232,7 +2232,7 @@
           <a:p>
             <a:fld id="{F61E7703-DFF0-48A9-BB88-68238BB724D2}" type="datetime1">
               <a:rPr lang="en-GB" smtClean="0"/>
-              <a:t>14/12/2017</a:t>
+              <a:t>16/12/2017</a:t>
             </a:fld>
             <a:endParaRPr lang="en-GB"/>
           </a:p>
@@ -2513,7 +2513,7 @@
           <a:p>
             <a:fld id="{C926F3A9-D135-485E-9A68-C7FCD6B30DAF}" type="datetime1">
               <a:rPr lang="en-GB" smtClean="0"/>
-              <a:t>14/12/2017</a:t>
+              <a:t>16/12/2017</a:t>
             </a:fld>
             <a:endParaRPr lang="en-GB"/>
           </a:p>
@@ -2774,7 +2774,7 @@
           <a:p>
             <a:fld id="{6001CE5A-4101-43EE-BFB2-58C7A7024D00}" type="datetime1">
               <a:rPr lang="en-GB" smtClean="0"/>
-              <a:t>14/12/2017</a:t>
+              <a:t>16/12/2017</a:t>
             </a:fld>
             <a:endParaRPr lang="en-GB"/>
           </a:p>
@@ -2991,7 +2991,7 @@
           <a:p>
             <a:fld id="{E124F8CC-8761-4124-A389-6C6DCCB38D99}" type="datetime1">
               <a:rPr lang="en-GB" smtClean="0"/>
-              <a:t>14/12/2017</a:t>
+              <a:t>16/12/2017</a:t>
             </a:fld>
             <a:endParaRPr lang="en-GB"/>
           </a:p>
@@ -3549,11 +3549,7 @@
             <a:pPr algn="ctr"/>
             <a:r>
               <a:rPr lang="en-GB" b="1" dirty="0" smtClean="0"/>
-              <a:t>Power </a:t>
-            </a:r>
-            <a:r>
-              <a:rPr lang="en-GB" b="1" dirty="0" smtClean="0"/>
-              <a:t>comparison using a benchmark</a:t>
+              <a:t>Power comparison using a benchmark</a:t>
             </a:r>
             <a:endParaRPr lang="en-GB" b="1" dirty="0"/>
           </a:p>
@@ -3588,42 +3584,42 @@
                 <a:gridCol w="2045766">
                   <a:extLst>
                     <a:ext uri="{9D8B030D-6E8A-4147-A177-3AD203B41FA5}">
-                      <a16:colId xmlns:a16="http://schemas.microsoft.com/office/drawing/2014/main" val="20000"/>
+                      <a16:colId xmlns:a16="http://schemas.microsoft.com/office/drawing/2014/main" xmlns="" val="20000"/>
                     </a:ext>
                   </a:extLst>
                 </a:gridCol>
                 <a:gridCol w="1108129">
                   <a:extLst>
                     <a:ext uri="{9D8B030D-6E8A-4147-A177-3AD203B41FA5}">
-                      <a16:colId xmlns:a16="http://schemas.microsoft.com/office/drawing/2014/main" val="20001"/>
+                      <a16:colId xmlns:a16="http://schemas.microsoft.com/office/drawing/2014/main" xmlns="" val="20001"/>
                     </a:ext>
                   </a:extLst>
                 </a:gridCol>
                 <a:gridCol w="1255362">
                   <a:extLst>
                     <a:ext uri="{9D8B030D-6E8A-4147-A177-3AD203B41FA5}">
-                      <a16:colId xmlns:a16="http://schemas.microsoft.com/office/drawing/2014/main" val="20002"/>
+                      <a16:colId xmlns:a16="http://schemas.microsoft.com/office/drawing/2014/main" xmlns="" val="20002"/>
                     </a:ext>
                   </a:extLst>
                 </a:gridCol>
                 <a:gridCol w="1622768">
                   <a:extLst>
                     <a:ext uri="{9D8B030D-6E8A-4147-A177-3AD203B41FA5}">
-                      <a16:colId xmlns:a16="http://schemas.microsoft.com/office/drawing/2014/main" val="20003"/>
+                      <a16:colId xmlns:a16="http://schemas.microsoft.com/office/drawing/2014/main" xmlns="" val="20003"/>
                     </a:ext>
                   </a:extLst>
                 </a:gridCol>
                 <a:gridCol w="2019334">
                   <a:extLst>
                     <a:ext uri="{9D8B030D-6E8A-4147-A177-3AD203B41FA5}">
-                      <a16:colId xmlns:a16="http://schemas.microsoft.com/office/drawing/2014/main" val="20004"/>
+                      <a16:colId xmlns:a16="http://schemas.microsoft.com/office/drawing/2014/main" xmlns="" val="20004"/>
                     </a:ext>
                   </a:extLst>
                 </a:gridCol>
                 <a:gridCol w="2154265">
                   <a:extLst>
                     <a:ext uri="{9D8B030D-6E8A-4147-A177-3AD203B41FA5}">
-                      <a16:colId xmlns:a16="http://schemas.microsoft.com/office/drawing/2014/main" val="20005"/>
+                      <a16:colId xmlns:a16="http://schemas.microsoft.com/office/drawing/2014/main" xmlns="" val="20005"/>
                     </a:ext>
                   </a:extLst>
                 </a:gridCol>
@@ -3891,7 +3887,7 @@
                 </a:tc>
                 <a:extLst>
                   <a:ext uri="{0D108BD9-81ED-4DB2-BD59-A6C34878D82A}">
-                    <a16:rowId xmlns:a16="http://schemas.microsoft.com/office/drawing/2014/main" val="10000"/>
+                    <a16:rowId xmlns:a16="http://schemas.microsoft.com/office/drawing/2014/main" xmlns="" val="10000"/>
                   </a:ext>
                 </a:extLst>
               </a:tr>
@@ -4072,7 +4068,7 @@
                 </a:tc>
                 <a:extLst>
                   <a:ext uri="{0D108BD9-81ED-4DB2-BD59-A6C34878D82A}">
-                    <a16:rowId xmlns:a16="http://schemas.microsoft.com/office/drawing/2014/main" val="10001"/>
+                    <a16:rowId xmlns:a16="http://schemas.microsoft.com/office/drawing/2014/main" xmlns="" val="10001"/>
                   </a:ext>
                 </a:extLst>
               </a:tr>
@@ -4253,7 +4249,7 @@
                 </a:tc>
                 <a:extLst>
                   <a:ext uri="{0D108BD9-81ED-4DB2-BD59-A6C34878D82A}">
-                    <a16:rowId xmlns:a16="http://schemas.microsoft.com/office/drawing/2014/main" val="10002"/>
+                    <a16:rowId xmlns:a16="http://schemas.microsoft.com/office/drawing/2014/main" xmlns="" val="10002"/>
                   </a:ext>
                 </a:extLst>
               </a:tr>
@@ -4440,7 +4436,7 @@
                 </a:tc>
                 <a:extLst>
                   <a:ext uri="{0D108BD9-81ED-4DB2-BD59-A6C34878D82A}">
-                    <a16:rowId xmlns:a16="http://schemas.microsoft.com/office/drawing/2014/main" val="10003"/>
+                    <a16:rowId xmlns:a16="http://schemas.microsoft.com/office/drawing/2014/main" xmlns="" val="10003"/>
                   </a:ext>
                 </a:extLst>
               </a:tr>
@@ -4627,7 +4623,7 @@
                 </a:tc>
                 <a:extLst>
                   <a:ext uri="{0D108BD9-81ED-4DB2-BD59-A6C34878D82A}">
-                    <a16:rowId xmlns:a16="http://schemas.microsoft.com/office/drawing/2014/main" val="10004"/>
+                    <a16:rowId xmlns:a16="http://schemas.microsoft.com/office/drawing/2014/main" xmlns="" val="10004"/>
                   </a:ext>
                 </a:extLst>
               </a:tr>
@@ -5207,7 +5203,6 @@
               <a:rPr lang="en-GB" dirty="0" smtClean="0"/>
               <a:t>facilitate setup of software. </a:t>
             </a:r>
-            <a:endParaRPr lang="en-GB" dirty="0" smtClean="0"/>
           </a:p>
           <a:p>
             <a:pPr lvl="1"/>
@@ -5217,11 +5212,7 @@
             <a:pPr lvl="1"/>
             <a:r>
               <a:rPr lang="en-GB" dirty="0" smtClean="0"/>
-              <a:t>accommodate </a:t>
-            </a:r>
-            <a:r>
-              <a:rPr lang="en-GB" dirty="0" smtClean="0"/>
-              <a:t>input of GWAS </a:t>
+              <a:t>accommodate input of GWAS </a:t>
             </a:r>
             <a:r>
               <a:rPr lang="en-GB" dirty="0"/>
@@ -5249,31 +5240,7 @@
             <a:pPr lvl="1"/>
             <a:r>
               <a:rPr lang="en-GB" dirty="0" smtClean="0"/>
-              <a:t>obtain additional statistics such </a:t>
-            </a:r>
-            <a:r>
-              <a:rPr lang="en-GB" dirty="0" smtClean="0"/>
-              <a:t>as FDR and </a:t>
-            </a:r>
-            <a:r>
-              <a:rPr lang="en-GB" dirty="0" smtClean="0"/>
-              <a:t>perform network </a:t>
-            </a:r>
-            <a:r>
-              <a:rPr lang="en-GB" dirty="0" smtClean="0"/>
-              <a:t>analysis, which could be </a:t>
-            </a:r>
-            <a:r>
-              <a:rPr lang="en-GB" dirty="0" smtClean="0"/>
-              <a:t>difficult </a:t>
-            </a:r>
-            <a:r>
-              <a:rPr lang="en-GB" dirty="0" smtClean="0"/>
-              <a:t>to users</a:t>
-            </a:r>
-            <a:r>
-              <a:rPr lang="en-GB" dirty="0" smtClean="0"/>
-              <a:t>.</a:t>
+              <a:t>obtain additional statistics such as FDR and perform network analysis, which could be difficult to users.</a:t>
             </a:r>
           </a:p>
           <a:p>
@@ -5594,21 +5561,21 @@
                 <a:gridCol w="5054600">
                   <a:extLst>
                     <a:ext uri="{9D8B030D-6E8A-4147-A177-3AD203B41FA5}">
-                      <a16:colId xmlns:a16="http://schemas.microsoft.com/office/drawing/2014/main" val="865145431"/>
+                      <a16:colId xmlns:a16="http://schemas.microsoft.com/office/drawing/2014/main" xmlns="" val="865145431"/>
                     </a:ext>
                   </a:extLst>
                 </a:gridCol>
                 <a:gridCol w="1955800">
                   <a:extLst>
                     <a:ext uri="{9D8B030D-6E8A-4147-A177-3AD203B41FA5}">
-                      <a16:colId xmlns:a16="http://schemas.microsoft.com/office/drawing/2014/main" val="2266813503"/>
+                      <a16:colId xmlns:a16="http://schemas.microsoft.com/office/drawing/2014/main" xmlns="" val="2266813503"/>
                     </a:ext>
                   </a:extLst>
                 </a:gridCol>
                 <a:gridCol w="3505200">
                   <a:extLst>
                     <a:ext uri="{9D8B030D-6E8A-4147-A177-3AD203B41FA5}">
-                      <a16:colId xmlns:a16="http://schemas.microsoft.com/office/drawing/2014/main" val="3616348924"/>
+                      <a16:colId xmlns:a16="http://schemas.microsoft.com/office/drawing/2014/main" xmlns="" val="3616348924"/>
                     </a:ext>
                   </a:extLst>
                 </a:gridCol>
@@ -5703,7 +5670,7 @@
                 </a:tc>
                 <a:extLst>
                   <a:ext uri="{0D108BD9-81ED-4DB2-BD59-A6C34878D82A}">
-                    <a16:rowId xmlns:a16="http://schemas.microsoft.com/office/drawing/2014/main" val="4029533971"/>
+                    <a16:rowId xmlns:a16="http://schemas.microsoft.com/office/drawing/2014/main" xmlns="" val="4029533971"/>
                   </a:ext>
                 </a:extLst>
               </a:tr>
@@ -5809,7 +5776,7 @@
                 </a:tc>
                 <a:extLst>
                   <a:ext uri="{0D108BD9-81ED-4DB2-BD59-A6C34878D82A}">
-                    <a16:rowId xmlns:a16="http://schemas.microsoft.com/office/drawing/2014/main" val="3242111933"/>
+                    <a16:rowId xmlns:a16="http://schemas.microsoft.com/office/drawing/2014/main" xmlns="" val="3242111933"/>
                   </a:ext>
                 </a:extLst>
               </a:tr>
@@ -5903,7 +5870,7 @@
                 </a:tc>
                 <a:extLst>
                   <a:ext uri="{0D108BD9-81ED-4DB2-BD59-A6C34878D82A}">
-                    <a16:rowId xmlns:a16="http://schemas.microsoft.com/office/drawing/2014/main" val="3758837373"/>
+                    <a16:rowId xmlns:a16="http://schemas.microsoft.com/office/drawing/2014/main" xmlns="" val="3758837373"/>
                   </a:ext>
                 </a:extLst>
               </a:tr>
@@ -6003,7 +5970,7 @@
                 </a:tc>
                 <a:extLst>
                   <a:ext uri="{0D108BD9-81ED-4DB2-BD59-A6C34878D82A}">
-                    <a16:rowId xmlns:a16="http://schemas.microsoft.com/office/drawing/2014/main" val="2712992702"/>
+                    <a16:rowId xmlns:a16="http://schemas.microsoft.com/office/drawing/2014/main" xmlns="" val="2712992702"/>
                   </a:ext>
                 </a:extLst>
               </a:tr>
@@ -6103,7 +6070,7 @@
                 </a:tc>
                 <a:extLst>
                   <a:ext uri="{0D108BD9-81ED-4DB2-BD59-A6C34878D82A}">
-                    <a16:rowId xmlns:a16="http://schemas.microsoft.com/office/drawing/2014/main" val="1529562622"/>
+                    <a16:rowId xmlns:a16="http://schemas.microsoft.com/office/drawing/2014/main" xmlns="" val="1529562622"/>
                   </a:ext>
                 </a:extLst>
               </a:tr>
@@ -6425,7 +6392,11 @@
             <a:pPr algn="ctr"/>
             <a:r>
               <a:rPr lang="en-US" b="1" dirty="0" smtClean="0"/>
-              <a:t>Issues which we have resolved</a:t>
+              <a:t>Issues </a:t>
+            </a:r>
+            <a:r>
+              <a:rPr lang="en-US" b="1" dirty="0" smtClean="0"/>
+              <a:t>resolved</a:t>
             </a:r>
             <a:endParaRPr lang="en-GB" b="1" dirty="0"/>
           </a:p>
@@ -6448,30 +6419,96 @@
           <a:p>
             <a:pPr lvl="1"/>
             <a:r>
+              <a:rPr lang="en-GB" dirty="0" smtClean="0"/>
+              <a:t>R</a:t>
+            </a:r>
+          </a:p>
+          <a:p>
+            <a:pPr lvl="2"/>
+            <a:r>
               <a:rPr lang="en-GB" dirty="0"/>
-              <a:t>MAGENTA is in </a:t>
-            </a:r>
-            <a:r>
-              <a:rPr lang="en-GB" dirty="0" err="1"/>
-              <a:t>Matlab</a:t>
+              <a:t>export R_LIBS=/genetics/bin/R:/</a:t>
+            </a:r>
+            <a:r>
+              <a:rPr lang="en-GB" dirty="0" smtClean="0"/>
+              <a:t>usr/local/lib64/R/library</a:t>
+            </a:r>
+            <a:endParaRPr lang="en-GB" dirty="0" smtClean="0"/>
+          </a:p>
+          <a:p>
+            <a:pPr lvl="1"/>
+            <a:r>
+              <a:rPr lang="en-GB" dirty="0" smtClean="0"/>
+              <a:t>MAGENTA </a:t>
             </a:r>
             <a:r>
               <a:rPr lang="en-GB" dirty="0"/>
-              <a:t> and largely requires user copy and interactive use.</a:t>
-            </a:r>
+              <a:t>is </a:t>
+            </a:r>
+            <a:r>
+              <a:rPr lang="en-GB"/>
+              <a:t>in </a:t>
+            </a:r>
+            <a:r>
+              <a:rPr lang="en-GB" smtClean="0"/>
+              <a:t>MATLAB </a:t>
+            </a:r>
+            <a:r>
+              <a:rPr lang="en-GB" dirty="0"/>
+              <a:t>and largely requires user copy and interactive use</a:t>
+            </a:r>
+            <a:r>
+              <a:rPr lang="en-GB" dirty="0" smtClean="0"/>
+              <a:t>.</a:t>
+            </a:r>
+          </a:p>
+          <a:p>
+            <a:pPr lvl="2"/>
+            <a:r>
+              <a:rPr lang="en-GB" dirty="0" smtClean="0"/>
+              <a:t>compiled version  to be explored</a:t>
+            </a:r>
+            <a:endParaRPr lang="en-GB" dirty="0"/>
           </a:p>
           <a:p>
             <a:pPr lvl="1"/>
             <a:r>
               <a:rPr lang="en-GB" dirty="0"/>
-              <a:t>DEPICT would needs user-specific setup of Python.</a:t>
-            </a:r>
+              <a:t>DEPICT would needs user-specific setup of Python</a:t>
+            </a:r>
+            <a:r>
+              <a:rPr lang="en-GB" dirty="0" smtClean="0"/>
+              <a:t>.</a:t>
+            </a:r>
+          </a:p>
+          <a:p>
+            <a:pPr lvl="2"/>
+            <a:r>
+              <a:rPr lang="en-GB" dirty="0"/>
+              <a:t>export path=/genetics/bin/anaconda2/bin:$PATH</a:t>
+            </a:r>
+          </a:p>
+          <a:p>
+            <a:pPr lvl="2"/>
+            <a:r>
+              <a:rPr lang="en-GB" dirty="0"/>
+              <a:t>export PYTHONPATH=/</a:t>
+            </a:r>
+            <a:r>
+              <a:rPr lang="en-GB" dirty="0" smtClean="0"/>
+              <a:t>genetics/data/software/lib/python2.7/site-packages</a:t>
+            </a:r>
+            <a:endParaRPr lang="en-GB" dirty="0" smtClean="0"/>
           </a:p>
           <a:p>
             <a:pPr lvl="1"/>
             <a:r>
+              <a:rPr lang="en-GB" dirty="0" smtClean="0"/>
+              <a:t>PASCAL </a:t>
+            </a:r>
+            <a:r>
               <a:rPr lang="en-GB" dirty="0"/>
-              <a:t>PASCAL needs a more recent version of </a:t>
+              <a:t>needs a more recent version of </a:t>
             </a:r>
             <a:r>
               <a:rPr lang="en-GB" dirty="0" err="1"/>
@@ -6486,7 +6523,34 @@
             <a:pPr lvl="1"/>
             <a:r>
               <a:rPr lang="en-GB" dirty="0"/>
-              <a:t>MAGENTA and PASCAL could be very time-consuming and are ideally run on clusters.</a:t>
+              <a:t>MAGENTA and PASCAL could be very time-consuming and are ideally run on clusters</a:t>
+            </a:r>
+            <a:r>
+              <a:rPr lang="en-GB" dirty="0" smtClean="0"/>
+              <a:t>.</a:t>
+            </a:r>
+          </a:p>
+          <a:p>
+            <a:pPr lvl="2"/>
+            <a:r>
+              <a:rPr lang="en-GB" dirty="0" err="1" smtClean="0"/>
+              <a:t>qsub</a:t>
+            </a:r>
+            <a:r>
+              <a:rPr lang="en-GB" dirty="0" smtClean="0"/>
+              <a:t>  </a:t>
+            </a:r>
+            <a:r>
+              <a:rPr lang="en-GB" dirty="0"/>
+              <a:t>-</a:t>
+            </a:r>
+            <a:r>
+              <a:rPr lang="en-GB" dirty="0" err="1"/>
+              <a:t>pe</a:t>
+            </a:r>
+            <a:r>
+              <a:rPr lang="en-GB" dirty="0"/>
+              <a:t> make -5</a:t>
             </a:r>
             <a:endParaRPr lang="en-GB" dirty="0"/>
           </a:p>
@@ -6615,7 +6679,15 @@
             </a:r>
             <a:r>
               <a:rPr lang="en-US" dirty="0" smtClean="0"/>
-              <a:t>. Multiple precision flag, when set it will handle very large |z| for which the P-value is zero and –log10(P) infinity.</a:t>
+              <a:t>. Multiple precision flag, </a:t>
+            </a:r>
+            <a:r>
+              <a:rPr lang="en-US" dirty="0" smtClean="0"/>
+              <a:t>at least for DEPICT when </a:t>
+            </a:r>
+            <a:r>
+              <a:rPr lang="en-US" dirty="0" smtClean="0"/>
+              <a:t>set it will handle very large |z| for which the P-value is zero and –log10(P) infinity.</a:t>
             </a:r>
           </a:p>
           <a:p>
@@ -6747,11 +6819,7 @@
             <a:pPr algn="ctr"/>
             <a:r>
               <a:rPr lang="en-GB" b="1" dirty="0" smtClean="0"/>
-              <a:t>Features of </a:t>
-            </a:r>
-            <a:r>
-              <a:rPr lang="en-GB" b="1" dirty="0" smtClean="0"/>
-              <a:t>individual software</a:t>
+              <a:t>Features of individual software</a:t>
             </a:r>
             <a:endParaRPr lang="en-GB" b="1" dirty="0"/>
           </a:p>
@@ -6955,42 +7023,42 @@
                 <a:gridCol w="2974383">
                   <a:extLst>
                     <a:ext uri="{9D8B030D-6E8A-4147-A177-3AD203B41FA5}">
-                      <a16:colId xmlns:a16="http://schemas.microsoft.com/office/drawing/2014/main" val="20000"/>
+                      <a16:colId xmlns:a16="http://schemas.microsoft.com/office/drawing/2014/main" xmlns="" val="20000"/>
                     </a:ext>
                   </a:extLst>
                 </a:gridCol>
                 <a:gridCol w="968644">
                   <a:extLst>
                     <a:ext uri="{9D8B030D-6E8A-4147-A177-3AD203B41FA5}">
-                      <a16:colId xmlns:a16="http://schemas.microsoft.com/office/drawing/2014/main" val="20001"/>
+                      <a16:colId xmlns:a16="http://schemas.microsoft.com/office/drawing/2014/main" xmlns="" val="20001"/>
                     </a:ext>
                   </a:extLst>
                 </a:gridCol>
                 <a:gridCol w="1433593">
                   <a:extLst>
                     <a:ext uri="{9D8B030D-6E8A-4147-A177-3AD203B41FA5}">
-                      <a16:colId xmlns:a16="http://schemas.microsoft.com/office/drawing/2014/main" val="20002"/>
+                      <a16:colId xmlns:a16="http://schemas.microsoft.com/office/drawing/2014/main" xmlns="" val="20002"/>
                     </a:ext>
                   </a:extLst>
                 </a:gridCol>
                 <a:gridCol w="1836549">
                   <a:extLst>
                     <a:ext uri="{9D8B030D-6E8A-4147-A177-3AD203B41FA5}">
-                      <a16:colId xmlns:a16="http://schemas.microsoft.com/office/drawing/2014/main" val="20003"/>
+                      <a16:colId xmlns:a16="http://schemas.microsoft.com/office/drawing/2014/main" xmlns="" val="20003"/>
                     </a:ext>
                   </a:extLst>
                 </a:gridCol>
                 <a:gridCol w="1455185">
                   <a:extLst>
                     <a:ext uri="{9D8B030D-6E8A-4147-A177-3AD203B41FA5}">
-                      <a16:colId xmlns:a16="http://schemas.microsoft.com/office/drawing/2014/main" val="20004"/>
+                      <a16:colId xmlns:a16="http://schemas.microsoft.com/office/drawing/2014/main" xmlns="" val="20004"/>
                     </a:ext>
                   </a:extLst>
                 </a:gridCol>
                 <a:gridCol w="1847246">
                   <a:extLst>
                     <a:ext uri="{9D8B030D-6E8A-4147-A177-3AD203B41FA5}">
-                      <a16:colId xmlns:a16="http://schemas.microsoft.com/office/drawing/2014/main" val="20005"/>
+                      <a16:colId xmlns:a16="http://schemas.microsoft.com/office/drawing/2014/main" xmlns="" val="20005"/>
                     </a:ext>
                   </a:extLst>
                 </a:gridCol>
@@ -7083,7 +7151,7 @@
                 </a:tc>
                 <a:extLst>
                   <a:ext uri="{0D108BD9-81ED-4DB2-BD59-A6C34878D82A}">
-                    <a16:rowId xmlns:a16="http://schemas.microsoft.com/office/drawing/2014/main" val="10000"/>
+                    <a16:rowId xmlns:a16="http://schemas.microsoft.com/office/drawing/2014/main" xmlns="" val="10000"/>
                   </a:ext>
                 </a:extLst>
               </a:tr>
@@ -7161,7 +7229,7 @@
                 </a:tc>
                 <a:extLst>
                   <a:ext uri="{0D108BD9-81ED-4DB2-BD59-A6C34878D82A}">
-                    <a16:rowId xmlns:a16="http://schemas.microsoft.com/office/drawing/2014/main" val="10001"/>
+                    <a16:rowId xmlns:a16="http://schemas.microsoft.com/office/drawing/2014/main" xmlns="" val="10001"/>
                   </a:ext>
                 </a:extLst>
               </a:tr>
@@ -7239,7 +7307,7 @@
                 </a:tc>
                 <a:extLst>
                   <a:ext uri="{0D108BD9-81ED-4DB2-BD59-A6C34878D82A}">
-                    <a16:rowId xmlns:a16="http://schemas.microsoft.com/office/drawing/2014/main" val="10002"/>
+                    <a16:rowId xmlns:a16="http://schemas.microsoft.com/office/drawing/2014/main" xmlns="" val="10002"/>
                   </a:ext>
                 </a:extLst>
               </a:tr>
@@ -7317,7 +7385,7 @@
                 </a:tc>
                 <a:extLst>
                   <a:ext uri="{0D108BD9-81ED-4DB2-BD59-A6C34878D82A}">
-                    <a16:rowId xmlns:a16="http://schemas.microsoft.com/office/drawing/2014/main" val="10003"/>
+                    <a16:rowId xmlns:a16="http://schemas.microsoft.com/office/drawing/2014/main" xmlns="" val="10003"/>
                   </a:ext>
                 </a:extLst>
               </a:tr>
@@ -7395,7 +7463,7 @@
                 </a:tc>
                 <a:extLst>
                   <a:ext uri="{0D108BD9-81ED-4DB2-BD59-A6C34878D82A}">
-                    <a16:rowId xmlns:a16="http://schemas.microsoft.com/office/drawing/2014/main" val="10004"/>
+                    <a16:rowId xmlns:a16="http://schemas.microsoft.com/office/drawing/2014/main" xmlns="" val="10004"/>
                   </a:ext>
                 </a:extLst>
               </a:tr>
@@ -7473,7 +7541,7 @@
                 </a:tc>
                 <a:extLst>
                   <a:ext uri="{0D108BD9-81ED-4DB2-BD59-A6C34878D82A}">
-                    <a16:rowId xmlns:a16="http://schemas.microsoft.com/office/drawing/2014/main" val="10005"/>
+                    <a16:rowId xmlns:a16="http://schemas.microsoft.com/office/drawing/2014/main" xmlns="" val="10005"/>
                   </a:ext>
                 </a:extLst>
               </a:tr>
@@ -7551,7 +7619,7 @@
                 </a:tc>
                 <a:extLst>
                   <a:ext uri="{0D108BD9-81ED-4DB2-BD59-A6C34878D82A}">
-                    <a16:rowId xmlns:a16="http://schemas.microsoft.com/office/drawing/2014/main" val="10006"/>
+                    <a16:rowId xmlns:a16="http://schemas.microsoft.com/office/drawing/2014/main" xmlns="" val="10006"/>
                   </a:ext>
                 </a:extLst>
               </a:tr>
@@ -7639,7 +7707,7 @@
                 </a:tc>
                 <a:extLst>
                   <a:ext uri="{0D108BD9-81ED-4DB2-BD59-A6C34878D82A}">
-                    <a16:rowId xmlns:a16="http://schemas.microsoft.com/office/drawing/2014/main" val="10007"/>
+                    <a16:rowId xmlns:a16="http://schemas.microsoft.com/office/drawing/2014/main" xmlns="" val="10007"/>
                   </a:ext>
                 </a:extLst>
               </a:tr>
@@ -7735,7 +7803,7 @@
                 </a:tc>
                 <a:extLst>
                   <a:ext uri="{0D108BD9-81ED-4DB2-BD59-A6C34878D82A}">
-                    <a16:rowId xmlns:a16="http://schemas.microsoft.com/office/drawing/2014/main" val="10008"/>
+                    <a16:rowId xmlns:a16="http://schemas.microsoft.com/office/drawing/2014/main" xmlns="" val="10008"/>
                   </a:ext>
                 </a:extLst>
               </a:tr>
@@ -7827,7 +7895,7 @@
                 </a:tc>
                 <a:extLst>
                   <a:ext uri="{0D108BD9-81ED-4DB2-BD59-A6C34878D82A}">
-                    <a16:rowId xmlns:a16="http://schemas.microsoft.com/office/drawing/2014/main" val="10009"/>
+                    <a16:rowId xmlns:a16="http://schemas.microsoft.com/office/drawing/2014/main" xmlns="" val="10009"/>
                   </a:ext>
                 </a:extLst>
               </a:tr>
@@ -7915,7 +7983,7 @@
                 </a:tc>
                 <a:extLst>
                   <a:ext uri="{0D108BD9-81ED-4DB2-BD59-A6C34878D82A}">
-                    <a16:rowId xmlns:a16="http://schemas.microsoft.com/office/drawing/2014/main" val="10010"/>
+                    <a16:rowId xmlns:a16="http://schemas.microsoft.com/office/drawing/2014/main" xmlns="" val="10010"/>
                   </a:ext>
                 </a:extLst>
               </a:tr>
@@ -8011,7 +8079,7 @@
                 </a:tc>
                 <a:extLst>
                   <a:ext uri="{0D108BD9-81ED-4DB2-BD59-A6C34878D82A}">
-                    <a16:rowId xmlns:a16="http://schemas.microsoft.com/office/drawing/2014/main" val="10011"/>
+                    <a16:rowId xmlns:a16="http://schemas.microsoft.com/office/drawing/2014/main" xmlns="" val="10011"/>
                   </a:ext>
                 </a:extLst>
               </a:tr>
@@ -8333,7 +8401,7 @@
   <a:extraClrSchemeLst/>
   <a:extLst>
     <a:ext uri="{05A4C25C-085E-4340-85A3-A5531E510DB2}">
-      <thm15:themeFamily xmlns:thm15="http://schemas.microsoft.com/office/thememl/2012/main" name="Office Theme" id="{62F939B6-93AF-4DB8-9C6B-D6C7DFDC589F}" vid="{4A3C46E8-61CC-4603-A589-7422A47A8E4A}"/>
+      <thm15:themeFamily xmlns:thm15="http://schemas.microsoft.com/office/thememl/2012/main" xmlns="" name="Office Theme" id="{62F939B6-93AF-4DB8-9C6B-D6C7DFDC589F}" vid="{4A3C46E8-61CC-4603-A589-7422A47A8E4A}"/>
     </a:ext>
   </a:extLst>
 </a:theme>

--- a/README.pptx
+++ b/README.pptx
@@ -120,7 +120,7 @@
   </p:defaultTextStyle>
   <p:extLst>
     <p:ext uri="{EFAFB233-063F-42B5-8137-9DF3F51BA10A}">
-      <p15:sldGuideLst xmlns:p15="http://schemas.microsoft.com/office/powerpoint/2012/main" xmlns="">
+      <p15:sldGuideLst xmlns="" xmlns:p15="http://schemas.microsoft.com/office/powerpoint/2012/main">
         <p15:guide id="1" orient="horz" pos="2160">
           <p15:clr>
             <a:srgbClr val="A4A3A4"/>
@@ -3584,42 +3584,42 @@
                 <a:gridCol w="2045766">
                   <a:extLst>
                     <a:ext uri="{9D8B030D-6E8A-4147-A177-3AD203B41FA5}">
-                      <a16:colId xmlns:a16="http://schemas.microsoft.com/office/drawing/2014/main" xmlns="" val="20000"/>
+                      <a16:colId xmlns="" xmlns:a16="http://schemas.microsoft.com/office/drawing/2014/main" val="20000"/>
                     </a:ext>
                   </a:extLst>
                 </a:gridCol>
                 <a:gridCol w="1108129">
                   <a:extLst>
                     <a:ext uri="{9D8B030D-6E8A-4147-A177-3AD203B41FA5}">
-                      <a16:colId xmlns:a16="http://schemas.microsoft.com/office/drawing/2014/main" xmlns="" val="20001"/>
+                      <a16:colId xmlns="" xmlns:a16="http://schemas.microsoft.com/office/drawing/2014/main" val="20001"/>
                     </a:ext>
                   </a:extLst>
                 </a:gridCol>
                 <a:gridCol w="1255362">
                   <a:extLst>
                     <a:ext uri="{9D8B030D-6E8A-4147-A177-3AD203B41FA5}">
-                      <a16:colId xmlns:a16="http://schemas.microsoft.com/office/drawing/2014/main" xmlns="" val="20002"/>
+                      <a16:colId xmlns="" xmlns:a16="http://schemas.microsoft.com/office/drawing/2014/main" val="20002"/>
                     </a:ext>
                   </a:extLst>
                 </a:gridCol>
                 <a:gridCol w="1622768">
                   <a:extLst>
                     <a:ext uri="{9D8B030D-6E8A-4147-A177-3AD203B41FA5}">
-                      <a16:colId xmlns:a16="http://schemas.microsoft.com/office/drawing/2014/main" xmlns="" val="20003"/>
+                      <a16:colId xmlns="" xmlns:a16="http://schemas.microsoft.com/office/drawing/2014/main" val="20003"/>
                     </a:ext>
                   </a:extLst>
                 </a:gridCol>
                 <a:gridCol w="2019334">
                   <a:extLst>
                     <a:ext uri="{9D8B030D-6E8A-4147-A177-3AD203B41FA5}">
-                      <a16:colId xmlns:a16="http://schemas.microsoft.com/office/drawing/2014/main" xmlns="" val="20004"/>
+                      <a16:colId xmlns="" xmlns:a16="http://schemas.microsoft.com/office/drawing/2014/main" val="20004"/>
                     </a:ext>
                   </a:extLst>
                 </a:gridCol>
                 <a:gridCol w="2154265">
                   <a:extLst>
                     <a:ext uri="{9D8B030D-6E8A-4147-A177-3AD203B41FA5}">
-                      <a16:colId xmlns:a16="http://schemas.microsoft.com/office/drawing/2014/main" xmlns="" val="20005"/>
+                      <a16:colId xmlns="" xmlns:a16="http://schemas.microsoft.com/office/drawing/2014/main" val="20005"/>
                     </a:ext>
                   </a:extLst>
                 </a:gridCol>
@@ -3887,7 +3887,7 @@
                 </a:tc>
                 <a:extLst>
                   <a:ext uri="{0D108BD9-81ED-4DB2-BD59-A6C34878D82A}">
-                    <a16:rowId xmlns:a16="http://schemas.microsoft.com/office/drawing/2014/main" xmlns="" val="10000"/>
+                    <a16:rowId xmlns="" xmlns:a16="http://schemas.microsoft.com/office/drawing/2014/main" val="10000"/>
                   </a:ext>
                 </a:extLst>
               </a:tr>
@@ -4068,7 +4068,7 @@
                 </a:tc>
                 <a:extLst>
                   <a:ext uri="{0D108BD9-81ED-4DB2-BD59-A6C34878D82A}">
-                    <a16:rowId xmlns:a16="http://schemas.microsoft.com/office/drawing/2014/main" xmlns="" val="10001"/>
+                    <a16:rowId xmlns="" xmlns:a16="http://schemas.microsoft.com/office/drawing/2014/main" val="10001"/>
                   </a:ext>
                 </a:extLst>
               </a:tr>
@@ -4249,7 +4249,7 @@
                 </a:tc>
                 <a:extLst>
                   <a:ext uri="{0D108BD9-81ED-4DB2-BD59-A6C34878D82A}">
-                    <a16:rowId xmlns:a16="http://schemas.microsoft.com/office/drawing/2014/main" xmlns="" val="10002"/>
+                    <a16:rowId xmlns="" xmlns:a16="http://schemas.microsoft.com/office/drawing/2014/main" val="10002"/>
                   </a:ext>
                 </a:extLst>
               </a:tr>
@@ -4436,7 +4436,7 @@
                 </a:tc>
                 <a:extLst>
                   <a:ext uri="{0D108BD9-81ED-4DB2-BD59-A6C34878D82A}">
-                    <a16:rowId xmlns:a16="http://schemas.microsoft.com/office/drawing/2014/main" xmlns="" val="10003"/>
+                    <a16:rowId xmlns="" xmlns:a16="http://schemas.microsoft.com/office/drawing/2014/main" val="10003"/>
                   </a:ext>
                 </a:extLst>
               </a:tr>
@@ -4623,7 +4623,7 @@
                 </a:tc>
                 <a:extLst>
                   <a:ext uri="{0D108BD9-81ED-4DB2-BD59-A6C34878D82A}">
-                    <a16:rowId xmlns:a16="http://schemas.microsoft.com/office/drawing/2014/main" xmlns="" val="10004"/>
+                    <a16:rowId xmlns="" xmlns:a16="http://schemas.microsoft.com/office/drawing/2014/main" val="10004"/>
                   </a:ext>
                 </a:extLst>
               </a:tr>
@@ -5561,21 +5561,21 @@
                 <a:gridCol w="5054600">
                   <a:extLst>
                     <a:ext uri="{9D8B030D-6E8A-4147-A177-3AD203B41FA5}">
-                      <a16:colId xmlns:a16="http://schemas.microsoft.com/office/drawing/2014/main" xmlns="" val="865145431"/>
+                      <a16:colId xmlns="" xmlns:a16="http://schemas.microsoft.com/office/drawing/2014/main" val="865145431"/>
                     </a:ext>
                   </a:extLst>
                 </a:gridCol>
                 <a:gridCol w="1955800">
                   <a:extLst>
                     <a:ext uri="{9D8B030D-6E8A-4147-A177-3AD203B41FA5}">
-                      <a16:colId xmlns:a16="http://schemas.microsoft.com/office/drawing/2014/main" xmlns="" val="2266813503"/>
+                      <a16:colId xmlns="" xmlns:a16="http://schemas.microsoft.com/office/drawing/2014/main" val="2266813503"/>
                     </a:ext>
                   </a:extLst>
                 </a:gridCol>
                 <a:gridCol w="3505200">
                   <a:extLst>
                     <a:ext uri="{9D8B030D-6E8A-4147-A177-3AD203B41FA5}">
-                      <a16:colId xmlns:a16="http://schemas.microsoft.com/office/drawing/2014/main" xmlns="" val="3616348924"/>
+                      <a16:colId xmlns="" xmlns:a16="http://schemas.microsoft.com/office/drawing/2014/main" val="3616348924"/>
                     </a:ext>
                   </a:extLst>
                 </a:gridCol>
@@ -5670,7 +5670,7 @@
                 </a:tc>
                 <a:extLst>
                   <a:ext uri="{0D108BD9-81ED-4DB2-BD59-A6C34878D82A}">
-                    <a16:rowId xmlns:a16="http://schemas.microsoft.com/office/drawing/2014/main" xmlns="" val="4029533971"/>
+                    <a16:rowId xmlns="" xmlns:a16="http://schemas.microsoft.com/office/drawing/2014/main" val="4029533971"/>
                   </a:ext>
                 </a:extLst>
               </a:tr>
@@ -5776,7 +5776,7 @@
                 </a:tc>
                 <a:extLst>
                   <a:ext uri="{0D108BD9-81ED-4DB2-BD59-A6C34878D82A}">
-                    <a16:rowId xmlns:a16="http://schemas.microsoft.com/office/drawing/2014/main" xmlns="" val="3242111933"/>
+                    <a16:rowId xmlns="" xmlns:a16="http://schemas.microsoft.com/office/drawing/2014/main" val="3242111933"/>
                   </a:ext>
                 </a:extLst>
               </a:tr>
@@ -5870,7 +5870,7 @@
                 </a:tc>
                 <a:extLst>
                   <a:ext uri="{0D108BD9-81ED-4DB2-BD59-A6C34878D82A}">
-                    <a16:rowId xmlns:a16="http://schemas.microsoft.com/office/drawing/2014/main" xmlns="" val="3758837373"/>
+                    <a16:rowId xmlns="" xmlns:a16="http://schemas.microsoft.com/office/drawing/2014/main" val="3758837373"/>
                   </a:ext>
                 </a:extLst>
               </a:tr>
@@ -5970,7 +5970,7 @@
                 </a:tc>
                 <a:extLst>
                   <a:ext uri="{0D108BD9-81ED-4DB2-BD59-A6C34878D82A}">
-                    <a16:rowId xmlns:a16="http://schemas.microsoft.com/office/drawing/2014/main" xmlns="" val="2712992702"/>
+                    <a16:rowId xmlns="" xmlns:a16="http://schemas.microsoft.com/office/drawing/2014/main" val="2712992702"/>
                   </a:ext>
                 </a:extLst>
               </a:tr>
@@ -6070,7 +6070,7 @@
                 </a:tc>
                 <a:extLst>
                   <a:ext uri="{0D108BD9-81ED-4DB2-BD59-A6C34878D82A}">
-                    <a16:rowId xmlns:a16="http://schemas.microsoft.com/office/drawing/2014/main" xmlns="" val="1529562622"/>
+                    <a16:rowId xmlns="" xmlns:a16="http://schemas.microsoft.com/office/drawing/2014/main" val="1529562622"/>
                   </a:ext>
                 </a:extLst>
               </a:tr>
@@ -6392,11 +6392,7 @@
             <a:pPr algn="ctr"/>
             <a:r>
               <a:rPr lang="en-US" b="1" dirty="0" smtClean="0"/>
-              <a:t>Issues </a:t>
-            </a:r>
-            <a:r>
-              <a:rPr lang="en-US" b="1" dirty="0" smtClean="0"/>
-              <a:t>resolved</a:t>
+              <a:t>Issues resolved</a:t>
             </a:r>
             <a:endParaRPr lang="en-GB" b="1" dirty="0"/>
           </a:p>
@@ -6433,7 +6429,6 @@
               <a:rPr lang="en-GB" dirty="0" smtClean="0"/>
               <a:t>usr/local/lib64/R/library</a:t>
             </a:r>
-            <a:endParaRPr lang="en-GB" dirty="0" smtClean="0"/>
           </a:p>
           <a:p>
             <a:pPr lvl="1"/>
@@ -6443,14 +6438,10 @@
             </a:r>
             <a:r>
               <a:rPr lang="en-GB" dirty="0"/>
-              <a:t>is </a:t>
-            </a:r>
-            <a:r>
-              <a:rPr lang="en-GB"/>
-              <a:t>in </a:t>
-            </a:r>
-            <a:r>
-              <a:rPr lang="en-GB" smtClean="0"/>
+              <a:t>is in </a:t>
+            </a:r>
+            <a:r>
+              <a:rPr lang="en-GB" dirty="0" smtClean="0"/>
               <a:t>MATLAB </a:t>
             </a:r>
             <a:r>
@@ -6491,12 +6482,12 @@
           <a:p>
             <a:pPr lvl="2"/>
             <a:r>
-              <a:rPr lang="en-GB" dirty="0"/>
-              <a:t>export PYTHONPATH=/</a:t>
-            </a:r>
-            <a:r>
-              <a:rPr lang="en-GB" dirty="0" smtClean="0"/>
-              <a:t>genetics/data/software/lib/python2.7/site-packages</a:t>
+              <a:rPr lang="en-GB"/>
+              <a:t>export </a:t>
+            </a:r>
+            <a:r>
+              <a:rPr lang="en-GB"/>
+              <a:t>PYTHONPATH=/genetics/bin/anaconda2/lib/python2.7/site-packages</a:t>
             </a:r>
             <a:endParaRPr lang="en-GB" dirty="0" smtClean="0"/>
           </a:p>
@@ -6552,7 +6543,6 @@
               <a:rPr lang="en-GB" dirty="0"/>
               <a:t> make -5</a:t>
             </a:r>
-            <a:endParaRPr lang="en-GB" dirty="0"/>
           </a:p>
         </p:txBody>
       </p:sp>
@@ -6679,15 +6669,7 @@
             </a:r>
             <a:r>
               <a:rPr lang="en-US" dirty="0" smtClean="0"/>
-              <a:t>. Multiple precision flag, </a:t>
-            </a:r>
-            <a:r>
-              <a:rPr lang="en-US" dirty="0" smtClean="0"/>
-              <a:t>at least for DEPICT when </a:t>
-            </a:r>
-            <a:r>
-              <a:rPr lang="en-US" dirty="0" smtClean="0"/>
-              <a:t>set it will handle very large |z| for which the P-value is zero and –log10(P) infinity.</a:t>
+              <a:t>. Multiple precision flag, at least for DEPICT when set it will handle very large |z| for which the P-value is zero and –log10(P) infinity.</a:t>
             </a:r>
           </a:p>
           <a:p>
@@ -7023,42 +7005,42 @@
                 <a:gridCol w="2974383">
                   <a:extLst>
                     <a:ext uri="{9D8B030D-6E8A-4147-A177-3AD203B41FA5}">
-                      <a16:colId xmlns:a16="http://schemas.microsoft.com/office/drawing/2014/main" xmlns="" val="20000"/>
+                      <a16:colId xmlns="" xmlns:a16="http://schemas.microsoft.com/office/drawing/2014/main" val="20000"/>
                     </a:ext>
                   </a:extLst>
                 </a:gridCol>
                 <a:gridCol w="968644">
                   <a:extLst>
                     <a:ext uri="{9D8B030D-6E8A-4147-A177-3AD203B41FA5}">
-                      <a16:colId xmlns:a16="http://schemas.microsoft.com/office/drawing/2014/main" xmlns="" val="20001"/>
+                      <a16:colId xmlns="" xmlns:a16="http://schemas.microsoft.com/office/drawing/2014/main" val="20001"/>
                     </a:ext>
                   </a:extLst>
                 </a:gridCol>
                 <a:gridCol w="1433593">
                   <a:extLst>
                     <a:ext uri="{9D8B030D-6E8A-4147-A177-3AD203B41FA5}">
-                      <a16:colId xmlns:a16="http://schemas.microsoft.com/office/drawing/2014/main" xmlns="" val="20002"/>
+                      <a16:colId xmlns="" xmlns:a16="http://schemas.microsoft.com/office/drawing/2014/main" val="20002"/>
                     </a:ext>
                   </a:extLst>
                 </a:gridCol>
                 <a:gridCol w="1836549">
                   <a:extLst>
                     <a:ext uri="{9D8B030D-6E8A-4147-A177-3AD203B41FA5}">
-                      <a16:colId xmlns:a16="http://schemas.microsoft.com/office/drawing/2014/main" xmlns="" val="20003"/>
+                      <a16:colId xmlns="" xmlns:a16="http://schemas.microsoft.com/office/drawing/2014/main" val="20003"/>
                     </a:ext>
                   </a:extLst>
                 </a:gridCol>
                 <a:gridCol w="1455185">
                   <a:extLst>
                     <a:ext uri="{9D8B030D-6E8A-4147-A177-3AD203B41FA5}">
-                      <a16:colId xmlns:a16="http://schemas.microsoft.com/office/drawing/2014/main" xmlns="" val="20004"/>
+                      <a16:colId xmlns="" xmlns:a16="http://schemas.microsoft.com/office/drawing/2014/main" val="20004"/>
                     </a:ext>
                   </a:extLst>
                 </a:gridCol>
                 <a:gridCol w="1847246">
                   <a:extLst>
                     <a:ext uri="{9D8B030D-6E8A-4147-A177-3AD203B41FA5}">
-                      <a16:colId xmlns:a16="http://schemas.microsoft.com/office/drawing/2014/main" xmlns="" val="20005"/>
+                      <a16:colId xmlns="" xmlns:a16="http://schemas.microsoft.com/office/drawing/2014/main" val="20005"/>
                     </a:ext>
                   </a:extLst>
                 </a:gridCol>
@@ -7151,7 +7133,7 @@
                 </a:tc>
                 <a:extLst>
                   <a:ext uri="{0D108BD9-81ED-4DB2-BD59-A6C34878D82A}">
-                    <a16:rowId xmlns:a16="http://schemas.microsoft.com/office/drawing/2014/main" xmlns="" val="10000"/>
+                    <a16:rowId xmlns="" xmlns:a16="http://schemas.microsoft.com/office/drawing/2014/main" val="10000"/>
                   </a:ext>
                 </a:extLst>
               </a:tr>
@@ -7229,7 +7211,7 @@
                 </a:tc>
                 <a:extLst>
                   <a:ext uri="{0D108BD9-81ED-4DB2-BD59-A6C34878D82A}">
-                    <a16:rowId xmlns:a16="http://schemas.microsoft.com/office/drawing/2014/main" xmlns="" val="10001"/>
+                    <a16:rowId xmlns="" xmlns:a16="http://schemas.microsoft.com/office/drawing/2014/main" val="10001"/>
                   </a:ext>
                 </a:extLst>
               </a:tr>
@@ -7307,7 +7289,7 @@
                 </a:tc>
                 <a:extLst>
                   <a:ext uri="{0D108BD9-81ED-4DB2-BD59-A6C34878D82A}">
-                    <a16:rowId xmlns:a16="http://schemas.microsoft.com/office/drawing/2014/main" xmlns="" val="10002"/>
+                    <a16:rowId xmlns="" xmlns:a16="http://schemas.microsoft.com/office/drawing/2014/main" val="10002"/>
                   </a:ext>
                 </a:extLst>
               </a:tr>
@@ -7385,7 +7367,7 @@
                 </a:tc>
                 <a:extLst>
                   <a:ext uri="{0D108BD9-81ED-4DB2-BD59-A6C34878D82A}">
-                    <a16:rowId xmlns:a16="http://schemas.microsoft.com/office/drawing/2014/main" xmlns="" val="10003"/>
+                    <a16:rowId xmlns="" xmlns:a16="http://schemas.microsoft.com/office/drawing/2014/main" val="10003"/>
                   </a:ext>
                 </a:extLst>
               </a:tr>
@@ -7463,7 +7445,7 @@
                 </a:tc>
                 <a:extLst>
                   <a:ext uri="{0D108BD9-81ED-4DB2-BD59-A6C34878D82A}">
-                    <a16:rowId xmlns:a16="http://schemas.microsoft.com/office/drawing/2014/main" xmlns="" val="10004"/>
+                    <a16:rowId xmlns="" xmlns:a16="http://schemas.microsoft.com/office/drawing/2014/main" val="10004"/>
                   </a:ext>
                 </a:extLst>
               </a:tr>
@@ -7541,7 +7523,7 @@
                 </a:tc>
                 <a:extLst>
                   <a:ext uri="{0D108BD9-81ED-4DB2-BD59-A6C34878D82A}">
-                    <a16:rowId xmlns:a16="http://schemas.microsoft.com/office/drawing/2014/main" xmlns="" val="10005"/>
+                    <a16:rowId xmlns="" xmlns:a16="http://schemas.microsoft.com/office/drawing/2014/main" val="10005"/>
                   </a:ext>
                 </a:extLst>
               </a:tr>
@@ -7619,7 +7601,7 @@
                 </a:tc>
                 <a:extLst>
                   <a:ext uri="{0D108BD9-81ED-4DB2-BD59-A6C34878D82A}">
-                    <a16:rowId xmlns:a16="http://schemas.microsoft.com/office/drawing/2014/main" xmlns="" val="10006"/>
+                    <a16:rowId xmlns="" xmlns:a16="http://schemas.microsoft.com/office/drawing/2014/main" val="10006"/>
                   </a:ext>
                 </a:extLst>
               </a:tr>
@@ -7707,7 +7689,7 @@
                 </a:tc>
                 <a:extLst>
                   <a:ext uri="{0D108BD9-81ED-4DB2-BD59-A6C34878D82A}">
-                    <a16:rowId xmlns:a16="http://schemas.microsoft.com/office/drawing/2014/main" xmlns="" val="10007"/>
+                    <a16:rowId xmlns="" xmlns:a16="http://schemas.microsoft.com/office/drawing/2014/main" val="10007"/>
                   </a:ext>
                 </a:extLst>
               </a:tr>
@@ -7803,7 +7785,7 @@
                 </a:tc>
                 <a:extLst>
                   <a:ext uri="{0D108BD9-81ED-4DB2-BD59-A6C34878D82A}">
-                    <a16:rowId xmlns:a16="http://schemas.microsoft.com/office/drawing/2014/main" xmlns="" val="10008"/>
+                    <a16:rowId xmlns="" xmlns:a16="http://schemas.microsoft.com/office/drawing/2014/main" val="10008"/>
                   </a:ext>
                 </a:extLst>
               </a:tr>
@@ -7895,7 +7877,7 @@
                 </a:tc>
                 <a:extLst>
                   <a:ext uri="{0D108BD9-81ED-4DB2-BD59-A6C34878D82A}">
-                    <a16:rowId xmlns:a16="http://schemas.microsoft.com/office/drawing/2014/main" xmlns="" val="10009"/>
+                    <a16:rowId xmlns="" xmlns:a16="http://schemas.microsoft.com/office/drawing/2014/main" val="10009"/>
                   </a:ext>
                 </a:extLst>
               </a:tr>
@@ -7983,7 +7965,7 @@
                 </a:tc>
                 <a:extLst>
                   <a:ext uri="{0D108BD9-81ED-4DB2-BD59-A6C34878D82A}">
-                    <a16:rowId xmlns:a16="http://schemas.microsoft.com/office/drawing/2014/main" xmlns="" val="10010"/>
+                    <a16:rowId xmlns="" xmlns:a16="http://schemas.microsoft.com/office/drawing/2014/main" val="10010"/>
                   </a:ext>
                 </a:extLst>
               </a:tr>
@@ -8079,7 +8061,7 @@
                 </a:tc>
                 <a:extLst>
                   <a:ext uri="{0D108BD9-81ED-4DB2-BD59-A6C34878D82A}">
-                    <a16:rowId xmlns:a16="http://schemas.microsoft.com/office/drawing/2014/main" xmlns="" val="10011"/>
+                    <a16:rowId xmlns="" xmlns:a16="http://schemas.microsoft.com/office/drawing/2014/main" val="10011"/>
                   </a:ext>
                 </a:extLst>
               </a:tr>
@@ -8401,7 +8383,7 @@
   <a:extraClrSchemeLst/>
   <a:extLst>
     <a:ext uri="{05A4C25C-085E-4340-85A3-A5531E510DB2}">
-      <thm15:themeFamily xmlns:thm15="http://schemas.microsoft.com/office/thememl/2012/main" xmlns="" name="Office Theme" id="{62F939B6-93AF-4DB8-9C6B-D6C7DFDC589F}" vid="{4A3C46E8-61CC-4603-A589-7422A47A8E4A}"/>
+      <thm15:themeFamily xmlns="" xmlns:thm15="http://schemas.microsoft.com/office/thememl/2012/main" name="Office Theme" id="{62F939B6-93AF-4DB8-9C6B-D6C7DFDC589F}" vid="{4A3C46E8-61CC-4603-A589-7422A47A8E4A}"/>
     </a:ext>
   </a:extLst>
 </a:theme>

--- a/README.pptx
+++ b/README.pptx
@@ -120,7 +120,7 @@
   </p:defaultTextStyle>
   <p:extLst>
     <p:ext uri="{EFAFB233-063F-42B5-8137-9DF3F51BA10A}">
-      <p15:sldGuideLst xmlns="" xmlns:p15="http://schemas.microsoft.com/office/powerpoint/2012/main">
+      <p15:sldGuideLst xmlns:p15="http://schemas.microsoft.com/office/powerpoint/2012/main" xmlns="">
         <p15:guide id="1" orient="horz" pos="2160">
           <p15:clr>
             <a:srgbClr val="A4A3A4"/>
@@ -3572,7 +3572,7 @@
         </p:nvGraphicFramePr>
         <p:xfrm>
           <a:off x="993188" y="1973946"/>
-          <a:ext cx="10205624" cy="3257864"/>
+          <a:ext cx="10205624" cy="3239322"/>
         </p:xfrm>
         <a:graphic>
           <a:graphicData uri="http://schemas.openxmlformats.org/drawingml/2006/table">
@@ -3584,42 +3584,42 @@
                 <a:gridCol w="2045766">
                   <a:extLst>
                     <a:ext uri="{9D8B030D-6E8A-4147-A177-3AD203B41FA5}">
-                      <a16:colId xmlns="" xmlns:a16="http://schemas.microsoft.com/office/drawing/2014/main" val="20000"/>
+                      <a16:colId xmlns:a16="http://schemas.microsoft.com/office/drawing/2014/main" xmlns="" val="20000"/>
                     </a:ext>
                   </a:extLst>
                 </a:gridCol>
                 <a:gridCol w="1108129">
                   <a:extLst>
                     <a:ext uri="{9D8B030D-6E8A-4147-A177-3AD203B41FA5}">
-                      <a16:colId xmlns="" xmlns:a16="http://schemas.microsoft.com/office/drawing/2014/main" val="20001"/>
+                      <a16:colId xmlns:a16="http://schemas.microsoft.com/office/drawing/2014/main" xmlns="" val="20001"/>
                     </a:ext>
                   </a:extLst>
                 </a:gridCol>
                 <a:gridCol w="1255362">
                   <a:extLst>
                     <a:ext uri="{9D8B030D-6E8A-4147-A177-3AD203B41FA5}">
-                      <a16:colId xmlns="" xmlns:a16="http://schemas.microsoft.com/office/drawing/2014/main" val="20002"/>
+                      <a16:colId xmlns:a16="http://schemas.microsoft.com/office/drawing/2014/main" xmlns="" val="20002"/>
                     </a:ext>
                   </a:extLst>
                 </a:gridCol>
                 <a:gridCol w="1622768">
                   <a:extLst>
                     <a:ext uri="{9D8B030D-6E8A-4147-A177-3AD203B41FA5}">
-                      <a16:colId xmlns="" xmlns:a16="http://schemas.microsoft.com/office/drawing/2014/main" val="20003"/>
+                      <a16:colId xmlns:a16="http://schemas.microsoft.com/office/drawing/2014/main" xmlns="" val="20003"/>
                     </a:ext>
                   </a:extLst>
                 </a:gridCol>
                 <a:gridCol w="2019334">
                   <a:extLst>
                     <a:ext uri="{9D8B030D-6E8A-4147-A177-3AD203B41FA5}">
-                      <a16:colId xmlns="" xmlns:a16="http://schemas.microsoft.com/office/drawing/2014/main" val="20004"/>
+                      <a16:colId xmlns:a16="http://schemas.microsoft.com/office/drawing/2014/main" xmlns="" val="20004"/>
                     </a:ext>
                   </a:extLst>
                 </a:gridCol>
                 <a:gridCol w="2154265">
                   <a:extLst>
                     <a:ext uri="{9D8B030D-6E8A-4147-A177-3AD203B41FA5}">
-                      <a16:colId xmlns="" xmlns:a16="http://schemas.microsoft.com/office/drawing/2014/main" val="20005"/>
+                      <a16:colId xmlns:a16="http://schemas.microsoft.com/office/drawing/2014/main" xmlns="" val="20005"/>
                     </a:ext>
                   </a:extLst>
                 </a:gridCol>
@@ -3887,7 +3887,7 @@
                 </a:tc>
                 <a:extLst>
                   <a:ext uri="{0D108BD9-81ED-4DB2-BD59-A6C34878D82A}">
-                    <a16:rowId xmlns="" xmlns:a16="http://schemas.microsoft.com/office/drawing/2014/main" val="10000"/>
+                    <a16:rowId xmlns:a16="http://schemas.microsoft.com/office/drawing/2014/main" xmlns="" val="10000"/>
                   </a:ext>
                 </a:extLst>
               </a:tr>
@@ -4068,7 +4068,7 @@
                 </a:tc>
                 <a:extLst>
                   <a:ext uri="{0D108BD9-81ED-4DB2-BD59-A6C34878D82A}">
-                    <a16:rowId xmlns="" xmlns:a16="http://schemas.microsoft.com/office/drawing/2014/main" val="10001"/>
+                    <a16:rowId xmlns:a16="http://schemas.microsoft.com/office/drawing/2014/main" xmlns="" val="10001"/>
                   </a:ext>
                 </a:extLst>
               </a:tr>
@@ -4249,7 +4249,7 @@
                 </a:tc>
                 <a:extLst>
                   <a:ext uri="{0D108BD9-81ED-4DB2-BD59-A6C34878D82A}">
-                    <a16:rowId xmlns="" xmlns:a16="http://schemas.microsoft.com/office/drawing/2014/main" val="10002"/>
+                    <a16:rowId xmlns:a16="http://schemas.microsoft.com/office/drawing/2014/main" xmlns="" val="10002"/>
                   </a:ext>
                 </a:extLst>
               </a:tr>
@@ -4436,7 +4436,7 @@
                 </a:tc>
                 <a:extLst>
                   <a:ext uri="{0D108BD9-81ED-4DB2-BD59-A6C34878D82A}">
-                    <a16:rowId xmlns="" xmlns:a16="http://schemas.microsoft.com/office/drawing/2014/main" val="10003"/>
+                    <a16:rowId xmlns:a16="http://schemas.microsoft.com/office/drawing/2014/main" xmlns="" val="10003"/>
                   </a:ext>
                 </a:extLst>
               </a:tr>
@@ -4623,7 +4623,7 @@
                 </a:tc>
                 <a:extLst>
                   <a:ext uri="{0D108BD9-81ED-4DB2-BD59-A6C34878D82A}">
-                    <a16:rowId xmlns="" xmlns:a16="http://schemas.microsoft.com/office/drawing/2014/main" val="10004"/>
+                    <a16:rowId xmlns:a16="http://schemas.microsoft.com/office/drawing/2014/main" xmlns="" val="10004"/>
                   </a:ext>
                 </a:extLst>
               </a:tr>
@@ -5561,21 +5561,21 @@
                 <a:gridCol w="5054600">
                   <a:extLst>
                     <a:ext uri="{9D8B030D-6E8A-4147-A177-3AD203B41FA5}">
-                      <a16:colId xmlns="" xmlns:a16="http://schemas.microsoft.com/office/drawing/2014/main" val="865145431"/>
+                      <a16:colId xmlns:a16="http://schemas.microsoft.com/office/drawing/2014/main" xmlns="" val="865145431"/>
                     </a:ext>
                   </a:extLst>
                 </a:gridCol>
                 <a:gridCol w="1955800">
                   <a:extLst>
                     <a:ext uri="{9D8B030D-6E8A-4147-A177-3AD203B41FA5}">
-                      <a16:colId xmlns="" xmlns:a16="http://schemas.microsoft.com/office/drawing/2014/main" val="2266813503"/>
+                      <a16:colId xmlns:a16="http://schemas.microsoft.com/office/drawing/2014/main" xmlns="" val="2266813503"/>
                     </a:ext>
                   </a:extLst>
                 </a:gridCol>
                 <a:gridCol w="3505200">
                   <a:extLst>
                     <a:ext uri="{9D8B030D-6E8A-4147-A177-3AD203B41FA5}">
-                      <a16:colId xmlns="" xmlns:a16="http://schemas.microsoft.com/office/drawing/2014/main" val="3616348924"/>
+                      <a16:colId xmlns:a16="http://schemas.microsoft.com/office/drawing/2014/main" xmlns="" val="3616348924"/>
                     </a:ext>
                   </a:extLst>
                 </a:gridCol>
@@ -5670,7 +5670,7 @@
                 </a:tc>
                 <a:extLst>
                   <a:ext uri="{0D108BD9-81ED-4DB2-BD59-A6C34878D82A}">
-                    <a16:rowId xmlns="" xmlns:a16="http://schemas.microsoft.com/office/drawing/2014/main" val="4029533971"/>
+                    <a16:rowId xmlns:a16="http://schemas.microsoft.com/office/drawing/2014/main" xmlns="" val="4029533971"/>
                   </a:ext>
                 </a:extLst>
               </a:tr>
@@ -5776,7 +5776,7 @@
                 </a:tc>
                 <a:extLst>
                   <a:ext uri="{0D108BD9-81ED-4DB2-BD59-A6C34878D82A}">
-                    <a16:rowId xmlns="" xmlns:a16="http://schemas.microsoft.com/office/drawing/2014/main" val="3242111933"/>
+                    <a16:rowId xmlns:a16="http://schemas.microsoft.com/office/drawing/2014/main" xmlns="" val="3242111933"/>
                   </a:ext>
                 </a:extLst>
               </a:tr>
@@ -5870,7 +5870,7 @@
                 </a:tc>
                 <a:extLst>
                   <a:ext uri="{0D108BD9-81ED-4DB2-BD59-A6C34878D82A}">
-                    <a16:rowId xmlns="" xmlns:a16="http://schemas.microsoft.com/office/drawing/2014/main" val="3758837373"/>
+                    <a16:rowId xmlns:a16="http://schemas.microsoft.com/office/drawing/2014/main" xmlns="" val="3758837373"/>
                   </a:ext>
                 </a:extLst>
               </a:tr>
@@ -5970,7 +5970,7 @@
                 </a:tc>
                 <a:extLst>
                   <a:ext uri="{0D108BD9-81ED-4DB2-BD59-A6C34878D82A}">
-                    <a16:rowId xmlns="" xmlns:a16="http://schemas.microsoft.com/office/drawing/2014/main" val="2712992702"/>
+                    <a16:rowId xmlns:a16="http://schemas.microsoft.com/office/drawing/2014/main" xmlns="" val="2712992702"/>
                   </a:ext>
                 </a:extLst>
               </a:tr>
@@ -6070,7 +6070,7 @@
                 </a:tc>
                 <a:extLst>
                   <a:ext uri="{0D108BD9-81ED-4DB2-BD59-A6C34878D82A}">
-                    <a16:rowId xmlns="" xmlns:a16="http://schemas.microsoft.com/office/drawing/2014/main" val="1529562622"/>
+                    <a16:rowId xmlns:a16="http://schemas.microsoft.com/office/drawing/2014/main" xmlns="" val="1529562622"/>
                   </a:ext>
                 </a:extLst>
               </a:tr>
@@ -6457,7 +6457,19 @@
             <a:pPr lvl="2"/>
             <a:r>
               <a:rPr lang="en-GB" dirty="0" smtClean="0"/>
-              <a:t>compiled version  to be explored</a:t>
+              <a:t>compiled </a:t>
+            </a:r>
+            <a:r>
+              <a:rPr lang="en-GB" smtClean="0"/>
+              <a:t>version </a:t>
+            </a:r>
+            <a:r>
+              <a:rPr lang="en-GB" smtClean="0"/>
+              <a:t>to </a:t>
+            </a:r>
+            <a:r>
+              <a:rPr lang="en-GB" dirty="0" smtClean="0"/>
+              <a:t>be explored</a:t>
             </a:r>
             <a:endParaRPr lang="en-GB" dirty="0"/>
           </a:p>
@@ -6482,12 +6494,8 @@
           <a:p>
             <a:pPr lvl="2"/>
             <a:r>
-              <a:rPr lang="en-GB"/>
-              <a:t>export </a:t>
-            </a:r>
-            <a:r>
-              <a:rPr lang="en-GB"/>
-              <a:t>PYTHONPATH=/genetics/bin/anaconda2/lib/python2.7/site-packages</a:t>
+              <a:rPr lang="en-GB" dirty="0"/>
+              <a:t>export PYTHONPATH=/genetics/bin/anaconda2/lib/python2.7/site-packages</a:t>
             </a:r>
             <a:endParaRPr lang="en-GB" dirty="0" smtClean="0"/>
           </a:p>
@@ -7005,42 +7013,42 @@
                 <a:gridCol w="2974383">
                   <a:extLst>
                     <a:ext uri="{9D8B030D-6E8A-4147-A177-3AD203B41FA5}">
-                      <a16:colId xmlns="" xmlns:a16="http://schemas.microsoft.com/office/drawing/2014/main" val="20000"/>
+                      <a16:colId xmlns:a16="http://schemas.microsoft.com/office/drawing/2014/main" xmlns="" val="20000"/>
                     </a:ext>
                   </a:extLst>
                 </a:gridCol>
                 <a:gridCol w="968644">
                   <a:extLst>
                     <a:ext uri="{9D8B030D-6E8A-4147-A177-3AD203B41FA5}">
-                      <a16:colId xmlns="" xmlns:a16="http://schemas.microsoft.com/office/drawing/2014/main" val="20001"/>
+                      <a16:colId xmlns:a16="http://schemas.microsoft.com/office/drawing/2014/main" xmlns="" val="20001"/>
                     </a:ext>
                   </a:extLst>
                 </a:gridCol>
                 <a:gridCol w="1433593">
                   <a:extLst>
                     <a:ext uri="{9D8B030D-6E8A-4147-A177-3AD203B41FA5}">
-                      <a16:colId xmlns="" xmlns:a16="http://schemas.microsoft.com/office/drawing/2014/main" val="20002"/>
+                      <a16:colId xmlns:a16="http://schemas.microsoft.com/office/drawing/2014/main" xmlns="" val="20002"/>
                     </a:ext>
                   </a:extLst>
                 </a:gridCol>
                 <a:gridCol w="1836549">
                   <a:extLst>
                     <a:ext uri="{9D8B030D-6E8A-4147-A177-3AD203B41FA5}">
-                      <a16:colId xmlns="" xmlns:a16="http://schemas.microsoft.com/office/drawing/2014/main" val="20003"/>
+                      <a16:colId xmlns:a16="http://schemas.microsoft.com/office/drawing/2014/main" xmlns="" val="20003"/>
                     </a:ext>
                   </a:extLst>
                 </a:gridCol>
                 <a:gridCol w="1455185">
                   <a:extLst>
                     <a:ext uri="{9D8B030D-6E8A-4147-A177-3AD203B41FA5}">
-                      <a16:colId xmlns="" xmlns:a16="http://schemas.microsoft.com/office/drawing/2014/main" val="20004"/>
+                      <a16:colId xmlns:a16="http://schemas.microsoft.com/office/drawing/2014/main" xmlns="" val="20004"/>
                     </a:ext>
                   </a:extLst>
                 </a:gridCol>
                 <a:gridCol w="1847246">
                   <a:extLst>
                     <a:ext uri="{9D8B030D-6E8A-4147-A177-3AD203B41FA5}">
-                      <a16:colId xmlns="" xmlns:a16="http://schemas.microsoft.com/office/drawing/2014/main" val="20005"/>
+                      <a16:colId xmlns:a16="http://schemas.microsoft.com/office/drawing/2014/main" xmlns="" val="20005"/>
                     </a:ext>
                   </a:extLst>
                 </a:gridCol>
@@ -7133,7 +7141,7 @@
                 </a:tc>
                 <a:extLst>
                   <a:ext uri="{0D108BD9-81ED-4DB2-BD59-A6C34878D82A}">
-                    <a16:rowId xmlns="" xmlns:a16="http://schemas.microsoft.com/office/drawing/2014/main" val="10000"/>
+                    <a16:rowId xmlns:a16="http://schemas.microsoft.com/office/drawing/2014/main" xmlns="" val="10000"/>
                   </a:ext>
                 </a:extLst>
               </a:tr>
@@ -7211,7 +7219,7 @@
                 </a:tc>
                 <a:extLst>
                   <a:ext uri="{0D108BD9-81ED-4DB2-BD59-A6C34878D82A}">
-                    <a16:rowId xmlns="" xmlns:a16="http://schemas.microsoft.com/office/drawing/2014/main" val="10001"/>
+                    <a16:rowId xmlns:a16="http://schemas.microsoft.com/office/drawing/2014/main" xmlns="" val="10001"/>
                   </a:ext>
                 </a:extLst>
               </a:tr>
@@ -7289,7 +7297,7 @@
                 </a:tc>
                 <a:extLst>
                   <a:ext uri="{0D108BD9-81ED-4DB2-BD59-A6C34878D82A}">
-                    <a16:rowId xmlns="" xmlns:a16="http://schemas.microsoft.com/office/drawing/2014/main" val="10002"/>
+                    <a16:rowId xmlns:a16="http://schemas.microsoft.com/office/drawing/2014/main" xmlns="" val="10002"/>
                   </a:ext>
                 </a:extLst>
               </a:tr>
@@ -7367,7 +7375,7 @@
                 </a:tc>
                 <a:extLst>
                   <a:ext uri="{0D108BD9-81ED-4DB2-BD59-A6C34878D82A}">
-                    <a16:rowId xmlns="" xmlns:a16="http://schemas.microsoft.com/office/drawing/2014/main" val="10003"/>
+                    <a16:rowId xmlns:a16="http://schemas.microsoft.com/office/drawing/2014/main" xmlns="" val="10003"/>
                   </a:ext>
                 </a:extLst>
               </a:tr>
@@ -7445,7 +7453,7 @@
                 </a:tc>
                 <a:extLst>
                   <a:ext uri="{0D108BD9-81ED-4DB2-BD59-A6C34878D82A}">
-                    <a16:rowId xmlns="" xmlns:a16="http://schemas.microsoft.com/office/drawing/2014/main" val="10004"/>
+                    <a16:rowId xmlns:a16="http://schemas.microsoft.com/office/drawing/2014/main" xmlns="" val="10004"/>
                   </a:ext>
                 </a:extLst>
               </a:tr>
@@ -7523,7 +7531,7 @@
                 </a:tc>
                 <a:extLst>
                   <a:ext uri="{0D108BD9-81ED-4DB2-BD59-A6C34878D82A}">
-                    <a16:rowId xmlns="" xmlns:a16="http://schemas.microsoft.com/office/drawing/2014/main" val="10005"/>
+                    <a16:rowId xmlns:a16="http://schemas.microsoft.com/office/drawing/2014/main" xmlns="" val="10005"/>
                   </a:ext>
                 </a:extLst>
               </a:tr>
@@ -7601,7 +7609,7 @@
                 </a:tc>
                 <a:extLst>
                   <a:ext uri="{0D108BD9-81ED-4DB2-BD59-A6C34878D82A}">
-                    <a16:rowId xmlns="" xmlns:a16="http://schemas.microsoft.com/office/drawing/2014/main" val="10006"/>
+                    <a16:rowId xmlns:a16="http://schemas.microsoft.com/office/drawing/2014/main" xmlns="" val="10006"/>
                   </a:ext>
                 </a:extLst>
               </a:tr>
@@ -7689,7 +7697,7 @@
                 </a:tc>
                 <a:extLst>
                   <a:ext uri="{0D108BD9-81ED-4DB2-BD59-A6C34878D82A}">
-                    <a16:rowId xmlns="" xmlns:a16="http://schemas.microsoft.com/office/drawing/2014/main" val="10007"/>
+                    <a16:rowId xmlns:a16="http://schemas.microsoft.com/office/drawing/2014/main" xmlns="" val="10007"/>
                   </a:ext>
                 </a:extLst>
               </a:tr>
@@ -7785,7 +7793,7 @@
                 </a:tc>
                 <a:extLst>
                   <a:ext uri="{0D108BD9-81ED-4DB2-BD59-A6C34878D82A}">
-                    <a16:rowId xmlns="" xmlns:a16="http://schemas.microsoft.com/office/drawing/2014/main" val="10008"/>
+                    <a16:rowId xmlns:a16="http://schemas.microsoft.com/office/drawing/2014/main" xmlns="" val="10008"/>
                   </a:ext>
                 </a:extLst>
               </a:tr>
@@ -7877,7 +7885,7 @@
                 </a:tc>
                 <a:extLst>
                   <a:ext uri="{0D108BD9-81ED-4DB2-BD59-A6C34878D82A}">
-                    <a16:rowId xmlns="" xmlns:a16="http://schemas.microsoft.com/office/drawing/2014/main" val="10009"/>
+                    <a16:rowId xmlns:a16="http://schemas.microsoft.com/office/drawing/2014/main" xmlns="" val="10009"/>
                   </a:ext>
                 </a:extLst>
               </a:tr>
@@ -7965,7 +7973,7 @@
                 </a:tc>
                 <a:extLst>
                   <a:ext uri="{0D108BD9-81ED-4DB2-BD59-A6C34878D82A}">
-                    <a16:rowId xmlns="" xmlns:a16="http://schemas.microsoft.com/office/drawing/2014/main" val="10010"/>
+                    <a16:rowId xmlns:a16="http://schemas.microsoft.com/office/drawing/2014/main" xmlns="" val="10010"/>
                   </a:ext>
                 </a:extLst>
               </a:tr>
@@ -8061,7 +8069,7 @@
                 </a:tc>
                 <a:extLst>
                   <a:ext uri="{0D108BD9-81ED-4DB2-BD59-A6C34878D82A}">
-                    <a16:rowId xmlns="" xmlns:a16="http://schemas.microsoft.com/office/drawing/2014/main" val="10011"/>
+                    <a16:rowId xmlns:a16="http://schemas.microsoft.com/office/drawing/2014/main" xmlns="" val="10011"/>
                   </a:ext>
                 </a:extLst>
               </a:tr>
@@ -8383,7 +8391,7 @@
   <a:extraClrSchemeLst/>
   <a:extLst>
     <a:ext uri="{05A4C25C-085E-4340-85A3-A5531E510DB2}">
-      <thm15:themeFamily xmlns="" xmlns:thm15="http://schemas.microsoft.com/office/thememl/2012/main" name="Office Theme" id="{62F939B6-93AF-4DB8-9C6B-D6C7DFDC589F}" vid="{4A3C46E8-61CC-4603-A589-7422A47A8E4A}"/>
+      <thm15:themeFamily xmlns:thm15="http://schemas.microsoft.com/office/thememl/2012/main" xmlns="" name="Office Theme" id="{62F939B6-93AF-4DB8-9C6B-D6C7DFDC589F}" vid="{4A3C46E8-61CC-4603-A589-7422A47A8E4A}"/>
     </a:ext>
   </a:extLst>
 </a:theme>

--- a/README.pptx
+++ b/README.pptx
@@ -120,7 +120,7 @@
   </p:defaultTextStyle>
   <p:extLst>
     <p:ext uri="{EFAFB233-063F-42B5-8137-9DF3F51BA10A}">
-      <p15:sldGuideLst xmlns:p15="http://schemas.microsoft.com/office/powerpoint/2012/main" xmlns="">
+      <p15:sldGuideLst xmlns="" xmlns:p15="http://schemas.microsoft.com/office/powerpoint/2012/main">
         <p15:guide id="1" orient="horz" pos="2160">
           <p15:clr>
             <a:srgbClr val="A4A3A4"/>
@@ -3511,6 +3511,13 @@
   <p:clrMapOvr>
     <a:masterClrMapping/>
   </p:clrMapOvr>
+  <p:timing>
+    <p:tnLst>
+      <p:par>
+        <p:cTn id="1" dur="indefinite" restart="never" nodeType="tmRoot"/>
+      </p:par>
+    </p:tnLst>
+  </p:timing>
 </p:sld>
 </file>
 
@@ -3572,7 +3579,7 @@
         </p:nvGraphicFramePr>
         <p:xfrm>
           <a:off x="993188" y="1973946"/>
-          <a:ext cx="10205624" cy="3239322"/>
+          <a:ext cx="10205624" cy="3257864"/>
         </p:xfrm>
         <a:graphic>
           <a:graphicData uri="http://schemas.openxmlformats.org/drawingml/2006/table">
@@ -3584,42 +3591,42 @@
                 <a:gridCol w="2045766">
                   <a:extLst>
                     <a:ext uri="{9D8B030D-6E8A-4147-A177-3AD203B41FA5}">
-                      <a16:colId xmlns:a16="http://schemas.microsoft.com/office/drawing/2014/main" xmlns="" val="20000"/>
+                      <a16:colId xmlns="" xmlns:a16="http://schemas.microsoft.com/office/drawing/2014/main" val="20000"/>
                     </a:ext>
                   </a:extLst>
                 </a:gridCol>
                 <a:gridCol w="1108129">
                   <a:extLst>
                     <a:ext uri="{9D8B030D-6E8A-4147-A177-3AD203B41FA5}">
-                      <a16:colId xmlns:a16="http://schemas.microsoft.com/office/drawing/2014/main" xmlns="" val="20001"/>
+                      <a16:colId xmlns="" xmlns:a16="http://schemas.microsoft.com/office/drawing/2014/main" val="20001"/>
                     </a:ext>
                   </a:extLst>
                 </a:gridCol>
                 <a:gridCol w="1255362">
                   <a:extLst>
                     <a:ext uri="{9D8B030D-6E8A-4147-A177-3AD203B41FA5}">
-                      <a16:colId xmlns:a16="http://schemas.microsoft.com/office/drawing/2014/main" xmlns="" val="20002"/>
+                      <a16:colId xmlns="" xmlns:a16="http://schemas.microsoft.com/office/drawing/2014/main" val="20002"/>
                     </a:ext>
                   </a:extLst>
                 </a:gridCol>
                 <a:gridCol w="1622768">
                   <a:extLst>
                     <a:ext uri="{9D8B030D-6E8A-4147-A177-3AD203B41FA5}">
-                      <a16:colId xmlns:a16="http://schemas.microsoft.com/office/drawing/2014/main" xmlns="" val="20003"/>
+                      <a16:colId xmlns="" xmlns:a16="http://schemas.microsoft.com/office/drawing/2014/main" val="20003"/>
                     </a:ext>
                   </a:extLst>
                 </a:gridCol>
                 <a:gridCol w="2019334">
                   <a:extLst>
                     <a:ext uri="{9D8B030D-6E8A-4147-A177-3AD203B41FA5}">
-                      <a16:colId xmlns:a16="http://schemas.microsoft.com/office/drawing/2014/main" xmlns="" val="20004"/>
+                      <a16:colId xmlns="" xmlns:a16="http://schemas.microsoft.com/office/drawing/2014/main" val="20004"/>
                     </a:ext>
                   </a:extLst>
                 </a:gridCol>
                 <a:gridCol w="2154265">
                   <a:extLst>
                     <a:ext uri="{9D8B030D-6E8A-4147-A177-3AD203B41FA5}">
-                      <a16:colId xmlns:a16="http://schemas.microsoft.com/office/drawing/2014/main" xmlns="" val="20005"/>
+                      <a16:colId xmlns="" xmlns:a16="http://schemas.microsoft.com/office/drawing/2014/main" val="20005"/>
                     </a:ext>
                   </a:extLst>
                 </a:gridCol>
@@ -3887,7 +3894,7 @@
                 </a:tc>
                 <a:extLst>
                   <a:ext uri="{0D108BD9-81ED-4DB2-BD59-A6C34878D82A}">
-                    <a16:rowId xmlns:a16="http://schemas.microsoft.com/office/drawing/2014/main" xmlns="" val="10000"/>
+                    <a16:rowId xmlns="" xmlns:a16="http://schemas.microsoft.com/office/drawing/2014/main" val="10000"/>
                   </a:ext>
                 </a:extLst>
               </a:tr>
@@ -4068,7 +4075,7 @@
                 </a:tc>
                 <a:extLst>
                   <a:ext uri="{0D108BD9-81ED-4DB2-BD59-A6C34878D82A}">
-                    <a16:rowId xmlns:a16="http://schemas.microsoft.com/office/drawing/2014/main" xmlns="" val="10001"/>
+                    <a16:rowId xmlns="" xmlns:a16="http://schemas.microsoft.com/office/drawing/2014/main" val="10001"/>
                   </a:ext>
                 </a:extLst>
               </a:tr>
@@ -4249,7 +4256,7 @@
                 </a:tc>
                 <a:extLst>
                   <a:ext uri="{0D108BD9-81ED-4DB2-BD59-A6C34878D82A}">
-                    <a16:rowId xmlns:a16="http://schemas.microsoft.com/office/drawing/2014/main" xmlns="" val="10002"/>
+                    <a16:rowId xmlns="" xmlns:a16="http://schemas.microsoft.com/office/drawing/2014/main" val="10002"/>
                   </a:ext>
                 </a:extLst>
               </a:tr>
@@ -4436,7 +4443,7 @@
                 </a:tc>
                 <a:extLst>
                   <a:ext uri="{0D108BD9-81ED-4DB2-BD59-A6C34878D82A}">
-                    <a16:rowId xmlns:a16="http://schemas.microsoft.com/office/drawing/2014/main" xmlns="" val="10003"/>
+                    <a16:rowId xmlns="" xmlns:a16="http://schemas.microsoft.com/office/drawing/2014/main" val="10003"/>
                   </a:ext>
                 </a:extLst>
               </a:tr>
@@ -4623,7 +4630,7 @@
                 </a:tc>
                 <a:extLst>
                   <a:ext uri="{0D108BD9-81ED-4DB2-BD59-A6C34878D82A}">
-                    <a16:rowId xmlns:a16="http://schemas.microsoft.com/office/drawing/2014/main" xmlns="" val="10004"/>
+                    <a16:rowId xmlns="" xmlns:a16="http://schemas.microsoft.com/office/drawing/2014/main" val="10004"/>
                   </a:ext>
                 </a:extLst>
               </a:tr>
@@ -5304,6 +5311,13 @@
   <p:clrMapOvr>
     <a:masterClrMapping/>
   </p:clrMapOvr>
+  <p:timing>
+    <p:tnLst>
+      <p:par>
+        <p:cTn id="1" dur="indefinite" restart="never" nodeType="tmRoot"/>
+      </p:par>
+    </p:tnLst>
+  </p:timing>
 </p:sld>
 </file>
 
@@ -5488,6 +5502,13 @@
   <p:clrMapOvr>
     <a:masterClrMapping/>
   </p:clrMapOvr>
+  <p:timing>
+    <p:tnLst>
+      <p:par>
+        <p:cTn id="1" dur="indefinite" restart="never" nodeType="tmRoot"/>
+      </p:par>
+    </p:tnLst>
+  </p:timing>
 </p:sld>
 </file>
 
@@ -5561,21 +5582,21 @@
                 <a:gridCol w="5054600">
                   <a:extLst>
                     <a:ext uri="{9D8B030D-6E8A-4147-A177-3AD203B41FA5}">
-                      <a16:colId xmlns:a16="http://schemas.microsoft.com/office/drawing/2014/main" xmlns="" val="865145431"/>
+                      <a16:colId xmlns="" xmlns:a16="http://schemas.microsoft.com/office/drawing/2014/main" val="865145431"/>
                     </a:ext>
                   </a:extLst>
                 </a:gridCol>
                 <a:gridCol w="1955800">
                   <a:extLst>
                     <a:ext uri="{9D8B030D-6E8A-4147-A177-3AD203B41FA5}">
-                      <a16:colId xmlns:a16="http://schemas.microsoft.com/office/drawing/2014/main" xmlns="" val="2266813503"/>
+                      <a16:colId xmlns="" xmlns:a16="http://schemas.microsoft.com/office/drawing/2014/main" val="2266813503"/>
                     </a:ext>
                   </a:extLst>
                 </a:gridCol>
                 <a:gridCol w="3505200">
                   <a:extLst>
                     <a:ext uri="{9D8B030D-6E8A-4147-A177-3AD203B41FA5}">
-                      <a16:colId xmlns:a16="http://schemas.microsoft.com/office/drawing/2014/main" xmlns="" val="3616348924"/>
+                      <a16:colId xmlns="" xmlns:a16="http://schemas.microsoft.com/office/drawing/2014/main" val="3616348924"/>
                     </a:ext>
                   </a:extLst>
                 </a:gridCol>
@@ -5670,7 +5691,7 @@
                 </a:tc>
                 <a:extLst>
                   <a:ext uri="{0D108BD9-81ED-4DB2-BD59-A6C34878D82A}">
-                    <a16:rowId xmlns:a16="http://schemas.microsoft.com/office/drawing/2014/main" xmlns="" val="4029533971"/>
+                    <a16:rowId xmlns="" xmlns:a16="http://schemas.microsoft.com/office/drawing/2014/main" val="4029533971"/>
                   </a:ext>
                 </a:extLst>
               </a:tr>
@@ -5776,7 +5797,7 @@
                 </a:tc>
                 <a:extLst>
                   <a:ext uri="{0D108BD9-81ED-4DB2-BD59-A6C34878D82A}">
-                    <a16:rowId xmlns:a16="http://schemas.microsoft.com/office/drawing/2014/main" xmlns="" val="3242111933"/>
+                    <a16:rowId xmlns="" xmlns:a16="http://schemas.microsoft.com/office/drawing/2014/main" val="3242111933"/>
                   </a:ext>
                 </a:extLst>
               </a:tr>
@@ -5870,7 +5891,7 @@
                 </a:tc>
                 <a:extLst>
                   <a:ext uri="{0D108BD9-81ED-4DB2-BD59-A6C34878D82A}">
-                    <a16:rowId xmlns:a16="http://schemas.microsoft.com/office/drawing/2014/main" xmlns="" val="3758837373"/>
+                    <a16:rowId xmlns="" xmlns:a16="http://schemas.microsoft.com/office/drawing/2014/main" val="3758837373"/>
                   </a:ext>
                 </a:extLst>
               </a:tr>
@@ -5970,7 +5991,7 @@
                 </a:tc>
                 <a:extLst>
                   <a:ext uri="{0D108BD9-81ED-4DB2-BD59-A6C34878D82A}">
-                    <a16:rowId xmlns:a16="http://schemas.microsoft.com/office/drawing/2014/main" xmlns="" val="2712992702"/>
+                    <a16:rowId xmlns="" xmlns:a16="http://schemas.microsoft.com/office/drawing/2014/main" val="2712992702"/>
                   </a:ext>
                 </a:extLst>
               </a:tr>
@@ -6070,7 +6091,7 @@
                 </a:tc>
                 <a:extLst>
                   <a:ext uri="{0D108BD9-81ED-4DB2-BD59-A6C34878D82A}">
-                    <a16:rowId xmlns:a16="http://schemas.microsoft.com/office/drawing/2014/main" xmlns="" val="1529562622"/>
+                    <a16:rowId xmlns="" xmlns:a16="http://schemas.microsoft.com/office/drawing/2014/main" val="1529562622"/>
                   </a:ext>
                 </a:extLst>
               </a:tr>
@@ -6134,6 +6155,13 @@
   <p:clrMapOvr>
     <a:masterClrMapping/>
   </p:clrMapOvr>
+  <p:timing>
+    <p:tnLst>
+      <p:par>
+        <p:cTn id="1" dur="indefinite" restart="never" nodeType="tmRoot"/>
+      </p:par>
+    </p:tnLst>
+  </p:timing>
 </p:sld>
 </file>
 
@@ -6354,6 +6382,13 @@
   <p:clrMapOvr>
     <a:masterClrMapping/>
   </p:clrMapOvr>
+  <p:timing>
+    <p:tnLst>
+      <p:par>
+        <p:cTn id="1" dur="indefinite" restart="never" nodeType="tmRoot"/>
+      </p:par>
+    </p:tnLst>
+  </p:timing>
 </p:sld>
 </file>
 
@@ -6457,19 +6492,7 @@
             <a:pPr lvl="2"/>
             <a:r>
               <a:rPr lang="en-GB" dirty="0" smtClean="0"/>
-              <a:t>compiled </a:t>
-            </a:r>
-            <a:r>
-              <a:rPr lang="en-GB" smtClean="0"/>
-              <a:t>version </a:t>
-            </a:r>
-            <a:r>
-              <a:rPr lang="en-GB" smtClean="0"/>
-              <a:t>to </a:t>
-            </a:r>
-            <a:r>
-              <a:rPr lang="en-GB" dirty="0" smtClean="0"/>
-              <a:t>be explored</a:t>
+              <a:t>compiled version to be explored</a:t>
             </a:r>
             <a:endParaRPr lang="en-GB" dirty="0"/>
           </a:p>
@@ -6487,8 +6510,16 @@
           <a:p>
             <a:pPr lvl="2"/>
             <a:r>
+              <a:rPr lang="en-GB"/>
+              <a:t>export </a:t>
+            </a:r>
+            <a:r>
+              <a:rPr lang="en-GB" smtClean="0"/>
+              <a:t>PATH=/</a:t>
+            </a:r>
+            <a:r>
               <a:rPr lang="en-GB" dirty="0"/>
-              <a:t>export path=/genetics/bin/anaconda2/bin:$PATH</a:t>
+              <a:t>genetics/bin/anaconda2/bin:$PATH</a:t>
             </a:r>
           </a:p>
           <a:p>
@@ -6610,6 +6641,13 @@
   <p:clrMapOvr>
     <a:masterClrMapping/>
   </p:clrMapOvr>
+  <p:timing>
+    <p:tnLst>
+      <p:par>
+        <p:cTn id="1" dur="indefinite" restart="never" nodeType="tmRoot"/>
+      </p:par>
+    </p:tnLst>
+  </p:timing>
 </p:sld>
 </file>
 
@@ -7013,42 +7051,42 @@
                 <a:gridCol w="2974383">
                   <a:extLst>
                     <a:ext uri="{9D8B030D-6E8A-4147-A177-3AD203B41FA5}">
-                      <a16:colId xmlns:a16="http://schemas.microsoft.com/office/drawing/2014/main" xmlns="" val="20000"/>
+                      <a16:colId xmlns="" xmlns:a16="http://schemas.microsoft.com/office/drawing/2014/main" val="20000"/>
                     </a:ext>
                   </a:extLst>
                 </a:gridCol>
                 <a:gridCol w="968644">
                   <a:extLst>
                     <a:ext uri="{9D8B030D-6E8A-4147-A177-3AD203B41FA5}">
-                      <a16:colId xmlns:a16="http://schemas.microsoft.com/office/drawing/2014/main" xmlns="" val="20001"/>
+                      <a16:colId xmlns="" xmlns:a16="http://schemas.microsoft.com/office/drawing/2014/main" val="20001"/>
                     </a:ext>
                   </a:extLst>
                 </a:gridCol>
                 <a:gridCol w="1433593">
                   <a:extLst>
                     <a:ext uri="{9D8B030D-6E8A-4147-A177-3AD203B41FA5}">
-                      <a16:colId xmlns:a16="http://schemas.microsoft.com/office/drawing/2014/main" xmlns="" val="20002"/>
+                      <a16:colId xmlns="" xmlns:a16="http://schemas.microsoft.com/office/drawing/2014/main" val="20002"/>
                     </a:ext>
                   </a:extLst>
                 </a:gridCol>
                 <a:gridCol w="1836549">
                   <a:extLst>
                     <a:ext uri="{9D8B030D-6E8A-4147-A177-3AD203B41FA5}">
-                      <a16:colId xmlns:a16="http://schemas.microsoft.com/office/drawing/2014/main" xmlns="" val="20003"/>
+                      <a16:colId xmlns="" xmlns:a16="http://schemas.microsoft.com/office/drawing/2014/main" val="20003"/>
                     </a:ext>
                   </a:extLst>
                 </a:gridCol>
                 <a:gridCol w="1455185">
                   <a:extLst>
                     <a:ext uri="{9D8B030D-6E8A-4147-A177-3AD203B41FA5}">
-                      <a16:colId xmlns:a16="http://schemas.microsoft.com/office/drawing/2014/main" xmlns="" val="20004"/>
+                      <a16:colId xmlns="" xmlns:a16="http://schemas.microsoft.com/office/drawing/2014/main" val="20004"/>
                     </a:ext>
                   </a:extLst>
                 </a:gridCol>
                 <a:gridCol w="1847246">
                   <a:extLst>
                     <a:ext uri="{9D8B030D-6E8A-4147-A177-3AD203B41FA5}">
-                      <a16:colId xmlns:a16="http://schemas.microsoft.com/office/drawing/2014/main" xmlns="" val="20005"/>
+                      <a16:colId xmlns="" xmlns:a16="http://schemas.microsoft.com/office/drawing/2014/main" val="20005"/>
                     </a:ext>
                   </a:extLst>
                 </a:gridCol>
@@ -7141,7 +7179,7 @@
                 </a:tc>
                 <a:extLst>
                   <a:ext uri="{0D108BD9-81ED-4DB2-BD59-A6C34878D82A}">
-                    <a16:rowId xmlns:a16="http://schemas.microsoft.com/office/drawing/2014/main" xmlns="" val="10000"/>
+                    <a16:rowId xmlns="" xmlns:a16="http://schemas.microsoft.com/office/drawing/2014/main" val="10000"/>
                   </a:ext>
                 </a:extLst>
               </a:tr>
@@ -7219,7 +7257,7 @@
                 </a:tc>
                 <a:extLst>
                   <a:ext uri="{0D108BD9-81ED-4DB2-BD59-A6C34878D82A}">
-                    <a16:rowId xmlns:a16="http://schemas.microsoft.com/office/drawing/2014/main" xmlns="" val="10001"/>
+                    <a16:rowId xmlns="" xmlns:a16="http://schemas.microsoft.com/office/drawing/2014/main" val="10001"/>
                   </a:ext>
                 </a:extLst>
               </a:tr>
@@ -7297,7 +7335,7 @@
                 </a:tc>
                 <a:extLst>
                   <a:ext uri="{0D108BD9-81ED-4DB2-BD59-A6C34878D82A}">
-                    <a16:rowId xmlns:a16="http://schemas.microsoft.com/office/drawing/2014/main" xmlns="" val="10002"/>
+                    <a16:rowId xmlns="" xmlns:a16="http://schemas.microsoft.com/office/drawing/2014/main" val="10002"/>
                   </a:ext>
                 </a:extLst>
               </a:tr>
@@ -7375,7 +7413,7 @@
                 </a:tc>
                 <a:extLst>
                   <a:ext uri="{0D108BD9-81ED-4DB2-BD59-A6C34878D82A}">
-                    <a16:rowId xmlns:a16="http://schemas.microsoft.com/office/drawing/2014/main" xmlns="" val="10003"/>
+                    <a16:rowId xmlns="" xmlns:a16="http://schemas.microsoft.com/office/drawing/2014/main" val="10003"/>
                   </a:ext>
                 </a:extLst>
               </a:tr>
@@ -7453,7 +7491,7 @@
                 </a:tc>
                 <a:extLst>
                   <a:ext uri="{0D108BD9-81ED-4DB2-BD59-A6C34878D82A}">
-                    <a16:rowId xmlns:a16="http://schemas.microsoft.com/office/drawing/2014/main" xmlns="" val="10004"/>
+                    <a16:rowId xmlns="" xmlns:a16="http://schemas.microsoft.com/office/drawing/2014/main" val="10004"/>
                   </a:ext>
                 </a:extLst>
               </a:tr>
@@ -7531,7 +7569,7 @@
                 </a:tc>
                 <a:extLst>
                   <a:ext uri="{0D108BD9-81ED-4DB2-BD59-A6C34878D82A}">
-                    <a16:rowId xmlns:a16="http://schemas.microsoft.com/office/drawing/2014/main" xmlns="" val="10005"/>
+                    <a16:rowId xmlns="" xmlns:a16="http://schemas.microsoft.com/office/drawing/2014/main" val="10005"/>
                   </a:ext>
                 </a:extLst>
               </a:tr>
@@ -7609,7 +7647,7 @@
                 </a:tc>
                 <a:extLst>
                   <a:ext uri="{0D108BD9-81ED-4DB2-BD59-A6C34878D82A}">
-                    <a16:rowId xmlns:a16="http://schemas.microsoft.com/office/drawing/2014/main" xmlns="" val="10006"/>
+                    <a16:rowId xmlns="" xmlns:a16="http://schemas.microsoft.com/office/drawing/2014/main" val="10006"/>
                   </a:ext>
                 </a:extLst>
               </a:tr>
@@ -7697,7 +7735,7 @@
                 </a:tc>
                 <a:extLst>
                   <a:ext uri="{0D108BD9-81ED-4DB2-BD59-A6C34878D82A}">
-                    <a16:rowId xmlns:a16="http://schemas.microsoft.com/office/drawing/2014/main" xmlns="" val="10007"/>
+                    <a16:rowId xmlns="" xmlns:a16="http://schemas.microsoft.com/office/drawing/2014/main" val="10007"/>
                   </a:ext>
                 </a:extLst>
               </a:tr>
@@ -7793,7 +7831,7 @@
                 </a:tc>
                 <a:extLst>
                   <a:ext uri="{0D108BD9-81ED-4DB2-BD59-A6C34878D82A}">
-                    <a16:rowId xmlns:a16="http://schemas.microsoft.com/office/drawing/2014/main" xmlns="" val="10008"/>
+                    <a16:rowId xmlns="" xmlns:a16="http://schemas.microsoft.com/office/drawing/2014/main" val="10008"/>
                   </a:ext>
                 </a:extLst>
               </a:tr>
@@ -7885,7 +7923,7 @@
                 </a:tc>
                 <a:extLst>
                   <a:ext uri="{0D108BD9-81ED-4DB2-BD59-A6C34878D82A}">
-                    <a16:rowId xmlns:a16="http://schemas.microsoft.com/office/drawing/2014/main" xmlns="" val="10009"/>
+                    <a16:rowId xmlns="" xmlns:a16="http://schemas.microsoft.com/office/drawing/2014/main" val="10009"/>
                   </a:ext>
                 </a:extLst>
               </a:tr>
@@ -7973,7 +8011,7 @@
                 </a:tc>
                 <a:extLst>
                   <a:ext uri="{0D108BD9-81ED-4DB2-BD59-A6C34878D82A}">
-                    <a16:rowId xmlns:a16="http://schemas.microsoft.com/office/drawing/2014/main" xmlns="" val="10010"/>
+                    <a16:rowId xmlns="" xmlns:a16="http://schemas.microsoft.com/office/drawing/2014/main" val="10010"/>
                   </a:ext>
                 </a:extLst>
               </a:tr>
@@ -8069,7 +8107,7 @@
                 </a:tc>
                 <a:extLst>
                   <a:ext uri="{0D108BD9-81ED-4DB2-BD59-A6C34878D82A}">
-                    <a16:rowId xmlns:a16="http://schemas.microsoft.com/office/drawing/2014/main" xmlns="" val="10011"/>
+                    <a16:rowId xmlns="" xmlns:a16="http://schemas.microsoft.com/office/drawing/2014/main" val="10011"/>
                   </a:ext>
                 </a:extLst>
               </a:tr>
@@ -8391,7 +8429,7 @@
   <a:extraClrSchemeLst/>
   <a:extLst>
     <a:ext uri="{05A4C25C-085E-4340-85A3-A5531E510DB2}">
-      <thm15:themeFamily xmlns:thm15="http://schemas.microsoft.com/office/thememl/2012/main" xmlns="" name="Office Theme" id="{62F939B6-93AF-4DB8-9C6B-D6C7DFDC589F}" vid="{4A3C46E8-61CC-4603-A589-7422A47A8E4A}"/>
+      <thm15:themeFamily xmlns="" xmlns:thm15="http://schemas.microsoft.com/office/thememl/2012/main" name="Office Theme" id="{62F939B6-93AF-4DB8-9C6B-D6C7DFDC589F}" vid="{4A3C46E8-61CC-4603-A589-7422A47A8E4A}"/>
     </a:ext>
   </a:extLst>
 </a:theme>

--- a/README.pptx
+++ b/README.pptx
@@ -120,7 +120,7 @@
   </p:defaultTextStyle>
   <p:extLst>
     <p:ext uri="{EFAFB233-063F-42B5-8137-9DF3F51BA10A}">
-      <p15:sldGuideLst xmlns="" xmlns:p15="http://schemas.microsoft.com/office/powerpoint/2012/main">
+      <p15:sldGuideLst xmlns:p15="http://schemas.microsoft.com/office/powerpoint/2012/main">
         <p15:guide id="1" orient="horz" pos="2160">
           <p15:clr>
             <a:srgbClr val="A4A3A4"/>
@@ -223,7 +223,7 @@
           <a:p>
             <a:fld id="{66B105AB-0F31-4E31-8256-7841B767E2AE}" type="datetimeFigureOut">
               <a:rPr lang="en-GB" smtClean="0"/>
-              <a:t>16/12/2017</a:t>
+              <a:t>18/12/2017</a:t>
             </a:fld>
             <a:endParaRPr lang="en-GB"/>
           </a:p>
@@ -622,7 +622,7 @@
           <a:p>
             <a:fld id="{0AF9AB42-7754-4A39-B895-9BE60049DFCC}" type="datetime1">
               <a:rPr lang="en-GB" smtClean="0"/>
-              <a:t>16/12/2017</a:t>
+              <a:t>18/12/2017</a:t>
             </a:fld>
             <a:endParaRPr lang="en-GB"/>
           </a:p>
@@ -796,7 +796,7 @@
           <a:p>
             <a:fld id="{C5FDF58E-A694-4923-8F74-566E8A32B1C7}" type="datetime1">
               <a:rPr lang="en-GB" smtClean="0"/>
-              <a:t>16/12/2017</a:t>
+              <a:t>18/12/2017</a:t>
             </a:fld>
             <a:endParaRPr lang="en-GB"/>
           </a:p>
@@ -980,7 +980,7 @@
           <a:p>
             <a:fld id="{CF68D6DF-1A30-4D8A-AD28-036908FB51B2}" type="datetime1">
               <a:rPr lang="en-GB" smtClean="0"/>
-              <a:t>16/12/2017</a:t>
+              <a:t>18/12/2017</a:t>
             </a:fld>
             <a:endParaRPr lang="en-GB"/>
           </a:p>
@@ -1154,7 +1154,7 @@
           <a:p>
             <a:fld id="{235352D1-08A9-4200-902D-1DD15FE1C897}" type="datetime1">
               <a:rPr lang="en-GB" smtClean="0"/>
-              <a:t>16/12/2017</a:t>
+              <a:t>18/12/2017</a:t>
             </a:fld>
             <a:endParaRPr lang="en-GB"/>
           </a:p>
@@ -1404,7 +1404,7 @@
           <a:p>
             <a:fld id="{BC1E5517-5DEB-4E83-8CC9-210D2FB0C171}" type="datetime1">
               <a:rPr lang="en-GB" smtClean="0"/>
-              <a:t>16/12/2017</a:t>
+              <a:t>18/12/2017</a:t>
             </a:fld>
             <a:endParaRPr lang="en-GB"/>
           </a:p>
@@ -1640,7 +1640,7 @@
           <a:p>
             <a:fld id="{6B54F2A8-ED5D-432B-8631-E3E5FE5C7B6C}" type="datetime1">
               <a:rPr lang="en-GB" smtClean="0"/>
-              <a:t>16/12/2017</a:t>
+              <a:t>18/12/2017</a:t>
             </a:fld>
             <a:endParaRPr lang="en-GB"/>
           </a:p>
@@ -2011,7 +2011,7 @@
           <a:p>
             <a:fld id="{71CC12EE-FF40-472C-8B7F-33B252D7C98B}" type="datetime1">
               <a:rPr lang="en-GB" smtClean="0"/>
-              <a:t>16/12/2017</a:t>
+              <a:t>18/12/2017</a:t>
             </a:fld>
             <a:endParaRPr lang="en-GB"/>
           </a:p>
@@ -2133,7 +2133,7 @@
           <a:p>
             <a:fld id="{C6B4B3F9-D2D6-4447-9135-E8F618E102B4}" type="datetime1">
               <a:rPr lang="en-GB" smtClean="0"/>
-              <a:t>16/12/2017</a:t>
+              <a:t>18/12/2017</a:t>
             </a:fld>
             <a:endParaRPr lang="en-GB"/>
           </a:p>
@@ -2232,7 +2232,7 @@
           <a:p>
             <a:fld id="{F61E7703-DFF0-48A9-BB88-68238BB724D2}" type="datetime1">
               <a:rPr lang="en-GB" smtClean="0"/>
-              <a:t>16/12/2017</a:t>
+              <a:t>18/12/2017</a:t>
             </a:fld>
             <a:endParaRPr lang="en-GB"/>
           </a:p>
@@ -2513,7 +2513,7 @@
           <a:p>
             <a:fld id="{C926F3A9-D135-485E-9A68-C7FCD6B30DAF}" type="datetime1">
               <a:rPr lang="en-GB" smtClean="0"/>
-              <a:t>16/12/2017</a:t>
+              <a:t>18/12/2017</a:t>
             </a:fld>
             <a:endParaRPr lang="en-GB"/>
           </a:p>
@@ -2774,7 +2774,7 @@
           <a:p>
             <a:fld id="{6001CE5A-4101-43EE-BFB2-58C7A7024D00}" type="datetime1">
               <a:rPr lang="en-GB" smtClean="0"/>
-              <a:t>16/12/2017</a:t>
+              <a:t>18/12/2017</a:t>
             </a:fld>
             <a:endParaRPr lang="en-GB"/>
           </a:p>
@@ -2991,7 +2991,7 @@
           <a:p>
             <a:fld id="{E124F8CC-8761-4124-A389-6C6DCCB38D99}" type="datetime1">
               <a:rPr lang="en-GB" smtClean="0"/>
-              <a:t>16/12/2017</a:t>
+              <a:t>18/12/2017</a:t>
             </a:fld>
             <a:endParaRPr lang="en-GB"/>
           </a:p>
@@ -3591,42 +3591,42 @@
                 <a:gridCol w="2045766">
                   <a:extLst>
                     <a:ext uri="{9D8B030D-6E8A-4147-A177-3AD203B41FA5}">
-                      <a16:colId xmlns="" xmlns:a16="http://schemas.microsoft.com/office/drawing/2014/main" val="20000"/>
+                      <a16:colId xmlns:a16="http://schemas.microsoft.com/office/drawing/2014/main" val="20000"/>
                     </a:ext>
                   </a:extLst>
                 </a:gridCol>
                 <a:gridCol w="1108129">
                   <a:extLst>
                     <a:ext uri="{9D8B030D-6E8A-4147-A177-3AD203B41FA5}">
-                      <a16:colId xmlns="" xmlns:a16="http://schemas.microsoft.com/office/drawing/2014/main" val="20001"/>
+                      <a16:colId xmlns:a16="http://schemas.microsoft.com/office/drawing/2014/main" val="20001"/>
                     </a:ext>
                   </a:extLst>
                 </a:gridCol>
                 <a:gridCol w="1255362">
                   <a:extLst>
                     <a:ext uri="{9D8B030D-6E8A-4147-A177-3AD203B41FA5}">
-                      <a16:colId xmlns="" xmlns:a16="http://schemas.microsoft.com/office/drawing/2014/main" val="20002"/>
+                      <a16:colId xmlns:a16="http://schemas.microsoft.com/office/drawing/2014/main" val="20002"/>
                     </a:ext>
                   </a:extLst>
                 </a:gridCol>
                 <a:gridCol w="1622768">
                   <a:extLst>
                     <a:ext uri="{9D8B030D-6E8A-4147-A177-3AD203B41FA5}">
-                      <a16:colId xmlns="" xmlns:a16="http://schemas.microsoft.com/office/drawing/2014/main" val="20003"/>
+                      <a16:colId xmlns:a16="http://schemas.microsoft.com/office/drawing/2014/main" val="20003"/>
                     </a:ext>
                   </a:extLst>
                 </a:gridCol>
                 <a:gridCol w="2019334">
                   <a:extLst>
                     <a:ext uri="{9D8B030D-6E8A-4147-A177-3AD203B41FA5}">
-                      <a16:colId xmlns="" xmlns:a16="http://schemas.microsoft.com/office/drawing/2014/main" val="20004"/>
+                      <a16:colId xmlns:a16="http://schemas.microsoft.com/office/drawing/2014/main" val="20004"/>
                     </a:ext>
                   </a:extLst>
                 </a:gridCol>
                 <a:gridCol w="2154265">
                   <a:extLst>
                     <a:ext uri="{9D8B030D-6E8A-4147-A177-3AD203B41FA5}">
-                      <a16:colId xmlns="" xmlns:a16="http://schemas.microsoft.com/office/drawing/2014/main" val="20005"/>
+                      <a16:colId xmlns:a16="http://schemas.microsoft.com/office/drawing/2014/main" val="20005"/>
                     </a:ext>
                   </a:extLst>
                 </a:gridCol>
@@ -3894,7 +3894,7 @@
                 </a:tc>
                 <a:extLst>
                   <a:ext uri="{0D108BD9-81ED-4DB2-BD59-A6C34878D82A}">
-                    <a16:rowId xmlns="" xmlns:a16="http://schemas.microsoft.com/office/drawing/2014/main" val="10000"/>
+                    <a16:rowId xmlns:a16="http://schemas.microsoft.com/office/drawing/2014/main" val="10000"/>
                   </a:ext>
                 </a:extLst>
               </a:tr>
@@ -4075,7 +4075,7 @@
                 </a:tc>
                 <a:extLst>
                   <a:ext uri="{0D108BD9-81ED-4DB2-BD59-A6C34878D82A}">
-                    <a16:rowId xmlns="" xmlns:a16="http://schemas.microsoft.com/office/drawing/2014/main" val="10001"/>
+                    <a16:rowId xmlns:a16="http://schemas.microsoft.com/office/drawing/2014/main" val="10001"/>
                   </a:ext>
                 </a:extLst>
               </a:tr>
@@ -4256,7 +4256,7 @@
                 </a:tc>
                 <a:extLst>
                   <a:ext uri="{0D108BD9-81ED-4DB2-BD59-A6C34878D82A}">
-                    <a16:rowId xmlns="" xmlns:a16="http://schemas.microsoft.com/office/drawing/2014/main" val="10002"/>
+                    <a16:rowId xmlns:a16="http://schemas.microsoft.com/office/drawing/2014/main" val="10002"/>
                   </a:ext>
                 </a:extLst>
               </a:tr>
@@ -4443,7 +4443,7 @@
                 </a:tc>
                 <a:extLst>
                   <a:ext uri="{0D108BD9-81ED-4DB2-BD59-A6C34878D82A}">
-                    <a16:rowId xmlns="" xmlns:a16="http://schemas.microsoft.com/office/drawing/2014/main" val="10003"/>
+                    <a16:rowId xmlns:a16="http://schemas.microsoft.com/office/drawing/2014/main" val="10003"/>
                   </a:ext>
                 </a:extLst>
               </a:tr>
@@ -4630,7 +4630,7 @@
                 </a:tc>
                 <a:extLst>
                   <a:ext uri="{0D108BD9-81ED-4DB2-BD59-A6C34878D82A}">
-                    <a16:rowId xmlns="" xmlns:a16="http://schemas.microsoft.com/office/drawing/2014/main" val="10004"/>
+                    <a16:rowId xmlns:a16="http://schemas.microsoft.com/office/drawing/2014/main" val="10004"/>
                   </a:ext>
                 </a:extLst>
               </a:tr>
@@ -4694,6 +4694,13 @@
   <p:clrMapOvr>
     <a:masterClrMapping/>
   </p:clrMapOvr>
+  <p:timing>
+    <p:tnLst>
+      <p:par>
+        <p:cTn id="1" dur="indefinite" restart="never" nodeType="tmRoot"/>
+      </p:par>
+    </p:tnLst>
+  </p:timing>
 </p:sld>
 </file>
 
@@ -4872,6 +4879,13 @@
   <p:clrMapOvr>
     <a:masterClrMapping/>
   </p:clrMapOvr>
+  <p:timing>
+    <p:tnLst>
+      <p:par>
+        <p:cTn id="1" dur="indefinite" restart="never" nodeType="tmRoot"/>
+      </p:par>
+    </p:tnLst>
+  </p:timing>
 </p:sld>
 </file>
 
@@ -5132,6 +5146,13 @@
   <p:clrMapOvr>
     <a:masterClrMapping/>
   </p:clrMapOvr>
+  <p:timing>
+    <p:tnLst>
+      <p:par>
+        <p:cTn id="1" dur="indefinite" restart="never" nodeType="tmRoot"/>
+      </p:par>
+    </p:tnLst>
+  </p:timing>
 </p:sld>
 </file>
 
@@ -5582,21 +5603,21 @@
                 <a:gridCol w="5054600">
                   <a:extLst>
                     <a:ext uri="{9D8B030D-6E8A-4147-A177-3AD203B41FA5}">
-                      <a16:colId xmlns="" xmlns:a16="http://schemas.microsoft.com/office/drawing/2014/main" val="865145431"/>
+                      <a16:colId xmlns:a16="http://schemas.microsoft.com/office/drawing/2014/main" val="865145431"/>
                     </a:ext>
                   </a:extLst>
                 </a:gridCol>
                 <a:gridCol w="1955800">
                   <a:extLst>
                     <a:ext uri="{9D8B030D-6E8A-4147-A177-3AD203B41FA5}">
-                      <a16:colId xmlns="" xmlns:a16="http://schemas.microsoft.com/office/drawing/2014/main" val="2266813503"/>
+                      <a16:colId xmlns:a16="http://schemas.microsoft.com/office/drawing/2014/main" val="2266813503"/>
                     </a:ext>
                   </a:extLst>
                 </a:gridCol>
                 <a:gridCol w="3505200">
                   <a:extLst>
                     <a:ext uri="{9D8B030D-6E8A-4147-A177-3AD203B41FA5}">
-                      <a16:colId xmlns="" xmlns:a16="http://schemas.microsoft.com/office/drawing/2014/main" val="3616348924"/>
+                      <a16:colId xmlns:a16="http://schemas.microsoft.com/office/drawing/2014/main" val="3616348924"/>
                     </a:ext>
                   </a:extLst>
                 </a:gridCol>
@@ -5691,7 +5712,7 @@
                 </a:tc>
                 <a:extLst>
                   <a:ext uri="{0D108BD9-81ED-4DB2-BD59-A6C34878D82A}">
-                    <a16:rowId xmlns="" xmlns:a16="http://schemas.microsoft.com/office/drawing/2014/main" val="4029533971"/>
+                    <a16:rowId xmlns:a16="http://schemas.microsoft.com/office/drawing/2014/main" val="4029533971"/>
                   </a:ext>
                 </a:extLst>
               </a:tr>
@@ -5797,7 +5818,7 @@
                 </a:tc>
                 <a:extLst>
                   <a:ext uri="{0D108BD9-81ED-4DB2-BD59-A6C34878D82A}">
-                    <a16:rowId xmlns="" xmlns:a16="http://schemas.microsoft.com/office/drawing/2014/main" val="3242111933"/>
+                    <a16:rowId xmlns:a16="http://schemas.microsoft.com/office/drawing/2014/main" val="3242111933"/>
                   </a:ext>
                 </a:extLst>
               </a:tr>
@@ -5891,7 +5912,7 @@
                 </a:tc>
                 <a:extLst>
                   <a:ext uri="{0D108BD9-81ED-4DB2-BD59-A6C34878D82A}">
-                    <a16:rowId xmlns="" xmlns:a16="http://schemas.microsoft.com/office/drawing/2014/main" val="3758837373"/>
+                    <a16:rowId xmlns:a16="http://schemas.microsoft.com/office/drawing/2014/main" val="3758837373"/>
                   </a:ext>
                 </a:extLst>
               </a:tr>
@@ -5991,7 +6012,7 @@
                 </a:tc>
                 <a:extLst>
                   <a:ext uri="{0D108BD9-81ED-4DB2-BD59-A6C34878D82A}">
-                    <a16:rowId xmlns="" xmlns:a16="http://schemas.microsoft.com/office/drawing/2014/main" val="2712992702"/>
+                    <a16:rowId xmlns:a16="http://schemas.microsoft.com/office/drawing/2014/main" val="2712992702"/>
                   </a:ext>
                 </a:extLst>
               </a:tr>
@@ -6091,7 +6112,7 @@
                 </a:tc>
                 <a:extLst>
                   <a:ext uri="{0D108BD9-81ED-4DB2-BD59-A6C34878D82A}">
-                    <a16:rowId xmlns="" xmlns:a16="http://schemas.microsoft.com/office/drawing/2014/main" val="1529562622"/>
+                    <a16:rowId xmlns:a16="http://schemas.microsoft.com/office/drawing/2014/main" val="1529562622"/>
                   </a:ext>
                 </a:extLst>
               </a:tr>
@@ -6809,6 +6830,13 @@
   <p:clrMapOvr>
     <a:masterClrMapping/>
   </p:clrMapOvr>
+  <p:timing>
+    <p:tnLst>
+      <p:par>
+        <p:cTn id="1" dur="indefinite" restart="never" nodeType="tmRoot"/>
+      </p:par>
+    </p:tnLst>
+  </p:timing>
 </p:sld>
 </file>
 
@@ -6978,6 +7006,13 @@
   <p:clrMapOvr>
     <a:masterClrMapping/>
   </p:clrMapOvr>
+  <p:timing>
+    <p:tnLst>
+      <p:par>
+        <p:cTn id="1" dur="indefinite" restart="never" nodeType="tmRoot"/>
+      </p:par>
+    </p:tnLst>
+  </p:timing>
 </p:sld>
 </file>
 
@@ -7032,7 +7067,7 @@
             <p:ph idx="1"/>
             <p:extLst>
               <p:ext uri="{D42A27DB-BD31-4B8C-83A1-F6EECF244321}">
-                <p14:modId xmlns:p14="http://schemas.microsoft.com/office/powerpoint/2010/main" val="1293208450"/>
+                <p14:modId xmlns:p14="http://schemas.microsoft.com/office/powerpoint/2010/main" val="884756490"/>
               </p:ext>
             </p:extLst>
           </p:nvPr>
@@ -7051,42 +7086,42 @@
                 <a:gridCol w="2974383">
                   <a:extLst>
                     <a:ext uri="{9D8B030D-6E8A-4147-A177-3AD203B41FA5}">
-                      <a16:colId xmlns="" xmlns:a16="http://schemas.microsoft.com/office/drawing/2014/main" val="20000"/>
+                      <a16:colId xmlns:a16="http://schemas.microsoft.com/office/drawing/2014/main" val="20000"/>
                     </a:ext>
                   </a:extLst>
                 </a:gridCol>
                 <a:gridCol w="968644">
                   <a:extLst>
                     <a:ext uri="{9D8B030D-6E8A-4147-A177-3AD203B41FA5}">
-                      <a16:colId xmlns="" xmlns:a16="http://schemas.microsoft.com/office/drawing/2014/main" val="20001"/>
+                      <a16:colId xmlns:a16="http://schemas.microsoft.com/office/drawing/2014/main" val="20001"/>
                     </a:ext>
                   </a:extLst>
                 </a:gridCol>
                 <a:gridCol w="1433593">
                   <a:extLst>
                     <a:ext uri="{9D8B030D-6E8A-4147-A177-3AD203B41FA5}">
-                      <a16:colId xmlns="" xmlns:a16="http://schemas.microsoft.com/office/drawing/2014/main" val="20002"/>
+                      <a16:colId xmlns:a16="http://schemas.microsoft.com/office/drawing/2014/main" val="20002"/>
                     </a:ext>
                   </a:extLst>
                 </a:gridCol>
                 <a:gridCol w="1836549">
                   <a:extLst>
                     <a:ext uri="{9D8B030D-6E8A-4147-A177-3AD203B41FA5}">
-                      <a16:colId xmlns="" xmlns:a16="http://schemas.microsoft.com/office/drawing/2014/main" val="20003"/>
+                      <a16:colId xmlns:a16="http://schemas.microsoft.com/office/drawing/2014/main" val="20003"/>
                     </a:ext>
                   </a:extLst>
                 </a:gridCol>
                 <a:gridCol w="1455185">
                   <a:extLst>
                     <a:ext uri="{9D8B030D-6E8A-4147-A177-3AD203B41FA5}">
-                      <a16:colId xmlns="" xmlns:a16="http://schemas.microsoft.com/office/drawing/2014/main" val="20004"/>
+                      <a16:colId xmlns:a16="http://schemas.microsoft.com/office/drawing/2014/main" val="20004"/>
                     </a:ext>
                   </a:extLst>
                 </a:gridCol>
                 <a:gridCol w="1847246">
                   <a:extLst>
                     <a:ext uri="{9D8B030D-6E8A-4147-A177-3AD203B41FA5}">
-                      <a16:colId xmlns="" xmlns:a16="http://schemas.microsoft.com/office/drawing/2014/main" val="20005"/>
+                      <a16:colId xmlns:a16="http://schemas.microsoft.com/office/drawing/2014/main" val="20005"/>
                     </a:ext>
                   </a:extLst>
                 </a:gridCol>
@@ -7179,7 +7214,7 @@
                 </a:tc>
                 <a:extLst>
                   <a:ext uri="{0D108BD9-81ED-4DB2-BD59-A6C34878D82A}">
-                    <a16:rowId xmlns="" xmlns:a16="http://schemas.microsoft.com/office/drawing/2014/main" val="10000"/>
+                    <a16:rowId xmlns:a16="http://schemas.microsoft.com/office/drawing/2014/main" val="10000"/>
                   </a:ext>
                 </a:extLst>
               </a:tr>
@@ -7257,7 +7292,7 @@
                 </a:tc>
                 <a:extLst>
                   <a:ext uri="{0D108BD9-81ED-4DB2-BD59-A6C34878D82A}">
-                    <a16:rowId xmlns="" xmlns:a16="http://schemas.microsoft.com/office/drawing/2014/main" val="10001"/>
+                    <a16:rowId xmlns:a16="http://schemas.microsoft.com/office/drawing/2014/main" val="10001"/>
                   </a:ext>
                 </a:extLst>
               </a:tr>
@@ -7335,7 +7370,7 @@
                 </a:tc>
                 <a:extLst>
                   <a:ext uri="{0D108BD9-81ED-4DB2-BD59-A6C34878D82A}">
-                    <a16:rowId xmlns="" xmlns:a16="http://schemas.microsoft.com/office/drawing/2014/main" val="10002"/>
+                    <a16:rowId xmlns:a16="http://schemas.microsoft.com/office/drawing/2014/main" val="10002"/>
                   </a:ext>
                 </a:extLst>
               </a:tr>
@@ -7413,7 +7448,7 @@
                 </a:tc>
                 <a:extLst>
                   <a:ext uri="{0D108BD9-81ED-4DB2-BD59-A6C34878D82A}">
-                    <a16:rowId xmlns="" xmlns:a16="http://schemas.microsoft.com/office/drawing/2014/main" val="10003"/>
+                    <a16:rowId xmlns:a16="http://schemas.microsoft.com/office/drawing/2014/main" val="10003"/>
                   </a:ext>
                 </a:extLst>
               </a:tr>
@@ -7491,7 +7526,7 @@
                 </a:tc>
                 <a:extLst>
                   <a:ext uri="{0D108BD9-81ED-4DB2-BD59-A6C34878D82A}">
-                    <a16:rowId xmlns="" xmlns:a16="http://schemas.microsoft.com/office/drawing/2014/main" val="10004"/>
+                    <a16:rowId xmlns:a16="http://schemas.microsoft.com/office/drawing/2014/main" val="10004"/>
                   </a:ext>
                 </a:extLst>
               </a:tr>
@@ -7569,7 +7604,7 @@
                 </a:tc>
                 <a:extLst>
                   <a:ext uri="{0D108BD9-81ED-4DB2-BD59-A6C34878D82A}">
-                    <a16:rowId xmlns="" xmlns:a16="http://schemas.microsoft.com/office/drawing/2014/main" val="10005"/>
+                    <a16:rowId xmlns:a16="http://schemas.microsoft.com/office/drawing/2014/main" val="10005"/>
                   </a:ext>
                 </a:extLst>
               </a:tr>
@@ -7647,7 +7682,7 @@
                 </a:tc>
                 <a:extLst>
                   <a:ext uri="{0D108BD9-81ED-4DB2-BD59-A6C34878D82A}">
-                    <a16:rowId xmlns="" xmlns:a16="http://schemas.microsoft.com/office/drawing/2014/main" val="10006"/>
+                    <a16:rowId xmlns:a16="http://schemas.microsoft.com/office/drawing/2014/main" val="10006"/>
                   </a:ext>
                 </a:extLst>
               </a:tr>
@@ -7735,7 +7770,7 @@
                 </a:tc>
                 <a:extLst>
                   <a:ext uri="{0D108BD9-81ED-4DB2-BD59-A6C34878D82A}">
-                    <a16:rowId xmlns="" xmlns:a16="http://schemas.microsoft.com/office/drawing/2014/main" val="10007"/>
+                    <a16:rowId xmlns:a16="http://schemas.microsoft.com/office/drawing/2014/main" val="10007"/>
                   </a:ext>
                 </a:extLst>
               </a:tr>
@@ -7831,7 +7866,7 @@
                 </a:tc>
                 <a:extLst>
                   <a:ext uri="{0D108BD9-81ED-4DB2-BD59-A6C34878D82A}">
-                    <a16:rowId xmlns="" xmlns:a16="http://schemas.microsoft.com/office/drawing/2014/main" val="10008"/>
+                    <a16:rowId xmlns:a16="http://schemas.microsoft.com/office/drawing/2014/main" val="10008"/>
                   </a:ext>
                 </a:extLst>
               </a:tr>
@@ -7904,26 +7939,45 @@
                     <a:bodyPr/>
                     <a:lstStyle/>
                     <a:p>
+                      <a:pPr marL="0" marR="0" indent="0" algn="ctr" defTabSz="914400" rtl="0" eaLnBrk="1" fontAlgn="auto" latinLnBrk="0" hangingPunct="1">
+                        <a:lnSpc>
+                          <a:spcPct val="100000"/>
+                        </a:lnSpc>
+                        <a:spcBef>
+                          <a:spcPts val="0"/>
+                        </a:spcBef>
+                        <a:spcAft>
+                          <a:spcPts val="0"/>
+                        </a:spcAft>
+                        <a:buClrTx/>
+                        <a:buSzTx/>
+                        <a:buFontTx/>
+                        <a:buNone/>
+                        <a:tabLst/>
+                        <a:defRPr/>
+                      </a:pPr>
+                      <a:r>
+                        <a:rPr lang="en-GB" smtClean="0"/>
+                        <a:t>x</a:t>
+                      </a:r>
+                    </a:p>
+                  </a:txBody>
+                  <a:tcPr/>
+                </a:tc>
+                <a:tc>
+                  <a:txBody>
+                    <a:bodyPr/>
+                    <a:lstStyle/>
+                    <a:p>
                       <a:pPr algn="ctr"/>
                       <a:endParaRPr lang="en-GB" dirty="0"/>
                     </a:p>
                   </a:txBody>
                   <a:tcPr/>
                 </a:tc>
-                <a:tc>
-                  <a:txBody>
-                    <a:bodyPr/>
-                    <a:lstStyle/>
-                    <a:p>
-                      <a:pPr algn="ctr"/>
-                      <a:endParaRPr lang="en-GB" dirty="0"/>
-                    </a:p>
-                  </a:txBody>
-                  <a:tcPr/>
-                </a:tc>
                 <a:extLst>
                   <a:ext uri="{0D108BD9-81ED-4DB2-BD59-A6C34878D82A}">
-                    <a16:rowId xmlns="" xmlns:a16="http://schemas.microsoft.com/office/drawing/2014/main" val="10009"/>
+                    <a16:rowId xmlns:a16="http://schemas.microsoft.com/office/drawing/2014/main" val="10009"/>
                   </a:ext>
                 </a:extLst>
               </a:tr>
@@ -7985,6 +8039,17 @@
                     <a:lstStyle/>
                     <a:p>
                       <a:pPr algn="ctr"/>
+                      <a:endParaRPr lang="en-GB" dirty="0"/>
+                    </a:p>
+                  </a:txBody>
+                  <a:tcPr/>
+                </a:tc>
+                <a:tc>
+                  <a:txBody>
+                    <a:bodyPr/>
+                    <a:lstStyle/>
+                    <a:p>
+                      <a:pPr algn="ctr"/>
                       <a:r>
                         <a:rPr lang="en-GB" dirty="0" smtClean="0"/>
                         <a:t>x</a:t>
@@ -7994,24 +8059,9 @@
                   </a:txBody>
                   <a:tcPr/>
                 </a:tc>
-                <a:tc>
-                  <a:txBody>
-                    <a:bodyPr/>
-                    <a:lstStyle/>
-                    <a:p>
-                      <a:pPr algn="ctr"/>
-                      <a:r>
-                        <a:rPr lang="en-GB" dirty="0" smtClean="0"/>
-                        <a:t>x</a:t>
-                      </a:r>
-                      <a:endParaRPr lang="en-GB" dirty="0"/>
-                    </a:p>
-                  </a:txBody>
-                  <a:tcPr/>
-                </a:tc>
                 <a:extLst>
                   <a:ext uri="{0D108BD9-81ED-4DB2-BD59-A6C34878D82A}">
-                    <a16:rowId xmlns="" xmlns:a16="http://schemas.microsoft.com/office/drawing/2014/main" val="10010"/>
+                    <a16:rowId xmlns:a16="http://schemas.microsoft.com/office/drawing/2014/main" val="10010"/>
                   </a:ext>
                 </a:extLst>
               </a:tr>
@@ -8107,7 +8157,7 @@
                 </a:tc>
                 <a:extLst>
                   <a:ext uri="{0D108BD9-81ED-4DB2-BD59-A6C34878D82A}">
-                    <a16:rowId xmlns="" xmlns:a16="http://schemas.microsoft.com/office/drawing/2014/main" val="10011"/>
+                    <a16:rowId xmlns:a16="http://schemas.microsoft.com/office/drawing/2014/main" val="10011"/>
                   </a:ext>
                 </a:extLst>
               </a:tr>
@@ -8171,6 +8221,13 @@
   <p:clrMapOvr>
     <a:masterClrMapping/>
   </p:clrMapOvr>
+  <p:timing>
+    <p:tnLst>
+      <p:par>
+        <p:cTn id="1" dur="indefinite" restart="never" nodeType="tmRoot"/>
+      </p:par>
+    </p:tnLst>
+  </p:timing>
 </p:sld>
 </file>
 
@@ -8429,7 +8486,7 @@
   <a:extraClrSchemeLst/>
   <a:extLst>
     <a:ext uri="{05A4C25C-085E-4340-85A3-A5531E510DB2}">
-      <thm15:themeFamily xmlns="" xmlns:thm15="http://schemas.microsoft.com/office/thememl/2012/main" name="Office Theme" id="{62F939B6-93AF-4DB8-9C6B-D6C7DFDC589F}" vid="{4A3C46E8-61CC-4603-A589-7422A47A8E4A}"/>
+      <thm15:themeFamily xmlns:thm15="http://schemas.microsoft.com/office/thememl/2012/main" name="Office Theme" id="{62F939B6-93AF-4DB8-9C6B-D6C7DFDC589F}" vid="{4A3C46E8-61CC-4603-A589-7422A47A8E4A}"/>
     </a:ext>
   </a:extLst>
 </a:theme>

--- a/README.pptx
+++ b/README.pptx
@@ -5,7 +5,7 @@
     <p:sldMasterId id="2147483660" r:id="rId1"/>
   </p:sldMasterIdLst>
   <p:notesMasterIdLst>
-    <p:notesMasterId r:id="rId14"/>
+    <p:notesMasterId r:id="rId15"/>
   </p:notesMasterIdLst>
   <p:sldIdLst>
     <p:sldId id="256" r:id="rId2"/>
@@ -18,8 +18,9 @@
     <p:sldId id="278" r:id="rId9"/>
     <p:sldId id="275" r:id="rId10"/>
     <p:sldId id="276" r:id="rId11"/>
-    <p:sldId id="277" r:id="rId12"/>
-    <p:sldId id="274" r:id="rId13"/>
+    <p:sldId id="281" r:id="rId12"/>
+    <p:sldId id="277" r:id="rId13"/>
+    <p:sldId id="274" r:id="rId14"/>
   </p:sldIdLst>
   <p:sldSz cx="12192000" cy="6858000"/>
   <p:notesSz cx="6858000" cy="9144000"/>
@@ -223,7 +224,7 @@
           <a:p>
             <a:fld id="{66B105AB-0F31-4E31-8256-7841B767E2AE}" type="datetimeFigureOut">
               <a:rPr lang="en-GB" smtClean="0"/>
-              <a:t>18/12/2017</a:t>
+              <a:t>20/12/2017</a:t>
             </a:fld>
             <a:endParaRPr lang="en-GB"/>
           </a:p>
@@ -287,35 +288,35 @@
           <a:p>
             <a:pPr lvl="0"/>
             <a:r>
-              <a:rPr lang="en-US" smtClean="0"/>
+              <a:rPr lang="en-US"/>
               <a:t>Click to edit Master text styles</a:t>
             </a:r>
           </a:p>
           <a:p>
             <a:pPr lvl="1"/>
             <a:r>
-              <a:rPr lang="en-US" smtClean="0"/>
+              <a:rPr lang="en-US"/>
               <a:t>Second level</a:t>
             </a:r>
           </a:p>
           <a:p>
             <a:pPr lvl="2"/>
             <a:r>
-              <a:rPr lang="en-US" smtClean="0"/>
+              <a:rPr lang="en-US"/>
               <a:t>Third level</a:t>
             </a:r>
           </a:p>
           <a:p>
             <a:pPr lvl="3"/>
             <a:r>
-              <a:rPr lang="en-US" smtClean="0"/>
+              <a:rPr lang="en-US"/>
               <a:t>Fourth level</a:t>
             </a:r>
           </a:p>
           <a:p>
             <a:pPr lvl="4"/>
             <a:r>
-              <a:rPr lang="en-US" smtClean="0"/>
+              <a:rPr lang="en-US"/>
               <a:t>Fifth level</a:t>
             </a:r>
             <a:endParaRPr lang="en-GB"/>
@@ -622,7 +623,7 @@
           <a:p>
             <a:fld id="{0AF9AB42-7754-4A39-B895-9BE60049DFCC}" type="datetime1">
               <a:rPr lang="en-GB" smtClean="0"/>
-              <a:t>18/12/2017</a:t>
+              <a:t>20/12/2017</a:t>
             </a:fld>
             <a:endParaRPr lang="en-GB"/>
           </a:p>
@@ -644,10 +645,9 @@
           <a:lstStyle/>
           <a:p>
             <a:r>
-              <a:rPr lang="en-GB" smtClean="0"/>
+              <a:rPr lang="en-GB"/>
               <a:t>PW-pipeline</a:t>
             </a:r>
-            <a:endParaRPr lang="en-GB"/>
           </a:p>
         </p:txBody>
       </p:sp>
@@ -796,7 +796,7 @@
           <a:p>
             <a:fld id="{C5FDF58E-A694-4923-8F74-566E8A32B1C7}" type="datetime1">
               <a:rPr lang="en-GB" smtClean="0"/>
-              <a:t>18/12/2017</a:t>
+              <a:t>20/12/2017</a:t>
             </a:fld>
             <a:endParaRPr lang="en-GB"/>
           </a:p>
@@ -818,10 +818,9 @@
           <a:lstStyle/>
           <a:p>
             <a:r>
-              <a:rPr lang="en-GB" smtClean="0"/>
+              <a:rPr lang="en-GB"/>
               <a:t>PW-pipeline</a:t>
             </a:r>
-            <a:endParaRPr lang="en-GB"/>
           </a:p>
         </p:txBody>
       </p:sp>
@@ -980,7 +979,7 @@
           <a:p>
             <a:fld id="{CF68D6DF-1A30-4D8A-AD28-036908FB51B2}" type="datetime1">
               <a:rPr lang="en-GB" smtClean="0"/>
-              <a:t>18/12/2017</a:t>
+              <a:t>20/12/2017</a:t>
             </a:fld>
             <a:endParaRPr lang="en-GB"/>
           </a:p>
@@ -1002,10 +1001,9 @@
           <a:lstStyle/>
           <a:p>
             <a:r>
-              <a:rPr lang="en-GB" smtClean="0"/>
+              <a:rPr lang="en-GB"/>
               <a:t>PW-pipeline</a:t>
             </a:r>
-            <a:endParaRPr lang="en-GB"/>
           </a:p>
         </p:txBody>
       </p:sp>
@@ -1154,7 +1152,7 @@
           <a:p>
             <a:fld id="{235352D1-08A9-4200-902D-1DD15FE1C897}" type="datetime1">
               <a:rPr lang="en-GB" smtClean="0"/>
-              <a:t>18/12/2017</a:t>
+              <a:t>20/12/2017</a:t>
             </a:fld>
             <a:endParaRPr lang="en-GB"/>
           </a:p>
@@ -1176,10 +1174,9 @@
           <a:lstStyle/>
           <a:p>
             <a:r>
-              <a:rPr lang="en-GB" smtClean="0"/>
+              <a:rPr lang="en-GB"/>
               <a:t>PW-pipeline</a:t>
             </a:r>
-            <a:endParaRPr lang="en-GB"/>
           </a:p>
         </p:txBody>
       </p:sp>
@@ -1404,7 +1401,7 @@
           <a:p>
             <a:fld id="{BC1E5517-5DEB-4E83-8CC9-210D2FB0C171}" type="datetime1">
               <a:rPr lang="en-GB" smtClean="0"/>
-              <a:t>18/12/2017</a:t>
+              <a:t>20/12/2017</a:t>
             </a:fld>
             <a:endParaRPr lang="en-GB"/>
           </a:p>
@@ -1426,10 +1423,9 @@
           <a:lstStyle/>
           <a:p>
             <a:r>
-              <a:rPr lang="en-GB" smtClean="0"/>
+              <a:rPr lang="en-GB"/>
               <a:t>PW-pipeline</a:t>
             </a:r>
-            <a:endParaRPr lang="en-GB"/>
           </a:p>
         </p:txBody>
       </p:sp>
@@ -1640,7 +1636,7 @@
           <a:p>
             <a:fld id="{6B54F2A8-ED5D-432B-8631-E3E5FE5C7B6C}" type="datetime1">
               <a:rPr lang="en-GB" smtClean="0"/>
-              <a:t>18/12/2017</a:t>
+              <a:t>20/12/2017</a:t>
             </a:fld>
             <a:endParaRPr lang="en-GB"/>
           </a:p>
@@ -1662,10 +1658,9 @@
           <a:lstStyle/>
           <a:p>
             <a:r>
-              <a:rPr lang="en-GB" smtClean="0"/>
+              <a:rPr lang="en-GB"/>
               <a:t>PW-pipeline</a:t>
             </a:r>
-            <a:endParaRPr lang="en-GB"/>
           </a:p>
         </p:txBody>
       </p:sp>
@@ -2011,7 +2006,7 @@
           <a:p>
             <a:fld id="{71CC12EE-FF40-472C-8B7F-33B252D7C98B}" type="datetime1">
               <a:rPr lang="en-GB" smtClean="0"/>
-              <a:t>18/12/2017</a:t>
+              <a:t>20/12/2017</a:t>
             </a:fld>
             <a:endParaRPr lang="en-GB"/>
           </a:p>
@@ -2033,10 +2028,9 @@
           <a:lstStyle/>
           <a:p>
             <a:r>
-              <a:rPr lang="en-GB" smtClean="0"/>
+              <a:rPr lang="en-GB"/>
               <a:t>PW-pipeline</a:t>
             </a:r>
-            <a:endParaRPr lang="en-GB"/>
           </a:p>
         </p:txBody>
       </p:sp>
@@ -2133,7 +2127,7 @@
           <a:p>
             <a:fld id="{C6B4B3F9-D2D6-4447-9135-E8F618E102B4}" type="datetime1">
               <a:rPr lang="en-GB" smtClean="0"/>
-              <a:t>18/12/2017</a:t>
+              <a:t>20/12/2017</a:t>
             </a:fld>
             <a:endParaRPr lang="en-GB"/>
           </a:p>
@@ -2155,10 +2149,9 @@
           <a:lstStyle/>
           <a:p>
             <a:r>
-              <a:rPr lang="en-GB" smtClean="0"/>
+              <a:rPr lang="en-GB"/>
               <a:t>PW-pipeline</a:t>
             </a:r>
-            <a:endParaRPr lang="en-GB"/>
           </a:p>
         </p:txBody>
       </p:sp>
@@ -2232,7 +2225,7 @@
           <a:p>
             <a:fld id="{F61E7703-DFF0-48A9-BB88-68238BB724D2}" type="datetime1">
               <a:rPr lang="en-GB" smtClean="0"/>
-              <a:t>18/12/2017</a:t>
+              <a:t>20/12/2017</a:t>
             </a:fld>
             <a:endParaRPr lang="en-GB"/>
           </a:p>
@@ -2254,10 +2247,9 @@
           <a:lstStyle/>
           <a:p>
             <a:r>
-              <a:rPr lang="en-GB" smtClean="0"/>
+              <a:rPr lang="en-GB"/>
               <a:t>PW-pipeline</a:t>
             </a:r>
-            <a:endParaRPr lang="en-GB"/>
           </a:p>
         </p:txBody>
       </p:sp>
@@ -2513,7 +2505,7 @@
           <a:p>
             <a:fld id="{C926F3A9-D135-485E-9A68-C7FCD6B30DAF}" type="datetime1">
               <a:rPr lang="en-GB" smtClean="0"/>
-              <a:t>18/12/2017</a:t>
+              <a:t>20/12/2017</a:t>
             </a:fld>
             <a:endParaRPr lang="en-GB"/>
           </a:p>
@@ -2535,10 +2527,9 @@
           <a:lstStyle/>
           <a:p>
             <a:r>
-              <a:rPr lang="en-GB" smtClean="0"/>
+              <a:rPr lang="en-GB"/>
               <a:t>PW-pipeline</a:t>
             </a:r>
-            <a:endParaRPr lang="en-GB"/>
           </a:p>
         </p:txBody>
       </p:sp>
@@ -2774,7 +2765,7 @@
           <a:p>
             <a:fld id="{6001CE5A-4101-43EE-BFB2-58C7A7024D00}" type="datetime1">
               <a:rPr lang="en-GB" smtClean="0"/>
-              <a:t>18/12/2017</a:t>
+              <a:t>20/12/2017</a:t>
             </a:fld>
             <a:endParaRPr lang="en-GB"/>
           </a:p>
@@ -2796,10 +2787,9 @@
           <a:lstStyle/>
           <a:p>
             <a:r>
-              <a:rPr lang="en-GB" smtClean="0"/>
+              <a:rPr lang="en-GB"/>
               <a:t>PW-pipeline</a:t>
             </a:r>
-            <a:endParaRPr lang="en-GB"/>
           </a:p>
         </p:txBody>
       </p:sp>
@@ -2991,7 +2981,7 @@
           <a:p>
             <a:fld id="{E124F8CC-8761-4124-A389-6C6DCCB38D99}" type="datetime1">
               <a:rPr lang="en-GB" smtClean="0"/>
-              <a:t>18/12/2017</a:t>
+              <a:t>20/12/2017</a:t>
             </a:fld>
             <a:endParaRPr lang="en-GB"/>
           </a:p>
@@ -3031,10 +3021,9 @@
           </a:lstStyle>
           <a:p>
             <a:r>
-              <a:rPr lang="en-GB" smtClean="0"/>
+              <a:rPr lang="en-GB"/>
               <a:t>PW-pipeline</a:t>
             </a:r>
-            <a:endParaRPr lang="en-GB"/>
           </a:p>
         </p:txBody>
       </p:sp>
@@ -3461,13 +3450,8 @@
             </a:r>
             <a:r>
               <a:rPr lang="en-GB" dirty="0"/>
-              <a:t> </a:t>
-            </a:r>
-            <a:r>
-              <a:rPr lang="en-GB" dirty="0" smtClean="0"/>
-              <a:t>pipeline for GWAS summary statistics</a:t>
-            </a:r>
-            <a:endParaRPr lang="en-GB" dirty="0"/>
+              <a:t> pipeline for GWAS summary statistics</a:t>
+            </a:r>
           </a:p>
         </p:txBody>
       </p:sp>
@@ -3511,13 +3495,6 @@
   <p:clrMapOvr>
     <a:masterClrMapping/>
   </p:clrMapOvr>
-  <p:timing>
-    <p:tnLst>
-      <p:par>
-        <p:cTn id="1" dur="indefinite" restart="never" nodeType="tmRoot"/>
-      </p:par>
-    </p:tnLst>
-  </p:timing>
 </p:sld>
 </file>
 
@@ -3555,10 +3532,9 @@
           <a:p>
             <a:pPr algn="ctr"/>
             <a:r>
-              <a:rPr lang="en-GB" b="1" dirty="0" smtClean="0"/>
+              <a:rPr lang="en-GB" b="1" dirty="0"/>
               <a:t>Power comparison using a benchmark</a:t>
             </a:r>
-            <a:endParaRPr lang="en-GB" b="1" dirty="0"/>
           </a:p>
         </p:txBody>
       </p:sp>
@@ -3645,7 +3621,7 @@
                           <a:spcPts val="0"/>
                         </a:spcAft>
                       </a:pPr>
-                      <a:endParaRPr lang="en-GB" sz="1800" dirty="0" smtClean="0">
+                      <a:endParaRPr lang="en-GB" sz="1800" dirty="0">
                         <a:effectLst/>
                       </a:endParaRPr>
                     </a:p>
@@ -3658,7 +3634,7 @@
                           <a:spcPts val="0"/>
                         </a:spcAft>
                       </a:pPr>
-                      <a:endParaRPr lang="en-GB" sz="1800" dirty="0" smtClean="0">
+                      <a:endParaRPr lang="en-GB" sz="1800" dirty="0">
                         <a:effectLst/>
                       </a:endParaRPr>
                     </a:p>
@@ -3672,16 +3648,10 @@
                         </a:spcAft>
                       </a:pPr>
                       <a:r>
-                        <a:rPr lang="en-GB" sz="1800" dirty="0" smtClean="0">
-                          <a:effectLst/>
-                        </a:rPr>
-                        <a:t>Common </a:t>
-                      </a:r>
-                      <a:r>
                         <a:rPr lang="en-GB" sz="1800" dirty="0">
                           <a:effectLst/>
                         </a:rPr>
-                        <a:t>database</a:t>
+                        <a:t>Common database</a:t>
                       </a:r>
                       <a:endParaRPr lang="en-GB" sz="1800" dirty="0">
                         <a:effectLst/>
@@ -3710,13 +3680,7 @@
                         <a:rPr lang="en-GB" sz="1800" dirty="0">
                           <a:effectLst/>
                         </a:rPr>
-                        <a:t> </a:t>
-                      </a:r>
-                      <a:r>
-                        <a:rPr lang="en-GB" sz="1800" dirty="0" smtClean="0">
-                          <a:effectLst/>
-                        </a:rPr>
-                        <a:t>Nominal</a:t>
+                        <a:t> Nominal</a:t>
                       </a:r>
                       <a:endParaRPr lang="en-GB" sz="1800" dirty="0">
                         <a:effectLst/>
@@ -3742,7 +3706,7 @@
                         </a:spcAft>
                       </a:pPr>
                       <a:r>
-                        <a:rPr lang="en-GB" sz="1800" dirty="0" err="1" smtClean="0">
+                        <a:rPr lang="en-GB" sz="1800" dirty="0" err="1">
                           <a:effectLst/>
                         </a:rPr>
                         <a:t>Bonferroni</a:t>
@@ -3777,25 +3741,13 @@
                         </a:spcAft>
                       </a:pPr>
                       <a:r>
-                        <a:rPr lang="en-GB" sz="1800" dirty="0" smtClean="0">
-                          <a:effectLst/>
-                        </a:rPr>
-                        <a:t>FDR&lt;0.05</a:t>
-                      </a:r>
-                      <a:r>
                         <a:rPr lang="en-GB" sz="1800" dirty="0">
                           <a:effectLst/>
                         </a:rPr>
-                        <a:t> </a:t>
-                      </a:r>
-                      <a:r>
-                        <a:rPr lang="en-GB" sz="1800" dirty="0" smtClean="0">
-                          <a:effectLst/>
-                        </a:rPr>
-                        <a:t> from</a:t>
-                      </a:r>
-                      <a:r>
-                        <a:rPr lang="en-GB" sz="1800" baseline="0" dirty="0" smtClean="0">
+                        <a:t>FDR&lt;0.05  from</a:t>
+                      </a:r>
+                      <a:r>
+                        <a:rPr lang="en-GB" sz="1800" baseline="0" dirty="0">
                           <a:effectLst/>
                         </a:rPr>
                         <a:t> software</a:t>
@@ -3824,19 +3776,13 @@
                         </a:spcAft>
                       </a:pPr>
                       <a:r>
-                        <a:rPr lang="en-GB" sz="1800" dirty="0" smtClean="0">
-                          <a:effectLst/>
-                        </a:rPr>
-                        <a:t>FDR&lt;0.05</a:t>
-                      </a:r>
-                      <a:r>
                         <a:rPr lang="en-GB" sz="1800" dirty="0">
                           <a:effectLst/>
                         </a:rPr>
-                        <a:t> </a:t>
-                      </a:r>
-                      <a:r>
-                        <a:rPr lang="en-GB" sz="1800" baseline="0" dirty="0" smtClean="0">
+                        <a:t>FDR&lt;0.05 </a:t>
+                      </a:r>
+                      <a:r>
+                        <a:rPr lang="en-GB" sz="1800" baseline="0" dirty="0">
                           <a:effectLst/>
                         </a:rPr>
                         <a:t> from R</a:t>
@@ -3865,13 +3811,13 @@
                         </a:spcAft>
                       </a:pPr>
                       <a:r>
-                        <a:rPr lang="en-GB" sz="1800" dirty="0" smtClean="0">
+                        <a:rPr lang="en-GB" sz="1800" dirty="0">
                           <a:effectLst/>
                         </a:rPr>
                         <a:t>Running</a:t>
                       </a:r>
                       <a:r>
-                        <a:rPr lang="en-GB" sz="1800" baseline="0" dirty="0" smtClean="0">
+                        <a:rPr lang="en-GB" sz="1800" baseline="0" dirty="0">
                           <a:effectLst/>
                         </a:rPr>
                         <a:t> time</a:t>
@@ -3942,7 +3888,7 @@
                         </a:spcAft>
                       </a:pPr>
                       <a:r>
-                        <a:rPr lang="en-GB" sz="1800" dirty="0" smtClean="0">
+                        <a:rPr lang="en-GB" sz="1800" dirty="0">
                           <a:effectLst/>
                         </a:rPr>
                         <a:t>1,091</a:t>
@@ -4304,7 +4250,7 @@
                         </a:spcAft>
                       </a:pPr>
                       <a:r>
-                        <a:rPr lang="en-GB" sz="1800" dirty="0" smtClean="0">
+                        <a:rPr lang="en-GB" sz="1800" dirty="0">
                           <a:effectLst/>
                         </a:rPr>
                         <a:t>1,896</a:t>
@@ -4420,16 +4366,10 @@
                         </a:spcAft>
                       </a:pPr>
                       <a:r>
-                        <a:rPr lang="en-GB" sz="1800" smtClean="0">
-                          <a:effectLst/>
-                        </a:rPr>
-                        <a:t>&lt;3 </a:t>
-                      </a:r>
-                      <a:r>
                         <a:rPr lang="en-GB" sz="1800">
                           <a:effectLst/>
                         </a:rPr>
-                        <a:t>days</a:t>
+                        <a:t>&lt;3 days</a:t>
                       </a:r>
                       <a:endParaRPr lang="en-GB" sz="1800">
                         <a:effectLst/>
@@ -4491,7 +4431,7 @@
                         </a:spcAft>
                       </a:pPr>
                       <a:r>
-                        <a:rPr lang="en-GB" sz="1800" dirty="0" smtClean="0">
+                        <a:rPr lang="en-GB" sz="1800" dirty="0">
                           <a:effectLst/>
                         </a:rPr>
                         <a:t>2,569</a:t>
@@ -4549,7 +4489,7 @@
                         </a:spcAft>
                       </a:pPr>
                       <a:r>
-                        <a:rPr lang="en-GB" sz="1800" dirty="0" smtClean="0">
+                        <a:rPr lang="en-GB" sz="1800" dirty="0">
                           <a:effectLst/>
                         </a:rPr>
                         <a:t>1,418</a:t>
@@ -4578,7 +4518,7 @@
                         </a:spcAft>
                       </a:pPr>
                       <a:r>
-                        <a:rPr lang="en-GB" sz="1800" dirty="0" smtClean="0">
+                        <a:rPr lang="en-GB" sz="1800" dirty="0">
                           <a:effectLst/>
                         </a:rPr>
                         <a:t>1,272</a:t>
@@ -4607,13 +4547,13 @@
                         </a:spcAft>
                       </a:pPr>
                       <a:r>
-                        <a:rPr lang="en-GB" sz="1800" baseline="0" dirty="0" smtClean="0">
+                        <a:rPr lang="en-GB" sz="1800" baseline="0" dirty="0">
                           <a:effectLst/>
                         </a:rPr>
                         <a:t>&lt;1 </a:t>
                       </a:r>
                       <a:r>
-                        <a:rPr lang="en-GB" sz="1800" dirty="0" smtClean="0">
+                        <a:rPr lang="en-GB" sz="1800" dirty="0">
                           <a:effectLst/>
                         </a:rPr>
                         <a:t>hr</a:t>
@@ -4654,10 +4594,9 @@
           <a:lstStyle/>
           <a:p>
             <a:r>
-              <a:rPr lang="en-GB" smtClean="0"/>
+              <a:rPr lang="en-GB"/>
               <a:t>PW-pipeline</a:t>
             </a:r>
-            <a:endParaRPr lang="en-GB"/>
           </a:p>
         </p:txBody>
       </p:sp>
@@ -4694,13 +4633,6 @@
   <p:clrMapOvr>
     <a:masterClrMapping/>
   </p:clrMapOvr>
-  <p:timing>
-    <p:tnLst>
-      <p:par>
-        <p:cTn id="1" dur="indefinite" restart="never" nodeType="tmRoot"/>
-      </p:par>
-    </p:tnLst>
-  </p:timing>
 </p:sld>
 </file>
 
@@ -4723,7 +4655,13 @@
       </p:grpSpPr>
       <p:sp>
         <p:nvSpPr>
-          <p:cNvPr id="2" name="Title 1"/>
+          <p:cNvPr id="2" name="Title 1">
+            <a:extLst>
+              <a:ext uri="{FF2B5EF4-FFF2-40B4-BE49-F238E27FC236}">
+                <a16:creationId xmlns:a16="http://schemas.microsoft.com/office/drawing/2014/main" id="{C578C6E6-9963-452C-A0B9-B961A198FCED}"/>
+              </a:ext>
+            </a:extLst>
+          </p:cNvPr>
           <p:cNvSpPr>
             <a:spLocks noGrp="1"/>
           </p:cNvSpPr>
@@ -4738,16 +4676,21 @@
           <a:p>
             <a:pPr algn="ctr"/>
             <a:r>
-              <a:rPr lang="en-GB" b="1" dirty="0" smtClean="0"/>
-              <a:t>Final remarks</a:t>
-            </a:r>
-            <a:endParaRPr lang="en-GB" b="1" dirty="0"/>
-          </a:p>
-        </p:txBody>
-      </p:sp>
-      <p:sp>
-        <p:nvSpPr>
-          <p:cNvPr id="3" name="Content Placeholder 2"/>
+              <a:rPr lang="en-GB" dirty="0"/>
+              <a:t>Which software to use</a:t>
+            </a:r>
+          </a:p>
+        </p:txBody>
+      </p:sp>
+      <p:sp>
+        <p:nvSpPr>
+          <p:cNvPr id="3" name="Content Placeholder 2">
+            <a:extLst>
+              <a:ext uri="{FF2B5EF4-FFF2-40B4-BE49-F238E27FC236}">
+                <a16:creationId xmlns:a16="http://schemas.microsoft.com/office/drawing/2014/main" id="{7911F050-60EE-4F78-839E-EC193C6D5029}"/>
+              </a:ext>
+            </a:extLst>
+          </p:cNvPr>
           <p:cNvSpPr>
             <a:spLocks noGrp="1"/>
           </p:cNvSpPr>
@@ -4763,69 +4706,81 @@
           <a:lstStyle/>
           <a:p>
             <a:r>
-              <a:rPr lang="en-GB" dirty="0" smtClean="0"/>
-              <a:t>The common database</a:t>
-            </a:r>
-          </a:p>
-          <a:p>
-            <a:pPr lvl="1"/>
-            <a:r>
-              <a:rPr lang="en-GB" dirty="0" smtClean="0"/>
-              <a:t>facilitates cross-software comparison.</a:t>
-            </a:r>
-          </a:p>
-          <a:p>
-            <a:pPr lvl="1"/>
-            <a:r>
-              <a:rPr lang="en-GB" dirty="0" smtClean="0"/>
-              <a:t>allows for correlation between software to be calculated.</a:t>
-            </a:r>
-          </a:p>
-          <a:p>
-            <a:r>
-              <a:rPr lang="en-GB" dirty="0" smtClean="0"/>
-              <a:t>The pipeline </a:t>
-            </a:r>
-          </a:p>
-          <a:p>
-            <a:pPr lvl="1"/>
-            <a:r>
-              <a:rPr lang="en-GB" dirty="0" smtClean="0"/>
-              <a:t>takes advantage of the database to perform cluster analysis including affinity propagation clustering as well as build networks.</a:t>
-            </a:r>
-          </a:p>
-          <a:p>
-            <a:pPr lvl="1"/>
-            <a:r>
-              <a:rPr lang="en-GB" dirty="0" smtClean="0"/>
-              <a:t>Generates simple interaction format (SIF) and edge list (EL) formats which can be fed into </a:t>
-            </a:r>
-            <a:r>
-              <a:rPr lang="en-GB" dirty="0" err="1" smtClean="0"/>
-              <a:t>Cytoscape</a:t>
-            </a:r>
-            <a:r>
-              <a:rPr lang="en-GB" dirty="0" smtClean="0"/>
-              <a:t> for visualisation using a variety of layouts and analysis through many plugins. Further extensions are possible.</a:t>
-            </a:r>
-          </a:p>
-          <a:p>
-            <a:r>
-              <a:rPr lang="en-GB" dirty="0" smtClean="0"/>
-              <a:t>At the very least, use the setup for GWAS, e.g., MAGENTA + common database + clusters.</a:t>
-            </a:r>
-          </a:p>
-          <a:p>
-            <a:pPr marL="457200" lvl="1" indent="0">
-              <a:buNone/>
-            </a:pPr>
-            <a:endParaRPr lang="en-GB" dirty="0"/>
-          </a:p>
-        </p:txBody>
-      </p:sp>
-      <p:sp>
-        <p:nvSpPr>
-          <p:cNvPr id="6" name="Footer Placeholder 5"/>
+              <a:rPr lang="en-GB" dirty="0"/>
+              <a:t>It has been comfortable here with MAGENTA, so it would still be the starting point. However, it is desirable to use with other databases from </a:t>
+            </a:r>
+            <a:r>
+              <a:rPr lang="en-GB" dirty="0" err="1"/>
+              <a:t>MSigDB</a:t>
+            </a:r>
+            <a:r>
+              <a:rPr lang="en-GB" dirty="0"/>
+              <a:t> or DEPICT, the latter also facilitate network analysis.</a:t>
+            </a:r>
+          </a:p>
+          <a:p>
+            <a:r>
+              <a:rPr lang="en-GB" dirty="0"/>
+              <a:t>When seeking more power, PASCAL is the next choice as it is the closest to DEPICT in that respect.</a:t>
+            </a:r>
+          </a:p>
+          <a:p>
+            <a:r>
+              <a:rPr lang="en-GB" dirty="0"/>
+              <a:t>DEPICT features tissue enrichment analysis which can be coupled with </a:t>
+            </a:r>
+            <a:r>
+              <a:rPr lang="en-GB" dirty="0" err="1"/>
+              <a:t>GTEx</a:t>
+            </a:r>
+            <a:r>
+              <a:rPr lang="en-GB" dirty="0"/>
+              <a:t> data as implemented in FUSION/TWAS-pipeline/</a:t>
+            </a:r>
+            <a:r>
+              <a:rPr lang="en-GB" dirty="0" err="1"/>
+              <a:t>MetaXcan</a:t>
+            </a:r>
+            <a:r>
+              <a:rPr lang="en-GB" dirty="0"/>
+              <a:t>.</a:t>
+            </a:r>
+          </a:p>
+          <a:p>
+            <a:r>
+              <a:rPr lang="en-GB" dirty="0"/>
+              <a:t>We are open to other software such as DAVID, DEPICT adapted for exome data, inverse normal transformed version, etc.</a:t>
+            </a:r>
+          </a:p>
+          <a:p>
+            <a:r>
+              <a:rPr lang="en-GB"/>
+              <a:t>To ease interpretation, </a:t>
+            </a:r>
+            <a:r>
+              <a:rPr lang="en-GB" dirty="0"/>
+              <a:t>we can use </a:t>
+            </a:r>
+            <a:r>
+              <a:rPr lang="en-GB" dirty="0" err="1"/>
+              <a:t>MSigDB</a:t>
+            </a:r>
+            <a:r>
+              <a:rPr lang="en-GB" dirty="0"/>
+              <a:t>/c2 for instance.</a:t>
+            </a:r>
+          </a:p>
+        </p:txBody>
+      </p:sp>
+      <p:sp>
+        <p:nvSpPr>
+          <p:cNvPr id="4" name="Footer Placeholder 3">
+            <a:extLst>
+              <a:ext uri="{FF2B5EF4-FFF2-40B4-BE49-F238E27FC236}">
+                <a16:creationId xmlns:a16="http://schemas.microsoft.com/office/drawing/2014/main" id="{CB56C53E-5AA6-4445-8310-80F39E373592}"/>
+              </a:ext>
+            </a:extLst>
+          </p:cNvPr>
           <p:cNvSpPr>
             <a:spLocks noGrp="1"/>
           </p:cNvSpPr>
@@ -4839,16 +4794,21 @@
           <a:lstStyle/>
           <a:p>
             <a:r>
-              <a:rPr lang="en-GB" smtClean="0"/>
+              <a:rPr lang="en-GB"/>
               <a:t>PW-pipeline</a:t>
             </a:r>
-            <a:endParaRPr lang="en-GB"/>
-          </a:p>
-        </p:txBody>
-      </p:sp>
-      <p:sp>
-        <p:nvSpPr>
-          <p:cNvPr id="7" name="Slide Number Placeholder 6"/>
+          </a:p>
+        </p:txBody>
+      </p:sp>
+      <p:sp>
+        <p:nvSpPr>
+          <p:cNvPr id="5" name="Slide Number Placeholder 4">
+            <a:extLst>
+              <a:ext uri="{FF2B5EF4-FFF2-40B4-BE49-F238E27FC236}">
+                <a16:creationId xmlns:a16="http://schemas.microsoft.com/office/drawing/2014/main" id="{3C6CFC43-56C3-4263-A119-89ADDD0C8539}"/>
+              </a:ext>
+            </a:extLst>
+          </p:cNvPr>
           <p:cNvSpPr>
             <a:spLocks noGrp="1"/>
           </p:cNvSpPr>
@@ -4872,20 +4832,13 @@
     </p:spTree>
     <p:extLst>
       <p:ext uri="{BB962C8B-B14F-4D97-AF65-F5344CB8AC3E}">
-        <p14:creationId xmlns:p14="http://schemas.microsoft.com/office/powerpoint/2010/main" val="943105105"/>
+        <p14:creationId xmlns:p14="http://schemas.microsoft.com/office/powerpoint/2010/main" val="4250874685"/>
       </p:ext>
     </p:extLst>
   </p:cSld>
   <p:clrMapOvr>
     <a:masterClrMapping/>
   </p:clrMapOvr>
-  <p:timing>
-    <p:tnLst>
-      <p:par>
-        <p:cTn id="1" dur="indefinite" restart="never" nodeType="tmRoot"/>
-      </p:par>
-    </p:tnLst>
-  </p:timing>
 </p:sld>
 </file>
 
@@ -4923,6 +4876,182 @@
           <a:p>
             <a:pPr algn="ctr"/>
             <a:r>
+              <a:rPr lang="en-GB" b="1" dirty="0"/>
+              <a:t>Final remarks</a:t>
+            </a:r>
+          </a:p>
+        </p:txBody>
+      </p:sp>
+      <p:sp>
+        <p:nvSpPr>
+          <p:cNvPr id="3" name="Content Placeholder 2"/>
+          <p:cNvSpPr>
+            <a:spLocks noGrp="1"/>
+          </p:cNvSpPr>
+          <p:nvPr>
+            <p:ph idx="1"/>
+          </p:nvPr>
+        </p:nvSpPr>
+        <p:spPr/>
+        <p:txBody>
+          <a:bodyPr>
+            <a:normAutofit lnSpcReduction="10000"/>
+          </a:bodyPr>
+          <a:lstStyle/>
+          <a:p>
+            <a:r>
+              <a:rPr lang="en-GB" dirty="0"/>
+              <a:t>The common database</a:t>
+            </a:r>
+          </a:p>
+          <a:p>
+            <a:pPr lvl="1"/>
+            <a:r>
+              <a:rPr lang="en-GB" dirty="0"/>
+              <a:t>facilitates cross-software comparison.</a:t>
+            </a:r>
+          </a:p>
+          <a:p>
+            <a:pPr lvl="1"/>
+            <a:r>
+              <a:rPr lang="en-GB" dirty="0"/>
+              <a:t>allows for correlation between software to be calculated.</a:t>
+            </a:r>
+          </a:p>
+          <a:p>
+            <a:r>
+              <a:rPr lang="en-GB" dirty="0"/>
+              <a:t>The pipeline </a:t>
+            </a:r>
+          </a:p>
+          <a:p>
+            <a:pPr lvl="1"/>
+            <a:r>
+              <a:rPr lang="en-GB" dirty="0"/>
+              <a:t>takes advantage of the database to perform cluster analysis including affinity propagation clustering as well as build networks.</a:t>
+            </a:r>
+          </a:p>
+          <a:p>
+            <a:pPr lvl="1"/>
+            <a:r>
+              <a:rPr lang="en-GB" dirty="0"/>
+              <a:t>Generates simple interaction format (SIF) and edge list (EL) formats which can be fed into </a:t>
+            </a:r>
+            <a:r>
+              <a:rPr lang="en-GB" dirty="0" err="1"/>
+              <a:t>Cytoscape</a:t>
+            </a:r>
+            <a:r>
+              <a:rPr lang="en-GB" dirty="0"/>
+              <a:t> for visualisation using a variety of layouts and analysis through many plugins. Further extensions are possible.</a:t>
+            </a:r>
+          </a:p>
+          <a:p>
+            <a:r>
+              <a:rPr lang="en-GB" dirty="0"/>
+              <a:t>At the very least, use the setup for GWAS, e.g., MAGENTA + common database + clusters.</a:t>
+            </a:r>
+          </a:p>
+          <a:p>
+            <a:pPr marL="457200" lvl="1" indent="0">
+              <a:buNone/>
+            </a:pPr>
+            <a:endParaRPr lang="en-GB" dirty="0"/>
+          </a:p>
+        </p:txBody>
+      </p:sp>
+      <p:sp>
+        <p:nvSpPr>
+          <p:cNvPr id="6" name="Footer Placeholder 5"/>
+          <p:cNvSpPr>
+            <a:spLocks noGrp="1"/>
+          </p:cNvSpPr>
+          <p:nvPr>
+            <p:ph type="ftr" sz="quarter" idx="11"/>
+          </p:nvPr>
+        </p:nvSpPr>
+        <p:spPr/>
+        <p:txBody>
+          <a:bodyPr/>
+          <a:lstStyle/>
+          <a:p>
+            <a:r>
+              <a:rPr lang="en-GB"/>
+              <a:t>PW-pipeline</a:t>
+            </a:r>
+          </a:p>
+        </p:txBody>
+      </p:sp>
+      <p:sp>
+        <p:nvSpPr>
+          <p:cNvPr id="7" name="Slide Number Placeholder 6"/>
+          <p:cNvSpPr>
+            <a:spLocks noGrp="1"/>
+          </p:cNvSpPr>
+          <p:nvPr>
+            <p:ph type="sldNum" sz="quarter" idx="12"/>
+          </p:nvPr>
+        </p:nvSpPr>
+        <p:spPr/>
+        <p:txBody>
+          <a:bodyPr/>
+          <a:lstStyle/>
+          <a:p>
+            <a:fld id="{1FB4BD47-2A83-4A56-970D-480688504C1B}" type="slidenum">
+              <a:rPr lang="en-GB" smtClean="0"/>
+              <a:t>12</a:t>
+            </a:fld>
+            <a:endParaRPr lang="en-GB"/>
+          </a:p>
+        </p:txBody>
+      </p:sp>
+    </p:spTree>
+    <p:extLst>
+      <p:ext uri="{BB962C8B-B14F-4D97-AF65-F5344CB8AC3E}">
+        <p14:creationId xmlns:p14="http://schemas.microsoft.com/office/powerpoint/2010/main" val="943105105"/>
+      </p:ext>
+    </p:extLst>
+  </p:cSld>
+  <p:clrMapOvr>
+    <a:masterClrMapping/>
+  </p:clrMapOvr>
+</p:sld>
+</file>
+
+<file path=ppt/slides/slide13.xml><?xml version="1.0" encoding="utf-8"?>
+<p:sld xmlns:a="http://schemas.openxmlformats.org/drawingml/2006/main" xmlns:r="http://schemas.openxmlformats.org/officeDocument/2006/relationships" xmlns:p="http://schemas.openxmlformats.org/presentationml/2006/main">
+  <p:cSld>
+    <p:spTree>
+      <p:nvGrpSpPr>
+        <p:cNvPr id="1" name=""/>
+        <p:cNvGrpSpPr/>
+        <p:nvPr/>
+      </p:nvGrpSpPr>
+      <p:grpSpPr>
+        <a:xfrm>
+          <a:off x="0" y="0"/>
+          <a:ext cx="0" cy="0"/>
+          <a:chOff x="0" y="0"/>
+          <a:chExt cx="0" cy="0"/>
+        </a:xfrm>
+      </p:grpSpPr>
+      <p:sp>
+        <p:nvSpPr>
+          <p:cNvPr id="2" name="Title 1"/>
+          <p:cNvSpPr>
+            <a:spLocks noGrp="1"/>
+          </p:cNvSpPr>
+          <p:nvPr>
+            <p:ph type="title"/>
+          </p:nvPr>
+        </p:nvSpPr>
+        <p:spPr/>
+        <p:txBody>
+          <a:bodyPr/>
+          <a:lstStyle/>
+          <a:p>
+            <a:pPr algn="ctr"/>
+            <a:r>
               <a:rPr lang="en-US" b="1" dirty="0"/>
               <a:t>References</a:t>
             </a:r>
@@ -4948,12 +5077,8 @@
           <a:lstStyle/>
           <a:p>
             <a:r>
-              <a:rPr lang="en-US" dirty="0" smtClean="0"/>
-              <a:t>Segre </a:t>
-            </a:r>
-            <a:r>
               <a:rPr lang="en-US" dirty="0"/>
-              <a:t>AV, et al (2010). Common Inherited Variation in Mitochondrial Genes Is Not Enriched for Associations with Type 2 Diabetes or Related Glycemic Traits. </a:t>
+              <a:t>Segre AV, et al (2010). Common Inherited Variation in Mitochondrial Genes Is Not Enriched for Associations with Type 2 Diabetes or Related Glycemic Traits. </a:t>
             </a:r>
             <a:r>
               <a:rPr lang="en-US" dirty="0" err="1"/>
@@ -5051,11 +5176,7 @@
             </a:r>
             <a:r>
               <a:rPr lang="en-US" dirty="0"/>
-              <a:t>: </a:t>
-            </a:r>
-            <a:r>
-              <a:rPr lang="en-US" dirty="0" smtClean="0"/>
-              <a:t>10.1371/journal.pcbi.1004714</a:t>
+              <a:t>: 10.1371/journal.pcbi.1004714</a:t>
             </a:r>
           </a:p>
           <a:p>
@@ -5106,10 +5227,9 @@
           <a:lstStyle/>
           <a:p>
             <a:r>
-              <a:rPr lang="en-GB" smtClean="0"/>
+              <a:rPr lang="en-GB"/>
               <a:t>PW-pipeline</a:t>
             </a:r>
-            <a:endParaRPr lang="en-GB"/>
           </a:p>
         </p:txBody>
       </p:sp>
@@ -5130,7 +5250,7 @@
           <a:p>
             <a:fld id="{1FB4BD47-2A83-4A56-970D-480688504C1B}" type="slidenum">
               <a:rPr lang="en-GB" smtClean="0"/>
-              <a:t>12</a:t>
+              <a:t>13</a:t>
             </a:fld>
             <a:endParaRPr lang="en-GB"/>
           </a:p>
@@ -5146,13 +5266,6 @@
   <p:clrMapOvr>
     <a:masterClrMapping/>
   </p:clrMapOvr>
-  <p:timing>
-    <p:tnLst>
-      <p:par>
-        <p:cTn id="1" dur="indefinite" restart="never" nodeType="tmRoot"/>
-      </p:par>
-    </p:tnLst>
-  </p:timing>
 </p:sld>
 </file>
 
@@ -5190,10 +5303,9 @@
           <a:p>
             <a:pPr algn="ctr"/>
             <a:r>
-              <a:rPr lang="en-GB" b="1" dirty="0" smtClean="0"/>
+              <a:rPr lang="en-GB" b="1" dirty="0"/>
               <a:t>Rationale for the pipeline</a:t>
             </a:r>
-            <a:endParaRPr lang="en-GB" b="1" dirty="0"/>
           </a:p>
         </p:txBody>
       </p:sp>
@@ -5215,7 +5327,7 @@
           <a:lstStyle/>
           <a:p>
             <a:r>
-              <a:rPr lang="en-US" dirty="0" smtClean="0"/>
+              <a:rPr lang="en-US" dirty="0"/>
               <a:t>Named analogously to FM-pipeline introduced earlier, the aim of the pipeline is to</a:t>
             </a:r>
           </a:p>
@@ -5223,57 +5335,40 @@
             <a:pPr marL="0" indent="0">
               <a:buNone/>
             </a:pPr>
-            <a:endParaRPr lang="en-GB" dirty="0" smtClean="0"/>
+            <a:endParaRPr lang="en-GB" dirty="0"/>
           </a:p>
           <a:p>
             <a:pPr lvl="1"/>
             <a:r>
-              <a:rPr lang="en-GB" dirty="0" smtClean="0"/>
+              <a:rPr lang="en-GB" dirty="0"/>
               <a:t>facilitate setup of software. </a:t>
             </a:r>
           </a:p>
           <a:p>
             <a:pPr lvl="1"/>
-            <a:endParaRPr lang="en-GB" dirty="0" smtClean="0"/>
+            <a:endParaRPr lang="en-GB" dirty="0"/>
           </a:p>
           <a:p>
             <a:pPr lvl="1"/>
             <a:r>
-              <a:rPr lang="en-GB" dirty="0" smtClean="0"/>
-              <a:t>accommodate input of GWAS </a:t>
-            </a:r>
-            <a:r>
               <a:rPr lang="en-GB" dirty="0"/>
-              <a:t>summary </a:t>
-            </a:r>
-            <a:r>
-              <a:rPr lang="en-GB" dirty="0" smtClean="0"/>
-              <a:t>statistics</a:t>
-            </a:r>
+              <a:t>accommodate input of GWAS summary statistics, pathway databases and software outputs, which allow for comparisons.</a:t>
+            </a:r>
+          </a:p>
+          <a:p>
+            <a:pPr lvl="1"/>
+            <a:endParaRPr lang="en-GB" dirty="0"/>
+          </a:p>
+          <a:p>
+            <a:pPr lvl="1"/>
             <a:r>
               <a:rPr lang="en-GB" dirty="0"/>
-              <a:t>, pathway databases </a:t>
-            </a:r>
-            <a:r>
-              <a:rPr lang="en-GB" dirty="0" smtClean="0"/>
-              <a:t>and software outputs, which allow for comparisons.</a:t>
-            </a:r>
+              <a:t>obtain additional statistics such as FDR and perform network analysis, which could be difficult to users.</a:t>
+            </a:r>
+          </a:p>
+          <a:p>
             <a:endParaRPr lang="en-GB" dirty="0"/>
           </a:p>
-          <a:p>
-            <a:pPr lvl="1"/>
-            <a:endParaRPr lang="en-GB" dirty="0" smtClean="0"/>
-          </a:p>
-          <a:p>
-            <a:pPr lvl="1"/>
-            <a:r>
-              <a:rPr lang="en-GB" dirty="0" smtClean="0"/>
-              <a:t>obtain additional statistics such as FDR and perform network analysis, which could be difficult to users.</a:t>
-            </a:r>
-          </a:p>
-          <a:p>
-            <a:endParaRPr lang="en-GB" dirty="0"/>
-          </a:p>
         </p:txBody>
       </p:sp>
       <p:sp>
@@ -5292,10 +5387,9 @@
           <a:lstStyle/>
           <a:p>
             <a:r>
-              <a:rPr lang="en-GB" smtClean="0"/>
+              <a:rPr lang="en-GB"/>
               <a:t>PW-pipeline</a:t>
             </a:r>
-            <a:endParaRPr lang="en-GB"/>
           </a:p>
         </p:txBody>
       </p:sp>
@@ -5332,13 +5426,6 @@
   <p:clrMapOvr>
     <a:masterClrMapping/>
   </p:clrMapOvr>
-  <p:timing>
-    <p:tnLst>
-      <p:par>
-        <p:cTn id="1" dur="indefinite" restart="never" nodeType="tmRoot"/>
-      </p:par>
-    </p:tnLst>
-  </p:timing>
 </p:sld>
 </file>
 
@@ -5376,7 +5463,7 @@
           <a:p>
             <a:pPr algn="ctr"/>
             <a:r>
-              <a:rPr lang="en-US" b="1" dirty="0" smtClean="0"/>
+              <a:rPr lang="en-US" b="1" dirty="0"/>
               <a:t>Elements in the pathway analysis</a:t>
             </a:r>
             <a:endParaRPr lang="en-GB" b="1" dirty="0"/>
@@ -5404,20 +5491,8 @@
               <a:buNone/>
             </a:pPr>
             <a:r>
-              <a:rPr lang="en-GB" dirty="0" smtClean="0"/>
-              <a:t>We consider pathway </a:t>
-            </a:r>
-            <a:r>
               <a:rPr lang="en-GB" dirty="0"/>
-              <a:t>analysis using GWAS summary </a:t>
-            </a:r>
-            <a:r>
-              <a:rPr lang="en-GB" dirty="0" smtClean="0"/>
-              <a:t>statistics, which </a:t>
-            </a:r>
-            <a:r>
-              <a:rPr lang="en-GB" dirty="0"/>
-              <a:t>conceptually involves several steps,</a:t>
+              <a:t>We consider pathway analysis using GWAS summary statistics, which conceptually involves several steps,</a:t>
             </a:r>
           </a:p>
           <a:p>
@@ -5483,10 +5558,9 @@
           <a:lstStyle/>
           <a:p>
             <a:r>
-              <a:rPr lang="en-GB" smtClean="0"/>
+              <a:rPr lang="en-GB"/>
               <a:t>PW-pipeline</a:t>
             </a:r>
-            <a:endParaRPr lang="en-GB"/>
           </a:p>
         </p:txBody>
       </p:sp>
@@ -5523,13 +5597,6 @@
   <p:clrMapOvr>
     <a:masterClrMapping/>
   </p:clrMapOvr>
-  <p:timing>
-    <p:tnLst>
-      <p:par>
-        <p:cTn id="1" dur="indefinite" restart="never" nodeType="tmRoot"/>
-      </p:par>
-    </p:tnLst>
-  </p:timing>
 </p:sld>
 </file>
 
@@ -5567,10 +5634,9 @@
           <a:p>
             <a:pPr algn="ctr"/>
             <a:r>
-              <a:rPr lang="en-GB" b="1" dirty="0" smtClean="0"/>
+              <a:rPr lang="en-GB" b="1" dirty="0"/>
               <a:t>Available software for the pipeline</a:t>
             </a:r>
-            <a:endParaRPr lang="en-GB" b="1" dirty="0"/>
           </a:p>
         </p:txBody>
       </p:sp>
@@ -6136,10 +6202,9 @@
           <a:lstStyle/>
           <a:p>
             <a:r>
-              <a:rPr lang="en-GB" smtClean="0"/>
+              <a:rPr lang="en-GB"/>
               <a:t>PW-pipeline</a:t>
             </a:r>
-            <a:endParaRPr lang="en-GB"/>
           </a:p>
         </p:txBody>
       </p:sp>
@@ -6176,13 +6241,6 @@
   <p:clrMapOvr>
     <a:masterClrMapping/>
   </p:clrMapOvr>
-  <p:timing>
-    <p:tnLst>
-      <p:par>
-        <p:cTn id="1" dur="indefinite" restart="never" nodeType="tmRoot"/>
-      </p:par>
-    </p:tnLst>
-  </p:timing>
 </p:sld>
 </file>
 
@@ -6220,10 +6278,9 @@
           <a:p>
             <a:pPr algn="ctr"/>
             <a:r>
-              <a:rPr lang="en-GB" b="1" dirty="0" smtClean="0"/>
+              <a:rPr lang="en-GB" b="1" dirty="0"/>
               <a:t>How to use the pipeline</a:t>
             </a:r>
-            <a:endParaRPr lang="en-GB" b="1" dirty="0"/>
           </a:p>
         </p:txBody>
       </p:sp>
@@ -6261,12 +6318,8 @@
               <a:buNone/>
             </a:pPr>
             <a:r>
-              <a:rPr lang="en-GB" dirty="0" smtClean="0"/>
-              <a:t>INPUT</a:t>
-            </a:r>
-            <a:r>
               <a:rPr lang="en-GB" dirty="0"/>
-              <a:t>. GWAS summary statistics </a:t>
+              <a:t>INPUT. GWAS summary statistics </a:t>
             </a:r>
             <a:r>
               <a:rPr lang="en-GB" b="1" dirty="0"/>
@@ -6301,49 +6354,24 @@
               <a:buNone/>
             </a:pPr>
             <a:r>
-              <a:rPr lang="en-GB" dirty="0" smtClean="0"/>
-              <a:t>OUTPUT</a:t>
-            </a:r>
-            <a:r>
               <a:rPr lang="en-GB" dirty="0"/>
-              <a:t>. One can choose software, e.g., MAGENTA, MAGMA</a:t>
-            </a:r>
-            <a:r>
-              <a:rPr lang="en-GB" dirty="0" smtClean="0"/>
-              <a:t>.</a:t>
+              <a:t>OUTPUT. One can choose software, e.g., MAGENTA, MAGMA.</a:t>
             </a:r>
           </a:p>
           <a:p>
             <a:pPr marL="0" indent="0">
               <a:buNone/>
             </a:pPr>
-            <a:endParaRPr lang="en-GB" dirty="0" smtClean="0"/>
+            <a:endParaRPr lang="en-GB" dirty="0"/>
           </a:p>
           <a:p>
             <a:pPr marL="0" indent="0">
               <a:buNone/>
             </a:pPr>
             <a:r>
-              <a:rPr lang="en-GB" dirty="0" smtClean="0"/>
-              <a:t>Examples are given to get SNP positions from specific builds base on UCSC; more details are available </a:t>
-            </a:r>
-            <a:r>
               <a:rPr lang="en-GB" dirty="0"/>
-              <a:t>from </a:t>
-            </a:r>
-            <a:r>
-              <a:rPr lang="en-GB" dirty="0" smtClean="0"/>
-              <a:t>/genetics/bin/PW-pipeline and https</a:t>
-            </a:r>
-            <a:r>
-              <a:rPr lang="en-GB" dirty="0"/>
-              <a:t>://</a:t>
-            </a:r>
-            <a:r>
-              <a:rPr lang="en-GB" dirty="0" smtClean="0"/>
-              <a:t>github.com/jinghuazhao/PW-pipeline. </a:t>
-            </a:r>
-            <a:endParaRPr lang="en-GB" dirty="0"/>
+              <a:t>Examples are given to get SNP positions from specific builds base on UCSC; more details are available from /genetics/bin/PW-pipeline and https://github.com/jinghuazhao/PW-pipeline. </a:t>
+            </a:r>
           </a:p>
         </p:txBody>
       </p:sp>
@@ -6363,10 +6391,9 @@
           <a:lstStyle/>
           <a:p>
             <a:r>
-              <a:rPr lang="en-GB" smtClean="0"/>
+              <a:rPr lang="en-GB"/>
               <a:t>PW-pipeline</a:t>
             </a:r>
-            <a:endParaRPr lang="en-GB"/>
           </a:p>
         </p:txBody>
       </p:sp>
@@ -6403,13 +6430,6 @@
   <p:clrMapOvr>
     <a:masterClrMapping/>
   </p:clrMapOvr>
-  <p:timing>
-    <p:tnLst>
-      <p:par>
-        <p:cTn id="1" dur="indefinite" restart="never" nodeType="tmRoot"/>
-      </p:par>
-    </p:tnLst>
-  </p:timing>
 </p:sld>
 </file>
 
@@ -6447,7 +6467,7 @@
           <a:p>
             <a:pPr algn="ctr"/>
             <a:r>
-              <a:rPr lang="en-US" b="1" dirty="0" smtClean="0"/>
+              <a:rPr lang="en-US" b="1" dirty="0"/>
               <a:t>Issues resolved</a:t>
             </a:r>
             <a:endParaRPr lang="en-GB" b="1" dirty="0"/>
@@ -6471,7 +6491,7 @@
           <a:p>
             <a:pPr lvl="1"/>
             <a:r>
-              <a:rPr lang="en-GB" dirty="0" smtClean="0"/>
+              <a:rPr lang="en-GB" dirty="0"/>
               <a:t>R</a:t>
             </a:r>
           </a:p>
@@ -6479,64 +6499,35 @@
             <a:pPr lvl="2"/>
             <a:r>
               <a:rPr lang="en-GB" dirty="0"/>
-              <a:t>export R_LIBS=/genetics/bin/R:/</a:t>
-            </a:r>
-            <a:r>
-              <a:rPr lang="en-GB" dirty="0" smtClean="0"/>
-              <a:t>usr/local/lib64/R/library</a:t>
+              <a:t>export R_LIBS=/genetics/bin/R:/usr/local/lib64/R/library</a:t>
             </a:r>
           </a:p>
           <a:p>
             <a:pPr lvl="1"/>
             <a:r>
-              <a:rPr lang="en-GB" dirty="0" smtClean="0"/>
-              <a:t>MAGENTA </a:t>
-            </a:r>
-            <a:r>
               <a:rPr lang="en-GB" dirty="0"/>
-              <a:t>is in </a:t>
-            </a:r>
-            <a:r>
-              <a:rPr lang="en-GB" dirty="0" smtClean="0"/>
-              <a:t>MATLAB </a:t>
-            </a:r>
+              <a:t>MAGENTA is in MATLAB and largely requires user copy and interactive use.</a:t>
+            </a:r>
+          </a:p>
+          <a:p>
+            <a:pPr lvl="2"/>
             <a:r>
               <a:rPr lang="en-GB" dirty="0"/>
-              <a:t>and largely requires user copy and interactive use</a:t>
-            </a:r>
-            <a:r>
-              <a:rPr lang="en-GB" dirty="0" smtClean="0"/>
-              <a:t>.</a:t>
+              <a:t>compiled version to be explored</a:t>
+            </a:r>
+          </a:p>
+          <a:p>
+            <a:pPr lvl="1"/>
+            <a:r>
+              <a:rPr lang="en-GB" dirty="0"/>
+              <a:t>DEPICT would needs user-specific setup of Python.</a:t>
             </a:r>
           </a:p>
           <a:p>
             <a:pPr lvl="2"/>
             <a:r>
-              <a:rPr lang="en-GB" dirty="0" smtClean="0"/>
-              <a:t>compiled version to be explored</a:t>
-            </a:r>
-            <a:endParaRPr lang="en-GB" dirty="0"/>
-          </a:p>
-          <a:p>
-            <a:pPr lvl="1"/>
-            <a:r>
-              <a:rPr lang="en-GB" dirty="0"/>
-              <a:t>DEPICT would needs user-specific setup of Python</a:t>
-            </a:r>
-            <a:r>
-              <a:rPr lang="en-GB" dirty="0" smtClean="0"/>
-              <a:t>.</a:t>
-            </a:r>
-          </a:p>
-          <a:p>
-            <a:pPr lvl="2"/>
-            <a:r>
               <a:rPr lang="en-GB"/>
-              <a:t>export </a:t>
-            </a:r>
-            <a:r>
-              <a:rPr lang="en-GB" smtClean="0"/>
-              <a:t>PATH=/</a:t>
+              <a:t>export PATH=/</a:t>
             </a:r>
             <a:r>
               <a:rPr lang="en-GB" dirty="0"/>
@@ -6549,17 +6540,12 @@
               <a:rPr lang="en-GB" dirty="0"/>
               <a:t>export PYTHONPATH=/genetics/bin/anaconda2/lib/python2.7/site-packages</a:t>
             </a:r>
-            <a:endParaRPr lang="en-GB" dirty="0" smtClean="0"/>
           </a:p>
           <a:p>
             <a:pPr lvl="1"/>
             <a:r>
-              <a:rPr lang="en-GB" dirty="0" smtClean="0"/>
-              <a:t>PASCAL </a:t>
-            </a:r>
-            <a:r>
               <a:rPr lang="en-GB" dirty="0"/>
-              <a:t>needs a more recent version of </a:t>
+              <a:t>PASCAL needs a more recent version of </a:t>
             </a:r>
             <a:r>
               <a:rPr lang="en-GB" dirty="0" err="1"/>
@@ -6574,26 +6560,18 @@
             <a:pPr lvl="1"/>
             <a:r>
               <a:rPr lang="en-GB" dirty="0"/>
-              <a:t>MAGENTA and PASCAL could be very time-consuming and are ideally run on clusters</a:t>
-            </a:r>
-            <a:r>
-              <a:rPr lang="en-GB" dirty="0" smtClean="0"/>
-              <a:t>.</a:t>
+              <a:t>MAGENTA and PASCAL could be very time-consuming and are ideally run on clusters.</a:t>
             </a:r>
           </a:p>
           <a:p>
             <a:pPr lvl="2"/>
             <a:r>
-              <a:rPr lang="en-GB" dirty="0" err="1" smtClean="0"/>
+              <a:rPr lang="en-GB" dirty="0" err="1"/>
               <a:t>qsub</a:t>
             </a:r>
             <a:r>
-              <a:rPr lang="en-GB" dirty="0" smtClean="0"/>
-              <a:t>  </a:t>
-            </a:r>
-            <a:r>
               <a:rPr lang="en-GB" dirty="0"/>
-              <a:t>-</a:t>
+              <a:t>  -</a:t>
             </a:r>
             <a:r>
               <a:rPr lang="en-GB" dirty="0" err="1"/>
@@ -6622,10 +6600,9 @@
           <a:lstStyle/>
           <a:p>
             <a:r>
-              <a:rPr lang="en-GB" smtClean="0"/>
+              <a:rPr lang="en-GB"/>
               <a:t>PW-pipeline</a:t>
             </a:r>
-            <a:endParaRPr lang="en-GB"/>
           </a:p>
         </p:txBody>
       </p:sp>
@@ -6662,13 +6639,6 @@
   <p:clrMapOvr>
     <a:masterClrMapping/>
   </p:clrMapOvr>
-  <p:timing>
-    <p:tnLst>
-      <p:par>
-        <p:cTn id="1" dur="indefinite" restart="never" nodeType="tmRoot"/>
-      </p:par>
-    </p:tnLst>
-  </p:timing>
 </p:sld>
 </file>
 
@@ -6706,7 +6676,7 @@
           <a:p>
             <a:pPr algn="ctr"/>
             <a:r>
-              <a:rPr lang="en-US" b="1" dirty="0" smtClean="0"/>
+              <a:rPr lang="en-US" b="1" dirty="0"/>
               <a:t>Features of the pipeline</a:t>
             </a:r>
             <a:endParaRPr lang="en-GB" b="1" dirty="0"/>
@@ -6731,43 +6701,43 @@
           <a:lstStyle/>
           <a:p>
             <a:r>
-              <a:rPr lang="en-US" dirty="0" err="1" smtClean="0"/>
+              <a:rPr lang="en-US" dirty="0" err="1"/>
               <a:t>mp</a:t>
             </a:r>
             <a:r>
-              <a:rPr lang="en-US" dirty="0" smtClean="0"/>
+              <a:rPr lang="en-US" dirty="0"/>
               <a:t>. Multiple precision flag, at least for DEPICT when set it will handle very large |z| for which the P-value is zero and –log10(P) infinity.</a:t>
             </a:r>
           </a:p>
           <a:p>
             <a:r>
-              <a:rPr lang="en-US" dirty="0" err="1" smtClean="0"/>
+              <a:rPr lang="en-US" dirty="0" err="1"/>
               <a:t>min_gs_size</a:t>
             </a:r>
             <a:r>
-              <a:rPr lang="en-US" dirty="0" smtClean="0"/>
+              <a:rPr lang="en-US" dirty="0"/>
               <a:t>. Minimum size of a gene set, which is 10 by default for MAGENTA whereas DEPICT is five.</a:t>
             </a:r>
           </a:p>
           <a:p>
             <a:r>
-              <a:rPr lang="en-US" dirty="0" err="1" smtClean="0"/>
+              <a:rPr lang="en-US" dirty="0" err="1"/>
               <a:t>p_threshold</a:t>
             </a:r>
             <a:r>
-              <a:rPr lang="en-US" dirty="0" smtClean="0"/>
+              <a:rPr lang="en-US" dirty="0"/>
               <a:t>. This is to compromise the suggestion that DEPICT is needed for both 5E-8 and 5E-5.</a:t>
             </a:r>
           </a:p>
           <a:p>
             <a:r>
-              <a:rPr lang="en-US" dirty="0" smtClean="0"/>
+              <a:rPr lang="en-US" dirty="0"/>
               <a:t>It is possible to have an Excel workbook containing results from all software.</a:t>
             </a:r>
           </a:p>
           <a:p>
             <a:r>
-              <a:rPr lang="en-US" dirty="0" smtClean="0"/>
+              <a:rPr lang="en-US" dirty="0"/>
               <a:t>Additional analysis such as FDR for PASCAL, and cluster/network analysis.</a:t>
             </a:r>
             <a:endParaRPr lang="en-GB" dirty="0"/>
@@ -6790,10 +6760,9 @@
           <a:lstStyle/>
           <a:p>
             <a:r>
-              <a:rPr lang="en-GB" smtClean="0"/>
+              <a:rPr lang="en-GB"/>
               <a:t>PW-pipeline</a:t>
             </a:r>
-            <a:endParaRPr lang="en-GB"/>
           </a:p>
         </p:txBody>
       </p:sp>
@@ -6830,13 +6799,6 @@
   <p:clrMapOvr>
     <a:masterClrMapping/>
   </p:clrMapOvr>
-  <p:timing>
-    <p:tnLst>
-      <p:par>
-        <p:cTn id="1" dur="indefinite" restart="never" nodeType="tmRoot"/>
-      </p:par>
-    </p:tnLst>
-  </p:timing>
 </p:sld>
 </file>
 
@@ -6874,10 +6836,9 @@
           <a:p>
             <a:pPr algn="ctr"/>
             <a:r>
-              <a:rPr lang="en-GB" b="1" dirty="0" smtClean="0"/>
+              <a:rPr lang="en-GB" b="1" dirty="0"/>
               <a:t>Features of individual software</a:t>
             </a:r>
-            <a:endParaRPr lang="en-GB" b="1" dirty="0"/>
           </a:p>
         </p:txBody>
       </p:sp>
@@ -6903,49 +6864,25 @@
           <a:p>
             <a:r>
               <a:rPr lang="en-GB" dirty="0"/>
-              <a:t>MAGENTA. </a:t>
-            </a:r>
-            <a:r>
-              <a:rPr lang="en-GB" dirty="0" smtClean="0"/>
-              <a:t>Confounding </a:t>
-            </a:r>
+              <a:t>MAGENTA. Confounding effects on gene association scores are identified and corrected for, without requiring genotype data.</a:t>
+            </a:r>
+          </a:p>
+          <a:p>
             <a:r>
               <a:rPr lang="en-GB" dirty="0"/>
-              <a:t>effects on gene association scores are identified and corrected for, without requiring genotype </a:t>
-            </a:r>
-            <a:r>
-              <a:rPr lang="en-GB" dirty="0" smtClean="0"/>
-              <a:t>data.</a:t>
-            </a:r>
-          </a:p>
-          <a:p>
-            <a:r>
-              <a:rPr lang="en-GB" dirty="0" smtClean="0"/>
               <a:t>MAGMA. Similar to MAGENTA in spirit.</a:t>
             </a:r>
           </a:p>
           <a:p>
             <a:r>
               <a:rPr lang="en-GB" dirty="0"/>
-              <a:t>PASCAL. Gene scores are obtained by aggregating SNP p-values from a GWAS meta-analysis while correcting for LD using a reference </a:t>
-            </a:r>
-            <a:r>
-              <a:rPr lang="en-GB" dirty="0" smtClean="0"/>
-              <a:t>population.</a:t>
+              <a:t>PASCAL. Gene scores are obtained by aggregating SNP p-values from a GWAS meta-analysis while correcting for LD using a reference population.</a:t>
             </a:r>
           </a:p>
           <a:p>
             <a:r>
               <a:rPr lang="en-GB" dirty="0"/>
-              <a:t>DEPICT. </a:t>
-            </a:r>
-            <a:r>
-              <a:rPr lang="en-GB" dirty="0" smtClean="0"/>
-              <a:t>It </a:t>
-            </a:r>
-            <a:r>
-              <a:rPr lang="en-GB" dirty="0"/>
-              <a:t>is a computational framework for gene prioritization, GSEA and tissue/cell type enrichment analysis. </a:t>
+              <a:t>DEPICT. It is a computational framework for gene prioritization, GSEA and tissue/cell type enrichment analysis. </a:t>
             </a:r>
           </a:p>
         </p:txBody>
@@ -6966,10 +6903,9 @@
           <a:lstStyle/>
           <a:p>
             <a:r>
-              <a:rPr lang="en-GB" smtClean="0"/>
+              <a:rPr lang="en-GB"/>
               <a:t>PW-pipeline</a:t>
             </a:r>
-            <a:endParaRPr lang="en-GB"/>
           </a:p>
         </p:txBody>
       </p:sp>
@@ -7006,13 +6942,6 @@
   <p:clrMapOvr>
     <a:masterClrMapping/>
   </p:clrMapOvr>
-  <p:timing>
-    <p:tnLst>
-      <p:par>
-        <p:cTn id="1" dur="indefinite" restart="never" nodeType="tmRoot"/>
-      </p:par>
-    </p:tnLst>
-  </p:timing>
 </p:sld>
 </file>
 
@@ -7050,10 +6979,9 @@
           <a:p>
             <a:pPr algn="ctr"/>
             <a:r>
-              <a:rPr lang="en-GB" b="1" dirty="0" smtClean="0"/>
+              <a:rPr lang="en-GB" b="1" dirty="0"/>
               <a:t>Database by software</a:t>
             </a:r>
-            <a:endParaRPr lang="en-GB" b="1" dirty="0"/>
           </a:p>
         </p:txBody>
       </p:sp>
@@ -7133,10 +7061,9 @@
                     <a:lstStyle/>
                     <a:p>
                       <a:r>
-                        <a:rPr lang="en-GB" dirty="0" smtClean="0"/>
+                        <a:rPr lang="en-GB" dirty="0"/>
                         <a:t>Databases</a:t>
                       </a:r>
-                      <a:endParaRPr lang="en-GB" dirty="0"/>
                     </a:p>
                   </a:txBody>
                   <a:tcPr/>
@@ -7159,10 +7086,9 @@
                     <a:p>
                       <a:pPr algn="ctr"/>
                       <a:r>
-                        <a:rPr lang="en-GB" dirty="0" smtClean="0"/>
+                        <a:rPr lang="en-GB" dirty="0"/>
                         <a:t>MAGENTA</a:t>
                       </a:r>
-                      <a:endParaRPr lang="en-GB" dirty="0"/>
                     </a:p>
                   </a:txBody>
                   <a:tcPr/>
@@ -7174,10 +7100,9 @@
                     <a:p>
                       <a:pPr algn="ctr"/>
                       <a:r>
-                        <a:rPr lang="en-GB" dirty="0" smtClean="0"/>
+                        <a:rPr lang="en-GB" dirty="0"/>
                         <a:t>MAGMA</a:t>
                       </a:r>
-                      <a:endParaRPr lang="en-GB" dirty="0"/>
                     </a:p>
                   </a:txBody>
                   <a:tcPr/>
@@ -7189,10 +7114,9 @@
                     <a:p>
                       <a:pPr algn="ctr"/>
                       <a:r>
-                        <a:rPr lang="en-GB" dirty="0" smtClean="0"/>
+                        <a:rPr lang="en-GB" dirty="0"/>
                         <a:t>PASCAL</a:t>
                       </a:r>
-                      <a:endParaRPr lang="en-GB" dirty="0"/>
                     </a:p>
                   </a:txBody>
                   <a:tcPr/>
@@ -7204,10 +7128,9 @@
                     <a:p>
                       <a:pPr algn="ctr"/>
                       <a:r>
-                        <a:rPr lang="en-GB" dirty="0" smtClean="0"/>
+                        <a:rPr lang="en-GB" dirty="0"/>
                         <a:t>DEPICT</a:t>
                       </a:r>
-                      <a:endParaRPr lang="en-GB" dirty="0"/>
                     </a:p>
                   </a:txBody>
                   <a:tcPr/>
@@ -7704,10 +7627,9 @@
                     <a:p>
                       <a:pPr algn="ctr"/>
                       <a:r>
-                        <a:rPr lang="en-GB" dirty="0" smtClean="0"/>
+                        <a:rPr lang="en-GB" dirty="0"/>
                         <a:t>10,327</a:t>
                       </a:r>
-                      <a:endParaRPr lang="en-GB" dirty="0"/>
                     </a:p>
                   </a:txBody>
                   <a:tcPr anchor="ctr"/>
@@ -7719,10 +7641,9 @@
                     <a:p>
                       <a:pPr algn="ctr"/>
                       <a:r>
-                        <a:rPr lang="en-GB" dirty="0" smtClean="0"/>
+                        <a:rPr lang="en-GB" dirty="0"/>
                         <a:t>x</a:t>
                       </a:r>
-                      <a:endParaRPr lang="en-GB" dirty="0"/>
                     </a:p>
                   </a:txBody>
                   <a:tcPr anchor="ctr"/>
@@ -7734,10 +7655,9 @@
                     <a:p>
                       <a:pPr algn="ctr"/>
                       <a:r>
-                        <a:rPr lang="en-GB" dirty="0" smtClean="0"/>
+                        <a:rPr lang="en-GB" dirty="0"/>
                         <a:t>x</a:t>
                       </a:r>
-                      <a:endParaRPr lang="en-GB" dirty="0"/>
                     </a:p>
                   </a:txBody>
                   <a:tcPr/>
@@ -7749,10 +7669,9 @@
                     <a:p>
                       <a:pPr algn="ctr"/>
                       <a:r>
-                        <a:rPr lang="en-GB" dirty="0" smtClean="0"/>
+                        <a:rPr lang="en-GB" dirty="0"/>
                         <a:t>x</a:t>
                       </a:r>
-                      <a:endParaRPr lang="en-GB" dirty="0"/>
                     </a:p>
                   </a:txBody>
                   <a:tcPr/>
@@ -7781,14 +7700,13 @@
                     <a:lstStyle/>
                     <a:p>
                       <a:r>
-                        <a:rPr lang="en-GB" dirty="0" err="1" smtClean="0"/>
+                        <a:rPr lang="en-GB" dirty="0" err="1"/>
                         <a:t>MSigDB</a:t>
                       </a:r>
                       <a:r>
-                        <a:rPr lang="en-GB" dirty="0" smtClean="0"/>
+                        <a:rPr lang="en-GB" dirty="0"/>
                         <a:t> v6.0/c2</a:t>
                       </a:r>
-                      <a:endParaRPr lang="en-GB" dirty="0"/>
                     </a:p>
                   </a:txBody>
                   <a:tcPr/>
@@ -7800,10 +7718,9 @@
                     <a:p>
                       <a:pPr algn="ctr"/>
                       <a:r>
-                        <a:rPr lang="en-GB" dirty="0" smtClean="0"/>
+                        <a:rPr lang="en-GB" dirty="0"/>
                         <a:t>4,731</a:t>
                       </a:r>
-                      <a:endParaRPr lang="en-GB" dirty="0"/>
                     </a:p>
                   </a:txBody>
                   <a:tcPr/>
@@ -7815,10 +7732,9 @@
                     <a:p>
                       <a:pPr algn="ctr"/>
                       <a:r>
-                        <a:rPr lang="en-GB" dirty="0" smtClean="0"/>
+                        <a:rPr lang="en-GB" dirty="0"/>
                         <a:t>x</a:t>
                       </a:r>
-                      <a:endParaRPr lang="en-GB" dirty="0"/>
                     </a:p>
                   </a:txBody>
                   <a:tcPr/>
@@ -7830,10 +7746,9 @@
                     <a:p>
                       <a:pPr algn="ctr"/>
                       <a:r>
-                        <a:rPr lang="en-GB" dirty="0" smtClean="0"/>
+                        <a:rPr lang="en-GB" dirty="0"/>
                         <a:t>x</a:t>
                       </a:r>
-                      <a:endParaRPr lang="en-GB" dirty="0"/>
                     </a:p>
                   </a:txBody>
                   <a:tcPr/>
@@ -7845,10 +7760,9 @@
                     <a:p>
                       <a:pPr algn="ctr"/>
                       <a:r>
-                        <a:rPr lang="en-GB" dirty="0" smtClean="0"/>
+                        <a:rPr lang="en-GB" dirty="0"/>
                         <a:t>x</a:t>
                       </a:r>
-                      <a:endParaRPr lang="en-GB" dirty="0"/>
                     </a:p>
                   </a:txBody>
                   <a:tcPr/>
@@ -7877,14 +7791,13 @@
                     <a:lstStyle/>
                     <a:p>
                       <a:r>
-                        <a:rPr lang="en-GB" dirty="0" err="1" smtClean="0"/>
+                        <a:rPr lang="en-GB" dirty="0" err="1"/>
                         <a:t>MSigDB</a:t>
                       </a:r>
                       <a:r>
-                        <a:rPr lang="en-GB" dirty="0" smtClean="0"/>
+                        <a:rPr lang="en-GB" dirty="0"/>
                         <a:t> v6.0</a:t>
                       </a:r>
-                      <a:endParaRPr lang="en-GB" dirty="0"/>
                     </a:p>
                   </a:txBody>
                   <a:tcPr/>
@@ -7896,10 +7809,9 @@
                     <a:p>
                       <a:pPr algn="ctr"/>
                       <a:r>
-                        <a:rPr lang="en-GB" dirty="0" smtClean="0"/>
+                        <a:rPr lang="en-GB" dirty="0"/>
                         <a:t>17,779</a:t>
                       </a:r>
-                      <a:endParaRPr lang="en-GB" dirty="0"/>
                     </a:p>
                   </a:txBody>
                   <a:tcPr/>
@@ -7911,10 +7823,9 @@
                     <a:p>
                       <a:pPr algn="ctr"/>
                       <a:r>
-                        <a:rPr lang="en-GB" dirty="0" smtClean="0"/>
+                        <a:rPr lang="en-GB" dirty="0"/>
                         <a:t>x</a:t>
                       </a:r>
-                      <a:endParaRPr lang="en-GB" dirty="0"/>
                     </a:p>
                   </a:txBody>
                   <a:tcPr/>
@@ -7926,10 +7837,9 @@
                     <a:p>
                       <a:pPr algn="ctr"/>
                       <a:r>
-                        <a:rPr lang="en-GB" dirty="0" smtClean="0"/>
+                        <a:rPr lang="en-GB" dirty="0"/>
                         <a:t>x</a:t>
                       </a:r>
-                      <a:endParaRPr lang="en-GB" dirty="0"/>
                     </a:p>
                   </a:txBody>
                   <a:tcPr/>
@@ -7957,7 +7867,7 @@
                         <a:defRPr/>
                       </a:pPr>
                       <a:r>
-                        <a:rPr lang="en-GB" smtClean="0"/>
+                        <a:rPr lang="en-GB"/>
                         <a:t>x</a:t>
                       </a:r>
                     </a:p>
@@ -7988,10 +7898,9 @@
                     <a:lstStyle/>
                     <a:p>
                       <a:r>
-                        <a:rPr lang="en-GB" dirty="0" smtClean="0"/>
+                        <a:rPr lang="en-GB" dirty="0"/>
                         <a:t>depict</a:t>
                       </a:r>
-                      <a:endParaRPr lang="en-GB" dirty="0"/>
                     </a:p>
                   </a:txBody>
                   <a:tcPr/>
@@ -8003,10 +7912,9 @@
                     <a:p>
                       <a:pPr algn="ctr"/>
                       <a:r>
-                        <a:rPr lang="en-GB" dirty="0" smtClean="0"/>
+                        <a:rPr lang="en-GB" dirty="0"/>
                         <a:t>10,968</a:t>
                       </a:r>
-                      <a:endParaRPr lang="en-GB" dirty="0"/>
                     </a:p>
                   </a:txBody>
                   <a:tcPr/>
@@ -8051,10 +7959,9 @@
                     <a:p>
                       <a:pPr algn="ctr"/>
                       <a:r>
-                        <a:rPr lang="en-GB" dirty="0" smtClean="0"/>
+                        <a:rPr lang="en-GB" dirty="0"/>
                         <a:t>x</a:t>
                       </a:r>
-                      <a:endParaRPr lang="en-GB" dirty="0"/>
                     </a:p>
                   </a:txBody>
                   <a:tcPr/>
@@ -8072,10 +7979,9 @@
                     <a:lstStyle/>
                     <a:p>
                       <a:r>
-                        <a:rPr lang="en-GB" dirty="0" smtClean="0"/>
+                        <a:rPr lang="en-GB" dirty="0"/>
                         <a:t>depict_discretized_cutoff3.2</a:t>
                       </a:r>
-                      <a:endParaRPr lang="en-GB" dirty="0"/>
                     </a:p>
                   </a:txBody>
                   <a:tcPr/>
@@ -8087,10 +7993,9 @@
                     <a:p>
                       <a:pPr algn="ctr"/>
                       <a:r>
-                        <a:rPr lang="en-GB" dirty="0" smtClean="0"/>
+                        <a:rPr lang="en-GB" dirty="0"/>
                         <a:t>14,462</a:t>
                       </a:r>
-                      <a:endParaRPr lang="en-GB" dirty="0"/>
                     </a:p>
                   </a:txBody>
                   <a:tcPr/>
@@ -8102,10 +8007,9 @@
                     <a:p>
                       <a:pPr algn="ctr"/>
                       <a:r>
-                        <a:rPr lang="en-GB" dirty="0" smtClean="0"/>
+                        <a:rPr lang="en-GB" dirty="0"/>
                         <a:t>x</a:t>
                       </a:r>
-                      <a:endParaRPr lang="en-GB" dirty="0"/>
                     </a:p>
                   </a:txBody>
                   <a:tcPr/>
@@ -8117,10 +8021,9 @@
                     <a:p>
                       <a:pPr algn="ctr"/>
                       <a:r>
-                        <a:rPr lang="en-GB" dirty="0" smtClean="0"/>
+                        <a:rPr lang="en-GB" dirty="0"/>
                         <a:t>x</a:t>
                       </a:r>
-                      <a:endParaRPr lang="en-GB" dirty="0"/>
                     </a:p>
                   </a:txBody>
                   <a:tcPr/>
@@ -8132,10 +8035,9 @@
                     <a:p>
                       <a:pPr algn="ctr"/>
                       <a:r>
-                        <a:rPr lang="en-GB" dirty="0" smtClean="0"/>
+                        <a:rPr lang="en-GB" dirty="0"/>
                         <a:t>x</a:t>
                       </a:r>
-                      <a:endParaRPr lang="en-GB" dirty="0"/>
                     </a:p>
                   </a:txBody>
                   <a:tcPr/>
@@ -8147,10 +8049,9 @@
                     <a:p>
                       <a:pPr algn="ctr"/>
                       <a:r>
-                        <a:rPr lang="en-GB" dirty="0" smtClean="0"/>
+                        <a:rPr lang="en-GB" dirty="0"/>
                         <a:t>x</a:t>
                       </a:r>
-                      <a:endParaRPr lang="en-GB" dirty="0"/>
                     </a:p>
                   </a:txBody>
                   <a:tcPr/>
@@ -8181,10 +8082,9 @@
           <a:lstStyle/>
           <a:p>
             <a:r>
-              <a:rPr lang="en-GB" smtClean="0"/>
+              <a:rPr lang="en-GB"/>
               <a:t>PW-pipeline</a:t>
             </a:r>
-            <a:endParaRPr lang="en-GB"/>
           </a:p>
         </p:txBody>
       </p:sp>
@@ -8221,13 +8121,6 @@
   <p:clrMapOvr>
     <a:masterClrMapping/>
   </p:clrMapOvr>
-  <p:timing>
-    <p:tnLst>
-      <p:par>
-        <p:cTn id="1" dur="indefinite" restart="never" nodeType="tmRoot"/>
-      </p:par>
-    </p:tnLst>
-  </p:timing>
 </p:sld>
 </file>
 

--- a/README.pptx
+++ b/README.pptx
@@ -121,7 +121,7 @@
   </p:defaultTextStyle>
   <p:extLst>
     <p:ext uri="{EFAFB233-063F-42B5-8137-9DF3F51BA10A}">
-      <p15:sldGuideLst xmlns:p15="http://schemas.microsoft.com/office/powerpoint/2012/main">
+      <p15:sldGuideLst xmlns:p15="http://schemas.microsoft.com/office/powerpoint/2012/main" xmlns="">
         <p15:guide id="1" orient="horz" pos="2160">
           <p15:clr>
             <a:srgbClr val="A4A3A4"/>
@@ -224,7 +224,7 @@
           <a:p>
             <a:fld id="{66B105AB-0F31-4E31-8256-7841B767E2AE}" type="datetimeFigureOut">
               <a:rPr lang="en-GB" smtClean="0"/>
-              <a:t>20/12/2017</a:t>
+              <a:t>23/01/2018</a:t>
             </a:fld>
             <a:endParaRPr lang="en-GB"/>
           </a:p>
@@ -623,7 +623,7 @@
           <a:p>
             <a:fld id="{0AF9AB42-7754-4A39-B895-9BE60049DFCC}" type="datetime1">
               <a:rPr lang="en-GB" smtClean="0"/>
-              <a:t>20/12/2017</a:t>
+              <a:t>23/01/2018</a:t>
             </a:fld>
             <a:endParaRPr lang="en-GB"/>
           </a:p>
@@ -796,7 +796,7 @@
           <a:p>
             <a:fld id="{C5FDF58E-A694-4923-8F74-566E8A32B1C7}" type="datetime1">
               <a:rPr lang="en-GB" smtClean="0"/>
-              <a:t>20/12/2017</a:t>
+              <a:t>23/01/2018</a:t>
             </a:fld>
             <a:endParaRPr lang="en-GB"/>
           </a:p>
@@ -979,7 +979,7 @@
           <a:p>
             <a:fld id="{CF68D6DF-1A30-4D8A-AD28-036908FB51B2}" type="datetime1">
               <a:rPr lang="en-GB" smtClean="0"/>
-              <a:t>20/12/2017</a:t>
+              <a:t>23/01/2018</a:t>
             </a:fld>
             <a:endParaRPr lang="en-GB"/>
           </a:p>
@@ -1152,7 +1152,7 @@
           <a:p>
             <a:fld id="{235352D1-08A9-4200-902D-1DD15FE1C897}" type="datetime1">
               <a:rPr lang="en-GB" smtClean="0"/>
-              <a:t>20/12/2017</a:t>
+              <a:t>23/01/2018</a:t>
             </a:fld>
             <a:endParaRPr lang="en-GB"/>
           </a:p>
@@ -1401,7 +1401,7 @@
           <a:p>
             <a:fld id="{BC1E5517-5DEB-4E83-8CC9-210D2FB0C171}" type="datetime1">
               <a:rPr lang="en-GB" smtClean="0"/>
-              <a:t>20/12/2017</a:t>
+              <a:t>23/01/2018</a:t>
             </a:fld>
             <a:endParaRPr lang="en-GB"/>
           </a:p>
@@ -1636,7 +1636,7 @@
           <a:p>
             <a:fld id="{6B54F2A8-ED5D-432B-8631-E3E5FE5C7B6C}" type="datetime1">
               <a:rPr lang="en-GB" smtClean="0"/>
-              <a:t>20/12/2017</a:t>
+              <a:t>23/01/2018</a:t>
             </a:fld>
             <a:endParaRPr lang="en-GB"/>
           </a:p>
@@ -2006,7 +2006,7 @@
           <a:p>
             <a:fld id="{71CC12EE-FF40-472C-8B7F-33B252D7C98B}" type="datetime1">
               <a:rPr lang="en-GB" smtClean="0"/>
-              <a:t>20/12/2017</a:t>
+              <a:t>23/01/2018</a:t>
             </a:fld>
             <a:endParaRPr lang="en-GB"/>
           </a:p>
@@ -2127,7 +2127,7 @@
           <a:p>
             <a:fld id="{C6B4B3F9-D2D6-4447-9135-E8F618E102B4}" type="datetime1">
               <a:rPr lang="en-GB" smtClean="0"/>
-              <a:t>20/12/2017</a:t>
+              <a:t>23/01/2018</a:t>
             </a:fld>
             <a:endParaRPr lang="en-GB"/>
           </a:p>
@@ -2225,7 +2225,7 @@
           <a:p>
             <a:fld id="{F61E7703-DFF0-48A9-BB88-68238BB724D2}" type="datetime1">
               <a:rPr lang="en-GB" smtClean="0"/>
-              <a:t>20/12/2017</a:t>
+              <a:t>23/01/2018</a:t>
             </a:fld>
             <a:endParaRPr lang="en-GB"/>
           </a:p>
@@ -2505,7 +2505,7 @@
           <a:p>
             <a:fld id="{C926F3A9-D135-485E-9A68-C7FCD6B30DAF}" type="datetime1">
               <a:rPr lang="en-GB" smtClean="0"/>
-              <a:t>20/12/2017</a:t>
+              <a:t>23/01/2018</a:t>
             </a:fld>
             <a:endParaRPr lang="en-GB"/>
           </a:p>
@@ -2765,7 +2765,7 @@
           <a:p>
             <a:fld id="{6001CE5A-4101-43EE-BFB2-58C7A7024D00}" type="datetime1">
               <a:rPr lang="en-GB" smtClean="0"/>
-              <a:t>20/12/2017</a:t>
+              <a:t>23/01/2018</a:t>
             </a:fld>
             <a:endParaRPr lang="en-GB"/>
           </a:p>
@@ -2981,7 +2981,7 @@
           <a:p>
             <a:fld id="{E124F8CC-8761-4124-A389-6C6DCCB38D99}" type="datetime1">
               <a:rPr lang="en-GB" smtClean="0"/>
-              <a:t>20/12/2017</a:t>
+              <a:t>23/01/2018</a:t>
             </a:fld>
             <a:endParaRPr lang="en-GB"/>
           </a:p>
@@ -3567,42 +3567,42 @@
                 <a:gridCol w="2045766">
                   <a:extLst>
                     <a:ext uri="{9D8B030D-6E8A-4147-A177-3AD203B41FA5}">
-                      <a16:colId xmlns:a16="http://schemas.microsoft.com/office/drawing/2014/main" val="20000"/>
+                      <a16:colId xmlns:a16="http://schemas.microsoft.com/office/drawing/2014/main" xmlns="" val="20000"/>
                     </a:ext>
                   </a:extLst>
                 </a:gridCol>
                 <a:gridCol w="1108129">
                   <a:extLst>
                     <a:ext uri="{9D8B030D-6E8A-4147-A177-3AD203B41FA5}">
-                      <a16:colId xmlns:a16="http://schemas.microsoft.com/office/drawing/2014/main" val="20001"/>
+                      <a16:colId xmlns:a16="http://schemas.microsoft.com/office/drawing/2014/main" xmlns="" val="20001"/>
                     </a:ext>
                   </a:extLst>
                 </a:gridCol>
                 <a:gridCol w="1255362">
                   <a:extLst>
                     <a:ext uri="{9D8B030D-6E8A-4147-A177-3AD203B41FA5}">
-                      <a16:colId xmlns:a16="http://schemas.microsoft.com/office/drawing/2014/main" val="20002"/>
+                      <a16:colId xmlns:a16="http://schemas.microsoft.com/office/drawing/2014/main" xmlns="" val="20002"/>
                     </a:ext>
                   </a:extLst>
                 </a:gridCol>
                 <a:gridCol w="1622768">
                   <a:extLst>
                     <a:ext uri="{9D8B030D-6E8A-4147-A177-3AD203B41FA5}">
-                      <a16:colId xmlns:a16="http://schemas.microsoft.com/office/drawing/2014/main" val="20003"/>
+                      <a16:colId xmlns:a16="http://schemas.microsoft.com/office/drawing/2014/main" xmlns="" val="20003"/>
                     </a:ext>
                   </a:extLst>
                 </a:gridCol>
                 <a:gridCol w="2019334">
                   <a:extLst>
                     <a:ext uri="{9D8B030D-6E8A-4147-A177-3AD203B41FA5}">
-                      <a16:colId xmlns:a16="http://schemas.microsoft.com/office/drawing/2014/main" val="20004"/>
+                      <a16:colId xmlns:a16="http://schemas.microsoft.com/office/drawing/2014/main" xmlns="" val="20004"/>
                     </a:ext>
                   </a:extLst>
                 </a:gridCol>
                 <a:gridCol w="2154265">
                   <a:extLst>
                     <a:ext uri="{9D8B030D-6E8A-4147-A177-3AD203B41FA5}">
-                      <a16:colId xmlns:a16="http://schemas.microsoft.com/office/drawing/2014/main" val="20005"/>
+                      <a16:colId xmlns:a16="http://schemas.microsoft.com/office/drawing/2014/main" xmlns="" val="20005"/>
                     </a:ext>
                   </a:extLst>
                 </a:gridCol>
@@ -3840,7 +3840,7 @@
                 </a:tc>
                 <a:extLst>
                   <a:ext uri="{0D108BD9-81ED-4DB2-BD59-A6C34878D82A}">
-                    <a16:rowId xmlns:a16="http://schemas.microsoft.com/office/drawing/2014/main" val="10000"/>
+                    <a16:rowId xmlns:a16="http://schemas.microsoft.com/office/drawing/2014/main" xmlns="" val="10000"/>
                   </a:ext>
                 </a:extLst>
               </a:tr>
@@ -4021,7 +4021,7 @@
                 </a:tc>
                 <a:extLst>
                   <a:ext uri="{0D108BD9-81ED-4DB2-BD59-A6C34878D82A}">
-                    <a16:rowId xmlns:a16="http://schemas.microsoft.com/office/drawing/2014/main" val="10001"/>
+                    <a16:rowId xmlns:a16="http://schemas.microsoft.com/office/drawing/2014/main" xmlns="" val="10001"/>
                   </a:ext>
                 </a:extLst>
               </a:tr>
@@ -4202,7 +4202,7 @@
                 </a:tc>
                 <a:extLst>
                   <a:ext uri="{0D108BD9-81ED-4DB2-BD59-A6C34878D82A}">
-                    <a16:rowId xmlns:a16="http://schemas.microsoft.com/office/drawing/2014/main" val="10002"/>
+                    <a16:rowId xmlns:a16="http://schemas.microsoft.com/office/drawing/2014/main" xmlns="" val="10002"/>
                   </a:ext>
                 </a:extLst>
               </a:tr>
@@ -4383,7 +4383,7 @@
                 </a:tc>
                 <a:extLst>
                   <a:ext uri="{0D108BD9-81ED-4DB2-BD59-A6C34878D82A}">
-                    <a16:rowId xmlns:a16="http://schemas.microsoft.com/office/drawing/2014/main" val="10003"/>
+                    <a16:rowId xmlns:a16="http://schemas.microsoft.com/office/drawing/2014/main" xmlns="" val="10003"/>
                   </a:ext>
                 </a:extLst>
               </a:tr>
@@ -4570,7 +4570,7 @@
                 </a:tc>
                 <a:extLst>
                   <a:ext uri="{0D108BD9-81ED-4DB2-BD59-A6C34878D82A}">
-                    <a16:rowId xmlns:a16="http://schemas.microsoft.com/office/drawing/2014/main" val="10004"/>
+                    <a16:rowId xmlns:a16="http://schemas.microsoft.com/office/drawing/2014/main" xmlns="" val="10004"/>
                   </a:ext>
                 </a:extLst>
               </a:tr>
@@ -4658,7 +4658,7 @@
           <p:cNvPr id="2" name="Title 1">
             <a:extLst>
               <a:ext uri="{FF2B5EF4-FFF2-40B4-BE49-F238E27FC236}">
-                <a16:creationId xmlns:a16="http://schemas.microsoft.com/office/drawing/2014/main" id="{C578C6E6-9963-452C-A0B9-B961A198FCED}"/>
+                <a16:creationId xmlns:a16="http://schemas.microsoft.com/office/drawing/2014/main" xmlns="" id="{C578C6E6-9963-452C-A0B9-B961A198FCED}"/>
               </a:ext>
             </a:extLst>
           </p:cNvPr>
@@ -4687,7 +4687,7 @@
           <p:cNvPr id="3" name="Content Placeholder 2">
             <a:extLst>
               <a:ext uri="{FF2B5EF4-FFF2-40B4-BE49-F238E27FC236}">
-                <a16:creationId xmlns:a16="http://schemas.microsoft.com/office/drawing/2014/main" id="{7911F050-60EE-4F78-839E-EC193C6D5029}"/>
+                <a16:creationId xmlns:a16="http://schemas.microsoft.com/office/drawing/2014/main" xmlns="" id="{7911F050-60EE-4F78-839E-EC193C6D5029}"/>
               </a:ext>
             </a:extLst>
           </p:cNvPr>
@@ -4777,7 +4777,7 @@
           <p:cNvPr id="4" name="Footer Placeholder 3">
             <a:extLst>
               <a:ext uri="{FF2B5EF4-FFF2-40B4-BE49-F238E27FC236}">
-                <a16:creationId xmlns:a16="http://schemas.microsoft.com/office/drawing/2014/main" id="{CB56C53E-5AA6-4445-8310-80F39E373592}"/>
+                <a16:creationId xmlns:a16="http://schemas.microsoft.com/office/drawing/2014/main" xmlns="" id="{CB56C53E-5AA6-4445-8310-80F39E373592}"/>
               </a:ext>
             </a:extLst>
           </p:cNvPr>
@@ -4805,7 +4805,7 @@
           <p:cNvPr id="5" name="Slide Number Placeholder 4">
             <a:extLst>
               <a:ext uri="{FF2B5EF4-FFF2-40B4-BE49-F238E27FC236}">
-                <a16:creationId xmlns:a16="http://schemas.microsoft.com/office/drawing/2014/main" id="{3C6CFC43-56C3-4263-A119-89ADDD0C8539}"/>
+                <a16:creationId xmlns:a16="http://schemas.microsoft.com/office/drawing/2014/main" xmlns="" id="{3C6CFC43-56C3-4263-A119-89ADDD0C8539}"/>
               </a:ext>
             </a:extLst>
           </p:cNvPr>
@@ -5669,21 +5669,21 @@
                 <a:gridCol w="5054600">
                   <a:extLst>
                     <a:ext uri="{9D8B030D-6E8A-4147-A177-3AD203B41FA5}">
-                      <a16:colId xmlns:a16="http://schemas.microsoft.com/office/drawing/2014/main" val="865145431"/>
+                      <a16:colId xmlns:a16="http://schemas.microsoft.com/office/drawing/2014/main" xmlns="" val="865145431"/>
                     </a:ext>
                   </a:extLst>
                 </a:gridCol>
                 <a:gridCol w="1955800">
                   <a:extLst>
                     <a:ext uri="{9D8B030D-6E8A-4147-A177-3AD203B41FA5}">
-                      <a16:colId xmlns:a16="http://schemas.microsoft.com/office/drawing/2014/main" val="2266813503"/>
+                      <a16:colId xmlns:a16="http://schemas.microsoft.com/office/drawing/2014/main" xmlns="" val="2266813503"/>
                     </a:ext>
                   </a:extLst>
                 </a:gridCol>
                 <a:gridCol w="3505200">
                   <a:extLst>
                     <a:ext uri="{9D8B030D-6E8A-4147-A177-3AD203B41FA5}">
-                      <a16:colId xmlns:a16="http://schemas.microsoft.com/office/drawing/2014/main" val="3616348924"/>
+                      <a16:colId xmlns:a16="http://schemas.microsoft.com/office/drawing/2014/main" xmlns="" val="3616348924"/>
                     </a:ext>
                   </a:extLst>
                 </a:gridCol>
@@ -5778,7 +5778,7 @@
                 </a:tc>
                 <a:extLst>
                   <a:ext uri="{0D108BD9-81ED-4DB2-BD59-A6C34878D82A}">
-                    <a16:rowId xmlns:a16="http://schemas.microsoft.com/office/drawing/2014/main" val="4029533971"/>
+                    <a16:rowId xmlns:a16="http://schemas.microsoft.com/office/drawing/2014/main" xmlns="" val="4029533971"/>
                   </a:ext>
                 </a:extLst>
               </a:tr>
@@ -5884,7 +5884,7 @@
                 </a:tc>
                 <a:extLst>
                   <a:ext uri="{0D108BD9-81ED-4DB2-BD59-A6C34878D82A}">
-                    <a16:rowId xmlns:a16="http://schemas.microsoft.com/office/drawing/2014/main" val="3242111933"/>
+                    <a16:rowId xmlns:a16="http://schemas.microsoft.com/office/drawing/2014/main" xmlns="" val="3242111933"/>
                   </a:ext>
                 </a:extLst>
               </a:tr>
@@ -5978,7 +5978,7 @@
                 </a:tc>
                 <a:extLst>
                   <a:ext uri="{0D108BD9-81ED-4DB2-BD59-A6C34878D82A}">
-                    <a16:rowId xmlns:a16="http://schemas.microsoft.com/office/drawing/2014/main" val="3758837373"/>
+                    <a16:rowId xmlns:a16="http://schemas.microsoft.com/office/drawing/2014/main" xmlns="" val="3758837373"/>
                   </a:ext>
                 </a:extLst>
               </a:tr>
@@ -6078,7 +6078,7 @@
                 </a:tc>
                 <a:extLst>
                   <a:ext uri="{0D108BD9-81ED-4DB2-BD59-A6C34878D82A}">
-                    <a16:rowId xmlns:a16="http://schemas.microsoft.com/office/drawing/2014/main" val="2712992702"/>
+                    <a16:rowId xmlns:a16="http://schemas.microsoft.com/office/drawing/2014/main" xmlns="" val="2712992702"/>
                   </a:ext>
                 </a:extLst>
               </a:tr>
@@ -6178,7 +6178,7 @@
                 </a:tc>
                 <a:extLst>
                   <a:ext uri="{0D108BD9-81ED-4DB2-BD59-A6C34878D82A}">
-                    <a16:rowId xmlns:a16="http://schemas.microsoft.com/office/drawing/2014/main" val="1529562622"/>
+                    <a16:rowId xmlns:a16="http://schemas.microsoft.com/office/drawing/2014/main" xmlns="" val="1529562622"/>
                   </a:ext>
                 </a:extLst>
               </a:tr>
@@ -6696,7 +6696,7 @@
         <p:spPr/>
         <p:txBody>
           <a:bodyPr>
-            <a:normAutofit lnSpcReduction="10000"/>
+            <a:normAutofit fontScale="92500" lnSpcReduction="10000"/>
           </a:bodyPr>
           <a:lstStyle/>
           <a:p>
@@ -6716,12 +6716,47 @@
             </a:r>
             <a:r>
               <a:rPr lang="en-US" dirty="0"/>
-              <a:t>. Minimum size of a gene set, which is 10 by default for MAGENTA whereas DEPICT is five.</a:t>
-            </a:r>
-          </a:p>
-          <a:p>
-            <a:r>
-              <a:rPr lang="en-US" dirty="0" err="1"/>
+              <a:t>. Minimum size of a gene set, which is 10 by default for MAGENTA whereas DEPICT is five</a:t>
+            </a:r>
+            <a:r>
+              <a:rPr lang="en-US" dirty="0" smtClean="0"/>
+              <a:t>.</a:t>
+            </a:r>
+          </a:p>
+          <a:p>
+            <a:r>
+              <a:rPr lang="en-US" dirty="0" err="1" smtClean="0"/>
+              <a:t>max_gs_size</a:t>
+            </a:r>
+            <a:r>
+              <a:rPr lang="en-US" dirty="0"/>
+              <a:t>. Minimum size of a gene set, which </a:t>
+            </a:r>
+            <a:r>
+              <a:rPr lang="en-US"/>
+              <a:t>is </a:t>
+            </a:r>
+            <a:r>
+              <a:rPr lang="en-US" smtClean="0"/>
+              <a:t>2000 </a:t>
+            </a:r>
+            <a:r>
+              <a:rPr lang="en-US" dirty="0"/>
+              <a:t>by default </a:t>
+            </a:r>
+            <a:r>
+              <a:rPr lang="en-US"/>
+              <a:t>for </a:t>
+            </a:r>
+            <a:r>
+              <a:rPr lang="en-US" smtClean="0"/>
+              <a:t>MAGENTA.</a:t>
+            </a:r>
+            <a:endParaRPr lang="en-US" dirty="0"/>
+          </a:p>
+          <a:p>
+            <a:r>
+              <a:rPr lang="en-US" dirty="0" err="1" smtClean="0"/>
               <a:t>p_threshold</a:t>
             </a:r>
             <a:r>
@@ -7014,42 +7049,42 @@
                 <a:gridCol w="2974383">
                   <a:extLst>
                     <a:ext uri="{9D8B030D-6E8A-4147-A177-3AD203B41FA5}">
-                      <a16:colId xmlns:a16="http://schemas.microsoft.com/office/drawing/2014/main" val="20000"/>
+                      <a16:colId xmlns:a16="http://schemas.microsoft.com/office/drawing/2014/main" xmlns="" val="20000"/>
                     </a:ext>
                   </a:extLst>
                 </a:gridCol>
                 <a:gridCol w="968644">
                   <a:extLst>
                     <a:ext uri="{9D8B030D-6E8A-4147-A177-3AD203B41FA5}">
-                      <a16:colId xmlns:a16="http://schemas.microsoft.com/office/drawing/2014/main" val="20001"/>
+                      <a16:colId xmlns:a16="http://schemas.microsoft.com/office/drawing/2014/main" xmlns="" val="20001"/>
                     </a:ext>
                   </a:extLst>
                 </a:gridCol>
                 <a:gridCol w="1433593">
                   <a:extLst>
                     <a:ext uri="{9D8B030D-6E8A-4147-A177-3AD203B41FA5}">
-                      <a16:colId xmlns:a16="http://schemas.microsoft.com/office/drawing/2014/main" val="20002"/>
+                      <a16:colId xmlns:a16="http://schemas.microsoft.com/office/drawing/2014/main" xmlns="" val="20002"/>
                     </a:ext>
                   </a:extLst>
                 </a:gridCol>
                 <a:gridCol w="1836549">
                   <a:extLst>
                     <a:ext uri="{9D8B030D-6E8A-4147-A177-3AD203B41FA5}">
-                      <a16:colId xmlns:a16="http://schemas.microsoft.com/office/drawing/2014/main" val="20003"/>
+                      <a16:colId xmlns:a16="http://schemas.microsoft.com/office/drawing/2014/main" xmlns="" val="20003"/>
                     </a:ext>
                   </a:extLst>
                 </a:gridCol>
                 <a:gridCol w="1455185">
                   <a:extLst>
                     <a:ext uri="{9D8B030D-6E8A-4147-A177-3AD203B41FA5}">
-                      <a16:colId xmlns:a16="http://schemas.microsoft.com/office/drawing/2014/main" val="20004"/>
+                      <a16:colId xmlns:a16="http://schemas.microsoft.com/office/drawing/2014/main" xmlns="" val="20004"/>
                     </a:ext>
                   </a:extLst>
                 </a:gridCol>
                 <a:gridCol w="1847246">
                   <a:extLst>
                     <a:ext uri="{9D8B030D-6E8A-4147-A177-3AD203B41FA5}">
-                      <a16:colId xmlns:a16="http://schemas.microsoft.com/office/drawing/2014/main" val="20005"/>
+                      <a16:colId xmlns:a16="http://schemas.microsoft.com/office/drawing/2014/main" xmlns="" val="20005"/>
                     </a:ext>
                   </a:extLst>
                 </a:gridCol>
@@ -7137,7 +7172,7 @@
                 </a:tc>
                 <a:extLst>
                   <a:ext uri="{0D108BD9-81ED-4DB2-BD59-A6C34878D82A}">
-                    <a16:rowId xmlns:a16="http://schemas.microsoft.com/office/drawing/2014/main" val="10000"/>
+                    <a16:rowId xmlns:a16="http://schemas.microsoft.com/office/drawing/2014/main" xmlns="" val="10000"/>
                   </a:ext>
                 </a:extLst>
               </a:tr>
@@ -7215,7 +7250,7 @@
                 </a:tc>
                 <a:extLst>
                   <a:ext uri="{0D108BD9-81ED-4DB2-BD59-A6C34878D82A}">
-                    <a16:rowId xmlns:a16="http://schemas.microsoft.com/office/drawing/2014/main" val="10001"/>
+                    <a16:rowId xmlns:a16="http://schemas.microsoft.com/office/drawing/2014/main" xmlns="" val="10001"/>
                   </a:ext>
                 </a:extLst>
               </a:tr>
@@ -7293,7 +7328,7 @@
                 </a:tc>
                 <a:extLst>
                   <a:ext uri="{0D108BD9-81ED-4DB2-BD59-A6C34878D82A}">
-                    <a16:rowId xmlns:a16="http://schemas.microsoft.com/office/drawing/2014/main" val="10002"/>
+                    <a16:rowId xmlns:a16="http://schemas.microsoft.com/office/drawing/2014/main" xmlns="" val="10002"/>
                   </a:ext>
                 </a:extLst>
               </a:tr>
@@ -7371,7 +7406,7 @@
                 </a:tc>
                 <a:extLst>
                   <a:ext uri="{0D108BD9-81ED-4DB2-BD59-A6C34878D82A}">
-                    <a16:rowId xmlns:a16="http://schemas.microsoft.com/office/drawing/2014/main" val="10003"/>
+                    <a16:rowId xmlns:a16="http://schemas.microsoft.com/office/drawing/2014/main" xmlns="" val="10003"/>
                   </a:ext>
                 </a:extLst>
               </a:tr>
@@ -7449,7 +7484,7 @@
                 </a:tc>
                 <a:extLst>
                   <a:ext uri="{0D108BD9-81ED-4DB2-BD59-A6C34878D82A}">
-                    <a16:rowId xmlns:a16="http://schemas.microsoft.com/office/drawing/2014/main" val="10004"/>
+                    <a16:rowId xmlns:a16="http://schemas.microsoft.com/office/drawing/2014/main" xmlns="" val="10004"/>
                   </a:ext>
                 </a:extLst>
               </a:tr>
@@ -7527,7 +7562,7 @@
                 </a:tc>
                 <a:extLst>
                   <a:ext uri="{0D108BD9-81ED-4DB2-BD59-A6C34878D82A}">
-                    <a16:rowId xmlns:a16="http://schemas.microsoft.com/office/drawing/2014/main" val="10005"/>
+                    <a16:rowId xmlns:a16="http://schemas.microsoft.com/office/drawing/2014/main" xmlns="" val="10005"/>
                   </a:ext>
                 </a:extLst>
               </a:tr>
@@ -7605,7 +7640,7 @@
                 </a:tc>
                 <a:extLst>
                   <a:ext uri="{0D108BD9-81ED-4DB2-BD59-A6C34878D82A}">
-                    <a16:rowId xmlns:a16="http://schemas.microsoft.com/office/drawing/2014/main" val="10006"/>
+                    <a16:rowId xmlns:a16="http://schemas.microsoft.com/office/drawing/2014/main" xmlns="" val="10006"/>
                   </a:ext>
                 </a:extLst>
               </a:tr>
@@ -7689,7 +7724,7 @@
                 </a:tc>
                 <a:extLst>
                   <a:ext uri="{0D108BD9-81ED-4DB2-BD59-A6C34878D82A}">
-                    <a16:rowId xmlns:a16="http://schemas.microsoft.com/office/drawing/2014/main" val="10007"/>
+                    <a16:rowId xmlns:a16="http://schemas.microsoft.com/office/drawing/2014/main" xmlns="" val="10007"/>
                   </a:ext>
                 </a:extLst>
               </a:tr>
@@ -7780,7 +7815,7 @@
                 </a:tc>
                 <a:extLst>
                   <a:ext uri="{0D108BD9-81ED-4DB2-BD59-A6C34878D82A}">
-                    <a16:rowId xmlns:a16="http://schemas.microsoft.com/office/drawing/2014/main" val="10008"/>
+                    <a16:rowId xmlns:a16="http://schemas.microsoft.com/office/drawing/2014/main" xmlns="" val="10008"/>
                   </a:ext>
                 </a:extLst>
               </a:tr>
@@ -7887,7 +7922,7 @@
                 </a:tc>
                 <a:extLst>
                   <a:ext uri="{0D108BD9-81ED-4DB2-BD59-A6C34878D82A}">
-                    <a16:rowId xmlns:a16="http://schemas.microsoft.com/office/drawing/2014/main" val="10009"/>
+                    <a16:rowId xmlns:a16="http://schemas.microsoft.com/office/drawing/2014/main" xmlns="" val="10009"/>
                   </a:ext>
                 </a:extLst>
               </a:tr>
@@ -7968,7 +8003,7 @@
                 </a:tc>
                 <a:extLst>
                   <a:ext uri="{0D108BD9-81ED-4DB2-BD59-A6C34878D82A}">
-                    <a16:rowId xmlns:a16="http://schemas.microsoft.com/office/drawing/2014/main" val="10010"/>
+                    <a16:rowId xmlns:a16="http://schemas.microsoft.com/office/drawing/2014/main" xmlns="" val="10010"/>
                   </a:ext>
                 </a:extLst>
               </a:tr>
@@ -8058,7 +8093,7 @@
                 </a:tc>
                 <a:extLst>
                   <a:ext uri="{0D108BD9-81ED-4DB2-BD59-A6C34878D82A}">
-                    <a16:rowId xmlns:a16="http://schemas.microsoft.com/office/drawing/2014/main" val="10011"/>
+                    <a16:rowId xmlns:a16="http://schemas.microsoft.com/office/drawing/2014/main" xmlns="" val="10011"/>
                   </a:ext>
                 </a:extLst>
               </a:tr>
@@ -8379,7 +8414,7 @@
   <a:extraClrSchemeLst/>
   <a:extLst>
     <a:ext uri="{05A4C25C-085E-4340-85A3-A5531E510DB2}">
-      <thm15:themeFamily xmlns:thm15="http://schemas.microsoft.com/office/thememl/2012/main" name="Office Theme" id="{62F939B6-93AF-4DB8-9C6B-D6C7DFDC589F}" vid="{4A3C46E8-61CC-4603-A589-7422A47A8E4A}"/>
+      <thm15:themeFamily xmlns:thm15="http://schemas.microsoft.com/office/thememl/2012/main" xmlns="" name="Office Theme" id="{62F939B6-93AF-4DB8-9C6B-D6C7DFDC589F}" vid="{4A3C46E8-61CC-4603-A589-7422A47A8E4A}"/>
     </a:ext>
   </a:extLst>
 </a:theme>

--- a/README.pptx
+++ b/README.pptx
@@ -121,7 +121,7 @@
   </p:defaultTextStyle>
   <p:extLst>
     <p:ext uri="{EFAFB233-063F-42B5-8137-9DF3F51BA10A}">
-      <p15:sldGuideLst xmlns:p15="http://schemas.microsoft.com/office/powerpoint/2012/main" xmlns="">
+      <p15:sldGuideLst xmlns:p15="http://schemas.microsoft.com/office/powerpoint/2012/main">
         <p15:guide id="1" orient="horz" pos="2160">
           <p15:clr>
             <a:srgbClr val="A4A3A4"/>
@@ -3567,42 +3567,42 @@
                 <a:gridCol w="2045766">
                   <a:extLst>
                     <a:ext uri="{9D8B030D-6E8A-4147-A177-3AD203B41FA5}">
-                      <a16:colId xmlns:a16="http://schemas.microsoft.com/office/drawing/2014/main" xmlns="" val="20000"/>
+                      <a16:colId xmlns:a16="http://schemas.microsoft.com/office/drawing/2014/main" val="20000"/>
                     </a:ext>
                   </a:extLst>
                 </a:gridCol>
                 <a:gridCol w="1108129">
                   <a:extLst>
                     <a:ext uri="{9D8B030D-6E8A-4147-A177-3AD203B41FA5}">
-                      <a16:colId xmlns:a16="http://schemas.microsoft.com/office/drawing/2014/main" xmlns="" val="20001"/>
+                      <a16:colId xmlns:a16="http://schemas.microsoft.com/office/drawing/2014/main" val="20001"/>
                     </a:ext>
                   </a:extLst>
                 </a:gridCol>
                 <a:gridCol w="1255362">
                   <a:extLst>
                     <a:ext uri="{9D8B030D-6E8A-4147-A177-3AD203B41FA5}">
-                      <a16:colId xmlns:a16="http://schemas.microsoft.com/office/drawing/2014/main" xmlns="" val="20002"/>
+                      <a16:colId xmlns:a16="http://schemas.microsoft.com/office/drawing/2014/main" val="20002"/>
                     </a:ext>
                   </a:extLst>
                 </a:gridCol>
                 <a:gridCol w="1622768">
                   <a:extLst>
                     <a:ext uri="{9D8B030D-6E8A-4147-A177-3AD203B41FA5}">
-                      <a16:colId xmlns:a16="http://schemas.microsoft.com/office/drawing/2014/main" xmlns="" val="20003"/>
+                      <a16:colId xmlns:a16="http://schemas.microsoft.com/office/drawing/2014/main" val="20003"/>
                     </a:ext>
                   </a:extLst>
                 </a:gridCol>
                 <a:gridCol w="2019334">
                   <a:extLst>
                     <a:ext uri="{9D8B030D-6E8A-4147-A177-3AD203B41FA5}">
-                      <a16:colId xmlns:a16="http://schemas.microsoft.com/office/drawing/2014/main" xmlns="" val="20004"/>
+                      <a16:colId xmlns:a16="http://schemas.microsoft.com/office/drawing/2014/main" val="20004"/>
                     </a:ext>
                   </a:extLst>
                 </a:gridCol>
                 <a:gridCol w="2154265">
                   <a:extLst>
                     <a:ext uri="{9D8B030D-6E8A-4147-A177-3AD203B41FA5}">
-                      <a16:colId xmlns:a16="http://schemas.microsoft.com/office/drawing/2014/main" xmlns="" val="20005"/>
+                      <a16:colId xmlns:a16="http://schemas.microsoft.com/office/drawing/2014/main" val="20005"/>
                     </a:ext>
                   </a:extLst>
                 </a:gridCol>
@@ -3840,7 +3840,7 @@
                 </a:tc>
                 <a:extLst>
                   <a:ext uri="{0D108BD9-81ED-4DB2-BD59-A6C34878D82A}">
-                    <a16:rowId xmlns:a16="http://schemas.microsoft.com/office/drawing/2014/main" xmlns="" val="10000"/>
+                    <a16:rowId xmlns:a16="http://schemas.microsoft.com/office/drawing/2014/main" val="10000"/>
                   </a:ext>
                 </a:extLst>
               </a:tr>
@@ -4021,7 +4021,7 @@
                 </a:tc>
                 <a:extLst>
                   <a:ext uri="{0D108BD9-81ED-4DB2-BD59-A6C34878D82A}">
-                    <a16:rowId xmlns:a16="http://schemas.microsoft.com/office/drawing/2014/main" xmlns="" val="10001"/>
+                    <a16:rowId xmlns:a16="http://schemas.microsoft.com/office/drawing/2014/main" val="10001"/>
                   </a:ext>
                 </a:extLst>
               </a:tr>
@@ -4202,7 +4202,7 @@
                 </a:tc>
                 <a:extLst>
                   <a:ext uri="{0D108BD9-81ED-4DB2-BD59-A6C34878D82A}">
-                    <a16:rowId xmlns:a16="http://schemas.microsoft.com/office/drawing/2014/main" xmlns="" val="10002"/>
+                    <a16:rowId xmlns:a16="http://schemas.microsoft.com/office/drawing/2014/main" val="10002"/>
                   </a:ext>
                 </a:extLst>
               </a:tr>
@@ -4383,7 +4383,7 @@
                 </a:tc>
                 <a:extLst>
                   <a:ext uri="{0D108BD9-81ED-4DB2-BD59-A6C34878D82A}">
-                    <a16:rowId xmlns:a16="http://schemas.microsoft.com/office/drawing/2014/main" xmlns="" val="10003"/>
+                    <a16:rowId xmlns:a16="http://schemas.microsoft.com/office/drawing/2014/main" val="10003"/>
                   </a:ext>
                 </a:extLst>
               </a:tr>
@@ -4570,7 +4570,7 @@
                 </a:tc>
                 <a:extLst>
                   <a:ext uri="{0D108BD9-81ED-4DB2-BD59-A6C34878D82A}">
-                    <a16:rowId xmlns:a16="http://schemas.microsoft.com/office/drawing/2014/main" xmlns="" val="10004"/>
+                    <a16:rowId xmlns:a16="http://schemas.microsoft.com/office/drawing/2014/main" val="10004"/>
                   </a:ext>
                 </a:extLst>
               </a:tr>
@@ -4658,7 +4658,7 @@
           <p:cNvPr id="2" name="Title 1">
             <a:extLst>
               <a:ext uri="{FF2B5EF4-FFF2-40B4-BE49-F238E27FC236}">
-                <a16:creationId xmlns:a16="http://schemas.microsoft.com/office/drawing/2014/main" xmlns="" id="{C578C6E6-9963-452C-A0B9-B961A198FCED}"/>
+                <a16:creationId xmlns:a16="http://schemas.microsoft.com/office/drawing/2014/main" id="{C578C6E6-9963-452C-A0B9-B961A198FCED}"/>
               </a:ext>
             </a:extLst>
           </p:cNvPr>
@@ -4687,7 +4687,7 @@
           <p:cNvPr id="3" name="Content Placeholder 2">
             <a:extLst>
               <a:ext uri="{FF2B5EF4-FFF2-40B4-BE49-F238E27FC236}">
-                <a16:creationId xmlns:a16="http://schemas.microsoft.com/office/drawing/2014/main" xmlns="" id="{7911F050-60EE-4F78-839E-EC193C6D5029}"/>
+                <a16:creationId xmlns:a16="http://schemas.microsoft.com/office/drawing/2014/main" id="{7911F050-60EE-4F78-839E-EC193C6D5029}"/>
               </a:ext>
             </a:extLst>
           </p:cNvPr>
@@ -4777,7 +4777,7 @@
           <p:cNvPr id="4" name="Footer Placeholder 3">
             <a:extLst>
               <a:ext uri="{FF2B5EF4-FFF2-40B4-BE49-F238E27FC236}">
-                <a16:creationId xmlns:a16="http://schemas.microsoft.com/office/drawing/2014/main" xmlns="" id="{CB56C53E-5AA6-4445-8310-80F39E373592}"/>
+                <a16:creationId xmlns:a16="http://schemas.microsoft.com/office/drawing/2014/main" id="{CB56C53E-5AA6-4445-8310-80F39E373592}"/>
               </a:ext>
             </a:extLst>
           </p:cNvPr>
@@ -4805,7 +4805,7 @@
           <p:cNvPr id="5" name="Slide Number Placeholder 4">
             <a:extLst>
               <a:ext uri="{FF2B5EF4-FFF2-40B4-BE49-F238E27FC236}">
-                <a16:creationId xmlns:a16="http://schemas.microsoft.com/office/drawing/2014/main" xmlns="" id="{3C6CFC43-56C3-4263-A119-89ADDD0C8539}"/>
+                <a16:creationId xmlns:a16="http://schemas.microsoft.com/office/drawing/2014/main" id="{3C6CFC43-56C3-4263-A119-89ADDD0C8539}"/>
               </a:ext>
             </a:extLst>
           </p:cNvPr>
@@ -5669,21 +5669,21 @@
                 <a:gridCol w="5054600">
                   <a:extLst>
                     <a:ext uri="{9D8B030D-6E8A-4147-A177-3AD203B41FA5}">
-                      <a16:colId xmlns:a16="http://schemas.microsoft.com/office/drawing/2014/main" xmlns="" val="865145431"/>
+                      <a16:colId xmlns:a16="http://schemas.microsoft.com/office/drawing/2014/main" val="865145431"/>
                     </a:ext>
                   </a:extLst>
                 </a:gridCol>
                 <a:gridCol w="1955800">
                   <a:extLst>
                     <a:ext uri="{9D8B030D-6E8A-4147-A177-3AD203B41FA5}">
-                      <a16:colId xmlns:a16="http://schemas.microsoft.com/office/drawing/2014/main" xmlns="" val="2266813503"/>
+                      <a16:colId xmlns:a16="http://schemas.microsoft.com/office/drawing/2014/main" val="2266813503"/>
                     </a:ext>
                   </a:extLst>
                 </a:gridCol>
                 <a:gridCol w="3505200">
                   <a:extLst>
                     <a:ext uri="{9D8B030D-6E8A-4147-A177-3AD203B41FA5}">
-                      <a16:colId xmlns:a16="http://schemas.microsoft.com/office/drawing/2014/main" xmlns="" val="3616348924"/>
+                      <a16:colId xmlns:a16="http://schemas.microsoft.com/office/drawing/2014/main" val="3616348924"/>
                     </a:ext>
                   </a:extLst>
                 </a:gridCol>
@@ -5778,7 +5778,7 @@
                 </a:tc>
                 <a:extLst>
                   <a:ext uri="{0D108BD9-81ED-4DB2-BD59-A6C34878D82A}">
-                    <a16:rowId xmlns:a16="http://schemas.microsoft.com/office/drawing/2014/main" xmlns="" val="4029533971"/>
+                    <a16:rowId xmlns:a16="http://schemas.microsoft.com/office/drawing/2014/main" val="4029533971"/>
                   </a:ext>
                 </a:extLst>
               </a:tr>
@@ -5884,7 +5884,7 @@
                 </a:tc>
                 <a:extLst>
                   <a:ext uri="{0D108BD9-81ED-4DB2-BD59-A6C34878D82A}">
-                    <a16:rowId xmlns:a16="http://schemas.microsoft.com/office/drawing/2014/main" xmlns="" val="3242111933"/>
+                    <a16:rowId xmlns:a16="http://schemas.microsoft.com/office/drawing/2014/main" val="3242111933"/>
                   </a:ext>
                 </a:extLst>
               </a:tr>
@@ -5978,7 +5978,7 @@
                 </a:tc>
                 <a:extLst>
                   <a:ext uri="{0D108BD9-81ED-4DB2-BD59-A6C34878D82A}">
-                    <a16:rowId xmlns:a16="http://schemas.microsoft.com/office/drawing/2014/main" xmlns="" val="3758837373"/>
+                    <a16:rowId xmlns:a16="http://schemas.microsoft.com/office/drawing/2014/main" val="3758837373"/>
                   </a:ext>
                 </a:extLst>
               </a:tr>
@@ -6078,7 +6078,7 @@
                 </a:tc>
                 <a:extLst>
                   <a:ext uri="{0D108BD9-81ED-4DB2-BD59-A6C34878D82A}">
-                    <a16:rowId xmlns:a16="http://schemas.microsoft.com/office/drawing/2014/main" xmlns="" val="2712992702"/>
+                    <a16:rowId xmlns:a16="http://schemas.microsoft.com/office/drawing/2014/main" val="2712992702"/>
                   </a:ext>
                 </a:extLst>
               </a:tr>
@@ -6178,7 +6178,7 @@
                 </a:tc>
                 <a:extLst>
                   <a:ext uri="{0D108BD9-81ED-4DB2-BD59-A6C34878D82A}">
-                    <a16:rowId xmlns:a16="http://schemas.microsoft.com/office/drawing/2014/main" xmlns="" val="1529562622"/>
+                    <a16:rowId xmlns:a16="http://schemas.microsoft.com/office/drawing/2014/main" val="1529562622"/>
                   </a:ext>
                 </a:extLst>
               </a:tr>
@@ -6716,47 +6716,30 @@
             </a:r>
             <a:r>
               <a:rPr lang="en-US" dirty="0"/>
-              <a:t>. Minimum size of a gene set, which is 10 by default for MAGENTA whereas DEPICT is five</a:t>
-            </a:r>
-            <a:r>
-              <a:rPr lang="en-US" dirty="0" smtClean="0"/>
-              <a:t>.</a:t>
-            </a:r>
-          </a:p>
-          <a:p>
-            <a:r>
-              <a:rPr lang="en-US" dirty="0" err="1" smtClean="0"/>
+              <a:t>. Minimum size of a gene set, which is 10 by default for MAGENTA whereas DEPICT is five.</a:t>
+            </a:r>
+          </a:p>
+          <a:p>
+            <a:r>
+              <a:rPr lang="en-US" dirty="0" err="1"/>
               <a:t>max_gs_size</a:t>
             </a:r>
             <a:r>
               <a:rPr lang="en-US" dirty="0"/>
-              <a:t>. Minimum size of a gene set, which </a:t>
+              <a:t>. </a:t>
             </a:r>
             <a:r>
               <a:rPr lang="en-US"/>
-              <a:t>is </a:t>
-            </a:r>
-            <a:r>
-              <a:rPr lang="en-US" smtClean="0"/>
-              <a:t>2000 </a:t>
+              <a:t>Maximum </a:t>
             </a:r>
             <a:r>
               <a:rPr lang="en-US" dirty="0"/>
-              <a:t>by default </a:t>
-            </a:r>
-            <a:r>
-              <a:rPr lang="en-US"/>
-              <a:t>for </a:t>
-            </a:r>
-            <a:r>
-              <a:rPr lang="en-US" smtClean="0"/>
-              <a:t>MAGENTA.</a:t>
-            </a:r>
-            <a:endParaRPr lang="en-US" dirty="0"/>
-          </a:p>
-          <a:p>
-            <a:r>
-              <a:rPr lang="en-US" dirty="0" err="1" smtClean="0"/>
+              <a:t>size of a gene set, which is 2000 by default for MAGENTA.</a:t>
+            </a:r>
+          </a:p>
+          <a:p>
+            <a:r>
+              <a:rPr lang="en-US" dirty="0" err="1"/>
               <a:t>p_threshold</a:t>
             </a:r>
             <a:r>
@@ -7049,42 +7032,42 @@
                 <a:gridCol w="2974383">
                   <a:extLst>
                     <a:ext uri="{9D8B030D-6E8A-4147-A177-3AD203B41FA5}">
-                      <a16:colId xmlns:a16="http://schemas.microsoft.com/office/drawing/2014/main" xmlns="" val="20000"/>
+                      <a16:colId xmlns:a16="http://schemas.microsoft.com/office/drawing/2014/main" val="20000"/>
                     </a:ext>
                   </a:extLst>
                 </a:gridCol>
                 <a:gridCol w="968644">
                   <a:extLst>
                     <a:ext uri="{9D8B030D-6E8A-4147-A177-3AD203B41FA5}">
-                      <a16:colId xmlns:a16="http://schemas.microsoft.com/office/drawing/2014/main" xmlns="" val="20001"/>
+                      <a16:colId xmlns:a16="http://schemas.microsoft.com/office/drawing/2014/main" val="20001"/>
                     </a:ext>
                   </a:extLst>
                 </a:gridCol>
                 <a:gridCol w="1433593">
                   <a:extLst>
                     <a:ext uri="{9D8B030D-6E8A-4147-A177-3AD203B41FA5}">
-                      <a16:colId xmlns:a16="http://schemas.microsoft.com/office/drawing/2014/main" xmlns="" val="20002"/>
+                      <a16:colId xmlns:a16="http://schemas.microsoft.com/office/drawing/2014/main" val="20002"/>
                     </a:ext>
                   </a:extLst>
                 </a:gridCol>
                 <a:gridCol w="1836549">
                   <a:extLst>
                     <a:ext uri="{9D8B030D-6E8A-4147-A177-3AD203B41FA5}">
-                      <a16:colId xmlns:a16="http://schemas.microsoft.com/office/drawing/2014/main" xmlns="" val="20003"/>
+                      <a16:colId xmlns:a16="http://schemas.microsoft.com/office/drawing/2014/main" val="20003"/>
                     </a:ext>
                   </a:extLst>
                 </a:gridCol>
                 <a:gridCol w="1455185">
                   <a:extLst>
                     <a:ext uri="{9D8B030D-6E8A-4147-A177-3AD203B41FA5}">
-                      <a16:colId xmlns:a16="http://schemas.microsoft.com/office/drawing/2014/main" xmlns="" val="20004"/>
+                      <a16:colId xmlns:a16="http://schemas.microsoft.com/office/drawing/2014/main" val="20004"/>
                     </a:ext>
                   </a:extLst>
                 </a:gridCol>
                 <a:gridCol w="1847246">
                   <a:extLst>
                     <a:ext uri="{9D8B030D-6E8A-4147-A177-3AD203B41FA5}">
-                      <a16:colId xmlns:a16="http://schemas.microsoft.com/office/drawing/2014/main" xmlns="" val="20005"/>
+                      <a16:colId xmlns:a16="http://schemas.microsoft.com/office/drawing/2014/main" val="20005"/>
                     </a:ext>
                   </a:extLst>
                 </a:gridCol>
@@ -7172,7 +7155,7 @@
                 </a:tc>
                 <a:extLst>
                   <a:ext uri="{0D108BD9-81ED-4DB2-BD59-A6C34878D82A}">
-                    <a16:rowId xmlns:a16="http://schemas.microsoft.com/office/drawing/2014/main" xmlns="" val="10000"/>
+                    <a16:rowId xmlns:a16="http://schemas.microsoft.com/office/drawing/2014/main" val="10000"/>
                   </a:ext>
                 </a:extLst>
               </a:tr>
@@ -7250,7 +7233,7 @@
                 </a:tc>
                 <a:extLst>
                   <a:ext uri="{0D108BD9-81ED-4DB2-BD59-A6C34878D82A}">
-                    <a16:rowId xmlns:a16="http://schemas.microsoft.com/office/drawing/2014/main" xmlns="" val="10001"/>
+                    <a16:rowId xmlns:a16="http://schemas.microsoft.com/office/drawing/2014/main" val="10001"/>
                   </a:ext>
                 </a:extLst>
               </a:tr>
@@ -7328,7 +7311,7 @@
                 </a:tc>
                 <a:extLst>
                   <a:ext uri="{0D108BD9-81ED-4DB2-BD59-A6C34878D82A}">
-                    <a16:rowId xmlns:a16="http://schemas.microsoft.com/office/drawing/2014/main" xmlns="" val="10002"/>
+                    <a16:rowId xmlns:a16="http://schemas.microsoft.com/office/drawing/2014/main" val="10002"/>
                   </a:ext>
                 </a:extLst>
               </a:tr>
@@ -7406,7 +7389,7 @@
                 </a:tc>
                 <a:extLst>
                   <a:ext uri="{0D108BD9-81ED-4DB2-BD59-A6C34878D82A}">
-                    <a16:rowId xmlns:a16="http://schemas.microsoft.com/office/drawing/2014/main" xmlns="" val="10003"/>
+                    <a16:rowId xmlns:a16="http://schemas.microsoft.com/office/drawing/2014/main" val="10003"/>
                   </a:ext>
                 </a:extLst>
               </a:tr>
@@ -7484,7 +7467,7 @@
                 </a:tc>
                 <a:extLst>
                   <a:ext uri="{0D108BD9-81ED-4DB2-BD59-A6C34878D82A}">
-                    <a16:rowId xmlns:a16="http://schemas.microsoft.com/office/drawing/2014/main" xmlns="" val="10004"/>
+                    <a16:rowId xmlns:a16="http://schemas.microsoft.com/office/drawing/2014/main" val="10004"/>
                   </a:ext>
                 </a:extLst>
               </a:tr>
@@ -7562,7 +7545,7 @@
                 </a:tc>
                 <a:extLst>
                   <a:ext uri="{0D108BD9-81ED-4DB2-BD59-A6C34878D82A}">
-                    <a16:rowId xmlns:a16="http://schemas.microsoft.com/office/drawing/2014/main" xmlns="" val="10005"/>
+                    <a16:rowId xmlns:a16="http://schemas.microsoft.com/office/drawing/2014/main" val="10005"/>
                   </a:ext>
                 </a:extLst>
               </a:tr>
@@ -7640,7 +7623,7 @@
                 </a:tc>
                 <a:extLst>
                   <a:ext uri="{0D108BD9-81ED-4DB2-BD59-A6C34878D82A}">
-                    <a16:rowId xmlns:a16="http://schemas.microsoft.com/office/drawing/2014/main" xmlns="" val="10006"/>
+                    <a16:rowId xmlns:a16="http://schemas.microsoft.com/office/drawing/2014/main" val="10006"/>
                   </a:ext>
                 </a:extLst>
               </a:tr>
@@ -7724,7 +7707,7 @@
                 </a:tc>
                 <a:extLst>
                   <a:ext uri="{0D108BD9-81ED-4DB2-BD59-A6C34878D82A}">
-                    <a16:rowId xmlns:a16="http://schemas.microsoft.com/office/drawing/2014/main" xmlns="" val="10007"/>
+                    <a16:rowId xmlns:a16="http://schemas.microsoft.com/office/drawing/2014/main" val="10007"/>
                   </a:ext>
                 </a:extLst>
               </a:tr>
@@ -7815,7 +7798,7 @@
                 </a:tc>
                 <a:extLst>
                   <a:ext uri="{0D108BD9-81ED-4DB2-BD59-A6C34878D82A}">
-                    <a16:rowId xmlns:a16="http://schemas.microsoft.com/office/drawing/2014/main" xmlns="" val="10008"/>
+                    <a16:rowId xmlns:a16="http://schemas.microsoft.com/office/drawing/2014/main" val="10008"/>
                   </a:ext>
                 </a:extLst>
               </a:tr>
@@ -7922,7 +7905,7 @@
                 </a:tc>
                 <a:extLst>
                   <a:ext uri="{0D108BD9-81ED-4DB2-BD59-A6C34878D82A}">
-                    <a16:rowId xmlns:a16="http://schemas.microsoft.com/office/drawing/2014/main" xmlns="" val="10009"/>
+                    <a16:rowId xmlns:a16="http://schemas.microsoft.com/office/drawing/2014/main" val="10009"/>
                   </a:ext>
                 </a:extLst>
               </a:tr>
@@ -8003,7 +7986,7 @@
                 </a:tc>
                 <a:extLst>
                   <a:ext uri="{0D108BD9-81ED-4DB2-BD59-A6C34878D82A}">
-                    <a16:rowId xmlns:a16="http://schemas.microsoft.com/office/drawing/2014/main" xmlns="" val="10010"/>
+                    <a16:rowId xmlns:a16="http://schemas.microsoft.com/office/drawing/2014/main" val="10010"/>
                   </a:ext>
                 </a:extLst>
               </a:tr>
@@ -8093,7 +8076,7 @@
                 </a:tc>
                 <a:extLst>
                   <a:ext uri="{0D108BD9-81ED-4DB2-BD59-A6C34878D82A}">
-                    <a16:rowId xmlns:a16="http://schemas.microsoft.com/office/drawing/2014/main" xmlns="" val="10011"/>
+                    <a16:rowId xmlns:a16="http://schemas.microsoft.com/office/drawing/2014/main" val="10011"/>
                   </a:ext>
                 </a:extLst>
               </a:tr>
@@ -8414,7 +8397,7 @@
   <a:extraClrSchemeLst/>
   <a:extLst>
     <a:ext uri="{05A4C25C-085E-4340-85A3-A5531E510DB2}">
-      <thm15:themeFamily xmlns:thm15="http://schemas.microsoft.com/office/thememl/2012/main" xmlns="" name="Office Theme" id="{62F939B6-93AF-4DB8-9C6B-D6C7DFDC589F}" vid="{4A3C46E8-61CC-4603-A589-7422A47A8E4A}"/>
+      <thm15:themeFamily xmlns:thm15="http://schemas.microsoft.com/office/thememl/2012/main" name="Office Theme" id="{62F939B6-93AF-4DB8-9C6B-D6C7DFDC589F}" vid="{4A3C46E8-61CC-4603-A589-7422A47A8E4A}"/>
     </a:ext>
   </a:extLst>
 </a:theme>

--- a/README.pptx
+++ b/README.pptx
@@ -5,7 +5,7 @@
     <p:sldMasterId id="2147483660" r:id="rId1"/>
   </p:sldMasterIdLst>
   <p:notesMasterIdLst>
-    <p:notesMasterId r:id="rId15"/>
+    <p:notesMasterId r:id="rId16"/>
   </p:notesMasterIdLst>
   <p:sldIdLst>
     <p:sldId id="256" r:id="rId2"/>
@@ -18,9 +18,10 @@
     <p:sldId id="278" r:id="rId9"/>
     <p:sldId id="275" r:id="rId10"/>
     <p:sldId id="276" r:id="rId11"/>
-    <p:sldId id="281" r:id="rId12"/>
-    <p:sldId id="277" r:id="rId13"/>
-    <p:sldId id="274" r:id="rId14"/>
+    <p:sldId id="282" r:id="rId12"/>
+    <p:sldId id="281" r:id="rId13"/>
+    <p:sldId id="277" r:id="rId14"/>
+    <p:sldId id="274" r:id="rId15"/>
   </p:sldIdLst>
   <p:sldSz cx="12192000" cy="6858000"/>
   <p:notesSz cx="6858000" cy="9144000"/>
@@ -121,7 +122,7 @@
   </p:defaultTextStyle>
   <p:extLst>
     <p:ext uri="{EFAFB233-063F-42B5-8137-9DF3F51BA10A}">
-      <p15:sldGuideLst xmlns:p15="http://schemas.microsoft.com/office/powerpoint/2012/main">
+      <p15:sldGuideLst xmlns:p15="http://schemas.microsoft.com/office/powerpoint/2012/main" xmlns="">
         <p15:guide id="1" orient="horz" pos="2160">
           <p15:clr>
             <a:srgbClr val="A4A3A4"/>
@@ -224,7 +225,7 @@
           <a:p>
             <a:fld id="{66B105AB-0F31-4E31-8256-7841B767E2AE}" type="datetimeFigureOut">
               <a:rPr lang="en-GB" smtClean="0"/>
-              <a:t>23/01/2018</a:t>
+              <a:t>26/03/2018</a:t>
             </a:fld>
             <a:endParaRPr lang="en-GB"/>
           </a:p>
@@ -623,7 +624,7 @@
           <a:p>
             <a:fld id="{0AF9AB42-7754-4A39-B895-9BE60049DFCC}" type="datetime1">
               <a:rPr lang="en-GB" smtClean="0"/>
-              <a:t>23/01/2018</a:t>
+              <a:t>26/03/2018</a:t>
             </a:fld>
             <a:endParaRPr lang="en-GB"/>
           </a:p>
@@ -796,7 +797,7 @@
           <a:p>
             <a:fld id="{C5FDF58E-A694-4923-8F74-566E8A32B1C7}" type="datetime1">
               <a:rPr lang="en-GB" smtClean="0"/>
-              <a:t>23/01/2018</a:t>
+              <a:t>26/03/2018</a:t>
             </a:fld>
             <a:endParaRPr lang="en-GB"/>
           </a:p>
@@ -979,7 +980,7 @@
           <a:p>
             <a:fld id="{CF68D6DF-1A30-4D8A-AD28-036908FB51B2}" type="datetime1">
               <a:rPr lang="en-GB" smtClean="0"/>
-              <a:t>23/01/2018</a:t>
+              <a:t>26/03/2018</a:t>
             </a:fld>
             <a:endParaRPr lang="en-GB"/>
           </a:p>
@@ -1152,7 +1153,7 @@
           <a:p>
             <a:fld id="{235352D1-08A9-4200-902D-1DD15FE1C897}" type="datetime1">
               <a:rPr lang="en-GB" smtClean="0"/>
-              <a:t>23/01/2018</a:t>
+              <a:t>26/03/2018</a:t>
             </a:fld>
             <a:endParaRPr lang="en-GB"/>
           </a:p>
@@ -1401,7 +1402,7 @@
           <a:p>
             <a:fld id="{BC1E5517-5DEB-4E83-8CC9-210D2FB0C171}" type="datetime1">
               <a:rPr lang="en-GB" smtClean="0"/>
-              <a:t>23/01/2018</a:t>
+              <a:t>26/03/2018</a:t>
             </a:fld>
             <a:endParaRPr lang="en-GB"/>
           </a:p>
@@ -1636,7 +1637,7 @@
           <a:p>
             <a:fld id="{6B54F2A8-ED5D-432B-8631-E3E5FE5C7B6C}" type="datetime1">
               <a:rPr lang="en-GB" smtClean="0"/>
-              <a:t>23/01/2018</a:t>
+              <a:t>26/03/2018</a:t>
             </a:fld>
             <a:endParaRPr lang="en-GB"/>
           </a:p>
@@ -2006,7 +2007,7 @@
           <a:p>
             <a:fld id="{71CC12EE-FF40-472C-8B7F-33B252D7C98B}" type="datetime1">
               <a:rPr lang="en-GB" smtClean="0"/>
-              <a:t>23/01/2018</a:t>
+              <a:t>26/03/2018</a:t>
             </a:fld>
             <a:endParaRPr lang="en-GB"/>
           </a:p>
@@ -2127,7 +2128,7 @@
           <a:p>
             <a:fld id="{C6B4B3F9-D2D6-4447-9135-E8F618E102B4}" type="datetime1">
               <a:rPr lang="en-GB" smtClean="0"/>
-              <a:t>23/01/2018</a:t>
+              <a:t>26/03/2018</a:t>
             </a:fld>
             <a:endParaRPr lang="en-GB"/>
           </a:p>
@@ -2225,7 +2226,7 @@
           <a:p>
             <a:fld id="{F61E7703-DFF0-48A9-BB88-68238BB724D2}" type="datetime1">
               <a:rPr lang="en-GB" smtClean="0"/>
-              <a:t>23/01/2018</a:t>
+              <a:t>26/03/2018</a:t>
             </a:fld>
             <a:endParaRPr lang="en-GB"/>
           </a:p>
@@ -2505,7 +2506,7 @@
           <a:p>
             <a:fld id="{C926F3A9-D135-485E-9A68-C7FCD6B30DAF}" type="datetime1">
               <a:rPr lang="en-GB" smtClean="0"/>
-              <a:t>23/01/2018</a:t>
+              <a:t>26/03/2018</a:t>
             </a:fld>
             <a:endParaRPr lang="en-GB"/>
           </a:p>
@@ -2765,7 +2766,7 @@
           <a:p>
             <a:fld id="{6001CE5A-4101-43EE-BFB2-58C7A7024D00}" type="datetime1">
               <a:rPr lang="en-GB" smtClean="0"/>
-              <a:t>23/01/2018</a:t>
+              <a:t>26/03/2018</a:t>
             </a:fld>
             <a:endParaRPr lang="en-GB"/>
           </a:p>
@@ -2981,7 +2982,7 @@
           <a:p>
             <a:fld id="{E124F8CC-8761-4124-A389-6C6DCCB38D99}" type="datetime1">
               <a:rPr lang="en-GB" smtClean="0"/>
-              <a:t>23/01/2018</a:t>
+              <a:t>26/03/2018</a:t>
             </a:fld>
             <a:endParaRPr lang="en-GB"/>
           </a:p>
@@ -3413,8 +3414,8 @@
           <a:lstStyle/>
           <a:p>
             <a:r>
-              <a:rPr lang="en-US" b="1" dirty="0"/>
-              <a:t>PW-pipeline</a:t>
+              <a:rPr lang="en-US" b="1" dirty="0" smtClean="0"/>
+              <a:t>PW-pipeline </a:t>
             </a:r>
             <a:endParaRPr lang="en-GB" b="1" dirty="0"/>
           </a:p>
@@ -3441,23 +3442,24 @@
           <a:lstStyle/>
           <a:p>
             <a:r>
-              <a:rPr lang="en-GB" dirty="0"/>
+              <a:rPr lang="en-GB" dirty="0" smtClean="0"/>
               <a:t>A </a:t>
             </a:r>
             <a:r>
-              <a:rPr lang="en-GB" dirty="0" err="1"/>
+              <a:rPr lang="en-GB" dirty="0" err="1" smtClean="0"/>
               <a:t>PathWay</a:t>
             </a:r>
             <a:r>
-              <a:rPr lang="en-GB" dirty="0"/>
+              <a:rPr lang="en-GB" dirty="0" smtClean="0"/>
               <a:t> pipeline for GWAS summary statistics</a:t>
             </a:r>
+            <a:endParaRPr lang="en-GB" dirty="0"/>
           </a:p>
         </p:txBody>
       </p:sp>
       <p:pic>
         <p:nvPicPr>
-          <p:cNvPr id="5" name="Picture 4"/>
+          <p:cNvPr id="4" name="Picture 3"/>
           <p:cNvPicPr>
             <a:picLocks noChangeAspect="1"/>
           </p:cNvPicPr>
@@ -3477,8 +3479,8 @@
         </p:blipFill>
         <p:spPr>
           <a:xfrm>
-            <a:off x="1394202" y="2373178"/>
-            <a:ext cx="8458200" cy="4000500"/>
+            <a:off x="2239506" y="2116432"/>
+            <a:ext cx="7675421" cy="4545581"/>
           </a:xfrm>
           <a:prstGeom prst="rect">
             <a:avLst/>
@@ -3567,42 +3569,42 @@
                 <a:gridCol w="2045766">
                   <a:extLst>
                     <a:ext uri="{9D8B030D-6E8A-4147-A177-3AD203B41FA5}">
-                      <a16:colId xmlns:a16="http://schemas.microsoft.com/office/drawing/2014/main" val="20000"/>
+                      <a16:colId xmlns:a16="http://schemas.microsoft.com/office/drawing/2014/main" xmlns="" val="20000"/>
                     </a:ext>
                   </a:extLst>
                 </a:gridCol>
                 <a:gridCol w="1108129">
                   <a:extLst>
                     <a:ext uri="{9D8B030D-6E8A-4147-A177-3AD203B41FA5}">
-                      <a16:colId xmlns:a16="http://schemas.microsoft.com/office/drawing/2014/main" val="20001"/>
+                      <a16:colId xmlns:a16="http://schemas.microsoft.com/office/drawing/2014/main" xmlns="" val="20001"/>
                     </a:ext>
                   </a:extLst>
                 </a:gridCol>
                 <a:gridCol w="1255362">
                   <a:extLst>
                     <a:ext uri="{9D8B030D-6E8A-4147-A177-3AD203B41FA5}">
-                      <a16:colId xmlns:a16="http://schemas.microsoft.com/office/drawing/2014/main" val="20002"/>
+                      <a16:colId xmlns:a16="http://schemas.microsoft.com/office/drawing/2014/main" xmlns="" val="20002"/>
                     </a:ext>
                   </a:extLst>
                 </a:gridCol>
                 <a:gridCol w="1622768">
                   <a:extLst>
                     <a:ext uri="{9D8B030D-6E8A-4147-A177-3AD203B41FA5}">
-                      <a16:colId xmlns:a16="http://schemas.microsoft.com/office/drawing/2014/main" val="20003"/>
+                      <a16:colId xmlns:a16="http://schemas.microsoft.com/office/drawing/2014/main" xmlns="" val="20003"/>
                     </a:ext>
                   </a:extLst>
                 </a:gridCol>
                 <a:gridCol w="2019334">
                   <a:extLst>
                     <a:ext uri="{9D8B030D-6E8A-4147-A177-3AD203B41FA5}">
-                      <a16:colId xmlns:a16="http://schemas.microsoft.com/office/drawing/2014/main" val="20004"/>
+                      <a16:colId xmlns:a16="http://schemas.microsoft.com/office/drawing/2014/main" xmlns="" val="20004"/>
                     </a:ext>
                   </a:extLst>
                 </a:gridCol>
                 <a:gridCol w="2154265">
                   <a:extLst>
                     <a:ext uri="{9D8B030D-6E8A-4147-A177-3AD203B41FA5}">
-                      <a16:colId xmlns:a16="http://schemas.microsoft.com/office/drawing/2014/main" val="20005"/>
+                      <a16:colId xmlns:a16="http://schemas.microsoft.com/office/drawing/2014/main" xmlns="" val="20005"/>
                     </a:ext>
                   </a:extLst>
                 </a:gridCol>
@@ -3840,7 +3842,7 @@
                 </a:tc>
                 <a:extLst>
                   <a:ext uri="{0D108BD9-81ED-4DB2-BD59-A6C34878D82A}">
-                    <a16:rowId xmlns:a16="http://schemas.microsoft.com/office/drawing/2014/main" val="10000"/>
+                    <a16:rowId xmlns:a16="http://schemas.microsoft.com/office/drawing/2014/main" xmlns="" val="10000"/>
                   </a:ext>
                 </a:extLst>
               </a:tr>
@@ -4021,7 +4023,7 @@
                 </a:tc>
                 <a:extLst>
                   <a:ext uri="{0D108BD9-81ED-4DB2-BD59-A6C34878D82A}">
-                    <a16:rowId xmlns:a16="http://schemas.microsoft.com/office/drawing/2014/main" val="10001"/>
+                    <a16:rowId xmlns:a16="http://schemas.microsoft.com/office/drawing/2014/main" xmlns="" val="10001"/>
                   </a:ext>
                 </a:extLst>
               </a:tr>
@@ -4202,7 +4204,7 @@
                 </a:tc>
                 <a:extLst>
                   <a:ext uri="{0D108BD9-81ED-4DB2-BD59-A6C34878D82A}">
-                    <a16:rowId xmlns:a16="http://schemas.microsoft.com/office/drawing/2014/main" val="10002"/>
+                    <a16:rowId xmlns:a16="http://schemas.microsoft.com/office/drawing/2014/main" xmlns="" val="10002"/>
                   </a:ext>
                 </a:extLst>
               </a:tr>
@@ -4383,7 +4385,7 @@
                 </a:tc>
                 <a:extLst>
                   <a:ext uri="{0D108BD9-81ED-4DB2-BD59-A6C34878D82A}">
-                    <a16:rowId xmlns:a16="http://schemas.microsoft.com/office/drawing/2014/main" val="10003"/>
+                    <a16:rowId xmlns:a16="http://schemas.microsoft.com/office/drawing/2014/main" xmlns="" val="10003"/>
                   </a:ext>
                 </a:extLst>
               </a:tr>
@@ -4570,7 +4572,7 @@
                 </a:tc>
                 <a:extLst>
                   <a:ext uri="{0D108BD9-81ED-4DB2-BD59-A6C34878D82A}">
-                    <a16:rowId xmlns:a16="http://schemas.microsoft.com/office/drawing/2014/main" val="10004"/>
+                    <a16:rowId xmlns:a16="http://schemas.microsoft.com/office/drawing/2014/main" xmlns="" val="10004"/>
                   </a:ext>
                 </a:extLst>
               </a:tr>
@@ -4655,13 +4657,7 @@
       </p:grpSpPr>
       <p:sp>
         <p:nvSpPr>
-          <p:cNvPr id="2" name="Title 1">
-            <a:extLst>
-              <a:ext uri="{FF2B5EF4-FFF2-40B4-BE49-F238E27FC236}">
-                <a16:creationId xmlns:a16="http://schemas.microsoft.com/office/drawing/2014/main" id="{C578C6E6-9963-452C-A0B9-B961A198FCED}"/>
-              </a:ext>
-            </a:extLst>
-          </p:cNvPr>
+          <p:cNvPr id="2" name="Title 1"/>
           <p:cNvSpPr>
             <a:spLocks noGrp="1"/>
           </p:cNvSpPr>
@@ -4676,139 +4672,39 @@
           <a:p>
             <a:pPr algn="ctr"/>
             <a:r>
-              <a:rPr lang="en-GB" dirty="0"/>
-              <a:t>Which software to use</a:t>
-            </a:r>
-          </a:p>
-        </p:txBody>
-      </p:sp>
-      <p:sp>
-        <p:nvSpPr>
-          <p:cNvPr id="3" name="Content Placeholder 2">
-            <a:extLst>
-              <a:ext uri="{FF2B5EF4-FFF2-40B4-BE49-F238E27FC236}">
-                <a16:creationId xmlns:a16="http://schemas.microsoft.com/office/drawing/2014/main" id="{7911F050-60EE-4F78-839E-EC193C6D5029}"/>
-              </a:ext>
-            </a:extLst>
-          </p:cNvPr>
-          <p:cNvSpPr>
-            <a:spLocks noGrp="1"/>
-          </p:cNvSpPr>
-          <p:nvPr>
-            <p:ph idx="1"/>
+              <a:rPr lang="en-GB" dirty="0" smtClean="0"/>
+              <a:t>Self-organised map and clustering</a:t>
+            </a:r>
+            <a:endParaRPr lang="en-GB" dirty="0"/>
+          </a:p>
+        </p:txBody>
+      </p:sp>
+      <p:sp>
+        <p:nvSpPr>
+          <p:cNvPr id="4" name="Footer Placeholder 3"/>
+          <p:cNvSpPr>
+            <a:spLocks noGrp="1"/>
+          </p:cNvSpPr>
+          <p:nvPr>
+            <p:ph type="ftr" sz="quarter" idx="11"/>
           </p:nvPr>
         </p:nvSpPr>
         <p:spPr/>
         <p:txBody>
-          <a:bodyPr>
-            <a:normAutofit lnSpcReduction="10000"/>
-          </a:bodyPr>
-          <a:lstStyle/>
-          <a:p>
-            <a:r>
-              <a:rPr lang="en-GB" dirty="0"/>
-              <a:t>It has been comfortable here with MAGENTA, so it would still be the starting point. However, it is desirable to use with other databases from </a:t>
-            </a:r>
-            <a:r>
-              <a:rPr lang="en-GB" dirty="0" err="1"/>
-              <a:t>MSigDB</a:t>
-            </a:r>
-            <a:r>
-              <a:rPr lang="en-GB" dirty="0"/>
-              <a:t> or DEPICT, the latter also facilitate network analysis.</a:t>
-            </a:r>
-          </a:p>
-          <a:p>
-            <a:r>
-              <a:rPr lang="en-GB" dirty="0"/>
-              <a:t>When seeking more power, PASCAL is the next choice as it is the closest to DEPICT in that respect.</a:t>
-            </a:r>
-          </a:p>
-          <a:p>
-            <a:r>
-              <a:rPr lang="en-GB" dirty="0"/>
-              <a:t>DEPICT features tissue enrichment analysis which can be coupled with </a:t>
-            </a:r>
-            <a:r>
-              <a:rPr lang="en-GB" dirty="0" err="1"/>
-              <a:t>GTEx</a:t>
-            </a:r>
-            <a:r>
-              <a:rPr lang="en-GB" dirty="0"/>
-              <a:t> data as implemented in FUSION/TWAS-pipeline/</a:t>
-            </a:r>
-            <a:r>
-              <a:rPr lang="en-GB" dirty="0" err="1"/>
-              <a:t>MetaXcan</a:t>
-            </a:r>
-            <a:r>
-              <a:rPr lang="en-GB" dirty="0"/>
-              <a:t>.</a:t>
-            </a:r>
-          </a:p>
-          <a:p>
-            <a:r>
-              <a:rPr lang="en-GB" dirty="0"/>
-              <a:t>We are open to other software such as DAVID, DEPICT adapted for exome data, inverse normal transformed version, etc.</a:t>
-            </a:r>
-          </a:p>
-          <a:p>
-            <a:r>
-              <a:rPr lang="en-GB"/>
-              <a:t>To ease interpretation, </a:t>
-            </a:r>
-            <a:r>
-              <a:rPr lang="en-GB" dirty="0"/>
-              <a:t>we can use </a:t>
-            </a:r>
-            <a:r>
-              <a:rPr lang="en-GB" dirty="0" err="1"/>
-              <a:t>MSigDB</a:t>
-            </a:r>
-            <a:r>
-              <a:rPr lang="en-GB" dirty="0"/>
-              <a:t>/c2 for instance.</a:t>
-            </a:r>
-          </a:p>
-        </p:txBody>
-      </p:sp>
-      <p:sp>
-        <p:nvSpPr>
-          <p:cNvPr id="4" name="Footer Placeholder 3">
-            <a:extLst>
-              <a:ext uri="{FF2B5EF4-FFF2-40B4-BE49-F238E27FC236}">
-                <a16:creationId xmlns:a16="http://schemas.microsoft.com/office/drawing/2014/main" id="{CB56C53E-5AA6-4445-8310-80F39E373592}"/>
-              </a:ext>
-            </a:extLst>
-          </p:cNvPr>
-          <p:cNvSpPr>
-            <a:spLocks noGrp="1"/>
-          </p:cNvSpPr>
-          <p:nvPr>
-            <p:ph type="ftr" sz="quarter" idx="11"/>
-          </p:nvPr>
-        </p:nvSpPr>
-        <p:spPr/>
-        <p:txBody>
           <a:bodyPr/>
           <a:lstStyle/>
           <a:p>
             <a:r>
-              <a:rPr lang="en-GB"/>
+              <a:rPr lang="en-GB" smtClean="0"/>
               <a:t>PW-pipeline</a:t>
             </a:r>
-          </a:p>
-        </p:txBody>
-      </p:sp>
-      <p:sp>
-        <p:nvSpPr>
-          <p:cNvPr id="5" name="Slide Number Placeholder 4">
-            <a:extLst>
-              <a:ext uri="{FF2B5EF4-FFF2-40B4-BE49-F238E27FC236}">
-                <a16:creationId xmlns:a16="http://schemas.microsoft.com/office/drawing/2014/main" id="{3C6CFC43-56C3-4263-A119-89ADDD0C8539}"/>
-              </a:ext>
-            </a:extLst>
-          </p:cNvPr>
+            <a:endParaRPr lang="en-GB"/>
+          </a:p>
+        </p:txBody>
+      </p:sp>
+      <p:sp>
+        <p:nvSpPr>
+          <p:cNvPr id="5" name="Slide Number Placeholder 4"/>
           <p:cNvSpPr>
             <a:spLocks noGrp="1"/>
           </p:cNvSpPr>
@@ -4829,10 +4725,70 @@
           </a:p>
         </p:txBody>
       </p:sp>
+      <p:pic>
+        <p:nvPicPr>
+          <p:cNvPr id="6" name="Picture 5"/>
+          <p:cNvPicPr>
+            <a:picLocks noChangeAspect="1"/>
+          </p:cNvPicPr>
+          <p:nvPr/>
+        </p:nvPicPr>
+        <p:blipFill>
+          <a:blip r:embed="rId2">
+            <a:extLst>
+              <a:ext uri="{28A0092B-C50C-407E-A947-70E740481C1C}">
+                <a14:useLocalDpi xmlns:a14="http://schemas.microsoft.com/office/drawing/2010/main" val="0"/>
+              </a:ext>
+            </a:extLst>
+          </a:blip>
+          <a:stretch>
+            <a:fillRect/>
+          </a:stretch>
+        </p:blipFill>
+        <p:spPr>
+          <a:xfrm>
+            <a:off x="790066" y="2373178"/>
+            <a:ext cx="4736834" cy="3464286"/>
+          </a:xfrm>
+          <a:prstGeom prst="rect">
+            <a:avLst/>
+          </a:prstGeom>
+        </p:spPr>
+      </p:pic>
+      <p:pic>
+        <p:nvPicPr>
+          <p:cNvPr id="7" name="Picture 6"/>
+          <p:cNvPicPr>
+            <a:picLocks noChangeAspect="1"/>
+          </p:cNvPicPr>
+          <p:nvPr/>
+        </p:nvPicPr>
+        <p:blipFill>
+          <a:blip r:embed="rId3">
+            <a:extLst>
+              <a:ext uri="{28A0092B-C50C-407E-A947-70E740481C1C}">
+                <a14:useLocalDpi xmlns:a14="http://schemas.microsoft.com/office/drawing/2010/main" val="0"/>
+              </a:ext>
+            </a:extLst>
+          </a:blip>
+          <a:stretch>
+            <a:fillRect/>
+          </a:stretch>
+        </p:blipFill>
+        <p:spPr>
+          <a:xfrm>
+            <a:off x="5331279" y="1975757"/>
+            <a:ext cx="5804807" cy="3861707"/>
+          </a:xfrm>
+          <a:prstGeom prst="rect">
+            <a:avLst/>
+          </a:prstGeom>
+        </p:spPr>
+      </p:pic>
     </p:spTree>
     <p:extLst>
       <p:ext uri="{BB962C8B-B14F-4D97-AF65-F5344CB8AC3E}">
-        <p14:creationId xmlns:p14="http://schemas.microsoft.com/office/powerpoint/2010/main" val="4250874685"/>
+        <p14:creationId xmlns:p14="http://schemas.microsoft.com/office/powerpoint/2010/main" val="2363337619"/>
       </p:ext>
     </p:extLst>
   </p:cSld>
@@ -4861,7 +4817,13 @@
       </p:grpSpPr>
       <p:sp>
         <p:nvSpPr>
-          <p:cNvPr id="2" name="Title 1"/>
+          <p:cNvPr id="2" name="Title 1">
+            <a:extLst>
+              <a:ext uri="{FF2B5EF4-FFF2-40B4-BE49-F238E27FC236}">
+                <a16:creationId xmlns:a16="http://schemas.microsoft.com/office/drawing/2014/main" xmlns="" id="{C578C6E6-9963-452C-A0B9-B961A198FCED}"/>
+              </a:ext>
+            </a:extLst>
+          </p:cNvPr>
           <p:cNvSpPr>
             <a:spLocks noGrp="1"/>
           </p:cNvSpPr>
@@ -4876,15 +4838,21 @@
           <a:p>
             <a:pPr algn="ctr"/>
             <a:r>
-              <a:rPr lang="en-GB" b="1" dirty="0"/>
-              <a:t>Final remarks</a:t>
-            </a:r>
-          </a:p>
-        </p:txBody>
-      </p:sp>
-      <p:sp>
-        <p:nvSpPr>
-          <p:cNvPr id="3" name="Content Placeholder 2"/>
+              <a:rPr lang="en-GB" dirty="0"/>
+              <a:t>Which software to use</a:t>
+            </a:r>
+          </a:p>
+        </p:txBody>
+      </p:sp>
+      <p:sp>
+        <p:nvSpPr>
+          <p:cNvPr id="3" name="Content Placeholder 2">
+            <a:extLst>
+              <a:ext uri="{FF2B5EF4-FFF2-40B4-BE49-F238E27FC236}">
+                <a16:creationId xmlns:a16="http://schemas.microsoft.com/office/drawing/2014/main" xmlns="" id="{7911F050-60EE-4F78-839E-EC193C6D5029}"/>
+              </a:ext>
+            </a:extLst>
+          </p:cNvPr>
           <p:cNvSpPr>
             <a:spLocks noGrp="1"/>
           </p:cNvSpPr>
@@ -4901,68 +4869,88 @@
           <a:p>
             <a:r>
               <a:rPr lang="en-GB" dirty="0"/>
-              <a:t>The common database</a:t>
-            </a:r>
-          </a:p>
-          <a:p>
-            <a:pPr lvl="1"/>
+              <a:t>It has been comfortable here with MAGENTA, so it would still </a:t>
+            </a:r>
+            <a:r>
+              <a:rPr lang="en-GB"/>
+              <a:t>be </a:t>
+            </a:r>
+            <a:r>
+              <a:rPr lang="en-GB" smtClean="0"/>
+              <a:t>a </a:t>
+            </a:r>
             <a:r>
               <a:rPr lang="en-GB" dirty="0"/>
-              <a:t>facilitates cross-software comparison.</a:t>
-            </a:r>
-          </a:p>
-          <a:p>
-            <a:pPr lvl="1"/>
+              <a:t>starting point. However, it is desirable to use with other databases from </a:t>
+            </a:r>
+            <a:r>
+              <a:rPr lang="en-GB" dirty="0" err="1"/>
+              <a:t>MSigDB</a:t>
+            </a:r>
             <a:r>
               <a:rPr lang="en-GB" dirty="0"/>
-              <a:t>allows for correlation between software to be calculated.</a:t>
+              <a:t> or DEPICT, the latter also facilitate network analysis.</a:t>
             </a:r>
           </a:p>
           <a:p>
             <a:r>
               <a:rPr lang="en-GB" dirty="0"/>
-              <a:t>The pipeline </a:t>
-            </a:r>
-          </a:p>
-          <a:p>
-            <a:pPr lvl="1"/>
+              <a:t>When seeking more power, PASCAL is the next choice as it is the closest to DEPICT in that respect.</a:t>
+            </a:r>
+          </a:p>
+          <a:p>
             <a:r>
               <a:rPr lang="en-GB" dirty="0"/>
-              <a:t>takes advantage of the database to perform cluster analysis including affinity propagation clustering as well as build networks.</a:t>
-            </a:r>
-          </a:p>
-          <a:p>
-            <a:pPr lvl="1"/>
+              <a:t>DEPICT features tissue enrichment analysis which can be coupled with </a:t>
+            </a:r>
+            <a:r>
+              <a:rPr lang="en-GB" dirty="0" err="1"/>
+              <a:t>GTEx</a:t>
+            </a:r>
             <a:r>
               <a:rPr lang="en-GB" dirty="0"/>
-              <a:t>Generates simple interaction format (SIF) and edge list (EL) formats which can be fed into </a:t>
+              <a:t> data as implemented in FUSION/TWAS-pipeline/</a:t>
             </a:r>
             <a:r>
               <a:rPr lang="en-GB" dirty="0" err="1"/>
-              <a:t>Cytoscape</a:t>
+              <a:t>MetaXcan</a:t>
             </a:r>
             <a:r>
               <a:rPr lang="en-GB" dirty="0"/>
-              <a:t> for visualisation using a variety of layouts and analysis through many plugins. Further extensions are possible.</a:t>
+              <a:t>.</a:t>
             </a:r>
           </a:p>
           <a:p>
             <a:r>
               <a:rPr lang="en-GB" dirty="0"/>
-              <a:t>At the very least, use the setup for GWAS, e.g., MAGENTA + common database + clusters.</a:t>
-            </a:r>
-          </a:p>
-          <a:p>
-            <a:pPr marL="457200" lvl="1" indent="0">
-              <a:buNone/>
-            </a:pPr>
-            <a:endParaRPr lang="en-GB" dirty="0"/>
-          </a:p>
-        </p:txBody>
-      </p:sp>
-      <p:sp>
-        <p:nvSpPr>
-          <p:cNvPr id="6" name="Footer Placeholder 5"/>
+              <a:t>We are open to other software such as DAVID, DEPICT adapted for exome data, inverse normal transformed version, etc.</a:t>
+            </a:r>
+          </a:p>
+          <a:p>
+            <a:r>
+              <a:rPr lang="en-GB" dirty="0"/>
+              <a:t>To ease interpretation, we can use </a:t>
+            </a:r>
+            <a:r>
+              <a:rPr lang="en-GB" dirty="0" err="1"/>
+              <a:t>MSigDB</a:t>
+            </a:r>
+            <a:r>
+              <a:rPr lang="en-GB" dirty="0"/>
+              <a:t>/c2 for instance.</a:t>
+            </a:r>
+          </a:p>
+        </p:txBody>
+      </p:sp>
+      <p:sp>
+        <p:nvSpPr>
+          <p:cNvPr id="4" name="Footer Placeholder 3">
+            <a:extLst>
+              <a:ext uri="{FF2B5EF4-FFF2-40B4-BE49-F238E27FC236}">
+                <a16:creationId xmlns:a16="http://schemas.microsoft.com/office/drawing/2014/main" xmlns="" id="{CB56C53E-5AA6-4445-8310-80F39E373592}"/>
+              </a:ext>
+            </a:extLst>
+          </p:cNvPr>
           <p:cNvSpPr>
             <a:spLocks noGrp="1"/>
           </p:cNvSpPr>
@@ -4984,7 +4972,13 @@
       </p:sp>
       <p:sp>
         <p:nvSpPr>
-          <p:cNvPr id="7" name="Slide Number Placeholder 6"/>
+          <p:cNvPr id="5" name="Slide Number Placeholder 4">
+            <a:extLst>
+              <a:ext uri="{FF2B5EF4-FFF2-40B4-BE49-F238E27FC236}">
+                <a16:creationId xmlns:a16="http://schemas.microsoft.com/office/drawing/2014/main" xmlns="" id="{3C6CFC43-56C3-4263-A119-89ADDD0C8539}"/>
+              </a:ext>
+            </a:extLst>
+          </p:cNvPr>
           <p:cNvSpPr>
             <a:spLocks noGrp="1"/>
           </p:cNvSpPr>
@@ -5008,7 +5002,7 @@
     </p:spTree>
     <p:extLst>
       <p:ext uri="{BB962C8B-B14F-4D97-AF65-F5344CB8AC3E}">
-        <p14:creationId xmlns:p14="http://schemas.microsoft.com/office/powerpoint/2010/main" val="943105105"/>
+        <p14:creationId xmlns:p14="http://schemas.microsoft.com/office/powerpoint/2010/main" val="4250874685"/>
       </p:ext>
     </p:extLst>
   </p:cSld>
@@ -5052,6 +5046,182 @@
           <a:p>
             <a:pPr algn="ctr"/>
             <a:r>
+              <a:rPr lang="en-GB" b="1" dirty="0"/>
+              <a:t>Final remarks</a:t>
+            </a:r>
+          </a:p>
+        </p:txBody>
+      </p:sp>
+      <p:sp>
+        <p:nvSpPr>
+          <p:cNvPr id="3" name="Content Placeholder 2"/>
+          <p:cNvSpPr>
+            <a:spLocks noGrp="1"/>
+          </p:cNvSpPr>
+          <p:nvPr>
+            <p:ph idx="1"/>
+          </p:nvPr>
+        </p:nvSpPr>
+        <p:spPr/>
+        <p:txBody>
+          <a:bodyPr>
+            <a:normAutofit lnSpcReduction="10000"/>
+          </a:bodyPr>
+          <a:lstStyle/>
+          <a:p>
+            <a:r>
+              <a:rPr lang="en-GB" dirty="0"/>
+              <a:t>The common database</a:t>
+            </a:r>
+          </a:p>
+          <a:p>
+            <a:pPr lvl="1"/>
+            <a:r>
+              <a:rPr lang="en-GB" dirty="0"/>
+              <a:t>facilitates cross-software comparison.</a:t>
+            </a:r>
+          </a:p>
+          <a:p>
+            <a:pPr lvl="1"/>
+            <a:r>
+              <a:rPr lang="en-GB" dirty="0"/>
+              <a:t>allows for correlation between software to be calculated.</a:t>
+            </a:r>
+          </a:p>
+          <a:p>
+            <a:r>
+              <a:rPr lang="en-GB" dirty="0"/>
+              <a:t>The pipeline </a:t>
+            </a:r>
+          </a:p>
+          <a:p>
+            <a:pPr lvl="1"/>
+            <a:r>
+              <a:rPr lang="en-GB" dirty="0"/>
+              <a:t>takes advantage of the database to perform cluster analysis including affinity propagation clustering as well as build networks.</a:t>
+            </a:r>
+          </a:p>
+          <a:p>
+            <a:pPr lvl="1"/>
+            <a:r>
+              <a:rPr lang="en-GB" dirty="0"/>
+              <a:t>Generates simple interaction format (SIF) and edge list (EL) formats which can be fed into </a:t>
+            </a:r>
+            <a:r>
+              <a:rPr lang="en-GB" dirty="0" err="1"/>
+              <a:t>Cytoscape</a:t>
+            </a:r>
+            <a:r>
+              <a:rPr lang="en-GB" dirty="0"/>
+              <a:t> for visualisation using a variety of layouts and analysis through many plugins. Further extensions are possible.</a:t>
+            </a:r>
+          </a:p>
+          <a:p>
+            <a:r>
+              <a:rPr lang="en-GB" dirty="0"/>
+              <a:t>At the very least, use the setup for GWAS, e.g., MAGENTA + common database + clusters.</a:t>
+            </a:r>
+          </a:p>
+          <a:p>
+            <a:pPr marL="457200" lvl="1" indent="0">
+              <a:buNone/>
+            </a:pPr>
+            <a:endParaRPr lang="en-GB" dirty="0"/>
+          </a:p>
+        </p:txBody>
+      </p:sp>
+      <p:sp>
+        <p:nvSpPr>
+          <p:cNvPr id="6" name="Footer Placeholder 5"/>
+          <p:cNvSpPr>
+            <a:spLocks noGrp="1"/>
+          </p:cNvSpPr>
+          <p:nvPr>
+            <p:ph type="ftr" sz="quarter" idx="11"/>
+          </p:nvPr>
+        </p:nvSpPr>
+        <p:spPr/>
+        <p:txBody>
+          <a:bodyPr/>
+          <a:lstStyle/>
+          <a:p>
+            <a:r>
+              <a:rPr lang="en-GB"/>
+              <a:t>PW-pipeline</a:t>
+            </a:r>
+          </a:p>
+        </p:txBody>
+      </p:sp>
+      <p:sp>
+        <p:nvSpPr>
+          <p:cNvPr id="7" name="Slide Number Placeholder 6"/>
+          <p:cNvSpPr>
+            <a:spLocks noGrp="1"/>
+          </p:cNvSpPr>
+          <p:nvPr>
+            <p:ph type="sldNum" sz="quarter" idx="12"/>
+          </p:nvPr>
+        </p:nvSpPr>
+        <p:spPr/>
+        <p:txBody>
+          <a:bodyPr/>
+          <a:lstStyle/>
+          <a:p>
+            <a:fld id="{1FB4BD47-2A83-4A56-970D-480688504C1B}" type="slidenum">
+              <a:rPr lang="en-GB" smtClean="0"/>
+              <a:t>13</a:t>
+            </a:fld>
+            <a:endParaRPr lang="en-GB"/>
+          </a:p>
+        </p:txBody>
+      </p:sp>
+    </p:spTree>
+    <p:extLst>
+      <p:ext uri="{BB962C8B-B14F-4D97-AF65-F5344CB8AC3E}">
+        <p14:creationId xmlns:p14="http://schemas.microsoft.com/office/powerpoint/2010/main" val="943105105"/>
+      </p:ext>
+    </p:extLst>
+  </p:cSld>
+  <p:clrMapOvr>
+    <a:masterClrMapping/>
+  </p:clrMapOvr>
+</p:sld>
+</file>
+
+<file path=ppt/slides/slide14.xml><?xml version="1.0" encoding="utf-8"?>
+<p:sld xmlns:a="http://schemas.openxmlformats.org/drawingml/2006/main" xmlns:r="http://schemas.openxmlformats.org/officeDocument/2006/relationships" xmlns:p="http://schemas.openxmlformats.org/presentationml/2006/main">
+  <p:cSld>
+    <p:spTree>
+      <p:nvGrpSpPr>
+        <p:cNvPr id="1" name=""/>
+        <p:cNvGrpSpPr/>
+        <p:nvPr/>
+      </p:nvGrpSpPr>
+      <p:grpSpPr>
+        <a:xfrm>
+          <a:off x="0" y="0"/>
+          <a:ext cx="0" cy="0"/>
+          <a:chOff x="0" y="0"/>
+          <a:chExt cx="0" cy="0"/>
+        </a:xfrm>
+      </p:grpSpPr>
+      <p:sp>
+        <p:nvSpPr>
+          <p:cNvPr id="2" name="Title 1"/>
+          <p:cNvSpPr>
+            <a:spLocks noGrp="1"/>
+          </p:cNvSpPr>
+          <p:nvPr>
+            <p:ph type="title"/>
+          </p:nvPr>
+        </p:nvSpPr>
+        <p:spPr/>
+        <p:txBody>
+          <a:bodyPr/>
+          <a:lstStyle/>
+          <a:p>
+            <a:pPr algn="ctr"/>
+            <a:r>
               <a:rPr lang="en-US" b="1" dirty="0"/>
               <a:t>References</a:t>
             </a:r>
@@ -5250,7 +5420,7 @@
           <a:p>
             <a:fld id="{1FB4BD47-2A83-4A56-970D-480688504C1B}" type="slidenum">
               <a:rPr lang="en-GB" smtClean="0"/>
-              <a:t>13</a:t>
+              <a:t>14</a:t>
             </a:fld>
             <a:endParaRPr lang="en-GB"/>
           </a:p>
@@ -5303,9 +5473,10 @@
           <a:p>
             <a:pPr algn="ctr"/>
             <a:r>
-              <a:rPr lang="en-GB" b="1" dirty="0"/>
-              <a:t>Rationale for the pipeline</a:t>
-            </a:r>
+              <a:rPr lang="en-GB" b="1" dirty="0" smtClean="0"/>
+              <a:t>Rationale</a:t>
+            </a:r>
+            <a:endParaRPr lang="en-GB" b="1" dirty="0"/>
           </a:p>
         </p:txBody>
       </p:sp>
@@ -5492,8 +5663,18 @@
             </a:pPr>
             <a:r>
               <a:rPr lang="en-GB" dirty="0"/>
-              <a:t>We consider pathway analysis using GWAS summary statistics, which conceptually involves several steps,</a:t>
-            </a:r>
+              <a:t>We consider pathway analysis using GWAS summary statistics, which conceptually involves several steps</a:t>
+            </a:r>
+            <a:r>
+              <a:rPr lang="en-GB" dirty="0" smtClean="0"/>
+              <a:t>,</a:t>
+            </a:r>
+          </a:p>
+          <a:p>
+            <a:pPr marL="0" indent="0">
+              <a:buNone/>
+            </a:pPr>
+            <a:endParaRPr lang="en-GB" dirty="0"/>
           </a:p>
           <a:p>
             <a:pPr marL="514350" indent="-514350">
@@ -5634,9 +5815,10 @@
           <a:p>
             <a:pPr algn="ctr"/>
             <a:r>
-              <a:rPr lang="en-GB" b="1" dirty="0"/>
-              <a:t>Available software for the pipeline</a:t>
-            </a:r>
+              <a:rPr lang="en-GB" b="1" dirty="0" smtClean="0"/>
+              <a:t>Support for software</a:t>
+            </a:r>
+            <a:endParaRPr lang="en-GB" b="1" dirty="0"/>
           </a:p>
         </p:txBody>
       </p:sp>
@@ -5669,21 +5851,21 @@
                 <a:gridCol w="5054600">
                   <a:extLst>
                     <a:ext uri="{9D8B030D-6E8A-4147-A177-3AD203B41FA5}">
-                      <a16:colId xmlns:a16="http://schemas.microsoft.com/office/drawing/2014/main" val="865145431"/>
+                      <a16:colId xmlns:a16="http://schemas.microsoft.com/office/drawing/2014/main" xmlns="" val="865145431"/>
                     </a:ext>
                   </a:extLst>
                 </a:gridCol>
                 <a:gridCol w="1955800">
                   <a:extLst>
                     <a:ext uri="{9D8B030D-6E8A-4147-A177-3AD203B41FA5}">
-                      <a16:colId xmlns:a16="http://schemas.microsoft.com/office/drawing/2014/main" val="2266813503"/>
+                      <a16:colId xmlns:a16="http://schemas.microsoft.com/office/drawing/2014/main" xmlns="" val="2266813503"/>
                     </a:ext>
                   </a:extLst>
                 </a:gridCol>
                 <a:gridCol w="3505200">
                   <a:extLst>
                     <a:ext uri="{9D8B030D-6E8A-4147-A177-3AD203B41FA5}">
-                      <a16:colId xmlns:a16="http://schemas.microsoft.com/office/drawing/2014/main" val="3616348924"/>
+                      <a16:colId xmlns:a16="http://schemas.microsoft.com/office/drawing/2014/main" xmlns="" val="3616348924"/>
                     </a:ext>
                   </a:extLst>
                 </a:gridCol>
@@ -5778,7 +5960,7 @@
                 </a:tc>
                 <a:extLst>
                   <a:ext uri="{0D108BD9-81ED-4DB2-BD59-A6C34878D82A}">
-                    <a16:rowId xmlns:a16="http://schemas.microsoft.com/office/drawing/2014/main" val="4029533971"/>
+                    <a16:rowId xmlns:a16="http://schemas.microsoft.com/office/drawing/2014/main" xmlns="" val="4029533971"/>
                   </a:ext>
                 </a:extLst>
               </a:tr>
@@ -5884,7 +6066,7 @@
                 </a:tc>
                 <a:extLst>
                   <a:ext uri="{0D108BD9-81ED-4DB2-BD59-A6C34878D82A}">
-                    <a16:rowId xmlns:a16="http://schemas.microsoft.com/office/drawing/2014/main" val="3242111933"/>
+                    <a16:rowId xmlns:a16="http://schemas.microsoft.com/office/drawing/2014/main" xmlns="" val="3242111933"/>
                   </a:ext>
                 </a:extLst>
               </a:tr>
@@ -5978,7 +6160,7 @@
                 </a:tc>
                 <a:extLst>
                   <a:ext uri="{0D108BD9-81ED-4DB2-BD59-A6C34878D82A}">
-                    <a16:rowId xmlns:a16="http://schemas.microsoft.com/office/drawing/2014/main" val="3758837373"/>
+                    <a16:rowId xmlns:a16="http://schemas.microsoft.com/office/drawing/2014/main" xmlns="" val="3758837373"/>
                   </a:ext>
                 </a:extLst>
               </a:tr>
@@ -6078,7 +6260,7 @@
                 </a:tc>
                 <a:extLst>
                   <a:ext uri="{0D108BD9-81ED-4DB2-BD59-A6C34878D82A}">
-                    <a16:rowId xmlns:a16="http://schemas.microsoft.com/office/drawing/2014/main" val="2712992702"/>
+                    <a16:rowId xmlns:a16="http://schemas.microsoft.com/office/drawing/2014/main" xmlns="" val="2712992702"/>
                   </a:ext>
                 </a:extLst>
               </a:tr>
@@ -6178,7 +6360,7 @@
                 </a:tc>
                 <a:extLst>
                   <a:ext uri="{0D108BD9-81ED-4DB2-BD59-A6C34878D82A}">
-                    <a16:rowId xmlns:a16="http://schemas.microsoft.com/office/drawing/2014/main" val="1529562622"/>
+                    <a16:rowId xmlns:a16="http://schemas.microsoft.com/office/drawing/2014/main" xmlns="" val="1529562622"/>
                   </a:ext>
                 </a:extLst>
               </a:tr>
@@ -6279,8 +6461,13 @@
             <a:pPr algn="ctr"/>
             <a:r>
               <a:rPr lang="en-GB" b="1" dirty="0"/>
-              <a:t>How to use the pipeline</a:t>
-            </a:r>
+              <a:t>How to </a:t>
+            </a:r>
+            <a:r>
+              <a:rPr lang="en-GB" b="1" dirty="0" smtClean="0"/>
+              <a:t>use</a:t>
+            </a:r>
+            <a:endParaRPr lang="en-GB" b="1" dirty="0"/>
           </a:p>
         </p:txBody>
       </p:sp>
@@ -6305,12 +6492,20 @@
               <a:buNone/>
             </a:pPr>
             <a:r>
+              <a:rPr lang="en-GB" dirty="0" smtClean="0"/>
+              <a:t>INPUT</a:t>
+            </a:r>
+            <a:r>
               <a:rPr lang="en-GB" dirty="0"/>
-              <a:t>SYNTAX. </a:t>
+              <a:t>. GWAS summary statistics </a:t>
             </a:r>
             <a:r>
               <a:rPr lang="en-GB" b="1" dirty="0"/>
-              <a:t>pwp.sh repro.txt</a:t>
+              <a:t>(repro.txt),</a:t>
+            </a:r>
+            <a:r>
+              <a:rPr lang="en-GB" dirty="0"/>
+              <a:t> e.g., </a:t>
             </a:r>
           </a:p>
           <a:p>
@@ -6318,27 +6513,19 @@
               <a:buNone/>
             </a:pPr>
             <a:r>
-              <a:rPr lang="en-GB" dirty="0"/>
-              <a:t>INPUT. GWAS summary statistics </a:t>
-            </a:r>
-            <a:r>
-              <a:rPr lang="en-GB" b="1" dirty="0"/>
-              <a:t>(repro.txt),</a:t>
-            </a:r>
-            <a:r>
-              <a:rPr lang="en-GB" dirty="0"/>
-              <a:t> e.g., </a:t>
-            </a:r>
+              <a:rPr lang="pt-BR" dirty="0"/>
+              <a:t>SNP A1 A2 freqA1 beta se P N chr pos</a:t>
+            </a:r>
+            <a:endParaRPr lang="en-GB" dirty="0"/>
           </a:p>
           <a:p>
             <a:pPr marL="0" indent="0">
               <a:buNone/>
             </a:pPr>
             <a:r>
-              <a:rPr lang="pt-BR" dirty="0"/>
-              <a:t>SNP A1 A2 freqA1 beta se P N chr pos</a:t>
-            </a:r>
-            <a:endParaRPr lang="en-GB" dirty="0"/>
+              <a:rPr lang="en-GB" dirty="0"/>
+              <a:t>rs4970634 a g 0.6730 -0.1970 0.0216 6.433e-20 70423 1 39364617</a:t>
+            </a:r>
           </a:p>
           <a:p>
             <a:pPr marL="0" indent="0">
@@ -6346,31 +6533,43 @@
             </a:pPr>
             <a:r>
               <a:rPr lang="en-GB" dirty="0"/>
-              <a:t>rs4970634 a g 0.6730 -0.1970 0.0216 6.433e-20 70423 1 39364617</a:t>
+              <a:t>OUTPUT. One can choose software, e.g., MAGENTA, MAGMA.</a:t>
             </a:r>
           </a:p>
           <a:p>
             <a:pPr marL="0" indent="0">
               <a:buNone/>
             </a:pPr>
-            <a:r>
-              <a:rPr lang="en-GB" dirty="0"/>
-              <a:t>OUTPUT. One can choose software, e.g., MAGENTA, MAGMA.</a:t>
-            </a:r>
+            <a:endParaRPr lang="en-GB" dirty="0" smtClean="0"/>
           </a:p>
           <a:p>
             <a:pPr marL="0" indent="0">
               <a:buNone/>
             </a:pPr>
-            <a:endParaRPr lang="en-GB" dirty="0"/>
+            <a:r>
+              <a:rPr lang="en-GB" dirty="0" smtClean="0"/>
+              <a:t>SYNTAX</a:t>
+            </a:r>
+            <a:r>
+              <a:rPr lang="en-GB" dirty="0"/>
+              <a:t>. </a:t>
+            </a:r>
+            <a:r>
+              <a:rPr lang="en-GB" b="1" dirty="0"/>
+              <a:t>pwp.sh repro.txt</a:t>
+            </a:r>
           </a:p>
           <a:p>
             <a:pPr marL="0" indent="0">
               <a:buNone/>
             </a:pPr>
             <a:r>
+              <a:rPr lang="en-GB" dirty="0" smtClean="0"/>
+              <a:t>Examples </a:t>
+            </a:r>
+            <a:r>
               <a:rPr lang="en-GB" dirty="0"/>
-              <a:t>Examples are given to get SNP positions from specific builds base on UCSC; more details are available from /genetics/bin/PW-pipeline and https://github.com/jinghuazhao/PW-pipeline. </a:t>
+              <a:t>are given to get SNP positions from specific builds base on UCSC; more details are available from /genetics/bin/PW-pipeline and https://github.com/jinghuazhao/PW-pipeline. </a:t>
             </a:r>
           </a:p>
         </p:txBody>
@@ -6468,7 +6667,11 @@
             <a:pPr algn="ctr"/>
             <a:r>
               <a:rPr lang="en-US" b="1" dirty="0"/>
-              <a:t>Issues resolved</a:t>
+              <a:t>Issues </a:t>
+            </a:r>
+            <a:r>
+              <a:rPr lang="en-US" b="1" dirty="0" smtClean="0"/>
+              <a:t>resolved during the implementation</a:t>
             </a:r>
             <a:endParaRPr lang="en-GB" b="1" dirty="0"/>
           </a:p>
@@ -6486,14 +6689,17 @@
         </p:nvSpPr>
         <p:spPr/>
         <p:txBody>
-          <a:bodyPr/>
+          <a:bodyPr>
+            <a:normAutofit/>
+          </a:bodyPr>
           <a:lstStyle/>
           <a:p>
             <a:pPr lvl="1"/>
             <a:r>
-              <a:rPr lang="en-GB" dirty="0"/>
-              <a:t>R</a:t>
-            </a:r>
+              <a:rPr lang="en-GB" dirty="0" smtClean="0"/>
+              <a:t>R has associate packages pre-installed for all users additional to default.</a:t>
+            </a:r>
+            <a:endParaRPr lang="en-GB" dirty="0"/>
           </a:p>
           <a:p>
             <a:pPr lvl="2"/>
@@ -6520,26 +6726,42 @@
             <a:pPr lvl="1"/>
             <a:r>
               <a:rPr lang="en-GB" dirty="0"/>
-              <a:t>DEPICT would needs user-specific setup of Python.</a:t>
+              <a:t>DEPICT would </a:t>
+            </a:r>
+            <a:r>
+              <a:rPr lang="en-GB" dirty="0" smtClean="0"/>
+              <a:t>need </a:t>
+            </a:r>
+            <a:r>
+              <a:rPr lang="en-GB" dirty="0"/>
+              <a:t>user-specific setup of Python.</a:t>
             </a:r>
           </a:p>
           <a:p>
             <a:pPr lvl="2"/>
             <a:r>
-              <a:rPr lang="en-GB"/>
-              <a:t>export PATH=/</a:t>
-            </a:r>
-            <a:r>
               <a:rPr lang="en-GB" dirty="0"/>
-              <a:t>genetics/bin/anaconda2/bin:$PATH</a:t>
+              <a:t>export PATH=/genetics/bin/anaconda2/bin:$PATH</a:t>
             </a:r>
           </a:p>
           <a:p>
             <a:pPr lvl="2"/>
             <a:r>
               <a:rPr lang="en-GB" dirty="0"/>
-              <a:t>export PYTHONPATH=/genetics/bin/anaconda2/lib/python2.7/site-packages</a:t>
-            </a:r>
+              <a:t>export PYTHONPATH=/</a:t>
+            </a:r>
+            <a:r>
+              <a:rPr lang="en-GB" dirty="0" smtClean="0"/>
+              <a:t>genetics/bin/anaconda2/lib/python2.7/site-packages</a:t>
+            </a:r>
+          </a:p>
+          <a:p>
+            <a:pPr lvl="2"/>
+            <a:r>
+              <a:rPr lang="en-GB" dirty="0" smtClean="0"/>
+              <a:t>tissue_plot.py and network_plot.py</a:t>
+            </a:r>
+            <a:endParaRPr lang="en-GB" dirty="0"/>
           </a:p>
           <a:p>
             <a:pPr lvl="1"/>
@@ -6696,7 +6918,7 @@
         <p:spPr/>
         <p:txBody>
           <a:bodyPr>
-            <a:normAutofit fontScale="92500" lnSpcReduction="10000"/>
+            <a:normAutofit fontScale="92500" lnSpcReduction="20000"/>
           </a:bodyPr>
           <a:lstStyle/>
           <a:p>
@@ -6711,12 +6933,16 @@
           </a:p>
           <a:p>
             <a:r>
-              <a:rPr lang="en-US" dirty="0" err="1"/>
+              <a:rPr lang="en-US" dirty="0" err="1" smtClean="0"/>
               <a:t>min_gs_size</a:t>
             </a:r>
             <a:r>
+              <a:rPr lang="en-US" dirty="0" smtClean="0"/>
+              <a:t>. Minimum </a:t>
+            </a:r>
+            <a:r>
               <a:rPr lang="en-US" dirty="0"/>
-              <a:t>. Minimum size of a gene set, which is 10 by default for MAGENTA whereas DEPICT is five.</a:t>
+              <a:t>size of a gene set, which is 10 by default for MAGENTA whereas DEPICT is five.</a:t>
             </a:r>
           </a:p>
           <a:p>
@@ -6726,37 +6952,50 @@
             </a:r>
             <a:r>
               <a:rPr lang="en-US" dirty="0"/>
+              <a:t>. Maximum size of a gene set, which is 2000 by default for MAGENTA.</a:t>
+            </a:r>
+          </a:p>
+          <a:p>
+            <a:r>
+              <a:rPr lang="en-US" dirty="0" err="1" smtClean="0"/>
+              <a:t>p_threshold</a:t>
+            </a:r>
+            <a:r>
+              <a:rPr lang="en-US" dirty="0" smtClean="0"/>
               <a:t>. </a:t>
             </a:r>
             <a:r>
-              <a:rPr lang="en-US"/>
-              <a:t>Maximum </a:t>
-            </a:r>
-            <a:r>
               <a:rPr lang="en-US" dirty="0"/>
-              <a:t>size of a gene set, which is 2000 by default for MAGENTA.</a:t>
-            </a:r>
-          </a:p>
-          <a:p>
-            <a:r>
-              <a:rPr lang="en-US" dirty="0" err="1"/>
-              <a:t>p_threshold</a:t>
-            </a:r>
+              <a:t>This is to compromise the suggestion that DEPICT is needed for both 5E-8 and 5E-5</a:t>
+            </a:r>
+            <a:r>
+              <a:rPr lang="en-US" dirty="0" smtClean="0"/>
+              <a:t>.</a:t>
+            </a:r>
+          </a:p>
+          <a:p>
+            <a:r>
+              <a:rPr lang="en-US" dirty="0" err="1" smtClean="0"/>
+              <a:t>nr_repetitions</a:t>
+            </a:r>
+            <a:r>
+              <a:rPr lang="en-US" dirty="0" smtClean="0"/>
+              <a:t>. Number of random sampling to obtain FDR via DEPICT.</a:t>
+            </a:r>
+            <a:endParaRPr lang="en-US" dirty="0"/>
+          </a:p>
+          <a:p>
             <a:r>
               <a:rPr lang="en-US" dirty="0"/>
-              <a:t>. This is to compromise the suggestion that DEPICT is needed for both 5E-8 and 5E-5.</a:t>
-            </a:r>
-          </a:p>
-          <a:p>
+              <a:t>It is possible to have an Excel workbook containing results from all software</a:t>
+            </a:r>
+            <a:r>
+              <a:rPr lang="en-US" dirty="0" smtClean="0"/>
+              <a:t>. Additional </a:t>
+            </a:r>
             <a:r>
               <a:rPr lang="en-US" dirty="0"/>
-              <a:t>It is possible to have an Excel workbook containing results from all software.</a:t>
-            </a:r>
-          </a:p>
-          <a:p>
-            <a:r>
-              <a:rPr lang="en-US" dirty="0"/>
-              <a:t>Additional analysis such as FDR for PASCAL, and cluster/network analysis.</a:t>
+              <a:t>analysis such as FDR for PASCAL, and cluster/network analysis.</a:t>
             </a:r>
             <a:endParaRPr lang="en-GB" dirty="0"/>
           </a:p>
@@ -7032,42 +7271,42 @@
                 <a:gridCol w="2974383">
                   <a:extLst>
                     <a:ext uri="{9D8B030D-6E8A-4147-A177-3AD203B41FA5}">
-                      <a16:colId xmlns:a16="http://schemas.microsoft.com/office/drawing/2014/main" val="20000"/>
+                      <a16:colId xmlns:a16="http://schemas.microsoft.com/office/drawing/2014/main" xmlns="" val="20000"/>
                     </a:ext>
                   </a:extLst>
                 </a:gridCol>
                 <a:gridCol w="968644">
                   <a:extLst>
                     <a:ext uri="{9D8B030D-6E8A-4147-A177-3AD203B41FA5}">
-                      <a16:colId xmlns:a16="http://schemas.microsoft.com/office/drawing/2014/main" val="20001"/>
+                      <a16:colId xmlns:a16="http://schemas.microsoft.com/office/drawing/2014/main" xmlns="" val="20001"/>
                     </a:ext>
                   </a:extLst>
                 </a:gridCol>
                 <a:gridCol w="1433593">
                   <a:extLst>
                     <a:ext uri="{9D8B030D-6E8A-4147-A177-3AD203B41FA5}">
-                      <a16:colId xmlns:a16="http://schemas.microsoft.com/office/drawing/2014/main" val="20002"/>
+                      <a16:colId xmlns:a16="http://schemas.microsoft.com/office/drawing/2014/main" xmlns="" val="20002"/>
                     </a:ext>
                   </a:extLst>
                 </a:gridCol>
                 <a:gridCol w="1836549">
                   <a:extLst>
                     <a:ext uri="{9D8B030D-6E8A-4147-A177-3AD203B41FA5}">
-                      <a16:colId xmlns:a16="http://schemas.microsoft.com/office/drawing/2014/main" val="20003"/>
+                      <a16:colId xmlns:a16="http://schemas.microsoft.com/office/drawing/2014/main" xmlns="" val="20003"/>
                     </a:ext>
                   </a:extLst>
                 </a:gridCol>
                 <a:gridCol w="1455185">
                   <a:extLst>
                     <a:ext uri="{9D8B030D-6E8A-4147-A177-3AD203B41FA5}">
-                      <a16:colId xmlns:a16="http://schemas.microsoft.com/office/drawing/2014/main" val="20004"/>
+                      <a16:colId xmlns:a16="http://schemas.microsoft.com/office/drawing/2014/main" xmlns="" val="20004"/>
                     </a:ext>
                   </a:extLst>
                 </a:gridCol>
                 <a:gridCol w="1847246">
                   <a:extLst>
                     <a:ext uri="{9D8B030D-6E8A-4147-A177-3AD203B41FA5}">
-                      <a16:colId xmlns:a16="http://schemas.microsoft.com/office/drawing/2014/main" val="20005"/>
+                      <a16:colId xmlns:a16="http://schemas.microsoft.com/office/drawing/2014/main" xmlns="" val="20005"/>
                     </a:ext>
                   </a:extLst>
                 </a:gridCol>
@@ -7155,7 +7394,7 @@
                 </a:tc>
                 <a:extLst>
                   <a:ext uri="{0D108BD9-81ED-4DB2-BD59-A6C34878D82A}">
-                    <a16:rowId xmlns:a16="http://schemas.microsoft.com/office/drawing/2014/main" val="10000"/>
+                    <a16:rowId xmlns:a16="http://schemas.microsoft.com/office/drawing/2014/main" xmlns="" val="10000"/>
                   </a:ext>
                 </a:extLst>
               </a:tr>
@@ -7233,7 +7472,7 @@
                 </a:tc>
                 <a:extLst>
                   <a:ext uri="{0D108BD9-81ED-4DB2-BD59-A6C34878D82A}">
-                    <a16:rowId xmlns:a16="http://schemas.microsoft.com/office/drawing/2014/main" val="10001"/>
+                    <a16:rowId xmlns:a16="http://schemas.microsoft.com/office/drawing/2014/main" xmlns="" val="10001"/>
                   </a:ext>
                 </a:extLst>
               </a:tr>
@@ -7311,7 +7550,7 @@
                 </a:tc>
                 <a:extLst>
                   <a:ext uri="{0D108BD9-81ED-4DB2-BD59-A6C34878D82A}">
-                    <a16:rowId xmlns:a16="http://schemas.microsoft.com/office/drawing/2014/main" val="10002"/>
+                    <a16:rowId xmlns:a16="http://schemas.microsoft.com/office/drawing/2014/main" xmlns="" val="10002"/>
                   </a:ext>
                 </a:extLst>
               </a:tr>
@@ -7389,7 +7628,7 @@
                 </a:tc>
                 <a:extLst>
                   <a:ext uri="{0D108BD9-81ED-4DB2-BD59-A6C34878D82A}">
-                    <a16:rowId xmlns:a16="http://schemas.microsoft.com/office/drawing/2014/main" val="10003"/>
+                    <a16:rowId xmlns:a16="http://schemas.microsoft.com/office/drawing/2014/main" xmlns="" val="10003"/>
                   </a:ext>
                 </a:extLst>
               </a:tr>
@@ -7467,7 +7706,7 @@
                 </a:tc>
                 <a:extLst>
                   <a:ext uri="{0D108BD9-81ED-4DB2-BD59-A6C34878D82A}">
-                    <a16:rowId xmlns:a16="http://schemas.microsoft.com/office/drawing/2014/main" val="10004"/>
+                    <a16:rowId xmlns:a16="http://schemas.microsoft.com/office/drawing/2014/main" xmlns="" val="10004"/>
                   </a:ext>
                 </a:extLst>
               </a:tr>
@@ -7545,7 +7784,7 @@
                 </a:tc>
                 <a:extLst>
                   <a:ext uri="{0D108BD9-81ED-4DB2-BD59-A6C34878D82A}">
-                    <a16:rowId xmlns:a16="http://schemas.microsoft.com/office/drawing/2014/main" val="10005"/>
+                    <a16:rowId xmlns:a16="http://schemas.microsoft.com/office/drawing/2014/main" xmlns="" val="10005"/>
                   </a:ext>
                 </a:extLst>
               </a:tr>
@@ -7623,7 +7862,7 @@
                 </a:tc>
                 <a:extLst>
                   <a:ext uri="{0D108BD9-81ED-4DB2-BD59-A6C34878D82A}">
-                    <a16:rowId xmlns:a16="http://schemas.microsoft.com/office/drawing/2014/main" val="10006"/>
+                    <a16:rowId xmlns:a16="http://schemas.microsoft.com/office/drawing/2014/main" xmlns="" val="10006"/>
                   </a:ext>
                 </a:extLst>
               </a:tr>
@@ -7707,7 +7946,7 @@
                 </a:tc>
                 <a:extLst>
                   <a:ext uri="{0D108BD9-81ED-4DB2-BD59-A6C34878D82A}">
-                    <a16:rowId xmlns:a16="http://schemas.microsoft.com/office/drawing/2014/main" val="10007"/>
+                    <a16:rowId xmlns:a16="http://schemas.microsoft.com/office/drawing/2014/main" xmlns="" val="10007"/>
                   </a:ext>
                 </a:extLst>
               </a:tr>
@@ -7798,7 +8037,7 @@
                 </a:tc>
                 <a:extLst>
                   <a:ext uri="{0D108BD9-81ED-4DB2-BD59-A6C34878D82A}">
-                    <a16:rowId xmlns:a16="http://schemas.microsoft.com/office/drawing/2014/main" val="10008"/>
+                    <a16:rowId xmlns:a16="http://schemas.microsoft.com/office/drawing/2014/main" xmlns="" val="10008"/>
                   </a:ext>
                 </a:extLst>
               </a:tr>
@@ -7905,7 +8144,7 @@
                 </a:tc>
                 <a:extLst>
                   <a:ext uri="{0D108BD9-81ED-4DB2-BD59-A6C34878D82A}">
-                    <a16:rowId xmlns:a16="http://schemas.microsoft.com/office/drawing/2014/main" val="10009"/>
+                    <a16:rowId xmlns:a16="http://schemas.microsoft.com/office/drawing/2014/main" xmlns="" val="10009"/>
                   </a:ext>
                 </a:extLst>
               </a:tr>
@@ -7986,7 +8225,7 @@
                 </a:tc>
                 <a:extLst>
                   <a:ext uri="{0D108BD9-81ED-4DB2-BD59-A6C34878D82A}">
-                    <a16:rowId xmlns:a16="http://schemas.microsoft.com/office/drawing/2014/main" val="10010"/>
+                    <a16:rowId xmlns:a16="http://schemas.microsoft.com/office/drawing/2014/main" xmlns="" val="10010"/>
                   </a:ext>
                 </a:extLst>
               </a:tr>
@@ -8076,7 +8315,7 @@
                 </a:tc>
                 <a:extLst>
                   <a:ext uri="{0D108BD9-81ED-4DB2-BD59-A6C34878D82A}">
-                    <a16:rowId xmlns:a16="http://schemas.microsoft.com/office/drawing/2014/main" val="10011"/>
+                    <a16:rowId xmlns:a16="http://schemas.microsoft.com/office/drawing/2014/main" xmlns="" val="10011"/>
                   </a:ext>
                 </a:extLst>
               </a:tr>
@@ -8397,7 +8636,7 @@
   <a:extraClrSchemeLst/>
   <a:extLst>
     <a:ext uri="{05A4C25C-085E-4340-85A3-A5531E510DB2}">
-      <thm15:themeFamily xmlns:thm15="http://schemas.microsoft.com/office/thememl/2012/main" name="Office Theme" id="{62F939B6-93AF-4DB8-9C6B-D6C7DFDC589F}" vid="{4A3C46E8-61CC-4603-A589-7422A47A8E4A}"/>
+      <thm15:themeFamily xmlns:thm15="http://schemas.microsoft.com/office/thememl/2012/main" xmlns="" name="Office Theme" id="{62F939B6-93AF-4DB8-9C6B-D6C7DFDC589F}" vid="{4A3C46E8-61CC-4603-A589-7422A47A8E4A}"/>
     </a:ext>
   </a:extLst>
 </a:theme>

--- a/README.pptx
+++ b/README.pptx
@@ -5,7 +5,7 @@
     <p:sldMasterId id="2147483660" r:id="rId1"/>
   </p:sldMasterIdLst>
   <p:notesMasterIdLst>
-    <p:notesMasterId r:id="rId16"/>
+    <p:notesMasterId r:id="rId17"/>
   </p:notesMasterIdLst>
   <p:sldIdLst>
     <p:sldId id="256" r:id="rId2"/>
@@ -19,9 +19,10 @@
     <p:sldId id="275" r:id="rId10"/>
     <p:sldId id="276" r:id="rId11"/>
     <p:sldId id="282" r:id="rId12"/>
-    <p:sldId id="281" r:id="rId13"/>
-    <p:sldId id="277" r:id="rId14"/>
-    <p:sldId id="274" r:id="rId15"/>
+    <p:sldId id="283" r:id="rId13"/>
+    <p:sldId id="281" r:id="rId14"/>
+    <p:sldId id="277" r:id="rId15"/>
+    <p:sldId id="274" r:id="rId16"/>
   </p:sldIdLst>
   <p:sldSz cx="12192000" cy="6858000"/>
   <p:notesSz cx="6858000" cy="9144000"/>
@@ -122,7 +123,7 @@
   </p:defaultTextStyle>
   <p:extLst>
     <p:ext uri="{EFAFB233-063F-42B5-8137-9DF3F51BA10A}">
-      <p15:sldGuideLst xmlns:p15="http://schemas.microsoft.com/office/powerpoint/2012/main" xmlns="">
+      <p15:sldGuideLst xmlns="" xmlns:p15="http://schemas.microsoft.com/office/powerpoint/2012/main">
         <p15:guide id="1" orient="horz" pos="2160">
           <p15:clr>
             <a:srgbClr val="A4A3A4"/>
@@ -3569,42 +3570,42 @@
                 <a:gridCol w="2045766">
                   <a:extLst>
                     <a:ext uri="{9D8B030D-6E8A-4147-A177-3AD203B41FA5}">
-                      <a16:colId xmlns:a16="http://schemas.microsoft.com/office/drawing/2014/main" xmlns="" val="20000"/>
+                      <a16:colId xmlns="" xmlns:a16="http://schemas.microsoft.com/office/drawing/2014/main" val="20000"/>
                     </a:ext>
                   </a:extLst>
                 </a:gridCol>
                 <a:gridCol w="1108129">
                   <a:extLst>
                     <a:ext uri="{9D8B030D-6E8A-4147-A177-3AD203B41FA5}">
-                      <a16:colId xmlns:a16="http://schemas.microsoft.com/office/drawing/2014/main" xmlns="" val="20001"/>
+                      <a16:colId xmlns="" xmlns:a16="http://schemas.microsoft.com/office/drawing/2014/main" val="20001"/>
                     </a:ext>
                   </a:extLst>
                 </a:gridCol>
                 <a:gridCol w="1255362">
                   <a:extLst>
                     <a:ext uri="{9D8B030D-6E8A-4147-A177-3AD203B41FA5}">
-                      <a16:colId xmlns:a16="http://schemas.microsoft.com/office/drawing/2014/main" xmlns="" val="20002"/>
+                      <a16:colId xmlns="" xmlns:a16="http://schemas.microsoft.com/office/drawing/2014/main" val="20002"/>
                     </a:ext>
                   </a:extLst>
                 </a:gridCol>
                 <a:gridCol w="1622768">
                   <a:extLst>
                     <a:ext uri="{9D8B030D-6E8A-4147-A177-3AD203B41FA5}">
-                      <a16:colId xmlns:a16="http://schemas.microsoft.com/office/drawing/2014/main" xmlns="" val="20003"/>
+                      <a16:colId xmlns="" xmlns:a16="http://schemas.microsoft.com/office/drawing/2014/main" val="20003"/>
                     </a:ext>
                   </a:extLst>
                 </a:gridCol>
                 <a:gridCol w="2019334">
                   <a:extLst>
                     <a:ext uri="{9D8B030D-6E8A-4147-A177-3AD203B41FA5}">
-                      <a16:colId xmlns:a16="http://schemas.microsoft.com/office/drawing/2014/main" xmlns="" val="20004"/>
+                      <a16:colId xmlns="" xmlns:a16="http://schemas.microsoft.com/office/drawing/2014/main" val="20004"/>
                     </a:ext>
                   </a:extLst>
                 </a:gridCol>
                 <a:gridCol w="2154265">
                   <a:extLst>
                     <a:ext uri="{9D8B030D-6E8A-4147-A177-3AD203B41FA5}">
-                      <a16:colId xmlns:a16="http://schemas.microsoft.com/office/drawing/2014/main" xmlns="" val="20005"/>
+                      <a16:colId xmlns="" xmlns:a16="http://schemas.microsoft.com/office/drawing/2014/main" val="20005"/>
                     </a:ext>
                   </a:extLst>
                 </a:gridCol>
@@ -3842,7 +3843,7 @@
                 </a:tc>
                 <a:extLst>
                   <a:ext uri="{0D108BD9-81ED-4DB2-BD59-A6C34878D82A}">
-                    <a16:rowId xmlns:a16="http://schemas.microsoft.com/office/drawing/2014/main" xmlns="" val="10000"/>
+                    <a16:rowId xmlns="" xmlns:a16="http://schemas.microsoft.com/office/drawing/2014/main" val="10000"/>
                   </a:ext>
                 </a:extLst>
               </a:tr>
@@ -4023,7 +4024,7 @@
                 </a:tc>
                 <a:extLst>
                   <a:ext uri="{0D108BD9-81ED-4DB2-BD59-A6C34878D82A}">
-                    <a16:rowId xmlns:a16="http://schemas.microsoft.com/office/drawing/2014/main" xmlns="" val="10001"/>
+                    <a16:rowId xmlns="" xmlns:a16="http://schemas.microsoft.com/office/drawing/2014/main" val="10001"/>
                   </a:ext>
                 </a:extLst>
               </a:tr>
@@ -4204,7 +4205,7 @@
                 </a:tc>
                 <a:extLst>
                   <a:ext uri="{0D108BD9-81ED-4DB2-BD59-A6C34878D82A}">
-                    <a16:rowId xmlns:a16="http://schemas.microsoft.com/office/drawing/2014/main" xmlns="" val="10002"/>
+                    <a16:rowId xmlns="" xmlns:a16="http://schemas.microsoft.com/office/drawing/2014/main" val="10002"/>
                   </a:ext>
                 </a:extLst>
               </a:tr>
@@ -4385,7 +4386,7 @@
                 </a:tc>
                 <a:extLst>
                   <a:ext uri="{0D108BD9-81ED-4DB2-BD59-A6C34878D82A}">
-                    <a16:rowId xmlns:a16="http://schemas.microsoft.com/office/drawing/2014/main" xmlns="" val="10003"/>
+                    <a16:rowId xmlns="" xmlns:a16="http://schemas.microsoft.com/office/drawing/2014/main" val="10003"/>
                   </a:ext>
                 </a:extLst>
               </a:tr>
@@ -4572,7 +4573,7 @@
                 </a:tc>
                 <a:extLst>
                   <a:ext uri="{0D108BD9-81ED-4DB2-BD59-A6C34878D82A}">
-                    <a16:rowId xmlns:a16="http://schemas.microsoft.com/office/drawing/2014/main" xmlns="" val="10004"/>
+                    <a16:rowId xmlns="" xmlns:a16="http://schemas.microsoft.com/office/drawing/2014/main" val="10004"/>
                   </a:ext>
                 </a:extLst>
               </a:tr>
@@ -4672,8 +4673,12 @@
           <a:p>
             <a:pPr algn="ctr"/>
             <a:r>
+              <a:rPr lang="en-GB" smtClean="0"/>
+              <a:t>Self-organised map/Network </a:t>
+            </a:r>
+            <a:r>
               <a:rPr lang="en-GB" dirty="0" smtClean="0"/>
-              <a:t>Self-organised map and clustering</a:t>
+              <a:t>plots</a:t>
             </a:r>
             <a:endParaRPr lang="en-GB" dirty="0"/>
           </a:p>
@@ -4817,13 +4822,7 @@
       </p:grpSpPr>
       <p:sp>
         <p:nvSpPr>
-          <p:cNvPr id="2" name="Title 1">
-            <a:extLst>
-              <a:ext uri="{FF2B5EF4-FFF2-40B4-BE49-F238E27FC236}">
-                <a16:creationId xmlns:a16="http://schemas.microsoft.com/office/drawing/2014/main" xmlns="" id="{C578C6E6-9963-452C-A0B9-B961A198FCED}"/>
-              </a:ext>
-            </a:extLst>
-          </p:cNvPr>
+          <p:cNvPr id="2" name="Title 1"/>
           <p:cNvSpPr>
             <a:spLocks noGrp="1"/>
           </p:cNvSpPr>
@@ -4838,147 +4837,39 @@
           <a:p>
             <a:pPr algn="ctr"/>
             <a:r>
-              <a:rPr lang="en-GB" dirty="0"/>
-              <a:t>Which software to use</a:t>
-            </a:r>
-          </a:p>
-        </p:txBody>
-      </p:sp>
-      <p:sp>
-        <p:nvSpPr>
-          <p:cNvPr id="3" name="Content Placeholder 2">
-            <a:extLst>
-              <a:ext uri="{FF2B5EF4-FFF2-40B4-BE49-F238E27FC236}">
-                <a16:creationId xmlns:a16="http://schemas.microsoft.com/office/drawing/2014/main" xmlns="" id="{7911F050-60EE-4F78-839E-EC193C6D5029}"/>
-              </a:ext>
-            </a:extLst>
-          </p:cNvPr>
-          <p:cNvSpPr>
-            <a:spLocks noGrp="1"/>
-          </p:cNvSpPr>
-          <p:nvPr>
-            <p:ph idx="1"/>
+              <a:rPr lang="en-GB" dirty="0" smtClean="0"/>
+              <a:t>Tissue plots</a:t>
+            </a:r>
+            <a:endParaRPr lang="en-GB" dirty="0"/>
+          </a:p>
+        </p:txBody>
+      </p:sp>
+      <p:sp>
+        <p:nvSpPr>
+          <p:cNvPr id="4" name="Footer Placeholder 3"/>
+          <p:cNvSpPr>
+            <a:spLocks noGrp="1"/>
+          </p:cNvSpPr>
+          <p:nvPr>
+            <p:ph type="ftr" sz="quarter" idx="11"/>
           </p:nvPr>
         </p:nvSpPr>
         <p:spPr/>
         <p:txBody>
-          <a:bodyPr>
-            <a:normAutofit lnSpcReduction="10000"/>
-          </a:bodyPr>
-          <a:lstStyle/>
-          <a:p>
-            <a:r>
-              <a:rPr lang="en-GB" dirty="0"/>
-              <a:t>It has been comfortable here with MAGENTA, so it would still </a:t>
-            </a:r>
-            <a:r>
-              <a:rPr lang="en-GB"/>
-              <a:t>be </a:t>
-            </a:r>
+          <a:bodyPr/>
+          <a:lstStyle/>
+          <a:p>
             <a:r>
               <a:rPr lang="en-GB" smtClean="0"/>
-              <a:t>a </a:t>
-            </a:r>
-            <a:r>
-              <a:rPr lang="en-GB" dirty="0"/>
-              <a:t>starting point. However, it is desirable to use with other databases from </a:t>
-            </a:r>
-            <a:r>
-              <a:rPr lang="en-GB" dirty="0" err="1"/>
-              <a:t>MSigDB</a:t>
-            </a:r>
-            <a:r>
-              <a:rPr lang="en-GB" dirty="0"/>
-              <a:t> or DEPICT, the latter also facilitate network analysis.</a:t>
-            </a:r>
-          </a:p>
-          <a:p>
-            <a:r>
-              <a:rPr lang="en-GB" dirty="0"/>
-              <a:t>When seeking more power, PASCAL is the next choice as it is the closest to DEPICT in that respect.</a:t>
-            </a:r>
-          </a:p>
-          <a:p>
-            <a:r>
-              <a:rPr lang="en-GB" dirty="0"/>
-              <a:t>DEPICT features tissue enrichment analysis which can be coupled with </a:t>
-            </a:r>
-            <a:r>
-              <a:rPr lang="en-GB" dirty="0" err="1"/>
-              <a:t>GTEx</a:t>
-            </a:r>
-            <a:r>
-              <a:rPr lang="en-GB" dirty="0"/>
-              <a:t> data as implemented in FUSION/TWAS-pipeline/</a:t>
-            </a:r>
-            <a:r>
-              <a:rPr lang="en-GB" dirty="0" err="1"/>
-              <a:t>MetaXcan</a:t>
-            </a:r>
-            <a:r>
-              <a:rPr lang="en-GB" dirty="0"/>
-              <a:t>.</a:t>
-            </a:r>
-          </a:p>
-          <a:p>
-            <a:r>
-              <a:rPr lang="en-GB" dirty="0"/>
-              <a:t>We are open to other software such as DAVID, DEPICT adapted for exome data, inverse normal transformed version, etc.</a:t>
-            </a:r>
-          </a:p>
-          <a:p>
-            <a:r>
-              <a:rPr lang="en-GB" dirty="0"/>
-              <a:t>To ease interpretation, we can use </a:t>
-            </a:r>
-            <a:r>
-              <a:rPr lang="en-GB" dirty="0" err="1"/>
-              <a:t>MSigDB</a:t>
-            </a:r>
-            <a:r>
-              <a:rPr lang="en-GB" dirty="0"/>
-              <a:t>/c2 for instance.</a:t>
-            </a:r>
-          </a:p>
-        </p:txBody>
-      </p:sp>
-      <p:sp>
-        <p:nvSpPr>
-          <p:cNvPr id="4" name="Footer Placeholder 3">
-            <a:extLst>
-              <a:ext uri="{FF2B5EF4-FFF2-40B4-BE49-F238E27FC236}">
-                <a16:creationId xmlns:a16="http://schemas.microsoft.com/office/drawing/2014/main" xmlns="" id="{CB56C53E-5AA6-4445-8310-80F39E373592}"/>
-              </a:ext>
-            </a:extLst>
-          </p:cNvPr>
-          <p:cNvSpPr>
-            <a:spLocks noGrp="1"/>
-          </p:cNvSpPr>
-          <p:nvPr>
-            <p:ph type="ftr" sz="quarter" idx="11"/>
-          </p:nvPr>
-        </p:nvSpPr>
-        <p:spPr/>
-        <p:txBody>
-          <a:bodyPr/>
-          <a:lstStyle/>
-          <a:p>
-            <a:r>
-              <a:rPr lang="en-GB"/>
               <a:t>PW-pipeline</a:t>
             </a:r>
-          </a:p>
-        </p:txBody>
-      </p:sp>
-      <p:sp>
-        <p:nvSpPr>
-          <p:cNvPr id="5" name="Slide Number Placeholder 4">
-            <a:extLst>
-              <a:ext uri="{FF2B5EF4-FFF2-40B4-BE49-F238E27FC236}">
-                <a16:creationId xmlns:a16="http://schemas.microsoft.com/office/drawing/2014/main" xmlns="" id="{3C6CFC43-56C3-4263-A119-89ADDD0C8539}"/>
-              </a:ext>
-            </a:extLst>
-          </p:cNvPr>
+            <a:endParaRPr lang="en-GB"/>
+          </a:p>
+        </p:txBody>
+      </p:sp>
+      <p:sp>
+        <p:nvSpPr>
+          <p:cNvPr id="5" name="Slide Number Placeholder 4"/>
           <p:cNvSpPr>
             <a:spLocks noGrp="1"/>
           </p:cNvSpPr>
@@ -4999,10 +4890,40 @@
           </a:p>
         </p:txBody>
       </p:sp>
+      <p:pic>
+        <p:nvPicPr>
+          <p:cNvPr id="6" name="Picture 5"/>
+          <p:cNvPicPr>
+            <a:picLocks noChangeAspect="1"/>
+          </p:cNvPicPr>
+          <p:nvPr/>
+        </p:nvPicPr>
+        <p:blipFill>
+          <a:blip r:embed="rId2" cstate="print">
+            <a:extLst>
+              <a:ext uri="{28A0092B-C50C-407E-A947-70E740481C1C}">
+                <a14:useLocalDpi xmlns:a14="http://schemas.microsoft.com/office/drawing/2010/main" val="0"/>
+              </a:ext>
+            </a:extLst>
+          </a:blip>
+          <a:stretch>
+            <a:fillRect/>
+          </a:stretch>
+        </p:blipFill>
+        <p:spPr>
+          <a:xfrm>
+            <a:off x="1092630" y="1997131"/>
+            <a:ext cx="10058400" cy="4191000"/>
+          </a:xfrm>
+          <a:prstGeom prst="rect">
+            <a:avLst/>
+          </a:prstGeom>
+        </p:spPr>
+      </p:pic>
     </p:spTree>
     <p:extLst>
       <p:ext uri="{BB962C8B-B14F-4D97-AF65-F5344CB8AC3E}">
-        <p14:creationId xmlns:p14="http://schemas.microsoft.com/office/powerpoint/2010/main" val="4250874685"/>
+        <p14:creationId xmlns:p14="http://schemas.microsoft.com/office/powerpoint/2010/main" val="1880110543"/>
       </p:ext>
     </p:extLst>
   </p:cSld>
@@ -5031,7 +4952,13 @@
       </p:grpSpPr>
       <p:sp>
         <p:nvSpPr>
-          <p:cNvPr id="2" name="Title 1"/>
+          <p:cNvPr id="2" name="Title 1">
+            <a:extLst>
+              <a:ext uri="{FF2B5EF4-FFF2-40B4-BE49-F238E27FC236}">
+                <a16:creationId xmlns="" xmlns:a16="http://schemas.microsoft.com/office/drawing/2014/main" id="{C578C6E6-9963-452C-A0B9-B961A198FCED}"/>
+              </a:ext>
+            </a:extLst>
+          </p:cNvPr>
           <p:cNvSpPr>
             <a:spLocks noGrp="1"/>
           </p:cNvSpPr>
@@ -5046,15 +4973,21 @@
           <a:p>
             <a:pPr algn="ctr"/>
             <a:r>
-              <a:rPr lang="en-GB" b="1" dirty="0"/>
-              <a:t>Final remarks</a:t>
-            </a:r>
-          </a:p>
-        </p:txBody>
-      </p:sp>
-      <p:sp>
-        <p:nvSpPr>
-          <p:cNvPr id="3" name="Content Placeholder 2"/>
+              <a:rPr lang="en-GB" dirty="0"/>
+              <a:t>Which software to use</a:t>
+            </a:r>
+          </a:p>
+        </p:txBody>
+      </p:sp>
+      <p:sp>
+        <p:nvSpPr>
+          <p:cNvPr id="3" name="Content Placeholder 2">
+            <a:extLst>
+              <a:ext uri="{FF2B5EF4-FFF2-40B4-BE49-F238E27FC236}">
+                <a16:creationId xmlns="" xmlns:a16="http://schemas.microsoft.com/office/drawing/2014/main" id="{7911F050-60EE-4F78-839E-EC193C6D5029}"/>
+              </a:ext>
+            </a:extLst>
+          </p:cNvPr>
           <p:cNvSpPr>
             <a:spLocks noGrp="1"/>
           </p:cNvSpPr>
@@ -5071,68 +5004,88 @@
           <a:p>
             <a:r>
               <a:rPr lang="en-GB" dirty="0"/>
-              <a:t>The common database</a:t>
-            </a:r>
-          </a:p>
-          <a:p>
-            <a:pPr lvl="1"/>
+              <a:t>It has been comfortable here with MAGENTA, so it would still </a:t>
+            </a:r>
+            <a:r>
+              <a:rPr lang="en-GB"/>
+              <a:t>be </a:t>
+            </a:r>
+            <a:r>
+              <a:rPr lang="en-GB" smtClean="0"/>
+              <a:t>a </a:t>
+            </a:r>
             <a:r>
               <a:rPr lang="en-GB" dirty="0"/>
-              <a:t>facilitates cross-software comparison.</a:t>
-            </a:r>
-          </a:p>
-          <a:p>
-            <a:pPr lvl="1"/>
+              <a:t>starting point. However, it is desirable to use with other databases from </a:t>
+            </a:r>
+            <a:r>
+              <a:rPr lang="en-GB" dirty="0" err="1"/>
+              <a:t>MSigDB</a:t>
+            </a:r>
             <a:r>
               <a:rPr lang="en-GB" dirty="0"/>
-              <a:t>allows for correlation between software to be calculated.</a:t>
+              <a:t> or DEPICT, the latter also facilitate network analysis.</a:t>
             </a:r>
           </a:p>
           <a:p>
             <a:r>
               <a:rPr lang="en-GB" dirty="0"/>
-              <a:t>The pipeline </a:t>
-            </a:r>
-          </a:p>
-          <a:p>
-            <a:pPr lvl="1"/>
+              <a:t>When seeking more power, PASCAL is the next choice as it is the closest to DEPICT in that respect.</a:t>
+            </a:r>
+          </a:p>
+          <a:p>
             <a:r>
               <a:rPr lang="en-GB" dirty="0"/>
-              <a:t>takes advantage of the database to perform cluster analysis including affinity propagation clustering as well as build networks.</a:t>
-            </a:r>
-          </a:p>
-          <a:p>
-            <a:pPr lvl="1"/>
+              <a:t>DEPICT features tissue enrichment analysis which can be coupled with </a:t>
+            </a:r>
+            <a:r>
+              <a:rPr lang="en-GB" dirty="0" err="1"/>
+              <a:t>GTEx</a:t>
+            </a:r>
             <a:r>
               <a:rPr lang="en-GB" dirty="0"/>
-              <a:t>Generates simple interaction format (SIF) and edge list (EL) formats which can be fed into </a:t>
+              <a:t> data as implemented in FUSION/TWAS-pipeline/</a:t>
             </a:r>
             <a:r>
               <a:rPr lang="en-GB" dirty="0" err="1"/>
-              <a:t>Cytoscape</a:t>
+              <a:t>MetaXcan</a:t>
             </a:r>
             <a:r>
               <a:rPr lang="en-GB" dirty="0"/>
-              <a:t> for visualisation using a variety of layouts and analysis through many plugins. Further extensions are possible.</a:t>
+              <a:t>.</a:t>
             </a:r>
           </a:p>
           <a:p>
             <a:r>
               <a:rPr lang="en-GB" dirty="0"/>
-              <a:t>At the very least, use the setup for GWAS, e.g., MAGENTA + common database + clusters.</a:t>
-            </a:r>
-          </a:p>
-          <a:p>
-            <a:pPr marL="457200" lvl="1" indent="0">
-              <a:buNone/>
-            </a:pPr>
-            <a:endParaRPr lang="en-GB" dirty="0"/>
-          </a:p>
-        </p:txBody>
-      </p:sp>
-      <p:sp>
-        <p:nvSpPr>
-          <p:cNvPr id="6" name="Footer Placeholder 5"/>
+              <a:t>We are open to other software such as DAVID, DEPICT adapted for exome data, inverse normal transformed version, etc.</a:t>
+            </a:r>
+          </a:p>
+          <a:p>
+            <a:r>
+              <a:rPr lang="en-GB" dirty="0"/>
+              <a:t>To ease interpretation, we can use </a:t>
+            </a:r>
+            <a:r>
+              <a:rPr lang="en-GB" dirty="0" err="1"/>
+              <a:t>MSigDB</a:t>
+            </a:r>
+            <a:r>
+              <a:rPr lang="en-GB" dirty="0"/>
+              <a:t>/c2 for instance.</a:t>
+            </a:r>
+          </a:p>
+        </p:txBody>
+      </p:sp>
+      <p:sp>
+        <p:nvSpPr>
+          <p:cNvPr id="4" name="Footer Placeholder 3">
+            <a:extLst>
+              <a:ext uri="{FF2B5EF4-FFF2-40B4-BE49-F238E27FC236}">
+                <a16:creationId xmlns="" xmlns:a16="http://schemas.microsoft.com/office/drawing/2014/main" id="{CB56C53E-5AA6-4445-8310-80F39E373592}"/>
+              </a:ext>
+            </a:extLst>
+          </p:cNvPr>
           <p:cNvSpPr>
             <a:spLocks noGrp="1"/>
           </p:cNvSpPr>
@@ -5154,7 +5107,13 @@
       </p:sp>
       <p:sp>
         <p:nvSpPr>
-          <p:cNvPr id="7" name="Slide Number Placeholder 6"/>
+          <p:cNvPr id="5" name="Slide Number Placeholder 4">
+            <a:extLst>
+              <a:ext uri="{FF2B5EF4-FFF2-40B4-BE49-F238E27FC236}">
+                <a16:creationId xmlns="" xmlns:a16="http://schemas.microsoft.com/office/drawing/2014/main" id="{3C6CFC43-56C3-4263-A119-89ADDD0C8539}"/>
+              </a:ext>
+            </a:extLst>
+          </p:cNvPr>
           <p:cNvSpPr>
             <a:spLocks noGrp="1"/>
           </p:cNvSpPr>
@@ -5178,7 +5137,7 @@
     </p:spTree>
     <p:extLst>
       <p:ext uri="{BB962C8B-B14F-4D97-AF65-F5344CB8AC3E}">
-        <p14:creationId xmlns:p14="http://schemas.microsoft.com/office/powerpoint/2010/main" val="943105105"/>
+        <p14:creationId xmlns:p14="http://schemas.microsoft.com/office/powerpoint/2010/main" val="4250874685"/>
       </p:ext>
     </p:extLst>
   </p:cSld>
@@ -5222,6 +5181,182 @@
           <a:p>
             <a:pPr algn="ctr"/>
             <a:r>
+              <a:rPr lang="en-GB" b="1" dirty="0"/>
+              <a:t>Final remarks</a:t>
+            </a:r>
+          </a:p>
+        </p:txBody>
+      </p:sp>
+      <p:sp>
+        <p:nvSpPr>
+          <p:cNvPr id="3" name="Content Placeholder 2"/>
+          <p:cNvSpPr>
+            <a:spLocks noGrp="1"/>
+          </p:cNvSpPr>
+          <p:nvPr>
+            <p:ph idx="1"/>
+          </p:nvPr>
+        </p:nvSpPr>
+        <p:spPr/>
+        <p:txBody>
+          <a:bodyPr>
+            <a:normAutofit lnSpcReduction="10000"/>
+          </a:bodyPr>
+          <a:lstStyle/>
+          <a:p>
+            <a:r>
+              <a:rPr lang="en-GB" dirty="0"/>
+              <a:t>The common database</a:t>
+            </a:r>
+          </a:p>
+          <a:p>
+            <a:pPr lvl="1"/>
+            <a:r>
+              <a:rPr lang="en-GB" dirty="0"/>
+              <a:t>facilitates cross-software comparison.</a:t>
+            </a:r>
+          </a:p>
+          <a:p>
+            <a:pPr lvl="1"/>
+            <a:r>
+              <a:rPr lang="en-GB" dirty="0"/>
+              <a:t>allows for correlation between software to be calculated.</a:t>
+            </a:r>
+          </a:p>
+          <a:p>
+            <a:r>
+              <a:rPr lang="en-GB" dirty="0"/>
+              <a:t>The pipeline </a:t>
+            </a:r>
+          </a:p>
+          <a:p>
+            <a:pPr lvl="1"/>
+            <a:r>
+              <a:rPr lang="en-GB" dirty="0"/>
+              <a:t>takes advantage of the database to perform cluster analysis including affinity propagation clustering as well as build networks.</a:t>
+            </a:r>
+          </a:p>
+          <a:p>
+            <a:pPr lvl="1"/>
+            <a:r>
+              <a:rPr lang="en-GB" dirty="0"/>
+              <a:t>Generates simple interaction format (SIF) and edge list (EL) formats which can be fed into </a:t>
+            </a:r>
+            <a:r>
+              <a:rPr lang="en-GB" dirty="0" err="1"/>
+              <a:t>Cytoscape</a:t>
+            </a:r>
+            <a:r>
+              <a:rPr lang="en-GB" dirty="0"/>
+              <a:t> for visualisation using a variety of layouts and analysis through many plugins. Further extensions are possible.</a:t>
+            </a:r>
+          </a:p>
+          <a:p>
+            <a:r>
+              <a:rPr lang="en-GB" dirty="0"/>
+              <a:t>At the very least, use the setup for GWAS, e.g., MAGENTA + common database + clusters.</a:t>
+            </a:r>
+          </a:p>
+          <a:p>
+            <a:pPr marL="457200" lvl="1" indent="0">
+              <a:buNone/>
+            </a:pPr>
+            <a:endParaRPr lang="en-GB" dirty="0"/>
+          </a:p>
+        </p:txBody>
+      </p:sp>
+      <p:sp>
+        <p:nvSpPr>
+          <p:cNvPr id="6" name="Footer Placeholder 5"/>
+          <p:cNvSpPr>
+            <a:spLocks noGrp="1"/>
+          </p:cNvSpPr>
+          <p:nvPr>
+            <p:ph type="ftr" sz="quarter" idx="11"/>
+          </p:nvPr>
+        </p:nvSpPr>
+        <p:spPr/>
+        <p:txBody>
+          <a:bodyPr/>
+          <a:lstStyle/>
+          <a:p>
+            <a:r>
+              <a:rPr lang="en-GB"/>
+              <a:t>PW-pipeline</a:t>
+            </a:r>
+          </a:p>
+        </p:txBody>
+      </p:sp>
+      <p:sp>
+        <p:nvSpPr>
+          <p:cNvPr id="7" name="Slide Number Placeholder 6"/>
+          <p:cNvSpPr>
+            <a:spLocks noGrp="1"/>
+          </p:cNvSpPr>
+          <p:nvPr>
+            <p:ph type="sldNum" sz="quarter" idx="12"/>
+          </p:nvPr>
+        </p:nvSpPr>
+        <p:spPr/>
+        <p:txBody>
+          <a:bodyPr/>
+          <a:lstStyle/>
+          <a:p>
+            <a:fld id="{1FB4BD47-2A83-4A56-970D-480688504C1B}" type="slidenum">
+              <a:rPr lang="en-GB" smtClean="0"/>
+              <a:t>14</a:t>
+            </a:fld>
+            <a:endParaRPr lang="en-GB"/>
+          </a:p>
+        </p:txBody>
+      </p:sp>
+    </p:spTree>
+    <p:extLst>
+      <p:ext uri="{BB962C8B-B14F-4D97-AF65-F5344CB8AC3E}">
+        <p14:creationId xmlns:p14="http://schemas.microsoft.com/office/powerpoint/2010/main" val="943105105"/>
+      </p:ext>
+    </p:extLst>
+  </p:cSld>
+  <p:clrMapOvr>
+    <a:masterClrMapping/>
+  </p:clrMapOvr>
+</p:sld>
+</file>
+
+<file path=ppt/slides/slide15.xml><?xml version="1.0" encoding="utf-8"?>
+<p:sld xmlns:a="http://schemas.openxmlformats.org/drawingml/2006/main" xmlns:r="http://schemas.openxmlformats.org/officeDocument/2006/relationships" xmlns:p="http://schemas.openxmlformats.org/presentationml/2006/main">
+  <p:cSld>
+    <p:spTree>
+      <p:nvGrpSpPr>
+        <p:cNvPr id="1" name=""/>
+        <p:cNvGrpSpPr/>
+        <p:nvPr/>
+      </p:nvGrpSpPr>
+      <p:grpSpPr>
+        <a:xfrm>
+          <a:off x="0" y="0"/>
+          <a:ext cx="0" cy="0"/>
+          <a:chOff x="0" y="0"/>
+          <a:chExt cx="0" cy="0"/>
+        </a:xfrm>
+      </p:grpSpPr>
+      <p:sp>
+        <p:nvSpPr>
+          <p:cNvPr id="2" name="Title 1"/>
+          <p:cNvSpPr>
+            <a:spLocks noGrp="1"/>
+          </p:cNvSpPr>
+          <p:nvPr>
+            <p:ph type="title"/>
+          </p:nvPr>
+        </p:nvSpPr>
+        <p:spPr/>
+        <p:txBody>
+          <a:bodyPr/>
+          <a:lstStyle/>
+          <a:p>
+            <a:pPr algn="ctr"/>
+            <a:r>
               <a:rPr lang="en-US" b="1" dirty="0"/>
               <a:t>References</a:t>
             </a:r>
@@ -5420,7 +5555,7 @@
           <a:p>
             <a:fld id="{1FB4BD47-2A83-4A56-970D-480688504C1B}" type="slidenum">
               <a:rPr lang="en-GB" smtClean="0"/>
-              <a:t>14</a:t>
+              <a:t>15</a:t>
             </a:fld>
             <a:endParaRPr lang="en-GB"/>
           </a:p>
@@ -5851,21 +5986,21 @@
                 <a:gridCol w="5054600">
                   <a:extLst>
                     <a:ext uri="{9D8B030D-6E8A-4147-A177-3AD203B41FA5}">
-                      <a16:colId xmlns:a16="http://schemas.microsoft.com/office/drawing/2014/main" xmlns="" val="865145431"/>
+                      <a16:colId xmlns="" xmlns:a16="http://schemas.microsoft.com/office/drawing/2014/main" val="865145431"/>
                     </a:ext>
                   </a:extLst>
                 </a:gridCol>
                 <a:gridCol w="1955800">
                   <a:extLst>
                     <a:ext uri="{9D8B030D-6E8A-4147-A177-3AD203B41FA5}">
-                      <a16:colId xmlns:a16="http://schemas.microsoft.com/office/drawing/2014/main" xmlns="" val="2266813503"/>
+                      <a16:colId xmlns="" xmlns:a16="http://schemas.microsoft.com/office/drawing/2014/main" val="2266813503"/>
                     </a:ext>
                   </a:extLst>
                 </a:gridCol>
                 <a:gridCol w="3505200">
                   <a:extLst>
                     <a:ext uri="{9D8B030D-6E8A-4147-A177-3AD203B41FA5}">
-                      <a16:colId xmlns:a16="http://schemas.microsoft.com/office/drawing/2014/main" xmlns="" val="3616348924"/>
+                      <a16:colId xmlns="" xmlns:a16="http://schemas.microsoft.com/office/drawing/2014/main" val="3616348924"/>
                     </a:ext>
                   </a:extLst>
                 </a:gridCol>
@@ -5960,7 +6095,7 @@
                 </a:tc>
                 <a:extLst>
                   <a:ext uri="{0D108BD9-81ED-4DB2-BD59-A6C34878D82A}">
-                    <a16:rowId xmlns:a16="http://schemas.microsoft.com/office/drawing/2014/main" xmlns="" val="4029533971"/>
+                    <a16:rowId xmlns="" xmlns:a16="http://schemas.microsoft.com/office/drawing/2014/main" val="4029533971"/>
                   </a:ext>
                 </a:extLst>
               </a:tr>
@@ -6066,7 +6201,7 @@
                 </a:tc>
                 <a:extLst>
                   <a:ext uri="{0D108BD9-81ED-4DB2-BD59-A6C34878D82A}">
-                    <a16:rowId xmlns:a16="http://schemas.microsoft.com/office/drawing/2014/main" xmlns="" val="3242111933"/>
+                    <a16:rowId xmlns="" xmlns:a16="http://schemas.microsoft.com/office/drawing/2014/main" val="3242111933"/>
                   </a:ext>
                 </a:extLst>
               </a:tr>
@@ -6160,7 +6295,7 @@
                 </a:tc>
                 <a:extLst>
                   <a:ext uri="{0D108BD9-81ED-4DB2-BD59-A6C34878D82A}">
-                    <a16:rowId xmlns:a16="http://schemas.microsoft.com/office/drawing/2014/main" xmlns="" val="3758837373"/>
+                    <a16:rowId xmlns="" xmlns:a16="http://schemas.microsoft.com/office/drawing/2014/main" val="3758837373"/>
                   </a:ext>
                 </a:extLst>
               </a:tr>
@@ -6260,7 +6395,7 @@
                 </a:tc>
                 <a:extLst>
                   <a:ext uri="{0D108BD9-81ED-4DB2-BD59-A6C34878D82A}">
-                    <a16:rowId xmlns:a16="http://schemas.microsoft.com/office/drawing/2014/main" xmlns="" val="2712992702"/>
+                    <a16:rowId xmlns="" xmlns:a16="http://schemas.microsoft.com/office/drawing/2014/main" val="2712992702"/>
                   </a:ext>
                 </a:extLst>
               </a:tr>
@@ -6360,7 +6495,7 @@
                 </a:tc>
                 <a:extLst>
                   <a:ext uri="{0D108BD9-81ED-4DB2-BD59-A6C34878D82A}">
-                    <a16:rowId xmlns:a16="http://schemas.microsoft.com/office/drawing/2014/main" xmlns="" val="1529562622"/>
+                    <a16:rowId xmlns="" xmlns:a16="http://schemas.microsoft.com/office/drawing/2014/main" val="1529562622"/>
                   </a:ext>
                 </a:extLst>
               </a:tr>
@@ -7271,42 +7406,42 @@
                 <a:gridCol w="2974383">
                   <a:extLst>
                     <a:ext uri="{9D8B030D-6E8A-4147-A177-3AD203B41FA5}">
-                      <a16:colId xmlns:a16="http://schemas.microsoft.com/office/drawing/2014/main" xmlns="" val="20000"/>
+                      <a16:colId xmlns="" xmlns:a16="http://schemas.microsoft.com/office/drawing/2014/main" val="20000"/>
                     </a:ext>
                   </a:extLst>
                 </a:gridCol>
                 <a:gridCol w="968644">
                   <a:extLst>
                     <a:ext uri="{9D8B030D-6E8A-4147-A177-3AD203B41FA5}">
-                      <a16:colId xmlns:a16="http://schemas.microsoft.com/office/drawing/2014/main" xmlns="" val="20001"/>
+                      <a16:colId xmlns="" xmlns:a16="http://schemas.microsoft.com/office/drawing/2014/main" val="20001"/>
                     </a:ext>
                   </a:extLst>
                 </a:gridCol>
                 <a:gridCol w="1433593">
                   <a:extLst>
                     <a:ext uri="{9D8B030D-6E8A-4147-A177-3AD203B41FA5}">
-                      <a16:colId xmlns:a16="http://schemas.microsoft.com/office/drawing/2014/main" xmlns="" val="20002"/>
+                      <a16:colId xmlns="" xmlns:a16="http://schemas.microsoft.com/office/drawing/2014/main" val="20002"/>
                     </a:ext>
                   </a:extLst>
                 </a:gridCol>
                 <a:gridCol w="1836549">
                   <a:extLst>
                     <a:ext uri="{9D8B030D-6E8A-4147-A177-3AD203B41FA5}">
-                      <a16:colId xmlns:a16="http://schemas.microsoft.com/office/drawing/2014/main" xmlns="" val="20003"/>
+                      <a16:colId xmlns="" xmlns:a16="http://schemas.microsoft.com/office/drawing/2014/main" val="20003"/>
                     </a:ext>
                   </a:extLst>
                 </a:gridCol>
                 <a:gridCol w="1455185">
                   <a:extLst>
                     <a:ext uri="{9D8B030D-6E8A-4147-A177-3AD203B41FA5}">
-                      <a16:colId xmlns:a16="http://schemas.microsoft.com/office/drawing/2014/main" xmlns="" val="20004"/>
+                      <a16:colId xmlns="" xmlns:a16="http://schemas.microsoft.com/office/drawing/2014/main" val="20004"/>
                     </a:ext>
                   </a:extLst>
                 </a:gridCol>
                 <a:gridCol w="1847246">
                   <a:extLst>
                     <a:ext uri="{9D8B030D-6E8A-4147-A177-3AD203B41FA5}">
-                      <a16:colId xmlns:a16="http://schemas.microsoft.com/office/drawing/2014/main" xmlns="" val="20005"/>
+                      <a16:colId xmlns="" xmlns:a16="http://schemas.microsoft.com/office/drawing/2014/main" val="20005"/>
                     </a:ext>
                   </a:extLst>
                 </a:gridCol>
@@ -7394,7 +7529,7 @@
                 </a:tc>
                 <a:extLst>
                   <a:ext uri="{0D108BD9-81ED-4DB2-BD59-A6C34878D82A}">
-                    <a16:rowId xmlns:a16="http://schemas.microsoft.com/office/drawing/2014/main" xmlns="" val="10000"/>
+                    <a16:rowId xmlns="" xmlns:a16="http://schemas.microsoft.com/office/drawing/2014/main" val="10000"/>
                   </a:ext>
                 </a:extLst>
               </a:tr>
@@ -7472,7 +7607,7 @@
                 </a:tc>
                 <a:extLst>
                   <a:ext uri="{0D108BD9-81ED-4DB2-BD59-A6C34878D82A}">
-                    <a16:rowId xmlns:a16="http://schemas.microsoft.com/office/drawing/2014/main" xmlns="" val="10001"/>
+                    <a16:rowId xmlns="" xmlns:a16="http://schemas.microsoft.com/office/drawing/2014/main" val="10001"/>
                   </a:ext>
                 </a:extLst>
               </a:tr>
@@ -7550,7 +7685,7 @@
                 </a:tc>
                 <a:extLst>
                   <a:ext uri="{0D108BD9-81ED-4DB2-BD59-A6C34878D82A}">
-                    <a16:rowId xmlns:a16="http://schemas.microsoft.com/office/drawing/2014/main" xmlns="" val="10002"/>
+                    <a16:rowId xmlns="" xmlns:a16="http://schemas.microsoft.com/office/drawing/2014/main" val="10002"/>
                   </a:ext>
                 </a:extLst>
               </a:tr>
@@ -7628,7 +7763,7 @@
                 </a:tc>
                 <a:extLst>
                   <a:ext uri="{0D108BD9-81ED-4DB2-BD59-A6C34878D82A}">
-                    <a16:rowId xmlns:a16="http://schemas.microsoft.com/office/drawing/2014/main" xmlns="" val="10003"/>
+                    <a16:rowId xmlns="" xmlns:a16="http://schemas.microsoft.com/office/drawing/2014/main" val="10003"/>
                   </a:ext>
                 </a:extLst>
               </a:tr>
@@ -7706,7 +7841,7 @@
                 </a:tc>
                 <a:extLst>
                   <a:ext uri="{0D108BD9-81ED-4DB2-BD59-A6C34878D82A}">
-                    <a16:rowId xmlns:a16="http://schemas.microsoft.com/office/drawing/2014/main" xmlns="" val="10004"/>
+                    <a16:rowId xmlns="" xmlns:a16="http://schemas.microsoft.com/office/drawing/2014/main" val="10004"/>
                   </a:ext>
                 </a:extLst>
               </a:tr>
@@ -7784,7 +7919,7 @@
                 </a:tc>
                 <a:extLst>
                   <a:ext uri="{0D108BD9-81ED-4DB2-BD59-A6C34878D82A}">
-                    <a16:rowId xmlns:a16="http://schemas.microsoft.com/office/drawing/2014/main" xmlns="" val="10005"/>
+                    <a16:rowId xmlns="" xmlns:a16="http://schemas.microsoft.com/office/drawing/2014/main" val="10005"/>
                   </a:ext>
                 </a:extLst>
               </a:tr>
@@ -7862,7 +7997,7 @@
                 </a:tc>
                 <a:extLst>
                   <a:ext uri="{0D108BD9-81ED-4DB2-BD59-A6C34878D82A}">
-                    <a16:rowId xmlns:a16="http://schemas.microsoft.com/office/drawing/2014/main" xmlns="" val="10006"/>
+                    <a16:rowId xmlns="" xmlns:a16="http://schemas.microsoft.com/office/drawing/2014/main" val="10006"/>
                   </a:ext>
                 </a:extLst>
               </a:tr>
@@ -7946,7 +8081,7 @@
                 </a:tc>
                 <a:extLst>
                   <a:ext uri="{0D108BD9-81ED-4DB2-BD59-A6C34878D82A}">
-                    <a16:rowId xmlns:a16="http://schemas.microsoft.com/office/drawing/2014/main" xmlns="" val="10007"/>
+                    <a16:rowId xmlns="" xmlns:a16="http://schemas.microsoft.com/office/drawing/2014/main" val="10007"/>
                   </a:ext>
                 </a:extLst>
               </a:tr>
@@ -8037,7 +8172,7 @@
                 </a:tc>
                 <a:extLst>
                   <a:ext uri="{0D108BD9-81ED-4DB2-BD59-A6C34878D82A}">
-                    <a16:rowId xmlns:a16="http://schemas.microsoft.com/office/drawing/2014/main" xmlns="" val="10008"/>
+                    <a16:rowId xmlns="" xmlns:a16="http://schemas.microsoft.com/office/drawing/2014/main" val="10008"/>
                   </a:ext>
                 </a:extLst>
               </a:tr>
@@ -8144,7 +8279,7 @@
                 </a:tc>
                 <a:extLst>
                   <a:ext uri="{0D108BD9-81ED-4DB2-BD59-A6C34878D82A}">
-                    <a16:rowId xmlns:a16="http://schemas.microsoft.com/office/drawing/2014/main" xmlns="" val="10009"/>
+                    <a16:rowId xmlns="" xmlns:a16="http://schemas.microsoft.com/office/drawing/2014/main" val="10009"/>
                   </a:ext>
                 </a:extLst>
               </a:tr>
@@ -8225,7 +8360,7 @@
                 </a:tc>
                 <a:extLst>
                   <a:ext uri="{0D108BD9-81ED-4DB2-BD59-A6C34878D82A}">
-                    <a16:rowId xmlns:a16="http://schemas.microsoft.com/office/drawing/2014/main" xmlns="" val="10010"/>
+                    <a16:rowId xmlns="" xmlns:a16="http://schemas.microsoft.com/office/drawing/2014/main" val="10010"/>
                   </a:ext>
                 </a:extLst>
               </a:tr>
@@ -8315,7 +8450,7 @@
                 </a:tc>
                 <a:extLst>
                   <a:ext uri="{0D108BD9-81ED-4DB2-BD59-A6C34878D82A}">
-                    <a16:rowId xmlns:a16="http://schemas.microsoft.com/office/drawing/2014/main" xmlns="" val="10011"/>
+                    <a16:rowId xmlns="" xmlns:a16="http://schemas.microsoft.com/office/drawing/2014/main" val="10011"/>
                   </a:ext>
                 </a:extLst>
               </a:tr>
@@ -8636,7 +8771,7 @@
   <a:extraClrSchemeLst/>
   <a:extLst>
     <a:ext uri="{05A4C25C-085E-4340-85A3-A5531E510DB2}">
-      <thm15:themeFamily xmlns:thm15="http://schemas.microsoft.com/office/thememl/2012/main" xmlns="" name="Office Theme" id="{62F939B6-93AF-4DB8-9C6B-D6C7DFDC589F}" vid="{4A3C46E8-61CC-4603-A589-7422A47A8E4A}"/>
+      <thm15:themeFamily xmlns="" xmlns:thm15="http://schemas.microsoft.com/office/thememl/2012/main" name="Office Theme" id="{62F939B6-93AF-4DB8-9C6B-D6C7DFDC589F}" vid="{4A3C46E8-61CC-4603-A589-7422A47A8E4A}"/>
     </a:ext>
   </a:extLst>
 </a:theme>

--- a/README.pptx
+++ b/README.pptx
@@ -123,7 +123,7 @@
   </p:defaultTextStyle>
   <p:extLst>
     <p:ext uri="{EFAFB233-063F-42B5-8137-9DF3F51BA10A}">
-      <p15:sldGuideLst xmlns="" xmlns:p15="http://schemas.microsoft.com/office/powerpoint/2012/main">
+      <p15:sldGuideLst xmlns:p15="http://schemas.microsoft.com/office/powerpoint/2012/main" xmlns="">
         <p15:guide id="1" orient="horz" pos="2160">
           <p15:clr>
             <a:srgbClr val="A4A3A4"/>
@@ -3498,6 +3498,13 @@
   <p:clrMapOvr>
     <a:masterClrMapping/>
   </p:clrMapOvr>
+  <p:timing>
+    <p:tnLst>
+      <p:par>
+        <p:cTn id="1" dur="indefinite" restart="never" nodeType="tmRoot"/>
+      </p:par>
+    </p:tnLst>
+  </p:timing>
 </p:sld>
 </file>
 
@@ -3570,42 +3577,42 @@
                 <a:gridCol w="2045766">
                   <a:extLst>
                     <a:ext uri="{9D8B030D-6E8A-4147-A177-3AD203B41FA5}">
-                      <a16:colId xmlns="" xmlns:a16="http://schemas.microsoft.com/office/drawing/2014/main" val="20000"/>
+                      <a16:colId xmlns:a16="http://schemas.microsoft.com/office/drawing/2014/main" xmlns="" val="20000"/>
                     </a:ext>
                   </a:extLst>
                 </a:gridCol>
                 <a:gridCol w="1108129">
                   <a:extLst>
                     <a:ext uri="{9D8B030D-6E8A-4147-A177-3AD203B41FA5}">
-                      <a16:colId xmlns="" xmlns:a16="http://schemas.microsoft.com/office/drawing/2014/main" val="20001"/>
+                      <a16:colId xmlns:a16="http://schemas.microsoft.com/office/drawing/2014/main" xmlns="" val="20001"/>
                     </a:ext>
                   </a:extLst>
                 </a:gridCol>
                 <a:gridCol w="1255362">
                   <a:extLst>
                     <a:ext uri="{9D8B030D-6E8A-4147-A177-3AD203B41FA5}">
-                      <a16:colId xmlns="" xmlns:a16="http://schemas.microsoft.com/office/drawing/2014/main" val="20002"/>
+                      <a16:colId xmlns:a16="http://schemas.microsoft.com/office/drawing/2014/main" xmlns="" val="20002"/>
                     </a:ext>
                   </a:extLst>
                 </a:gridCol>
                 <a:gridCol w="1622768">
                   <a:extLst>
                     <a:ext uri="{9D8B030D-6E8A-4147-A177-3AD203B41FA5}">
-                      <a16:colId xmlns="" xmlns:a16="http://schemas.microsoft.com/office/drawing/2014/main" val="20003"/>
+                      <a16:colId xmlns:a16="http://schemas.microsoft.com/office/drawing/2014/main" xmlns="" val="20003"/>
                     </a:ext>
                   </a:extLst>
                 </a:gridCol>
                 <a:gridCol w="2019334">
                   <a:extLst>
                     <a:ext uri="{9D8B030D-6E8A-4147-A177-3AD203B41FA5}">
-                      <a16:colId xmlns="" xmlns:a16="http://schemas.microsoft.com/office/drawing/2014/main" val="20004"/>
+                      <a16:colId xmlns:a16="http://schemas.microsoft.com/office/drawing/2014/main" xmlns="" val="20004"/>
                     </a:ext>
                   </a:extLst>
                 </a:gridCol>
                 <a:gridCol w="2154265">
                   <a:extLst>
                     <a:ext uri="{9D8B030D-6E8A-4147-A177-3AD203B41FA5}">
-                      <a16:colId xmlns="" xmlns:a16="http://schemas.microsoft.com/office/drawing/2014/main" val="20005"/>
+                      <a16:colId xmlns:a16="http://schemas.microsoft.com/office/drawing/2014/main" xmlns="" val="20005"/>
                     </a:ext>
                   </a:extLst>
                 </a:gridCol>
@@ -3843,7 +3850,7 @@
                 </a:tc>
                 <a:extLst>
                   <a:ext uri="{0D108BD9-81ED-4DB2-BD59-A6C34878D82A}">
-                    <a16:rowId xmlns="" xmlns:a16="http://schemas.microsoft.com/office/drawing/2014/main" val="10000"/>
+                    <a16:rowId xmlns:a16="http://schemas.microsoft.com/office/drawing/2014/main" xmlns="" val="10000"/>
                   </a:ext>
                 </a:extLst>
               </a:tr>
@@ -4024,7 +4031,7 @@
                 </a:tc>
                 <a:extLst>
                   <a:ext uri="{0D108BD9-81ED-4DB2-BD59-A6C34878D82A}">
-                    <a16:rowId xmlns="" xmlns:a16="http://schemas.microsoft.com/office/drawing/2014/main" val="10001"/>
+                    <a16:rowId xmlns:a16="http://schemas.microsoft.com/office/drawing/2014/main" xmlns="" val="10001"/>
                   </a:ext>
                 </a:extLst>
               </a:tr>
@@ -4205,7 +4212,7 @@
                 </a:tc>
                 <a:extLst>
                   <a:ext uri="{0D108BD9-81ED-4DB2-BD59-A6C34878D82A}">
-                    <a16:rowId xmlns="" xmlns:a16="http://schemas.microsoft.com/office/drawing/2014/main" val="10002"/>
+                    <a16:rowId xmlns:a16="http://schemas.microsoft.com/office/drawing/2014/main" xmlns="" val="10002"/>
                   </a:ext>
                 </a:extLst>
               </a:tr>
@@ -4386,7 +4393,7 @@
                 </a:tc>
                 <a:extLst>
                   <a:ext uri="{0D108BD9-81ED-4DB2-BD59-A6C34878D82A}">
-                    <a16:rowId xmlns="" xmlns:a16="http://schemas.microsoft.com/office/drawing/2014/main" val="10003"/>
+                    <a16:rowId xmlns:a16="http://schemas.microsoft.com/office/drawing/2014/main" xmlns="" val="10003"/>
                   </a:ext>
                 </a:extLst>
               </a:tr>
@@ -4573,7 +4580,7 @@
                 </a:tc>
                 <a:extLst>
                   <a:ext uri="{0D108BD9-81ED-4DB2-BD59-A6C34878D82A}">
-                    <a16:rowId xmlns="" xmlns:a16="http://schemas.microsoft.com/office/drawing/2014/main" val="10004"/>
+                    <a16:rowId xmlns:a16="http://schemas.microsoft.com/office/drawing/2014/main" xmlns="" val="10004"/>
                   </a:ext>
                 </a:extLst>
               </a:tr>
@@ -4636,6 +4643,13 @@
   <p:clrMapOvr>
     <a:masterClrMapping/>
   </p:clrMapOvr>
+  <p:timing>
+    <p:tnLst>
+      <p:par>
+        <p:cTn id="1" dur="indefinite" restart="never" nodeType="tmRoot"/>
+      </p:par>
+    </p:tnLst>
+  </p:timing>
 </p:sld>
 </file>
 
@@ -4673,12 +4687,12 @@
           <a:p>
             <a:pPr algn="ctr"/>
             <a:r>
-              <a:rPr lang="en-GB" smtClean="0"/>
-              <a:t>Self-organised map/Network </a:t>
-            </a:r>
-            <a:r>
               <a:rPr lang="en-GB" dirty="0" smtClean="0"/>
-              <a:t>plots</a:t>
+              <a:t>Self-organised </a:t>
+            </a:r>
+            <a:r>
+              <a:rPr lang="en-GB" dirty="0" smtClean="0"/>
+              <a:t>map/network plot</a:t>
             </a:r>
             <a:endParaRPr lang="en-GB" dirty="0"/>
           </a:p>
@@ -4800,6 +4814,13 @@
   <p:clrMapOvr>
     <a:masterClrMapping/>
   </p:clrMapOvr>
+  <p:timing>
+    <p:tnLst>
+      <p:par>
+        <p:cTn id="1" dur="indefinite" restart="never" nodeType="tmRoot"/>
+      </p:par>
+    </p:tnLst>
+  </p:timing>
 </p:sld>
 </file>
 
@@ -4930,6 +4951,13 @@
   <p:clrMapOvr>
     <a:masterClrMapping/>
   </p:clrMapOvr>
+  <p:timing>
+    <p:tnLst>
+      <p:par>
+        <p:cTn id="1" dur="indefinite" restart="never" nodeType="tmRoot"/>
+      </p:par>
+    </p:tnLst>
+  </p:timing>
 </p:sld>
 </file>
 
@@ -4955,7 +4983,7 @@
           <p:cNvPr id="2" name="Title 1">
             <a:extLst>
               <a:ext uri="{FF2B5EF4-FFF2-40B4-BE49-F238E27FC236}">
-                <a16:creationId xmlns="" xmlns:a16="http://schemas.microsoft.com/office/drawing/2014/main" id="{C578C6E6-9963-452C-A0B9-B961A198FCED}"/>
+                <a16:creationId xmlns:a16="http://schemas.microsoft.com/office/drawing/2014/main" xmlns="" id="{C578C6E6-9963-452C-A0B9-B961A198FCED}"/>
               </a:ext>
             </a:extLst>
           </p:cNvPr>
@@ -4984,7 +5012,7 @@
           <p:cNvPr id="3" name="Content Placeholder 2">
             <a:extLst>
               <a:ext uri="{FF2B5EF4-FFF2-40B4-BE49-F238E27FC236}">
-                <a16:creationId xmlns="" xmlns:a16="http://schemas.microsoft.com/office/drawing/2014/main" id="{7911F050-60EE-4F78-839E-EC193C6D5029}"/>
+                <a16:creationId xmlns:a16="http://schemas.microsoft.com/office/drawing/2014/main" xmlns="" id="{7911F050-60EE-4F78-839E-EC193C6D5029}"/>
               </a:ext>
             </a:extLst>
           </p:cNvPr>
@@ -5082,7 +5110,7 @@
           <p:cNvPr id="4" name="Footer Placeholder 3">
             <a:extLst>
               <a:ext uri="{FF2B5EF4-FFF2-40B4-BE49-F238E27FC236}">
-                <a16:creationId xmlns="" xmlns:a16="http://schemas.microsoft.com/office/drawing/2014/main" id="{CB56C53E-5AA6-4445-8310-80F39E373592}"/>
+                <a16:creationId xmlns:a16="http://schemas.microsoft.com/office/drawing/2014/main" xmlns="" id="{CB56C53E-5AA6-4445-8310-80F39E373592}"/>
               </a:ext>
             </a:extLst>
           </p:cNvPr>
@@ -5110,7 +5138,7 @@
           <p:cNvPr id="5" name="Slide Number Placeholder 4">
             <a:extLst>
               <a:ext uri="{FF2B5EF4-FFF2-40B4-BE49-F238E27FC236}">
-                <a16:creationId xmlns="" xmlns:a16="http://schemas.microsoft.com/office/drawing/2014/main" id="{3C6CFC43-56C3-4263-A119-89ADDD0C8539}"/>
+                <a16:creationId xmlns:a16="http://schemas.microsoft.com/office/drawing/2014/main" xmlns="" id="{3C6CFC43-56C3-4263-A119-89ADDD0C8539}"/>
               </a:ext>
             </a:extLst>
           </p:cNvPr>
@@ -5144,6 +5172,13 @@
   <p:clrMapOvr>
     <a:masterClrMapping/>
   </p:clrMapOvr>
+  <p:timing>
+    <p:tnLst>
+      <p:par>
+        <p:cTn id="1" dur="indefinite" restart="never" nodeType="tmRoot"/>
+      </p:par>
+    </p:tnLst>
+  </p:timing>
 </p:sld>
 </file>
 
@@ -5320,6 +5355,13 @@
   <p:clrMapOvr>
     <a:masterClrMapping/>
   </p:clrMapOvr>
+  <p:timing>
+    <p:tnLst>
+      <p:par>
+        <p:cTn id="1" dur="indefinite" restart="never" nodeType="tmRoot"/>
+      </p:par>
+    </p:tnLst>
+  </p:timing>
 </p:sld>
 </file>
 
@@ -5571,6 +5613,13 @@
   <p:clrMapOvr>
     <a:masterClrMapping/>
   </p:clrMapOvr>
+  <p:timing>
+    <p:tnLst>
+      <p:par>
+        <p:cTn id="1" dur="indefinite" restart="never" nodeType="tmRoot"/>
+      </p:par>
+    </p:tnLst>
+  </p:timing>
 </p:sld>
 </file>
 
@@ -5732,6 +5781,13 @@
   <p:clrMapOvr>
     <a:masterClrMapping/>
   </p:clrMapOvr>
+  <p:timing>
+    <p:tnLst>
+      <p:par>
+        <p:cTn id="1" dur="indefinite" restart="never" nodeType="tmRoot"/>
+      </p:par>
+    </p:tnLst>
+  </p:timing>
 </p:sld>
 </file>
 
@@ -5913,6 +5969,13 @@
   <p:clrMapOvr>
     <a:masterClrMapping/>
   </p:clrMapOvr>
+  <p:timing>
+    <p:tnLst>
+      <p:par>
+        <p:cTn id="1" dur="indefinite" restart="never" nodeType="tmRoot"/>
+      </p:par>
+    </p:tnLst>
+  </p:timing>
 </p:sld>
 </file>
 
@@ -5986,21 +6049,21 @@
                 <a:gridCol w="5054600">
                   <a:extLst>
                     <a:ext uri="{9D8B030D-6E8A-4147-A177-3AD203B41FA5}">
-                      <a16:colId xmlns="" xmlns:a16="http://schemas.microsoft.com/office/drawing/2014/main" val="865145431"/>
+                      <a16:colId xmlns:a16="http://schemas.microsoft.com/office/drawing/2014/main" xmlns="" val="865145431"/>
                     </a:ext>
                   </a:extLst>
                 </a:gridCol>
                 <a:gridCol w="1955800">
                   <a:extLst>
                     <a:ext uri="{9D8B030D-6E8A-4147-A177-3AD203B41FA5}">
-                      <a16:colId xmlns="" xmlns:a16="http://schemas.microsoft.com/office/drawing/2014/main" val="2266813503"/>
+                      <a16:colId xmlns:a16="http://schemas.microsoft.com/office/drawing/2014/main" xmlns="" val="2266813503"/>
                     </a:ext>
                   </a:extLst>
                 </a:gridCol>
                 <a:gridCol w="3505200">
                   <a:extLst>
                     <a:ext uri="{9D8B030D-6E8A-4147-A177-3AD203B41FA5}">
-                      <a16:colId xmlns="" xmlns:a16="http://schemas.microsoft.com/office/drawing/2014/main" val="3616348924"/>
+                      <a16:colId xmlns:a16="http://schemas.microsoft.com/office/drawing/2014/main" xmlns="" val="3616348924"/>
                     </a:ext>
                   </a:extLst>
                 </a:gridCol>
@@ -6095,7 +6158,7 @@
                 </a:tc>
                 <a:extLst>
                   <a:ext uri="{0D108BD9-81ED-4DB2-BD59-A6C34878D82A}">
-                    <a16:rowId xmlns="" xmlns:a16="http://schemas.microsoft.com/office/drawing/2014/main" val="4029533971"/>
+                    <a16:rowId xmlns:a16="http://schemas.microsoft.com/office/drawing/2014/main" xmlns="" val="4029533971"/>
                   </a:ext>
                 </a:extLst>
               </a:tr>
@@ -6201,7 +6264,7 @@
                 </a:tc>
                 <a:extLst>
                   <a:ext uri="{0D108BD9-81ED-4DB2-BD59-A6C34878D82A}">
-                    <a16:rowId xmlns="" xmlns:a16="http://schemas.microsoft.com/office/drawing/2014/main" val="3242111933"/>
+                    <a16:rowId xmlns:a16="http://schemas.microsoft.com/office/drawing/2014/main" xmlns="" val="3242111933"/>
                   </a:ext>
                 </a:extLst>
               </a:tr>
@@ -6295,7 +6358,7 @@
                 </a:tc>
                 <a:extLst>
                   <a:ext uri="{0D108BD9-81ED-4DB2-BD59-A6C34878D82A}">
-                    <a16:rowId xmlns="" xmlns:a16="http://schemas.microsoft.com/office/drawing/2014/main" val="3758837373"/>
+                    <a16:rowId xmlns:a16="http://schemas.microsoft.com/office/drawing/2014/main" xmlns="" val="3758837373"/>
                   </a:ext>
                 </a:extLst>
               </a:tr>
@@ -6395,7 +6458,7 @@
                 </a:tc>
                 <a:extLst>
                   <a:ext uri="{0D108BD9-81ED-4DB2-BD59-A6C34878D82A}">
-                    <a16:rowId xmlns="" xmlns:a16="http://schemas.microsoft.com/office/drawing/2014/main" val="2712992702"/>
+                    <a16:rowId xmlns:a16="http://schemas.microsoft.com/office/drawing/2014/main" xmlns="" val="2712992702"/>
                   </a:ext>
                 </a:extLst>
               </a:tr>
@@ -6495,7 +6558,7 @@
                 </a:tc>
                 <a:extLst>
                   <a:ext uri="{0D108BD9-81ED-4DB2-BD59-A6C34878D82A}">
-                    <a16:rowId xmlns="" xmlns:a16="http://schemas.microsoft.com/office/drawing/2014/main" val="1529562622"/>
+                    <a16:rowId xmlns:a16="http://schemas.microsoft.com/office/drawing/2014/main" xmlns="" val="1529562622"/>
                   </a:ext>
                 </a:extLst>
               </a:tr>
@@ -6558,6 +6621,13 @@
   <p:clrMapOvr>
     <a:masterClrMapping/>
   </p:clrMapOvr>
+  <p:timing>
+    <p:tnLst>
+      <p:par>
+        <p:cTn id="1" dur="indefinite" restart="never" nodeType="tmRoot"/>
+      </p:par>
+    </p:tnLst>
+  </p:timing>
 </p:sld>
 </file>
 
@@ -6595,12 +6665,8 @@
           <a:p>
             <a:pPr algn="ctr"/>
             <a:r>
-              <a:rPr lang="en-GB" b="1" dirty="0"/>
-              <a:t>How to </a:t>
-            </a:r>
-            <a:r>
               <a:rPr lang="en-GB" b="1" dirty="0" smtClean="0"/>
-              <a:t>use</a:t>
+              <a:t>Usage</a:t>
             </a:r>
             <a:endParaRPr lang="en-GB" b="1" dirty="0"/>
           </a:p>
@@ -6627,20 +6693,12 @@
               <a:buNone/>
             </a:pPr>
             <a:r>
-              <a:rPr lang="en-GB" dirty="0" smtClean="0"/>
+              <a:rPr lang="en-GB" b="1" dirty="0" smtClean="0"/>
               <a:t>INPUT</a:t>
             </a:r>
             <a:r>
               <a:rPr lang="en-GB" dirty="0"/>
-              <a:t>. GWAS summary statistics </a:t>
-            </a:r>
-            <a:r>
-              <a:rPr lang="en-GB" b="1" dirty="0"/>
-              <a:t>(repro.txt),</a:t>
-            </a:r>
-            <a:r>
-              <a:rPr lang="en-GB" dirty="0"/>
-              <a:t> e.g., </a:t>
+              <a:t>. GWAS summary statistics (repro.txt), e.g., </a:t>
             </a:r>
           </a:p>
           <a:p>
@@ -6667,8 +6725,12 @@
               <a:buNone/>
             </a:pPr>
             <a:r>
+              <a:rPr lang="en-GB" b="1" dirty="0"/>
+              <a:t>OUTPUT</a:t>
+            </a:r>
+            <a:r>
               <a:rPr lang="en-GB" dirty="0"/>
-              <a:t>OUTPUT. One can choose software, e.g., MAGENTA, MAGMA.</a:t>
+              <a:t>. One can choose software, e.g., MAGENTA, MAGMA.</a:t>
             </a:r>
           </a:p>
           <a:p>
@@ -6682,16 +6744,12 @@
               <a:buNone/>
             </a:pPr>
             <a:r>
-              <a:rPr lang="en-GB" dirty="0" smtClean="0"/>
+              <a:rPr lang="en-GB" b="1" dirty="0" smtClean="0"/>
               <a:t>SYNTAX</a:t>
             </a:r>
             <a:r>
               <a:rPr lang="en-GB" dirty="0"/>
-              <a:t>. </a:t>
-            </a:r>
-            <a:r>
-              <a:rPr lang="en-GB" b="1" dirty="0"/>
-              <a:t>pwp.sh repro.txt</a:t>
+              <a:t>. pwp.sh repro.txt</a:t>
             </a:r>
           </a:p>
           <a:p>
@@ -6764,6 +6822,13 @@
   <p:clrMapOvr>
     <a:masterClrMapping/>
   </p:clrMapOvr>
+  <p:timing>
+    <p:tnLst>
+      <p:par>
+        <p:cTn id="1" dur="indefinite" restart="never" nodeType="tmRoot"/>
+      </p:par>
+    </p:tnLst>
+  </p:timing>
 </p:sld>
 </file>
 
@@ -6996,6 +7061,13 @@
   <p:clrMapOvr>
     <a:masterClrMapping/>
   </p:clrMapOvr>
+  <p:timing>
+    <p:tnLst>
+      <p:par>
+        <p:cTn id="1" dur="indefinite" restart="never" nodeType="tmRoot"/>
+      </p:par>
+    </p:tnLst>
+  </p:timing>
 </p:sld>
 </file>
 
@@ -7111,7 +7183,7 @@
           <a:p>
             <a:r>
               <a:rPr lang="en-US" dirty="0" err="1" smtClean="0"/>
-              <a:t>nr_repetitions</a:t>
+              <a:t>nr_repititions</a:t>
             </a:r>
             <a:r>
               <a:rPr lang="en-US" dirty="0" smtClean="0"/>
@@ -7191,6 +7263,13 @@
   <p:clrMapOvr>
     <a:masterClrMapping/>
   </p:clrMapOvr>
+  <p:timing>
+    <p:tnLst>
+      <p:par>
+        <p:cTn id="1" dur="indefinite" restart="never" nodeType="tmRoot"/>
+      </p:par>
+    </p:tnLst>
+  </p:timing>
 </p:sld>
 </file>
 
@@ -7255,26 +7334,42 @@
           <a:lstStyle/>
           <a:p>
             <a:r>
+              <a:rPr lang="en-GB" b="1" dirty="0"/>
+              <a:t>MAGENTA</a:t>
+            </a:r>
+            <a:r>
               <a:rPr lang="en-GB" dirty="0"/>
-              <a:t>MAGENTA. Confounding effects on gene association scores are identified and corrected for, without requiring genotype data.</a:t>
-            </a:r>
-          </a:p>
-          <a:p>
+              <a:t>. Confounding effects on gene association scores are identified and corrected for, without requiring genotype data.</a:t>
+            </a:r>
+          </a:p>
+          <a:p>
+            <a:r>
+              <a:rPr lang="en-GB" b="1" dirty="0"/>
+              <a:t>MAGMA</a:t>
+            </a:r>
             <a:r>
               <a:rPr lang="en-GB" dirty="0"/>
-              <a:t>MAGMA. Similar to MAGENTA in spirit.</a:t>
-            </a:r>
-          </a:p>
-          <a:p>
+              <a:t>. Similar to MAGENTA in spirit.</a:t>
+            </a:r>
+          </a:p>
+          <a:p>
+            <a:r>
+              <a:rPr lang="en-GB" b="1" dirty="0"/>
+              <a:t>PASCAL</a:t>
+            </a:r>
             <a:r>
               <a:rPr lang="en-GB" dirty="0"/>
-              <a:t>PASCAL. Gene scores are obtained by aggregating SNP p-values from a GWAS meta-analysis while correcting for LD using a reference population.</a:t>
-            </a:r>
-          </a:p>
-          <a:p>
+              <a:t>. Gene scores are obtained by aggregating SNP p-values from a GWAS meta-analysis while correcting for LD using a reference population.</a:t>
+            </a:r>
+          </a:p>
+          <a:p>
+            <a:r>
+              <a:rPr lang="en-GB" b="1" dirty="0"/>
+              <a:t>DEPICT</a:t>
+            </a:r>
             <a:r>
               <a:rPr lang="en-GB" dirty="0"/>
-              <a:t>DEPICT. It is a computational framework for gene prioritization, GSEA and tissue/cell type enrichment analysis. </a:t>
+              <a:t>. It is a computational framework for gene prioritization, GSEA and tissue/cell type enrichment analysis. </a:t>
             </a:r>
           </a:p>
         </p:txBody>
@@ -7334,6 +7429,13 @@
   <p:clrMapOvr>
     <a:masterClrMapping/>
   </p:clrMapOvr>
+  <p:timing>
+    <p:tnLst>
+      <p:par>
+        <p:cTn id="1" dur="indefinite" restart="never" nodeType="tmRoot"/>
+      </p:par>
+    </p:tnLst>
+  </p:timing>
 </p:sld>
 </file>
 
@@ -7406,42 +7508,42 @@
                 <a:gridCol w="2974383">
                   <a:extLst>
                     <a:ext uri="{9D8B030D-6E8A-4147-A177-3AD203B41FA5}">
-                      <a16:colId xmlns="" xmlns:a16="http://schemas.microsoft.com/office/drawing/2014/main" val="20000"/>
+                      <a16:colId xmlns:a16="http://schemas.microsoft.com/office/drawing/2014/main" xmlns="" val="20000"/>
                     </a:ext>
                   </a:extLst>
                 </a:gridCol>
                 <a:gridCol w="968644">
                   <a:extLst>
                     <a:ext uri="{9D8B030D-6E8A-4147-A177-3AD203B41FA5}">
-                      <a16:colId xmlns="" xmlns:a16="http://schemas.microsoft.com/office/drawing/2014/main" val="20001"/>
+                      <a16:colId xmlns:a16="http://schemas.microsoft.com/office/drawing/2014/main" xmlns="" val="20001"/>
                     </a:ext>
                   </a:extLst>
                 </a:gridCol>
                 <a:gridCol w="1433593">
                   <a:extLst>
                     <a:ext uri="{9D8B030D-6E8A-4147-A177-3AD203B41FA5}">
-                      <a16:colId xmlns="" xmlns:a16="http://schemas.microsoft.com/office/drawing/2014/main" val="20002"/>
+                      <a16:colId xmlns:a16="http://schemas.microsoft.com/office/drawing/2014/main" xmlns="" val="20002"/>
                     </a:ext>
                   </a:extLst>
                 </a:gridCol>
                 <a:gridCol w="1836549">
                   <a:extLst>
                     <a:ext uri="{9D8B030D-6E8A-4147-A177-3AD203B41FA5}">
-                      <a16:colId xmlns="" xmlns:a16="http://schemas.microsoft.com/office/drawing/2014/main" val="20003"/>
+                      <a16:colId xmlns:a16="http://schemas.microsoft.com/office/drawing/2014/main" xmlns="" val="20003"/>
                     </a:ext>
                   </a:extLst>
                 </a:gridCol>
                 <a:gridCol w="1455185">
                   <a:extLst>
                     <a:ext uri="{9D8B030D-6E8A-4147-A177-3AD203B41FA5}">
-                      <a16:colId xmlns="" xmlns:a16="http://schemas.microsoft.com/office/drawing/2014/main" val="20004"/>
+                      <a16:colId xmlns:a16="http://schemas.microsoft.com/office/drawing/2014/main" xmlns="" val="20004"/>
                     </a:ext>
                   </a:extLst>
                 </a:gridCol>
                 <a:gridCol w="1847246">
                   <a:extLst>
                     <a:ext uri="{9D8B030D-6E8A-4147-A177-3AD203B41FA5}">
-                      <a16:colId xmlns="" xmlns:a16="http://schemas.microsoft.com/office/drawing/2014/main" val="20005"/>
+                      <a16:colId xmlns:a16="http://schemas.microsoft.com/office/drawing/2014/main" xmlns="" val="20005"/>
                     </a:ext>
                   </a:extLst>
                 </a:gridCol>
@@ -7529,7 +7631,7 @@
                 </a:tc>
                 <a:extLst>
                   <a:ext uri="{0D108BD9-81ED-4DB2-BD59-A6C34878D82A}">
-                    <a16:rowId xmlns="" xmlns:a16="http://schemas.microsoft.com/office/drawing/2014/main" val="10000"/>
+                    <a16:rowId xmlns:a16="http://schemas.microsoft.com/office/drawing/2014/main" xmlns="" val="10000"/>
                   </a:ext>
                 </a:extLst>
               </a:tr>
@@ -7607,7 +7709,7 @@
                 </a:tc>
                 <a:extLst>
                   <a:ext uri="{0D108BD9-81ED-4DB2-BD59-A6C34878D82A}">
-                    <a16:rowId xmlns="" xmlns:a16="http://schemas.microsoft.com/office/drawing/2014/main" val="10001"/>
+                    <a16:rowId xmlns:a16="http://schemas.microsoft.com/office/drawing/2014/main" xmlns="" val="10001"/>
                   </a:ext>
                 </a:extLst>
               </a:tr>
@@ -7685,7 +7787,7 @@
                 </a:tc>
                 <a:extLst>
                   <a:ext uri="{0D108BD9-81ED-4DB2-BD59-A6C34878D82A}">
-                    <a16:rowId xmlns="" xmlns:a16="http://schemas.microsoft.com/office/drawing/2014/main" val="10002"/>
+                    <a16:rowId xmlns:a16="http://schemas.microsoft.com/office/drawing/2014/main" xmlns="" val="10002"/>
                   </a:ext>
                 </a:extLst>
               </a:tr>
@@ -7763,7 +7865,7 @@
                 </a:tc>
                 <a:extLst>
                   <a:ext uri="{0D108BD9-81ED-4DB2-BD59-A6C34878D82A}">
-                    <a16:rowId xmlns="" xmlns:a16="http://schemas.microsoft.com/office/drawing/2014/main" val="10003"/>
+                    <a16:rowId xmlns:a16="http://schemas.microsoft.com/office/drawing/2014/main" xmlns="" val="10003"/>
                   </a:ext>
                 </a:extLst>
               </a:tr>
@@ -7841,7 +7943,7 @@
                 </a:tc>
                 <a:extLst>
                   <a:ext uri="{0D108BD9-81ED-4DB2-BD59-A6C34878D82A}">
-                    <a16:rowId xmlns="" xmlns:a16="http://schemas.microsoft.com/office/drawing/2014/main" val="10004"/>
+                    <a16:rowId xmlns:a16="http://schemas.microsoft.com/office/drawing/2014/main" xmlns="" val="10004"/>
                   </a:ext>
                 </a:extLst>
               </a:tr>
@@ -7919,7 +8021,7 @@
                 </a:tc>
                 <a:extLst>
                   <a:ext uri="{0D108BD9-81ED-4DB2-BD59-A6C34878D82A}">
-                    <a16:rowId xmlns="" xmlns:a16="http://schemas.microsoft.com/office/drawing/2014/main" val="10005"/>
+                    <a16:rowId xmlns:a16="http://schemas.microsoft.com/office/drawing/2014/main" xmlns="" val="10005"/>
                   </a:ext>
                 </a:extLst>
               </a:tr>
@@ -7997,7 +8099,7 @@
                 </a:tc>
                 <a:extLst>
                   <a:ext uri="{0D108BD9-81ED-4DB2-BD59-A6C34878D82A}">
-                    <a16:rowId xmlns="" xmlns:a16="http://schemas.microsoft.com/office/drawing/2014/main" val="10006"/>
+                    <a16:rowId xmlns:a16="http://schemas.microsoft.com/office/drawing/2014/main" xmlns="" val="10006"/>
                   </a:ext>
                 </a:extLst>
               </a:tr>
@@ -8081,7 +8183,7 @@
                 </a:tc>
                 <a:extLst>
                   <a:ext uri="{0D108BD9-81ED-4DB2-BD59-A6C34878D82A}">
-                    <a16:rowId xmlns="" xmlns:a16="http://schemas.microsoft.com/office/drawing/2014/main" val="10007"/>
+                    <a16:rowId xmlns:a16="http://schemas.microsoft.com/office/drawing/2014/main" xmlns="" val="10007"/>
                   </a:ext>
                 </a:extLst>
               </a:tr>
@@ -8172,7 +8274,7 @@
                 </a:tc>
                 <a:extLst>
                   <a:ext uri="{0D108BD9-81ED-4DB2-BD59-A6C34878D82A}">
-                    <a16:rowId xmlns="" xmlns:a16="http://schemas.microsoft.com/office/drawing/2014/main" val="10008"/>
+                    <a16:rowId xmlns:a16="http://schemas.microsoft.com/office/drawing/2014/main" xmlns="" val="10008"/>
                   </a:ext>
                 </a:extLst>
               </a:tr>
@@ -8279,7 +8381,7 @@
                 </a:tc>
                 <a:extLst>
                   <a:ext uri="{0D108BD9-81ED-4DB2-BD59-A6C34878D82A}">
-                    <a16:rowId xmlns="" xmlns:a16="http://schemas.microsoft.com/office/drawing/2014/main" val="10009"/>
+                    <a16:rowId xmlns:a16="http://schemas.microsoft.com/office/drawing/2014/main" xmlns="" val="10009"/>
                   </a:ext>
                 </a:extLst>
               </a:tr>
@@ -8360,7 +8462,7 @@
                 </a:tc>
                 <a:extLst>
                   <a:ext uri="{0D108BD9-81ED-4DB2-BD59-A6C34878D82A}">
-                    <a16:rowId xmlns="" xmlns:a16="http://schemas.microsoft.com/office/drawing/2014/main" val="10010"/>
+                    <a16:rowId xmlns:a16="http://schemas.microsoft.com/office/drawing/2014/main" xmlns="" val="10010"/>
                   </a:ext>
                 </a:extLst>
               </a:tr>
@@ -8450,7 +8552,7 @@
                 </a:tc>
                 <a:extLst>
                   <a:ext uri="{0D108BD9-81ED-4DB2-BD59-A6C34878D82A}">
-                    <a16:rowId xmlns="" xmlns:a16="http://schemas.microsoft.com/office/drawing/2014/main" val="10011"/>
+                    <a16:rowId xmlns:a16="http://schemas.microsoft.com/office/drawing/2014/main" xmlns="" val="10011"/>
                   </a:ext>
                 </a:extLst>
               </a:tr>
@@ -8513,6 +8615,13 @@
   <p:clrMapOvr>
     <a:masterClrMapping/>
   </p:clrMapOvr>
+  <p:timing>
+    <p:tnLst>
+      <p:par>
+        <p:cTn id="1" dur="indefinite" restart="never" nodeType="tmRoot"/>
+      </p:par>
+    </p:tnLst>
+  </p:timing>
 </p:sld>
 </file>
 
@@ -8771,7 +8880,7 @@
   <a:extraClrSchemeLst/>
   <a:extLst>
     <a:ext uri="{05A4C25C-085E-4340-85A3-A5531E510DB2}">
-      <thm15:themeFamily xmlns="" xmlns:thm15="http://schemas.microsoft.com/office/thememl/2012/main" name="Office Theme" id="{62F939B6-93AF-4DB8-9C6B-D6C7DFDC589F}" vid="{4A3C46E8-61CC-4603-A589-7422A47A8E4A}"/>
+      <thm15:themeFamily xmlns:thm15="http://schemas.microsoft.com/office/thememl/2012/main" xmlns="" name="Office Theme" id="{62F939B6-93AF-4DB8-9C6B-D6C7DFDC589F}" vid="{4A3C46E8-61CC-4603-A589-7422A47A8E4A}"/>
     </a:ext>
   </a:extLst>
 </a:theme>

--- a/README.pptx
+++ b/README.pptx
@@ -123,7 +123,7 @@
   </p:defaultTextStyle>
   <p:extLst>
     <p:ext uri="{EFAFB233-063F-42B5-8137-9DF3F51BA10A}">
-      <p15:sldGuideLst xmlns:p15="http://schemas.microsoft.com/office/powerpoint/2012/main" xmlns="">
+      <p15:sldGuideLst xmlns:p15="http://schemas.microsoft.com/office/powerpoint/2012/main">
         <p15:guide id="1" orient="horz" pos="2160">
           <p15:clr>
             <a:srgbClr val="A4A3A4"/>
@@ -226,7 +226,7 @@
           <a:p>
             <a:fld id="{66B105AB-0F31-4E31-8256-7841B767E2AE}" type="datetimeFigureOut">
               <a:rPr lang="en-GB" smtClean="0"/>
-              <a:t>26/03/2018</a:t>
+              <a:t>10/09/2018</a:t>
             </a:fld>
             <a:endParaRPr lang="en-GB"/>
           </a:p>
@@ -625,7 +625,7 @@
           <a:p>
             <a:fld id="{0AF9AB42-7754-4A39-B895-9BE60049DFCC}" type="datetime1">
               <a:rPr lang="en-GB" smtClean="0"/>
-              <a:t>26/03/2018</a:t>
+              <a:t>10/09/2018</a:t>
             </a:fld>
             <a:endParaRPr lang="en-GB"/>
           </a:p>
@@ -798,7 +798,7 @@
           <a:p>
             <a:fld id="{C5FDF58E-A694-4923-8F74-566E8A32B1C7}" type="datetime1">
               <a:rPr lang="en-GB" smtClean="0"/>
-              <a:t>26/03/2018</a:t>
+              <a:t>10/09/2018</a:t>
             </a:fld>
             <a:endParaRPr lang="en-GB"/>
           </a:p>
@@ -981,7 +981,7 @@
           <a:p>
             <a:fld id="{CF68D6DF-1A30-4D8A-AD28-036908FB51B2}" type="datetime1">
               <a:rPr lang="en-GB" smtClean="0"/>
-              <a:t>26/03/2018</a:t>
+              <a:t>10/09/2018</a:t>
             </a:fld>
             <a:endParaRPr lang="en-GB"/>
           </a:p>
@@ -1154,7 +1154,7 @@
           <a:p>
             <a:fld id="{235352D1-08A9-4200-902D-1DD15FE1C897}" type="datetime1">
               <a:rPr lang="en-GB" smtClean="0"/>
-              <a:t>26/03/2018</a:t>
+              <a:t>10/09/2018</a:t>
             </a:fld>
             <a:endParaRPr lang="en-GB"/>
           </a:p>
@@ -1403,7 +1403,7 @@
           <a:p>
             <a:fld id="{BC1E5517-5DEB-4E83-8CC9-210D2FB0C171}" type="datetime1">
               <a:rPr lang="en-GB" smtClean="0"/>
-              <a:t>26/03/2018</a:t>
+              <a:t>10/09/2018</a:t>
             </a:fld>
             <a:endParaRPr lang="en-GB"/>
           </a:p>
@@ -1638,7 +1638,7 @@
           <a:p>
             <a:fld id="{6B54F2A8-ED5D-432B-8631-E3E5FE5C7B6C}" type="datetime1">
               <a:rPr lang="en-GB" smtClean="0"/>
-              <a:t>26/03/2018</a:t>
+              <a:t>10/09/2018</a:t>
             </a:fld>
             <a:endParaRPr lang="en-GB"/>
           </a:p>
@@ -2008,7 +2008,7 @@
           <a:p>
             <a:fld id="{71CC12EE-FF40-472C-8B7F-33B252D7C98B}" type="datetime1">
               <a:rPr lang="en-GB" smtClean="0"/>
-              <a:t>26/03/2018</a:t>
+              <a:t>10/09/2018</a:t>
             </a:fld>
             <a:endParaRPr lang="en-GB"/>
           </a:p>
@@ -2129,7 +2129,7 @@
           <a:p>
             <a:fld id="{C6B4B3F9-D2D6-4447-9135-E8F618E102B4}" type="datetime1">
               <a:rPr lang="en-GB" smtClean="0"/>
-              <a:t>26/03/2018</a:t>
+              <a:t>10/09/2018</a:t>
             </a:fld>
             <a:endParaRPr lang="en-GB"/>
           </a:p>
@@ -2227,7 +2227,7 @@
           <a:p>
             <a:fld id="{F61E7703-DFF0-48A9-BB88-68238BB724D2}" type="datetime1">
               <a:rPr lang="en-GB" smtClean="0"/>
-              <a:t>26/03/2018</a:t>
+              <a:t>10/09/2018</a:t>
             </a:fld>
             <a:endParaRPr lang="en-GB"/>
           </a:p>
@@ -2507,7 +2507,7 @@
           <a:p>
             <a:fld id="{C926F3A9-D135-485E-9A68-C7FCD6B30DAF}" type="datetime1">
               <a:rPr lang="en-GB" smtClean="0"/>
-              <a:t>26/03/2018</a:t>
+              <a:t>10/09/2018</a:t>
             </a:fld>
             <a:endParaRPr lang="en-GB"/>
           </a:p>
@@ -2767,7 +2767,7 @@
           <a:p>
             <a:fld id="{6001CE5A-4101-43EE-BFB2-58C7A7024D00}" type="datetime1">
               <a:rPr lang="en-GB" smtClean="0"/>
-              <a:t>26/03/2018</a:t>
+              <a:t>10/09/2018</a:t>
             </a:fld>
             <a:endParaRPr lang="en-GB"/>
           </a:p>
@@ -2983,7 +2983,7 @@
           <a:p>
             <a:fld id="{E124F8CC-8761-4124-A389-6C6DCCB38D99}" type="datetime1">
               <a:rPr lang="en-GB" smtClean="0"/>
-              <a:t>26/03/2018</a:t>
+              <a:t>10/09/2018</a:t>
             </a:fld>
             <a:endParaRPr lang="en-GB"/>
           </a:p>
@@ -3577,42 +3577,42 @@
                 <a:gridCol w="2045766">
                   <a:extLst>
                     <a:ext uri="{9D8B030D-6E8A-4147-A177-3AD203B41FA5}">
-                      <a16:colId xmlns:a16="http://schemas.microsoft.com/office/drawing/2014/main" xmlns="" val="20000"/>
+                      <a16:colId xmlns:a16="http://schemas.microsoft.com/office/drawing/2014/main" val="20000"/>
                     </a:ext>
                   </a:extLst>
                 </a:gridCol>
                 <a:gridCol w="1108129">
                   <a:extLst>
                     <a:ext uri="{9D8B030D-6E8A-4147-A177-3AD203B41FA5}">
-                      <a16:colId xmlns:a16="http://schemas.microsoft.com/office/drawing/2014/main" xmlns="" val="20001"/>
+                      <a16:colId xmlns:a16="http://schemas.microsoft.com/office/drawing/2014/main" val="20001"/>
                     </a:ext>
                   </a:extLst>
                 </a:gridCol>
                 <a:gridCol w="1255362">
                   <a:extLst>
                     <a:ext uri="{9D8B030D-6E8A-4147-A177-3AD203B41FA5}">
-                      <a16:colId xmlns:a16="http://schemas.microsoft.com/office/drawing/2014/main" xmlns="" val="20002"/>
+                      <a16:colId xmlns:a16="http://schemas.microsoft.com/office/drawing/2014/main" val="20002"/>
                     </a:ext>
                   </a:extLst>
                 </a:gridCol>
                 <a:gridCol w="1622768">
                   <a:extLst>
                     <a:ext uri="{9D8B030D-6E8A-4147-A177-3AD203B41FA5}">
-                      <a16:colId xmlns:a16="http://schemas.microsoft.com/office/drawing/2014/main" xmlns="" val="20003"/>
+                      <a16:colId xmlns:a16="http://schemas.microsoft.com/office/drawing/2014/main" val="20003"/>
                     </a:ext>
                   </a:extLst>
                 </a:gridCol>
                 <a:gridCol w="2019334">
                   <a:extLst>
                     <a:ext uri="{9D8B030D-6E8A-4147-A177-3AD203B41FA5}">
-                      <a16:colId xmlns:a16="http://schemas.microsoft.com/office/drawing/2014/main" xmlns="" val="20004"/>
+                      <a16:colId xmlns:a16="http://schemas.microsoft.com/office/drawing/2014/main" val="20004"/>
                     </a:ext>
                   </a:extLst>
                 </a:gridCol>
                 <a:gridCol w="2154265">
                   <a:extLst>
                     <a:ext uri="{9D8B030D-6E8A-4147-A177-3AD203B41FA5}">
-                      <a16:colId xmlns:a16="http://schemas.microsoft.com/office/drawing/2014/main" xmlns="" val="20005"/>
+                      <a16:colId xmlns:a16="http://schemas.microsoft.com/office/drawing/2014/main" val="20005"/>
                     </a:ext>
                   </a:extLst>
                 </a:gridCol>
@@ -3850,7 +3850,7 @@
                 </a:tc>
                 <a:extLst>
                   <a:ext uri="{0D108BD9-81ED-4DB2-BD59-A6C34878D82A}">
-                    <a16:rowId xmlns:a16="http://schemas.microsoft.com/office/drawing/2014/main" xmlns="" val="10000"/>
+                    <a16:rowId xmlns:a16="http://schemas.microsoft.com/office/drawing/2014/main" val="10000"/>
                   </a:ext>
                 </a:extLst>
               </a:tr>
@@ -4031,7 +4031,7 @@
                 </a:tc>
                 <a:extLst>
                   <a:ext uri="{0D108BD9-81ED-4DB2-BD59-A6C34878D82A}">
-                    <a16:rowId xmlns:a16="http://schemas.microsoft.com/office/drawing/2014/main" xmlns="" val="10001"/>
+                    <a16:rowId xmlns:a16="http://schemas.microsoft.com/office/drawing/2014/main" val="10001"/>
                   </a:ext>
                 </a:extLst>
               </a:tr>
@@ -4212,7 +4212,7 @@
                 </a:tc>
                 <a:extLst>
                   <a:ext uri="{0D108BD9-81ED-4DB2-BD59-A6C34878D82A}">
-                    <a16:rowId xmlns:a16="http://schemas.microsoft.com/office/drawing/2014/main" xmlns="" val="10002"/>
+                    <a16:rowId xmlns:a16="http://schemas.microsoft.com/office/drawing/2014/main" val="10002"/>
                   </a:ext>
                 </a:extLst>
               </a:tr>
@@ -4393,7 +4393,7 @@
                 </a:tc>
                 <a:extLst>
                   <a:ext uri="{0D108BD9-81ED-4DB2-BD59-A6C34878D82A}">
-                    <a16:rowId xmlns:a16="http://schemas.microsoft.com/office/drawing/2014/main" xmlns="" val="10003"/>
+                    <a16:rowId xmlns:a16="http://schemas.microsoft.com/office/drawing/2014/main" val="10003"/>
                   </a:ext>
                 </a:extLst>
               </a:tr>
@@ -4580,7 +4580,7 @@
                 </a:tc>
                 <a:extLst>
                   <a:ext uri="{0D108BD9-81ED-4DB2-BD59-A6C34878D82A}">
-                    <a16:rowId xmlns:a16="http://schemas.microsoft.com/office/drawing/2014/main" xmlns="" val="10004"/>
+                    <a16:rowId xmlns:a16="http://schemas.microsoft.com/office/drawing/2014/main" val="10004"/>
                   </a:ext>
                 </a:extLst>
               </a:tr>
@@ -4688,11 +4688,7 @@
             <a:pPr algn="ctr"/>
             <a:r>
               <a:rPr lang="en-GB" dirty="0" smtClean="0"/>
-              <a:t>Self-organised </a:t>
-            </a:r>
-            <a:r>
-              <a:rPr lang="en-GB" dirty="0" smtClean="0"/>
-              <a:t>map/network plot</a:t>
+              <a:t>Self-organised map/network plot</a:t>
             </a:r>
             <a:endParaRPr lang="en-GB" dirty="0"/>
           </a:p>
@@ -4983,7 +4979,7 @@
           <p:cNvPr id="2" name="Title 1">
             <a:extLst>
               <a:ext uri="{FF2B5EF4-FFF2-40B4-BE49-F238E27FC236}">
-                <a16:creationId xmlns:a16="http://schemas.microsoft.com/office/drawing/2014/main" xmlns="" id="{C578C6E6-9963-452C-A0B9-B961A198FCED}"/>
+                <a16:creationId xmlns:a16="http://schemas.microsoft.com/office/drawing/2014/main" id="{C578C6E6-9963-452C-A0B9-B961A198FCED}"/>
               </a:ext>
             </a:extLst>
           </p:cNvPr>
@@ -5012,7 +5008,7 @@
           <p:cNvPr id="3" name="Content Placeholder 2">
             <a:extLst>
               <a:ext uri="{FF2B5EF4-FFF2-40B4-BE49-F238E27FC236}">
-                <a16:creationId xmlns:a16="http://schemas.microsoft.com/office/drawing/2014/main" xmlns="" id="{7911F050-60EE-4F78-839E-EC193C6D5029}"/>
+                <a16:creationId xmlns:a16="http://schemas.microsoft.com/office/drawing/2014/main" id="{7911F050-60EE-4F78-839E-EC193C6D5029}"/>
               </a:ext>
             </a:extLst>
           </p:cNvPr>
@@ -5110,7 +5106,7 @@
           <p:cNvPr id="4" name="Footer Placeholder 3">
             <a:extLst>
               <a:ext uri="{FF2B5EF4-FFF2-40B4-BE49-F238E27FC236}">
-                <a16:creationId xmlns:a16="http://schemas.microsoft.com/office/drawing/2014/main" xmlns="" id="{CB56C53E-5AA6-4445-8310-80F39E373592}"/>
+                <a16:creationId xmlns:a16="http://schemas.microsoft.com/office/drawing/2014/main" id="{CB56C53E-5AA6-4445-8310-80F39E373592}"/>
               </a:ext>
             </a:extLst>
           </p:cNvPr>
@@ -5138,7 +5134,7 @@
           <p:cNvPr id="5" name="Slide Number Placeholder 4">
             <a:extLst>
               <a:ext uri="{FF2B5EF4-FFF2-40B4-BE49-F238E27FC236}">
-                <a16:creationId xmlns:a16="http://schemas.microsoft.com/office/drawing/2014/main" xmlns="" id="{3C6CFC43-56C3-4263-A119-89ADDD0C8539}"/>
+                <a16:creationId xmlns:a16="http://schemas.microsoft.com/office/drawing/2014/main" id="{3C6CFC43-56C3-4263-A119-89ADDD0C8539}"/>
               </a:ext>
             </a:extLst>
           </p:cNvPr>
@@ -5425,15 +5421,83 @@
           <a:p>
             <a:r>
               <a:rPr lang="en-US" dirty="0"/>
-              <a:t>Segre AV, et al (2010). Common Inherited Variation in Mitochondrial Genes Is Not Enriched for Associations with Type 2 Diabetes or Related Glycemic Traits. </a:t>
-            </a:r>
-            <a:r>
-              <a:rPr lang="en-US" dirty="0" err="1"/>
+              <a:t>Segre AV, et al (2010). Common </a:t>
+            </a:r>
+            <a:r>
+              <a:rPr lang="en-US" dirty="0" smtClean="0"/>
+              <a:t>inherited variation </a:t>
+            </a:r>
+            <a:r>
+              <a:rPr lang="en-US" dirty="0"/>
+              <a:t>in </a:t>
+            </a:r>
+            <a:r>
+              <a:rPr lang="en-US" dirty="0" smtClean="0"/>
+              <a:t>mitochondrial genes is </a:t>
+            </a:r>
+            <a:r>
+              <a:rPr lang="en-US" dirty="0"/>
+              <a:t>n</a:t>
+            </a:r>
+            <a:r>
+              <a:rPr lang="en-US" dirty="0" smtClean="0"/>
+              <a:t>ot </a:t>
+            </a:r>
+            <a:r>
+              <a:rPr lang="en-US" dirty="0"/>
+              <a:t>e</a:t>
+            </a:r>
+            <a:r>
+              <a:rPr lang="en-US" dirty="0" smtClean="0"/>
+              <a:t>nriched </a:t>
+            </a:r>
+            <a:r>
+              <a:rPr lang="en-US" dirty="0"/>
+              <a:t>for </a:t>
+            </a:r>
+            <a:r>
+              <a:rPr lang="en-US" dirty="0" smtClean="0"/>
+              <a:t>associations </a:t>
+            </a:r>
+            <a:r>
+              <a:rPr lang="en-US" dirty="0"/>
+              <a:t>with </a:t>
+            </a:r>
+            <a:r>
+              <a:rPr lang="en-US" dirty="0" smtClean="0"/>
+              <a:t>type </a:t>
+            </a:r>
+            <a:r>
+              <a:rPr lang="en-US" dirty="0"/>
+              <a:t>2 </a:t>
+            </a:r>
+            <a:r>
+              <a:rPr lang="en-US" dirty="0" smtClean="0"/>
+              <a:t>diabetes </a:t>
+            </a:r>
+            <a:r>
+              <a:rPr lang="en-US" dirty="0"/>
+              <a:t>or </a:t>
+            </a:r>
+            <a:r>
+              <a:rPr lang="en-US" smtClean="0"/>
+              <a:t>related glycemic traits</a:t>
+            </a:r>
+            <a:r>
+              <a:rPr lang="en-US" dirty="0"/>
+              <a:t>. </a:t>
+            </a:r>
+            <a:r>
+              <a:rPr lang="en-US" i="1" dirty="0" err="1"/>
               <a:t>PLoS</a:t>
             </a:r>
             <a:r>
+              <a:rPr lang="en-US" i="1" dirty="0"/>
+              <a:t> Genet</a:t>
+            </a:r>
+            <a:r>
               <a:rPr lang="en-US" dirty="0"/>
-              <a:t> Genet. 12;6(8). </a:t>
+              <a:t>. 12;6(8). </a:t>
             </a:r>
             <a:r>
               <a:rPr lang="en-US" dirty="0" err="1"/>
@@ -5464,23 +5528,51 @@
             </a:r>
             <a:r>
               <a:rPr lang="en-US" dirty="0"/>
-              <a:t> C, et al. (2015) MAGMA: Generalized Gene-Set Analysis of GWAS Data. </a:t>
-            </a:r>
-            <a:r>
-              <a:rPr lang="en-US" dirty="0" err="1"/>
+              <a:t> C, et al. (2015) MAGMA: Generalized </a:t>
+            </a:r>
+            <a:r>
+              <a:rPr lang="en-US" dirty="0" smtClean="0"/>
+              <a:t>gene-set </a:t>
+            </a:r>
+            <a:r>
+              <a:rPr lang="en-US" dirty="0"/>
+              <a:t>a</a:t>
+            </a:r>
+            <a:r>
+              <a:rPr lang="en-US" dirty="0" smtClean="0"/>
+              <a:t>nalysis </a:t>
+            </a:r>
+            <a:r>
+              <a:rPr lang="en-US" dirty="0"/>
+              <a:t>of GWAS </a:t>
+            </a:r>
+            <a:r>
+              <a:rPr lang="en-US" dirty="0" smtClean="0"/>
+              <a:t>data</a:t>
+            </a:r>
+            <a:r>
+              <a:rPr lang="en-US" dirty="0"/>
+              <a:t>. </a:t>
+            </a:r>
+            <a:r>
+              <a:rPr lang="en-US" i="1" dirty="0" err="1"/>
               <a:t>PLoS</a:t>
             </a:r>
             <a:r>
+              <a:rPr lang="en-US" i="1" dirty="0"/>
+              <a:t> </a:t>
+            </a:r>
+            <a:r>
+              <a:rPr lang="en-US" i="1" dirty="0" err="1"/>
+              <a:t>Comput</a:t>
+            </a:r>
+            <a:r>
+              <a:rPr lang="en-US" i="1" dirty="0"/>
+              <a:t> Biol</a:t>
+            </a:r>
+            <a:r>
               <a:rPr lang="en-US" dirty="0"/>
-              <a:t> </a:t>
-            </a:r>
-            <a:r>
-              <a:rPr lang="en-US" dirty="0" err="1"/>
-              <a:t>Comput</a:t>
-            </a:r>
-            <a:r>
-              <a:rPr lang="en-US" dirty="0"/>
-              <a:t> Biol. 11(4): e1004219. </a:t>
+              <a:t>. 11(4): e1004219. </a:t>
             </a:r>
             <a:r>
               <a:rPr lang="en-US" dirty="0" err="1"/>
@@ -5499,23 +5591,75 @@
             </a:r>
             <a:r>
               <a:rPr lang="en-US" dirty="0"/>
-              <a:t> D, et al. (2016) Fast and Rigorous Computation of Gene and Pathway Scores from SNP-Based Summary Statistics. </a:t>
-            </a:r>
-            <a:r>
-              <a:rPr lang="en-US" dirty="0" err="1"/>
+              <a:t> D, et al. (2016) Fast and </a:t>
+            </a:r>
+            <a:r>
+              <a:rPr lang="en-US" dirty="0" smtClean="0"/>
+              <a:t>rigorous </a:t>
+            </a:r>
+            <a:r>
+              <a:rPr lang="en-US" dirty="0"/>
+              <a:t>c</a:t>
+            </a:r>
+            <a:r>
+              <a:rPr lang="en-US" dirty="0" smtClean="0"/>
+              <a:t>omputation </a:t>
+            </a:r>
+            <a:r>
+              <a:rPr lang="en-US" dirty="0"/>
+              <a:t>of </a:t>
+            </a:r>
+            <a:r>
+              <a:rPr lang="en-US" dirty="0" smtClean="0"/>
+              <a:t>gene </a:t>
+            </a:r>
+            <a:r>
+              <a:rPr lang="en-US" dirty="0"/>
+              <a:t>and </a:t>
+            </a:r>
+            <a:r>
+              <a:rPr lang="en-US" dirty="0" smtClean="0"/>
+              <a:t>pathway scores </a:t>
+            </a:r>
+            <a:r>
+              <a:rPr lang="en-US" dirty="0"/>
+              <a:t>from </a:t>
+            </a:r>
+            <a:r>
+              <a:rPr lang="en-US" dirty="0" smtClean="0"/>
+              <a:t>SNP-based summary </a:t>
+            </a:r>
+            <a:r>
+              <a:rPr lang="en-US" dirty="0"/>
+              <a:t>s</a:t>
+            </a:r>
+            <a:r>
+              <a:rPr lang="en-US" dirty="0" smtClean="0"/>
+              <a:t>tatistics</a:t>
+            </a:r>
+            <a:r>
+              <a:rPr lang="en-US" dirty="0"/>
+              <a:t>. </a:t>
+            </a:r>
+            <a:r>
+              <a:rPr lang="en-US" i="1" dirty="0" err="1"/>
               <a:t>PLoS</a:t>
             </a:r>
             <a:r>
+              <a:rPr lang="en-US" i="1" dirty="0"/>
+              <a:t> </a:t>
+            </a:r>
+            <a:r>
+              <a:rPr lang="en-US" i="1" dirty="0" err="1"/>
+              <a:t>Comput</a:t>
+            </a:r>
+            <a:r>
+              <a:rPr lang="en-US" i="1" dirty="0"/>
+              <a:t> Biol</a:t>
+            </a:r>
+            <a:r>
               <a:rPr lang="en-US" dirty="0"/>
-              <a:t> </a:t>
-            </a:r>
-            <a:r>
-              <a:rPr lang="en-US" dirty="0" err="1"/>
-              <a:t>Comput</a:t>
-            </a:r>
-            <a:r>
-              <a:rPr lang="en-US" dirty="0"/>
-              <a:t> Biol. 2016 Jan 25;12(1):e1004714. </a:t>
+              <a:t>. 2016 Jan 25;12(1):e1004714. </a:t>
             </a:r>
             <a:r>
               <a:rPr lang="en-US" dirty="0" err="1"/>
@@ -5533,10 +5677,14 @@
             </a:r>
             <a:r>
               <a:rPr lang="en-US" dirty="0"/>
-              <a:t> TH et al.(2015) Biological interpretation of genome-wide association studies using predicted gene functions. Nat </a:t>
-            </a:r>
-            <a:r>
-              <a:rPr lang="en-US" dirty="0" err="1"/>
+              <a:t> TH et al.(2015) Biological interpretation of genome-wide association studies using predicted gene functions. </a:t>
+            </a:r>
+            <a:r>
+              <a:rPr lang="en-US" i="1" dirty="0"/>
+              <a:t>Nat </a:t>
+            </a:r>
+            <a:r>
+              <a:rPr lang="en-US" i="1" dirty="0" err="1"/>
               <a:t>Commun</a:t>
             </a:r>
             <a:r>
@@ -5683,7 +5831,15 @@
           <a:p>
             <a:r>
               <a:rPr lang="en-US" dirty="0"/>
-              <a:t>Named analogously to FM-pipeline introduced earlier, the aim of the pipeline is to</a:t>
+              <a:t>Named analogously to </a:t>
+            </a:r>
+            <a:r>
+              <a:rPr lang="en-US" dirty="0" smtClean="0"/>
+              <a:t>FM-pipeline, </a:t>
+            </a:r>
+            <a:r>
+              <a:rPr lang="en-US" dirty="0"/>
+              <a:t>the aim of the pipeline is to</a:t>
             </a:r>
           </a:p>
           <a:p>
@@ -5696,8 +5852,17 @@
             <a:pPr lvl="1"/>
             <a:r>
               <a:rPr lang="en-GB" dirty="0"/>
-              <a:t>facilitate setup of software. </a:t>
-            </a:r>
+              <a:t>facilitate setup of </a:t>
+            </a:r>
+            <a:r>
+              <a:rPr lang="en-GB" dirty="0" smtClean="0"/>
+              <a:t>software</a:t>
+            </a:r>
+            <a:r>
+              <a:rPr lang="en-GB" dirty="0"/>
+              <a:t>,</a:t>
+            </a:r>
+            <a:endParaRPr lang="en-GB" dirty="0"/>
           </a:p>
           <a:p>
             <a:pPr lvl="1"/>
@@ -5707,8 +5872,13 @@
             <a:pPr lvl="1"/>
             <a:r>
               <a:rPr lang="en-GB" dirty="0"/>
-              <a:t>accommodate input of GWAS summary statistics, pathway databases and software outputs, which allow for comparisons.</a:t>
-            </a:r>
+              <a:t>accommodate input of GWAS summary statistics, pathway databases and software outputs, which allow for </a:t>
+            </a:r>
+            <a:r>
+              <a:rPr lang="en-GB" dirty="0" smtClean="0"/>
+              <a:t>comparisons,</a:t>
+            </a:r>
+            <a:endParaRPr lang="en-GB" dirty="0"/>
           </a:p>
           <a:p>
             <a:pPr lvl="1"/>
@@ -6049,21 +6219,21 @@
                 <a:gridCol w="5054600">
                   <a:extLst>
                     <a:ext uri="{9D8B030D-6E8A-4147-A177-3AD203B41FA5}">
-                      <a16:colId xmlns:a16="http://schemas.microsoft.com/office/drawing/2014/main" xmlns="" val="865145431"/>
+                      <a16:colId xmlns:a16="http://schemas.microsoft.com/office/drawing/2014/main" val="865145431"/>
                     </a:ext>
                   </a:extLst>
                 </a:gridCol>
                 <a:gridCol w="1955800">
                   <a:extLst>
                     <a:ext uri="{9D8B030D-6E8A-4147-A177-3AD203B41FA5}">
-                      <a16:colId xmlns:a16="http://schemas.microsoft.com/office/drawing/2014/main" xmlns="" val="2266813503"/>
+                      <a16:colId xmlns:a16="http://schemas.microsoft.com/office/drawing/2014/main" val="2266813503"/>
                     </a:ext>
                   </a:extLst>
                 </a:gridCol>
                 <a:gridCol w="3505200">
                   <a:extLst>
                     <a:ext uri="{9D8B030D-6E8A-4147-A177-3AD203B41FA5}">
-                      <a16:colId xmlns:a16="http://schemas.microsoft.com/office/drawing/2014/main" xmlns="" val="3616348924"/>
+                      <a16:colId xmlns:a16="http://schemas.microsoft.com/office/drawing/2014/main" val="3616348924"/>
                     </a:ext>
                   </a:extLst>
                 </a:gridCol>
@@ -6158,7 +6328,7 @@
                 </a:tc>
                 <a:extLst>
                   <a:ext uri="{0D108BD9-81ED-4DB2-BD59-A6C34878D82A}">
-                    <a16:rowId xmlns:a16="http://schemas.microsoft.com/office/drawing/2014/main" xmlns="" val="4029533971"/>
+                    <a16:rowId xmlns:a16="http://schemas.microsoft.com/office/drawing/2014/main" val="4029533971"/>
                   </a:ext>
                 </a:extLst>
               </a:tr>
@@ -6264,7 +6434,7 @@
                 </a:tc>
                 <a:extLst>
                   <a:ext uri="{0D108BD9-81ED-4DB2-BD59-A6C34878D82A}">
-                    <a16:rowId xmlns:a16="http://schemas.microsoft.com/office/drawing/2014/main" xmlns="" val="3242111933"/>
+                    <a16:rowId xmlns:a16="http://schemas.microsoft.com/office/drawing/2014/main" val="3242111933"/>
                   </a:ext>
                 </a:extLst>
               </a:tr>
@@ -6358,7 +6528,7 @@
                 </a:tc>
                 <a:extLst>
                   <a:ext uri="{0D108BD9-81ED-4DB2-BD59-A6C34878D82A}">
-                    <a16:rowId xmlns:a16="http://schemas.microsoft.com/office/drawing/2014/main" xmlns="" val="3758837373"/>
+                    <a16:rowId xmlns:a16="http://schemas.microsoft.com/office/drawing/2014/main" val="3758837373"/>
                   </a:ext>
                 </a:extLst>
               </a:tr>
@@ -6458,7 +6628,7 @@
                 </a:tc>
                 <a:extLst>
                   <a:ext uri="{0D108BD9-81ED-4DB2-BD59-A6C34878D82A}">
-                    <a16:rowId xmlns:a16="http://schemas.microsoft.com/office/drawing/2014/main" xmlns="" val="2712992702"/>
+                    <a16:rowId xmlns:a16="http://schemas.microsoft.com/office/drawing/2014/main" val="2712992702"/>
                   </a:ext>
                 </a:extLst>
               </a:tr>
@@ -6558,7 +6728,7 @@
                 </a:tc>
                 <a:extLst>
                   <a:ext uri="{0D108BD9-81ED-4DB2-BD59-A6C34878D82A}">
-                    <a16:rowId xmlns:a16="http://schemas.microsoft.com/office/drawing/2014/main" xmlns="" val="1529562622"/>
+                    <a16:rowId xmlns:a16="http://schemas.microsoft.com/office/drawing/2014/main" val="1529562622"/>
                   </a:ext>
                 </a:extLst>
               </a:tr>
@@ -6694,38 +6864,65 @@
             </a:pPr>
             <a:r>
               <a:rPr lang="en-GB" b="1" dirty="0" smtClean="0"/>
-              <a:t>INPUT</a:t>
-            </a:r>
-            <a:r>
-              <a:rPr lang="en-GB" dirty="0"/>
-              <a:t>. GWAS summary statistics (repro.txt), e.g., </a:t>
-            </a:r>
+              <a:t>SETTINGS</a:t>
+            </a:r>
+            <a:r>
+              <a:rPr lang="en-GB" dirty="0" smtClean="0"/>
+              <a:t>. Modify PWP.ini at the working directory. </a:t>
+            </a:r>
+            <a:endParaRPr lang="en-GB" dirty="0"/>
           </a:p>
           <a:p>
             <a:pPr marL="0" indent="0">
               <a:buNone/>
             </a:pPr>
             <a:r>
-              <a:rPr lang="pt-BR" dirty="0"/>
-              <a:t>SNP A1 A2 freqA1 beta se P N chr pos</a:t>
-            </a:r>
-            <a:endParaRPr lang="en-GB" dirty="0"/>
+              <a:rPr lang="en-GB" b="1" dirty="0" smtClean="0"/>
+              <a:t>INPUT</a:t>
+            </a:r>
+            <a:r>
+              <a:rPr lang="en-GB" dirty="0"/>
+              <a:t>. GWAS summary statistics (repro.txt), e.g., </a:t>
+            </a:r>
           </a:p>
           <a:p>
             <a:pPr marL="0" indent="0">
               <a:buNone/>
             </a:pPr>
             <a:r>
-              <a:rPr lang="en-GB" dirty="0"/>
-              <a:t>rs4970634 a g 0.6730 -0.1970 0.0216 6.433e-20 70423 1 39364617</a:t>
-            </a:r>
+              <a:rPr lang="pt-BR" dirty="0"/>
+              <a:t>SNP A1 A2 freqA1 beta se P N chr pos</a:t>
+            </a:r>
+            <a:endParaRPr lang="en-GB" dirty="0"/>
           </a:p>
           <a:p>
             <a:pPr marL="0" indent="0">
               <a:buNone/>
             </a:pPr>
             <a:r>
-              <a:rPr lang="en-GB" b="1" dirty="0"/>
+              <a:rPr lang="en-GB" dirty="0"/>
+              <a:t>rs4970634 a g 0.6730 -0.1970 0.0216 6.433e-20 70423 1 39364617</a:t>
+            </a:r>
+          </a:p>
+          <a:p>
+            <a:pPr marL="0" indent="0">
+              <a:buNone/>
+            </a:pPr>
+            <a:r>
+              <a:rPr lang="en-GB" b="1" dirty="0" smtClean="0"/>
+              <a:t>SYNTAX</a:t>
+            </a:r>
+            <a:r>
+              <a:rPr lang="en-GB" dirty="0"/>
+              <a:t>. pwp.sh repro.txt</a:t>
+            </a:r>
+          </a:p>
+          <a:p>
+            <a:pPr marL="0" indent="0">
+              <a:buNone/>
+            </a:pPr>
+            <a:r>
+              <a:rPr lang="en-GB" b="1" dirty="0" smtClean="0"/>
               <a:t>OUTPUT</a:t>
             </a:r>
             <a:r>
@@ -6744,26 +6941,19 @@
               <a:buNone/>
             </a:pPr>
             <a:r>
-              <a:rPr lang="en-GB" b="1" dirty="0" smtClean="0"/>
-              <a:t>SYNTAX</a:t>
+              <a:rPr lang="en-GB" dirty="0" smtClean="0"/>
+              <a:t>See </a:t>
             </a:r>
             <a:r>
               <a:rPr lang="en-GB" dirty="0"/>
-              <a:t>. pwp.sh repro.txt</a:t>
+              <a:t>more from https://github.com/jinghuazhao/PW-pipeline. </a:t>
             </a:r>
           </a:p>
           <a:p>
             <a:pPr marL="0" indent="0">
               <a:buNone/>
             </a:pPr>
-            <a:r>
-              <a:rPr lang="en-GB" dirty="0" smtClean="0"/>
-              <a:t>Examples </a:t>
-            </a:r>
-            <a:r>
-              <a:rPr lang="en-GB" dirty="0"/>
-              <a:t>are given to get SNP positions from specific builds base on UCSC; more details are available from /genetics/bin/PW-pipeline and https://github.com/jinghuazhao/PW-pipeline. </a:t>
-            </a:r>
+            <a:endParaRPr lang="en-GB" dirty="0"/>
           </a:p>
         </p:txBody>
       </p:sp>
@@ -7508,42 +7698,42 @@
                 <a:gridCol w="2974383">
                   <a:extLst>
                     <a:ext uri="{9D8B030D-6E8A-4147-A177-3AD203B41FA5}">
-                      <a16:colId xmlns:a16="http://schemas.microsoft.com/office/drawing/2014/main" xmlns="" val="20000"/>
+                      <a16:colId xmlns:a16="http://schemas.microsoft.com/office/drawing/2014/main" val="20000"/>
                     </a:ext>
                   </a:extLst>
                 </a:gridCol>
                 <a:gridCol w="968644">
                   <a:extLst>
                     <a:ext uri="{9D8B030D-6E8A-4147-A177-3AD203B41FA5}">
-                      <a16:colId xmlns:a16="http://schemas.microsoft.com/office/drawing/2014/main" xmlns="" val="20001"/>
+                      <a16:colId xmlns:a16="http://schemas.microsoft.com/office/drawing/2014/main" val="20001"/>
                     </a:ext>
                   </a:extLst>
                 </a:gridCol>
                 <a:gridCol w="1433593">
                   <a:extLst>
                     <a:ext uri="{9D8B030D-6E8A-4147-A177-3AD203B41FA5}">
-                      <a16:colId xmlns:a16="http://schemas.microsoft.com/office/drawing/2014/main" xmlns="" val="20002"/>
+                      <a16:colId xmlns:a16="http://schemas.microsoft.com/office/drawing/2014/main" val="20002"/>
                     </a:ext>
                   </a:extLst>
                 </a:gridCol>
                 <a:gridCol w="1836549">
                   <a:extLst>
                     <a:ext uri="{9D8B030D-6E8A-4147-A177-3AD203B41FA5}">
-                      <a16:colId xmlns:a16="http://schemas.microsoft.com/office/drawing/2014/main" xmlns="" val="20003"/>
+                      <a16:colId xmlns:a16="http://schemas.microsoft.com/office/drawing/2014/main" val="20003"/>
                     </a:ext>
                   </a:extLst>
                 </a:gridCol>
                 <a:gridCol w="1455185">
                   <a:extLst>
                     <a:ext uri="{9D8B030D-6E8A-4147-A177-3AD203B41FA5}">
-                      <a16:colId xmlns:a16="http://schemas.microsoft.com/office/drawing/2014/main" xmlns="" val="20004"/>
+                      <a16:colId xmlns:a16="http://schemas.microsoft.com/office/drawing/2014/main" val="20004"/>
                     </a:ext>
                   </a:extLst>
                 </a:gridCol>
                 <a:gridCol w="1847246">
                   <a:extLst>
                     <a:ext uri="{9D8B030D-6E8A-4147-A177-3AD203B41FA5}">
-                      <a16:colId xmlns:a16="http://schemas.microsoft.com/office/drawing/2014/main" xmlns="" val="20005"/>
+                      <a16:colId xmlns:a16="http://schemas.microsoft.com/office/drawing/2014/main" val="20005"/>
                     </a:ext>
                   </a:extLst>
                 </a:gridCol>
@@ -7631,7 +7821,7 @@
                 </a:tc>
                 <a:extLst>
                   <a:ext uri="{0D108BD9-81ED-4DB2-BD59-A6C34878D82A}">
-                    <a16:rowId xmlns:a16="http://schemas.microsoft.com/office/drawing/2014/main" xmlns="" val="10000"/>
+                    <a16:rowId xmlns:a16="http://schemas.microsoft.com/office/drawing/2014/main" val="10000"/>
                   </a:ext>
                 </a:extLst>
               </a:tr>
@@ -7709,7 +7899,7 @@
                 </a:tc>
                 <a:extLst>
                   <a:ext uri="{0D108BD9-81ED-4DB2-BD59-A6C34878D82A}">
-                    <a16:rowId xmlns:a16="http://schemas.microsoft.com/office/drawing/2014/main" xmlns="" val="10001"/>
+                    <a16:rowId xmlns:a16="http://schemas.microsoft.com/office/drawing/2014/main" val="10001"/>
                   </a:ext>
                 </a:extLst>
               </a:tr>
@@ -7787,7 +7977,7 @@
                 </a:tc>
                 <a:extLst>
                   <a:ext uri="{0D108BD9-81ED-4DB2-BD59-A6C34878D82A}">
-                    <a16:rowId xmlns:a16="http://schemas.microsoft.com/office/drawing/2014/main" xmlns="" val="10002"/>
+                    <a16:rowId xmlns:a16="http://schemas.microsoft.com/office/drawing/2014/main" val="10002"/>
                   </a:ext>
                 </a:extLst>
               </a:tr>
@@ -7865,7 +8055,7 @@
                 </a:tc>
                 <a:extLst>
                   <a:ext uri="{0D108BD9-81ED-4DB2-BD59-A6C34878D82A}">
-                    <a16:rowId xmlns:a16="http://schemas.microsoft.com/office/drawing/2014/main" xmlns="" val="10003"/>
+                    <a16:rowId xmlns:a16="http://schemas.microsoft.com/office/drawing/2014/main" val="10003"/>
                   </a:ext>
                 </a:extLst>
               </a:tr>
@@ -7943,7 +8133,7 @@
                 </a:tc>
                 <a:extLst>
                   <a:ext uri="{0D108BD9-81ED-4DB2-BD59-A6C34878D82A}">
-                    <a16:rowId xmlns:a16="http://schemas.microsoft.com/office/drawing/2014/main" xmlns="" val="10004"/>
+                    <a16:rowId xmlns:a16="http://schemas.microsoft.com/office/drawing/2014/main" val="10004"/>
                   </a:ext>
                 </a:extLst>
               </a:tr>
@@ -8021,7 +8211,7 @@
                 </a:tc>
                 <a:extLst>
                   <a:ext uri="{0D108BD9-81ED-4DB2-BD59-A6C34878D82A}">
-                    <a16:rowId xmlns:a16="http://schemas.microsoft.com/office/drawing/2014/main" xmlns="" val="10005"/>
+                    <a16:rowId xmlns:a16="http://schemas.microsoft.com/office/drawing/2014/main" val="10005"/>
                   </a:ext>
                 </a:extLst>
               </a:tr>
@@ -8099,7 +8289,7 @@
                 </a:tc>
                 <a:extLst>
                   <a:ext uri="{0D108BD9-81ED-4DB2-BD59-A6C34878D82A}">
-                    <a16:rowId xmlns:a16="http://schemas.microsoft.com/office/drawing/2014/main" xmlns="" val="10006"/>
+                    <a16:rowId xmlns:a16="http://schemas.microsoft.com/office/drawing/2014/main" val="10006"/>
                   </a:ext>
                 </a:extLst>
               </a:tr>
@@ -8183,7 +8373,7 @@
                 </a:tc>
                 <a:extLst>
                   <a:ext uri="{0D108BD9-81ED-4DB2-BD59-A6C34878D82A}">
-                    <a16:rowId xmlns:a16="http://schemas.microsoft.com/office/drawing/2014/main" xmlns="" val="10007"/>
+                    <a16:rowId xmlns:a16="http://schemas.microsoft.com/office/drawing/2014/main" val="10007"/>
                   </a:ext>
                 </a:extLst>
               </a:tr>
@@ -8274,7 +8464,7 @@
                 </a:tc>
                 <a:extLst>
                   <a:ext uri="{0D108BD9-81ED-4DB2-BD59-A6C34878D82A}">
-                    <a16:rowId xmlns:a16="http://schemas.microsoft.com/office/drawing/2014/main" xmlns="" val="10008"/>
+                    <a16:rowId xmlns:a16="http://schemas.microsoft.com/office/drawing/2014/main" val="10008"/>
                   </a:ext>
                 </a:extLst>
               </a:tr>
@@ -8381,7 +8571,7 @@
                 </a:tc>
                 <a:extLst>
                   <a:ext uri="{0D108BD9-81ED-4DB2-BD59-A6C34878D82A}">
-                    <a16:rowId xmlns:a16="http://schemas.microsoft.com/office/drawing/2014/main" xmlns="" val="10009"/>
+                    <a16:rowId xmlns:a16="http://schemas.microsoft.com/office/drawing/2014/main" val="10009"/>
                   </a:ext>
                 </a:extLst>
               </a:tr>
@@ -8462,7 +8652,7 @@
                 </a:tc>
                 <a:extLst>
                   <a:ext uri="{0D108BD9-81ED-4DB2-BD59-A6C34878D82A}">
-                    <a16:rowId xmlns:a16="http://schemas.microsoft.com/office/drawing/2014/main" xmlns="" val="10010"/>
+                    <a16:rowId xmlns:a16="http://schemas.microsoft.com/office/drawing/2014/main" val="10010"/>
                   </a:ext>
                 </a:extLst>
               </a:tr>
@@ -8552,7 +8742,7 @@
                 </a:tc>
                 <a:extLst>
                   <a:ext uri="{0D108BD9-81ED-4DB2-BD59-A6C34878D82A}">
-                    <a16:rowId xmlns:a16="http://schemas.microsoft.com/office/drawing/2014/main" xmlns="" val="10011"/>
+                    <a16:rowId xmlns:a16="http://schemas.microsoft.com/office/drawing/2014/main" val="10011"/>
                   </a:ext>
                 </a:extLst>
               </a:tr>
@@ -8880,7 +9070,7 @@
   <a:extraClrSchemeLst/>
   <a:extLst>
     <a:ext uri="{05A4C25C-085E-4340-85A3-A5531E510DB2}">
-      <thm15:themeFamily xmlns:thm15="http://schemas.microsoft.com/office/thememl/2012/main" xmlns="" name="Office Theme" id="{62F939B6-93AF-4DB8-9C6B-D6C7DFDC589F}" vid="{4A3C46E8-61CC-4603-A589-7422A47A8E4A}"/>
+      <thm15:themeFamily xmlns:thm15="http://schemas.microsoft.com/office/thememl/2012/main" name="Office Theme" id="{62F939B6-93AF-4DB8-9C6B-D6C7DFDC589F}" vid="{4A3C46E8-61CC-4603-A589-7422A47A8E4A}"/>
     </a:ext>
   </a:extLst>
 </a:theme>
